--- a/help/data-sheets/assets/EliteSupportDatasheet.pptx
+++ b/help/data-sheets/assets/EliteSupportDatasheet.pptx
@@ -301,7 +301,7 @@
           <a:p>
             <a:fld id="{C12E57D6-2086-AA47-A7A4-C0CDE7C14E44}" type="datetimeFigureOut">
               <a:rPr lang="en-US" smtClean="0"/>
-              <a:t>9/22/2021</a:t>
+              <a:t>10/1/2021</a:t>
             </a:fld>
             <a:endParaRPr lang="en-US"/>
           </a:p>
@@ -715,6 +715,90 @@
           <a:bodyPr/>
           <a:lstStyle/>
           <a:p>
+            <a:fld id="{3FE59989-9CFD-3E47-ADC5-9472F49CBD92}" type="slidenum">
+              <a:rPr lang="en-US" smtClean="0"/>
+              <a:t>2</a:t>
+            </a:fld>
+            <a:endParaRPr lang="en-US"/>
+          </a:p>
+        </p:txBody>
+      </p:sp>
+    </p:spTree>
+    <p:extLst>
+      <p:ext uri="{BB962C8B-B14F-4D97-AF65-F5344CB8AC3E}">
+        <p14:creationId xmlns:p14="http://schemas.microsoft.com/office/powerpoint/2010/main" val="3273391532"/>
+      </p:ext>
+    </p:extLst>
+  </p:cSld>
+  <p:clrMapOvr>
+    <a:masterClrMapping/>
+  </p:clrMapOvr>
+</p:notes>
+</file>
+
+<file path=ppt/notesSlides/notesSlide3.xml><?xml version="1.0" encoding="utf-8"?>
+<p:notes xmlns:a="http://schemas.openxmlformats.org/drawingml/2006/main" xmlns:r="http://schemas.openxmlformats.org/officeDocument/2006/relationships" xmlns:p="http://schemas.openxmlformats.org/presentationml/2006/main">
+  <p:cSld>
+    <p:spTree>
+      <p:nvGrpSpPr>
+        <p:cNvPr id="1" name=""/>
+        <p:cNvGrpSpPr/>
+        <p:nvPr/>
+      </p:nvGrpSpPr>
+      <p:grpSpPr>
+        <a:xfrm>
+          <a:off x="0" y="0"/>
+          <a:ext cx="0" cy="0"/>
+          <a:chOff x="0" y="0"/>
+          <a:chExt cx="0" cy="0"/>
+        </a:xfrm>
+      </p:grpSpPr>
+      <p:sp>
+        <p:nvSpPr>
+          <p:cNvPr id="2" name="Slide Image Placeholder 1"/>
+          <p:cNvSpPr>
+            <a:spLocks noGrp="1" noRot="1" noChangeAspect="1"/>
+          </p:cNvSpPr>
+          <p:nvPr>
+            <p:ph type="sldImg"/>
+          </p:nvPr>
+        </p:nvSpPr>
+        <p:spPr/>
+      </p:sp>
+      <p:sp>
+        <p:nvSpPr>
+          <p:cNvPr id="3" name="Notes Placeholder 2"/>
+          <p:cNvSpPr>
+            <a:spLocks noGrp="1"/>
+          </p:cNvSpPr>
+          <p:nvPr>
+            <p:ph type="body" idx="1"/>
+          </p:nvPr>
+        </p:nvSpPr>
+        <p:spPr/>
+        <p:txBody>
+          <a:bodyPr/>
+          <a:lstStyle/>
+          <a:p>
+            <a:endParaRPr lang="en-US" dirty="0"/>
+          </a:p>
+        </p:txBody>
+      </p:sp>
+      <p:sp>
+        <p:nvSpPr>
+          <p:cNvPr id="4" name="Slide Number Placeholder 3"/>
+          <p:cNvSpPr>
+            <a:spLocks noGrp="1"/>
+          </p:cNvSpPr>
+          <p:nvPr>
+            <p:ph type="sldNum" sz="quarter" idx="5"/>
+          </p:nvPr>
+        </p:nvSpPr>
+        <p:spPr/>
+        <p:txBody>
+          <a:bodyPr/>
+          <a:lstStyle/>
+          <a:p>
             <a:fld id="{7DA1E84E-BC3F-7D4F-A7DC-121CE042C070}" type="slidenum">
               <a:rPr lang="en-US" smtClean="0"/>
               <a:t>4</a:t>
@@ -875,7 +959,7 @@
           <a:p>
             <a:fld id="{1D8BD707-D9CF-40AE-B4C6-C98DA3205C09}" type="datetimeFigureOut">
               <a:rPr lang="en-US"/>
-              <a:t>9/22/2021</a:t>
+              <a:t>10/1/2021</a:t>
             </a:fld>
             <a:endParaRPr lang="en-US"/>
           </a:p>
@@ -1120,7 +1204,7 @@
           <a:p>
             <a:fld id="{1D8BD707-D9CF-40AE-B4C6-C98DA3205C09}" type="datetimeFigureOut">
               <a:rPr lang="en-US"/>
-              <a:t>9/22/2021</a:t>
+              <a:t>10/1/2021</a:t>
             </a:fld>
             <a:endParaRPr lang="en-US"/>
           </a:p>
@@ -1378,7 +1462,7 @@
           <a:p>
             <a:fld id="{1D8BD707-D9CF-40AE-B4C6-C98DA3205C09}" type="datetimeFigureOut">
               <a:rPr lang="en-US"/>
-              <a:t>9/22/2021</a:t>
+              <a:t>10/1/2021</a:t>
             </a:fld>
             <a:endParaRPr lang="en-US"/>
           </a:p>
@@ -1570,7 +1654,7 @@
           <a:p>
             <a:fld id="{1D8BD707-D9CF-40AE-B4C6-C98DA3205C09}" type="datetimeFigureOut">
               <a:rPr lang="en-US"/>
-              <a:t>9/22/2021</a:t>
+              <a:t>10/1/2021</a:t>
             </a:fld>
             <a:endParaRPr lang="en-US"/>
           </a:p>
@@ -1733,7 +1817,7 @@
           <a:p>
             <a:fld id="{1D8BD707-D9CF-40AE-B4C6-C98DA3205C09}" type="datetimeFigureOut">
               <a:rPr lang="en-US"/>
-              <a:t>9/22/2021</a:t>
+              <a:t>10/1/2021</a:t>
             </a:fld>
             <a:endParaRPr lang="en-US"/>
           </a:p>
@@ -1996,7 +2080,7 @@
           <a:p>
             <a:fld id="{1D8BD707-D9CF-40AE-B4C6-C98DA3205C09}" type="datetimeFigureOut">
               <a:rPr lang="en-US"/>
-              <a:t>9/22/2021</a:t>
+              <a:t>10/1/2021</a:t>
             </a:fld>
             <a:endParaRPr lang="en-US"/>
           </a:p>
@@ -2293,10 +2377,10 @@
               </a:spcBef>
             </a:pPr>
             <a:r>
-              <a:rPr sz="2300" dirty="0">
+              <a:rPr lang="fr-FR" sz="2300">
                 <a:latin typeface="Adobe Clean" panose="020B0503020404020204" pitchFamily="34" charset="0"/>
               </a:rPr>
-              <a:t>ADOBE SUPPORTOFFERINGS</a:t>
+              <a:t>OFFRES D’ASSISTANCE ADOBE</a:t>
             </a:r>
           </a:p>
         </p:txBody>
@@ -2331,107 +2415,17 @@
               </a:spcBef>
             </a:pPr>
             <a:r>
-              <a:rPr sz="1100" spc="-5" dirty="0">
+              <a:rPr lang="fr-FR" sz="1100" dirty="0">
                 <a:solidFill>
                   <a:srgbClr val="FFFFFF"/>
                 </a:solidFill>
                 <a:latin typeface="AdobeClean-Light"/>
                 <a:cs typeface="AdobeClean-Light"/>
               </a:rPr>
-              <a:t>Online</a:t>
-            </a:r>
-            <a:r>
-              <a:rPr sz="1100" dirty="0">
-                <a:solidFill>
-                  <a:srgbClr val="FFFFFF"/>
-                </a:solidFill>
-                <a:latin typeface="AdobeClean-Light"/>
-                <a:cs typeface="AdobeClean-Light"/>
-              </a:rPr>
-              <a:t> |</a:t>
-            </a:r>
-            <a:r>
-              <a:rPr sz="1100" spc="5" dirty="0">
-                <a:solidFill>
-                  <a:srgbClr val="FFFFFF"/>
-                </a:solidFill>
-                <a:latin typeface="AdobeClean-Light"/>
-                <a:cs typeface="AdobeClean-Light"/>
-              </a:rPr>
-              <a:t> </a:t>
-            </a:r>
-            <a:r>
-              <a:rPr sz="1100" spc="-5" dirty="0">
-                <a:solidFill>
-                  <a:srgbClr val="FFFFFF"/>
-                </a:solidFill>
-                <a:latin typeface="AdobeClean-Light"/>
-                <a:cs typeface="AdobeClean-Light"/>
-              </a:rPr>
-              <a:t>Business</a:t>
-            </a:r>
-            <a:r>
-              <a:rPr sz="1100" dirty="0">
-                <a:solidFill>
-                  <a:srgbClr val="FFFFFF"/>
-                </a:solidFill>
-                <a:latin typeface="AdobeClean-Light"/>
-                <a:cs typeface="AdobeClean-Light"/>
-              </a:rPr>
-              <a:t> |</a:t>
-            </a:r>
-            <a:r>
-              <a:rPr sz="1100" spc="10" dirty="0">
-                <a:solidFill>
-                  <a:srgbClr val="FFFFFF"/>
-                </a:solidFill>
-                <a:latin typeface="AdobeClean-Light"/>
-                <a:cs typeface="AdobeClean-Light"/>
-              </a:rPr>
-              <a:t> </a:t>
-            </a:r>
-            <a:r>
-              <a:rPr sz="1100" spc="-5" dirty="0">
-                <a:solidFill>
-                  <a:srgbClr val="FFFFFF"/>
-                </a:solidFill>
-                <a:latin typeface="AdobeClean-Light"/>
-                <a:cs typeface="AdobeClean-Light"/>
-              </a:rPr>
-              <a:t>Enterprise</a:t>
-            </a:r>
-            <a:r>
-              <a:rPr sz="1100" spc="10" dirty="0">
-                <a:solidFill>
-                  <a:srgbClr val="FFFFFF"/>
-                </a:solidFill>
-                <a:latin typeface="AdobeClean-Light"/>
-                <a:cs typeface="AdobeClean-Light"/>
-              </a:rPr>
-              <a:t> </a:t>
-            </a:r>
-            <a:r>
-              <a:rPr sz="1100" dirty="0">
-                <a:solidFill>
-                  <a:srgbClr val="FFFFFF"/>
-                </a:solidFill>
-                <a:latin typeface="AdobeClean-Light"/>
-                <a:cs typeface="AdobeClean-Light"/>
-              </a:rPr>
-              <a:t>|</a:t>
-            </a:r>
-            <a:r>
-              <a:rPr sz="1100" spc="5" dirty="0">
-                <a:solidFill>
-                  <a:srgbClr val="FFFFFF"/>
-                </a:solidFill>
-                <a:latin typeface="AdobeClean-Light"/>
-                <a:cs typeface="AdobeClean-Light"/>
-              </a:rPr>
-              <a:t> </a:t>
-            </a:r>
-            <a:r>
-              <a:rPr sz="1100" b="1" spc="-65" dirty="0">
+              <a:t>En ligne | Commerciale | Entreprise | </a:t>
+            </a:r>
+            <a:r>
+              <a:rPr lang="fr-FR" sz="1100" b="1" dirty="0">
                 <a:solidFill>
                   <a:srgbClr val="FFFFFF"/>
                 </a:solidFill>
@@ -2440,10 +2434,6 @@
               </a:rPr>
               <a:t>Elite</a:t>
             </a:r>
-            <a:endParaRPr sz="1100" dirty="0">
-              <a:latin typeface="Arial"/>
-              <a:cs typeface="Arial"/>
-            </a:endParaRPr>
           </a:p>
           <a:p>
             <a:pPr marL="12700" marR="1076325">
@@ -2452,21 +2442,137 @@
               </a:spcBef>
             </a:pPr>
             <a:r>
-              <a:rPr lang="en-US" sz="900" dirty="0">
+              <a:rPr lang="fr-FR" sz="800" dirty="0">
                 <a:solidFill>
                   <a:schemeClr val="bg1"/>
                 </a:solidFill>
                 <a:latin typeface="Adobe Clean SemiLight" panose="020B0403020404020204" pitchFamily="34" charset="0"/>
               </a:rPr>
-              <a:t>Adobe provides a comprehensive range of technical resources to help support your business included as part of your Experience Cloud license subscription and further enhanced in the ELITE support package. ELITE support includes access to personalized learning paths and monitored community forums via the Adobe Experience League. You can also take advantage of our detailed and in-depth technical product documentation and current release notes. ELITE customers will also have access to a Named Support Engineer as well as a Technical Account Manager who combine and work in partnership with you to provide best in class proactive and reactive support while acting as your designated technical contacts in the Adobe Support Team. With deep experience in your designated Experience Cloud solutions, your support team work to ensure that no matter how complex your support needs are, the Adobe Support team will be there side by side with you throughout, to ensure you maximize your investment in the Adobe Experience Cloud solutions and to help you avoid problems before they happen.</a:t>
-            </a:r>
-            <a:endParaRPr sz="900" dirty="0">
-              <a:solidFill>
-                <a:schemeClr val="bg1"/>
-              </a:solidFill>
-              <a:latin typeface="AdobeClean-Light"/>
-              <a:cs typeface="AdobeClean-Light"/>
-            </a:endParaRPr>
+              <a:t>Adobe offre une gamme complète de ressources techniques afin d’appuyer votre entreprise. Elles sont comprises dans votre abonnement </a:t>
+            </a:r>
+            <a:br>
+              <a:rPr lang="sk-SK" sz="800" dirty="0">
+                <a:solidFill>
+                  <a:schemeClr val="bg1"/>
+                </a:solidFill>
+                <a:latin typeface="Adobe Clean SemiLight" panose="020B0403020404020204" pitchFamily="34" charset="0"/>
+              </a:rPr>
+            </a:br>
+            <a:r>
+              <a:rPr lang="fr-FR" sz="800" dirty="0">
+                <a:solidFill>
+                  <a:schemeClr val="bg1"/>
+                </a:solidFill>
+                <a:latin typeface="Adobe Clean SemiLight" panose="020B0403020404020204" pitchFamily="34" charset="0"/>
+              </a:rPr>
+              <a:t>à la licence </a:t>
+            </a:r>
+            <a:r>
+              <a:rPr lang="fr-FR" sz="800" dirty="0" err="1">
+                <a:solidFill>
+                  <a:schemeClr val="bg1"/>
+                </a:solidFill>
+                <a:latin typeface="Adobe Clean SemiLight" panose="020B0403020404020204" pitchFamily="34" charset="0"/>
+              </a:rPr>
+              <a:t>Experience</a:t>
+            </a:r>
+            <a:r>
+              <a:rPr lang="fr-FR" sz="800" dirty="0">
+                <a:solidFill>
+                  <a:schemeClr val="bg1"/>
+                </a:solidFill>
+                <a:latin typeface="Adobe Clean SemiLight" panose="020B0403020404020204" pitchFamily="34" charset="0"/>
+              </a:rPr>
+              <a:t> Cloud et sont davantage améliorées dans le pack d’assistance ELITE. L’assistance ELITE comprend un accès à des parcours de formation personnalisés et à des forums communautaires surveillés au travers d’</a:t>
+            </a:r>
+            <a:r>
+              <a:rPr lang="fr-FR" sz="800" dirty="0" err="1">
+                <a:solidFill>
+                  <a:schemeClr val="bg1"/>
+                </a:solidFill>
+                <a:latin typeface="Adobe Clean SemiLight" panose="020B0403020404020204" pitchFamily="34" charset="0"/>
+              </a:rPr>
+              <a:t>Experience</a:t>
+            </a:r>
+            <a:r>
+              <a:rPr lang="fr-FR" sz="800" dirty="0">
+                <a:solidFill>
+                  <a:schemeClr val="bg1"/>
+                </a:solidFill>
+                <a:latin typeface="Adobe Clean SemiLight" panose="020B0403020404020204" pitchFamily="34" charset="0"/>
+              </a:rPr>
+              <a:t> League d’Adobe. Vous pouvez également tirer profit de notre documentation technique détaillée et approfondie sur les produits, ainsi que de nos notes de mise à jour actuelles. Les clients ELITE auront également accès à un ingénieur d’assistance nommé, ainsi qu’à un gestionnaire de compte technique qui s’associent et travaillent </a:t>
+            </a:r>
+            <a:br>
+              <a:rPr lang="sk-SK" sz="800" dirty="0">
+                <a:solidFill>
+                  <a:schemeClr val="bg1"/>
+                </a:solidFill>
+                <a:latin typeface="Adobe Clean SemiLight" panose="020B0403020404020204" pitchFamily="34" charset="0"/>
+              </a:rPr>
+            </a:br>
+            <a:r>
+              <a:rPr lang="fr-FR" sz="800" dirty="0">
+                <a:solidFill>
+                  <a:schemeClr val="bg1"/>
+                </a:solidFill>
+                <a:latin typeface="Adobe Clean SemiLight" panose="020B0403020404020204" pitchFamily="34" charset="0"/>
+              </a:rPr>
+              <a:t>en collaboration avec vous afin de vous offrir la meilleure assistance proactive et réactive de sa catégorie. Parallèlement, ils jouent le rôle </a:t>
+            </a:r>
+            <a:br>
+              <a:rPr lang="sk-SK" sz="800" dirty="0">
+                <a:solidFill>
+                  <a:schemeClr val="bg1"/>
+                </a:solidFill>
+                <a:latin typeface="Adobe Clean SemiLight" panose="020B0403020404020204" pitchFamily="34" charset="0"/>
+              </a:rPr>
+            </a:br>
+            <a:r>
+              <a:rPr lang="fr-FR" sz="800" dirty="0">
+                <a:solidFill>
+                  <a:schemeClr val="bg1"/>
+                </a:solidFill>
+                <a:latin typeface="Adobe Clean SemiLight" panose="020B0403020404020204" pitchFamily="34" charset="0"/>
+              </a:rPr>
+              <a:t>de contacts techniques désignés dans l’équipe d’assistance d’Adobe. Grâce à sa grande expérience dans vos solutions </a:t>
+            </a:r>
+            <a:r>
+              <a:rPr lang="fr-FR" sz="800" dirty="0" err="1">
+                <a:solidFill>
+                  <a:schemeClr val="bg1"/>
+                </a:solidFill>
+                <a:latin typeface="Adobe Clean SemiLight" panose="020B0403020404020204" pitchFamily="34" charset="0"/>
+              </a:rPr>
+              <a:t>Experience</a:t>
+            </a:r>
+            <a:r>
+              <a:rPr lang="fr-FR" sz="800" dirty="0">
+                <a:solidFill>
+                  <a:schemeClr val="bg1"/>
+                </a:solidFill>
+                <a:latin typeface="Adobe Clean SemiLight" panose="020B0403020404020204" pitchFamily="34" charset="0"/>
+              </a:rPr>
+              <a:t> Cloud, votre équipe d’assistance travaille dans le but de s’assurer que, peu importe la complexité de vos besoins en matière d’assistance, l’équipe d’assistance d’Adobe sera à vos côtés du début à la fin. Elle s’assurera ainsi que vous maximisiez votre investissement dans les solutions Adobe </a:t>
+            </a:r>
+            <a:r>
+              <a:rPr lang="fr-FR" sz="800" dirty="0" err="1">
+                <a:solidFill>
+                  <a:schemeClr val="bg1"/>
+                </a:solidFill>
+                <a:latin typeface="Adobe Clean SemiLight" panose="020B0403020404020204" pitchFamily="34" charset="0"/>
+              </a:rPr>
+              <a:t>Experience</a:t>
+            </a:r>
+            <a:r>
+              <a:rPr lang="fr-FR" sz="800" dirty="0">
+                <a:solidFill>
+                  <a:schemeClr val="bg1"/>
+                </a:solidFill>
+                <a:latin typeface="Adobe Clean SemiLight" panose="020B0403020404020204" pitchFamily="34" charset="0"/>
+              </a:rPr>
+              <a:t> Cloud et vous permettra d’éviter tout problème avant même qu’il ne survienne.</a:t>
+            </a:r>
           </a:p>
         </p:txBody>
       </p:sp>
@@ -2478,8 +2584,8 @@
         </p:nvSpPr>
         <p:spPr>
           <a:xfrm>
-            <a:off x="168564" y="7024371"/>
-            <a:ext cx="2780665" cy="238760"/>
+            <a:off x="168564" y="7086932"/>
+            <a:ext cx="3870036" cy="228268"/>
           </a:xfrm>
           <a:prstGeom prst="rect">
             <a:avLst/>
@@ -2500,7 +2606,7 @@
               </a:spcBef>
             </a:pPr>
             <a:r>
-              <a:rPr sz="1400" b="1" u="heavy" spc="20" dirty="0">
+              <a:rPr lang="fr-FR" sz="1400" b="1" u="heavy" dirty="0">
                 <a:solidFill>
                   <a:srgbClr val="020302"/>
                 </a:solidFill>
@@ -2512,447 +2618,8 @@
                 <a:latin typeface="Adobe Clean"/>
                 <a:cs typeface="Adobe Clean"/>
               </a:rPr>
-              <a:t>S</a:t>
-            </a:r>
-            <a:r>
-              <a:rPr sz="1400" b="1" u="heavy" dirty="0">
-                <a:solidFill>
-                  <a:srgbClr val="020302"/>
-                </a:solidFill>
-                <a:uFill>
-                  <a:solidFill>
-                    <a:srgbClr val="020302"/>
-                  </a:solidFill>
-                </a:uFill>
-                <a:latin typeface="Adobe Clean"/>
-                <a:cs typeface="Adobe Clean"/>
-              </a:rPr>
-              <a:t>er</a:t>
-            </a:r>
-            <a:r>
-              <a:rPr sz="1400" b="1" u="heavy" spc="10" dirty="0">
-                <a:solidFill>
-                  <a:srgbClr val="020302"/>
-                </a:solidFill>
-                <a:uFill>
-                  <a:solidFill>
-                    <a:srgbClr val="020302"/>
-                  </a:solidFill>
-                </a:uFill>
-                <a:latin typeface="Adobe Clean"/>
-                <a:cs typeface="Adobe Clean"/>
-              </a:rPr>
-              <a:t>vi</a:t>
-            </a:r>
-            <a:r>
-              <a:rPr sz="1400" b="1" u="heavy" dirty="0">
-                <a:solidFill>
-                  <a:srgbClr val="020302"/>
-                </a:solidFill>
-                <a:uFill>
-                  <a:solidFill>
-                    <a:srgbClr val="020302"/>
-                  </a:solidFill>
-                </a:uFill>
-                <a:latin typeface="Adobe Clean"/>
-                <a:cs typeface="Adobe Clean"/>
-              </a:rPr>
-              <a:t>ce</a:t>
-            </a:r>
-            <a:r>
-              <a:rPr sz="1400" b="1" u="heavy" spc="20" dirty="0">
-                <a:solidFill>
-                  <a:srgbClr val="020302"/>
-                </a:solidFill>
-                <a:uFill>
-                  <a:solidFill>
-                    <a:srgbClr val="020302"/>
-                  </a:solidFill>
-                </a:uFill>
-                <a:latin typeface="Adobe Clean"/>
-                <a:cs typeface="Adobe Clean"/>
-              </a:rPr>
-              <a:t> </a:t>
-            </a:r>
-            <a:r>
-              <a:rPr sz="1400" b="1" u="heavy" spc="-20" dirty="0">
-                <a:solidFill>
-                  <a:srgbClr val="020302"/>
-                </a:solidFill>
-                <a:uFill>
-                  <a:solidFill>
-                    <a:srgbClr val="020302"/>
-                  </a:solidFill>
-                </a:uFill>
-                <a:latin typeface="Adobe Clean"/>
-                <a:cs typeface="Adobe Clean"/>
-              </a:rPr>
-              <a:t>Le</a:t>
-            </a:r>
-            <a:r>
-              <a:rPr sz="1400" b="1" u="heavy" spc="-10" dirty="0">
-                <a:solidFill>
-                  <a:srgbClr val="020302"/>
-                </a:solidFill>
-                <a:uFill>
-                  <a:solidFill>
-                    <a:srgbClr val="020302"/>
-                  </a:solidFill>
-                </a:uFill>
-                <a:latin typeface="Adobe Clean"/>
-                <a:cs typeface="Adobe Clean"/>
-              </a:rPr>
-              <a:t>v</a:t>
-            </a:r>
-            <a:r>
-              <a:rPr sz="1400" b="1" u="heavy" spc="-20" dirty="0">
-                <a:solidFill>
-                  <a:srgbClr val="020302"/>
-                </a:solidFill>
-                <a:uFill>
-                  <a:solidFill>
-                    <a:srgbClr val="020302"/>
-                  </a:solidFill>
-                </a:uFill>
-                <a:latin typeface="Adobe Clean"/>
-                <a:cs typeface="Adobe Clean"/>
-              </a:rPr>
-              <a:t>e</a:t>
-            </a:r>
-            <a:r>
-              <a:rPr sz="1400" b="1" u="heavy" dirty="0">
-                <a:solidFill>
-                  <a:srgbClr val="020302"/>
-                </a:solidFill>
-                <a:uFill>
-                  <a:solidFill>
-                    <a:srgbClr val="020302"/>
-                  </a:solidFill>
-                </a:uFill>
-                <a:latin typeface="Adobe Clean"/>
-                <a:cs typeface="Adobe Clean"/>
-              </a:rPr>
-              <a:t>l</a:t>
-            </a:r>
-            <a:r>
-              <a:rPr sz="1400" b="1" u="heavy" spc="-10" dirty="0">
-                <a:solidFill>
-                  <a:srgbClr val="020302"/>
-                </a:solidFill>
-                <a:uFill>
-                  <a:solidFill>
-                    <a:srgbClr val="020302"/>
-                  </a:solidFill>
-                </a:uFill>
-                <a:latin typeface="Adobe Clean"/>
-                <a:cs typeface="Adobe Clean"/>
-              </a:rPr>
-              <a:t> </a:t>
-            </a:r>
-            <a:r>
-              <a:rPr sz="1400" b="1" u="heavy" spc="-65" dirty="0">
-                <a:solidFill>
-                  <a:srgbClr val="020302"/>
-                </a:solidFill>
-                <a:uFill>
-                  <a:solidFill>
-                    <a:srgbClr val="020302"/>
-                  </a:solidFill>
-                </a:uFill>
-                <a:latin typeface="Adobe Clean"/>
-                <a:cs typeface="Adobe Clean"/>
-              </a:rPr>
-              <a:t>T</a:t>
-            </a:r>
-            <a:r>
-              <a:rPr sz="1400" b="1" u="heavy" spc="-35" dirty="0">
-                <a:solidFill>
-                  <a:srgbClr val="020302"/>
-                </a:solidFill>
-                <a:uFill>
-                  <a:solidFill>
-                    <a:srgbClr val="020302"/>
-                  </a:solidFill>
-                </a:uFill>
-                <a:latin typeface="Adobe Clean"/>
-                <a:cs typeface="Adobe Clean"/>
-              </a:rPr>
-              <a:t>a</a:t>
-            </a:r>
-            <a:r>
-              <a:rPr sz="1400" b="1" u="heavy" spc="-45" dirty="0">
-                <a:solidFill>
-                  <a:srgbClr val="020302"/>
-                </a:solidFill>
-                <a:uFill>
-                  <a:solidFill>
-                    <a:srgbClr val="020302"/>
-                  </a:solidFill>
-                </a:uFill>
-                <a:latin typeface="Adobe Clean"/>
-                <a:cs typeface="Adobe Clean"/>
-              </a:rPr>
-              <a:t>r</a:t>
-            </a:r>
-            <a:r>
-              <a:rPr sz="1400" b="1" u="heavy" spc="-35" dirty="0">
-                <a:solidFill>
-                  <a:srgbClr val="020302"/>
-                </a:solidFill>
-                <a:uFill>
-                  <a:solidFill>
-                    <a:srgbClr val="020302"/>
-                  </a:solidFill>
-                </a:uFill>
-                <a:latin typeface="Adobe Clean"/>
-                <a:cs typeface="Adobe Clean"/>
-              </a:rPr>
-              <a:t>g</a:t>
-            </a:r>
-            <a:r>
-              <a:rPr sz="1400" b="1" u="heavy" spc="-55" dirty="0">
-                <a:solidFill>
-                  <a:srgbClr val="020302"/>
-                </a:solidFill>
-                <a:uFill>
-                  <a:solidFill>
-                    <a:srgbClr val="020302"/>
-                  </a:solidFill>
-                </a:uFill>
-                <a:latin typeface="Adobe Clean"/>
-                <a:cs typeface="Adobe Clean"/>
-              </a:rPr>
-              <a:t>et</a:t>
-            </a:r>
-            <a:r>
-              <a:rPr sz="1400" b="1" u="heavy" spc="-45" dirty="0">
-                <a:solidFill>
-                  <a:srgbClr val="020302"/>
-                </a:solidFill>
-                <a:uFill>
-                  <a:solidFill>
-                    <a:srgbClr val="020302"/>
-                  </a:solidFill>
-                </a:uFill>
-                <a:latin typeface="Adobe Clean"/>
-                <a:cs typeface="Adobe Clean"/>
-              </a:rPr>
-              <a:t>s</a:t>
-            </a:r>
-            <a:r>
-              <a:rPr sz="1400" b="1" u="heavy" dirty="0">
-                <a:solidFill>
-                  <a:srgbClr val="020302"/>
-                </a:solidFill>
-                <a:uFill>
-                  <a:solidFill>
-                    <a:srgbClr val="020302"/>
-                  </a:solidFill>
-                </a:uFill>
-                <a:latin typeface="Adobe Clean"/>
-                <a:cs typeface="Adobe Clean"/>
-              </a:rPr>
-              <a:t>:</a:t>
-            </a:r>
-            <a:r>
-              <a:rPr sz="1400" b="1" u="heavy" spc="-80" dirty="0">
-                <a:solidFill>
-                  <a:srgbClr val="020302"/>
-                </a:solidFill>
-                <a:uFill>
-                  <a:solidFill>
-                    <a:srgbClr val="020302"/>
-                  </a:solidFill>
-                </a:uFill>
-                <a:latin typeface="Adobe Clean"/>
-                <a:cs typeface="Adobe Clean"/>
-              </a:rPr>
-              <a:t> </a:t>
-            </a:r>
-            <a:r>
-              <a:rPr sz="1400" b="1" u="heavy" spc="-20" dirty="0">
-                <a:solidFill>
-                  <a:srgbClr val="020302"/>
-                </a:solidFill>
-                <a:uFill>
-                  <a:solidFill>
-                    <a:srgbClr val="020302"/>
-                  </a:solidFill>
-                </a:uFill>
-                <a:latin typeface="Adobe Clean"/>
-                <a:cs typeface="Adobe Clean"/>
-              </a:rPr>
-              <a:t>I</a:t>
-            </a:r>
-            <a:r>
-              <a:rPr sz="1400" b="1" u="heavy" spc="-10" dirty="0">
-                <a:solidFill>
-                  <a:srgbClr val="020302"/>
-                </a:solidFill>
-                <a:uFill>
-                  <a:solidFill>
-                    <a:srgbClr val="020302"/>
-                  </a:solidFill>
-                </a:uFill>
-                <a:latin typeface="Adobe Clean"/>
-                <a:cs typeface="Adobe Clean"/>
-              </a:rPr>
-              <a:t>ni</a:t>
-            </a:r>
-            <a:r>
-              <a:rPr sz="1400" b="1" u="heavy" spc="-20" dirty="0">
-                <a:solidFill>
-                  <a:srgbClr val="020302"/>
-                </a:solidFill>
-                <a:uFill>
-                  <a:solidFill>
-                    <a:srgbClr val="020302"/>
-                  </a:solidFill>
-                </a:uFill>
-                <a:latin typeface="Adobe Clean"/>
-                <a:cs typeface="Adobe Clean"/>
-              </a:rPr>
-              <a:t>t</a:t>
-            </a:r>
-            <a:r>
-              <a:rPr sz="1400" b="1" u="heavy" spc="-10" dirty="0">
-                <a:solidFill>
-                  <a:srgbClr val="020302"/>
-                </a:solidFill>
-                <a:uFill>
-                  <a:solidFill>
-                    <a:srgbClr val="020302"/>
-                  </a:solidFill>
-                </a:uFill>
-                <a:latin typeface="Adobe Clean"/>
-                <a:cs typeface="Adobe Clean"/>
-              </a:rPr>
-              <a:t>i</a:t>
-            </a:r>
-            <a:r>
-              <a:rPr sz="1400" b="1" u="heavy" dirty="0">
-                <a:solidFill>
-                  <a:srgbClr val="020302"/>
-                </a:solidFill>
-                <a:uFill>
-                  <a:solidFill>
-                    <a:srgbClr val="020302"/>
-                  </a:solidFill>
-                </a:uFill>
-                <a:latin typeface="Adobe Clean"/>
-                <a:cs typeface="Adobe Clean"/>
-              </a:rPr>
-              <a:t>al</a:t>
-            </a:r>
-            <a:r>
-              <a:rPr sz="1400" b="1" u="heavy" spc="-140" dirty="0">
-                <a:solidFill>
-                  <a:srgbClr val="020302"/>
-                </a:solidFill>
-                <a:uFill>
-                  <a:solidFill>
-                    <a:srgbClr val="020302"/>
-                  </a:solidFill>
-                </a:uFill>
-                <a:latin typeface="Adobe Clean"/>
-                <a:cs typeface="Adobe Clean"/>
-              </a:rPr>
-              <a:t> </a:t>
-            </a:r>
-            <a:r>
-              <a:rPr sz="1400" b="1" u="heavy" spc="-15" dirty="0">
-                <a:solidFill>
-                  <a:srgbClr val="020302"/>
-                </a:solidFill>
-                <a:uFill>
-                  <a:solidFill>
-                    <a:srgbClr val="020302"/>
-                  </a:solidFill>
-                </a:uFill>
-                <a:latin typeface="Adobe Clean"/>
-                <a:cs typeface="Adobe Clean"/>
-              </a:rPr>
-              <a:t>R</a:t>
-            </a:r>
-            <a:r>
-              <a:rPr sz="1400" b="1" u="heavy" spc="-25" dirty="0">
-                <a:solidFill>
-                  <a:srgbClr val="020302"/>
-                </a:solidFill>
-                <a:uFill>
-                  <a:solidFill>
-                    <a:srgbClr val="020302"/>
-                  </a:solidFill>
-                </a:uFill>
-                <a:latin typeface="Adobe Clean"/>
-                <a:cs typeface="Adobe Clean"/>
-              </a:rPr>
-              <a:t>e</a:t>
-            </a:r>
-            <a:r>
-              <a:rPr sz="1400" b="1" u="heavy" spc="-15" dirty="0">
-                <a:solidFill>
-                  <a:srgbClr val="020302"/>
-                </a:solidFill>
-                <a:uFill>
-                  <a:solidFill>
-                    <a:srgbClr val="020302"/>
-                  </a:solidFill>
-                </a:uFill>
-                <a:latin typeface="Adobe Clean"/>
-                <a:cs typeface="Adobe Clean"/>
-              </a:rPr>
-              <a:t>s</a:t>
-            </a:r>
-            <a:r>
-              <a:rPr sz="1400" b="1" u="heavy" spc="-25" dirty="0">
-                <a:solidFill>
-                  <a:srgbClr val="020302"/>
-                </a:solidFill>
-                <a:uFill>
-                  <a:solidFill>
-                    <a:srgbClr val="020302"/>
-                  </a:solidFill>
-                </a:uFill>
-                <a:latin typeface="Adobe Clean"/>
-                <a:cs typeface="Adobe Clean"/>
-              </a:rPr>
-              <a:t>p</a:t>
-            </a:r>
-            <a:r>
-              <a:rPr sz="1400" b="1" u="heavy" spc="-15" dirty="0">
-                <a:solidFill>
-                  <a:srgbClr val="020302"/>
-                </a:solidFill>
-                <a:uFill>
-                  <a:solidFill>
-                    <a:srgbClr val="020302"/>
-                  </a:solidFill>
-                </a:uFill>
-                <a:latin typeface="Adobe Clean"/>
-                <a:cs typeface="Adobe Clean"/>
-              </a:rPr>
-              <a:t>ons</a:t>
-            </a:r>
-            <a:r>
-              <a:rPr sz="1400" b="1" u="heavy" dirty="0">
-                <a:solidFill>
-                  <a:srgbClr val="020302"/>
-                </a:solidFill>
-                <a:uFill>
-                  <a:solidFill>
-                    <a:srgbClr val="020302"/>
-                  </a:solidFill>
-                </a:uFill>
-                <a:latin typeface="Adobe Clean"/>
-                <a:cs typeface="Adobe Clean"/>
-              </a:rPr>
-              <a:t>e</a:t>
-            </a:r>
-            <a:endParaRPr sz="1400" dirty="0">
-              <a:latin typeface="Adobe Clean"/>
-              <a:cs typeface="Adobe Clean"/>
-            </a:endParaRPr>
+              <a:t>Cibles du niveau de service : Réponse initiale</a:t>
+            </a:r>
           </a:p>
         </p:txBody>
       </p:sp>
@@ -2965,14 +2632,14 @@
           <p:nvPr>
             <p:extLst>
               <p:ext uri="{D42A27DB-BD31-4B8C-83A1-F6EECF244321}">
-                <p14:modId xmlns:p14="http://schemas.microsoft.com/office/powerpoint/2010/main" val="101721845"/>
+                <p14:modId xmlns:p14="http://schemas.microsoft.com/office/powerpoint/2010/main" val="3896401050"/>
               </p:ext>
             </p:extLst>
           </p:nvPr>
         </p:nvGraphicFramePr>
         <p:xfrm>
-          <a:off x="145668" y="7473158"/>
-          <a:ext cx="7409815" cy="2259721"/>
+          <a:off x="145668" y="7385534"/>
+          <a:ext cx="7409815" cy="2444266"/>
         </p:xfrm>
         <a:graphic>
           <a:graphicData uri="http://schemas.openxmlformats.org/drawingml/2006/table">
@@ -3018,19 +2685,15 @@
                         </a:spcBef>
                       </a:pPr>
                       <a:r>
-                        <a:rPr sz="900" spc="0" dirty="0">
+                        <a:rPr lang="fr-FR" sz="900" dirty="0">
                           <a:solidFill>
                             <a:srgbClr val="020302"/>
                           </a:solidFill>
                           <a:latin typeface="Adobe Clean"/>
                           <a:cs typeface="Adobe Clean"/>
                         </a:rPr>
-                        <a:t>Priority</a:t>
+                        <a:t>Priorité</a:t>
                       </a:r>
-                      <a:endParaRPr sz="900" spc="0" dirty="0">
-                        <a:latin typeface="Adobe Clean"/>
-                        <a:cs typeface="Adobe Clean"/>
-                      </a:endParaRPr>
                     </a:p>
                   </a:txBody>
                   <a:tcPr marL="0" marR="0" marT="5715" marB="0" anchor="ctr">
@@ -3077,39 +2740,15 @@
                         </a:spcBef>
                       </a:pPr>
                       <a:r>
-                        <a:rPr sz="900" spc="0" dirty="0">
+                        <a:rPr lang="fr-FR" sz="900">
                           <a:solidFill>
                             <a:srgbClr val="020302"/>
                           </a:solidFill>
                           <a:latin typeface="Adobe Clean"/>
                           <a:cs typeface="Adobe Clean"/>
                         </a:rPr>
-                        <a:t>Online</a:t>
+                        <a:t>Assistance en ligne</a:t>
                       </a:r>
-                      <a:r>
-                        <a:rPr lang="en-US" sz="900" spc="0" dirty="0">
-                          <a:solidFill>
-                            <a:srgbClr val="020302"/>
-                          </a:solidFill>
-                          <a:latin typeface="Adobe Clean"/>
-                          <a:cs typeface="Adobe Clean"/>
-                        </a:rPr>
-                        <a:t> </a:t>
-                      </a:r>
-                      <a:r>
-                        <a:rPr sz="900" spc="0" dirty="0">
-                          <a:solidFill>
-                            <a:srgbClr val="020302"/>
-                          </a:solidFill>
-                          <a:latin typeface="Adobe Clean"/>
-                          <a:cs typeface="Adobe Clean"/>
-                        </a:rPr>
-                        <a:t> Support</a:t>
-                      </a:r>
-                      <a:endParaRPr sz="900" spc="0" dirty="0">
-                        <a:latin typeface="Adobe Clean"/>
-                        <a:cs typeface="Adobe Clean"/>
-                      </a:endParaRPr>
                     </a:p>
                   </a:txBody>
                   <a:tcPr marL="0" marR="0" marT="5715" marB="0" anchor="ctr">
@@ -3159,39 +2798,15 @@
                         </a:spcBef>
                       </a:pPr>
                       <a:r>
-                        <a:rPr sz="900" spc="0" dirty="0">
+                        <a:rPr lang="fr-FR" sz="900">
                           <a:solidFill>
                             <a:srgbClr val="FFFFFF"/>
                           </a:solidFill>
                           <a:latin typeface="Adobe Clean"/>
                           <a:cs typeface="Adobe Clean"/>
                         </a:rPr>
-                        <a:t>Elite </a:t>
+                        <a:t>Assistance Elite</a:t>
                       </a:r>
-                      <a:r>
-                        <a:rPr lang="en-US" sz="900" spc="0" dirty="0">
-                          <a:solidFill>
-                            <a:srgbClr val="FFFFFF"/>
-                          </a:solidFill>
-                          <a:latin typeface="Adobe Clean"/>
-                          <a:cs typeface="Adobe Clean"/>
-                        </a:rPr>
-                        <a:t> </a:t>
-                      </a:r>
-                      <a:r>
-                        <a:rPr sz="900" spc="0" dirty="0">
-                          <a:solidFill>
-                            <a:srgbClr val="FFFFFF"/>
-                          </a:solidFill>
-                          <a:latin typeface="Adobe Clean"/>
-                          <a:cs typeface="Adobe Clean"/>
-                        </a:rPr>
-                        <a:t>Support</a:t>
-                      </a:r>
-                      <a:endParaRPr sz="900" spc="0" dirty="0">
-                        <a:latin typeface="Adobe Clean"/>
-                        <a:cs typeface="Adobe Clean"/>
-                      </a:endParaRPr>
                     </a:p>
                   </a:txBody>
                   <a:tcPr marL="0" marR="0" marT="8255" marB="0" anchor="ctr">
@@ -3248,19 +2863,15 @@
                         </a:spcBef>
                       </a:pPr>
                       <a:r>
-                        <a:rPr sz="900" b="1" spc="0" dirty="0">
+                        <a:rPr lang="fr-FR" sz="900" b="1" dirty="0">
                           <a:solidFill>
                             <a:srgbClr val="020302"/>
                           </a:solidFill>
                           <a:latin typeface="Adobe Clean"/>
                           <a:cs typeface="Adobe Clean"/>
                         </a:rPr>
-                        <a:t>PRIORITY 1</a:t>
+                        <a:t>PRIORITÉ 1</a:t>
                       </a:r>
-                      <a:endParaRPr sz="900" spc="0" dirty="0">
-                        <a:latin typeface="Adobe Clean"/>
-                        <a:cs typeface="Adobe Clean"/>
-                      </a:endParaRPr>
                     </a:p>
                     <a:p>
                       <a:pPr marL="50165" marR="495934" algn="l">
@@ -3272,19 +2883,14 @@
                         </a:spcBef>
                       </a:pPr>
                       <a:r>
-                        <a:rPr lang="en-US" sz="900" b="0" i="0" u="none" strike="noStrike" spc="0" dirty="0">
+                        <a:rPr lang="fr-FR" sz="900" b="0" i="0" u="none" strike="noStrike" dirty="0">
                           <a:solidFill>
                             <a:srgbClr val="000000"/>
                           </a:solidFill>
-                          <a:effectLst/>
                           <a:latin typeface="Adobe Clean Light" panose="020B0303020404020204" pitchFamily="34" charset="0"/>
                         </a:rPr>
-                        <a:t>Customer's production business functions are down or have significant data loss or service degradation and immediate attention is required to restore functionality and usability</a:t>
+                        <a:t>Les fonctions commerciales de production du client sont en panne ou présentent une perte de données ou une dégradation importante du service. Une attention immédiate est requise afin de restaurer les fonctionnalités et l’accessibilité</a:t>
                       </a:r>
-                      <a:endParaRPr sz="900" spc="0" dirty="0">
-                        <a:latin typeface="AdobeClean-Light"/>
-                        <a:cs typeface="AdobeClean-Light"/>
-                      </a:endParaRPr>
                     </a:p>
                   </a:txBody>
                   <a:tcPr marL="0" marR="0" marT="0" marB="0" anchor="ctr">
@@ -3322,85 +2928,21 @@
                     <a:bodyPr/>
                     <a:lstStyle/>
                     <a:p>
-                      <a:pPr marL="542925" marR="492125" algn="l">
+                      <a:pPr marL="542925" marR="492125" algn="ctr">
                         <a:lnSpc>
                           <a:spcPct val="102200"/>
                         </a:lnSpc>
                       </a:pPr>
                       <a:r>
-                        <a:rPr sz="900" spc="0" dirty="0">
+                        <a:rPr lang="fr-FR" sz="900" dirty="0">
                           <a:solidFill>
                             <a:srgbClr val="020302"/>
                           </a:solidFill>
                           <a:latin typeface="AdobeClean-Light"/>
                           <a:cs typeface="AdobeClean-Light"/>
                         </a:rPr>
-                        <a:t>24x7</a:t>
+                        <a:t>24x7 /           1 heure</a:t>
                       </a:r>
-                      <a:r>
-                        <a:rPr lang="en-US" sz="900" spc="0" dirty="0">
-                          <a:solidFill>
-                            <a:srgbClr val="020302"/>
-                          </a:solidFill>
-                          <a:latin typeface="AdobeClean-Light"/>
-                          <a:cs typeface="AdobeClean-Light"/>
-                        </a:rPr>
-                        <a:t> </a:t>
-                      </a:r>
-                      <a:r>
-                        <a:rPr sz="900" spc="0" dirty="0">
-                          <a:solidFill>
-                            <a:srgbClr val="020302"/>
-                          </a:solidFill>
-                          <a:latin typeface="AdobeClean-Light"/>
-                          <a:cs typeface="AdobeClean-Light"/>
-                        </a:rPr>
-                        <a:t>/</a:t>
-                      </a:r>
-                      <a:r>
-                        <a:rPr lang="en-US" sz="900" spc="0" dirty="0">
-                          <a:solidFill>
-                            <a:srgbClr val="020302"/>
-                          </a:solidFill>
-                          <a:latin typeface="AdobeClean-Light"/>
-                          <a:cs typeface="AdobeClean-Light"/>
-                        </a:rPr>
-                        <a:t>         </a:t>
-                      </a:r>
-                      <a:r>
-                        <a:rPr sz="900" spc="0" dirty="0">
-                          <a:solidFill>
-                            <a:srgbClr val="020302"/>
-                          </a:solidFill>
-                          <a:latin typeface="AdobeClean-Light"/>
-                          <a:cs typeface="AdobeClean-Light"/>
-                        </a:rPr>
-                        <a:t>  1</a:t>
-                      </a:r>
-                      <a:r>
-                        <a:rPr lang="en-US" sz="900" spc="0" dirty="0">
-                          <a:solidFill>
-                            <a:srgbClr val="020302"/>
-                          </a:solidFill>
-                          <a:latin typeface="AdobeClean-Light"/>
-                          <a:cs typeface="AdobeClean-Light"/>
-                        </a:rPr>
-                        <a:t> </a:t>
-                      </a:r>
-                      <a:r>
-                        <a:rPr sz="900" spc="0" dirty="0">
-                          <a:solidFill>
-                            <a:srgbClr val="020302"/>
-                          </a:solidFill>
-                          <a:latin typeface="AdobeClean-Light"/>
-                          <a:cs typeface="AdobeClean-Light"/>
-                        </a:rPr>
-                        <a:t>hour</a:t>
-                      </a:r>
-                      <a:endParaRPr sz="900" spc="0" dirty="0">
-                        <a:latin typeface="AdobeClean-Light"/>
-                        <a:cs typeface="AdobeClean-Light"/>
-                      </a:endParaRPr>
                     </a:p>
                   </a:txBody>
                   <a:tcPr marL="0" marR="0" marT="0" marB="0" anchor="ctr">
@@ -3438,75 +2980,21 @@
                     <a:bodyPr/>
                     <a:lstStyle/>
                     <a:p>
-                      <a:pPr marL="405130" marR="459740" indent="92710" algn="l">
+                      <a:pPr marL="405130" marR="459740" indent="92710" algn="ctr">
                         <a:lnSpc>
                           <a:spcPct val="100000"/>
                         </a:lnSpc>
                       </a:pPr>
                       <a:r>
-                        <a:rPr lang="en-US" sz="900" spc="0" dirty="0">
+                        <a:rPr lang="fr-FR" sz="900">
                           <a:solidFill>
                             <a:srgbClr val="020302"/>
                           </a:solidFill>
                           <a:latin typeface="AdobeClean-Light"/>
                           <a:cs typeface="AdobeClean-Light"/>
                         </a:rPr>
-                        <a:t>2</a:t>
+                        <a:t>24x7 /   15 minutes</a:t>
                       </a:r>
-                      <a:r>
-                        <a:rPr sz="900" spc="0" dirty="0">
-                          <a:solidFill>
-                            <a:srgbClr val="020302"/>
-                          </a:solidFill>
-                          <a:latin typeface="AdobeClean-Light"/>
-                          <a:cs typeface="AdobeClean-Light"/>
-                        </a:rPr>
-                        <a:t>4x7 / </a:t>
-                      </a:r>
-                      <a:r>
-                        <a:rPr lang="en-US" sz="900" spc="0" dirty="0">
-                          <a:solidFill>
-                            <a:srgbClr val="020302"/>
-                          </a:solidFill>
-                          <a:latin typeface="AdobeClean-Light"/>
-                          <a:cs typeface="AdobeClean-Light"/>
-                        </a:rPr>
-                        <a:t> </a:t>
-                      </a:r>
-                      <a:r>
-                        <a:rPr sz="900" spc="0" dirty="0">
-                          <a:solidFill>
-                            <a:srgbClr val="020302"/>
-                          </a:solidFill>
-                          <a:latin typeface="AdobeClean-Light"/>
-                          <a:cs typeface="AdobeClean-Light"/>
-                        </a:rPr>
-                        <a:t> 15</a:t>
-                      </a:r>
-                      <a:r>
-                        <a:rPr lang="en-US" sz="900" spc="0" dirty="0">
-                          <a:solidFill>
-                            <a:srgbClr val="020302"/>
-                          </a:solidFill>
-                          <a:latin typeface="AdobeClean-Light"/>
-                          <a:cs typeface="AdobeClean-Light"/>
-                        </a:rPr>
-                        <a:t> </a:t>
-                      </a:r>
-                      <a:r>
-                        <a:rPr sz="900" spc="0" dirty="0">
-                          <a:solidFill>
-                            <a:srgbClr val="020302"/>
-                          </a:solidFill>
-                          <a:latin typeface="AdobeClean-Light"/>
-                          <a:cs typeface="AdobeClean-Light"/>
-                        </a:rPr>
-                        <a:t>minutes</a:t>
-                      </a:r>
-                      <a:endParaRPr sz="900" spc="0" dirty="0">
-                        <a:latin typeface="AdobeClean-Light"/>
-                        <a:cs typeface="AdobeClean-Light"/>
-                      </a:endParaRPr>
                     </a:p>
                   </a:txBody>
                   <a:tcPr marL="0" marR="0" marT="2540" marB="0" anchor="ctr">
@@ -3568,19 +3056,15 @@
                         </a:spcBef>
                       </a:pPr>
                       <a:r>
-                        <a:rPr sz="900" b="1" spc="0" dirty="0">
+                        <a:rPr lang="fr-FR" sz="900" b="1">
                           <a:solidFill>
                             <a:srgbClr val="020302"/>
                           </a:solidFill>
                           <a:latin typeface="Adobe Clean"/>
                           <a:cs typeface="Adobe Clean"/>
                         </a:rPr>
-                        <a:t>PRIORITY 2</a:t>
+                        <a:t>PRIORITÉ 2</a:t>
                       </a:r>
-                      <a:endParaRPr sz="900" spc="0" dirty="0">
-                        <a:latin typeface="Adobe Clean"/>
-                        <a:cs typeface="Adobe Clean"/>
-                      </a:endParaRPr>
                     </a:p>
                     <a:p>
                       <a:pPr marL="49530" marR="719455" algn="l">
@@ -3592,19 +3076,14 @@
                         </a:spcBef>
                       </a:pPr>
                       <a:r>
-                        <a:rPr lang="en-US" sz="900" b="0" i="0" u="none" strike="noStrike" spc="0" dirty="0">
+                        <a:rPr lang="fr-FR" sz="900" b="0" i="0" u="none" strike="noStrike">
                           <a:solidFill>
                             <a:srgbClr val="000000"/>
                           </a:solidFill>
-                          <a:effectLst/>
                           <a:latin typeface="Adobe Clean Light" panose="020B0303020404020204" pitchFamily="34" charset="0"/>
                         </a:rPr>
-                        <a:t>Customer's business functions have major service degradation or potential data loss, or a major feature is impacted</a:t>
+                        <a:t>Les fonctions commerciales du client présentent une dégradation importante du service ou une perte potentielle de données. Il est également possible qu’une fonctionnalité majeure soit affectée</a:t>
                       </a:r>
-                      <a:endParaRPr sz="900" spc="0" dirty="0">
-                        <a:latin typeface="AdobeClean-Light"/>
-                        <a:cs typeface="AdobeClean-Light"/>
-                      </a:endParaRPr>
                     </a:p>
                   </a:txBody>
                   <a:tcPr marL="0" marR="0" marT="0" marB="0" anchor="ctr">
@@ -3642,23 +3121,23 @@
                     <a:bodyPr/>
                     <a:lstStyle/>
                     <a:p>
-                      <a:pPr marL="473709" marR="343535" indent="-175895" algn="l">
+                      <a:pPr marL="285750" marR="343535" indent="0" algn="ctr">
                         <a:lnSpc>
                           <a:spcPct val="102200"/>
                         </a:lnSpc>
                       </a:pPr>
                       <a:r>
-                        <a:rPr sz="900" spc="0" dirty="0">
+                        <a:rPr lang="fr-FR" sz="900" dirty="0">
                           <a:solidFill>
                             <a:srgbClr val="020302"/>
                           </a:solidFill>
                           <a:latin typeface="AdobeClean-Light"/>
                           <a:cs typeface="AdobeClean-Light"/>
                         </a:rPr>
-                        <a:t>Business hours</a:t>
+                        <a:t>Heures d’ouverture /</a:t>
                       </a:r>
                       <a:r>
-                        <a:rPr lang="en-US" sz="900" spc="0" dirty="0">
+                        <a:rPr lang="sk-SK" sz="900" dirty="0">
                           <a:solidFill>
                             <a:srgbClr val="020302"/>
                           </a:solidFill>
@@ -3668,39 +3147,15 @@
                         <a:t> </a:t>
                       </a:r>
                       <a:r>
-                        <a:rPr sz="900" spc="0" dirty="0">
+                        <a:rPr lang="fr-FR" sz="900" dirty="0">
                           <a:solidFill>
                             <a:srgbClr val="020302"/>
                           </a:solidFill>
                           <a:latin typeface="AdobeClean-Light"/>
                           <a:cs typeface="AdobeClean-Light"/>
                         </a:rPr>
-                        <a:t>/  </a:t>
+                        <a:t>4 heures</a:t>
                       </a:r>
-                      <a:r>
-                        <a:rPr lang="en-US" sz="900" spc="0" dirty="0">
-                          <a:solidFill>
-                            <a:srgbClr val="020302"/>
-                          </a:solidFill>
-                          <a:latin typeface="AdobeClean-Light"/>
-                          <a:cs typeface="AdobeClean-Light"/>
-                        </a:rPr>
-                        <a:t>     </a:t>
-                      </a:r>
-                      <a:r>
-                        <a:rPr sz="900" spc="0" dirty="0">
-                          <a:solidFill>
-                            <a:srgbClr val="020302"/>
-                          </a:solidFill>
-                          <a:latin typeface="AdobeClean-Light"/>
-                          <a:cs typeface="AdobeClean-Light"/>
-                        </a:rPr>
-                        <a:t>4 hours</a:t>
-                      </a:r>
-                      <a:endParaRPr sz="900" spc="0" dirty="0">
-                        <a:latin typeface="AdobeClean-Light"/>
-                        <a:cs typeface="AdobeClean-Light"/>
-                      </a:endParaRPr>
                     </a:p>
                   </a:txBody>
                   <a:tcPr marL="0" marR="0" marT="0" marB="0" anchor="ctr">
@@ -3735,45 +3190,21 @@
                     <a:bodyPr/>
                     <a:lstStyle/>
                     <a:p>
-                      <a:pPr marL="351790" marR="481330" indent="144145" algn="l">
+                      <a:pPr marL="351790" marR="481330" indent="144145" algn="ctr">
                         <a:lnSpc>
                           <a:spcPct val="102299"/>
                         </a:lnSpc>
                       </a:pPr>
                       <a:r>
-                        <a:rPr sz="900" spc="0" dirty="0">
+                        <a:rPr lang="fr-FR" sz="900" dirty="0">
                           <a:solidFill>
                             <a:srgbClr val="020302"/>
                           </a:solidFill>
                           <a:latin typeface="AdobeClean-Light"/>
                           <a:cs typeface="AdobeClean-Light"/>
                         </a:rPr>
-                        <a:t>24x5 /  30</a:t>
+                        <a:t>24x5 /  30 minutes</a:t>
                       </a:r>
-                      <a:r>
-                        <a:rPr lang="en-US" sz="900" spc="0" dirty="0">
-                          <a:solidFill>
-                            <a:srgbClr val="020302"/>
-                          </a:solidFill>
-                          <a:latin typeface="AdobeClean-Light"/>
-                          <a:cs typeface="AdobeClean-Light"/>
-                        </a:rPr>
-                        <a:t> m</a:t>
-                      </a:r>
-                      <a:r>
-                        <a:rPr sz="900" spc="0" dirty="0">
-                          <a:solidFill>
-                            <a:srgbClr val="020302"/>
-                          </a:solidFill>
-                          <a:latin typeface="AdobeClean-Light"/>
-                          <a:cs typeface="AdobeClean-Light"/>
-                        </a:rPr>
-                        <a:t>inutes</a:t>
-                      </a:r>
-                      <a:endParaRPr sz="900" spc="0" dirty="0">
-                        <a:latin typeface="AdobeClean-Light"/>
-                        <a:cs typeface="AdobeClean-Light"/>
-                      </a:endParaRPr>
                     </a:p>
                   </a:txBody>
                   <a:tcPr marL="0" marR="0" marT="5080" marB="0" anchor="ctr">
@@ -3832,19 +3263,15 @@
                         </a:spcBef>
                       </a:pPr>
                       <a:r>
-                        <a:rPr sz="900" b="1" spc="0" dirty="0">
+                        <a:rPr lang="fr-FR" sz="900" b="1" dirty="0">
                           <a:solidFill>
                             <a:srgbClr val="020302"/>
                           </a:solidFill>
                           <a:latin typeface="Adobe Clean"/>
                           <a:cs typeface="Adobe Clean"/>
                         </a:rPr>
-                        <a:t>PRIORITY 3</a:t>
+                        <a:t>PRIORITÉ 3</a:t>
                       </a:r>
-                      <a:endParaRPr sz="900" spc="0" dirty="0">
-                        <a:latin typeface="Adobe Clean"/>
-                        <a:cs typeface="Adobe Clean"/>
-                      </a:endParaRPr>
                     </a:p>
                     <a:p>
                       <a:pPr marL="48895" marR="387985" indent="-2540" algn="l">
@@ -3856,19 +3283,48 @@
                         </a:spcBef>
                       </a:pPr>
                       <a:r>
-                        <a:rPr lang="en-US" sz="900" b="0" i="0" u="none" strike="noStrike" spc="0" dirty="0">
+                        <a:rPr lang="fr-FR" sz="900" b="0" i="0" u="none" strike="noStrike" dirty="0">
                           <a:solidFill>
                             <a:srgbClr val="000000"/>
                           </a:solidFill>
-                          <a:effectLst/>
                           <a:latin typeface="Adobe Clean Light" panose="020B0303020404020204" pitchFamily="34" charset="0"/>
                         </a:rPr>
-                        <a:t>Customer’s business functions has minor to no service degradation but there exists a solution/workaround allowing business functions to continue normally</a:t>
+                        <a:t>Les fonctions commerciales du client présentent une dégradation mineure, voire inexistante, </a:t>
                       </a:r>
-                      <a:endParaRPr sz="900" spc="0" dirty="0">
-                        <a:latin typeface="AdobeClean-Light"/>
-                        <a:cs typeface="AdobeClean-Light"/>
-                      </a:endParaRPr>
+                      <a:br>
+                        <a:rPr lang="sk-SK" sz="900" b="0" i="0" u="none" strike="noStrike" dirty="0">
+                          <a:solidFill>
+                            <a:srgbClr val="000000"/>
+                          </a:solidFill>
+                          <a:latin typeface="Adobe Clean Light" panose="020B0303020404020204" pitchFamily="34" charset="0"/>
+                        </a:rPr>
+                      </a:br>
+                      <a:r>
+                        <a:rPr lang="fr-FR" sz="900" b="0" i="0" u="none" strike="noStrike" dirty="0">
+                          <a:solidFill>
+                            <a:srgbClr val="000000"/>
+                          </a:solidFill>
+                          <a:latin typeface="Adobe Clean Light" panose="020B0303020404020204" pitchFamily="34" charset="0"/>
+                        </a:rPr>
+                        <a:t>du service, mais il existe une solution/un moyen permettant aux fonctions commerciales </a:t>
+                      </a:r>
+                      <a:br>
+                        <a:rPr lang="sk-SK" sz="900" b="0" i="0" u="none" strike="noStrike" dirty="0">
+                          <a:solidFill>
+                            <a:srgbClr val="000000"/>
+                          </a:solidFill>
+                          <a:latin typeface="Adobe Clean Light" panose="020B0303020404020204" pitchFamily="34" charset="0"/>
+                        </a:rPr>
+                      </a:br>
+                      <a:r>
+                        <a:rPr lang="fr-FR" sz="900" b="0" i="0" u="none" strike="noStrike" dirty="0">
+                          <a:solidFill>
+                            <a:srgbClr val="000000"/>
+                          </a:solidFill>
+                          <a:latin typeface="Adobe Clean Light" panose="020B0303020404020204" pitchFamily="34" charset="0"/>
+                        </a:rPr>
+                        <a:t>de continuer de fonctionner normalement</a:t>
+                      </a:r>
                     </a:p>
                   </a:txBody>
                   <a:tcPr marL="0" marR="0" marT="0" marB="0" anchor="ctr">
@@ -3906,25 +3362,21 @@
                     <a:bodyPr/>
                     <a:lstStyle/>
                     <a:p>
-                      <a:pPr marL="473709" marR="343535" indent="-175895" algn="l">
+                      <a:pPr marL="285750" marR="343535" indent="12700" algn="ctr">
                         <a:lnSpc>
                           <a:spcPct val="102200"/>
                         </a:lnSpc>
                       </a:pPr>
                       <a:r>
-                        <a:rPr lang="en-US" sz="900" spc="0" dirty="0">
+                        <a:rPr lang="fr-FR" sz="900" dirty="0">
                           <a:solidFill>
                             <a:srgbClr val="020302"/>
                           </a:solidFill>
                           <a:latin typeface="AdobeClean-Light"/>
                           <a:cs typeface="AdobeClean-Light"/>
                         </a:rPr>
-                        <a:t>Business hours /       6 hours</a:t>
+                        <a:t>Heures d’ouverture / 6 heures</a:t>
                       </a:r>
-                      <a:endParaRPr lang="en-US" sz="900" spc="0" dirty="0">
-                        <a:latin typeface="AdobeClean-Light"/>
-                        <a:cs typeface="AdobeClean-Light"/>
-                      </a:endParaRPr>
                     </a:p>
                   </a:txBody>
                   <a:tcPr marL="0" marR="0" marT="0" marB="0" anchor="ctr">
@@ -3959,13 +3411,13 @@
                     <a:bodyPr/>
                     <a:lstStyle/>
                     <a:p>
-                      <a:pPr marL="508000" marR="531495" indent="1270" algn="l">
+                      <a:pPr marL="508000" marR="531495" indent="1270" algn="ctr">
                         <a:lnSpc>
                           <a:spcPct val="102200"/>
                         </a:lnSpc>
                       </a:pPr>
                       <a:r>
-                        <a:rPr lang="en-US" sz="900" spc="0" dirty="0">
+                        <a:rPr lang="fr-FR" sz="900" dirty="0">
                           <a:solidFill>
                             <a:srgbClr val="020302"/>
                           </a:solidFill>
@@ -3976,7 +3428,7 @@
                         <a:t>2</a:t>
                       </a:r>
                       <a:r>
-                        <a:rPr sz="900" spc="0" dirty="0">
+                        <a:rPr lang="fr-FR" sz="900" dirty="0">
                           <a:solidFill>
                             <a:srgbClr val="020302"/>
                           </a:solidFill>
@@ -3984,29 +3436,7 @@
                           <a:ea typeface="+mn-ea"/>
                           <a:cs typeface="AdobeClean-Light"/>
                         </a:rPr>
-                        <a:t>4x5/  </a:t>
-                      </a:r>
-                      <a:r>
-                        <a:rPr lang="en-US" sz="900" spc="0" dirty="0">
-                          <a:solidFill>
-                            <a:srgbClr val="020302"/>
-                          </a:solidFill>
-                          <a:latin typeface="AdobeClean-Light"/>
-                          <a:ea typeface="+mn-ea"/>
-                          <a:cs typeface="AdobeClean-Light"/>
-                        </a:rPr>
-                        <a:t> </a:t>
-                      </a:r>
-                      <a:r>
-                        <a:rPr sz="900" spc="0" dirty="0">
-                          <a:solidFill>
-                            <a:srgbClr val="020302"/>
-                          </a:solidFill>
-                          <a:latin typeface="AdobeClean-Light"/>
-                          <a:ea typeface="+mn-ea"/>
-                          <a:cs typeface="AdobeClean-Light"/>
-                        </a:rPr>
-                        <a:t>1 hour</a:t>
+                        <a:t>4x5 /   1 heure</a:t>
                       </a:r>
                     </a:p>
                   </a:txBody>
@@ -4066,19 +3496,15 @@
                         </a:spcBef>
                       </a:pPr>
                       <a:r>
-                        <a:rPr sz="900" b="1" spc="0" dirty="0">
+                        <a:rPr lang="fr-FR" sz="900" b="1">
                           <a:solidFill>
                             <a:srgbClr val="020302"/>
                           </a:solidFill>
                           <a:latin typeface="Adobe Clean"/>
                           <a:cs typeface="Adobe Clean"/>
                         </a:rPr>
-                        <a:t>PRIORITY 4</a:t>
+                        <a:t>PRIORITÉ 4</a:t>
                       </a:r>
-                      <a:endParaRPr sz="900" spc="0" dirty="0">
-                        <a:latin typeface="Adobe Clean"/>
-                        <a:cs typeface="Adobe Clean"/>
-                      </a:endParaRPr>
                     </a:p>
                     <a:p>
                       <a:pPr marL="62230" algn="l">
@@ -4090,19 +3516,14 @@
                         </a:spcBef>
                       </a:pPr>
                       <a:r>
-                        <a:rPr lang="en-US" sz="900" b="0" i="0" u="none" strike="noStrike" spc="0" dirty="0">
+                        <a:rPr lang="fr-FR" sz="900" b="0" i="0" u="none" strike="noStrike">
                           <a:solidFill>
                             <a:srgbClr val="000000"/>
                           </a:solidFill>
-                          <a:effectLst/>
                           <a:latin typeface="Adobe Clean Light" panose="020B0303020404020204" pitchFamily="34" charset="0"/>
                         </a:rPr>
-                        <a:t>General question regarding current product functionality or an enhancement request</a:t>
+                        <a:t>Question générale concernant les fonctionnalités actuelles du produit ou une demande d’amélioration</a:t>
                       </a:r>
-                      <a:endParaRPr sz="900" spc="0" dirty="0">
-                        <a:latin typeface="AdobeClean-Light"/>
-                        <a:cs typeface="AdobeClean-Light"/>
-                      </a:endParaRPr>
                     </a:p>
                   </a:txBody>
                   <a:tcPr marL="0" marR="0" marT="0" marB="0" anchor="ctr">
@@ -4140,25 +3561,21 @@
                     <a:bodyPr/>
                     <a:lstStyle/>
                     <a:p>
-                      <a:pPr marL="473709" marR="343535" indent="-175895" algn="l">
+                      <a:pPr marL="285750" marR="343535" indent="-57150" algn="ctr">
                         <a:lnSpc>
                           <a:spcPct val="102200"/>
                         </a:lnSpc>
                       </a:pPr>
                       <a:r>
-                        <a:rPr lang="en-US" sz="900" spc="0" dirty="0">
+                        <a:rPr lang="fr-FR" sz="900" dirty="0">
                           <a:solidFill>
                             <a:srgbClr val="020302"/>
                           </a:solidFill>
                           <a:latin typeface="AdobeClean-Light"/>
                           <a:cs typeface="AdobeClean-Light"/>
                         </a:rPr>
-                        <a:t>Business days /       3 days</a:t>
+                        <a:t>Jours ouvrables / 3 jours</a:t>
                       </a:r>
-                      <a:endParaRPr lang="en-US" sz="900" spc="0" dirty="0">
-                        <a:latin typeface="AdobeClean-Light"/>
-                        <a:cs typeface="AdobeClean-Light"/>
-                      </a:endParaRPr>
                     </a:p>
                   </a:txBody>
                   <a:tcPr marL="0" marR="0" marT="0" marB="0" anchor="ctr">
@@ -4193,25 +3610,21 @@
                     <a:bodyPr/>
                     <a:lstStyle/>
                     <a:p>
-                      <a:pPr marL="473709" marR="343535" indent="-175895" algn="l">
+                      <a:pPr marL="285750" marR="343535" indent="0" algn="ctr">
                         <a:lnSpc>
                           <a:spcPct val="102200"/>
                         </a:lnSpc>
                       </a:pPr>
                       <a:r>
-                        <a:rPr lang="en-US" sz="900" spc="0" dirty="0">
+                        <a:rPr lang="fr-FR" sz="900" dirty="0">
                           <a:solidFill>
                             <a:srgbClr val="020302"/>
                           </a:solidFill>
                           <a:latin typeface="AdobeClean-Light"/>
                           <a:cs typeface="AdobeClean-Light"/>
                         </a:rPr>
-                        <a:t>Business days /       1 day</a:t>
+                        <a:t>Jours ouvrables / 1 jour</a:t>
                       </a:r>
-                      <a:endParaRPr lang="en-US" sz="900" spc="0" dirty="0">
-                        <a:latin typeface="AdobeClean-Light"/>
-                        <a:cs typeface="AdobeClean-Light"/>
-                      </a:endParaRPr>
                     </a:p>
                   </a:txBody>
                   <a:tcPr marL="0" marR="0" marT="27940" marB="0" anchor="ctr">
@@ -4289,8 +3702,8 @@
         </p:nvSpPr>
         <p:spPr>
           <a:xfrm>
-            <a:off x="97787" y="9888626"/>
-            <a:ext cx="2202180" cy="149860"/>
+            <a:off x="97786" y="9888626"/>
+            <a:ext cx="2950213" cy="133370"/>
           </a:xfrm>
           <a:prstGeom prst="rect">
             <a:avLst/>
@@ -4311,99 +3724,55 @@
               </a:spcBef>
             </a:pPr>
             <a:r>
-              <a:rPr sz="800" spc="-15" dirty="0">
+              <a:rPr lang="fr-FR" sz="800" dirty="0">
                 <a:solidFill>
                   <a:srgbClr val="6D6D6D"/>
                 </a:solidFill>
                 <a:latin typeface="Adobe Clean"/>
                 <a:cs typeface="Adobe Clean"/>
               </a:rPr>
-              <a:t>©2021 </a:t>
-            </a:r>
-            <a:r>
-              <a:rPr sz="800" spc="-5" dirty="0">
+              <a:t>©2021 Adobe. All </a:t>
+            </a:r>
+            <a:r>
+              <a:rPr lang="fr-FR" sz="800" dirty="0" err="1">
                 <a:solidFill>
                   <a:srgbClr val="6D6D6D"/>
                 </a:solidFill>
                 <a:latin typeface="Adobe Clean"/>
                 <a:cs typeface="Adobe Clean"/>
               </a:rPr>
-              <a:t>Adobe. All</a:t>
-            </a:r>
-            <a:r>
-              <a:rPr sz="800" spc="-15" dirty="0">
+              <a:t>Rights</a:t>
+            </a:r>
+            <a:r>
+              <a:rPr lang="fr-FR" sz="800" dirty="0">
                 <a:solidFill>
                   <a:srgbClr val="6D6D6D"/>
                 </a:solidFill>
                 <a:latin typeface="Adobe Clean"/>
                 <a:cs typeface="Adobe Clean"/>
               </a:rPr>
-              <a:t> Rights</a:t>
-            </a:r>
-            <a:r>
-              <a:rPr sz="800" spc="-5" dirty="0">
+              <a:t> </a:t>
+            </a:r>
+            <a:r>
+              <a:rPr lang="fr-FR" sz="800" dirty="0" err="1">
                 <a:solidFill>
                   <a:srgbClr val="6D6D6D"/>
                 </a:solidFill>
                 <a:latin typeface="Adobe Clean"/>
                 <a:cs typeface="Adobe Clean"/>
               </a:rPr>
-              <a:t> </a:t>
-            </a:r>
-            <a:r>
-              <a:rPr sz="800" spc="-15" dirty="0">
+              <a:t>Reserved</a:t>
+            </a:r>
+            <a:r>
+              <a:rPr lang="fr-FR" sz="800" dirty="0">
                 <a:solidFill>
                   <a:srgbClr val="6D6D6D"/>
                 </a:solidFill>
                 <a:latin typeface="Adobe Clean"/>
                 <a:cs typeface="Adobe Clean"/>
               </a:rPr>
-              <a:t>Reserved.</a:t>
-            </a:r>
-            <a:r>
-              <a:rPr sz="800" spc="-10" dirty="0">
-                <a:solidFill>
-                  <a:srgbClr val="6D6D6D"/>
-                </a:solidFill>
-                <a:latin typeface="Adobe Clean"/>
-                <a:cs typeface="Adobe Clean"/>
-              </a:rPr>
-              <a:t> </a:t>
-            </a:r>
-            <a:r>
-              <a:rPr sz="800" spc="-5" dirty="0">
-                <a:solidFill>
-                  <a:srgbClr val="6D6D6D"/>
-                </a:solidFill>
-                <a:latin typeface="Adobe Clean"/>
-                <a:cs typeface="Adobe Clean"/>
-              </a:rPr>
-              <a:t>Adobe</a:t>
-            </a:r>
-            <a:r>
-              <a:rPr sz="800" spc="65" dirty="0">
-                <a:solidFill>
-                  <a:srgbClr val="6D6D6D"/>
-                </a:solidFill>
-                <a:latin typeface="Adobe Clean"/>
-                <a:cs typeface="Adobe Clean"/>
-              </a:rPr>
-              <a:t> </a:t>
-            </a:r>
-            <a:r>
-              <a:rPr sz="800" spc="-15" dirty="0">
-                <a:solidFill>
-                  <a:srgbClr val="6D6D6D"/>
-                </a:solidFill>
-                <a:latin typeface="Adobe Clean"/>
-                <a:cs typeface="Adobe Clean"/>
-              </a:rPr>
-              <a:t>Confidential.</a:t>
-            </a:r>
-            <a:endParaRPr sz="800">
-              <a:latin typeface="Adobe Clean"/>
-              <a:cs typeface="Adobe Clean"/>
-            </a:endParaRPr>
+              <a:t>. Données confidentielles Adobe</a:t>
+            </a:r>
           </a:p>
         </p:txBody>
       </p:sp>
@@ -4436,7 +3805,7 @@
           <a:lstStyle/>
           <a:p>
             <a:r>
-              <a:rPr lang="en-US" sz="700" i="1" dirty="0">
+              <a:rPr lang="fr-FR" sz="700" i="1">
                 <a:solidFill>
                   <a:schemeClr val="bg1"/>
                 </a:solidFill>
@@ -4461,7 +3830,7 @@
           <p:nvPr>
             <p:extLst>
               <p:ext uri="{D42A27DB-BD31-4B8C-83A1-F6EECF244321}">
-                <p14:modId xmlns:p14="http://schemas.microsoft.com/office/powerpoint/2010/main" val="1734001763"/>
+                <p14:modId xmlns:p14="http://schemas.microsoft.com/office/powerpoint/2010/main" val="2340896439"/>
               </p:ext>
             </p:extLst>
           </p:nvPr>
@@ -4484,14 +3853,14 @@
                     </a:ext>
                   </a:extLst>
                 </a:gridCol>
-                <a:gridCol w="3042833">
+                <a:gridCol w="3209634">
                   <a:extLst>
                     <a:ext uri="{9D8B030D-6E8A-4147-A177-3AD203B41FA5}">
                       <a16:colId xmlns:a16="http://schemas.microsoft.com/office/drawing/2014/main" val="20001"/>
                     </a:ext>
                   </a:extLst>
                 </a:gridCol>
-                <a:gridCol w="1384643">
+                <a:gridCol w="1217842">
                   <a:extLst>
                     <a:ext uri="{9D8B030D-6E8A-4147-A177-3AD203B41FA5}">
                       <a16:colId xmlns:a16="http://schemas.microsoft.com/office/drawing/2014/main" val="2563521174"/>
@@ -4550,39 +3919,15 @@
                         <a:defRPr/>
                       </a:pPr>
                       <a:r>
-                        <a:rPr lang="en-US" sz="900" spc="-20" dirty="0">
+                        <a:rPr lang="fr-FR" sz="900">
                           <a:solidFill>
                             <a:srgbClr val="404040"/>
                           </a:solidFill>
                           <a:latin typeface="Adobe Clean"/>
                           <a:cs typeface="Adobe Clean"/>
                         </a:rPr>
-                        <a:t>Online </a:t>
+                        <a:t>Assistance en ligne</a:t>
                       </a:r>
-                      <a:r>
-                        <a:rPr lang="en-US" sz="900" spc="-135" dirty="0">
-                          <a:solidFill>
-                            <a:srgbClr val="404040"/>
-                          </a:solidFill>
-                          <a:latin typeface="Adobe Clean"/>
-                          <a:cs typeface="Adobe Clean"/>
-                        </a:rPr>
-                        <a:t> </a:t>
-                      </a:r>
-                      <a:r>
-                        <a:rPr lang="en-US" sz="900" spc="-20" dirty="0">
-                          <a:solidFill>
-                            <a:srgbClr val="404040"/>
-                          </a:solidFill>
-                          <a:latin typeface="Adobe Clean"/>
-                          <a:cs typeface="Adobe Clean"/>
-                        </a:rPr>
-                        <a:t>Support</a:t>
-                      </a:r>
-                      <a:endParaRPr lang="en-US" sz="900" dirty="0">
-                        <a:latin typeface="Adobe Clean"/>
-                        <a:cs typeface="Adobe Clean"/>
-                      </a:endParaRPr>
                     </a:p>
                   </a:txBody>
                   <a:tcPr marL="0" marR="0" marT="7620" marB="0" anchor="ctr">
@@ -4623,29 +3968,15 @@
                         </a:spcBef>
                       </a:pPr>
                       <a:r>
-                        <a:rPr lang="en-US" sz="900" spc="-20" dirty="0">
+                        <a:rPr lang="fr-FR" sz="900">
                           <a:solidFill>
                             <a:srgbClr val="FFFFFF"/>
                           </a:solidFill>
                           <a:latin typeface="Adobe Clean"/>
                           <a:cs typeface="Adobe Clean"/>
                         </a:rPr>
-                        <a:t>Elite </a:t>
+                        <a:t>Assistance Elite</a:t>
                       </a:r>
-                      <a:r>
-                        <a:rPr sz="900" spc="-20" dirty="0">
-                          <a:solidFill>
-                            <a:srgbClr val="FFFFFF"/>
-                          </a:solidFill>
-                          <a:latin typeface="Adobe Clean"/>
-                          <a:cs typeface="Adobe Clean"/>
-                        </a:rPr>
-                        <a:t>Support</a:t>
-                      </a:r>
-                      <a:endParaRPr sz="900" dirty="0">
-                        <a:latin typeface="Adobe Clean"/>
-                        <a:cs typeface="Adobe Clean"/>
-                      </a:endParaRPr>
                     </a:p>
                   </a:txBody>
                   <a:tcPr marL="0" marR="0" marT="7620" marB="0" anchor="ctr">
@@ -4710,7 +4041,7 @@
                     <a:bodyPr/>
                     <a:lstStyle/>
                     <a:p>
-                      <a:pPr marL="0" marR="0" lvl="0" indent="0" algn="ctr" defTabSz="914400" eaLnBrk="1" fontAlgn="auto" latinLnBrk="0" hangingPunct="1">
+                      <a:pPr marL="0" marR="0" lvl="0" indent="0" algn="l" defTabSz="914400" rtl="0" eaLnBrk="1" fontAlgn="auto" latinLnBrk="0" hangingPunct="1">
                         <a:lnSpc>
                           <a:spcPct val="100000"/>
                         </a:lnSpc>
@@ -4791,13 +4122,13 @@
                         <a:defRPr/>
                       </a:pPr>
                       <a:r>
-                        <a:rPr lang="en-US" sz="800" i="1" dirty="0">
+                        <a:rPr lang="fr-FR" sz="800" i="1">
                           <a:solidFill>
                             <a:schemeClr val="bg1"/>
                           </a:solidFill>
                           <a:latin typeface="Adobe Clean Light" panose="020B0303020404020204" pitchFamily="34" charset="0"/>
                         </a:rPr>
-                        <a:t>Paid Support ($)</a:t>
+                        <a:t>Assistance payante ($)</a:t>
                       </a:r>
                     </a:p>
                   </a:txBody>
@@ -4861,22 +4192,15 @@
                         </a:spcBef>
                       </a:pPr>
                       <a:r>
-                        <a:rPr lang="en-US" sz="1000" b="1" i="0" spc="0" dirty="0">
+                        <a:rPr lang="fr-FR" sz="1000" b="1" i="0">
                           <a:solidFill>
                             <a:schemeClr val="bg1"/>
                           </a:solidFill>
                           <a:latin typeface="Adobe Clean" panose="020B0503020404020204" pitchFamily="34" charset="0"/>
                           <a:cs typeface="AdobeClean-Light"/>
                         </a:rPr>
-                        <a:t>Assigned Experts</a:t>
+                        <a:t>Experts assignés</a:t>
                       </a:r>
-                      <a:endParaRPr sz="1000" b="1" i="0" spc="0" dirty="0">
-                        <a:solidFill>
-                          <a:schemeClr val="bg1"/>
-                        </a:solidFill>
-                        <a:latin typeface="Adobe Clean" panose="020B0503020404020204" pitchFamily="34" charset="0"/>
-                        <a:cs typeface="AdobeClean-Light"/>
-                      </a:endParaRPr>
                     </a:p>
                   </a:txBody>
                   <a:tcPr marL="0" marR="0" marT="58419" marB="0" anchor="ctr">
@@ -4923,19 +4247,15 @@
                         </a:spcBef>
                       </a:pPr>
                       <a:r>
-                        <a:rPr sz="900" spc="0" dirty="0">
+                        <a:rPr lang="fr-FR" sz="900">
                           <a:solidFill>
                             <a:srgbClr val="020302"/>
                           </a:solidFill>
                           <a:latin typeface="AdobeClean-Light"/>
                           <a:cs typeface="AdobeClean-Light"/>
                         </a:rPr>
-                        <a:t>Account Support Lead</a:t>
+                        <a:t>Assistance principale du compte</a:t>
                       </a:r>
-                      <a:endParaRPr sz="900" spc="0" dirty="0">
-                        <a:latin typeface="AdobeClean-Light"/>
-                        <a:cs typeface="AdobeClean-Light"/>
-                      </a:endParaRPr>
                     </a:p>
                   </a:txBody>
                   <a:tcPr marL="0" marR="0" marT="58419" marB="0">
@@ -4970,7 +4290,7 @@
                     <a:bodyPr/>
                     <a:lstStyle/>
                     <a:p>
-                      <a:pPr algn="ctr">
+                      <a:pPr algn="l" rtl="0">
                         <a:lnSpc>
                           <a:spcPct val="100000"/>
                         </a:lnSpc>
@@ -5011,7 +4331,7 @@
                     <a:bodyPr/>
                     <a:lstStyle/>
                     <a:p>
-                      <a:pPr algn="ctr">
+                      <a:pPr algn="l" rtl="0">
                         <a:lnSpc>
                           <a:spcPct val="100000"/>
                         </a:lnSpc>
@@ -5054,7 +4374,7 @@
                     <a:bodyPr/>
                     <a:lstStyle/>
                     <a:p>
-                      <a:pPr marL="50800">
+                      <a:pPr marL="50800" algn="l" rtl="0">
                         <a:lnSpc>
                           <a:spcPct val="100000"/>
                         </a:lnSpc>
@@ -5100,19 +4420,15 @@
                         </a:spcBef>
                       </a:pPr>
                       <a:r>
-                        <a:rPr sz="900" spc="0" dirty="0">
+                        <a:rPr lang="fr-FR" sz="900">
                           <a:solidFill>
                             <a:srgbClr val="020302"/>
                           </a:solidFill>
                           <a:latin typeface="AdobeClean-Light"/>
                           <a:cs typeface="AdobeClean-Light"/>
                         </a:rPr>
-                        <a:t>Named Support Engineer</a:t>
+                        <a:t>Ingénieur d’assistance nommé</a:t>
                       </a:r>
-                      <a:endParaRPr sz="900" spc="0" dirty="0">
-                        <a:latin typeface="AdobeClean-Light"/>
-                        <a:cs typeface="AdobeClean-Light"/>
-                      </a:endParaRPr>
                     </a:p>
                   </a:txBody>
                   <a:tcPr marL="0" marR="0" marT="58419" marB="0">
@@ -5135,7 +4451,7 @@
                     <a:bodyPr/>
                     <a:lstStyle/>
                     <a:p>
-                      <a:pPr algn="ctr">
+                      <a:pPr algn="l" rtl="0">
                         <a:lnSpc>
                           <a:spcPct val="100000"/>
                         </a:lnSpc>
@@ -5182,7 +4498,7 @@
                         <a:defRPr/>
                       </a:pPr>
                       <a:r>
-                        <a:rPr lang="en-US" sz="900" dirty="0">
+                        <a:rPr lang="fr-FR" sz="900">
                           <a:solidFill>
                             <a:srgbClr val="020302"/>
                           </a:solidFill>
@@ -5191,10 +4507,6 @@
                         </a:rPr>
                         <a:t></a:t>
                       </a:r>
-                      <a:endParaRPr lang="en-US" sz="900" dirty="0">
-                        <a:latin typeface="Wingdings"/>
-                        <a:cs typeface="Wingdings"/>
-                      </a:endParaRPr>
                     </a:p>
                   </a:txBody>
                   <a:tcPr marL="0" marR="0" marT="0" marB="0" anchor="ctr">
@@ -5217,7 +4529,7 @@
                     <a:bodyPr/>
                     <a:lstStyle/>
                     <a:p>
-                      <a:pPr marL="50800">
+                      <a:pPr marL="50800" algn="l" rtl="0">
                         <a:lnSpc>
                           <a:spcPct val="100000"/>
                         </a:lnSpc>
@@ -5275,19 +4587,15 @@
                         </a:spcBef>
                       </a:pPr>
                       <a:r>
-                        <a:rPr sz="900" spc="0" dirty="0">
+                        <a:rPr lang="fr-FR" sz="900">
                           <a:solidFill>
                             <a:srgbClr val="020302"/>
                           </a:solidFill>
                           <a:latin typeface="AdobeClean-Light"/>
                           <a:cs typeface="AdobeClean-Light"/>
                         </a:rPr>
-                        <a:t>Technical Account Manager</a:t>
+                        <a:t>Gestionnaire de compte technique</a:t>
                       </a:r>
-                      <a:endParaRPr sz="900" spc="0" dirty="0">
-                        <a:latin typeface="AdobeClean-Light"/>
-                        <a:cs typeface="AdobeClean-Light"/>
-                      </a:endParaRPr>
                     </a:p>
                   </a:txBody>
                   <a:tcPr marL="0" marR="0" marT="63500" marB="0">
@@ -5316,7 +4624,7 @@
                     <a:bodyPr/>
                     <a:lstStyle/>
                     <a:p>
-                      <a:pPr algn="ctr">
+                      <a:pPr algn="l" rtl="0">
                         <a:lnSpc>
                           <a:spcPct val="100000"/>
                         </a:lnSpc>
@@ -5372,7 +4680,7 @@
                         <a:defRPr/>
                       </a:pPr>
                       <a:r>
-                        <a:rPr lang="en-US" sz="900" dirty="0">
+                        <a:rPr lang="fr-FR" sz="900">
                           <a:solidFill>
                             <a:srgbClr val="020302"/>
                           </a:solidFill>
@@ -5381,10 +4689,6 @@
                         </a:rPr>
                         <a:t></a:t>
                       </a:r>
-                      <a:endParaRPr lang="en-US" sz="900" dirty="0">
-                        <a:latin typeface="Wingdings"/>
-                        <a:cs typeface="Wingdings"/>
-                      </a:endParaRPr>
                     </a:p>
                   </a:txBody>
                   <a:tcPr marL="0" marR="0" marT="0" marB="0" anchor="ctr">
@@ -5425,22 +4729,15 @@
                         </a:spcBef>
                       </a:pPr>
                       <a:r>
-                        <a:rPr lang="en-US" sz="1000" b="1" i="0" spc="0" dirty="0">
+                        <a:rPr lang="fr-FR" sz="1000" b="1" i="0">
                           <a:solidFill>
                             <a:schemeClr val="bg1"/>
                           </a:solidFill>
                           <a:latin typeface="Adobe Clean" panose="020B0503020404020204" pitchFamily="34" charset="0"/>
                           <a:cs typeface="AdobeClean-Light"/>
                         </a:rPr>
-                        <a:t>Support Services</a:t>
+                        <a:t>Services d’assistance</a:t>
                       </a:r>
-                      <a:endParaRPr sz="1000" b="1" i="0" spc="0" dirty="0">
-                        <a:solidFill>
-                          <a:schemeClr val="bg1"/>
-                        </a:solidFill>
-                        <a:latin typeface="Adobe Clean" panose="020B0503020404020204" pitchFamily="34" charset="0"/>
-                        <a:cs typeface="AdobeClean-Light"/>
-                      </a:endParaRPr>
                     </a:p>
                   </a:txBody>
                   <a:tcPr marL="0" marR="0" marT="57150" marB="0" anchor="ctr">
@@ -5496,29 +4793,15 @@
                         </a:spcBef>
                       </a:pPr>
                       <a:r>
-                        <a:rPr lang="en-US" sz="900" spc="0" dirty="0">
+                        <a:rPr lang="fr-FR" sz="900">
                           <a:solidFill>
                             <a:srgbClr val="020302"/>
                           </a:solidFill>
                           <a:latin typeface="AdobeClean-Light"/>
                           <a:cs typeface="AdobeClean-Light"/>
                         </a:rPr>
-                        <a:t>Online</a:t>
+                        <a:t>Assistance en ligne</a:t>
                       </a:r>
-                      <a:r>
-                        <a:rPr sz="900" spc="0" dirty="0">
-                          <a:solidFill>
-                            <a:srgbClr val="020302"/>
-                          </a:solidFill>
-                          <a:latin typeface="AdobeClean-Light"/>
-                          <a:cs typeface="AdobeClean-Light"/>
-                        </a:rPr>
-                        <a:t> Support</a:t>
-                      </a:r>
-                      <a:endParaRPr sz="900" spc="0" dirty="0">
-                        <a:latin typeface="AdobeClean-Light"/>
-                        <a:cs typeface="AdobeClean-Light"/>
-                      </a:endParaRPr>
                     </a:p>
                   </a:txBody>
                   <a:tcPr marL="0" marR="0" marT="57150" marB="0">
@@ -5556,39 +4839,15 @@
                         </a:spcBef>
                       </a:pPr>
                       <a:r>
-                        <a:rPr sz="900" spc="-25" dirty="0">
+                        <a:rPr lang="fr-FR" sz="900">
                           <a:solidFill>
                             <a:srgbClr val="020302"/>
                           </a:solidFill>
                           <a:latin typeface="AdobeClean-Light"/>
                           <a:cs typeface="AdobeClean-Light"/>
                         </a:rPr>
-                        <a:t>Business</a:t>
+                        <a:t>Heures d’ouverture</a:t>
                       </a:r>
-                      <a:r>
-                        <a:rPr sz="900" spc="-15" dirty="0">
-                          <a:solidFill>
-                            <a:srgbClr val="020302"/>
-                          </a:solidFill>
-                          <a:latin typeface="AdobeClean-Light"/>
-                          <a:cs typeface="AdobeClean-Light"/>
-                        </a:rPr>
-                        <a:t> </a:t>
-                      </a:r>
-                      <a:r>
-                        <a:rPr sz="900" spc="-30" dirty="0">
-                          <a:solidFill>
-                            <a:srgbClr val="020302"/>
-                          </a:solidFill>
-                          <a:latin typeface="AdobeClean-Light"/>
-                          <a:cs typeface="AdobeClean-Light"/>
-                        </a:rPr>
-                        <a:t>hours</a:t>
-                      </a:r>
-                      <a:endParaRPr sz="900" dirty="0">
-                        <a:latin typeface="AdobeClean-Light"/>
-                        <a:cs typeface="AdobeClean-Light"/>
-                      </a:endParaRPr>
                     </a:p>
                   </a:txBody>
                   <a:tcPr marL="0" marR="0" marT="67945" marB="0">
@@ -5627,7 +4886,7 @@
                         </a:spcBef>
                       </a:pPr>
                       <a:r>
-                        <a:rPr lang="en-US" sz="900" spc="-25" dirty="0">
+                        <a:rPr lang="fr-FR" sz="900">
                           <a:solidFill>
                             <a:srgbClr val="020302"/>
                           </a:solidFill>
@@ -5636,10 +4895,6 @@
                         </a:rPr>
                         <a:t>24x5</a:t>
                       </a:r>
-                      <a:endParaRPr sz="900" dirty="0">
-                        <a:latin typeface="AdobeClean-Light"/>
-                        <a:cs typeface="AdobeClean-Light"/>
-                      </a:endParaRPr>
                     </a:p>
                   </a:txBody>
                   <a:tcPr marL="0" marR="0" marT="67945" marB="0" anchor="ctr">
@@ -5671,7 +4926,7 @@
                     <a:bodyPr/>
                     <a:lstStyle/>
                     <a:p>
-                      <a:pPr marL="50800">
+                      <a:pPr marL="50800" algn="l" rtl="0">
                         <a:lnSpc>
                           <a:spcPct val="100000"/>
                         </a:lnSpc>
@@ -5720,39 +4975,15 @@
                         </a:spcBef>
                       </a:pPr>
                       <a:r>
-                        <a:rPr sz="900" spc="0" dirty="0">
+                        <a:rPr lang="fr-FR" sz="900">
                           <a:solidFill>
                             <a:srgbClr val="020302"/>
                           </a:solidFill>
                           <a:latin typeface="AdobeClean-Light"/>
                           <a:cs typeface="AdobeClean-Light"/>
                         </a:rPr>
-                        <a:t>24x7</a:t>
+                        <a:t>Assistance en cas de problèmes P1 24x7x365</a:t>
                       </a:r>
-                      <a:r>
-                        <a:rPr lang="en-US" sz="900" spc="0" dirty="0">
-                          <a:solidFill>
-                            <a:srgbClr val="020302"/>
-                          </a:solidFill>
-                          <a:latin typeface="AdobeClean-Light"/>
-                          <a:cs typeface="AdobeClean-Light"/>
-                        </a:rPr>
-                        <a:t>x365</a:t>
-                      </a:r>
-                      <a:r>
-                        <a:rPr sz="900" spc="0" dirty="0">
-                          <a:solidFill>
-                            <a:srgbClr val="020302"/>
-                          </a:solidFill>
-                          <a:latin typeface="AdobeClean-Light"/>
-                          <a:cs typeface="AdobeClean-Light"/>
-                        </a:rPr>
-                        <a:t> P1 Issue Support</a:t>
-                      </a:r>
-                      <a:endParaRPr sz="900" spc="0" dirty="0">
-                        <a:latin typeface="AdobeClean-Light"/>
-                        <a:cs typeface="AdobeClean-Light"/>
-                      </a:endParaRPr>
                     </a:p>
                   </a:txBody>
                   <a:tcPr marL="0" marR="0" marT="57785" marB="0">
@@ -5784,7 +5015,7 @@
                         </a:spcBef>
                       </a:pPr>
                       <a:r>
-                        <a:rPr sz="900" dirty="0">
+                        <a:rPr lang="fr-FR" sz="900">
                           <a:solidFill>
                             <a:srgbClr val="020302"/>
                           </a:solidFill>
@@ -5793,10 +5024,6 @@
                         </a:rPr>
                         <a:t></a:t>
                       </a:r>
-                      <a:endParaRPr sz="900" dirty="0">
-                        <a:latin typeface="Wingdings"/>
-                        <a:cs typeface="Wingdings"/>
-                      </a:endParaRPr>
                     </a:p>
                   </a:txBody>
                   <a:tcPr marL="0" marR="0" marT="58419" marB="0">
@@ -5826,7 +5053,7 @@
                         </a:spcBef>
                       </a:pPr>
                       <a:r>
-                        <a:rPr sz="900" dirty="0">
+                        <a:rPr lang="fr-FR" sz="900">
                           <a:solidFill>
                             <a:srgbClr val="020302"/>
                           </a:solidFill>
@@ -5835,10 +5062,6 @@
                         </a:rPr>
                         <a:t></a:t>
                       </a:r>
-                      <a:endParaRPr sz="900" dirty="0">
-                        <a:latin typeface="Wingdings"/>
-                        <a:cs typeface="Wingdings"/>
-                      </a:endParaRPr>
                     </a:p>
                   </a:txBody>
                   <a:tcPr marL="0" marR="0" marT="58419" marB="0" anchor="ctr">
@@ -5861,7 +5084,7 @@
                     <a:bodyPr/>
                     <a:lstStyle/>
                     <a:p>
-                      <a:pPr marL="50800">
+                      <a:pPr marL="50800" algn="l" rtl="0">
                         <a:lnSpc>
                           <a:spcPct val="100000"/>
                         </a:lnSpc>
@@ -5919,19 +5142,15 @@
                         </a:spcBef>
                       </a:pPr>
                       <a:r>
-                        <a:rPr lang="en-US" sz="900" spc="0" dirty="0">
+                        <a:rPr lang="fr-FR" sz="900">
                           <a:solidFill>
                             <a:srgbClr val="020302"/>
                           </a:solidFill>
                           <a:latin typeface="AdobeClean-Light"/>
                           <a:cs typeface="AdobeClean-Light"/>
                         </a:rPr>
-                        <a:t>Named Support Contacts (per product)</a:t>
+                        <a:t>Contacts d’assistance nommés (par produit)</a:t>
                       </a:r>
-                      <a:endParaRPr sz="900" spc="0" dirty="0">
-                        <a:latin typeface="AdobeClean-Light"/>
-                        <a:cs typeface="AdobeClean-Light"/>
-                      </a:endParaRPr>
                     </a:p>
                   </a:txBody>
                   <a:tcPr marL="0" marR="0" marT="57785" marB="0">
@@ -5969,7 +5188,7 @@
                         </a:spcBef>
                       </a:pPr>
                       <a:r>
-                        <a:rPr sz="900" dirty="0">
+                        <a:rPr lang="fr-FR" sz="900">
                           <a:solidFill>
                             <a:srgbClr val="020302"/>
                           </a:solidFill>
@@ -5978,10 +5197,6 @@
                         </a:rPr>
                         <a:t>4</a:t>
                       </a:r>
-                      <a:endParaRPr sz="900" dirty="0">
-                        <a:latin typeface="AdobeClean-Light"/>
-                        <a:cs typeface="AdobeClean-Light"/>
-                      </a:endParaRPr>
                     </a:p>
                   </a:txBody>
                   <a:tcPr marL="0" marR="0" marT="57785" marB="0">
@@ -6011,7 +5226,7 @@
                         </a:spcBef>
                       </a:pPr>
                       <a:r>
-                        <a:rPr lang="en-US" sz="900" dirty="0">
+                        <a:rPr lang="fr-FR" sz="900">
                           <a:solidFill>
                             <a:srgbClr val="020302"/>
                           </a:solidFill>
@@ -6020,10 +5235,6 @@
                         </a:rPr>
                         <a:t>15</a:t>
                       </a:r>
-                      <a:endParaRPr sz="900" dirty="0">
-                        <a:latin typeface="AdobeClean-Light"/>
-                        <a:cs typeface="AdobeClean-Light"/>
-                      </a:endParaRPr>
                     </a:p>
                   </a:txBody>
                   <a:tcPr marL="0" marR="0" marT="57785" marB="0" anchor="ctr">
@@ -6046,7 +5257,7 @@
                     <a:bodyPr/>
                     <a:lstStyle/>
                     <a:p>
-                      <a:pPr marL="50800">
+                      <a:pPr marL="50800" algn="l" rtl="0">
                         <a:lnSpc>
                           <a:spcPct val="100000"/>
                         </a:lnSpc>
@@ -6095,19 +5306,15 @@
                         </a:spcBef>
                       </a:pPr>
                       <a:r>
-                        <a:rPr lang="en-US" sz="900" spc="0" dirty="0">
+                        <a:rPr lang="fr-FR" sz="900">
                           <a:solidFill>
                             <a:srgbClr val="020302"/>
                           </a:solidFill>
                           <a:latin typeface="AdobeClean-Light"/>
                           <a:cs typeface="AdobeClean-Light"/>
                         </a:rPr>
-                        <a:t>Live Telephone Support</a:t>
+                        <a:t>Assistance téléphonique en direct</a:t>
                       </a:r>
-                      <a:endParaRPr sz="900" spc="0" dirty="0">
-                        <a:latin typeface="AdobeClean-Light"/>
-                        <a:cs typeface="AdobeClean-Light"/>
-                      </a:endParaRPr>
                     </a:p>
                   </a:txBody>
                   <a:tcPr marL="0" marR="0" marT="57785" marB="0">
@@ -6130,7 +5337,7 @@
                     <a:bodyPr/>
                     <a:lstStyle/>
                     <a:p>
-                      <a:pPr algn="ctr">
+                      <a:pPr algn="l" rtl="0">
                         <a:lnSpc>
                           <a:spcPct val="100000"/>
                         </a:lnSpc>
@@ -6171,7 +5378,7 @@
                         </a:spcBef>
                       </a:pPr>
                       <a:r>
-                        <a:rPr sz="900" dirty="0">
+                        <a:rPr lang="fr-FR" sz="900">
                           <a:solidFill>
                             <a:srgbClr val="020302"/>
                           </a:solidFill>
@@ -6180,10 +5387,6 @@
                         </a:rPr>
                         <a:t></a:t>
                       </a:r>
-                      <a:endParaRPr sz="900" dirty="0">
-                        <a:latin typeface="Wingdings"/>
-                        <a:cs typeface="Wingdings"/>
-                      </a:endParaRPr>
                     </a:p>
                   </a:txBody>
                   <a:tcPr marL="0" marR="0" marT="59054" marB="0" anchor="ctr">
@@ -6206,7 +5409,7 @@
                     <a:bodyPr/>
                     <a:lstStyle/>
                     <a:p>
-                      <a:pPr marL="50800">
+                      <a:pPr marL="50800" algn="l" rtl="0">
                         <a:lnSpc>
                           <a:spcPct val="100000"/>
                         </a:lnSpc>
@@ -6255,19 +5458,15 @@
                         </a:spcBef>
                       </a:pPr>
                       <a:r>
-                        <a:rPr sz="900" spc="0" dirty="0">
+                        <a:rPr lang="fr-FR" sz="900">
                           <a:solidFill>
                             <a:srgbClr val="020302"/>
                           </a:solidFill>
                           <a:latin typeface="AdobeClean-Light"/>
                           <a:cs typeface="AdobeClean-Light"/>
                         </a:rPr>
-                        <a:t>Escalation Management</a:t>
+                        <a:t>Gestion des remontées d’informations</a:t>
                       </a:r>
-                      <a:endParaRPr sz="900" spc="0" dirty="0">
-                        <a:latin typeface="AdobeClean-Light"/>
-                        <a:cs typeface="AdobeClean-Light"/>
-                      </a:endParaRPr>
                     </a:p>
                   </a:txBody>
                   <a:tcPr marL="0" marR="0" marT="58419" marB="0">
@@ -6290,7 +5489,7 @@
                     <a:bodyPr/>
                     <a:lstStyle/>
                     <a:p>
-                      <a:pPr algn="ctr">
+                      <a:pPr algn="l" rtl="0">
                         <a:lnSpc>
                           <a:spcPct val="100000"/>
                         </a:lnSpc>
@@ -6331,7 +5530,7 @@
                         </a:spcBef>
                       </a:pPr>
                       <a:r>
-                        <a:rPr sz="900" dirty="0">
+                        <a:rPr lang="fr-FR" sz="900">
                           <a:solidFill>
                             <a:srgbClr val="020302"/>
                           </a:solidFill>
@@ -6340,10 +5539,6 @@
                         </a:rPr>
                         <a:t></a:t>
                       </a:r>
-                      <a:endParaRPr sz="900" dirty="0">
-                        <a:latin typeface="Wingdings"/>
-                        <a:cs typeface="Wingdings"/>
-                      </a:endParaRPr>
                     </a:p>
                   </a:txBody>
                   <a:tcPr marL="0" marR="0" marT="59690" marB="0" anchor="ctr">
@@ -6366,7 +5561,7 @@
                     <a:bodyPr/>
                     <a:lstStyle/>
                     <a:p>
-                      <a:pPr marL="50800">
+                      <a:pPr marL="50800" algn="l" rtl="0">
                         <a:lnSpc>
                           <a:spcPct val="100000"/>
                         </a:lnSpc>
@@ -6415,29 +5610,15 @@
                         </a:spcBef>
                       </a:pPr>
                       <a:r>
-                        <a:rPr sz="900" spc="0" dirty="0">
+                        <a:rPr lang="fr-FR" sz="900">
                           <a:solidFill>
                             <a:srgbClr val="020302"/>
                           </a:solidFill>
                           <a:latin typeface="AdobeClean-Light"/>
                           <a:cs typeface="AdobeClean-Light"/>
                         </a:rPr>
-                        <a:t>Service Reviews </a:t>
+                        <a:t>Examens de service par an</a:t>
                       </a:r>
-                      <a:r>
-                        <a:rPr lang="en-US" sz="900" spc="0" dirty="0">
-                          <a:solidFill>
-                            <a:srgbClr val="020302"/>
-                          </a:solidFill>
-                          <a:latin typeface="AdobeClean-Light"/>
-                          <a:cs typeface="AdobeClean-Light"/>
-                        </a:rPr>
-                        <a:t>per Year</a:t>
-                      </a:r>
-                      <a:endParaRPr sz="900" spc="0" dirty="0">
-                        <a:latin typeface="AdobeClean-Light"/>
-                        <a:cs typeface="AdobeClean-Light"/>
-                      </a:endParaRPr>
                     </a:p>
                   </a:txBody>
                   <a:tcPr marL="0" marR="0" marT="57150" marB="0">
@@ -6460,7 +5641,7 @@
                     <a:bodyPr/>
                     <a:lstStyle/>
                     <a:p>
-                      <a:pPr>
+                      <a:pPr algn="l" rtl="0">
                         <a:lnSpc>
                           <a:spcPct val="100000"/>
                         </a:lnSpc>
@@ -6495,16 +5676,12 @@
                         </a:lnSpc>
                       </a:pPr>
                       <a:r>
-                        <a:rPr lang="en-US" sz="900" dirty="0">
+                        <a:rPr lang="fr-FR" sz="900">
                           <a:latin typeface="Times New Roman"/>
                           <a:cs typeface="Times New Roman"/>
                         </a:rPr>
                         <a:t>4</a:t>
                       </a:r>
-                      <a:endParaRPr sz="900" dirty="0">
-                        <a:latin typeface="Times New Roman"/>
-                        <a:cs typeface="Times New Roman"/>
-                      </a:endParaRPr>
                     </a:p>
                   </a:txBody>
                   <a:tcPr marL="0" marR="0" marT="0" marB="0" anchor="ctr">
@@ -6546,16 +5723,12 @@
                         </a:spcBef>
                       </a:pPr>
                       <a:r>
-                        <a:rPr lang="en-US" sz="900" spc="0" dirty="0">
+                        <a:rPr lang="fr-FR" sz="900">
                           <a:latin typeface="AdobeClean-Light"/>
                           <a:cs typeface="AdobeClean-Light"/>
                         </a:rPr>
-                        <a:t>Expert Sessions per Year</a:t>
+                        <a:t>Sessions d’experts par an</a:t>
                       </a:r>
-                      <a:endParaRPr sz="900" spc="0" dirty="0">
-                        <a:latin typeface="AdobeClean-Light"/>
-                        <a:cs typeface="AdobeClean-Light"/>
-                      </a:endParaRPr>
                     </a:p>
                   </a:txBody>
                   <a:tcPr marL="0" marR="0" marT="57150" marB="0">
@@ -6584,7 +5757,7 @@
                     <a:bodyPr/>
                     <a:lstStyle/>
                     <a:p>
-                      <a:pPr>
+                      <a:pPr algn="l" rtl="0">
                         <a:lnSpc>
                           <a:spcPct val="100000"/>
                         </a:lnSpc>
@@ -6619,16 +5792,12 @@
                         </a:lnSpc>
                       </a:pPr>
                       <a:r>
-                        <a:rPr lang="en-US" sz="900" dirty="0">
+                        <a:rPr lang="fr-FR" sz="900">
                           <a:latin typeface="Times New Roman"/>
                           <a:cs typeface="Times New Roman"/>
                         </a:rPr>
                         <a:t>4</a:t>
                       </a:r>
-                      <a:endParaRPr sz="900" dirty="0">
-                        <a:latin typeface="Times New Roman"/>
-                        <a:cs typeface="Times New Roman"/>
-                      </a:endParaRPr>
                     </a:p>
                   </a:txBody>
                   <a:tcPr marL="0" marR="0" marT="0" marB="0" anchor="ctr">
@@ -6670,16 +5839,12 @@
                         </a:spcBef>
                       </a:pPr>
                       <a:r>
-                        <a:rPr lang="en-US" sz="900" spc="0" dirty="0">
+                        <a:rPr lang="fr-FR" sz="900">
                           <a:latin typeface="AdobeClean-Light"/>
                           <a:cs typeface="AdobeClean-Light"/>
                         </a:rPr>
-                        <a:t>Case Reviews</a:t>
+                        <a:t>Examens de cas</a:t>
                       </a:r>
-                      <a:endParaRPr sz="900" spc="0" dirty="0">
-                        <a:latin typeface="AdobeClean-Light"/>
-                        <a:cs typeface="AdobeClean-Light"/>
-                      </a:endParaRPr>
                     </a:p>
                   </a:txBody>
                   <a:tcPr marL="0" marR="0" marT="57150" marB="0">
@@ -6708,7 +5873,7 @@
                     <a:bodyPr/>
                     <a:lstStyle/>
                     <a:p>
-                      <a:pPr>
+                      <a:pPr algn="l" rtl="0">
                         <a:lnSpc>
                           <a:spcPct val="100000"/>
                         </a:lnSpc>
@@ -6755,7 +5920,7 @@
                         <a:defRPr/>
                       </a:pPr>
                       <a:r>
-                        <a:rPr lang="en-US" sz="900" dirty="0">
+                        <a:rPr lang="fr-FR" sz="900">
                           <a:solidFill>
                             <a:srgbClr val="020302"/>
                           </a:solidFill>
@@ -6764,10 +5929,6 @@
                         </a:rPr>
                         <a:t></a:t>
                       </a:r>
-                      <a:endParaRPr lang="en-US" sz="900" dirty="0">
-                        <a:latin typeface="Wingdings"/>
-                        <a:cs typeface="Wingdings"/>
-                      </a:endParaRPr>
                     </a:p>
                   </a:txBody>
                   <a:tcPr marL="0" marR="0" marT="0" marB="0" anchor="ctr">
@@ -6790,7 +5951,7 @@
                     <a:bodyPr/>
                     <a:lstStyle/>
                     <a:p>
-                      <a:pPr marL="48895">
+                      <a:pPr marL="48895" algn="l" rtl="0">
                         <a:lnSpc>
                           <a:spcPct val="100000"/>
                         </a:lnSpc>
@@ -6848,29 +6009,15 @@
                         </a:spcBef>
                       </a:pPr>
                       <a:r>
-                        <a:rPr sz="900" spc="0" dirty="0">
+                        <a:rPr lang="fr-FR" sz="900">
                           <a:solidFill>
                             <a:srgbClr val="020302"/>
                           </a:solidFill>
                           <a:latin typeface="AdobeClean-Light"/>
                           <a:cs typeface="AdobeClean-Light"/>
                         </a:rPr>
-                        <a:t>Event </a:t>
+                        <a:t>Gestion des événements</a:t>
                       </a:r>
-                      <a:r>
-                        <a:rPr lang="en-US" sz="900" spc="0" dirty="0">
-                          <a:solidFill>
-                            <a:srgbClr val="020302"/>
-                          </a:solidFill>
-                          <a:latin typeface="AdobeClean-Light"/>
-                          <a:cs typeface="AdobeClean-Light"/>
-                        </a:rPr>
-                        <a:t>Management</a:t>
-                      </a:r>
-                      <a:endParaRPr sz="900" spc="0" dirty="0">
-                        <a:latin typeface="AdobeClean-Light"/>
-                        <a:cs typeface="AdobeClean-Light"/>
-                      </a:endParaRPr>
                     </a:p>
                   </a:txBody>
                   <a:tcPr marL="0" marR="0" marT="58419" marB="0">
@@ -6899,7 +6046,7 @@
                     <a:bodyPr/>
                     <a:lstStyle/>
                     <a:p>
-                      <a:pPr>
+                      <a:pPr algn="l" rtl="0">
                         <a:lnSpc>
                           <a:spcPct val="100000"/>
                         </a:lnSpc>
@@ -6946,7 +6093,7 @@
                         <a:defRPr/>
                       </a:pPr>
                       <a:r>
-                        <a:rPr lang="en-US" sz="900" dirty="0">
+                        <a:rPr lang="fr-FR" sz="900">
                           <a:solidFill>
                             <a:srgbClr val="020302"/>
                           </a:solidFill>
@@ -6955,10 +6102,6 @@
                         </a:rPr>
                         <a:t></a:t>
                       </a:r>
-                      <a:endParaRPr lang="en-US" sz="900" dirty="0">
-                        <a:latin typeface="Wingdings"/>
-                        <a:cs typeface="Wingdings"/>
-                      </a:endParaRPr>
                     </a:p>
                   </a:txBody>
                   <a:tcPr marL="0" marR="0" marT="0" marB="0" anchor="ctr">
@@ -6981,7 +6124,7 @@
                     <a:bodyPr/>
                     <a:lstStyle/>
                     <a:p>
-                      <a:pPr marL="48895">
+                      <a:pPr marL="48895" algn="l" rtl="0">
                         <a:lnSpc>
                           <a:spcPct val="100000"/>
                         </a:lnSpc>
@@ -7030,39 +6173,15 @@
                         </a:spcBef>
                       </a:pPr>
                       <a:r>
-                        <a:rPr sz="900" spc="0" dirty="0">
+                        <a:rPr lang="fr-FR" sz="900">
                           <a:solidFill>
                             <a:srgbClr val="020302"/>
                           </a:solidFill>
                           <a:latin typeface="AdobeClean-Light"/>
                           <a:cs typeface="AdobeClean-Light"/>
                         </a:rPr>
-                        <a:t>Environment</a:t>
+                        <a:t>Examen, maintenance et surveillance de l’environnement</a:t>
                       </a:r>
-                      <a:r>
-                        <a:rPr lang="en-US" sz="900" spc="0" dirty="0">
-                          <a:solidFill>
-                            <a:srgbClr val="020302"/>
-                          </a:solidFill>
-                          <a:latin typeface="AdobeClean-Light"/>
-                          <a:cs typeface="AdobeClean-Light"/>
-                        </a:rPr>
-                        <a:t> </a:t>
-                      </a:r>
-                      <a:r>
-                        <a:rPr sz="900" spc="0" dirty="0">
-                          <a:solidFill>
-                            <a:srgbClr val="020302"/>
-                          </a:solidFill>
-                          <a:latin typeface="AdobeClean-Light"/>
-                          <a:cs typeface="AdobeClean-Light"/>
-                        </a:rPr>
-                        <a:t>Review, Maintenance &amp; Monitoring</a:t>
-                      </a:r>
-                      <a:endParaRPr sz="900" spc="0" dirty="0">
-                        <a:latin typeface="AdobeClean-Light"/>
-                        <a:cs typeface="AdobeClean-Light"/>
-                      </a:endParaRPr>
                     </a:p>
                   </a:txBody>
                   <a:tcPr marL="0" marR="0" marT="59055" marB="0">
@@ -7085,7 +6204,7 @@
                     <a:bodyPr/>
                     <a:lstStyle/>
                     <a:p>
-                      <a:pPr>
+                      <a:pPr algn="l" rtl="0">
                         <a:lnSpc>
                           <a:spcPct val="100000"/>
                         </a:lnSpc>
@@ -7132,7 +6251,7 @@
                         <a:defRPr/>
                       </a:pPr>
                       <a:r>
-                        <a:rPr lang="en-US" sz="900" dirty="0">
+                        <a:rPr lang="fr-FR" sz="900">
                           <a:solidFill>
                             <a:srgbClr val="020302"/>
                           </a:solidFill>
@@ -7141,10 +6260,6 @@
                         </a:rPr>
                         <a:t></a:t>
                       </a:r>
-                      <a:endParaRPr lang="en-US" sz="900" dirty="0">
-                        <a:latin typeface="Wingdings"/>
-                        <a:cs typeface="Wingdings"/>
-                      </a:endParaRPr>
                     </a:p>
                   </a:txBody>
                   <a:tcPr marL="0" marR="0" marT="0" marB="0" anchor="ctr">
@@ -7167,7 +6282,7 @@
                     <a:bodyPr/>
                     <a:lstStyle/>
                     <a:p>
-                      <a:pPr marL="49530">
+                      <a:pPr marL="49530" algn="l" rtl="0">
                         <a:lnSpc>
                           <a:spcPct val="100000"/>
                         </a:lnSpc>
@@ -7216,19 +6331,15 @@
                         </a:spcBef>
                       </a:pPr>
                       <a:r>
-                        <a:rPr sz="900" spc="0" dirty="0">
+                        <a:rPr lang="fr-FR" sz="900" spc="-30" baseline="0" dirty="0">
                           <a:solidFill>
                             <a:srgbClr val="020302"/>
                           </a:solidFill>
                           <a:latin typeface="AdobeClean-Light"/>
                           <a:cs typeface="AdobeClean-Light"/>
                         </a:rPr>
-                        <a:t>Release, Migration, Upgrade &amp; Product Roadmap Review</a:t>
+                        <a:t>Version, migration, mise à niveau et examen de la feuille de route du produit</a:t>
                       </a:r>
-                      <a:endParaRPr sz="900" spc="0" dirty="0">
-                        <a:latin typeface="AdobeClean-Light"/>
-                        <a:cs typeface="AdobeClean-Light"/>
-                      </a:endParaRPr>
                     </a:p>
                   </a:txBody>
                   <a:tcPr marL="0" marR="0" marT="63500" marB="0">
@@ -7251,7 +6362,7 @@
                     <a:bodyPr/>
                     <a:lstStyle/>
                     <a:p>
-                      <a:pPr>
+                      <a:pPr algn="l" rtl="0">
                         <a:lnSpc>
                           <a:spcPct val="100000"/>
                         </a:lnSpc>
@@ -7298,7 +6409,7 @@
                         <a:defRPr/>
                       </a:pPr>
                       <a:r>
-                        <a:rPr lang="en-US" sz="900" dirty="0">
+                        <a:rPr lang="fr-FR" sz="900">
                           <a:solidFill>
                             <a:srgbClr val="020302"/>
                           </a:solidFill>
@@ -7307,10 +6418,6 @@
                         </a:rPr>
                         <a:t></a:t>
                       </a:r>
-                      <a:endParaRPr lang="en-US" sz="900" dirty="0">
-                        <a:latin typeface="Wingdings"/>
-                        <a:cs typeface="Wingdings"/>
-                      </a:endParaRPr>
                     </a:p>
                   </a:txBody>
                   <a:tcPr marL="0" marR="0" marT="0" marB="0" anchor="ctr">
@@ -7333,7 +6440,7 @@
                     <a:bodyPr/>
                     <a:lstStyle/>
                     <a:p>
-                      <a:pPr marL="49530">
+                      <a:pPr marL="49530" algn="l" rtl="0">
                         <a:lnSpc>
                           <a:spcPct val="100000"/>
                         </a:lnSpc>
@@ -7391,11 +6498,11 @@
                         </a:spcBef>
                       </a:pPr>
                       <a:r>
-                        <a:rPr sz="900" spc="0" dirty="0">
+                        <a:rPr lang="fr-FR" sz="900">
                           <a:latin typeface="AdobeClean-Light"/>
                           <a:cs typeface="AdobeClean-Light"/>
                         </a:rPr>
-                        <a:t>Cloud Support Activities – Experience Manager as Cloud</a:t>
+                        <a:t>Activités d’assistance dans le Cloud - Experience Manager as Cloud</a:t>
                       </a:r>
                     </a:p>
                   </a:txBody>
@@ -7425,7 +6532,7 @@
                     <a:bodyPr/>
                     <a:lstStyle/>
                     <a:p>
-                      <a:pPr>
+                      <a:pPr algn="l" rtl="0">
                         <a:lnSpc>
                           <a:spcPct val="100000"/>
                         </a:lnSpc>
@@ -7481,7 +6588,7 @@
                         <a:defRPr/>
                       </a:pPr>
                       <a:r>
-                        <a:rPr lang="en-US" sz="900" dirty="0">
+                        <a:rPr lang="fr-FR" sz="900">
                           <a:solidFill>
                             <a:srgbClr val="020302"/>
                           </a:solidFill>
@@ -7490,10 +6597,6 @@
                         </a:rPr>
                         <a:t></a:t>
                       </a:r>
-                      <a:endParaRPr lang="en-US" sz="900" dirty="0">
-                        <a:latin typeface="Wingdings"/>
-                        <a:cs typeface="Wingdings"/>
-                      </a:endParaRPr>
                     </a:p>
                   </a:txBody>
                   <a:tcPr marL="0" marR="0" marT="0" marB="0" anchor="ctr">
@@ -7534,22 +6637,15 @@
                         </a:spcBef>
                       </a:pPr>
                       <a:r>
-                        <a:rPr lang="en-US" sz="1000" b="1" i="0" spc="0" dirty="0">
+                        <a:rPr lang="fr-FR" sz="1000" b="1" i="0">
                           <a:solidFill>
                             <a:schemeClr val="bg1"/>
                           </a:solidFill>
                           <a:latin typeface="Adobe Clean" panose="020B0503020404020204" pitchFamily="34" charset="0"/>
                           <a:cs typeface="AdobeClean-Light"/>
                         </a:rPr>
-                        <a:t>Field Services</a:t>
+                        <a:t>Services de terrain</a:t>
                       </a:r>
-                      <a:endParaRPr sz="1000" b="1" i="0" spc="0" dirty="0">
-                        <a:solidFill>
-                          <a:schemeClr val="bg1"/>
-                        </a:solidFill>
-                        <a:latin typeface="Adobe Clean" panose="020B0503020404020204" pitchFamily="34" charset="0"/>
-                        <a:cs typeface="AdobeClean-Light"/>
-                      </a:endParaRPr>
                     </a:p>
                   </a:txBody>
                   <a:tcPr marL="0" marR="0" marT="48260" marB="0" anchor="ctr">
@@ -7602,14 +6698,14 @@
                         </a:spcBef>
                       </a:pPr>
                       <a:r>
-                        <a:rPr sz="900" spc="0" dirty="0">
+                        <a:rPr lang="fr-FR" sz="900">
                           <a:solidFill>
                             <a:srgbClr val="020302"/>
                           </a:solidFill>
                           <a:latin typeface="AdobeClean-Light"/>
                           <a:cs typeface="AdobeClean-Light"/>
                         </a:rPr>
-                        <a:t>Launch Advisory Services – First Year of new solution</a:t>
+                        <a:t>Services Launch Advisory - Première année de la nouvelle solution</a:t>
                       </a:r>
                     </a:p>
                   </a:txBody>
@@ -7649,7 +6745,7 @@
                     <a:bodyPr/>
                     <a:lstStyle/>
                     <a:p>
-                      <a:pPr>
+                      <a:pPr algn="l" rtl="0">
                         <a:lnSpc>
                           <a:spcPct val="100000"/>
                         </a:lnSpc>
@@ -7721,7 +6817,7 @@
                         <a:defRPr/>
                       </a:pPr>
                       <a:r>
-                        <a:rPr lang="en-US" sz="900" dirty="0">
+                        <a:rPr lang="fr-FR" sz="900">
                           <a:solidFill>
                             <a:srgbClr val="020302"/>
                           </a:solidFill>
@@ -7730,10 +6826,6 @@
                         </a:rPr>
                         <a:t></a:t>
                       </a:r>
-                      <a:endParaRPr lang="en-US" sz="900" dirty="0">
-                        <a:latin typeface="Wingdings"/>
-                        <a:cs typeface="Wingdings"/>
-                      </a:endParaRPr>
                     </a:p>
                   </a:txBody>
                   <a:tcPr marL="0" marR="0" marT="0" marB="0" anchor="ctr">
@@ -7812,11 +6904,11 @@
                         <a:defRPr/>
                       </a:pPr>
                       <a:r>
-                        <a:rPr lang="en-US" sz="900" spc="0" dirty="0">
+                        <a:rPr lang="fr-FR" sz="900">
                           <a:latin typeface="AdobeClean-Light"/>
                           <a:cs typeface="AdobeClean-Light"/>
                         </a:rPr>
-                        <a:t>Field Service Activities </a:t>
+                        <a:t>Activités du service de terrain </a:t>
                       </a:r>
                     </a:p>
                   </a:txBody>
@@ -7850,7 +6942,7 @@
                     <a:bodyPr/>
                     <a:lstStyle/>
                     <a:p>
-                      <a:pPr algn="ctr"/>
+                      <a:pPr algn="l" rtl="0"/>
                       <a:endParaRPr lang="en-US" dirty="0"/>
                     </a:p>
                   </a:txBody>
@@ -7899,13 +6991,12 @@
                     <a:p>
                       <a:pPr algn="ctr"/>
                       <a:r>
-                        <a:rPr lang="en-US" sz="900" dirty="0">
+                        <a:rPr lang="fr-FR" sz="900" dirty="0">
                           <a:latin typeface="Times New Roman"/>
                           <a:cs typeface="Times New Roman"/>
                         </a:rPr>
                         <a:t>4</a:t>
                       </a:r>
-                      <a:endParaRPr lang="en-US" dirty="0"/>
                     </a:p>
                   </a:txBody>
                   <a:tcPr marL="0" marR="0" marT="0" marB="0" anchor="ctr">
@@ -7973,7 +7064,7 @@
           <p:nvPr/>
         </p:nvPicPr>
         <p:blipFill>
-          <a:blip r:embed="rId2" cstate="print"/>
+          <a:blip r:embed="rId3" cstate="print"/>
           <a:stretch>
             <a:fillRect/>
           </a:stretch>
@@ -7996,8 +7087,8 @@
         </p:nvSpPr>
         <p:spPr>
           <a:xfrm>
-            <a:off x="357339" y="897487"/>
-            <a:ext cx="1736725" cy="0"/>
+            <a:off x="357339" y="897486"/>
+            <a:ext cx="2653141" cy="45719"/>
           </a:xfrm>
           <a:custGeom>
             <a:avLst/>
@@ -8039,7 +7130,7 @@
         <p:spPr>
           <a:xfrm>
             <a:off x="357339" y="608961"/>
-            <a:ext cx="1647825" cy="238760"/>
+            <a:ext cx="2844205" cy="228268"/>
           </a:xfrm>
           <a:prstGeom prst="rect">
             <a:avLst/>
@@ -8060,59 +7151,15 @@
               </a:spcBef>
             </a:pPr>
             <a:r>
-              <a:rPr sz="1400" b="1" spc="-10" dirty="0">
+              <a:rPr lang="fr-FR" sz="1400" b="1" dirty="0">
                 <a:solidFill>
                   <a:srgbClr val="020302"/>
                 </a:solidFill>
                 <a:latin typeface="Adobe Clean"/>
                 <a:cs typeface="Adobe Clean"/>
               </a:rPr>
-              <a:t>Elite</a:t>
-            </a:r>
-            <a:r>
-              <a:rPr sz="1400" b="1" spc="-50" dirty="0">
-                <a:solidFill>
-                  <a:srgbClr val="020302"/>
-                </a:solidFill>
-                <a:latin typeface="Adobe Clean"/>
-                <a:cs typeface="Adobe Clean"/>
-              </a:rPr>
-              <a:t> </a:t>
-            </a:r>
-            <a:r>
-              <a:rPr sz="1400" b="1" spc="-10" dirty="0">
-                <a:solidFill>
-                  <a:srgbClr val="020302"/>
-                </a:solidFill>
-                <a:latin typeface="Adobe Clean"/>
-                <a:cs typeface="Adobe Clean"/>
-              </a:rPr>
-              <a:t>Support</a:t>
-            </a:r>
-            <a:r>
-              <a:rPr sz="1400" b="1" spc="-45" dirty="0">
-                <a:solidFill>
-                  <a:srgbClr val="020302"/>
-                </a:solidFill>
-                <a:latin typeface="Adobe Clean"/>
-                <a:cs typeface="Adobe Clean"/>
-              </a:rPr>
-              <a:t> </a:t>
-            </a:r>
-            <a:r>
-              <a:rPr sz="1400" b="1" spc="-15" dirty="0">
-                <a:solidFill>
-                  <a:srgbClr val="020302"/>
-                </a:solidFill>
-                <a:latin typeface="Adobe Clean"/>
-                <a:cs typeface="Adobe Clean"/>
-              </a:rPr>
-              <a:t>Features</a:t>
-            </a:r>
-            <a:endParaRPr sz="1400" dirty="0">
-              <a:latin typeface="Adobe Clean"/>
-              <a:cs typeface="Adobe Clean"/>
-            </a:endParaRPr>
+              <a:t>Fonctionnalités de l’assistance Elite</a:t>
+            </a:r>
           </a:p>
         </p:txBody>
       </p:sp>
@@ -8125,7 +7172,7 @@
         <p:spPr>
           <a:xfrm>
             <a:off x="2868167" y="1433668"/>
-            <a:ext cx="2194560" cy="936154"/>
+            <a:ext cx="2194560" cy="1090042"/>
           </a:xfrm>
           <a:prstGeom prst="rect">
             <a:avLst/>
@@ -8146,19 +7193,34 @@
               </a:spcBef>
             </a:pPr>
             <a:r>
-              <a:rPr sz="1000" dirty="0">
+              <a:rPr lang="fr-FR" sz="1000" dirty="0">
                 <a:solidFill>
                   <a:srgbClr val="4B4B4B"/>
                 </a:solidFill>
                 <a:latin typeface="AdobeClean-Light"/>
                 <a:cs typeface="AdobeClean-Light"/>
               </a:rPr>
-              <a:t>A designated support engineer who  becomes familiar with your solution  environment and business goals. The NSE  is an experienced support engineer that  helps coordinate your Enterprise Support  experience..</a:t>
-            </a:r>
-            <a:endParaRPr sz="1000" dirty="0">
-              <a:latin typeface="AdobeClean-Light"/>
-              <a:cs typeface="AdobeClean-Light"/>
-            </a:endParaRPr>
+              <a:t>L’ingénieur d’assistance désigné se familiarisera avec votre environnement </a:t>
+            </a:r>
+            <a:br>
+              <a:rPr lang="sk-SK" sz="1000" dirty="0">
+                <a:solidFill>
+                  <a:srgbClr val="4B4B4B"/>
+                </a:solidFill>
+                <a:latin typeface="AdobeClean-Light"/>
+                <a:cs typeface="AdobeClean-Light"/>
+              </a:rPr>
+            </a:br>
+            <a:r>
+              <a:rPr lang="fr-FR" sz="1000" dirty="0">
+                <a:solidFill>
+                  <a:srgbClr val="4B4B4B"/>
+                </a:solidFill>
+                <a:latin typeface="AdobeClean-Light"/>
+                <a:cs typeface="AdobeClean-Light"/>
+              </a:rPr>
+              <a:t>de solution et vos objectifs commerciaux. L’ingénieur d’assistance nommé est un ingénieur d’assistance expérimenté qui vous aide à coordonner votre expérience d’assistance aux entreprises.</a:t>
+            </a:r>
           </a:p>
         </p:txBody>
       </p:sp>
@@ -8171,7 +7233,7 @@
           <p:nvPr/>
         </p:nvPicPr>
         <p:blipFill>
-          <a:blip r:embed="rId3" cstate="print"/>
+          <a:blip r:embed="rId4" cstate="print"/>
           <a:stretch>
             <a:fillRect/>
           </a:stretch>
@@ -8195,7 +7257,7 @@
           <p:nvPr/>
         </p:nvPicPr>
         <p:blipFill>
-          <a:blip r:embed="rId4" cstate="print"/>
+          <a:blip r:embed="rId5" cstate="print"/>
           <a:stretch>
             <a:fillRect/>
           </a:stretch>
@@ -8219,7 +7281,7 @@
         <p:spPr>
           <a:xfrm>
             <a:off x="5333365" y="1433668"/>
-            <a:ext cx="2194560" cy="936154"/>
+            <a:ext cx="2373256" cy="1090042"/>
           </a:xfrm>
           <a:prstGeom prst="rect">
             <a:avLst/>
@@ -8240,19 +7302,15 @@
               </a:spcBef>
             </a:pPr>
             <a:r>
-              <a:rPr sz="1000" dirty="0">
+              <a:rPr lang="fr-FR" sz="1000" dirty="0">
                 <a:solidFill>
                   <a:srgbClr val="4B4B4B"/>
                 </a:solidFill>
                 <a:latin typeface="AdobeClean-Light"/>
                 <a:cs typeface="AdobeClean-Light"/>
               </a:rPr>
-              <a:t>Regular scheduled review of open  support requests, ensuring customer  alignment on case description, business  impact, status, priority and agreement on  next steps required to ensure an  expedient resolution.</a:t>
-            </a:r>
-            <a:endParaRPr sz="1000" dirty="0">
-              <a:latin typeface="AdobeClean-Light"/>
-              <a:cs typeface="AdobeClean-Light"/>
-            </a:endParaRPr>
+              <a:t>Il s’agit d’un examen planifié régulier des demandes d’assistance ouvertes, assurant l’alignement des clients avec la description des cas, l’impact sur l’entreprise, le statut, la priorité et l’accord concernant les prochaines étapes nécessaires pour garantir une résolution rapide.</a:t>
+            </a:r>
           </a:p>
         </p:txBody>
       </p:sp>
@@ -8265,7 +7323,7 @@
           <p:nvPr/>
         </p:nvPicPr>
         <p:blipFill>
-          <a:blip r:embed="rId5" cstate="print"/>
+          <a:blip r:embed="rId6" cstate="print"/>
           <a:stretch>
             <a:fillRect/>
           </a:stretch>
@@ -8310,24 +7368,14 @@
               </a:spcBef>
             </a:pPr>
             <a:r>
-              <a:rPr sz="1000" dirty="0">
+              <a:rPr lang="fr-FR" sz="1000">
                 <a:solidFill>
                   <a:srgbClr val="020302"/>
                 </a:solidFill>
                 <a:latin typeface="AdobeClean-Light"/>
                 <a:cs typeface="AdobeClean-Light"/>
               </a:rPr>
-              <a:t>A designated Technical Account Manager to  oversee your Elite experience, coordinate  the support and field services  engagements, and provide proactive services  to maximize your business valu</a:t>
-            </a:r>
-            <a:r>
-              <a:rPr lang="en-US" sz="1000" dirty="0">
-                <a:solidFill>
-                  <a:srgbClr val="020302"/>
-                </a:solidFill>
-                <a:latin typeface="AdobeClean-Light"/>
-                <a:cs typeface="AdobeClean-Light"/>
-              </a:rPr>
-              <a:t>e.</a:t>
+              <a:t>Le gestionnaire de compte technique désigné supervise votre expérience Elite, coordonne les engagements d’assistance et de services sur le terrain et fournit des services proactifs afin de maximiser la valeur de votre entreprise.</a:t>
             </a:r>
           </a:p>
         </p:txBody>
@@ -8362,19 +7410,15 @@
               </a:spcBef>
             </a:pPr>
             <a:r>
-              <a:rPr sz="1100" b="1" dirty="0">
+              <a:rPr lang="fr-FR" sz="1100" b="1">
                 <a:solidFill>
                   <a:srgbClr val="020302"/>
                 </a:solidFill>
                 <a:latin typeface="Adobe Clean" panose="020B0503020404020204" pitchFamily="34" charset="0"/>
                 <a:cs typeface="Arial"/>
               </a:rPr>
-              <a:t>Technical Account Manager</a:t>
-            </a:r>
-            <a:endParaRPr sz="1100" dirty="0">
-              <a:latin typeface="Adobe Clean" panose="020B0503020404020204" pitchFamily="34" charset="0"/>
-              <a:cs typeface="Arial"/>
-            </a:endParaRPr>
+              <a:t>Gestionnaire de compte technique</a:t>
+            </a:r>
           </a:p>
         </p:txBody>
       </p:sp>
@@ -8387,7 +7431,7 @@
           <p:nvPr/>
         </p:nvPicPr>
         <p:blipFill>
-          <a:blip r:embed="rId6" cstate="print"/>
+          <a:blip r:embed="rId7" cstate="print"/>
           <a:stretch>
             <a:fillRect/>
           </a:stretch>
@@ -8411,7 +7455,7 @@
           <p:nvPr/>
         </p:nvPicPr>
         <p:blipFill>
-          <a:blip r:embed="rId7" cstate="print"/>
+          <a:blip r:embed="rId8" cstate="print"/>
           <a:stretch>
             <a:fillRect/>
           </a:stretch>
@@ -8435,7 +7479,7 @@
         <p:spPr>
           <a:xfrm>
             <a:off x="2791726" y="5243920"/>
-            <a:ext cx="2194560" cy="499111"/>
+            <a:ext cx="2109039" cy="605102"/>
           </a:xfrm>
           <a:prstGeom prst="rect">
             <a:avLst/>
@@ -8456,49 +7500,34 @@
               </a:spcBef>
             </a:pPr>
             <a:r>
-              <a:rPr sz="1000" dirty="0">
+              <a:rPr lang="fr-FR" sz="900" dirty="0">
                 <a:solidFill>
                   <a:srgbClr val="020302"/>
                 </a:solidFill>
                 <a:latin typeface="AdobeClean-Light"/>
                 <a:cs typeface="AdobeClean-Light"/>
               </a:rPr>
-              <a:t>Ongoing knowledge transfer from Adobe  </a:t>
-            </a:r>
-            <a:r>
-              <a:rPr lang="en-US" sz="1000" dirty="0">
+              <a:t>Il s’agit d’un transfert continu des connaissances de l’équipe d’assistance d’Adobe visant à fournir les bonnes pratiques relatives </a:t>
+            </a:r>
+            <a:br>
+              <a:rPr lang="sk-SK" sz="900" dirty="0">
                 <a:solidFill>
                   <a:srgbClr val="020302"/>
                 </a:solidFill>
                 <a:latin typeface="AdobeClean-Light"/>
                 <a:cs typeface="AdobeClean-Light"/>
               </a:rPr>
-              <a:t>Support team</a:t>
-            </a:r>
-            <a:r>
-              <a:rPr sz="1000" dirty="0">
+            </a:br>
+            <a:r>
+              <a:rPr lang="fr-FR" sz="900" dirty="0">
                 <a:solidFill>
                   <a:srgbClr val="020302"/>
                 </a:solidFill>
                 <a:latin typeface="AdobeClean-Light"/>
                 <a:cs typeface="AdobeClean-Light"/>
               </a:rPr>
-              <a:t> to provide </a:t>
-            </a:r>
-            <a:r>
-              <a:rPr lang="en-US" sz="1000" dirty="0">
-                <a:solidFill>
-                  <a:srgbClr val="020302"/>
-                </a:solidFill>
-                <a:latin typeface="AdobeClean-Light"/>
-                <a:cs typeface="AdobeClean-Light"/>
-              </a:rPr>
-              <a:t>best practices around solution usage.</a:t>
-            </a:r>
-            <a:endParaRPr sz="1000" dirty="0">
-              <a:latin typeface="AdobeClean-Light"/>
-              <a:cs typeface="AdobeClean-Light"/>
-            </a:endParaRPr>
+              <a:t>à l’utilisation des solutions.</a:t>
+            </a:r>
           </a:p>
         </p:txBody>
       </p:sp>
@@ -8511,7 +7540,7 @@
         <p:spPr>
           <a:xfrm>
             <a:off x="5265661" y="5243920"/>
-            <a:ext cx="2194560" cy="669927"/>
+            <a:ext cx="2194560" cy="758862"/>
           </a:xfrm>
           <a:prstGeom prst="rect">
             <a:avLst/>
@@ -8532,19 +7561,34 @@
               </a:spcBef>
             </a:pPr>
             <a:r>
-              <a:rPr sz="1000" dirty="0">
+              <a:rPr lang="fr-FR" sz="900" dirty="0">
                 <a:solidFill>
                   <a:srgbClr val="020302"/>
                 </a:solidFill>
                 <a:latin typeface="AdobeClean-Light"/>
                 <a:cs typeface="AdobeClean-Light"/>
               </a:rPr>
-              <a:t>Manage key events to ensure you have the  right level of support, coverage, and  mitigation plan in place during those key  business and project milestones.</a:t>
-            </a:r>
-            <a:endParaRPr sz="1000" dirty="0">
-              <a:latin typeface="AdobeClean-Light"/>
-              <a:cs typeface="AdobeClean-Light"/>
-            </a:endParaRPr>
+              <a:t>Gérez des événements importants afin de vous assurer que vous disposez du niveau d’assistance, de couverture et d’un plan d’atténuation appropriés au cours de ces jalons clés </a:t>
+            </a:r>
+            <a:br>
+              <a:rPr lang="sk-SK" sz="900" dirty="0">
+                <a:solidFill>
+                  <a:srgbClr val="020302"/>
+                </a:solidFill>
+                <a:latin typeface="AdobeClean-Light"/>
+                <a:cs typeface="AdobeClean-Light"/>
+              </a:rPr>
+            </a:br>
+            <a:r>
+              <a:rPr lang="fr-FR" sz="900" dirty="0">
+                <a:solidFill>
+                  <a:srgbClr val="020302"/>
+                </a:solidFill>
+                <a:latin typeface="AdobeClean-Light"/>
+                <a:cs typeface="AdobeClean-Light"/>
+              </a:rPr>
+              <a:t>de l’entreprise et du projet.</a:t>
+            </a:r>
           </a:p>
         </p:txBody>
       </p:sp>
@@ -8557,7 +7601,7 @@
         <p:spPr>
           <a:xfrm>
             <a:off x="324341" y="5262204"/>
-            <a:ext cx="2194560" cy="698781"/>
+            <a:ext cx="2194560" cy="791755"/>
           </a:xfrm>
           <a:prstGeom prst="rect">
             <a:avLst/>
@@ -8578,19 +7622,91 @@
               </a:spcBef>
             </a:pPr>
             <a:r>
-              <a:rPr sz="1000" dirty="0">
+              <a:rPr lang="fr-FR" sz="900" dirty="0">
                 <a:solidFill>
                   <a:srgbClr val="020302"/>
                 </a:solidFill>
                 <a:latin typeface="AdobeClean-Light"/>
                 <a:cs typeface="AdobeClean-Light"/>
               </a:rPr>
-              <a:t>Receive personalized guidance on new  product features to take advantage of  latest innovations, and have Adobe  experts review release and upgrade plan.</a:t>
-            </a:r>
-            <a:endParaRPr sz="1000" dirty="0">
-              <a:latin typeface="AdobeClean-Light"/>
-              <a:cs typeface="AdobeClean-Light"/>
-            </a:endParaRPr>
+              <a:t>Bénéficiez de conseils personnalisés sur </a:t>
+            </a:r>
+            <a:br>
+              <a:rPr lang="sk-SK" sz="900" dirty="0">
+                <a:solidFill>
+                  <a:srgbClr val="020302"/>
+                </a:solidFill>
+                <a:latin typeface="AdobeClean-Light"/>
+                <a:cs typeface="AdobeClean-Light"/>
+              </a:rPr>
+            </a:br>
+            <a:r>
+              <a:rPr lang="fr-FR" sz="900" dirty="0">
+                <a:solidFill>
+                  <a:srgbClr val="020302"/>
+                </a:solidFill>
+                <a:latin typeface="AdobeClean-Light"/>
+                <a:cs typeface="AdobeClean-Light"/>
+              </a:rPr>
+              <a:t>les nouvelles fonctionnalités des produits afin </a:t>
+            </a:r>
+            <a:br>
+              <a:rPr lang="sk-SK" sz="900" dirty="0">
+                <a:solidFill>
+                  <a:srgbClr val="020302"/>
+                </a:solidFill>
+                <a:latin typeface="AdobeClean-Light"/>
+                <a:cs typeface="AdobeClean-Light"/>
+              </a:rPr>
+            </a:br>
+            <a:r>
+              <a:rPr lang="fr-FR" sz="900" dirty="0">
+                <a:solidFill>
+                  <a:srgbClr val="020302"/>
+                </a:solidFill>
+                <a:latin typeface="AdobeClean-Light"/>
+                <a:cs typeface="AdobeClean-Light"/>
+              </a:rPr>
+              <a:t>de tirer parti des dernières innovations </a:t>
+            </a:r>
+            <a:br>
+              <a:rPr lang="sk-SK" sz="900" dirty="0">
+                <a:solidFill>
+                  <a:srgbClr val="020302"/>
+                </a:solidFill>
+                <a:latin typeface="AdobeClean-Light"/>
+                <a:cs typeface="AdobeClean-Light"/>
+              </a:rPr>
+            </a:br>
+            <a:r>
+              <a:rPr lang="fr-FR" sz="900" dirty="0">
+                <a:solidFill>
+                  <a:srgbClr val="020302"/>
+                </a:solidFill>
+                <a:latin typeface="AdobeClean-Light"/>
+                <a:cs typeface="AdobeClean-Light"/>
+              </a:rPr>
+              <a:t>et demandez à des experts Adobe d’examiner </a:t>
+            </a:r>
+            <a:br>
+              <a:rPr lang="sk-SK" sz="900" dirty="0">
+                <a:solidFill>
+                  <a:srgbClr val="020302"/>
+                </a:solidFill>
+                <a:latin typeface="AdobeClean-Light"/>
+                <a:cs typeface="AdobeClean-Light"/>
+              </a:rPr>
+            </a:br>
+            <a:r>
+              <a:rPr lang="fr-FR" sz="900" dirty="0">
+                <a:solidFill>
+                  <a:srgbClr val="020302"/>
+                </a:solidFill>
+                <a:latin typeface="AdobeClean-Light"/>
+                <a:cs typeface="AdobeClean-Light"/>
+              </a:rPr>
+              <a:t>la version et le plan de mise à niveau.</a:t>
+            </a:r>
           </a:p>
         </p:txBody>
       </p:sp>
@@ -8603,7 +7719,7 @@
         <p:spPr>
           <a:xfrm>
             <a:off x="97787" y="9888626"/>
-            <a:ext cx="2202180" cy="149860"/>
+            <a:ext cx="3015618" cy="133370"/>
           </a:xfrm>
           <a:prstGeom prst="rect">
             <a:avLst/>
@@ -8624,99 +7740,55 @@
               </a:spcBef>
             </a:pPr>
             <a:r>
-              <a:rPr sz="800" spc="-15" dirty="0">
+              <a:rPr lang="fr-FR" sz="800" dirty="0">
                 <a:solidFill>
                   <a:srgbClr val="6D6D6D"/>
                 </a:solidFill>
                 <a:latin typeface="Adobe Clean"/>
                 <a:cs typeface="Adobe Clean"/>
               </a:rPr>
-              <a:t>©2021 </a:t>
-            </a:r>
-            <a:r>
-              <a:rPr sz="800" spc="-5" dirty="0">
+              <a:t>©2021 Adobe. All </a:t>
+            </a:r>
+            <a:r>
+              <a:rPr lang="fr-FR" sz="800" dirty="0" err="1">
                 <a:solidFill>
                   <a:srgbClr val="6D6D6D"/>
                 </a:solidFill>
                 <a:latin typeface="Adobe Clean"/>
                 <a:cs typeface="Adobe Clean"/>
               </a:rPr>
-              <a:t>Adobe. All</a:t>
-            </a:r>
-            <a:r>
-              <a:rPr sz="800" spc="-15" dirty="0">
+              <a:t>Rights</a:t>
+            </a:r>
+            <a:r>
+              <a:rPr lang="fr-FR" sz="800" dirty="0">
                 <a:solidFill>
                   <a:srgbClr val="6D6D6D"/>
                 </a:solidFill>
                 <a:latin typeface="Adobe Clean"/>
                 <a:cs typeface="Adobe Clean"/>
               </a:rPr>
-              <a:t> Rights</a:t>
-            </a:r>
-            <a:r>
-              <a:rPr sz="800" spc="-5" dirty="0">
+              <a:t> </a:t>
+            </a:r>
+            <a:r>
+              <a:rPr lang="fr-FR" sz="800" dirty="0" err="1">
                 <a:solidFill>
                   <a:srgbClr val="6D6D6D"/>
                 </a:solidFill>
                 <a:latin typeface="Adobe Clean"/>
                 <a:cs typeface="Adobe Clean"/>
               </a:rPr>
-              <a:t> </a:t>
-            </a:r>
-            <a:r>
-              <a:rPr sz="800" spc="-15" dirty="0">
+              <a:t>Reserved</a:t>
+            </a:r>
+            <a:r>
+              <a:rPr lang="fr-FR" sz="800" dirty="0">
                 <a:solidFill>
                   <a:srgbClr val="6D6D6D"/>
                 </a:solidFill>
                 <a:latin typeface="Adobe Clean"/>
                 <a:cs typeface="Adobe Clean"/>
               </a:rPr>
-              <a:t>Reserved.</a:t>
-            </a:r>
-            <a:r>
-              <a:rPr sz="800" spc="-10" dirty="0">
-                <a:solidFill>
-                  <a:srgbClr val="6D6D6D"/>
-                </a:solidFill>
-                <a:latin typeface="Adobe Clean"/>
-                <a:cs typeface="Adobe Clean"/>
-              </a:rPr>
-              <a:t> </a:t>
-            </a:r>
-            <a:r>
-              <a:rPr sz="800" spc="-5" dirty="0">
-                <a:solidFill>
-                  <a:srgbClr val="6D6D6D"/>
-                </a:solidFill>
-                <a:latin typeface="Adobe Clean"/>
-                <a:cs typeface="Adobe Clean"/>
-              </a:rPr>
-              <a:t>Adobe</a:t>
-            </a:r>
-            <a:r>
-              <a:rPr sz="800" spc="65" dirty="0">
-                <a:solidFill>
-                  <a:srgbClr val="6D6D6D"/>
-                </a:solidFill>
-                <a:latin typeface="Adobe Clean"/>
-                <a:cs typeface="Adobe Clean"/>
-              </a:rPr>
-              <a:t> </a:t>
-            </a:r>
-            <a:r>
-              <a:rPr sz="800" spc="-15" dirty="0">
-                <a:solidFill>
-                  <a:srgbClr val="6D6D6D"/>
-                </a:solidFill>
-                <a:latin typeface="Adobe Clean"/>
-                <a:cs typeface="Adobe Clean"/>
-              </a:rPr>
-              <a:t>Confidential.</a:t>
-            </a:r>
-            <a:endParaRPr sz="800">
-              <a:latin typeface="Adobe Clean"/>
-              <a:cs typeface="Adobe Clean"/>
-            </a:endParaRPr>
+              <a:t>. Données confidentielles Adobe</a:t>
+            </a:r>
           </a:p>
         </p:txBody>
       </p:sp>
@@ -8735,13 +7807,13 @@
           <p:nvPr/>
         </p:nvPicPr>
         <p:blipFill>
-          <a:blip r:embed="rId8" cstate="print">
+          <a:blip r:embed="rId9" cstate="print">
             <a:extLst>
               <a:ext uri="{28A0092B-C50C-407E-A947-70E740481C1C}">
                 <a14:useLocalDpi xmlns:a14="http://schemas.microsoft.com/office/drawing/2010/main" val="0"/>
               </a:ext>
               <a:ext uri="{96DAC541-7B7A-43D3-8B79-37D633B846F1}">
-                <asvg:svgBlip xmlns:asvg="http://schemas.microsoft.com/office/drawing/2016/SVG/main" r:embed="rId9"/>
+                <asvg:svgBlip xmlns:asvg="http://schemas.microsoft.com/office/drawing/2016/SVG/main" r:embed="rId10"/>
               </a:ext>
             </a:extLst>
           </a:blip>
@@ -8773,7 +7845,7 @@
         </p:nvSpPr>
         <p:spPr>
           <a:xfrm>
-            <a:off x="2791726" y="9060487"/>
+            <a:off x="2791726" y="9067800"/>
             <a:ext cx="2194560" cy="487313"/>
           </a:xfrm>
           <a:prstGeom prst="rect">
@@ -8798,152 +7870,15 @@
               </a:tabLst>
             </a:pPr>
             <a:r>
-              <a:rPr sz="1000" spc="-20" dirty="0">
+              <a:rPr lang="fr-FR" sz="1000" dirty="0">
                 <a:solidFill>
                   <a:srgbClr val="020302"/>
                 </a:solidFill>
                 <a:latin typeface="AdobeClean-Light"/>
                 <a:cs typeface="AdobeClean-Light"/>
               </a:rPr>
-              <a:t>Start </a:t>
-            </a:r>
-            <a:r>
-              <a:rPr sz="1000" dirty="0">
-                <a:solidFill>
-                  <a:srgbClr val="020302"/>
-                </a:solidFill>
-                <a:latin typeface="AdobeClean-Light"/>
-                <a:cs typeface="AdobeClean-Light"/>
-              </a:rPr>
-              <a:t>a </a:t>
-            </a:r>
-            <a:r>
-              <a:rPr sz="1000" spc="-15" dirty="0">
-                <a:solidFill>
-                  <a:srgbClr val="020302"/>
-                </a:solidFill>
-                <a:latin typeface="AdobeClean-Light"/>
-                <a:cs typeface="AdobeClean-Light"/>
-              </a:rPr>
-              <a:t>chat </a:t>
-            </a:r>
-            <a:r>
-              <a:rPr sz="1000" spc="-10" dirty="0">
-                <a:solidFill>
-                  <a:srgbClr val="020302"/>
-                </a:solidFill>
-                <a:latin typeface="AdobeClean-Light"/>
-                <a:cs typeface="AdobeClean-Light"/>
-              </a:rPr>
-              <a:t>session </a:t>
-            </a:r>
-            <a:r>
-              <a:rPr sz="1000" spc="-5" dirty="0">
-                <a:solidFill>
-                  <a:srgbClr val="020302"/>
-                </a:solidFill>
-                <a:latin typeface="AdobeClean-Light"/>
-                <a:cs typeface="AdobeClean-Light"/>
-              </a:rPr>
-              <a:t>to </a:t>
-            </a:r>
-            <a:r>
-              <a:rPr sz="1000" spc="-10" dirty="0">
-                <a:solidFill>
-                  <a:srgbClr val="020302"/>
-                </a:solidFill>
-                <a:latin typeface="AdobeClean-Light"/>
-                <a:cs typeface="AdobeClean-Light"/>
-              </a:rPr>
-              <a:t>get </a:t>
-            </a:r>
-            <a:r>
-              <a:rPr sz="1000" spc="-20" dirty="0">
-                <a:solidFill>
-                  <a:srgbClr val="020302"/>
-                </a:solidFill>
-                <a:latin typeface="AdobeClean-Light"/>
-                <a:cs typeface="AdobeClean-Light"/>
-              </a:rPr>
-              <a:t>answers</a:t>
-            </a:r>
-            <a:r>
-              <a:rPr lang="en-US" sz="1000" spc="-45" dirty="0">
-                <a:solidFill>
-                  <a:srgbClr val="020302"/>
-                </a:solidFill>
-                <a:latin typeface="AdobeClean-Light"/>
-                <a:cs typeface="AdobeClean-Light"/>
-              </a:rPr>
-              <a:t> </a:t>
-            </a:r>
-            <a:r>
-              <a:rPr lang="en-US" sz="1000" dirty="0">
-                <a:solidFill>
-                  <a:srgbClr val="020302"/>
-                </a:solidFill>
-                <a:latin typeface="AdobeClean-Light"/>
-                <a:cs typeface="AdobeClean-Light"/>
-              </a:rPr>
-              <a:t>&amp; </a:t>
-            </a:r>
-            <a:r>
-              <a:rPr sz="1000" spc="-15" dirty="0">
-                <a:solidFill>
-                  <a:srgbClr val="020302"/>
-                </a:solidFill>
-                <a:latin typeface="AdobeClean-Light"/>
-                <a:cs typeface="AdobeClean-Light"/>
-              </a:rPr>
-              <a:t>help </a:t>
-            </a:r>
-            <a:r>
-              <a:rPr sz="1000" spc="-10" dirty="0">
-                <a:solidFill>
-                  <a:srgbClr val="020302"/>
-                </a:solidFill>
-                <a:latin typeface="AdobeClean-Light"/>
-                <a:cs typeface="AdobeClean-Light"/>
-              </a:rPr>
-              <a:t>with</a:t>
-            </a:r>
-            <a:r>
-              <a:rPr sz="1000" spc="85" dirty="0">
-                <a:solidFill>
-                  <a:srgbClr val="020302"/>
-                </a:solidFill>
-                <a:latin typeface="AdobeClean-Light"/>
-                <a:cs typeface="AdobeClean-Light"/>
-              </a:rPr>
-              <a:t> </a:t>
-            </a:r>
-            <a:r>
-              <a:rPr sz="1000" spc="-10" dirty="0">
-                <a:solidFill>
-                  <a:srgbClr val="020302"/>
-                </a:solidFill>
-                <a:latin typeface="AdobeClean-Light"/>
-                <a:cs typeface="AdobeClean-Light"/>
-              </a:rPr>
-              <a:t>case </a:t>
-            </a:r>
-            <a:r>
-              <a:rPr sz="1000" spc="-20" dirty="0">
-                <a:solidFill>
-                  <a:srgbClr val="020302"/>
-                </a:solidFill>
-                <a:latin typeface="AdobeClean-Light"/>
-                <a:cs typeface="AdobeClean-Light"/>
-              </a:rPr>
-              <a:t>submission</a:t>
-            </a:r>
-            <a:endParaRPr lang="en-US" sz="1000" spc="-20" dirty="0">
-              <a:solidFill>
-                <a:srgbClr val="020302"/>
-              </a:solidFill>
-              <a:latin typeface="AdobeClean-Light"/>
-              <a:cs typeface="AdobeClean-Light"/>
-            </a:endParaRPr>
+              <a:t>Commencez une session de conversation pour obtenir des réponses et de l’aide lors de l’envoi du cas</a:t>
+            </a:r>
           </a:p>
           <a:p>
             <a:pPr marL="33020" marR="159385">
@@ -8958,39 +7893,25 @@
               </a:tabLst>
             </a:pPr>
             <a:r>
-              <a:rPr sz="1000" i="1" spc="-10" dirty="0">
+              <a:rPr lang="fr-FR" sz="1000" i="1" dirty="0">
                 <a:solidFill>
                   <a:srgbClr val="7A7A7A"/>
                 </a:solidFill>
                 <a:latin typeface="AdobeClean-LightIt"/>
                 <a:cs typeface="AdobeClean-LightIt"/>
               </a:rPr>
-              <a:t>*Not all </a:t>
-            </a:r>
-            <a:r>
-              <a:rPr sz="1000" i="1" spc="-20" dirty="0">
+              <a:t>*Tous les produits ne bénéficient pas de l’assistance de messagerie instantanée</a:t>
+            </a:r>
+            <a:r>
+              <a:rPr lang="fr-FR" sz="900" i="1" dirty="0">
                 <a:solidFill>
                   <a:srgbClr val="7A7A7A"/>
                 </a:solidFill>
                 <a:latin typeface="AdobeClean-LightIt"/>
                 <a:cs typeface="AdobeClean-LightIt"/>
               </a:rPr>
-              <a:t>products have live chat support</a:t>
-            </a:r>
-            <a:r>
-              <a:rPr sz="900" i="1" spc="-20" dirty="0">
-                <a:solidFill>
-                  <a:srgbClr val="7A7A7A"/>
-                </a:solidFill>
-                <a:latin typeface="AdobeClean-LightIt"/>
-                <a:cs typeface="AdobeClean-LightIt"/>
-              </a:rPr>
               <a:t>.  </a:t>
             </a:r>
-            <a:endParaRPr sz="900" dirty="0">
-              <a:latin typeface="AdobeClean-Light"/>
-              <a:cs typeface="AdobeClean-Light"/>
-            </a:endParaRPr>
           </a:p>
         </p:txBody>
       </p:sp>
@@ -9010,8 +7931,8 @@
         </p:nvSpPr>
         <p:spPr>
           <a:xfrm>
-            <a:off x="689237" y="6756914"/>
-            <a:ext cx="1568246" cy="184666"/>
+            <a:off x="689236" y="6756914"/>
+            <a:ext cx="1861191" cy="184666"/>
           </a:xfrm>
           <a:prstGeom prst="rect">
             <a:avLst/>
@@ -9037,12 +7958,12 @@
               <a:defRPr/>
             </a:pPr>
             <a:r>
-              <a:rPr lang="en-US" sz="1200" dirty="0">
+              <a:rPr lang="fr-FR" sz="1200" dirty="0">
                 <a:solidFill>
                   <a:srgbClr val="000000"/>
                 </a:solidFill>
               </a:rPr>
-              <a:t>Community Forums</a:t>
+              <a:t>Forums de la communauté</a:t>
             </a:r>
           </a:p>
         </p:txBody>
@@ -9064,7 +7985,7 @@
         <p:spPr>
           <a:xfrm>
             <a:off x="689237" y="6960100"/>
-            <a:ext cx="959314" cy="184666"/>
+            <a:ext cx="1480548" cy="184666"/>
           </a:xfrm>
           <a:prstGeom prst="rect">
             <a:avLst/>
@@ -9085,12 +8006,12 @@
               </a:spcAft>
             </a:pPr>
             <a:r>
-              <a:rPr lang="en-US" sz="1200" b="1" dirty="0">
+              <a:rPr lang="fr-FR" sz="1200" b="1" dirty="0">
                 <a:latin typeface="+mj-lt"/>
                 <a:ea typeface="Open Sans" pitchFamily="34" charset="0"/>
                 <a:cs typeface="Open Sans" pitchFamily="34" charset="0"/>
               </a:rPr>
-              <a:t>Online Forums</a:t>
+              <a:t>Forums en ligne</a:t>
             </a:r>
           </a:p>
         </p:txBody>
@@ -9110,7 +8031,7 @@
         <p:spPr>
           <a:xfrm>
             <a:off x="324341" y="7152361"/>
-            <a:ext cx="2194560" cy="959237"/>
+            <a:ext cx="2194560" cy="1267014"/>
           </a:xfrm>
           <a:prstGeom prst="rect">
             <a:avLst/>
@@ -9123,13 +8044,47 @@
           <a:lstStyle/>
           <a:p>
             <a:r>
-              <a:rPr lang="en-US" sz="1000" dirty="0">
+              <a:rPr lang="fr-FR" sz="1000" dirty="0">
                 <a:solidFill>
                   <a:srgbClr val="4B4B4B"/>
                 </a:solidFill>
                 <a:latin typeface="Adobe Clean Light" panose="020B0303020404020204" pitchFamily="34" charset="0"/>
               </a:rPr>
-              <a:t>Continuous online access to a growing database of technical solutions, product documentation, FAQs and more. Connect with practitioners and other customers on Adobe Community to share best practices and lessons learned</a:t>
+              <a:t>Accès en ligne permanent à une base </a:t>
+            </a:r>
+            <a:br>
+              <a:rPr lang="sk-SK" sz="1000" dirty="0">
+                <a:solidFill>
+                  <a:srgbClr val="4B4B4B"/>
+                </a:solidFill>
+                <a:latin typeface="Adobe Clean Light" panose="020B0303020404020204" pitchFamily="34" charset="0"/>
+              </a:rPr>
+            </a:br>
+            <a:r>
+              <a:rPr lang="fr-FR" sz="1000" dirty="0">
+                <a:solidFill>
+                  <a:srgbClr val="4B4B4B"/>
+                </a:solidFill>
+                <a:latin typeface="Adobe Clean Light" panose="020B0303020404020204" pitchFamily="34" charset="0"/>
+              </a:rPr>
+              <a:t>de données croissante de solutions techniques, de documentation sur les produits, de questions fréquentes, etc. Communiquez avec des professionnels et d’autres clients de la communauté Adobe pour partager les bonnes pratiques et </a:t>
+            </a:r>
+            <a:br>
+              <a:rPr lang="sk-SK" sz="1000" dirty="0">
+                <a:solidFill>
+                  <a:srgbClr val="4B4B4B"/>
+                </a:solidFill>
+                <a:latin typeface="Adobe Clean Light" panose="020B0303020404020204" pitchFamily="34" charset="0"/>
+              </a:rPr>
+            </a:br>
+            <a:r>
+              <a:rPr lang="fr-FR" sz="1000" dirty="0">
+                <a:solidFill>
+                  <a:srgbClr val="4B4B4B"/>
+                </a:solidFill>
+                <a:latin typeface="Adobe Clean Light" panose="020B0303020404020204" pitchFamily="34" charset="0"/>
+              </a:rPr>
+              <a:t>les leçons apprises</a:t>
             </a:r>
           </a:p>
         </p:txBody>
@@ -9177,7 +8132,7 @@
               <a:defRPr/>
             </a:pPr>
             <a:r>
-              <a:rPr lang="en-US" sz="1200" dirty="0">
+              <a:rPr lang="fr-FR" sz="1200">
                 <a:solidFill>
                   <a:srgbClr val="000000"/>
                 </a:solidFill>
@@ -9225,12 +8180,12 @@
               </a:spcAft>
             </a:pPr>
             <a:r>
-              <a:rPr lang="en-US" sz="1200" b="1" dirty="0">
+              <a:rPr lang="fr-FR" sz="1200" b="1">
                 <a:latin typeface="+mj-lt"/>
                 <a:ea typeface="Open Sans" pitchFamily="34" charset="0"/>
                 <a:cs typeface="Open Sans" pitchFamily="34" charset="0"/>
               </a:rPr>
-              <a:t>Self-guided Journeys</a:t>
+              <a:t>Parcours auto-guidés</a:t>
             </a:r>
           </a:p>
         </p:txBody>
@@ -9263,13 +8218,13 @@
           <a:lstStyle/>
           <a:p>
             <a:r>
-              <a:rPr lang="en-US" sz="1000" dirty="0">
+              <a:rPr lang="fr-FR" sz="1000">
                 <a:solidFill>
                   <a:srgbClr val="4B4B4B"/>
                 </a:solidFill>
                 <a:latin typeface="Adobe Clean Light" panose="020B0303020404020204" pitchFamily="34" charset="0"/>
               </a:rPr>
-              <a:t>Experience Makers are made with Experience League. Customers can kickstart their Customer Experience Management abilities with personalized learning to develop skills, engage with a global community of peers, and earn career advancing recognition</a:t>
+              <a:t>Les Experience Makers sont créées à l’aide d’Experience League. Les clients peuvent lancer leurs capacités de gestion de l’expérience client grâce à un apprentissage personnalisé permettant de développer leurs compétences, collaborer avec une communauté mondiale de pairs et gagner une reconnaissance de carrière</a:t>
             </a:r>
           </a:p>
         </p:txBody>
@@ -9290,8 +8245,8 @@
         </p:nvSpPr>
         <p:spPr>
           <a:xfrm>
-            <a:off x="3201544" y="8560230"/>
-            <a:ext cx="1543003" cy="184666"/>
+            <a:off x="3201544" y="8484030"/>
+            <a:ext cx="2002028" cy="369332"/>
           </a:xfrm>
           <a:prstGeom prst="rect">
             <a:avLst/>
@@ -9317,12 +8272,27 @@
               <a:defRPr/>
             </a:pPr>
             <a:r>
-              <a:rPr lang="en-US" sz="1200" dirty="0">
+              <a:rPr lang="fr-FR" sz="1200" dirty="0">
                 <a:solidFill>
                   <a:srgbClr val="000000"/>
                 </a:solidFill>
               </a:rPr>
-              <a:t>Live Chat  Support*</a:t>
+              <a:t>Assistance </a:t>
+            </a:r>
+            <a:br>
+              <a:rPr lang="sk-SK" sz="1200" dirty="0">
+                <a:solidFill>
+                  <a:srgbClr val="000000"/>
+                </a:solidFill>
+              </a:rPr>
+            </a:br>
+            <a:r>
+              <a:rPr lang="fr-FR" sz="1200" dirty="0">
+                <a:solidFill>
+                  <a:srgbClr val="000000"/>
+                </a:solidFill>
+              </a:rPr>
+              <a:t>de messagerie instantanée*</a:t>
             </a:r>
           </a:p>
         </p:txBody>
@@ -9343,7 +8313,7 @@
         </p:nvSpPr>
         <p:spPr>
           <a:xfrm>
-            <a:off x="3201544" y="8741449"/>
+            <a:off x="3201544" y="8883134"/>
             <a:ext cx="840166" cy="184666"/>
           </a:xfrm>
           <a:prstGeom prst="rect">
@@ -9365,12 +8335,12 @@
               </a:spcAft>
             </a:pPr>
             <a:r>
-              <a:rPr lang="en-US" sz="1200" b="1" dirty="0">
+              <a:rPr lang="fr-FR" sz="1200" b="1" dirty="0">
                 <a:latin typeface="+mj-lt"/>
                 <a:ea typeface="Open Sans" pitchFamily="34" charset="0"/>
                 <a:cs typeface="Open Sans" pitchFamily="34" charset="0"/>
               </a:rPr>
-              <a:t>Chat Support</a:t>
+              <a:t>Assistance de conversation</a:t>
             </a:r>
           </a:p>
         </p:txBody>
@@ -9418,12 +8388,12 @@
               <a:defRPr/>
             </a:pPr>
             <a:r>
-              <a:rPr lang="en-US" sz="1200" dirty="0">
+              <a:rPr lang="fr-FR" sz="1200">
                 <a:solidFill>
                   <a:srgbClr val="000000"/>
                 </a:solidFill>
               </a:rPr>
-              <a:t>24X7 P1 </a:t>
+              <a:t>P1 24X7 </a:t>
             </a:r>
           </a:p>
         </p:txBody>
@@ -9466,12 +8436,12 @@
               </a:spcAft>
             </a:pPr>
             <a:r>
-              <a:rPr lang="en-US" sz="1200" b="1" dirty="0">
+              <a:rPr lang="fr-FR" sz="1200" b="1">
                 <a:latin typeface="+mj-lt"/>
                 <a:ea typeface="Open Sans" pitchFamily="34" charset="0"/>
                 <a:cs typeface="Open Sans" pitchFamily="34" charset="0"/>
               </a:rPr>
-              <a:t>Phone  Support</a:t>
+              <a:t>Assistance téléphonique</a:t>
             </a:r>
           </a:p>
         </p:txBody>
@@ -9504,35 +8474,29 @@
           <a:lstStyle/>
           <a:p>
             <a:r>
-              <a:rPr lang="en-US" sz="1000" dirty="0">
+              <a:rPr lang="fr-FR" sz="1000" dirty="0">
                 <a:solidFill>
                   <a:srgbClr val="020302"/>
                 </a:solidFill>
                 <a:latin typeface="AdobeClean-Light"/>
               </a:rPr>
-              <a:t>Authorized users or </a:t>
-            </a:r>
-            <a:r>
-              <a:rPr lang="en-US" sz="1000" b="1" dirty="0">
+              <a:t>Les utilisateurs autorisés ou les </a:t>
+            </a:r>
+            <a:r>
+              <a:rPr lang="fr-FR" sz="1000" b="1" dirty="0">
                 <a:solidFill>
                   <a:srgbClr val="020302"/>
                 </a:solidFill>
                 <a:latin typeface="AdobeClean-Light"/>
               </a:rPr>
-              <a:t>Named Support Contacts </a:t>
-            </a:r>
-            <a:r>
-              <a:rPr lang="en-US" sz="1000" dirty="0">
+              <a:t>contacts d’assistance nommés </a:t>
+            </a:r>
+            <a:r>
+              <a:rPr lang="fr-FR" sz="1000" dirty="0">
                 <a:latin typeface="Adobe Clean Light" panose="020B0303020404020204" pitchFamily="34" charset="0"/>
               </a:rPr>
-              <a:t>can submit issues through all available  channels (including phone for P1) and interact with our technical support team on behalf of your company. </a:t>
-            </a:r>
-            <a:endParaRPr lang="en-US" sz="1000" dirty="0">
-              <a:solidFill>
-                <a:srgbClr val="000000"/>
-              </a:solidFill>
-              <a:latin typeface="Adobe Clean Light" panose="020B0303020404020204" pitchFamily="34" charset="0"/>
-            </a:endParaRPr>
+              <a:t>peuvent communiquer des problèmes par l’intermédiaire de tous les canaux disponibles (y compris le téléphone pour P1) et interagir avec notre équipe d’assistance technique au nom de votre entreprise. </a:t>
+            </a:r>
           </a:p>
         </p:txBody>
       </p:sp>
@@ -9551,7 +8515,7 @@
         <p:spPr>
           <a:xfrm>
             <a:off x="214971" y="6447157"/>
-            <a:ext cx="1848207" cy="45719"/>
+            <a:ext cx="2898434" cy="45719"/>
           </a:xfrm>
           <a:custGeom>
             <a:avLst/>
@@ -9627,7 +8591,7 @@
               <a:defRPr/>
             </a:pPr>
             <a:r>
-              <a:rPr lang="en-US" sz="1200" dirty="0">
+              <a:rPr lang="fr-FR" sz="1200">
                 <a:solidFill>
                   <a:srgbClr val="000000"/>
                 </a:solidFill>
@@ -9675,12 +8639,12 @@
               </a:spcAft>
             </a:pPr>
             <a:r>
-              <a:rPr lang="en-US" sz="1200" b="1" dirty="0">
+              <a:rPr lang="fr-FR" sz="1200" b="1">
                 <a:latin typeface="+mj-lt"/>
                 <a:ea typeface="Open Sans" pitchFamily="34" charset="0"/>
                 <a:cs typeface="Open Sans" pitchFamily="34" charset="0"/>
               </a:rPr>
-              <a:t>Webinars</a:t>
+              <a:t>Webinaires</a:t>
             </a:r>
           </a:p>
         </p:txBody>
@@ -9699,8 +8663,8 @@
         </p:nvSpPr>
         <p:spPr>
           <a:xfrm>
-            <a:off x="355868" y="9026059"/>
-            <a:ext cx="2194560" cy="805349"/>
+            <a:off x="355867" y="8962896"/>
+            <a:ext cx="2342565" cy="866904"/>
           </a:xfrm>
           <a:prstGeom prst="rect">
             <a:avLst/>
@@ -9713,13 +8677,31 @@
           <a:lstStyle/>
           <a:p>
             <a:r>
-              <a:rPr lang="en-US" sz="1000" dirty="0">
+              <a:rPr lang="fr-FR" sz="900" dirty="0">
                 <a:solidFill>
                   <a:srgbClr val="4B4B4B"/>
                 </a:solidFill>
                 <a:latin typeface="Adobe Clean Light" panose="020B0303020404020204" pitchFamily="34" charset="0"/>
               </a:rPr>
-              <a:t>Office Hours led by the Adobe Customer Support team includes sessions designed to inform as well as help participants troubleshoot problems and provide tips and tricks for success with Adobe solutions. </a:t>
+              <a:t>« Office </a:t>
+            </a:r>
+            <a:r>
+              <a:rPr lang="fr-FR" sz="900" dirty="0" err="1">
+                <a:solidFill>
+                  <a:srgbClr val="4B4B4B"/>
+                </a:solidFill>
+                <a:latin typeface="Adobe Clean Light" panose="020B0303020404020204" pitchFamily="34" charset="0"/>
+              </a:rPr>
+              <a:t>Hours</a:t>
+            </a:r>
+            <a:r>
+              <a:rPr lang="fr-FR" sz="900" dirty="0">
+                <a:solidFill>
+                  <a:srgbClr val="4B4B4B"/>
+                </a:solidFill>
+                <a:latin typeface="Adobe Clean Light" panose="020B0303020404020204" pitchFamily="34" charset="0"/>
+              </a:rPr>
+              <a:t> », l’initiative menée par l’équipe du service clientèle Adobe, comprend des sessions conçues pour informer les participants et les aider à résoudre leurs problèmes. Elle offre également des conseils et astuces pour réussir au mieux l’intégration des solutions Adobe. </a:t>
             </a:r>
           </a:p>
         </p:txBody>
@@ -9767,12 +8749,12 @@
               <a:defRPr/>
             </a:pPr>
             <a:r>
-              <a:rPr lang="en-US" sz="1200" dirty="0">
+              <a:rPr lang="fr-FR" sz="1200">
                 <a:solidFill>
                   <a:srgbClr val="000000"/>
                 </a:solidFill>
               </a:rPr>
-              <a:t>Self-help Portals</a:t>
+              <a:t>Portail d’aide automatique</a:t>
             </a:r>
           </a:p>
         </p:txBody>
@@ -9815,12 +8797,12 @@
               </a:spcAft>
             </a:pPr>
             <a:r>
-              <a:rPr lang="en-US" sz="1200" b="1" dirty="0">
+              <a:rPr lang="fr-FR" sz="1200" b="1">
                 <a:latin typeface="+mj-lt"/>
                 <a:ea typeface="Open Sans" pitchFamily="34" charset="0"/>
                 <a:cs typeface="Open Sans" pitchFamily="34" charset="0"/>
               </a:rPr>
-              <a:t>24/7 Support Portal</a:t>
+              <a:t>Portail d’assistance 24/7</a:t>
             </a:r>
           </a:p>
         </p:txBody>
@@ -9840,7 +8822,7 @@
         <p:spPr>
           <a:xfrm>
             <a:off x="5265661" y="8987081"/>
-            <a:ext cx="2194560" cy="805349"/>
+            <a:ext cx="2440960" cy="959237"/>
           </a:xfrm>
           <a:prstGeom prst="rect">
             <a:avLst/>
@@ -9853,16 +8835,16 @@
           <a:lstStyle/>
           <a:p>
             <a:r>
-              <a:rPr lang="en-US" sz="1000" dirty="0">
+              <a:rPr lang="fr-FR" sz="1000" dirty="0">
                 <a:solidFill>
                   <a:srgbClr val="4B4B4B"/>
                 </a:solidFill>
                 <a:latin typeface="Adobe Clean Light" panose="020B0303020404020204" pitchFamily="34" charset="0"/>
               </a:rPr>
-              <a:t>On-demand access to the online </a:t>
+              <a:t>Accès à la demande au portail </a:t>
             </a:r>
             <a:br>
-              <a:rPr lang="en-US" sz="1000" dirty="0">
+              <a:rPr lang="fr-FR" sz="1000" dirty="0">
                 <a:solidFill>
                   <a:srgbClr val="4B4B4B"/>
                 </a:solidFill>
@@ -9870,13 +8852,30 @@
               </a:rPr>
             </a:br>
             <a:r>
-              <a:rPr lang="en-US" sz="1000" dirty="0">
+              <a:rPr lang="fr-FR" sz="1000" dirty="0">
                 <a:solidFill>
                   <a:srgbClr val="4B4B4B"/>
                 </a:solidFill>
                 <a:latin typeface="Adobe Clean Light" panose="020B0303020404020204" pitchFamily="34" charset="0"/>
               </a:rPr>
-              <a:t>Self-help Support Portal to submit support requests, review case status, and browse other resources, like our knowledgebase, news and alerts, featured tips, and more.</a:t>
+              <a:t>d’assistance d’aide automatique en ligne pour envoyer des demandes d’assistance, examiner </a:t>
+            </a:r>
+            <a:br>
+              <a:rPr lang="sk-SK" sz="1000" dirty="0">
+                <a:solidFill>
+                  <a:srgbClr val="4B4B4B"/>
+                </a:solidFill>
+                <a:latin typeface="Adobe Clean Light" panose="020B0303020404020204" pitchFamily="34" charset="0"/>
+              </a:rPr>
+            </a:br>
+            <a:r>
+              <a:rPr lang="fr-FR" sz="1000" dirty="0">
+                <a:solidFill>
+                  <a:srgbClr val="4B4B4B"/>
+                </a:solidFill>
+                <a:latin typeface="Adobe Clean Light" panose="020B0303020404020204" pitchFamily="34" charset="0"/>
+              </a:rPr>
+              <a:t>le statut des cas et parcourir d’autres ressources, telles que notre base de connaissances, les actualités et les alertes, les conseils présentés, etc.</a:t>
             </a:r>
           </a:p>
         </p:txBody>
@@ -9896,13 +8895,13 @@
           <p:nvPr/>
         </p:nvPicPr>
         <p:blipFill>
-          <a:blip r:embed="rId10">
+          <a:blip r:embed="rId11">
             <a:extLst>
               <a:ext uri="{28A0092B-C50C-407E-A947-70E740481C1C}">
                 <a14:useLocalDpi xmlns:a14="http://schemas.microsoft.com/office/drawing/2010/main" val="0"/>
               </a:ext>
               <a:ext uri="{96DAC541-7B7A-43D3-8B79-37D633B846F1}">
-                <asvg:svgBlip xmlns:asvg="http://schemas.microsoft.com/office/drawing/2016/SVG/main" r:embed="rId11"/>
+                <asvg:svgBlip xmlns:asvg="http://schemas.microsoft.com/office/drawing/2016/SVG/main" r:embed="rId12"/>
               </a:ext>
             </a:extLst>
           </a:blip>
@@ -9935,13 +8934,13 @@
           <p:nvPr/>
         </p:nvPicPr>
         <p:blipFill>
-          <a:blip r:embed="rId12">
+          <a:blip r:embed="rId13">
             <a:extLst>
               <a:ext uri="{28A0092B-C50C-407E-A947-70E740481C1C}">
                 <a14:useLocalDpi xmlns:a14="http://schemas.microsoft.com/office/drawing/2010/main" val="0"/>
               </a:ext>
               <a:ext uri="{96DAC541-7B7A-43D3-8B79-37D633B846F1}">
-                <asvg:svgBlip xmlns:asvg="http://schemas.microsoft.com/office/drawing/2016/SVG/main" r:embed="rId13"/>
+                <asvg:svgBlip xmlns:asvg="http://schemas.microsoft.com/office/drawing/2016/SVG/main" r:embed="rId14"/>
               </a:ext>
             </a:extLst>
           </a:blip>
@@ -9974,13 +8973,13 @@
           <p:nvPr/>
         </p:nvPicPr>
         <p:blipFill>
-          <a:blip r:embed="rId14">
+          <a:blip r:embed="rId15">
             <a:extLst>
               <a:ext uri="{28A0092B-C50C-407E-A947-70E740481C1C}">
                 <a14:useLocalDpi xmlns:a14="http://schemas.microsoft.com/office/drawing/2010/main" val="0"/>
               </a:ext>
               <a:ext uri="{96DAC541-7B7A-43D3-8B79-37D633B846F1}">
-                <asvg:svgBlip xmlns:asvg="http://schemas.microsoft.com/office/drawing/2016/SVG/main" r:embed="rId15"/>
+                <asvg:svgBlip xmlns:asvg="http://schemas.microsoft.com/office/drawing/2016/SVG/main" r:embed="rId16"/>
               </a:ext>
             </a:extLst>
           </a:blip>
@@ -10013,13 +9012,13 @@
           <p:nvPr/>
         </p:nvPicPr>
         <p:blipFill>
-          <a:blip r:embed="rId16">
+          <a:blip r:embed="rId17">
             <a:extLst>
               <a:ext uri="{28A0092B-C50C-407E-A947-70E740481C1C}">
                 <a14:useLocalDpi xmlns:a14="http://schemas.microsoft.com/office/drawing/2010/main" val="0"/>
               </a:ext>
               <a:ext uri="{96DAC541-7B7A-43D3-8B79-37D633B846F1}">
-                <asvg:svgBlip xmlns:asvg="http://schemas.microsoft.com/office/drawing/2016/SVG/main" r:embed="rId17"/>
+                <asvg:svgBlip xmlns:asvg="http://schemas.microsoft.com/office/drawing/2016/SVG/main" r:embed="rId18"/>
               </a:ext>
             </a:extLst>
           </a:blip>
@@ -10052,13 +9051,13 @@
           <p:nvPr/>
         </p:nvPicPr>
         <p:blipFill>
-          <a:blip r:embed="rId18">
+          <a:blip r:embed="rId19">
             <a:extLst>
               <a:ext uri="{28A0092B-C50C-407E-A947-70E740481C1C}">
                 <a14:useLocalDpi xmlns:a14="http://schemas.microsoft.com/office/drawing/2010/main" val="0"/>
               </a:ext>
               <a:ext uri="{96DAC541-7B7A-43D3-8B79-37D633B846F1}">
-                <asvg:svgBlip xmlns:asvg="http://schemas.microsoft.com/office/drawing/2016/SVG/main" r:embed="rId19"/>
+                <asvg:svgBlip xmlns:asvg="http://schemas.microsoft.com/office/drawing/2016/SVG/main" r:embed="rId20"/>
               </a:ext>
             </a:extLst>
           </a:blip>
@@ -10091,13 +9090,13 @@
           <p:nvPr/>
         </p:nvPicPr>
         <p:blipFill>
-          <a:blip r:embed="rId20">
+          <a:blip r:embed="rId21">
             <a:extLst>
               <a:ext uri="{28A0092B-C50C-407E-A947-70E740481C1C}">
                 <a14:useLocalDpi xmlns:a14="http://schemas.microsoft.com/office/drawing/2010/main" val="0"/>
               </a:ext>
               <a:ext uri="{96DAC541-7B7A-43D3-8B79-37D633B846F1}">
-                <asvg:svgBlip xmlns:asvg="http://schemas.microsoft.com/office/drawing/2016/SVG/main" r:embed="rId21"/>
+                <asvg:svgBlip xmlns:asvg="http://schemas.microsoft.com/office/drawing/2016/SVG/main" r:embed="rId22"/>
               </a:ext>
             </a:extLst>
           </a:blip>
@@ -10206,19 +9205,15 @@
               </a:spcBef>
             </a:pPr>
             <a:r>
-              <a:rPr lang="en-US" sz="1400" b="1" dirty="0">
+              <a:rPr lang="fr-FR" sz="1400" b="1">
                 <a:solidFill>
                   <a:srgbClr val="020302"/>
                 </a:solidFill>
                 <a:latin typeface="Adobe Clean"/>
                 <a:cs typeface="Adobe Clean"/>
               </a:rPr>
-              <a:t>Online Support Features</a:t>
-            </a:r>
-            <a:endParaRPr lang="en-US" sz="1400" dirty="0">
-              <a:latin typeface="Adobe Clean"/>
-              <a:cs typeface="Adobe Clean"/>
-            </a:endParaRPr>
+              <a:t>Fonctionnalités de l’assistance en ligne</a:t>
+            </a:r>
           </a:p>
         </p:txBody>
       </p:sp>
@@ -10363,7 +9358,7 @@
         </p:nvSpPr>
         <p:spPr>
           <a:xfrm rot="5400000" flipH="1">
-            <a:off x="3863341" y="1912620"/>
+            <a:off x="3863341" y="2034540"/>
             <a:ext cx="45719" cy="5577840"/>
           </a:xfrm>
           <a:custGeom>
@@ -10419,7 +9414,7 @@
         <p:spPr>
           <a:xfrm>
             <a:off x="324341" y="4031705"/>
-            <a:ext cx="2194560" cy="499111"/>
+            <a:ext cx="2194560" cy="672172"/>
           </a:xfrm>
           <a:prstGeom prst="rect">
             <a:avLst/>
@@ -10440,22 +9435,34 @@
               </a:spcBef>
             </a:pPr>
             <a:r>
-              <a:rPr lang="en-US" sz="1000" dirty="0">
+              <a:rPr lang="fr-FR" sz="1000" dirty="0">
                 <a:solidFill>
                   <a:srgbClr val="020302"/>
                 </a:solidFill>
                 <a:latin typeface="AdobeClean-Light"/>
                 <a:cs typeface="AdobeClean-Light"/>
               </a:rPr>
-              <a:t>Proactive review of your solution  deployment, configuration, and overall  architecture, including integrations.</a:t>
-            </a:r>
-            <a:endParaRPr lang="en-US" sz="1000" dirty="0">
-              <a:solidFill>
-                <a:prstClr val="black"/>
-              </a:solidFill>
-              <a:latin typeface="AdobeClean-Light"/>
-              <a:cs typeface="AdobeClean-Light"/>
-            </a:endParaRPr>
+              <a:t>Il s’agit d’un examen proactif du déploiement, de la configuration </a:t>
+            </a:r>
+            <a:br>
+              <a:rPr lang="sk-SK" sz="1000" dirty="0">
+                <a:solidFill>
+                  <a:srgbClr val="020302"/>
+                </a:solidFill>
+                <a:latin typeface="AdobeClean-Light"/>
+                <a:cs typeface="AdobeClean-Light"/>
+              </a:rPr>
+            </a:br>
+            <a:r>
+              <a:rPr lang="fr-FR" sz="1000" dirty="0">
+                <a:solidFill>
+                  <a:srgbClr val="020302"/>
+                </a:solidFill>
+                <a:latin typeface="AdobeClean-Light"/>
+                <a:cs typeface="AdobeClean-Light"/>
+              </a:rPr>
+              <a:t>et de l’architecture globale de votre solution, notamment les intégrations.</a:t>
+            </a:r>
           </a:p>
         </p:txBody>
       </p:sp>
@@ -10473,8 +9480,8 @@
         </p:nvSpPr>
         <p:spPr>
           <a:xfrm>
-            <a:off x="5265661" y="4031705"/>
-            <a:ext cx="2194560" cy="652615"/>
+            <a:off x="5265661" y="4114800"/>
+            <a:ext cx="2194560" cy="589457"/>
           </a:xfrm>
           <a:prstGeom prst="rect">
             <a:avLst/>
@@ -10495,22 +9502,15 @@
               </a:spcBef>
             </a:pPr>
             <a:r>
-              <a:rPr lang="en-US" sz="1000" dirty="0">
+              <a:rPr lang="fr-FR" sz="900" dirty="0">
                 <a:solidFill>
                   <a:srgbClr val="020302"/>
                 </a:solidFill>
                 <a:latin typeface="AdobeClean-Light"/>
                 <a:cs typeface="AdobeClean-Light"/>
               </a:rPr>
-              <a:t>Receive maintenance best practices and latest  fixes (SPs, MR, patches, FPs) to remain up-to-  date on all maintenance checks</a:t>
-            </a:r>
-            <a:endParaRPr lang="en-US" sz="1000" dirty="0">
-              <a:solidFill>
-                <a:prstClr val="black"/>
-              </a:solidFill>
-              <a:latin typeface="AdobeClean-Light"/>
-              <a:cs typeface="AdobeClean-Light"/>
-            </a:endParaRPr>
+              <a:t>Bénéficiez des bonnes pratiques de maintenance et des corrections les plus récentes (SP, MR, correctifs, FP) afin de rester à jour sur tous les contrôles de maintenance</a:t>
+            </a:r>
           </a:p>
         </p:txBody>
       </p:sp>
@@ -10547,22 +9547,53 @@
               </a:spcBef>
             </a:pPr>
             <a:r>
-              <a:rPr lang="en-US" sz="1000" dirty="0">
+              <a:rPr lang="fr-FR" sz="1000" dirty="0">
                 <a:solidFill>
                   <a:srgbClr val="4B4B4B"/>
                 </a:solidFill>
                 <a:latin typeface="AdobeClean-Light"/>
                 <a:cs typeface="AdobeClean-Light"/>
               </a:rPr>
-              <a:t>A regular review of Elite program services, support metrics, and deliverables, including a forward-looking plan</a:t>
-            </a:r>
-            <a:endParaRPr lang="en-US" sz="1000" dirty="0">
-              <a:solidFill>
-                <a:prstClr val="black"/>
-              </a:solidFill>
-              <a:latin typeface="AdobeClean-Light"/>
-              <a:cs typeface="AdobeClean-Light"/>
-            </a:endParaRPr>
+              <a:t>Il s’agit d’un examen régulier </a:t>
+            </a:r>
+            <a:br>
+              <a:rPr lang="sk-SK" sz="1000" dirty="0">
+                <a:solidFill>
+                  <a:srgbClr val="4B4B4B"/>
+                </a:solidFill>
+                <a:latin typeface="AdobeClean-Light"/>
+                <a:cs typeface="AdobeClean-Light"/>
+              </a:rPr>
+            </a:br>
+            <a:r>
+              <a:rPr lang="fr-FR" sz="1000" dirty="0">
+                <a:solidFill>
+                  <a:srgbClr val="4B4B4B"/>
+                </a:solidFill>
+                <a:latin typeface="AdobeClean-Light"/>
+                <a:cs typeface="AdobeClean-Light"/>
+              </a:rPr>
+              <a:t>des services du programme Elite, </a:t>
+            </a:r>
+            <a:br>
+              <a:rPr lang="sk-SK" sz="1000" dirty="0">
+                <a:solidFill>
+                  <a:srgbClr val="4B4B4B"/>
+                </a:solidFill>
+                <a:latin typeface="AdobeClean-Light"/>
+                <a:cs typeface="AdobeClean-Light"/>
+              </a:rPr>
+            </a:br>
+            <a:r>
+              <a:rPr lang="fr-FR" sz="1000" dirty="0">
+                <a:solidFill>
+                  <a:srgbClr val="4B4B4B"/>
+                </a:solidFill>
+                <a:latin typeface="AdobeClean-Light"/>
+                <a:cs typeface="AdobeClean-Light"/>
+              </a:rPr>
+              <a:t>des mesures d’assistance et des livrables, y compris un plan prospectif.</a:t>
+            </a:r>
           </a:p>
         </p:txBody>
       </p:sp>
@@ -10581,14 +9612,14 @@
         <p:spPr>
           <a:xfrm>
             <a:off x="5431520" y="2854370"/>
-            <a:ext cx="2194560" cy="615553"/>
+            <a:ext cx="2486548" cy="615553"/>
           </a:xfrm>
           <a:prstGeom prst="rect">
             <a:avLst/>
           </a:prstGeom>
         </p:spPr>
         <p:txBody>
-          <a:bodyPr lIns="0" tIns="0" rIns="0" bIns="0">
+          <a:bodyPr wrap="square" lIns="0" tIns="0" rIns="0" bIns="0">
             <a:spAutoFit/>
           </a:bodyPr>
           <a:lstStyle/>
@@ -10599,22 +9630,15 @@
               </a:spcBef>
             </a:pPr>
             <a:r>
-              <a:rPr lang="en-US" sz="1000" dirty="0">
+              <a:rPr lang="fr-FR" sz="1000" dirty="0">
                 <a:solidFill>
                   <a:srgbClr val="4B4B4B"/>
                 </a:solidFill>
                 <a:latin typeface="AdobeClean-Light"/>
                 <a:cs typeface="AdobeClean-Light"/>
               </a:rPr>
-              <a:t>A 60-minute session focusing on a  specific product feature and how it can  be utilized to solve common business  problems.</a:t>
-            </a:r>
-            <a:endParaRPr lang="en-US" sz="1000" dirty="0">
-              <a:solidFill>
-                <a:prstClr val="black"/>
-              </a:solidFill>
-              <a:latin typeface="AdobeClean-Light"/>
-              <a:cs typeface="AdobeClean-Light"/>
-            </a:endParaRPr>
+              <a:t>Il s’agit d’une session de 60 minutes consacrée à une fonctionnalité de produit spécifique et à son utilisation pour résoudre des problèmes d’entreprise courants.</a:t>
+            </a:r>
           </a:p>
         </p:txBody>
       </p:sp>
@@ -10632,15 +9656,15 @@
         </p:nvSpPr>
         <p:spPr>
           <a:xfrm>
-            <a:off x="324341" y="2842848"/>
-            <a:ext cx="2194560" cy="615553"/>
+            <a:off x="324341" y="2971800"/>
+            <a:ext cx="2374092" cy="615553"/>
           </a:xfrm>
           <a:prstGeom prst="rect">
             <a:avLst/>
           </a:prstGeom>
         </p:spPr>
         <p:txBody>
-          <a:bodyPr lIns="0" tIns="0" rIns="0" bIns="0">
+          <a:bodyPr wrap="square" lIns="0" tIns="0" rIns="0" bIns="0">
             <a:spAutoFit/>
           </a:bodyPr>
           <a:lstStyle/>
@@ -10651,16 +9675,15 @@
               </a:spcBef>
             </a:pPr>
             <a:r>
-              <a:rPr lang="en-US" sz="1000" dirty="0">
+              <a:rPr lang="fr-FR" sz="800" dirty="0">
                 <a:solidFill>
                   <a:srgbClr val="4B4B4B"/>
                 </a:solidFill>
                 <a:latin typeface="AdobeClean-Light"/>
                 <a:cs typeface="AdobeClean-Light"/>
               </a:rPr>
-              <a:t>A designated point of contact within Adobe  who can provide escalation assistance,  regular updates and ensure priority is given  to your most critical open support requests.</a:t>
-            </a:r>
-            <a:endParaRPr lang="en-US" dirty="0"/>
+              <a:t>Il s’agit d’un point de contact désigné au sein d’Adobe pouvant fournir une assistance en matière de remontées d’informations, des mises à jour régulières et s’assurant que la priorité est mise sur vos demandes d’assistance ouvertes les plus importantes.</a:t>
+            </a:r>
           </a:p>
         </p:txBody>
       </p:sp>
@@ -10697,22 +9720,15 @@
               </a:spcBef>
             </a:pPr>
             <a:r>
-              <a:rPr lang="en-US" sz="1100" b="1" dirty="0">
+              <a:rPr lang="fr-FR" sz="1100" b="1">
                 <a:solidFill>
                   <a:srgbClr val="020302"/>
                 </a:solidFill>
                 <a:latin typeface="Adobe Clean" panose="020B0503020404020204" pitchFamily="34" charset="0"/>
                 <a:cs typeface="Arial"/>
               </a:rPr>
-              <a:t>Named Support Engineer</a:t>
-            </a:r>
-            <a:endParaRPr lang="en-US" sz="1100" dirty="0">
-              <a:solidFill>
-                <a:prstClr val="black"/>
-              </a:solidFill>
-              <a:latin typeface="Adobe Clean" panose="020B0503020404020204" pitchFamily="34" charset="0"/>
-              <a:cs typeface="Arial"/>
-            </a:endParaRPr>
+              <a:t>Ingénieur d’assistance nommé</a:t>
+            </a:r>
           </a:p>
         </p:txBody>
       </p:sp>
@@ -10749,22 +9765,15 @@
               </a:spcBef>
             </a:pPr>
             <a:r>
-              <a:rPr lang="en-US" sz="1100" b="1" dirty="0">
+              <a:rPr lang="fr-FR" sz="1100" b="1">
                 <a:solidFill>
                   <a:srgbClr val="020302"/>
                 </a:solidFill>
                 <a:latin typeface="Adobe Clean" panose="020B0503020404020204" pitchFamily="34" charset="0"/>
                 <a:cs typeface="Arial"/>
               </a:rPr>
-              <a:t>Case Reviews</a:t>
-            </a:r>
-            <a:endParaRPr lang="en-US" sz="1100" dirty="0">
-              <a:solidFill>
-                <a:prstClr val="black"/>
-              </a:solidFill>
-              <a:latin typeface="Adobe Clean" panose="020B0503020404020204" pitchFamily="34" charset="0"/>
-              <a:cs typeface="Arial"/>
-            </a:endParaRPr>
+              <a:t>Examens de cas</a:t>
+            </a:r>
           </a:p>
         </p:txBody>
       </p:sp>
@@ -10801,22 +9810,15 @@
               </a:spcBef>
             </a:pPr>
             <a:r>
-              <a:rPr lang="en-US" sz="1100" b="1" dirty="0">
+              <a:rPr lang="fr-FR" sz="1100" b="1">
                 <a:solidFill>
                   <a:srgbClr val="020302"/>
                 </a:solidFill>
                 <a:latin typeface="Adobe Clean" panose="020B0503020404020204" pitchFamily="34" charset="0"/>
                 <a:cs typeface="Adobe Clean"/>
               </a:rPr>
-              <a:t>Maintenance &amp; Monitoring</a:t>
-            </a:r>
-            <a:endParaRPr lang="en-US" sz="1100" dirty="0">
-              <a:solidFill>
-                <a:prstClr val="black"/>
-              </a:solidFill>
-              <a:latin typeface="Adobe Clean" panose="020B0503020404020204" pitchFamily="34" charset="0"/>
-              <a:cs typeface="Adobe Clean"/>
-            </a:endParaRPr>
+              <a:t>Maintenance et surveillance</a:t>
+            </a:r>
           </a:p>
         </p:txBody>
       </p:sp>
@@ -10835,7 +9837,7 @@
         <p:spPr>
           <a:xfrm>
             <a:off x="3138805" y="3778989"/>
-            <a:ext cx="2194560" cy="169277"/>
+            <a:ext cx="2194560" cy="338554"/>
           </a:xfrm>
           <a:prstGeom prst="rect">
             <a:avLst/>
@@ -10853,22 +9855,34 @@
               </a:spcBef>
             </a:pPr>
             <a:r>
-              <a:rPr lang="en-US" sz="1100" b="1" dirty="0">
+              <a:rPr lang="fr-FR" sz="1100" b="1" dirty="0">
                 <a:solidFill>
                   <a:srgbClr val="020302"/>
                 </a:solidFill>
                 <a:latin typeface="Adobe Clean" panose="020B0503020404020204" pitchFamily="34" charset="0"/>
                 <a:cs typeface="Adobe Clean"/>
               </a:rPr>
-              <a:t>Solution Roadmap Review</a:t>
-            </a:r>
-            <a:endParaRPr lang="en-US" sz="1100" dirty="0">
-              <a:solidFill>
-                <a:prstClr val="black"/>
-              </a:solidFill>
-              <a:latin typeface="Adobe Clean" panose="020B0503020404020204" pitchFamily="34" charset="0"/>
-              <a:cs typeface="Adobe Clean"/>
-            </a:endParaRPr>
+              <a:t>Examen de la feuille de route </a:t>
+            </a:r>
+            <a:br>
+              <a:rPr lang="sk-SK" sz="1100" b="1" dirty="0">
+                <a:solidFill>
+                  <a:srgbClr val="020302"/>
+                </a:solidFill>
+                <a:latin typeface="Adobe Clean" panose="020B0503020404020204" pitchFamily="34" charset="0"/>
+                <a:cs typeface="Adobe Clean"/>
+              </a:rPr>
+            </a:br>
+            <a:r>
+              <a:rPr lang="fr-FR" sz="1100" b="1" dirty="0">
+                <a:solidFill>
+                  <a:srgbClr val="020302"/>
+                </a:solidFill>
+                <a:latin typeface="Adobe Clean" panose="020B0503020404020204" pitchFamily="34" charset="0"/>
+                <a:cs typeface="Adobe Clean"/>
+              </a:rPr>
+              <a:t>de la solution</a:t>
+            </a:r>
           </a:p>
         </p:txBody>
       </p:sp>
@@ -10905,22 +9919,15 @@
               </a:spcBef>
             </a:pPr>
             <a:r>
-              <a:rPr lang="en-US" sz="1100" b="1" dirty="0">
+              <a:rPr lang="fr-FR" sz="1100" b="1">
                 <a:solidFill>
                   <a:srgbClr val="020302"/>
                 </a:solidFill>
                 <a:latin typeface="Adobe Clean" panose="020B0503020404020204" pitchFamily="34" charset="0"/>
                 <a:cs typeface="Adobe Clean"/>
               </a:rPr>
-              <a:t>Environment Review</a:t>
-            </a:r>
-            <a:endParaRPr lang="en-US" sz="1100" dirty="0">
-              <a:solidFill>
-                <a:prstClr val="black"/>
-              </a:solidFill>
-              <a:latin typeface="Adobe Clean" panose="020B0503020404020204" pitchFamily="34" charset="0"/>
-              <a:cs typeface="Adobe Clean"/>
-            </a:endParaRPr>
+              <a:t>Examen de l’environnement</a:t>
+            </a:r>
           </a:p>
         </p:txBody>
       </p:sp>
@@ -10939,7 +9946,7 @@
         <p:spPr>
           <a:xfrm>
             <a:off x="689237" y="2599639"/>
-            <a:ext cx="2194560" cy="169277"/>
+            <a:ext cx="2152442" cy="338554"/>
           </a:xfrm>
           <a:prstGeom prst="rect">
             <a:avLst/>
@@ -10957,22 +9964,15 @@
               </a:spcBef>
             </a:pPr>
             <a:r>
-              <a:rPr lang="en-US" sz="1100" b="1" dirty="0">
+              <a:rPr lang="fr-FR" sz="1100" b="1" dirty="0">
                 <a:solidFill>
                   <a:srgbClr val="020302"/>
                 </a:solidFill>
                 <a:latin typeface="Adobe Clean" panose="020B0503020404020204" pitchFamily="34" charset="0"/>
                 <a:cs typeface="Adobe Clean"/>
               </a:rPr>
-              <a:t>Escalation Management</a:t>
-            </a:r>
-            <a:endParaRPr lang="en-US" sz="1100" dirty="0">
-              <a:solidFill>
-                <a:prstClr val="black"/>
-              </a:solidFill>
-              <a:latin typeface="Adobe Clean" panose="020B0503020404020204" pitchFamily="34" charset="0"/>
-              <a:cs typeface="Adobe Clean"/>
-            </a:endParaRPr>
+              <a:t>Gestion des remontées d’informations</a:t>
+            </a:r>
           </a:p>
         </p:txBody>
       </p:sp>
@@ -11009,22 +10009,15 @@
               </a:spcBef>
             </a:pPr>
             <a:r>
-              <a:rPr lang="en-US" sz="1100" b="1" dirty="0">
+              <a:rPr lang="fr-FR" sz="1100" b="1">
                 <a:solidFill>
                   <a:srgbClr val="020302"/>
                 </a:solidFill>
                 <a:latin typeface="Adobe Clean" panose="020B0503020404020204" pitchFamily="34" charset="0"/>
                 <a:cs typeface="Adobe Clean"/>
               </a:rPr>
-              <a:t>Service Reviews</a:t>
-            </a:r>
-            <a:endParaRPr lang="en-US" sz="1100" dirty="0">
-              <a:solidFill>
-                <a:prstClr val="black"/>
-              </a:solidFill>
-              <a:latin typeface="Adobe Clean" panose="020B0503020404020204" pitchFamily="34" charset="0"/>
-              <a:cs typeface="Adobe Clean"/>
-            </a:endParaRPr>
+              <a:t>Examens de service</a:t>
+            </a:r>
           </a:p>
         </p:txBody>
       </p:sp>
@@ -11061,22 +10054,15 @@
               </a:spcBef>
             </a:pPr>
             <a:r>
-              <a:rPr lang="en-US" sz="1100" b="1" dirty="0">
+              <a:rPr lang="fr-FR" sz="1100" b="1">
                 <a:solidFill>
                   <a:srgbClr val="020302"/>
                 </a:solidFill>
                 <a:latin typeface="Adobe Clean" panose="020B0503020404020204" pitchFamily="34" charset="0"/>
                 <a:cs typeface="Adobe Clean"/>
               </a:rPr>
-              <a:t>Expert Sessions</a:t>
-            </a:r>
-            <a:endParaRPr lang="en-US" sz="1100" dirty="0">
-              <a:solidFill>
-                <a:prstClr val="black"/>
-              </a:solidFill>
-              <a:latin typeface="Adobe Clean" panose="020B0503020404020204" pitchFamily="34" charset="0"/>
-              <a:cs typeface="Adobe Clean"/>
-            </a:endParaRPr>
+              <a:t>Sessions d’experts</a:t>
+            </a:r>
           </a:p>
         </p:txBody>
       </p:sp>
@@ -11095,7 +10081,7 @@
         <p:spPr>
           <a:xfrm>
             <a:off x="689237" y="4935181"/>
-            <a:ext cx="2194560" cy="169277"/>
+            <a:ext cx="2194560" cy="338554"/>
           </a:xfrm>
           <a:prstGeom prst="rect">
             <a:avLst/>
@@ -11113,22 +10099,34 @@
               </a:spcBef>
             </a:pPr>
             <a:r>
-              <a:rPr lang="en-US" sz="1100" b="1" dirty="0">
+              <a:rPr lang="fr-FR" sz="1100" b="1" dirty="0">
                 <a:solidFill>
                   <a:srgbClr val="020302"/>
                 </a:solidFill>
                 <a:latin typeface="Adobe Clean" panose="020B0503020404020204" pitchFamily="34" charset="0"/>
                 <a:cs typeface="Adobe Clean"/>
               </a:rPr>
-              <a:t>Release Preparation &amp; Review</a:t>
-            </a:r>
-            <a:endParaRPr lang="en-US" sz="1100" dirty="0">
-              <a:solidFill>
-                <a:prstClr val="black"/>
-              </a:solidFill>
-              <a:latin typeface="Adobe Clean" panose="020B0503020404020204" pitchFamily="34" charset="0"/>
-              <a:cs typeface="Adobe Clean"/>
-            </a:endParaRPr>
+              <a:t>Préparation et examen </a:t>
+            </a:r>
+            <a:br>
+              <a:rPr lang="sk-SK" sz="1100" b="1" dirty="0">
+                <a:solidFill>
+                  <a:srgbClr val="020302"/>
+                </a:solidFill>
+                <a:latin typeface="Adobe Clean" panose="020B0503020404020204" pitchFamily="34" charset="0"/>
+                <a:cs typeface="Adobe Clean"/>
+              </a:rPr>
+            </a:br>
+            <a:r>
+              <a:rPr lang="fr-FR" sz="1100" b="1" dirty="0">
+                <a:solidFill>
+                  <a:srgbClr val="020302"/>
+                </a:solidFill>
+                <a:latin typeface="Adobe Clean" panose="020B0503020404020204" pitchFamily="34" charset="0"/>
+                <a:cs typeface="Adobe Clean"/>
+              </a:rPr>
+              <a:t>de la version</a:t>
+            </a:r>
           </a:p>
         </p:txBody>
       </p:sp>
@@ -11168,19 +10166,15 @@
               </a:spcBef>
             </a:pPr>
             <a:r>
-              <a:rPr lang="en-US" sz="1100" b="1" dirty="0">
+              <a:rPr lang="fr-FR" sz="1100" b="1">
                 <a:solidFill>
                   <a:srgbClr val="020302"/>
                 </a:solidFill>
                 <a:latin typeface="Adobe Clean" panose="020B0503020404020204" pitchFamily="34" charset="0"/>
                 <a:cs typeface="Adobe Clean"/>
               </a:rPr>
-              <a:t>Knowledge Transfer</a:t>
-            </a:r>
-            <a:endParaRPr lang="en-US" sz="1100" dirty="0">
-              <a:latin typeface="Adobe Clean" panose="020B0503020404020204" pitchFamily="34" charset="0"/>
-              <a:cs typeface="Adobe Clean"/>
-            </a:endParaRPr>
+              <a:t>Transfert de connaissances</a:t>
+            </a:r>
           </a:p>
         </p:txBody>
       </p:sp>
@@ -11220,19 +10214,15 @@
               </a:spcBef>
             </a:pPr>
             <a:r>
-              <a:rPr lang="en-US" sz="1100" b="1" dirty="0">
+              <a:rPr lang="fr-FR" sz="1100" b="1">
                 <a:solidFill>
                   <a:srgbClr val="020302"/>
                 </a:solidFill>
                 <a:latin typeface="Adobe Clean" panose="020B0503020404020204" pitchFamily="34" charset="0"/>
                 <a:cs typeface="Adobe Clean"/>
               </a:rPr>
-              <a:t>Event Management</a:t>
-            </a:r>
-            <a:endParaRPr lang="en-US" sz="1100" dirty="0">
-              <a:latin typeface="Adobe Clean" panose="020B0503020404020204" pitchFamily="34" charset="0"/>
-              <a:cs typeface="Adobe Clean"/>
-            </a:endParaRPr>
+              <a:t>Gestion des événements</a:t>
+            </a:r>
           </a:p>
         </p:txBody>
       </p:sp>
@@ -11305,7 +10295,7 @@
         </p:nvSpPr>
         <p:spPr>
           <a:xfrm rot="5400000" flipH="1">
-            <a:off x="3863341" y="-322580"/>
+            <a:off x="3863341" y="-220980"/>
             <a:ext cx="45719" cy="5577840"/>
           </a:xfrm>
           <a:custGeom>
@@ -11361,13 +10351,13 @@
           <p:nvPr/>
         </p:nvPicPr>
         <p:blipFill>
-          <a:blip r:embed="rId22">
+          <a:blip r:embed="rId23">
             <a:extLst>
               <a:ext uri="{28A0092B-C50C-407E-A947-70E740481C1C}">
                 <a14:useLocalDpi xmlns:a14="http://schemas.microsoft.com/office/drawing/2010/main" val="0"/>
               </a:ext>
               <a:ext uri="{96DAC541-7B7A-43D3-8B79-37D633B846F1}">
-                <asvg:svgBlip xmlns:asvg="http://schemas.microsoft.com/office/drawing/2016/SVG/main" r:embed="rId23"/>
+                <asvg:svgBlip xmlns:asvg="http://schemas.microsoft.com/office/drawing/2016/SVG/main" r:embed="rId24"/>
               </a:ext>
             </a:extLst>
           </a:blip>
@@ -11400,7 +10390,7 @@
           <p:nvPr/>
         </p:nvPicPr>
         <p:blipFill>
-          <a:blip r:embed="rId24"/>
+          <a:blip r:embed="rId25"/>
           <a:stretch>
             <a:fillRect/>
           </a:stretch>
@@ -11430,7 +10420,7 @@
           <p:nvPr/>
         </p:nvPicPr>
         <p:blipFill>
-          <a:blip r:embed="rId25"/>
+          <a:blip r:embed="rId26"/>
           <a:stretch>
             <a:fillRect/>
           </a:stretch>
@@ -11460,7 +10450,7 @@
           <p:nvPr/>
         </p:nvPicPr>
         <p:blipFill>
-          <a:blip r:embed="rId26"/>
+          <a:blip r:embed="rId27"/>
           <a:stretch>
             <a:fillRect/>
           </a:stretch>
@@ -11490,7 +10480,7 @@
           <p:nvPr/>
         </p:nvPicPr>
         <p:blipFill>
-          <a:blip r:embed="rId27"/>
+          <a:blip r:embed="rId28"/>
           <a:stretch>
             <a:fillRect/>
           </a:stretch>
@@ -11520,13 +10510,13 @@
           <p:nvPr/>
         </p:nvPicPr>
         <p:blipFill>
-          <a:blip r:embed="rId28" cstate="print">
+          <a:blip r:embed="rId29" cstate="print">
             <a:extLst>
               <a:ext uri="{28A0092B-C50C-407E-A947-70E740481C1C}">
                 <a14:useLocalDpi xmlns:a14="http://schemas.microsoft.com/office/drawing/2010/main" val="0"/>
               </a:ext>
               <a:ext uri="{96DAC541-7B7A-43D3-8B79-37D633B846F1}">
-                <asvg:svgBlip xmlns:asvg="http://schemas.microsoft.com/office/drawing/2016/SVG/main" r:embed="rId29"/>
+                <asvg:svgBlip xmlns:asvg="http://schemas.microsoft.com/office/drawing/2016/SVG/main" r:embed="rId30"/>
               </a:ext>
             </a:extLst>
           </a:blip>
@@ -11558,8 +10548,8 @@
         </p:nvSpPr>
         <p:spPr>
           <a:xfrm>
-            <a:off x="2764975" y="4039530"/>
-            <a:ext cx="2282011" cy="708399"/>
+            <a:off x="2764975" y="4114800"/>
+            <a:ext cx="2282011" cy="813236"/>
           </a:xfrm>
           <a:prstGeom prst="rect">
             <a:avLst/>
@@ -11580,19 +10570,15 @@
               </a:spcBef>
             </a:pPr>
             <a:r>
-              <a:rPr lang="en-US" sz="1000" dirty="0">
+              <a:rPr lang="fr-FR" sz="900" dirty="0">
                 <a:solidFill>
                   <a:srgbClr val="020302"/>
                 </a:solidFill>
                 <a:latin typeface="AdobeClean-Light"/>
                 <a:cs typeface="AdobeClean-Light"/>
               </a:rPr>
-              <a:t>Compare and align Adobe solution  roadmap with your project roadmap to  mitigate risk and prepare for the future.</a:t>
-            </a:r>
-            <a:endParaRPr lang="en-US" sz="1000" dirty="0">
-              <a:latin typeface="AdobeClean-Light"/>
-              <a:cs typeface="AdobeClean-Light"/>
-            </a:endParaRPr>
+              <a:t>Il permet de comparer et d’aligner la feuille de route de la solution Adobe avec la feuille de route de votre projet afin de réduire les risques et de préparer l’avenir.</a:t>
+            </a:r>
           </a:p>
           <a:p>
             <a:pPr marL="18415" marR="262255" lvl="0">
@@ -11604,7 +10590,7 @@
               </a:spcBef>
             </a:pPr>
             <a:r>
-              <a:rPr lang="en-US" sz="1000" dirty="0">
+              <a:rPr lang="fr-FR" sz="1000" dirty="0">
                 <a:solidFill>
                   <a:srgbClr val="020302"/>
                 </a:solidFill>
@@ -11613,13 +10599,6 @@
               </a:rPr>
               <a:t>.</a:t>
             </a:r>
-            <a:endParaRPr lang="en-US" sz="1000" dirty="0">
-              <a:solidFill>
-                <a:prstClr val="black"/>
-              </a:solidFill>
-              <a:latin typeface="AdobeClean-Light"/>
-              <a:cs typeface="AdobeClean-Light"/>
-            </a:endParaRPr>
           </a:p>
         </p:txBody>
       </p:sp>
@@ -11905,9 +10884,9 @@
           <p:nvPr/>
         </p:nvSpPr>
         <p:spPr>
-          <a:xfrm>
-            <a:off x="4724779" y="2654678"/>
-            <a:ext cx="1894205" cy="0"/>
+          <a:xfrm flipV="1">
+            <a:off x="4648208" y="2654676"/>
+            <a:ext cx="2199885" cy="61739"/>
           </a:xfrm>
           <a:custGeom>
             <a:avLst/>
@@ -11948,8 +10927,8 @@
         </p:nvSpPr>
         <p:spPr>
           <a:xfrm>
-            <a:off x="4843269" y="2329688"/>
-            <a:ext cx="1656080" cy="238760"/>
+            <a:off x="4614673" y="2329688"/>
+            <a:ext cx="2243327" cy="228268"/>
           </a:xfrm>
           <a:prstGeom prst="rect">
             <a:avLst/>
@@ -11970,179 +10949,15 @@
               </a:spcBef>
             </a:pPr>
             <a:r>
-              <a:rPr sz="1400" b="1" spc="-25" dirty="0">
+              <a:rPr lang="fr-FR" sz="1400" b="1" dirty="0">
                 <a:solidFill>
                   <a:srgbClr val="020302"/>
                 </a:solidFill>
                 <a:latin typeface="Adobe Clean"/>
                 <a:cs typeface="Adobe Clean"/>
               </a:rPr>
-              <a:t>Fi</a:t>
-            </a:r>
-            <a:r>
-              <a:rPr sz="1400" b="1" spc="-35" dirty="0">
-                <a:solidFill>
-                  <a:srgbClr val="020302"/>
-                </a:solidFill>
-                <a:latin typeface="Adobe Clean"/>
-                <a:cs typeface="Adobe Clean"/>
-              </a:rPr>
-              <a:t>e</a:t>
-            </a:r>
-            <a:r>
-              <a:rPr sz="1400" b="1" spc="-25" dirty="0">
-                <a:solidFill>
-                  <a:srgbClr val="020302"/>
-                </a:solidFill>
-                <a:latin typeface="Adobe Clean"/>
-                <a:cs typeface="Adobe Clean"/>
-              </a:rPr>
-              <a:t>l</a:t>
-            </a:r>
-            <a:r>
-              <a:rPr sz="1400" b="1" dirty="0">
-                <a:solidFill>
-                  <a:srgbClr val="020302"/>
-                </a:solidFill>
-                <a:latin typeface="Adobe Clean"/>
-                <a:cs typeface="Adobe Clean"/>
-              </a:rPr>
-              <a:t>d</a:t>
-            </a:r>
-            <a:r>
-              <a:rPr sz="1400" b="1" spc="-40" dirty="0">
-                <a:solidFill>
-                  <a:srgbClr val="020302"/>
-                </a:solidFill>
-                <a:latin typeface="Adobe Clean"/>
-                <a:cs typeface="Adobe Clean"/>
-              </a:rPr>
-              <a:t> </a:t>
-            </a:r>
-            <a:r>
-              <a:rPr sz="1400" b="1" spc="25" dirty="0">
-                <a:solidFill>
-                  <a:srgbClr val="020302"/>
-                </a:solidFill>
-                <a:latin typeface="Adobe Clean"/>
-                <a:cs typeface="Adobe Clean"/>
-              </a:rPr>
-              <a:t>S</a:t>
-            </a:r>
-            <a:r>
-              <a:rPr sz="1400" b="1" spc="5" dirty="0">
-                <a:solidFill>
-                  <a:srgbClr val="020302"/>
-                </a:solidFill>
-                <a:latin typeface="Adobe Clean"/>
-                <a:cs typeface="Adobe Clean"/>
-              </a:rPr>
-              <a:t>e</a:t>
-            </a:r>
-            <a:r>
-              <a:rPr sz="1400" b="1" spc="15" dirty="0">
-                <a:solidFill>
-                  <a:srgbClr val="020302"/>
-                </a:solidFill>
-                <a:latin typeface="Adobe Clean"/>
-                <a:cs typeface="Adobe Clean"/>
-              </a:rPr>
-              <a:t>rvi</a:t>
-            </a:r>
-            <a:r>
-              <a:rPr sz="1400" b="1" spc="5" dirty="0">
-                <a:solidFill>
-                  <a:srgbClr val="020302"/>
-                </a:solidFill>
-                <a:latin typeface="Adobe Clean"/>
-                <a:cs typeface="Adobe Clean"/>
-              </a:rPr>
-              <a:t>c</a:t>
-            </a:r>
-            <a:r>
-              <a:rPr sz="1400" b="1" dirty="0">
-                <a:solidFill>
-                  <a:srgbClr val="020302"/>
-                </a:solidFill>
-                <a:latin typeface="Adobe Clean"/>
-                <a:cs typeface="Adobe Clean"/>
-              </a:rPr>
-              <a:t>e</a:t>
-            </a:r>
-            <a:r>
-              <a:rPr sz="1400" b="1" spc="-190" dirty="0">
-                <a:solidFill>
-                  <a:srgbClr val="020302"/>
-                </a:solidFill>
-                <a:latin typeface="Adobe Clean"/>
-                <a:cs typeface="Adobe Clean"/>
-              </a:rPr>
-              <a:t> </a:t>
-            </a:r>
-            <a:r>
-              <a:rPr sz="1400" b="1" spc="5" dirty="0">
-                <a:solidFill>
-                  <a:srgbClr val="020302"/>
-                </a:solidFill>
-                <a:latin typeface="Adobe Clean"/>
-                <a:cs typeface="Adobe Clean"/>
-              </a:rPr>
-              <a:t>A</a:t>
-            </a:r>
-            <a:r>
-              <a:rPr sz="1400" b="1" spc="-5" dirty="0">
-                <a:solidFill>
-                  <a:srgbClr val="020302"/>
-                </a:solidFill>
-                <a:latin typeface="Adobe Clean"/>
-                <a:cs typeface="Adobe Clean"/>
-              </a:rPr>
-              <a:t>ct</a:t>
-            </a:r>
-            <a:r>
-              <a:rPr sz="1400" b="1" spc="5" dirty="0">
-                <a:solidFill>
-                  <a:srgbClr val="020302"/>
-                </a:solidFill>
-                <a:latin typeface="Adobe Clean"/>
-                <a:cs typeface="Adobe Clean"/>
-              </a:rPr>
-              <a:t>ivi</a:t>
-            </a:r>
-            <a:r>
-              <a:rPr sz="1400" b="1" spc="-5" dirty="0">
-                <a:solidFill>
-                  <a:srgbClr val="020302"/>
-                </a:solidFill>
-                <a:latin typeface="Adobe Clean"/>
-                <a:cs typeface="Adobe Clean"/>
-              </a:rPr>
-              <a:t>t</a:t>
-            </a:r>
-            <a:r>
-              <a:rPr sz="1400" b="1" spc="5" dirty="0">
-                <a:solidFill>
-                  <a:srgbClr val="020302"/>
-                </a:solidFill>
-                <a:latin typeface="Adobe Clean"/>
-                <a:cs typeface="Adobe Clean"/>
-              </a:rPr>
-              <a:t>i</a:t>
-            </a:r>
-            <a:r>
-              <a:rPr sz="1400" b="1" spc="-5" dirty="0">
-                <a:solidFill>
-                  <a:srgbClr val="020302"/>
-                </a:solidFill>
-                <a:latin typeface="Adobe Clean"/>
-                <a:cs typeface="Adobe Clean"/>
-              </a:rPr>
-              <a:t>es</a:t>
-            </a:r>
-            <a:endParaRPr sz="1400">
-              <a:latin typeface="Adobe Clean"/>
-              <a:cs typeface="Adobe Clean"/>
-            </a:endParaRPr>
+              <a:t>Activités du service de terrain</a:t>
+            </a:r>
           </a:p>
         </p:txBody>
       </p:sp>
@@ -12154,8 +10969,8 @@
         </p:nvSpPr>
         <p:spPr>
           <a:xfrm>
-            <a:off x="914422" y="2342312"/>
-            <a:ext cx="1242060" cy="238760"/>
+            <a:off x="914421" y="2342312"/>
+            <a:ext cx="1600177" cy="228268"/>
           </a:xfrm>
           <a:prstGeom prst="rect">
             <a:avLst/>
@@ -12176,99 +10991,15 @@
               </a:spcBef>
             </a:pPr>
             <a:r>
-              <a:rPr sz="1400" b="1" spc="-25" dirty="0">
+              <a:rPr lang="fr-FR" sz="1400" b="1" dirty="0">
                 <a:solidFill>
                   <a:srgbClr val="020302"/>
                 </a:solidFill>
                 <a:latin typeface="Adobe Clean"/>
                 <a:cs typeface="Adobe Clean"/>
               </a:rPr>
-              <a:t>L</a:t>
-            </a:r>
-            <a:r>
-              <a:rPr sz="1400" b="1" spc="-5" dirty="0">
-                <a:solidFill>
-                  <a:srgbClr val="020302"/>
-                </a:solidFill>
-                <a:latin typeface="Adobe Clean"/>
-                <a:cs typeface="Adobe Clean"/>
-              </a:rPr>
-              <a:t>a</a:t>
-            </a:r>
-            <a:r>
-              <a:rPr sz="1400" b="1" spc="-20" dirty="0">
-                <a:solidFill>
-                  <a:srgbClr val="020302"/>
-                </a:solidFill>
-                <a:latin typeface="Adobe Clean"/>
-                <a:cs typeface="Adobe Clean"/>
-              </a:rPr>
-              <a:t>u</a:t>
-            </a:r>
-            <a:r>
-              <a:rPr sz="1400" b="1" spc="-15" dirty="0">
-                <a:solidFill>
-                  <a:srgbClr val="020302"/>
-                </a:solidFill>
-                <a:latin typeface="Adobe Clean"/>
-                <a:cs typeface="Adobe Clean"/>
-              </a:rPr>
-              <a:t>n</a:t>
-            </a:r>
-            <a:r>
-              <a:rPr sz="1400" b="1" spc="-25" dirty="0">
-                <a:solidFill>
-                  <a:srgbClr val="020302"/>
-                </a:solidFill>
-                <a:latin typeface="Adobe Clean"/>
-                <a:cs typeface="Adobe Clean"/>
-              </a:rPr>
-              <a:t>c</a:t>
-            </a:r>
-            <a:r>
-              <a:rPr sz="1400" b="1" dirty="0">
-                <a:solidFill>
-                  <a:srgbClr val="020302"/>
-                </a:solidFill>
-                <a:latin typeface="Adobe Clean"/>
-                <a:cs typeface="Adobe Clean"/>
-              </a:rPr>
-              <a:t>h</a:t>
-            </a:r>
-            <a:r>
-              <a:rPr sz="1400" b="1" spc="-25" dirty="0">
-                <a:solidFill>
-                  <a:srgbClr val="020302"/>
-                </a:solidFill>
-                <a:latin typeface="Adobe Clean"/>
-                <a:cs typeface="Adobe Clean"/>
-              </a:rPr>
-              <a:t> </a:t>
-            </a:r>
-            <a:r>
-              <a:rPr sz="1400" b="1" spc="-10" dirty="0">
-                <a:solidFill>
-                  <a:srgbClr val="020302"/>
-                </a:solidFill>
-                <a:latin typeface="Adobe Clean"/>
-                <a:cs typeface="Adobe Clean"/>
-              </a:rPr>
-              <a:t>Advisor</a:t>
-            </a:r>
-            <a:r>
-              <a:rPr sz="1400" b="1" dirty="0">
-                <a:solidFill>
-                  <a:srgbClr val="020302"/>
-                </a:solidFill>
-                <a:latin typeface="Adobe Clean"/>
-                <a:cs typeface="Adobe Clean"/>
-              </a:rPr>
-              <a:t>y</a:t>
-            </a:r>
-            <a:endParaRPr sz="1400">
-              <a:latin typeface="Adobe Clean"/>
-              <a:cs typeface="Adobe Clean"/>
-            </a:endParaRPr>
+              <a:t>Launch Advisory</a:t>
+            </a:r>
           </a:p>
         </p:txBody>
       </p:sp>
@@ -12281,7 +11012,7 @@
         <p:spPr>
           <a:xfrm>
             <a:off x="242187" y="2787904"/>
-            <a:ext cx="3004185" cy="635000"/>
+            <a:ext cx="3004185" cy="782265"/>
           </a:xfrm>
           <a:prstGeom prst="rect">
             <a:avLst/>
@@ -12302,103 +11033,121 @@
               </a:spcBef>
             </a:pPr>
             <a:r>
-              <a:rPr sz="1000" dirty="0">
+              <a:rPr lang="fr-FR" sz="1000" dirty="0">
                 <a:solidFill>
                   <a:srgbClr val="1F1F1F"/>
                 </a:solidFill>
                 <a:latin typeface="AdobeClean-Light"/>
                 <a:cs typeface="AdobeClean-Light"/>
               </a:rPr>
-              <a:t>For customers implementing a </a:t>
-            </a:r>
-            <a:r>
-              <a:rPr sz="1000" b="1" dirty="0">
+              <a:t>Pour les clients qui implémentent une </a:t>
+            </a:r>
+            <a:r>
+              <a:rPr lang="fr-FR" sz="1000" b="1" dirty="0">
                 <a:solidFill>
                   <a:srgbClr val="1F1F1F"/>
                 </a:solidFill>
                 <a:latin typeface="Adobe Clean"/>
                 <a:cs typeface="Adobe Clean"/>
               </a:rPr>
-              <a:t>new Adobe Experience Cloud  solution, </a:t>
-            </a:r>
-            <a:r>
-              <a:rPr sz="1000" dirty="0">
+              <a:t>nouvelle solution Adobe </a:t>
+            </a:r>
+            <a:r>
+              <a:rPr lang="fr-FR" sz="1000" b="1" dirty="0" err="1">
+                <a:solidFill>
+                  <a:srgbClr val="1F1F1F"/>
+                </a:solidFill>
+                <a:latin typeface="Adobe Clean"/>
+                <a:cs typeface="Adobe Clean"/>
+              </a:rPr>
+              <a:t>Experience</a:t>
+            </a:r>
+            <a:r>
+              <a:rPr lang="fr-FR" sz="1000" b="1" dirty="0">
+                <a:solidFill>
+                  <a:srgbClr val="1F1F1F"/>
+                </a:solidFill>
+                <a:latin typeface="Adobe Clean"/>
+                <a:cs typeface="Adobe Clean"/>
+              </a:rPr>
+              <a:t> Cloud, </a:t>
+            </a:r>
+            <a:r>
+              <a:rPr lang="fr-FR" sz="1000" dirty="0">
                 <a:latin typeface="AdobeClean-Light"/>
                 <a:cs typeface="AdobeClean-Light"/>
               </a:rPr>
-              <a:t>Launch Advisory </a:t>
-            </a:r>
-            <a:r>
-              <a:rPr sz="1000" dirty="0">
+              <a:t>Launch Advisory</a:t>
+            </a:r>
+            <a:r>
+              <a:rPr lang="fr-FR" sz="1000" dirty="0">
                 <a:latin typeface="AdobeClean-SemiLight"/>
                 <a:cs typeface="AdobeClean-SemiLight"/>
               </a:rPr>
-              <a:t>is a </a:t>
-            </a:r>
-            <a:r>
-              <a:rPr sz="950" dirty="0">
+              <a:t> est un </a:t>
+            </a:r>
+            <a:r>
+              <a:rPr lang="fr-FR" sz="950" dirty="0">
                 <a:latin typeface="AdobeClean-SemiLight"/>
                 <a:cs typeface="AdobeClean-SemiLight"/>
               </a:rPr>
-              <a:t>core set of advisory</a:t>
-            </a:r>
-            <a:endParaRPr sz="950">
-              <a:latin typeface="AdobeClean-SemiLight"/>
-              <a:cs typeface="AdobeClean-SemiLight"/>
-            </a:endParaRPr>
-          </a:p>
-          <a:p>
-            <a:pPr marL="12700" marR="86995" indent="-635">
-              <a:lnSpc>
-                <a:spcPct val="100000"/>
-              </a:lnSpc>
-            </a:pPr>
-            <a:r>
-              <a:rPr sz="950" dirty="0">
+              <a:t>ensemble de base de services</a:t>
+            </a:r>
+            <a:r>
+              <a:rPr lang="sk-SK" sz="950" dirty="0">
                 <a:latin typeface="AdobeClean-SemiLight"/>
                 <a:cs typeface="AdobeClean-SemiLight"/>
               </a:rPr>
-              <a:t>services </a:t>
-            </a:r>
-            <a:r>
-              <a:rPr sz="1000" dirty="0">
+              <a:t> </a:t>
+            </a:r>
+            <a:r>
+              <a:rPr lang="fr-FR" sz="950" dirty="0">
+                <a:latin typeface="AdobeClean-SemiLight"/>
+                <a:cs typeface="AdobeClean-SemiLight"/>
+              </a:rPr>
+              <a:t>de conseil </a:t>
+            </a:r>
+            <a:r>
+              <a:rPr lang="fr-FR" sz="1000" dirty="0">
                 <a:latin typeface="AdobeClean-Light"/>
                 <a:cs typeface="AdobeClean-Light"/>
               </a:rPr>
-              <a:t>and recommendations that are proven to </a:t>
-            </a:r>
-            <a:r>
-              <a:rPr sz="950" dirty="0">
+              <a:t>et de recommandations qui s’avèrent prendre en charge </a:t>
+            </a:r>
+            <a:br>
+              <a:rPr lang="sk-SK" sz="1000" dirty="0">
                 <a:latin typeface="AdobeClean-Light"/>
                 <a:cs typeface="AdobeClean-Light"/>
               </a:rPr>
-              <a:t>support  successful deployments </a:t>
-            </a:r>
-            <a:r>
-              <a:rPr sz="1000" dirty="0">
+            </a:br>
+            <a:r>
+              <a:rPr lang="fr-FR" sz="950" dirty="0">
                 <a:latin typeface="AdobeClean-Light"/>
                 <a:cs typeface="AdobeClean-Light"/>
               </a:rPr>
-              <a:t>and </a:t>
-            </a:r>
-            <a:r>
-              <a:rPr sz="950" dirty="0">
+              <a:t>les déploiements réussis </a:t>
+            </a:r>
+            <a:r>
+              <a:rPr lang="fr-FR" sz="1000" dirty="0">
                 <a:latin typeface="AdobeClean-Light"/>
                 <a:cs typeface="AdobeClean-Light"/>
               </a:rPr>
-              <a:t>accelerate time-to-value</a:t>
-            </a:r>
-            <a:r>
-              <a:rPr sz="1000" dirty="0">
+              <a:t>et </a:t>
+            </a:r>
+            <a:r>
+              <a:rPr lang="fr-FR" sz="950" dirty="0">
                 <a:latin typeface="AdobeClean-Light"/>
                 <a:cs typeface="AdobeClean-Light"/>
               </a:rPr>
+              <a:t>accélérer la rentabilité</a:t>
+            </a:r>
+            <a:r>
+              <a:rPr lang="fr-FR" sz="1000" dirty="0">
+                <a:latin typeface="AdobeClean-Light"/>
+                <a:cs typeface="AdobeClean-Light"/>
+              </a:rPr>
               <a:t>.</a:t>
             </a:r>
-            <a:endParaRPr sz="1000">
-              <a:latin typeface="AdobeClean-Light"/>
-              <a:cs typeface="AdobeClean-Light"/>
-            </a:endParaRPr>
           </a:p>
         </p:txBody>
       </p:sp>
@@ -12489,8 +11238,8 @@
         </p:nvSpPr>
         <p:spPr>
           <a:xfrm>
-            <a:off x="3976901" y="2790952"/>
-            <a:ext cx="3543300" cy="628377"/>
+            <a:off x="3976900" y="2790952"/>
+            <a:ext cx="3643093" cy="628377"/>
           </a:xfrm>
           <a:prstGeom prst="rect">
             <a:avLst/>
@@ -12511,79 +11260,75 @@
               </a:spcBef>
             </a:pPr>
             <a:r>
-              <a:rPr sz="1000" dirty="0">
+              <a:rPr lang="fr-FR" sz="1000" dirty="0">
                 <a:solidFill>
                   <a:srgbClr val="4B4B4B"/>
                 </a:solidFill>
                 <a:latin typeface="AdobeClean-Light"/>
                 <a:cs typeface="AdobeClean-Light"/>
               </a:rPr>
-              <a:t>Field Services are used for </a:t>
-            </a:r>
-            <a:r>
-              <a:rPr sz="1000" b="1" dirty="0">
+              <a:t>Les services de terrain servent à la </a:t>
+            </a:r>
+            <a:r>
+              <a:rPr lang="fr-FR" sz="1000" b="1" dirty="0">
                 <a:solidFill>
                   <a:srgbClr val="4B4B4B"/>
                 </a:solidFill>
                 <a:latin typeface="Adobe Clean"/>
                 <a:cs typeface="Adobe Clean"/>
               </a:rPr>
-              <a:t>quick resolution</a:t>
-            </a:r>
-            <a:r>
-              <a:rPr sz="1000" dirty="0">
+              <a:t>résolution rapide</a:t>
+            </a:r>
+            <a:r>
+              <a:rPr lang="fr-FR" sz="1000" dirty="0">
                 <a:solidFill>
                   <a:srgbClr val="4B4B4B"/>
                 </a:solidFill>
                 <a:latin typeface="AdobeClean-Light"/>
                 <a:cs typeface="AdobeClean-Light"/>
               </a:rPr>
-              <a:t>, focused customer success  and accelerated </a:t>
-            </a:r>
-            <a:r>
-              <a:rPr sz="1000" b="1" dirty="0">
+              <a:t>, au succès ciblé du client et à l’</a:t>
+            </a:r>
+            <a:r>
+              <a:rPr lang="fr-FR" sz="1000" b="1" dirty="0">
                 <a:solidFill>
                   <a:srgbClr val="4B4B4B"/>
                 </a:solidFill>
                 <a:latin typeface="Adobe Clean"/>
                 <a:cs typeface="Adobe Clean"/>
               </a:rPr>
-              <a:t>time-to-value</a:t>
-            </a:r>
-            <a:r>
-              <a:rPr sz="1000" dirty="0">
+              <a:t>accélération de la rentabilité</a:t>
+            </a:r>
+            <a:r>
+              <a:rPr lang="fr-FR" sz="1000" dirty="0">
                 <a:solidFill>
                   <a:srgbClr val="4B4B4B"/>
                 </a:solidFill>
                 <a:latin typeface="AdobeClean-Light"/>
                 <a:cs typeface="AdobeClean-Light"/>
               </a:rPr>
-              <a:t>. If Launch advisory is active there will be  </a:t>
-            </a:r>
-            <a:r>
-              <a:rPr sz="1000" b="1" dirty="0">
+              <a:t>. Si Launch Advisory est actif, il n’y aura </a:t>
+            </a:r>
+            <a:r>
+              <a:rPr lang="fr-FR" sz="1000" b="1" dirty="0">
                 <a:solidFill>
                   <a:srgbClr val="4B4B4B"/>
                 </a:solidFill>
                 <a:latin typeface="Adobe Clean"/>
                 <a:cs typeface="Adobe Clean"/>
               </a:rPr>
-              <a:t>no Field Services in year 1 </a:t>
-            </a:r>
-            <a:r>
-              <a:rPr sz="1000" dirty="0">
+              <a:t>aucun service sur le terrain au cours de la première année </a:t>
+            </a:r>
+            <a:r>
+              <a:rPr lang="fr-FR" sz="1000" dirty="0">
                 <a:solidFill>
                   <a:srgbClr val="4B4B4B"/>
                 </a:solidFill>
                 <a:latin typeface="AdobeClean-Light"/>
                 <a:cs typeface="AdobeClean-Light"/>
               </a:rPr>
-              <a:t>for any solution product covered by a  Support contract.</a:t>
-            </a:r>
-            <a:endParaRPr sz="1000" dirty="0">
-              <a:latin typeface="AdobeClean-Light"/>
-              <a:cs typeface="AdobeClean-Light"/>
-            </a:endParaRPr>
+              <a:t>pour tout produit de solution couvert par un contrat d’assistance Adobe.</a:t>
+            </a:r>
           </a:p>
         </p:txBody>
       </p:sp>
@@ -12679,8 +11424,8 @@
         </p:nvSpPr>
         <p:spPr>
           <a:xfrm>
-            <a:off x="263464" y="5348732"/>
-            <a:ext cx="3114040" cy="482600"/>
+            <a:off x="263463" y="5348732"/>
+            <a:ext cx="3561591" cy="482600"/>
           </a:xfrm>
           <a:prstGeom prst="rect">
             <a:avLst/>
@@ -12701,11 +11446,11 @@
               </a:spcBef>
             </a:pPr>
             <a:r>
-              <a:rPr sz="1000" dirty="0">
+              <a:rPr lang="fr-FR" sz="1000" dirty="0">
                 <a:latin typeface="AdobeClean-Light"/>
                 <a:cs typeface="AdobeClean-Light"/>
               </a:rPr>
-              <a:t>Launch Advisory will align with your project schedule through  common milestones (Kickoff, Define, Design, Go-live and Post  Launch) to guide, validate, assess and make recommendations.</a:t>
+              <a:t>Launch Advisory s’alignera sur le calendrier de votre projet via des jalons communs (lancement, définition, conception, activation et post-lancement) pour guider, valider, évaluer et faire des recommandations.</a:t>
             </a:r>
           </a:p>
         </p:txBody>
@@ -12719,7 +11464,7 @@
         <p:spPr>
           <a:xfrm>
             <a:off x="263464" y="5982715"/>
-            <a:ext cx="1247140" cy="166712"/>
+            <a:ext cx="2654822" cy="166712"/>
           </a:xfrm>
           <a:prstGeom prst="rect">
             <a:avLst/>
@@ -12740,16 +11485,12 @@
               </a:spcBef>
             </a:pPr>
             <a:r>
-              <a:rPr sz="1000" dirty="0">
+              <a:rPr lang="fr-FR" sz="1000" dirty="0">
                 <a:latin typeface="AdobeClean-Light"/>
                 <a:cs typeface="AdobeClean-Light"/>
               </a:rPr>
-              <a:t>Key Deliverables include:</a:t>
-            </a:r>
-            <a:endParaRPr sz="1000">
-              <a:latin typeface="AdobeClean-Light"/>
-              <a:cs typeface="AdobeClean-Light"/>
-            </a:endParaRPr>
+              <a:t>Les principaux éléments livrables sont les suivants :</a:t>
+            </a:r>
           </a:p>
         </p:txBody>
       </p:sp>
@@ -12762,7 +11503,7 @@
         <p:spPr>
           <a:xfrm>
             <a:off x="205422" y="6308299"/>
-            <a:ext cx="2745105" cy="592470"/>
+            <a:ext cx="3931920" cy="546303"/>
           </a:xfrm>
           <a:prstGeom prst="rect">
             <a:avLst/>
@@ -12782,12 +11523,12 @@
               <a:buChar char="•"/>
             </a:pPr>
             <a:r>
-              <a:rPr lang="en-US" sz="1000" dirty="0">
+              <a:rPr lang="fr-FR" sz="900" dirty="0">
                 <a:solidFill>
                   <a:prstClr val="black"/>
                 </a:solidFill>
               </a:rPr>
-              <a:t>Kickoff (including project collaboration plan) deck</a:t>
+              <a:t>Plateforme de lancement (y compris le plan de collaboration du projet)</a:t>
             </a:r>
           </a:p>
           <a:p>
@@ -12799,12 +11540,12 @@
               <a:buChar char="•"/>
             </a:pPr>
             <a:r>
-              <a:rPr lang="en-US" sz="1000" dirty="0">
+              <a:rPr lang="fr-FR" sz="900" dirty="0">
                 <a:solidFill>
                   <a:prstClr val="black"/>
                 </a:solidFill>
               </a:rPr>
-              <a:t>Assessment &amp; recommendations document(s)</a:t>
+              <a:t>Document(s) d’évaluation et de recommandations</a:t>
             </a:r>
           </a:p>
           <a:p>
@@ -12816,12 +11557,12 @@
               <a:buChar char="•"/>
             </a:pPr>
             <a:r>
-              <a:rPr lang="en-US" sz="1000" dirty="0">
+              <a:rPr lang="fr-FR" sz="900" dirty="0">
                 <a:solidFill>
                   <a:prstClr val="black"/>
                 </a:solidFill>
               </a:rPr>
-              <a:t>Engagement summary</a:t>
+              <a:t>Résumé des engagements</a:t>
             </a:r>
           </a:p>
         </p:txBody>
@@ -12835,7 +11576,7 @@
         <p:spPr>
           <a:xfrm>
             <a:off x="263464" y="4126991"/>
-            <a:ext cx="3141980" cy="1070610"/>
+            <a:ext cx="3524568" cy="1070610"/>
           </a:xfrm>
           <a:prstGeom prst="rect">
             <a:avLst/>
@@ -12856,19 +11597,15 @@
               </a:spcBef>
             </a:pPr>
             <a:r>
-              <a:rPr sz="1600" dirty="0">
+              <a:rPr lang="fr-FR" sz="1600" dirty="0">
                 <a:solidFill>
                   <a:srgbClr val="FFFFFF"/>
                 </a:solidFill>
                 <a:latin typeface="Arial"/>
                 <a:cs typeface="Arial"/>
               </a:rPr>
-              <a:t>Implementation</a:t>
-            </a:r>
-            <a:endParaRPr sz="1600" dirty="0">
-              <a:latin typeface="Arial"/>
-              <a:cs typeface="Arial"/>
-            </a:endParaRPr>
+              <a:t>Implémentation</a:t>
+            </a:r>
           </a:p>
           <a:p>
             <a:pPr marL="12700" marR="5080">
@@ -12880,32 +11617,32 @@
               </a:spcBef>
             </a:pPr>
             <a:r>
-              <a:rPr sz="1000" dirty="0">
+              <a:rPr lang="fr-FR" sz="1000" dirty="0">
                 <a:latin typeface="AdobeClean-Light"/>
                 <a:cs typeface="AdobeClean-Light"/>
               </a:rPr>
-              <a:t>Adobe solution experts help validate requirements, architecture,  development process, and launch readiness reviews </a:t>
-            </a:r>
-            <a:r>
-              <a:rPr sz="1000" dirty="0">
+              <a:t>Les experts en solutions Adobe aident à valider les exigences, l’architecture, les processus de développement et les examens de préparation au lancement </a:t>
+            </a:r>
+            <a:r>
+              <a:rPr lang="fr-FR" sz="1000" dirty="0">
                 <a:latin typeface="AdobeClean-SemiLight"/>
                 <a:cs typeface="AdobeClean-SemiLight"/>
               </a:rPr>
-              <a:t>with </a:t>
-            </a:r>
-            <a:r>
-              <a:rPr sz="950" dirty="0">
+              <a:t>avec </a:t>
+            </a:r>
+            <a:r>
+              <a:rPr lang="fr-FR" sz="950" dirty="0">
                 <a:latin typeface="AdobeClean-SemiLight"/>
                 <a:cs typeface="AdobeClean-SemiLight"/>
               </a:rPr>
-              <a:t>best  practice-based guidance </a:t>
-            </a:r>
-            <a:r>
-              <a:rPr sz="1000" dirty="0">
+              <a:t>des conseils basés sur les bonnes pratiques </a:t>
+            </a:r>
+            <a:r>
+              <a:rPr lang="fr-FR" sz="1000" dirty="0">
                 <a:latin typeface="AdobeClean-SemiLight"/>
                 <a:cs typeface="AdobeClean-SemiLight"/>
               </a:rPr>
-              <a:t>to customers and implementation  partners.</a:t>
+              <a:t>à l’intention des clients et des partenaires de mise en œuvre.</a:t>
             </a:r>
           </a:p>
         </p:txBody>
@@ -12917,15 +11654,20 @@
           <p:nvPr/>
         </p:nvPicPr>
         <p:blipFill>
-          <a:blip r:embed="rId3" cstate="print"/>
-          <a:stretch>
-            <a:fillRect/>
-          </a:stretch>
+          <a:blip r:embed="rId3">
+            <a:extLst>
+              <a:ext uri="{28A0092B-C50C-407E-A947-70E740481C1C}">
+                <a14:useLocalDpi xmlns:a14="http://schemas.microsoft.com/office/drawing/2010/main" val="0"/>
+              </a:ext>
+            </a:extLst>
+          </a:blip>
+          <a:srcRect/>
+          <a:stretch/>
         </p:blipFill>
         <p:spPr>
           <a:xfrm>
-            <a:off x="363328" y="6930985"/>
-            <a:ext cx="3053821" cy="2818913"/>
+            <a:off x="363328" y="6932449"/>
+            <a:ext cx="3053821" cy="2815984"/>
           </a:xfrm>
           <a:prstGeom prst="rect">
             <a:avLst/>
@@ -12940,8 +11682,8 @@
         </p:nvSpPr>
         <p:spPr>
           <a:xfrm>
-            <a:off x="3947346" y="5363972"/>
-            <a:ext cx="3335020" cy="659765"/>
+            <a:off x="3947345" y="5363972"/>
+            <a:ext cx="3512875" cy="805029"/>
           </a:xfrm>
           <a:prstGeom prst="rect">
             <a:avLst/>
@@ -12962,18 +11704,57 @@
               </a:spcBef>
             </a:pPr>
             <a:r>
-              <a:rPr sz="1000" b="1" dirty="0">
+              <a:rPr lang="fr-FR" sz="1000" b="1" dirty="0">
                 <a:latin typeface="Arial"/>
                 <a:cs typeface="Arial"/>
               </a:rPr>
-              <a:t>Technical Track Activities </a:t>
-            </a:r>
-            <a:r>
-              <a:rPr sz="1000" dirty="0">
+              <a:t>Les activités de suivi technique </a:t>
+            </a:r>
+            <a:r>
+              <a:rPr lang="fr-FR" sz="1000" dirty="0">
                 <a:latin typeface="AdobeClean-Light"/>
                 <a:cs typeface="AdobeClean-Light"/>
               </a:rPr>
-              <a:t>ensure customers are technically sound  and maximizing their tool adoption. Specifically, these types of  activities include support and recommendations related to platform  configurations, integrations and troubleshooting</a:t>
+              <a:t>s’assurent que les clients sont techniquement sûrs et maximisent l’adoption de leurs outils. Pour </a:t>
+            </a:r>
+            <a:br>
+              <a:rPr lang="sk-SK" sz="1000" dirty="0">
+                <a:latin typeface="AdobeClean-Light"/>
+                <a:cs typeface="AdobeClean-Light"/>
+              </a:rPr>
+            </a:br>
+            <a:r>
+              <a:rPr lang="fr-FR" sz="1000" dirty="0">
+                <a:latin typeface="AdobeClean-Light"/>
+                <a:cs typeface="AdobeClean-Light"/>
+              </a:rPr>
+              <a:t>être plus précis, ces types d’activités incluent la prise en charge </a:t>
+            </a:r>
+            <a:br>
+              <a:rPr lang="sk-SK" sz="1000" dirty="0">
+                <a:latin typeface="AdobeClean-Light"/>
+                <a:cs typeface="AdobeClean-Light"/>
+              </a:rPr>
+            </a:br>
+            <a:r>
+              <a:rPr lang="fr-FR" sz="1000" dirty="0">
+                <a:latin typeface="AdobeClean-Light"/>
+                <a:cs typeface="AdobeClean-Light"/>
+              </a:rPr>
+              <a:t>et les recommandations liées aux configurations de plateforme, </a:t>
+            </a:r>
+            <a:br>
+              <a:rPr lang="sk-SK" sz="1000" dirty="0">
+                <a:latin typeface="AdobeClean-Light"/>
+                <a:cs typeface="AdobeClean-Light"/>
+              </a:rPr>
+            </a:br>
+            <a:r>
+              <a:rPr lang="fr-FR" sz="1000" dirty="0">
+                <a:latin typeface="AdobeClean-Light"/>
+                <a:cs typeface="AdobeClean-Light"/>
+              </a:rPr>
+              <a:t>aux intégrations et à la résolution des problèmes</a:t>
             </a:r>
           </a:p>
         </p:txBody>
@@ -12986,8 +11767,8 @@
         </p:nvSpPr>
         <p:spPr>
           <a:xfrm>
-            <a:off x="3947346" y="6174740"/>
-            <a:ext cx="2099310" cy="1436291"/>
+            <a:off x="3947345" y="6174740"/>
+            <a:ext cx="3204083" cy="1436291"/>
           </a:xfrm>
           <a:prstGeom prst="rect">
             <a:avLst/>
@@ -13008,11 +11789,11 @@
               </a:spcBef>
             </a:pPr>
             <a:r>
-              <a:rPr sz="1000" dirty="0">
+              <a:rPr lang="fr-FR" sz="1000" dirty="0">
                 <a:latin typeface="AdobeClean-Light"/>
                 <a:cs typeface="AdobeClean-Light"/>
               </a:rPr>
-              <a:t>Types of technical activities available::</a:t>
+              <a:t>Les types d’activités techniques disponibles sont les suivantes :</a:t>
             </a:r>
           </a:p>
           <a:p>
@@ -13027,12 +11808,12 @@
               <a:buChar char="ü"/>
             </a:pPr>
             <a:r>
-              <a:rPr lang="en-US" sz="1000" dirty="0">
+              <a:rPr lang="fr-FR" sz="1000" dirty="0">
                 <a:solidFill>
                   <a:prstClr val="black"/>
                 </a:solidFill>
               </a:rPr>
-              <a:t>Health audit</a:t>
+              <a:t>Vérification de l’intégrité</a:t>
             </a:r>
           </a:p>
           <a:p>
@@ -13047,12 +11828,12 @@
               <a:buChar char="ü"/>
             </a:pPr>
             <a:r>
-              <a:rPr lang="en-US" sz="1000" dirty="0">
+              <a:rPr lang="fr-FR" sz="1000" dirty="0">
                 <a:solidFill>
                   <a:prstClr val="black"/>
                 </a:solidFill>
               </a:rPr>
-              <a:t>Platform audit</a:t>
+              <a:t>Vérification de la plateforme</a:t>
             </a:r>
           </a:p>
           <a:p>
@@ -13067,12 +11848,12 @@
               <a:buChar char="ü"/>
             </a:pPr>
             <a:r>
-              <a:rPr lang="en-US" sz="1000" dirty="0">
+              <a:rPr lang="fr-FR" sz="1000" dirty="0">
                 <a:solidFill>
                   <a:prstClr val="black"/>
                 </a:solidFill>
               </a:rPr>
-              <a:t>Feature set enablement</a:t>
+              <a:t>Activation de l’ensemble de fonctionnalités</a:t>
             </a:r>
           </a:p>
           <a:p>
@@ -13087,12 +11868,12 @@
               <a:buChar char="ü"/>
             </a:pPr>
             <a:r>
-              <a:rPr lang="en-US" sz="1000" dirty="0">
+              <a:rPr lang="fr-FR" sz="1000" dirty="0">
                 <a:solidFill>
                   <a:prstClr val="black"/>
                 </a:solidFill>
               </a:rPr>
-              <a:t>Basic integrations and configurations</a:t>
+              <a:t>Intégrations et configurations de base</a:t>
             </a:r>
           </a:p>
           <a:p>
@@ -13107,12 +11888,12 @@
               <a:buChar char="ü"/>
             </a:pPr>
             <a:r>
-              <a:rPr lang="en-US" sz="1000" dirty="0">
+              <a:rPr lang="fr-FR" sz="1000" dirty="0">
                 <a:solidFill>
                   <a:prstClr val="black"/>
                 </a:solidFill>
               </a:rPr>
-              <a:t>Customer solution troubleshooting</a:t>
+              <a:t>Résolution des problèmes liés aux solutions client</a:t>
             </a:r>
           </a:p>
           <a:p>
@@ -13127,12 +11908,12 @@
               <a:buChar char="ü"/>
             </a:pPr>
             <a:r>
-              <a:rPr lang="en-US" sz="1000" dirty="0">
+              <a:rPr lang="fr-FR" sz="1000" dirty="0">
                 <a:solidFill>
                   <a:prstClr val="black"/>
                 </a:solidFill>
               </a:rPr>
-              <a:t>Cloud service support</a:t>
+              <a:t>Assistance du service Cloud</a:t>
             </a:r>
           </a:p>
         </p:txBody>
@@ -13167,18 +11948,18 @@
               </a:spcBef>
             </a:pPr>
             <a:r>
-              <a:rPr sz="1000" b="1" dirty="0">
+              <a:rPr lang="fr-FR" sz="1000" b="1" dirty="0">
                 <a:latin typeface="Arial"/>
                 <a:cs typeface="Arial"/>
               </a:rPr>
-              <a:t>Strategic Track Activities </a:t>
-            </a:r>
-            <a:r>
-              <a:rPr sz="1000" dirty="0">
+              <a:t>Les activités de suivi stratégique </a:t>
+            </a:r>
+            <a:r>
+              <a:rPr lang="fr-FR" sz="1000" dirty="0">
                 <a:latin typeface="AdobeClean-Light"/>
                 <a:cs typeface="AdobeClean-Light"/>
               </a:rPr>
-              <a:t>locate opportunities to ensure value is  being realized from a customer’s Adobe solutions. They include  support recommendations related to strategy, measurement and  maturity to drive value realization across one or more Adobe  solutions.</a:t>
+              <a:t>localisent des opportunités pour s’assurer que les solutions Adobe d’un client génèrent de la valeur. Elles comprennent des recommandations d’assistance liées à la stratégie, à la mesure et à la maturité afin de générer de la valeur pour une ou plusieurs solutions Adobe.</a:t>
             </a:r>
           </a:p>
           <a:p>
@@ -13202,11 +11983,11 @@
               </a:lnSpc>
             </a:pPr>
             <a:r>
-              <a:rPr sz="1000" dirty="0">
+              <a:rPr lang="fr-FR" sz="1000" dirty="0">
                 <a:latin typeface="AdobeClean-Light"/>
                 <a:cs typeface="AdobeClean-Light"/>
               </a:rPr>
-              <a:t>Types of strategic activities available::</a:t>
+              <a:t>Les types d’activités stratégiques disponibles sont les suivantes :</a:t>
             </a:r>
           </a:p>
           <a:p>
@@ -13221,12 +12002,12 @@
               <a:buChar char="ü"/>
             </a:pPr>
             <a:r>
-              <a:rPr lang="en-US" sz="1000" dirty="0">
+              <a:rPr lang="fr-FR" sz="1000" dirty="0">
                 <a:solidFill>
                   <a:prstClr val="black"/>
                 </a:solidFill>
               </a:rPr>
-              <a:t>Maturity Roadmap</a:t>
+              <a:t>Feuille de route de maturité</a:t>
             </a:r>
           </a:p>
           <a:p>
@@ -13241,12 +12022,12 @@
               <a:buChar char="ü"/>
             </a:pPr>
             <a:r>
-              <a:rPr lang="en-US" sz="1000" dirty="0">
+              <a:rPr lang="fr-FR" sz="1000" dirty="0">
                 <a:solidFill>
                   <a:prstClr val="black"/>
                 </a:solidFill>
               </a:rPr>
-              <a:t>Use case development/measurement</a:t>
+              <a:t>Développement/mesure des cas d’utilisation</a:t>
             </a:r>
           </a:p>
           <a:p>
@@ -13261,12 +12042,12 @@
               <a:buChar char="ü"/>
             </a:pPr>
             <a:r>
-              <a:rPr lang="en-US" sz="1000" dirty="0">
+              <a:rPr lang="fr-FR" sz="1000" dirty="0">
                 <a:solidFill>
                   <a:prstClr val="black"/>
                 </a:solidFill>
               </a:rPr>
-              <a:t>Reporting &amp; analysis</a:t>
+              <a:t>Rapports et analyses</a:t>
             </a:r>
           </a:p>
           <a:p>
@@ -13281,12 +12062,12 @@
               <a:buChar char="ü"/>
             </a:pPr>
             <a:r>
-              <a:rPr lang="en-US" sz="1000" dirty="0">
+              <a:rPr lang="fr-FR" sz="1000" dirty="0">
                 <a:solidFill>
                   <a:prstClr val="black"/>
                 </a:solidFill>
               </a:rPr>
-              <a:t>Best practices enablement</a:t>
+              <a:t>Activation des bonnes pratiques</a:t>
             </a:r>
           </a:p>
         </p:txBody>
@@ -13300,7 +12081,7 @@
         <p:spPr>
           <a:xfrm>
             <a:off x="3942773" y="4126991"/>
-            <a:ext cx="3275329" cy="969496"/>
+            <a:ext cx="3517448" cy="1000274"/>
           </a:xfrm>
           <a:prstGeom prst="rect">
             <a:avLst/>
@@ -13321,19 +12102,15 @@
               </a:spcBef>
             </a:pPr>
             <a:r>
-              <a:rPr sz="1600" dirty="0">
+              <a:rPr lang="fr-FR" sz="1600" dirty="0">
                 <a:solidFill>
                   <a:srgbClr val="FFFFFF"/>
                 </a:solidFill>
                 <a:latin typeface="Arial"/>
                 <a:cs typeface="Arial"/>
               </a:rPr>
-              <a:t>Run &amp; Operate</a:t>
-            </a:r>
-            <a:endParaRPr sz="1600" dirty="0">
-              <a:latin typeface="Arial"/>
-              <a:cs typeface="Arial"/>
-            </a:endParaRPr>
+              <a:t>Exécuter et faire fonctionner</a:t>
+            </a:r>
           </a:p>
           <a:p>
             <a:pPr marL="12700">
@@ -13345,37 +12122,17 @@
               </a:spcBef>
             </a:pPr>
             <a:r>
-              <a:rPr sz="1000" dirty="0">
+              <a:rPr lang="fr-FR" sz="1000" dirty="0">
                 <a:solidFill>
                   <a:srgbClr val="1F1F1F"/>
                 </a:solidFill>
                 <a:latin typeface="Adobe Clean"/>
                 <a:cs typeface="Adobe Clean"/>
               </a:rPr>
-              <a:t>As an </a:t>
-            </a:r>
-            <a:r>
-              <a:rPr lang="en-US" sz="1000" dirty="0">
-                <a:solidFill>
-                  <a:srgbClr val="1F1F1F"/>
-                </a:solidFill>
-                <a:latin typeface="Adobe Clean"/>
-                <a:cs typeface="Adobe Clean"/>
-              </a:rPr>
-              <a:t>Elite</a:t>
-            </a:r>
-            <a:r>
-              <a:rPr sz="1000" dirty="0">
-                <a:solidFill>
-                  <a:srgbClr val="1F1F1F"/>
-                </a:solidFill>
-                <a:latin typeface="Adobe Clean"/>
-                <a:cs typeface="Adobe Clean"/>
-              </a:rPr>
-              <a:t> customer, you are  eligible for</a:t>
-            </a:r>
-            <a:r>
-              <a:rPr lang="en-US" sz="1200" dirty="0">
+              <a:t>En tant que client Elite, vous êtes éligible pour participer à</a:t>
+            </a:r>
+            <a:r>
+              <a:rPr lang="fr-FR" sz="1200" dirty="0">
                 <a:solidFill>
                   <a:srgbClr val="1F1F1F"/>
                 </a:solidFill>
@@ -13390,7 +12147,7 @@
               <a:t> </a:t>
             </a:r>
             <a:r>
-              <a:rPr lang="en-US" sz="1200" u="sng" dirty="0">
+              <a:rPr lang="fr-FR" sz="1200" u="sng" dirty="0">
                 <a:solidFill>
                   <a:srgbClr val="1F1F1F"/>
                 </a:solidFill>
@@ -13405,81 +12162,86 @@
               <a:t>4</a:t>
             </a:r>
             <a:r>
-              <a:rPr sz="1200" b="1" dirty="0">
+              <a:rPr lang="fr-FR" sz="1200" b="1" dirty="0">
                 <a:solidFill>
                   <a:srgbClr val="1F1F1F"/>
                 </a:solidFill>
                 <a:latin typeface="Arial"/>
                 <a:cs typeface="Arial"/>
               </a:rPr>
-              <a:t> </a:t>
-            </a:r>
-            <a:r>
-              <a:rPr sz="1000" b="1" dirty="0">
+              <a:t> </a:t>
+            </a:r>
+            <a:r>
+              <a:rPr lang="fr-FR" sz="1000" b="1" dirty="0">
                 <a:solidFill>
                   <a:srgbClr val="1F1F1F"/>
                 </a:solidFill>
                 <a:latin typeface="Arial"/>
                 <a:cs typeface="Arial"/>
               </a:rPr>
-              <a:t>activities per year</a:t>
-            </a:r>
-            <a:endParaRPr sz="1000" dirty="0">
-              <a:latin typeface="Arial"/>
-              <a:cs typeface="Arial"/>
-            </a:endParaRPr>
-          </a:p>
-          <a:p>
-            <a:pPr marL="12700">
-              <a:lnSpc>
-                <a:spcPct val="100000"/>
-              </a:lnSpc>
-              <a:spcBef>
-                <a:spcPts val="55"/>
-              </a:spcBef>
-            </a:pPr>
-            <a:r>
-              <a:rPr sz="1000" dirty="0">
+              <a:t>activités par an</a:t>
+            </a:r>
+            <a:r>
+              <a:rPr lang="sk-SK" sz="1000" b="1" dirty="0">
+                <a:solidFill>
+                  <a:srgbClr val="1F1F1F"/>
+                </a:solidFill>
+                <a:latin typeface="Arial"/>
+                <a:cs typeface="Arial"/>
+              </a:rPr>
+              <a:t> </a:t>
+            </a:r>
+            <a:r>
+              <a:rPr lang="fr-FR" sz="1000" dirty="0">
                 <a:solidFill>
                   <a:srgbClr val="1F1F1F"/>
                 </a:solidFill>
                 <a:latin typeface="Adobe Clean"/>
                 <a:cs typeface="Adobe Clean"/>
               </a:rPr>
-              <a:t>from the following two tracks: </a:t>
-            </a:r>
-            <a:r>
-              <a:rPr sz="1000" b="1" dirty="0">
+              <a:t>à partir de ces deux suivis : </a:t>
+            </a:r>
+            <a:r>
+              <a:rPr lang="fr-FR" sz="1000" b="1" dirty="0">
                 <a:solidFill>
                   <a:srgbClr val="1F1F1F"/>
                 </a:solidFill>
                 <a:latin typeface="Arial"/>
                 <a:cs typeface="Arial"/>
               </a:rPr>
-              <a:t>Technical </a:t>
-            </a:r>
-            <a:r>
-              <a:rPr sz="1000" dirty="0">
+              <a:t>technique </a:t>
+            </a:r>
+            <a:br>
+              <a:rPr lang="sk-SK" sz="1000" b="1" dirty="0">
+                <a:solidFill>
+                  <a:srgbClr val="1F1F1F"/>
+                </a:solidFill>
+                <a:latin typeface="Arial"/>
+                <a:cs typeface="Arial"/>
+              </a:rPr>
+            </a:br>
+            <a:r>
+              <a:rPr lang="fr-FR" sz="1000" dirty="0">
                 <a:solidFill>
                   <a:srgbClr val="1F1F1F"/>
                 </a:solidFill>
                 <a:latin typeface="Adobe Clean"/>
                 <a:cs typeface="Adobe Clean"/>
               </a:rPr>
-              <a:t>and/or </a:t>
-            </a:r>
-            <a:r>
-              <a:rPr sz="1000" b="1" dirty="0">
+              <a:t>et/ou </a:t>
+            </a:r>
+            <a:r>
+              <a:rPr lang="fr-FR" sz="1000" b="1" dirty="0">
                 <a:solidFill>
                   <a:srgbClr val="1F1F1F"/>
                 </a:solidFill>
                 <a:latin typeface="Arial"/>
                 <a:cs typeface="Arial"/>
               </a:rPr>
-              <a:t>Strategic</a:t>
-            </a:r>
-            <a:r>
-              <a:rPr sz="1000" dirty="0">
+              <a:t>stratégique</a:t>
+            </a:r>
+            <a:r>
+              <a:rPr lang="fr-FR" sz="1000" dirty="0">
                 <a:solidFill>
                   <a:srgbClr val="1F1F1F"/>
                 </a:solidFill>
@@ -13488,10 +12250,6 @@
               </a:rPr>
               <a:t>.</a:t>
             </a:r>
-            <a:endParaRPr sz="1000" dirty="0">
-              <a:latin typeface="AdobeClean-Light"/>
-              <a:cs typeface="AdobeClean-Light"/>
-            </a:endParaRPr>
           </a:p>
         </p:txBody>
       </p:sp>
@@ -13504,7 +12262,7 @@
         <p:spPr>
           <a:xfrm>
             <a:off x="923023" y="538480"/>
-            <a:ext cx="2323349" cy="228268"/>
+            <a:ext cx="3344177" cy="228268"/>
           </a:xfrm>
           <a:prstGeom prst="rect">
             <a:avLst/>
@@ -13525,69 +12283,15 @@
               </a:spcBef>
             </a:pPr>
             <a:r>
-              <a:rPr sz="1400" b="1" spc="-15" dirty="0">
+              <a:rPr lang="fr-FR" sz="1400" b="1" dirty="0">
                 <a:solidFill>
                   <a:srgbClr val="020302"/>
                 </a:solidFill>
                 <a:latin typeface="Adobe Clean"/>
                 <a:cs typeface="Adobe Clean"/>
               </a:rPr>
-              <a:t>Cloud</a:t>
-            </a:r>
-            <a:r>
-              <a:rPr sz="1400" b="1" spc="-45" dirty="0">
-                <a:solidFill>
-                  <a:srgbClr val="020302"/>
-                </a:solidFill>
-                <a:latin typeface="Adobe Clean"/>
-                <a:cs typeface="Adobe Clean"/>
-              </a:rPr>
-              <a:t> </a:t>
-            </a:r>
-            <a:r>
-              <a:rPr sz="1400" b="1" spc="-15" dirty="0">
-                <a:solidFill>
-                  <a:srgbClr val="020302"/>
-                </a:solidFill>
-                <a:latin typeface="Adobe Clean"/>
-                <a:cs typeface="Adobe Clean"/>
-              </a:rPr>
-              <a:t>Support</a:t>
-            </a:r>
-            <a:r>
-              <a:rPr sz="1400" b="1" spc="-50" dirty="0">
-                <a:solidFill>
-                  <a:srgbClr val="020302"/>
-                </a:solidFill>
-                <a:latin typeface="Adobe Clean"/>
-                <a:cs typeface="Adobe Clean"/>
-              </a:rPr>
-              <a:t> </a:t>
-            </a:r>
-            <a:r>
-              <a:rPr sz="1400" b="1" spc="-15" dirty="0">
-                <a:solidFill>
-                  <a:srgbClr val="020302"/>
-                </a:solidFill>
-                <a:latin typeface="Adobe Clean"/>
-                <a:cs typeface="Adobe Clean"/>
-              </a:rPr>
-              <a:t>Activities</a:t>
-            </a:r>
-            <a:r>
-              <a:rPr lang="en-US" sz="1400" b="1" spc="-15" dirty="0">
-                <a:solidFill>
-                  <a:srgbClr val="020302"/>
-                </a:solidFill>
-                <a:latin typeface="Adobe Clean"/>
-                <a:cs typeface="Adobe Clean"/>
-              </a:rPr>
-              <a:t> - AEM</a:t>
-            </a:r>
-            <a:endParaRPr sz="1400" dirty="0">
-              <a:latin typeface="Adobe Clean"/>
-              <a:cs typeface="Adobe Clean"/>
-            </a:endParaRPr>
+              <a:t>Activités d’assistance dans le Cloud - AEM</a:t>
+            </a:r>
           </a:p>
         </p:txBody>
       </p:sp>
@@ -13600,7 +12304,7 @@
         <p:spPr>
           <a:xfrm>
             <a:off x="924894" y="814263"/>
-            <a:ext cx="2321477" cy="45719"/>
+            <a:ext cx="3113706" cy="84239"/>
           </a:xfrm>
           <a:custGeom>
             <a:avLst/>
@@ -13703,6 +12407,10 @@
           </p:nvPr>
         </p:nvSpPr>
         <p:spPr>
+          <a:xfrm>
+            <a:off x="97787" y="9861195"/>
+            <a:ext cx="2874013" cy="133370"/>
+          </a:xfrm>
           <a:prstGeom prst="rect">
             <a:avLst/>
           </a:prstGeom>
@@ -13722,36 +12430,24 @@
               </a:spcBef>
             </a:pPr>
             <a:r>
-              <a:rPr spc="-5" dirty="0"/>
-              <a:t>©2021 Adobe. All</a:t>
-            </a:r>
-            <a:r>
-              <a:rPr spc="-15" dirty="0"/>
-              <a:t> Rights</a:t>
-            </a:r>
-            <a:r>
-              <a:rPr spc="-10" dirty="0"/>
+              <a:rPr lang="fr-FR" dirty="0"/>
+              <a:t>©2021 Adobe. All </a:t>
+            </a:r>
+            <a:r>
+              <a:rPr lang="fr-FR" dirty="0" err="1"/>
+              <a:t>Rights</a:t>
+            </a:r>
+            <a:r>
+              <a:rPr lang="fr-FR" dirty="0"/>
               <a:t> </a:t>
             </a:r>
             <a:r>
-              <a:rPr spc="-15" dirty="0"/>
-              <a:t>Reserved.</a:t>
-            </a:r>
-            <a:r>
-              <a:rPr spc="-10" dirty="0"/>
-              <a:t> </a:t>
-            </a:r>
-            <a:r>
-              <a:rPr spc="-5" dirty="0"/>
-              <a:t>Adobe</a:t>
-            </a:r>
-            <a:r>
-              <a:rPr spc="60" dirty="0"/>
-              <a:t> </a:t>
-            </a:r>
-            <a:r>
-              <a:rPr spc="-15" dirty="0"/>
-              <a:t>Confidential.</a:t>
+              <a:rPr lang="fr-FR" dirty="0" err="1"/>
+              <a:t>Reserved</a:t>
+            </a:r>
+            <a:r>
+              <a:rPr lang="fr-FR" dirty="0"/>
+              <a:t>. Données confidentielles Adobe</a:t>
             </a:r>
           </a:p>
         </p:txBody>
@@ -13807,8 +12503,8 @@
           <a:p>
             <a:pPr algn="ctr"/>
             <a:r>
-              <a:rPr lang="en-US" sz="1600" dirty="0"/>
-              <a:t>Run &amp; Operate</a:t>
+              <a:rPr lang="fr-FR" sz="1600"/>
+              <a:t>Exécuter et faire fonctionner</a:t>
             </a:r>
           </a:p>
         </p:txBody>
@@ -13864,8 +12560,8 @@
           <a:p>
             <a:pPr algn="ctr"/>
             <a:r>
-              <a:rPr lang="en-US" sz="1600" dirty="0"/>
-              <a:t>Implementation</a:t>
+              <a:rPr lang="fr-FR" sz="1600"/>
+              <a:t>Implémentation</a:t>
             </a:r>
           </a:p>
         </p:txBody>
@@ -13884,7 +12580,7 @@
         </p:nvSpPr>
         <p:spPr>
           <a:xfrm>
-            <a:off x="2918286" y="3586760"/>
+            <a:off x="2918286" y="3472190"/>
             <a:ext cx="933111" cy="261610"/>
           </a:xfrm>
           <a:prstGeom prst="rect">
@@ -13900,8 +12596,8 @@
           <a:p>
             <a:pPr algn="ctr"/>
             <a:r>
-              <a:rPr lang="en-US" sz="1100" dirty="0"/>
-              <a:t>Post Launch</a:t>
+              <a:rPr lang="fr-FR" sz="1100" dirty="0"/>
+              <a:t>Post-lancement</a:t>
             </a:r>
           </a:p>
         </p:txBody>
@@ -13936,8 +12632,8 @@
           <a:p>
             <a:pPr algn="ctr"/>
             <a:r>
-              <a:rPr lang="en-US" sz="1100" dirty="0"/>
-              <a:t>Go-Live</a:t>
+              <a:rPr lang="fr-FR" sz="1100"/>
+              <a:t>Activation</a:t>
             </a:r>
           </a:p>
         </p:txBody>
@@ -13972,8 +12668,8 @@
           <a:p>
             <a:pPr algn="ctr"/>
             <a:r>
-              <a:rPr lang="en-US" sz="1100" dirty="0"/>
-              <a:t>Define</a:t>
+              <a:rPr lang="fr-FR" sz="1100"/>
+              <a:t>Définition</a:t>
             </a:r>
           </a:p>
         </p:txBody>
@@ -14008,8 +12704,8 @@
           <a:p>
             <a:pPr algn="ctr"/>
             <a:r>
-              <a:rPr lang="en-US" sz="1100" dirty="0"/>
-              <a:t>Kickoff</a:t>
+              <a:rPr lang="fr-FR" sz="1100"/>
+              <a:t>Lancement</a:t>
             </a:r>
           </a:p>
         </p:txBody>
@@ -14044,8 +12740,8 @@
           <a:p>
             <a:pPr algn="ctr"/>
             <a:r>
-              <a:rPr lang="en-US" sz="1100" dirty="0"/>
-              <a:t>Design</a:t>
+              <a:rPr lang="fr-FR" sz="1100"/>
+              <a:t>Conception</a:t>
             </a:r>
           </a:p>
         </p:txBody>
@@ -14102,14 +12798,14 @@
           <a:p>
             <a:pPr algn="ctr"/>
             <a:r>
-              <a:rPr lang="en-US" sz="1400" dirty="0">
+              <a:rPr lang="fr-FR" sz="1400">
                 <a:solidFill>
                   <a:schemeClr val="accent1">
                     <a:lumMod val="50000"/>
                   </a:schemeClr>
                 </a:solidFill>
               </a:rPr>
-              <a:t>4 Activities per Year</a:t>
+              <a:t>4 activités par an</a:t>
             </a:r>
           </a:p>
         </p:txBody>
@@ -14150,20 +12846,14 @@
               </a:spcBef>
             </a:pPr>
             <a:r>
-              <a:rPr lang="en-US" sz="1000" dirty="0">
+              <a:rPr lang="fr-FR" sz="1000">
                 <a:solidFill>
                   <a:srgbClr val="4B4B4B"/>
                 </a:solidFill>
                 <a:latin typeface="Adobe Clean Light" panose="020B0303020404020204" pitchFamily="34" charset="0"/>
               </a:rPr>
-              <a:t>Drive adoption of customization best practices and core components in AEM as a Cloud Service</a:t>
-            </a:r>
-            <a:endParaRPr sz="1000" dirty="0">
-              <a:solidFill>
-                <a:srgbClr val="4B4B4B"/>
-              </a:solidFill>
-              <a:latin typeface="Adobe Clean Light" panose="020B0303020404020204" pitchFamily="34" charset="0"/>
-            </a:endParaRPr>
+              <a:t>Encouragez l’adoption des bonnes pratiques de personnalisation et des composants principaux dans AEM as a Cloud Service</a:t>
+            </a:r>
           </a:p>
         </p:txBody>
       </p:sp>
@@ -14203,20 +12893,48 @@
               </a:spcBef>
             </a:pPr>
             <a:r>
-              <a:rPr lang="en-US" sz="1000" dirty="0">
+              <a:rPr lang="fr-FR" sz="1000" dirty="0">
                 <a:solidFill>
                   <a:srgbClr val="4B4B4B"/>
                 </a:solidFill>
                 <a:latin typeface="Adobe Clean Light" panose="020B0303020404020204" pitchFamily="34" charset="0"/>
               </a:rPr>
-              <a:t>Identify, review and provide recommendations on customized solution adoption areas that have opportunities for optimization</a:t>
-            </a:r>
-            <a:endParaRPr sz="1000" dirty="0">
-              <a:solidFill>
-                <a:srgbClr val="4B4B4B"/>
-              </a:solidFill>
-              <a:latin typeface="Adobe Clean Light" panose="020B0303020404020204" pitchFamily="34" charset="0"/>
-            </a:endParaRPr>
+              <a:t>Identifiez, examinez et fournissez </a:t>
+            </a:r>
+            <a:br>
+              <a:rPr lang="sk-SK" sz="1000" dirty="0">
+                <a:solidFill>
+                  <a:srgbClr val="4B4B4B"/>
+                </a:solidFill>
+                <a:latin typeface="Adobe Clean Light" panose="020B0303020404020204" pitchFamily="34" charset="0"/>
+              </a:rPr>
+            </a:br>
+            <a:r>
+              <a:rPr lang="fr-FR" sz="1000" dirty="0">
+                <a:solidFill>
+                  <a:srgbClr val="4B4B4B"/>
+                </a:solidFill>
+                <a:latin typeface="Adobe Clean Light" panose="020B0303020404020204" pitchFamily="34" charset="0"/>
+              </a:rPr>
+              <a:t>des recommandations sur les domaines d’adoption de solutions personnalisées </a:t>
+            </a:r>
+            <a:br>
+              <a:rPr lang="sk-SK" sz="1000" dirty="0">
+                <a:solidFill>
+                  <a:srgbClr val="4B4B4B"/>
+                </a:solidFill>
+                <a:latin typeface="Adobe Clean Light" panose="020B0303020404020204" pitchFamily="34" charset="0"/>
+              </a:rPr>
+            </a:br>
+            <a:r>
+              <a:rPr lang="fr-FR" sz="1000" dirty="0">
+                <a:solidFill>
+                  <a:srgbClr val="4B4B4B"/>
+                </a:solidFill>
+                <a:latin typeface="Adobe Clean Light" panose="020B0303020404020204" pitchFamily="34" charset="0"/>
+              </a:rPr>
+              <a:t>qui offrent des opportunités d’optimisation</a:t>
+            </a:r>
           </a:p>
         </p:txBody>
       </p:sp>
@@ -14235,7 +12953,7 @@
         <p:spPr>
           <a:xfrm>
             <a:off x="355868" y="1417898"/>
-            <a:ext cx="2194560" cy="717376"/>
+            <a:ext cx="2194560" cy="899670"/>
           </a:xfrm>
           <a:prstGeom prst="rect">
             <a:avLst/>
@@ -14256,20 +12974,48 @@
               </a:spcBef>
             </a:pPr>
             <a:r>
-              <a:rPr lang="en-US" sz="1000" dirty="0">
+              <a:rPr lang="fr-FR" sz="1000" dirty="0">
                 <a:solidFill>
                   <a:srgbClr val="4B4B4B"/>
                 </a:solidFill>
                 <a:latin typeface="Adobe Clean Light" panose="020B0303020404020204" pitchFamily="34" charset="0"/>
               </a:rPr>
-              <a:t>Technical &amp; operational governance to assist AEM as a Cloud Service Customers in adhering to industry standards and best practices for AEM as a Cloud Service</a:t>
-            </a:r>
-            <a:endParaRPr sz="1000" dirty="0">
-              <a:solidFill>
-                <a:srgbClr val="4B4B4B"/>
-              </a:solidFill>
-              <a:latin typeface="Adobe Clean Light" panose="020B0303020404020204" pitchFamily="34" charset="0"/>
-            </a:endParaRPr>
+              <a:t>Gouvernance technique et opérationnelle permettant d’aider les clients d’AEM </a:t>
+            </a:r>
+            <a:br>
+              <a:rPr lang="sk-SK" sz="1000" dirty="0">
+                <a:solidFill>
+                  <a:srgbClr val="4B4B4B"/>
+                </a:solidFill>
+                <a:latin typeface="Adobe Clean Light" panose="020B0303020404020204" pitchFamily="34" charset="0"/>
+              </a:rPr>
+            </a:br>
+            <a:r>
+              <a:rPr lang="fr-FR" sz="1000" dirty="0">
+                <a:solidFill>
+                  <a:srgbClr val="4B4B4B"/>
+                </a:solidFill>
+                <a:latin typeface="Adobe Clean Light" panose="020B0303020404020204" pitchFamily="34" charset="0"/>
+              </a:rPr>
+              <a:t>as a Cloud Service à respecter les normes du secteur et les bonnes pratiques d’AEM </a:t>
+            </a:r>
+            <a:br>
+              <a:rPr lang="sk-SK" sz="1000" dirty="0">
+                <a:solidFill>
+                  <a:srgbClr val="4B4B4B"/>
+                </a:solidFill>
+                <a:latin typeface="Adobe Clean Light" panose="020B0303020404020204" pitchFamily="34" charset="0"/>
+              </a:rPr>
+            </a:br>
+            <a:r>
+              <a:rPr lang="fr-FR" sz="1000" dirty="0">
+                <a:solidFill>
+                  <a:srgbClr val="4B4B4B"/>
+                </a:solidFill>
+                <a:latin typeface="Adobe Clean Light" panose="020B0303020404020204" pitchFamily="34" charset="0"/>
+              </a:rPr>
+              <a:t>as a Cloud Service</a:t>
+            </a:r>
           </a:p>
         </p:txBody>
       </p:sp>
@@ -14288,7 +13034,7 @@
         <p:spPr>
           <a:xfrm>
             <a:off x="5181600" y="936612"/>
-            <a:ext cx="1972258" cy="461665"/>
+            <a:ext cx="1972258" cy="646331"/>
           </a:xfrm>
           <a:prstGeom prst="rect">
             <a:avLst/>
@@ -14309,489 +13055,53 @@
               </a:spcBef>
             </a:pPr>
             <a:r>
-              <a:rPr lang="en-US" sz="1200" b="1" spc="-15" dirty="0">
+              <a:rPr lang="fr-FR" sz="1200" b="1" dirty="0">
                 <a:solidFill>
                   <a:srgbClr val="020302"/>
                 </a:solidFill>
                 <a:latin typeface="Adobe Clean"/>
                 <a:cs typeface="Adobe Clean"/>
               </a:rPr>
-              <a:t>C</a:t>
-            </a:r>
-            <a:r>
-              <a:rPr lang="en-US" sz="1200" b="1" spc="-20" dirty="0">
+              <a:t>Bonnes pratiques </a:t>
+            </a:r>
+            <a:br>
+              <a:rPr lang="sk-SK" sz="1200" b="1" dirty="0">
                 <a:solidFill>
                   <a:srgbClr val="020302"/>
                 </a:solidFill>
                 <a:latin typeface="Adobe Clean"/>
                 <a:cs typeface="Adobe Clean"/>
               </a:rPr>
-              <a:t>u</a:t>
-            </a:r>
-            <a:r>
-              <a:rPr lang="en-US" sz="1200" b="1" spc="-25" dirty="0">
+            </a:br>
+            <a:r>
+              <a:rPr lang="fr-FR" sz="1200" b="1" dirty="0">
                 <a:solidFill>
                   <a:srgbClr val="020302"/>
                 </a:solidFill>
                 <a:latin typeface="Adobe Clean"/>
                 <a:cs typeface="Adobe Clean"/>
               </a:rPr>
-              <a:t>st</a:t>
-            </a:r>
-            <a:r>
-              <a:rPr lang="en-US" sz="1200" b="1" spc="-15" dirty="0">
+              <a:t>de personnalisation d’AEM </a:t>
+            </a:r>
+            <a:br>
+              <a:rPr lang="sk-SK" sz="1200" b="1" dirty="0">
                 <a:solidFill>
                   <a:srgbClr val="020302"/>
                 </a:solidFill>
                 <a:latin typeface="Adobe Clean"/>
                 <a:cs typeface="Adobe Clean"/>
               </a:rPr>
-              <a:t>o</a:t>
-            </a:r>
-            <a:r>
-              <a:rPr lang="en-US" sz="1200" b="1" spc="-20" dirty="0">
+            </a:br>
+            <a:r>
+              <a:rPr lang="fr-FR" sz="1200" b="1" dirty="0">
                 <a:solidFill>
                   <a:srgbClr val="020302"/>
                 </a:solidFill>
                 <a:latin typeface="Adobe Clean"/>
                 <a:cs typeface="Adobe Clean"/>
               </a:rPr>
-              <a:t>miza</a:t>
-            </a:r>
-            <a:r>
-              <a:rPr lang="en-US" sz="1200" b="1" spc="-25" dirty="0">
-                <a:solidFill>
-                  <a:srgbClr val="020302"/>
-                </a:solidFill>
-                <a:latin typeface="Adobe Clean"/>
-                <a:cs typeface="Adobe Clean"/>
-              </a:rPr>
-              <a:t>t</a:t>
-            </a:r>
-            <a:r>
-              <a:rPr lang="en-US" sz="1200" b="1" spc="-20" dirty="0">
-                <a:solidFill>
-                  <a:srgbClr val="020302"/>
-                </a:solidFill>
-                <a:latin typeface="Adobe Clean"/>
-                <a:cs typeface="Adobe Clean"/>
-              </a:rPr>
-              <a:t>i</a:t>
-            </a:r>
-            <a:r>
-              <a:rPr lang="en-US" sz="1200" b="1" spc="-15" dirty="0">
-                <a:solidFill>
-                  <a:srgbClr val="020302"/>
-                </a:solidFill>
-                <a:latin typeface="Adobe Clean"/>
-                <a:cs typeface="Adobe Clean"/>
-              </a:rPr>
-              <a:t>o</a:t>
-            </a:r>
-            <a:r>
-              <a:rPr lang="en-US" sz="1200" b="1" dirty="0">
-                <a:solidFill>
-                  <a:srgbClr val="020302"/>
-                </a:solidFill>
-                <a:latin typeface="Adobe Clean"/>
-                <a:cs typeface="Adobe Clean"/>
-              </a:rPr>
-              <a:t>n</a:t>
-            </a:r>
-            <a:r>
-              <a:rPr lang="en-US" sz="1200" b="1" spc="-50" dirty="0">
-                <a:solidFill>
-                  <a:srgbClr val="020302"/>
-                </a:solidFill>
-                <a:latin typeface="Adobe Clean"/>
-                <a:cs typeface="Adobe Clean"/>
-              </a:rPr>
-              <a:t> </a:t>
-            </a:r>
-            <a:r>
-              <a:rPr lang="en-US" sz="1200" b="1" spc="-20" dirty="0">
-                <a:solidFill>
-                  <a:srgbClr val="020302"/>
-                </a:solidFill>
-                <a:latin typeface="Adobe Clean"/>
-                <a:cs typeface="Adobe Clean"/>
-              </a:rPr>
-              <a:t>B</a:t>
-            </a:r>
-            <a:r>
-              <a:rPr lang="en-US" sz="1200" b="1" spc="-25" dirty="0">
-                <a:solidFill>
-                  <a:srgbClr val="020302"/>
-                </a:solidFill>
-                <a:latin typeface="Adobe Clean"/>
-                <a:cs typeface="Adobe Clean"/>
-              </a:rPr>
-              <a:t>es</a:t>
-            </a:r>
-            <a:r>
-              <a:rPr lang="en-US" sz="1200" b="1" dirty="0">
-                <a:solidFill>
-                  <a:srgbClr val="020302"/>
-                </a:solidFill>
-                <a:latin typeface="Adobe Clean"/>
-                <a:cs typeface="Adobe Clean"/>
-              </a:rPr>
-              <a:t>t</a:t>
-            </a:r>
-            <a:r>
-              <a:rPr lang="en-US" sz="1200" b="1" spc="-50" dirty="0">
-                <a:solidFill>
-                  <a:srgbClr val="020302"/>
-                </a:solidFill>
-                <a:latin typeface="Adobe Clean"/>
-                <a:cs typeface="Adobe Clean"/>
-              </a:rPr>
-              <a:t> </a:t>
-            </a:r>
-            <a:r>
-              <a:rPr lang="en-US" sz="1200" b="1" spc="-25" dirty="0">
-                <a:solidFill>
-                  <a:srgbClr val="020302"/>
-                </a:solidFill>
-                <a:latin typeface="Adobe Clean"/>
-                <a:cs typeface="Adobe Clean"/>
-              </a:rPr>
-              <a:t>P</a:t>
-            </a:r>
-            <a:r>
-              <a:rPr lang="en-US" sz="1200" b="1" spc="-20" dirty="0">
-                <a:solidFill>
-                  <a:srgbClr val="020302"/>
-                </a:solidFill>
-                <a:latin typeface="Adobe Clean"/>
-                <a:cs typeface="Adobe Clean"/>
-              </a:rPr>
-              <a:t>ra</a:t>
-            </a:r>
-            <a:r>
-              <a:rPr lang="en-US" sz="1200" b="1" spc="-30" dirty="0">
-                <a:solidFill>
-                  <a:srgbClr val="020302"/>
-                </a:solidFill>
-                <a:latin typeface="Adobe Clean"/>
-                <a:cs typeface="Adobe Clean"/>
-              </a:rPr>
-              <a:t>c</a:t>
-            </a:r>
-            <a:r>
-              <a:rPr lang="en-US" sz="1200" b="1" spc="-25" dirty="0">
-                <a:solidFill>
-                  <a:srgbClr val="020302"/>
-                </a:solidFill>
-                <a:latin typeface="Adobe Clean"/>
-                <a:cs typeface="Adobe Clean"/>
-              </a:rPr>
-              <a:t>t</a:t>
-            </a:r>
-            <a:r>
-              <a:rPr lang="en-US" sz="1200" b="1" spc="-20" dirty="0">
-                <a:solidFill>
-                  <a:srgbClr val="020302"/>
-                </a:solidFill>
-                <a:latin typeface="Adobe Clean"/>
-                <a:cs typeface="Adobe Clean"/>
-              </a:rPr>
-              <a:t>i</a:t>
-            </a:r>
-            <a:r>
-              <a:rPr lang="en-US" sz="1200" b="1" spc="-30" dirty="0">
-                <a:solidFill>
-                  <a:srgbClr val="020302"/>
-                </a:solidFill>
-                <a:latin typeface="Adobe Clean"/>
-                <a:cs typeface="Adobe Clean"/>
-              </a:rPr>
-              <a:t>c</a:t>
-            </a:r>
-            <a:r>
-              <a:rPr lang="en-US" sz="1200" b="1" spc="-25" dirty="0">
-                <a:solidFill>
-                  <a:srgbClr val="020302"/>
-                </a:solidFill>
-                <a:latin typeface="Adobe Clean"/>
-                <a:cs typeface="Adobe Clean"/>
-              </a:rPr>
-              <a:t>e</a:t>
-            </a:r>
-            <a:r>
-              <a:rPr lang="en-US" sz="1200" b="1" dirty="0">
-                <a:solidFill>
-                  <a:srgbClr val="020302"/>
-                </a:solidFill>
-                <a:latin typeface="Adobe Clean"/>
-                <a:cs typeface="Adobe Clean"/>
-              </a:rPr>
-              <a:t>s</a:t>
-            </a:r>
-            <a:r>
-              <a:rPr lang="en-US" sz="1200" b="1" spc="-45" dirty="0">
-                <a:solidFill>
-                  <a:srgbClr val="020302"/>
-                </a:solidFill>
-                <a:latin typeface="Adobe Clean"/>
-                <a:cs typeface="Adobe Clean"/>
-              </a:rPr>
-              <a:t> </a:t>
-            </a:r>
-            <a:r>
-              <a:rPr lang="en-US" sz="1200" b="1" spc="-25" dirty="0">
-                <a:solidFill>
-                  <a:srgbClr val="020302"/>
-                </a:solidFill>
-                <a:latin typeface="Adobe Clean"/>
-                <a:cs typeface="Adobe Clean"/>
-              </a:rPr>
-              <a:t>f</a:t>
-            </a:r>
-            <a:r>
-              <a:rPr lang="en-US" sz="1200" b="1" spc="-15" dirty="0">
-                <a:solidFill>
-                  <a:srgbClr val="020302"/>
-                </a:solidFill>
-                <a:latin typeface="Adobe Clean"/>
-                <a:cs typeface="Adobe Clean"/>
-              </a:rPr>
-              <a:t>o</a:t>
-            </a:r>
-            <a:r>
-              <a:rPr lang="en-US" sz="1200" b="1" dirty="0">
-                <a:solidFill>
-                  <a:srgbClr val="020302"/>
-                </a:solidFill>
-                <a:latin typeface="Adobe Clean"/>
-                <a:cs typeface="Adobe Clean"/>
-              </a:rPr>
-              <a:t>r</a:t>
-            </a:r>
-            <a:r>
-              <a:rPr lang="en-US" sz="1200" b="1" spc="-45" dirty="0">
-                <a:solidFill>
-                  <a:srgbClr val="020302"/>
-                </a:solidFill>
-                <a:latin typeface="Adobe Clean"/>
-                <a:cs typeface="Adobe Clean"/>
-              </a:rPr>
-              <a:t> </a:t>
-            </a:r>
-            <a:r>
-              <a:rPr lang="en-US" sz="1200" b="1" spc="-30" dirty="0">
-                <a:solidFill>
-                  <a:srgbClr val="020302"/>
-                </a:solidFill>
-                <a:latin typeface="Adobe Clean"/>
-                <a:cs typeface="Adobe Clean"/>
-              </a:rPr>
-              <a:t>AE</a:t>
-            </a:r>
-            <a:r>
-              <a:rPr lang="en-US" sz="1200" b="1" dirty="0">
-                <a:solidFill>
-                  <a:srgbClr val="020302"/>
-                </a:solidFill>
-                <a:latin typeface="Adobe Clean"/>
-                <a:cs typeface="Adobe Clean"/>
-              </a:rPr>
-              <a:t>M</a:t>
-            </a:r>
-            <a:r>
-              <a:rPr lang="en-US" sz="1200" b="1" spc="-55" dirty="0">
-                <a:solidFill>
-                  <a:srgbClr val="020302"/>
-                </a:solidFill>
-                <a:latin typeface="Adobe Clean"/>
-                <a:cs typeface="Adobe Clean"/>
-              </a:rPr>
-              <a:t> </a:t>
-            </a:r>
-            <a:r>
-              <a:rPr lang="en-US" sz="1200" b="1" spc="-20" dirty="0">
-                <a:solidFill>
-                  <a:srgbClr val="020302"/>
-                </a:solidFill>
-                <a:latin typeface="Adobe Clean"/>
-                <a:cs typeface="Adobe Clean"/>
-              </a:rPr>
-              <a:t>a</a:t>
-            </a:r>
-            <a:r>
-              <a:rPr lang="en-US" sz="1200" b="1" dirty="0">
-                <a:solidFill>
-                  <a:srgbClr val="020302"/>
-                </a:solidFill>
-                <a:latin typeface="Adobe Clean"/>
-                <a:cs typeface="Adobe Clean"/>
-              </a:rPr>
-              <a:t>s</a:t>
-            </a:r>
-            <a:r>
-              <a:rPr lang="en-US" sz="1200" b="1" spc="-45" dirty="0">
-                <a:solidFill>
-                  <a:srgbClr val="020302"/>
-                </a:solidFill>
-                <a:latin typeface="Adobe Clean"/>
-                <a:cs typeface="Adobe Clean"/>
-              </a:rPr>
-              <a:t> </a:t>
-            </a:r>
-            <a:r>
-              <a:rPr lang="en-US" sz="1200" b="1" dirty="0">
-                <a:solidFill>
-                  <a:srgbClr val="020302"/>
-                </a:solidFill>
-                <a:latin typeface="Adobe Clean"/>
-                <a:cs typeface="Adobe Clean"/>
-              </a:rPr>
-              <a:t>a</a:t>
-            </a:r>
-            <a:r>
-              <a:rPr lang="en-US" sz="1200" b="1" spc="-45" dirty="0">
-                <a:solidFill>
-                  <a:srgbClr val="020302"/>
-                </a:solidFill>
-                <a:latin typeface="Adobe Clean"/>
-                <a:cs typeface="Adobe Clean"/>
-              </a:rPr>
-              <a:t> </a:t>
-            </a:r>
-            <a:r>
-              <a:rPr lang="en-US" sz="1200" b="1" spc="-15" dirty="0">
-                <a:solidFill>
-                  <a:srgbClr val="020302"/>
-                </a:solidFill>
-                <a:latin typeface="Adobe Clean"/>
-                <a:cs typeface="Adobe Clean"/>
-              </a:rPr>
-              <a:t>C</a:t>
-            </a:r>
-            <a:r>
-              <a:rPr lang="en-US" sz="1200" b="1" spc="-25" dirty="0">
-                <a:solidFill>
-                  <a:srgbClr val="020302"/>
-                </a:solidFill>
-                <a:latin typeface="Adobe Clean"/>
-                <a:cs typeface="Adobe Clean"/>
-              </a:rPr>
-              <a:t>l</a:t>
-            </a:r>
-            <a:r>
-              <a:rPr lang="en-US" sz="1200" b="1" spc="-15" dirty="0">
-                <a:solidFill>
-                  <a:srgbClr val="020302"/>
-                </a:solidFill>
-                <a:latin typeface="Adobe Clean"/>
-                <a:cs typeface="Adobe Clean"/>
-              </a:rPr>
-              <a:t>o</a:t>
-            </a:r>
-            <a:r>
-              <a:rPr lang="en-US" sz="1200" b="1" spc="-20" dirty="0">
-                <a:solidFill>
-                  <a:srgbClr val="020302"/>
-                </a:solidFill>
-                <a:latin typeface="Adobe Clean"/>
-                <a:cs typeface="Adobe Clean"/>
-              </a:rPr>
-              <a:t>u</a:t>
-            </a:r>
-            <a:r>
-              <a:rPr lang="en-US" sz="1200" b="1" dirty="0">
-                <a:solidFill>
-                  <a:srgbClr val="020302"/>
-                </a:solidFill>
-                <a:latin typeface="Adobe Clean"/>
-                <a:cs typeface="Adobe Clean"/>
-              </a:rPr>
-              <a:t>d</a:t>
-            </a:r>
-            <a:r>
-              <a:rPr lang="en-US" sz="1200" b="1" spc="-50" dirty="0">
-                <a:solidFill>
-                  <a:srgbClr val="020302"/>
-                </a:solidFill>
-                <a:latin typeface="Adobe Clean"/>
-                <a:cs typeface="Adobe Clean"/>
-              </a:rPr>
-              <a:t> </a:t>
-            </a:r>
-            <a:r>
-              <a:rPr lang="en-US" sz="1200" b="1" spc="-20" dirty="0">
-                <a:solidFill>
-                  <a:srgbClr val="020302"/>
-                </a:solidFill>
-                <a:latin typeface="Adobe Clean"/>
-                <a:cs typeface="Adobe Clean"/>
-              </a:rPr>
-              <a:t>S</a:t>
-            </a:r>
-            <a:r>
-              <a:rPr lang="en-US" sz="1200" b="1" spc="-25" dirty="0">
-                <a:solidFill>
-                  <a:srgbClr val="020302"/>
-                </a:solidFill>
-                <a:latin typeface="Adobe Clean"/>
-                <a:cs typeface="Adobe Clean"/>
-              </a:rPr>
-              <a:t>e</a:t>
-            </a:r>
-            <a:r>
-              <a:rPr lang="en-US" sz="1200" b="1" spc="-20" dirty="0">
-                <a:solidFill>
-                  <a:srgbClr val="020302"/>
-                </a:solidFill>
-                <a:latin typeface="Adobe Clean"/>
-                <a:cs typeface="Adobe Clean"/>
-              </a:rPr>
-              <a:t>r</a:t>
-            </a:r>
-            <a:r>
-              <a:rPr lang="en-US" sz="1200" b="1" spc="-30" dirty="0">
-                <a:solidFill>
-                  <a:srgbClr val="020302"/>
-                </a:solidFill>
-                <a:latin typeface="Adobe Clean"/>
-                <a:cs typeface="Adobe Clean"/>
-              </a:rPr>
-              <a:t>v</a:t>
-            </a:r>
-            <a:r>
-              <a:rPr lang="en-US" sz="1200" b="1" spc="-20" dirty="0">
-                <a:solidFill>
-                  <a:srgbClr val="020302"/>
-                </a:solidFill>
-                <a:latin typeface="Adobe Clean"/>
-                <a:cs typeface="Adobe Clean"/>
-              </a:rPr>
-              <a:t>i</a:t>
-            </a:r>
-            <a:r>
-              <a:rPr lang="en-US" sz="1200" b="1" spc="-30" dirty="0">
-                <a:solidFill>
-                  <a:srgbClr val="020302"/>
-                </a:solidFill>
-                <a:latin typeface="Adobe Clean"/>
-                <a:cs typeface="Adobe Clean"/>
-              </a:rPr>
-              <a:t>c</a:t>
-            </a:r>
-            <a:r>
-              <a:rPr lang="en-US" sz="1200" b="1" dirty="0">
-                <a:solidFill>
-                  <a:srgbClr val="020302"/>
-                </a:solidFill>
-                <a:latin typeface="Adobe Clean"/>
-                <a:cs typeface="Adobe Clean"/>
-              </a:rPr>
-              <a:t>e</a:t>
-            </a:r>
-            <a:endParaRPr lang="en-US" sz="1200" dirty="0">
-              <a:latin typeface="Adobe Clean"/>
-              <a:cs typeface="Adobe Clean"/>
-            </a:endParaRPr>
+              <a:t>as a Cloud Service</a:t>
+            </a:r>
           </a:p>
         </p:txBody>
       </p:sp>
@@ -14810,7 +13120,7 @@
         <p:spPr>
           <a:xfrm>
             <a:off x="2752588" y="908302"/>
-            <a:ext cx="1708650" cy="461665"/>
+            <a:ext cx="1708650" cy="646331"/>
           </a:xfrm>
           <a:prstGeom prst="rect">
             <a:avLst/>
@@ -14831,19 +13141,34 @@
               </a:spcBef>
             </a:pPr>
             <a:r>
-              <a:rPr lang="en-US" sz="1200" b="1" spc="-25" dirty="0">
+              <a:rPr lang="fr-FR" sz="1200" b="1" dirty="0">
                 <a:solidFill>
                   <a:srgbClr val="020302"/>
                 </a:solidFill>
                 <a:latin typeface="Adobe Clean"/>
                 <a:cs typeface="Adobe Clean"/>
               </a:rPr>
-              <a:t>Value-added Services for AEM as a Cloud Service</a:t>
-            </a:r>
-            <a:endParaRPr lang="en-US" sz="1200" dirty="0">
-              <a:latin typeface="Adobe Clean"/>
-              <a:cs typeface="Adobe Clean"/>
-            </a:endParaRPr>
+              <a:t>Services de valeur ajoutée d’AEM </a:t>
+            </a:r>
+            <a:br>
+              <a:rPr lang="sk-SK" sz="1200" b="1" dirty="0">
+                <a:solidFill>
+                  <a:srgbClr val="020302"/>
+                </a:solidFill>
+                <a:latin typeface="Adobe Clean"/>
+                <a:cs typeface="Adobe Clean"/>
+              </a:rPr>
+            </a:br>
+            <a:r>
+              <a:rPr lang="fr-FR" sz="1200" b="1" dirty="0">
+                <a:solidFill>
+                  <a:srgbClr val="020302"/>
+                </a:solidFill>
+                <a:latin typeface="Adobe Clean"/>
+                <a:cs typeface="Adobe Clean"/>
+              </a:rPr>
+              <a:t>as a Cloud Service</a:t>
+            </a:r>
           </a:p>
         </p:txBody>
       </p:sp>
@@ -14883,359 +13208,34 @@
               </a:spcBef>
             </a:pPr>
             <a:r>
-              <a:rPr lang="en-US" sz="1200" b="1" spc="-20" dirty="0">
+              <a:rPr lang="fr-FR" sz="1200" b="1" dirty="0">
                 <a:solidFill>
                   <a:srgbClr val="020302"/>
                 </a:solidFill>
                 <a:latin typeface="Adobe Clean"/>
                 <a:cs typeface="Adobe Clean"/>
               </a:rPr>
-              <a:t>G</a:t>
-            </a:r>
-            <a:r>
-              <a:rPr lang="en-US" sz="1200" b="1" spc="-15" dirty="0">
+              <a:t>Gouvernance d’AEM </a:t>
+            </a:r>
+            <a:br>
+              <a:rPr lang="sk-SK" sz="1200" b="1" dirty="0">
                 <a:solidFill>
                   <a:srgbClr val="020302"/>
                 </a:solidFill>
                 <a:latin typeface="Adobe Clean"/>
                 <a:cs typeface="Adobe Clean"/>
               </a:rPr>
-              <a:t>o</a:t>
-            </a:r>
-            <a:r>
-              <a:rPr lang="en-US" sz="1200" b="1" spc="-25" dirty="0">
+            </a:br>
+            <a:r>
+              <a:rPr lang="fr-FR" sz="1200" b="1" dirty="0">
                 <a:solidFill>
                   <a:srgbClr val="020302"/>
                 </a:solidFill>
                 <a:latin typeface="Adobe Clean"/>
                 <a:cs typeface="Adobe Clean"/>
               </a:rPr>
-              <a:t>ve</a:t>
-            </a:r>
-            <a:r>
-              <a:rPr lang="en-US" sz="1200" b="1" spc="-20" dirty="0">
-                <a:solidFill>
-                  <a:srgbClr val="020302"/>
-                </a:solidFill>
-                <a:latin typeface="Adobe Clean"/>
-                <a:cs typeface="Adobe Clean"/>
-              </a:rPr>
-              <a:t>r</a:t>
-            </a:r>
-            <a:r>
-              <a:rPr lang="en-US" sz="1200" b="1" spc="-25" dirty="0">
-                <a:solidFill>
-                  <a:srgbClr val="020302"/>
-                </a:solidFill>
-                <a:latin typeface="Adobe Clean"/>
-                <a:cs typeface="Adobe Clean"/>
-              </a:rPr>
-              <a:t>n</a:t>
-            </a:r>
-            <a:r>
-              <a:rPr lang="en-US" sz="1200" b="1" spc="-20" dirty="0">
-                <a:solidFill>
-                  <a:srgbClr val="020302"/>
-                </a:solidFill>
-                <a:latin typeface="Adobe Clean"/>
-                <a:cs typeface="Adobe Clean"/>
-              </a:rPr>
-              <a:t>a</a:t>
-            </a:r>
-            <a:r>
-              <a:rPr lang="en-US" sz="1200" b="1" spc="-25" dirty="0">
-                <a:solidFill>
-                  <a:srgbClr val="020302"/>
-                </a:solidFill>
-                <a:latin typeface="Adobe Clean"/>
-                <a:cs typeface="Adobe Clean"/>
-              </a:rPr>
-              <a:t>n</a:t>
-            </a:r>
-            <a:r>
-              <a:rPr lang="en-US" sz="1200" b="1" spc="-30" dirty="0">
-                <a:solidFill>
-                  <a:srgbClr val="020302"/>
-                </a:solidFill>
-                <a:latin typeface="Adobe Clean"/>
-                <a:cs typeface="Adobe Clean"/>
-              </a:rPr>
-              <a:t>c</a:t>
-            </a:r>
-            <a:r>
-              <a:rPr lang="en-US" sz="1200" b="1" dirty="0">
-                <a:solidFill>
-                  <a:srgbClr val="020302"/>
-                </a:solidFill>
-                <a:latin typeface="Adobe Clean"/>
-                <a:cs typeface="Adobe Clean"/>
-              </a:rPr>
-              <a:t>e</a:t>
-            </a:r>
-            <a:r>
-              <a:rPr lang="en-US" sz="1200" b="1" spc="-50" dirty="0">
-                <a:solidFill>
-                  <a:srgbClr val="020302"/>
-                </a:solidFill>
-                <a:latin typeface="Adobe Clean"/>
-                <a:cs typeface="Adobe Clean"/>
-              </a:rPr>
-              <a:t> </a:t>
-            </a:r>
-            <a:r>
-              <a:rPr lang="en-US" sz="1200" b="1" spc="-25" dirty="0">
-                <a:solidFill>
-                  <a:srgbClr val="020302"/>
-                </a:solidFill>
-                <a:latin typeface="Adobe Clean"/>
-                <a:cs typeface="Adobe Clean"/>
-              </a:rPr>
-              <a:t>f</a:t>
-            </a:r>
-            <a:r>
-              <a:rPr lang="en-US" sz="1200" b="1" spc="-15" dirty="0">
-                <a:solidFill>
-                  <a:srgbClr val="020302"/>
-                </a:solidFill>
-                <a:latin typeface="Adobe Clean"/>
-                <a:cs typeface="Adobe Clean"/>
-              </a:rPr>
-              <a:t>o</a:t>
-            </a:r>
-            <a:r>
-              <a:rPr lang="en-US" sz="1200" b="1" dirty="0">
-                <a:solidFill>
-                  <a:srgbClr val="020302"/>
-                </a:solidFill>
-                <a:latin typeface="Adobe Clean"/>
-                <a:cs typeface="Adobe Clean"/>
-              </a:rPr>
-              <a:t>r</a:t>
-            </a:r>
-            <a:r>
-              <a:rPr lang="en-US" sz="1200" b="1" spc="-45" dirty="0">
-                <a:solidFill>
-                  <a:srgbClr val="020302"/>
-                </a:solidFill>
-                <a:latin typeface="Adobe Clean"/>
-                <a:cs typeface="Adobe Clean"/>
-              </a:rPr>
-              <a:t> </a:t>
-            </a:r>
-            <a:r>
-              <a:rPr lang="en-US" sz="1200" b="1" spc="-30" dirty="0">
-                <a:solidFill>
-                  <a:srgbClr val="020302"/>
-                </a:solidFill>
-                <a:latin typeface="Adobe Clean"/>
-                <a:cs typeface="Adobe Clean"/>
-              </a:rPr>
-              <a:t>A</a:t>
-            </a:r>
-            <a:r>
-              <a:rPr lang="en-US" sz="1200" b="1" spc="-25" dirty="0">
-                <a:solidFill>
-                  <a:srgbClr val="020302"/>
-                </a:solidFill>
-                <a:latin typeface="Adobe Clean"/>
-                <a:cs typeface="Adobe Clean"/>
-              </a:rPr>
-              <a:t>E</a:t>
-            </a:r>
-            <a:r>
-              <a:rPr lang="en-US" sz="1200" b="1" dirty="0">
-                <a:solidFill>
-                  <a:srgbClr val="020302"/>
-                </a:solidFill>
-                <a:latin typeface="Adobe Clean"/>
-                <a:cs typeface="Adobe Clean"/>
-              </a:rPr>
-              <a:t>M</a:t>
-            </a:r>
-            <a:r>
-              <a:rPr lang="en-US" sz="1200" b="1" spc="-50" dirty="0">
-                <a:solidFill>
-                  <a:srgbClr val="020302"/>
-                </a:solidFill>
-                <a:latin typeface="Adobe Clean"/>
-                <a:cs typeface="Adobe Clean"/>
-              </a:rPr>
-              <a:t> </a:t>
-            </a:r>
-            <a:r>
-              <a:rPr lang="en-US" sz="1200" b="1" spc="-20" dirty="0">
-                <a:solidFill>
-                  <a:srgbClr val="020302"/>
-                </a:solidFill>
-                <a:latin typeface="Adobe Clean"/>
-                <a:cs typeface="Adobe Clean"/>
-              </a:rPr>
-              <a:t>a</a:t>
-            </a:r>
-            <a:r>
-              <a:rPr lang="en-US" sz="1200" b="1" dirty="0">
-                <a:solidFill>
-                  <a:srgbClr val="020302"/>
-                </a:solidFill>
-                <a:latin typeface="Adobe Clean"/>
-                <a:cs typeface="Adobe Clean"/>
-              </a:rPr>
-              <a:t>s</a:t>
-            </a:r>
-            <a:r>
-              <a:rPr lang="en-US" sz="1200" b="1" spc="-45" dirty="0">
-                <a:solidFill>
-                  <a:srgbClr val="020302"/>
-                </a:solidFill>
-                <a:latin typeface="Adobe Clean"/>
-                <a:cs typeface="Adobe Clean"/>
-              </a:rPr>
-              <a:t> </a:t>
-            </a:r>
-            <a:r>
-              <a:rPr lang="en-US" sz="1200" b="1" dirty="0">
-                <a:solidFill>
-                  <a:srgbClr val="020302"/>
-                </a:solidFill>
-                <a:latin typeface="Adobe Clean"/>
-                <a:cs typeface="Adobe Clean"/>
-              </a:rPr>
-              <a:t>a</a:t>
-            </a:r>
-            <a:r>
-              <a:rPr lang="en-US" sz="1200" b="1" spc="-40" dirty="0">
-                <a:solidFill>
-                  <a:srgbClr val="020302"/>
-                </a:solidFill>
-                <a:latin typeface="Adobe Clean"/>
-                <a:cs typeface="Adobe Clean"/>
-              </a:rPr>
-              <a:t> </a:t>
-            </a:r>
-            <a:r>
-              <a:rPr lang="en-US" sz="1200" b="1" spc="-15" dirty="0">
-                <a:solidFill>
-                  <a:srgbClr val="020302"/>
-                </a:solidFill>
-                <a:latin typeface="Adobe Clean"/>
-                <a:cs typeface="Adobe Clean"/>
-              </a:rPr>
-              <a:t>C</a:t>
-            </a:r>
-            <a:r>
-              <a:rPr lang="en-US" sz="1200" b="1" spc="-25" dirty="0">
-                <a:solidFill>
-                  <a:srgbClr val="020302"/>
-                </a:solidFill>
-                <a:latin typeface="Adobe Clean"/>
-                <a:cs typeface="Adobe Clean"/>
-              </a:rPr>
-              <a:t>l</a:t>
-            </a:r>
-            <a:r>
-              <a:rPr lang="en-US" sz="1200" b="1" spc="-15" dirty="0">
-                <a:solidFill>
-                  <a:srgbClr val="020302"/>
-                </a:solidFill>
-                <a:latin typeface="Adobe Clean"/>
-                <a:cs typeface="Adobe Clean"/>
-              </a:rPr>
-              <a:t>ou</a:t>
-            </a:r>
-            <a:r>
-              <a:rPr lang="en-US" sz="1200" b="1" dirty="0">
-                <a:solidFill>
-                  <a:srgbClr val="020302"/>
-                </a:solidFill>
-                <a:latin typeface="Adobe Clean"/>
-                <a:cs typeface="Adobe Clean"/>
-              </a:rPr>
-              <a:t>d</a:t>
-            </a:r>
-            <a:r>
-              <a:rPr lang="en-US" sz="1200" b="1" spc="-50" dirty="0">
-                <a:solidFill>
-                  <a:srgbClr val="020302"/>
-                </a:solidFill>
-                <a:latin typeface="Adobe Clean"/>
-                <a:cs typeface="Adobe Clean"/>
-              </a:rPr>
-              <a:t> </a:t>
-            </a:r>
-            <a:r>
-              <a:rPr lang="en-US" sz="1200" b="1" spc="-20" dirty="0">
-                <a:solidFill>
-                  <a:srgbClr val="020302"/>
-                </a:solidFill>
-                <a:latin typeface="Adobe Clean"/>
-                <a:cs typeface="Adobe Clean"/>
-              </a:rPr>
-              <a:t>S</a:t>
-            </a:r>
-            <a:r>
-              <a:rPr lang="en-US" sz="1200" b="1" spc="-25" dirty="0">
-                <a:solidFill>
-                  <a:srgbClr val="020302"/>
-                </a:solidFill>
-                <a:latin typeface="Adobe Clean"/>
-                <a:cs typeface="Adobe Clean"/>
-              </a:rPr>
-              <a:t>e</a:t>
-            </a:r>
-            <a:r>
-              <a:rPr lang="en-US" sz="1200" b="1" spc="-20" dirty="0">
-                <a:solidFill>
-                  <a:srgbClr val="020302"/>
-                </a:solidFill>
-                <a:latin typeface="Adobe Clean"/>
-                <a:cs typeface="Adobe Clean"/>
-              </a:rPr>
-              <a:t>r</a:t>
-            </a:r>
-            <a:r>
-              <a:rPr lang="en-US" sz="1200" b="1" spc="-25" dirty="0">
-                <a:solidFill>
-                  <a:srgbClr val="020302"/>
-                </a:solidFill>
-                <a:latin typeface="Adobe Clean"/>
-                <a:cs typeface="Adobe Clean"/>
-              </a:rPr>
-              <a:t>v</a:t>
-            </a:r>
-            <a:r>
-              <a:rPr lang="en-US" sz="1200" b="1" spc="-20" dirty="0">
-                <a:solidFill>
-                  <a:srgbClr val="020302"/>
-                </a:solidFill>
-                <a:latin typeface="Adobe Clean"/>
-                <a:cs typeface="Adobe Clean"/>
-              </a:rPr>
-              <a:t>i</a:t>
-            </a:r>
-            <a:r>
-              <a:rPr lang="en-US" sz="1200" b="1" spc="-30" dirty="0">
-                <a:solidFill>
-                  <a:srgbClr val="020302"/>
-                </a:solidFill>
-                <a:latin typeface="Adobe Clean"/>
-                <a:cs typeface="Adobe Clean"/>
-              </a:rPr>
-              <a:t>c</a:t>
-            </a:r>
-            <a:r>
-              <a:rPr lang="en-US" sz="1200" b="1" dirty="0">
-                <a:solidFill>
-                  <a:srgbClr val="020302"/>
-                </a:solidFill>
-                <a:latin typeface="Adobe Clean"/>
-                <a:cs typeface="Adobe Clean"/>
-              </a:rPr>
-              <a:t>e</a:t>
-            </a:r>
-            <a:endParaRPr lang="en-US" sz="1200" dirty="0">
-              <a:latin typeface="Adobe Clean"/>
-              <a:cs typeface="Adobe Clean"/>
-            </a:endParaRPr>
+              <a:t>as a Cloud Service</a:t>
+            </a:r>
           </a:p>
         </p:txBody>
       </p:sp>
@@ -15296,49 +13296,15 @@
               </a:lnSpc>
             </a:pPr>
             <a:r>
-              <a:rPr sz="500" spc="-5" dirty="0">
+              <a:rPr lang="fr-FR" sz="500">
                 <a:solidFill>
                   <a:srgbClr val="6C6C6C"/>
                 </a:solidFill>
                 <a:latin typeface="Adobe Clean"/>
                 <a:cs typeface="Adobe Clean"/>
               </a:rPr>
-              <a:t>©2020 Adobe. All Rights Reserved. </a:t>
-            </a:r>
-            <a:r>
-              <a:rPr sz="500" dirty="0">
-                <a:solidFill>
-                  <a:srgbClr val="6C6C6C"/>
-                </a:solidFill>
-                <a:latin typeface="Adobe Clean"/>
-                <a:cs typeface="Adobe Clean"/>
-              </a:rPr>
-              <a:t>Adobe</a:t>
-            </a:r>
-            <a:r>
-              <a:rPr sz="500" spc="5" dirty="0">
-                <a:solidFill>
-                  <a:srgbClr val="6C6C6C"/>
-                </a:solidFill>
-                <a:latin typeface="Adobe Clean"/>
-                <a:cs typeface="Adobe Clean"/>
-              </a:rPr>
-              <a:t> </a:t>
-            </a:r>
-            <a:r>
-              <a:rPr sz="500" spc="-5" dirty="0">
-                <a:solidFill>
-                  <a:srgbClr val="6C6C6C"/>
-                </a:solidFill>
-                <a:latin typeface="Adobe Clean"/>
-                <a:cs typeface="Adobe Clean"/>
-              </a:rPr>
-              <a:t>Confidential.</a:t>
-            </a:r>
-            <a:endParaRPr sz="500">
-              <a:latin typeface="Adobe Clean"/>
-              <a:cs typeface="Adobe Clean"/>
-            </a:endParaRPr>
+              <a:t>©2020 Adobe. All Rights Reserved. Données confidentielles Adobe</a:t>
+            </a:r>
           </a:p>
           <a:p>
             <a:pPr>
@@ -15364,39 +13330,15 @@
               </a:spcBef>
             </a:pPr>
             <a:r>
-              <a:rPr sz="800" spc="-5" dirty="0">
+              <a:rPr lang="fr-FR" sz="800">
                 <a:solidFill>
                   <a:srgbClr val="6D6D6D"/>
                 </a:solidFill>
                 <a:latin typeface="Adobe Clean"/>
                 <a:cs typeface="Adobe Clean"/>
               </a:rPr>
-              <a:t>©2020 Adobe. All Rights Reserved. Adobe</a:t>
-            </a:r>
-            <a:r>
-              <a:rPr sz="800" spc="75" dirty="0">
-                <a:solidFill>
-                  <a:srgbClr val="6D6D6D"/>
-                </a:solidFill>
-                <a:latin typeface="Adobe Clean"/>
-                <a:cs typeface="Adobe Clean"/>
-              </a:rPr>
-              <a:t> </a:t>
-            </a:r>
-            <a:r>
-              <a:rPr sz="800" spc="-5" dirty="0">
-                <a:solidFill>
-                  <a:srgbClr val="6D6D6D"/>
-                </a:solidFill>
-                <a:latin typeface="Adobe Clean"/>
-                <a:cs typeface="Adobe Clean"/>
-              </a:rPr>
-              <a:t>Confidential.</a:t>
-            </a:r>
-            <a:endParaRPr sz="800">
-              <a:latin typeface="Adobe Clean"/>
-              <a:cs typeface="Adobe Clean"/>
-            </a:endParaRPr>
+              <a:t>©2020 Adobe. All Rights Reserved. Données confidentielles Adobe</a:t>
+            </a:r>
           </a:p>
         </p:txBody>
       </p:sp>
@@ -15480,19 +13422,15 @@
               </a:spcBef>
             </a:pPr>
             <a:r>
-              <a:rPr lang="en-US" sz="1400" b="1" spc="-15" dirty="0">
+              <a:rPr lang="fr-FR" sz="1400" b="1">
                 <a:solidFill>
                   <a:srgbClr val="020302"/>
                 </a:solidFill>
                 <a:latin typeface="Adobe Clean"/>
                 <a:cs typeface="Adobe Clean"/>
               </a:rPr>
-              <a:t>Resources</a:t>
-            </a:r>
-            <a:endParaRPr sz="1400" dirty="0">
-              <a:latin typeface="Adobe Clean"/>
-              <a:cs typeface="Adobe Clean"/>
-            </a:endParaRPr>
+              <a:t>Ressources</a:t>
+            </a:r>
           </a:p>
         </p:txBody>
       </p:sp>
@@ -15526,7 +13464,7 @@
               </a:spcBef>
             </a:pPr>
             <a:r>
-              <a:rPr sz="800" spc="-15" dirty="0">
+              <a:rPr lang="fr-FR" sz="800">
                 <a:solidFill>
                   <a:srgbClr val="777879"/>
                 </a:solidFill>
@@ -15535,10 +13473,6 @@
               </a:rPr>
               <a:t>Adobe</a:t>
             </a:r>
-            <a:endParaRPr sz="800">
-              <a:latin typeface="Adobe Clean"/>
-              <a:cs typeface="Adobe Clean"/>
-            </a:endParaRPr>
           </a:p>
           <a:p>
             <a:pPr marL="12700">
@@ -15547,39 +13481,15 @@
               </a:lnSpc>
             </a:pPr>
             <a:r>
-              <a:rPr sz="800" spc="-15" dirty="0">
+              <a:rPr lang="fr-FR" sz="800">
                 <a:solidFill>
                   <a:srgbClr val="777879"/>
                 </a:solidFill>
                 <a:latin typeface="Adobe Clean"/>
                 <a:cs typeface="Adobe Clean"/>
               </a:rPr>
-              <a:t>345 Park</a:t>
-            </a:r>
-            <a:r>
-              <a:rPr sz="800" spc="-100" dirty="0">
-                <a:solidFill>
-                  <a:srgbClr val="777879"/>
-                </a:solidFill>
-                <a:latin typeface="Adobe Clean"/>
-                <a:cs typeface="Adobe Clean"/>
-              </a:rPr>
-              <a:t> </a:t>
-            </a:r>
-            <a:r>
-              <a:rPr sz="800" spc="-15" dirty="0">
-                <a:solidFill>
-                  <a:srgbClr val="777879"/>
-                </a:solidFill>
-                <a:latin typeface="Adobe Clean"/>
-                <a:cs typeface="Adobe Clean"/>
-              </a:rPr>
-              <a:t>Avenue</a:t>
-            </a:r>
-            <a:endParaRPr sz="800">
-              <a:latin typeface="Adobe Clean"/>
-              <a:cs typeface="Adobe Clean"/>
-            </a:endParaRPr>
+              <a:t>345 Park Avenue</a:t>
+            </a:r>
           </a:p>
           <a:p>
             <a:pPr marL="12700">
@@ -15588,49 +13498,15 @@
               </a:lnSpc>
             </a:pPr>
             <a:r>
-              <a:rPr sz="800" spc="-10" dirty="0">
+              <a:rPr lang="fr-FR" sz="800">
                 <a:solidFill>
                   <a:srgbClr val="777879"/>
                 </a:solidFill>
                 <a:latin typeface="Adobe Clean"/>
                 <a:cs typeface="Adobe Clean"/>
               </a:rPr>
-              <a:t>San </a:t>
-            </a:r>
-            <a:r>
-              <a:rPr sz="800" spc="-15" dirty="0">
-                <a:solidFill>
-                  <a:srgbClr val="777879"/>
-                </a:solidFill>
-                <a:latin typeface="Adobe Clean"/>
-                <a:cs typeface="Adobe Clean"/>
-              </a:rPr>
-              <a:t>Jose,</a:t>
-            </a:r>
-            <a:r>
-              <a:rPr sz="800" spc="-140" dirty="0">
-                <a:solidFill>
-                  <a:srgbClr val="777879"/>
-                </a:solidFill>
-                <a:latin typeface="Adobe Clean"/>
-                <a:cs typeface="Adobe Clean"/>
-              </a:rPr>
-              <a:t> </a:t>
-            </a:r>
-            <a:r>
-              <a:rPr sz="800" spc="-20" dirty="0">
-                <a:solidFill>
-                  <a:srgbClr val="777879"/>
-                </a:solidFill>
-                <a:latin typeface="Adobe Clean"/>
-                <a:cs typeface="Adobe Clean"/>
-              </a:rPr>
-              <a:t>CA95110-2704</a:t>
-            </a:r>
-            <a:endParaRPr sz="800">
-              <a:latin typeface="Adobe Clean"/>
-              <a:cs typeface="Adobe Clean"/>
-            </a:endParaRPr>
+              <a:t>San Jose, CA95110-2704</a:t>
+            </a:r>
           </a:p>
           <a:p>
             <a:pPr marL="12700">
@@ -15642,19 +13518,15 @@
               </a:spcBef>
             </a:pPr>
             <a:r>
-              <a:rPr sz="800" spc="-10" dirty="0">
+              <a:rPr lang="fr-FR" sz="800">
                 <a:solidFill>
                   <a:srgbClr val="777879"/>
                 </a:solidFill>
                 <a:latin typeface="Adobe Clean"/>
                 <a:cs typeface="Adobe Clean"/>
               </a:rPr>
-              <a:t>USA</a:t>
-            </a:r>
-            <a:endParaRPr sz="800">
-              <a:latin typeface="Adobe Clean"/>
-              <a:cs typeface="Adobe Clean"/>
-            </a:endParaRPr>
+              <a:t>États-Unis</a:t>
+            </a:r>
           </a:p>
           <a:p>
             <a:pPr marL="12700">
@@ -15666,7 +13538,7 @@
               </a:spcBef>
             </a:pPr>
             <a:r>
-              <a:rPr sz="800" u="sng" spc="-25" dirty="0">
+              <a:rPr lang="fr-FR" sz="800" u="sng">
                 <a:solidFill>
                   <a:srgbClr val="5F5F5F"/>
                 </a:solidFill>
@@ -15679,12 +13551,8 @@
                 <a:cs typeface="Adobe Clean"/>
                 <a:hlinkClick r:id="rId3"/>
               </a:rPr>
-              <a:t>www.adobe.com</a:t>
-            </a:r>
-            <a:endParaRPr sz="800">
-              <a:latin typeface="Adobe Clean"/>
-              <a:cs typeface="Adobe Clean"/>
-            </a:endParaRPr>
+              <a:t>www.adobe.com/fr/</a:t>
+            </a:r>
           </a:p>
         </p:txBody>
       </p:sp>
@@ -15859,409 +13727,15 @@
               </a:spcBef>
             </a:pPr>
             <a:r>
-              <a:rPr sz="1100" i="1" spc="-10" dirty="0">
+              <a:rPr lang="fr-FR" sz="1100" i="1">
                 <a:solidFill>
                   <a:srgbClr val="777879"/>
                 </a:solidFill>
                 <a:latin typeface="AdobeClean-LightIt"/>
                 <a:cs typeface="AdobeClean-LightIt"/>
               </a:rPr>
-              <a:t>To</a:t>
-            </a:r>
-            <a:r>
-              <a:rPr sz="1100" i="1" spc="-50" dirty="0">
-                <a:solidFill>
-                  <a:srgbClr val="777879"/>
-                </a:solidFill>
-                <a:latin typeface="AdobeClean-LightIt"/>
-                <a:cs typeface="AdobeClean-LightIt"/>
-              </a:rPr>
-              <a:t> </a:t>
-            </a:r>
-            <a:r>
-              <a:rPr sz="1100" i="1" spc="-15" dirty="0">
-                <a:solidFill>
-                  <a:srgbClr val="777879"/>
-                </a:solidFill>
-                <a:latin typeface="AdobeClean-LightIt"/>
-                <a:cs typeface="AdobeClean-LightIt"/>
-              </a:rPr>
-              <a:t>learn</a:t>
-            </a:r>
-            <a:r>
-              <a:rPr sz="1100" i="1" spc="-40" dirty="0">
-                <a:solidFill>
-                  <a:srgbClr val="777879"/>
-                </a:solidFill>
-                <a:latin typeface="AdobeClean-LightIt"/>
-                <a:cs typeface="AdobeClean-LightIt"/>
-              </a:rPr>
-              <a:t> </a:t>
-            </a:r>
-            <a:r>
-              <a:rPr sz="1100" i="1" spc="-15" dirty="0">
-                <a:solidFill>
-                  <a:srgbClr val="777879"/>
-                </a:solidFill>
-                <a:latin typeface="AdobeClean-LightIt"/>
-                <a:cs typeface="AdobeClean-LightIt"/>
-              </a:rPr>
-              <a:t>more</a:t>
-            </a:r>
-            <a:r>
-              <a:rPr sz="1100" i="1" spc="-45" dirty="0">
-                <a:solidFill>
-                  <a:srgbClr val="777879"/>
-                </a:solidFill>
-                <a:latin typeface="AdobeClean-LightIt"/>
-                <a:cs typeface="AdobeClean-LightIt"/>
-              </a:rPr>
-              <a:t> </a:t>
-            </a:r>
-            <a:r>
-              <a:rPr sz="1100" i="1" spc="-15" dirty="0">
-                <a:solidFill>
-                  <a:srgbClr val="777879"/>
-                </a:solidFill>
-                <a:latin typeface="AdobeClean-LightIt"/>
-                <a:cs typeface="AdobeClean-LightIt"/>
-              </a:rPr>
-              <a:t>about</a:t>
-            </a:r>
-            <a:r>
-              <a:rPr sz="1100" i="1" spc="-45" dirty="0">
-                <a:solidFill>
-                  <a:srgbClr val="777879"/>
-                </a:solidFill>
-                <a:latin typeface="AdobeClean-LightIt"/>
-                <a:cs typeface="AdobeClean-LightIt"/>
-              </a:rPr>
-              <a:t> </a:t>
-            </a:r>
-            <a:r>
-              <a:rPr sz="1100" i="1" spc="-15" dirty="0">
-                <a:solidFill>
-                  <a:srgbClr val="777879"/>
-                </a:solidFill>
-                <a:latin typeface="AdobeClean-LightIt"/>
-                <a:cs typeface="AdobeClean-LightIt"/>
-              </a:rPr>
-              <a:t>Adobe</a:t>
-            </a:r>
-            <a:r>
-              <a:rPr sz="1100" i="1" spc="-60" dirty="0">
-                <a:solidFill>
-                  <a:srgbClr val="777879"/>
-                </a:solidFill>
-                <a:latin typeface="AdobeClean-LightIt"/>
-                <a:cs typeface="AdobeClean-LightIt"/>
-              </a:rPr>
-              <a:t> </a:t>
-            </a:r>
-            <a:r>
-              <a:rPr sz="1100" i="1" spc="-15" dirty="0">
-                <a:solidFill>
-                  <a:srgbClr val="777879"/>
-                </a:solidFill>
-                <a:latin typeface="AdobeClean-LightIt"/>
-                <a:cs typeface="AdobeClean-LightIt"/>
-              </a:rPr>
-              <a:t>Support</a:t>
-            </a:r>
-            <a:r>
-              <a:rPr lang="en-US" sz="1100" i="1" spc="-15" dirty="0">
-                <a:solidFill>
-                  <a:srgbClr val="777879"/>
-                </a:solidFill>
-                <a:latin typeface="AdobeClean-LightIt"/>
-                <a:cs typeface="AdobeClean-LightIt"/>
-              </a:rPr>
-              <a:t> Offerings</a:t>
-            </a:r>
-            <a:r>
-              <a:rPr sz="1100" i="1" spc="-75" dirty="0">
-                <a:solidFill>
-                  <a:srgbClr val="777879"/>
-                </a:solidFill>
-                <a:latin typeface="AdobeClean-LightIt"/>
-                <a:cs typeface="AdobeClean-LightIt"/>
-              </a:rPr>
-              <a:t> </a:t>
-            </a:r>
-            <a:r>
-              <a:rPr sz="1100" i="1" spc="-15" dirty="0">
-                <a:solidFill>
-                  <a:srgbClr val="777879"/>
-                </a:solidFill>
-                <a:latin typeface="AdobeClean-LightIt"/>
-                <a:cs typeface="AdobeClean-LightIt"/>
-              </a:rPr>
-              <a:t>and</a:t>
-            </a:r>
-            <a:r>
-              <a:rPr sz="1100" i="1" spc="-50" dirty="0">
-                <a:solidFill>
-                  <a:srgbClr val="777879"/>
-                </a:solidFill>
-                <a:latin typeface="AdobeClean-LightIt"/>
-                <a:cs typeface="AdobeClean-LightIt"/>
-              </a:rPr>
-              <a:t> </a:t>
-            </a:r>
-            <a:r>
-              <a:rPr sz="1100" i="1" spc="-15" dirty="0">
-                <a:solidFill>
-                  <a:srgbClr val="777879"/>
-                </a:solidFill>
-                <a:latin typeface="AdobeClean-LightIt"/>
-                <a:cs typeface="AdobeClean-LightIt"/>
-              </a:rPr>
-              <a:t>the</a:t>
-            </a:r>
-            <a:r>
-              <a:rPr sz="1100" i="1" spc="-55" dirty="0">
-                <a:solidFill>
-                  <a:srgbClr val="777879"/>
-                </a:solidFill>
-                <a:latin typeface="AdobeClean-LightIt"/>
-                <a:cs typeface="AdobeClean-LightIt"/>
-              </a:rPr>
-              <a:t> </a:t>
-            </a:r>
-            <a:r>
-              <a:rPr sz="1100" i="1" spc="-15" dirty="0">
-                <a:solidFill>
-                  <a:srgbClr val="777879"/>
-                </a:solidFill>
-                <a:latin typeface="AdobeClean-LightIt"/>
-                <a:cs typeface="AdobeClean-LightIt"/>
-              </a:rPr>
-              <a:t>right</a:t>
-            </a:r>
-            <a:r>
-              <a:rPr sz="1100" i="1" spc="-95" dirty="0">
-                <a:solidFill>
-                  <a:srgbClr val="777879"/>
-                </a:solidFill>
-                <a:latin typeface="AdobeClean-LightIt"/>
-                <a:cs typeface="AdobeClean-LightIt"/>
-              </a:rPr>
-              <a:t> </a:t>
-            </a:r>
-            <a:r>
-              <a:rPr sz="1100" i="1" spc="-15" dirty="0">
-                <a:solidFill>
-                  <a:srgbClr val="777879"/>
-                </a:solidFill>
-                <a:latin typeface="AdobeClean-LightIt"/>
-                <a:cs typeface="AdobeClean-LightIt"/>
-              </a:rPr>
-              <a:t>level</a:t>
-            </a:r>
-            <a:r>
-              <a:rPr sz="1100" i="1" spc="-55" dirty="0">
-                <a:solidFill>
-                  <a:srgbClr val="777879"/>
-                </a:solidFill>
-                <a:latin typeface="AdobeClean-LightIt"/>
-                <a:cs typeface="AdobeClean-LightIt"/>
-              </a:rPr>
-              <a:t> </a:t>
-            </a:r>
-            <a:r>
-              <a:rPr sz="1100" i="1" spc="-15" dirty="0">
-                <a:solidFill>
-                  <a:srgbClr val="777879"/>
-                </a:solidFill>
-                <a:latin typeface="AdobeClean-LightIt"/>
-                <a:cs typeface="AdobeClean-LightIt"/>
-              </a:rPr>
-              <a:t>for</a:t>
-            </a:r>
-            <a:r>
-              <a:rPr sz="1100" i="1" spc="-85" dirty="0">
-                <a:solidFill>
-                  <a:srgbClr val="777879"/>
-                </a:solidFill>
-                <a:latin typeface="AdobeClean-LightIt"/>
-                <a:cs typeface="AdobeClean-LightIt"/>
-              </a:rPr>
-              <a:t> </a:t>
-            </a:r>
-            <a:r>
-              <a:rPr sz="1100" i="1" spc="-15" dirty="0">
-                <a:solidFill>
-                  <a:srgbClr val="777879"/>
-                </a:solidFill>
-                <a:latin typeface="AdobeClean-LightIt"/>
-                <a:cs typeface="AdobeClean-LightIt"/>
-              </a:rPr>
-              <a:t>you,</a:t>
-            </a:r>
-            <a:r>
-              <a:rPr sz="1100" i="1" spc="-65" dirty="0">
-                <a:solidFill>
-                  <a:srgbClr val="777879"/>
-                </a:solidFill>
-                <a:latin typeface="AdobeClean-LightIt"/>
-                <a:cs typeface="AdobeClean-LightIt"/>
-              </a:rPr>
-              <a:t> </a:t>
-            </a:r>
-            <a:r>
-              <a:rPr sz="1100" i="1" spc="-15" dirty="0">
-                <a:solidFill>
-                  <a:srgbClr val="777879"/>
-                </a:solidFill>
-                <a:latin typeface="AdobeClean-LightIt"/>
-                <a:cs typeface="AdobeClean-LightIt"/>
-              </a:rPr>
-              <a:t>contact</a:t>
-            </a:r>
-            <a:r>
-              <a:rPr sz="1100" i="1" spc="-85" dirty="0">
-                <a:solidFill>
-                  <a:srgbClr val="777879"/>
-                </a:solidFill>
-                <a:latin typeface="AdobeClean-LightIt"/>
-                <a:cs typeface="AdobeClean-LightIt"/>
-              </a:rPr>
-              <a:t> </a:t>
-            </a:r>
-            <a:r>
-              <a:rPr sz="1100" i="1" spc="-15" dirty="0">
-                <a:solidFill>
-                  <a:srgbClr val="777879"/>
-                </a:solidFill>
-                <a:latin typeface="AdobeClean-LightIt"/>
-                <a:cs typeface="AdobeClean-LightIt"/>
-              </a:rPr>
-              <a:t>your</a:t>
-            </a:r>
-            <a:r>
-              <a:rPr sz="1100" i="1" spc="-70" dirty="0">
-                <a:solidFill>
-                  <a:srgbClr val="777879"/>
-                </a:solidFill>
-                <a:latin typeface="AdobeClean-LightIt"/>
-                <a:cs typeface="AdobeClean-LightIt"/>
-              </a:rPr>
-              <a:t> </a:t>
-            </a:r>
-            <a:r>
-              <a:rPr sz="1100" i="1" spc="-15" dirty="0">
-                <a:solidFill>
-                  <a:srgbClr val="777879"/>
-                </a:solidFill>
-                <a:latin typeface="AdobeClean-LightIt"/>
-                <a:cs typeface="AdobeClean-LightIt"/>
-              </a:rPr>
-              <a:t>Named</a:t>
-            </a:r>
-            <a:r>
-              <a:rPr sz="1100" i="1" spc="-55" dirty="0">
-                <a:solidFill>
-                  <a:srgbClr val="777879"/>
-                </a:solidFill>
-                <a:latin typeface="AdobeClean-LightIt"/>
-                <a:cs typeface="AdobeClean-LightIt"/>
-              </a:rPr>
-              <a:t> </a:t>
-            </a:r>
-            <a:r>
-              <a:rPr sz="1100" i="1" spc="-25" dirty="0">
-                <a:solidFill>
-                  <a:srgbClr val="777879"/>
-                </a:solidFill>
-                <a:latin typeface="AdobeClean-LightIt"/>
-                <a:cs typeface="AdobeClean-LightIt"/>
-              </a:rPr>
-              <a:t>Account</a:t>
-            </a:r>
-            <a:r>
-              <a:rPr sz="1100" i="1" spc="-120" dirty="0">
-                <a:solidFill>
-                  <a:srgbClr val="777879"/>
-                </a:solidFill>
-                <a:latin typeface="AdobeClean-LightIt"/>
-                <a:cs typeface="AdobeClean-LightIt"/>
-              </a:rPr>
-              <a:t> </a:t>
-            </a:r>
-            <a:r>
-              <a:rPr sz="1100" i="1" spc="-20" dirty="0">
-                <a:solidFill>
-                  <a:srgbClr val="777879"/>
-                </a:solidFill>
-                <a:latin typeface="AdobeClean-LightIt"/>
-                <a:cs typeface="AdobeClean-LightIt"/>
-              </a:rPr>
-              <a:t>Manager  </a:t>
-            </a:r>
-            <a:r>
-              <a:rPr sz="1100" i="1" spc="-15" dirty="0">
-                <a:solidFill>
-                  <a:srgbClr val="777879"/>
-                </a:solidFill>
-                <a:latin typeface="AdobeClean-LightIt"/>
-                <a:cs typeface="AdobeClean-LightIt"/>
-              </a:rPr>
-              <a:t>(NAM) </a:t>
-            </a:r>
-            <a:r>
-              <a:rPr sz="1100" i="1" spc="-10" dirty="0">
-                <a:solidFill>
-                  <a:srgbClr val="777879"/>
-                </a:solidFill>
-                <a:latin typeface="AdobeClean-LightIt"/>
-                <a:cs typeface="AdobeClean-LightIt"/>
-              </a:rPr>
-              <a:t>or </a:t>
-            </a:r>
-            <a:r>
-              <a:rPr sz="1100" i="1" spc="-15" dirty="0">
-                <a:solidFill>
-                  <a:srgbClr val="777879"/>
-                </a:solidFill>
-                <a:latin typeface="AdobeClean-LightIt"/>
-                <a:cs typeface="AdobeClean-LightIt"/>
-              </a:rPr>
-              <a:t>Customer </a:t>
-            </a:r>
-            <a:r>
-              <a:rPr sz="1100" i="1" spc="-20" dirty="0">
-                <a:solidFill>
-                  <a:srgbClr val="777879"/>
-                </a:solidFill>
-                <a:latin typeface="AdobeClean-LightIt"/>
-                <a:cs typeface="AdobeClean-LightIt"/>
-              </a:rPr>
-              <a:t>Success</a:t>
-            </a:r>
-            <a:r>
-              <a:rPr sz="1100" i="1" spc="-180" dirty="0">
-                <a:solidFill>
-                  <a:srgbClr val="777879"/>
-                </a:solidFill>
-                <a:latin typeface="AdobeClean-LightIt"/>
-                <a:cs typeface="AdobeClean-LightIt"/>
-              </a:rPr>
-              <a:t> </a:t>
-            </a:r>
-            <a:r>
-              <a:rPr sz="1100" i="1" spc="-15" dirty="0">
-                <a:solidFill>
-                  <a:srgbClr val="777879"/>
-                </a:solidFill>
-                <a:latin typeface="AdobeClean-LightIt"/>
-                <a:cs typeface="AdobeClean-LightIt"/>
-              </a:rPr>
-              <a:t>Manager(CSM)</a:t>
-            </a:r>
-            <a:endParaRPr sz="1100" dirty="0">
-              <a:latin typeface="AdobeClean-LightIt"/>
-              <a:cs typeface="AdobeClean-LightIt"/>
-            </a:endParaRPr>
+              <a:t>Pour en apprendre plus sur les offres de l’assistance Adobe et sur le niveau qui vous convient, contactez votre gestionnaire de compte nommé (NAM) ou votre gestionnaire de réussite client (CSM)</a:t>
+            </a:r>
           </a:p>
           <a:p>
             <a:pPr marL="34290">
@@ -16273,59 +13747,15 @@
               </a:spcBef>
             </a:pPr>
             <a:r>
-              <a:rPr sz="800" spc="-5" dirty="0">
+              <a:rPr lang="fr-FR" sz="800">
                 <a:solidFill>
                   <a:srgbClr val="6D6D6D"/>
                 </a:solidFill>
                 <a:latin typeface="Adobe Clean"/>
                 <a:cs typeface="Adobe Clean"/>
               </a:rPr>
-              <a:t>©202</a:t>
-            </a:r>
-            <a:r>
-              <a:rPr lang="en-US" sz="800" spc="-5" dirty="0">
-                <a:solidFill>
-                  <a:srgbClr val="6D6D6D"/>
-                </a:solidFill>
-                <a:latin typeface="Adobe Clean"/>
-                <a:cs typeface="Adobe Clean"/>
-              </a:rPr>
-              <a:t>1</a:t>
-            </a:r>
-            <a:r>
-              <a:rPr sz="800" spc="-5" dirty="0">
-                <a:solidFill>
-                  <a:srgbClr val="6D6D6D"/>
-                </a:solidFill>
-                <a:latin typeface="Adobe Clean"/>
-                <a:cs typeface="Adobe Clean"/>
-              </a:rPr>
-              <a:t> Adobe. All Rights Reserved. Adobe</a:t>
-            </a:r>
-            <a:r>
-              <a:rPr sz="800" spc="75" dirty="0">
-                <a:solidFill>
-                  <a:srgbClr val="6D6D6D"/>
-                </a:solidFill>
-                <a:latin typeface="Adobe Clean"/>
-                <a:cs typeface="Adobe Clean"/>
-              </a:rPr>
-              <a:t> </a:t>
-            </a:r>
-            <a:r>
-              <a:rPr sz="800" spc="-5" dirty="0">
-                <a:solidFill>
-                  <a:srgbClr val="6D6D6D"/>
-                </a:solidFill>
-                <a:latin typeface="Adobe Clean"/>
-                <a:cs typeface="Adobe Clean"/>
-              </a:rPr>
-              <a:t>Confidential.</a:t>
-            </a:r>
-            <a:endParaRPr sz="800" dirty="0">
-              <a:latin typeface="Adobe Clean"/>
-              <a:cs typeface="Adobe Clean"/>
-            </a:endParaRPr>
+              <a:t>©2021 Adobe. All Rights Reserved. Données confidentielles Adobe</a:t>
+            </a:r>
           </a:p>
         </p:txBody>
       </p:sp>
@@ -16362,19 +13792,15 @@
               </a:spcBef>
             </a:pPr>
             <a:r>
-              <a:rPr lang="en-US" sz="1400" b="1" spc="-15" dirty="0">
+              <a:rPr lang="fr-FR" sz="1400" b="1" dirty="0">
                 <a:solidFill>
                   <a:srgbClr val="020302"/>
                 </a:solidFill>
                 <a:latin typeface="Adobe Clean"/>
                 <a:cs typeface="Adobe Clean"/>
               </a:rPr>
-              <a:t>Regional scope of Adobe Support, Local Hours Of Operation And Language Support</a:t>
-            </a:r>
-            <a:endParaRPr lang="en-US" sz="1400" spc="-15" dirty="0">
-              <a:ea typeface="+mn-lt"/>
-              <a:cs typeface="+mn-lt"/>
-            </a:endParaRPr>
+              <a:t>Portée régionale de l’assistance Adobe, heures ouvrables locales et assistance linguistique</a:t>
+            </a:r>
           </a:p>
           <a:p>
             <a:pPr>
@@ -16383,17 +13809,31 @@
               </a:spcBef>
             </a:pPr>
             <a:r>
-              <a:rPr lang="en-US" sz="1000" spc="-15" dirty="0">
+              <a:rPr lang="fr-FR" sz="1000" dirty="0">
                 <a:solidFill>
                   <a:srgbClr val="1F1F1F"/>
                 </a:solidFill>
                 <a:latin typeface="AdobeClean-Light"/>
               </a:rPr>
-              <a:t>The regional scope of Adobe Support is established by aligning the customer's billing address (via the Sales Order or other Adobe Support purchasing document) to one of the following regions:</a:t>
-            </a:r>
-            <a:endParaRPr lang="en-US" sz="1000" dirty="0">
-              <a:latin typeface="AdobeClean-Light"/>
-            </a:endParaRPr>
+              <a:t>La portée régionale de l’assistance Adobe est définie par l’alignement de l’adresse de facturation du client </a:t>
+            </a:r>
+            <a:br>
+              <a:rPr lang="sk-SK" sz="1000" dirty="0">
+                <a:solidFill>
+                  <a:srgbClr val="1F1F1F"/>
+                </a:solidFill>
+                <a:latin typeface="AdobeClean-Light"/>
+              </a:rPr>
+            </a:br>
+            <a:r>
+              <a:rPr lang="fr-FR" sz="1000" dirty="0">
+                <a:solidFill>
+                  <a:srgbClr val="1F1F1F"/>
+                </a:solidFill>
+                <a:latin typeface="AdobeClean-Light"/>
+              </a:rPr>
+              <a:t>(se trouvant sur le bon de commande ou tout autre document d’achat de l’assistance Adobe) avec l’une des régions suivantes :</a:t>
+            </a:r>
           </a:p>
         </p:txBody>
       </p:sp>
@@ -16465,13 +13905,13 @@
                     <a:p>
                       <a:pPr algn="ctr"/>
                       <a:r>
-                        <a:rPr lang="en-US" sz="1100" dirty="0">
+                        <a:rPr lang="fr-FR" sz="1100">
                           <a:solidFill>
                             <a:schemeClr val="tx1"/>
                           </a:solidFill>
                           <a:latin typeface="Adobe Clean" panose="020B0503020404020204" pitchFamily="34" charset="0"/>
                         </a:rPr>
-                        <a:t>Americas</a:t>
+                        <a:t>Amériques</a:t>
                       </a:r>
                     </a:p>
                   </a:txBody>
@@ -16530,13 +13970,13 @@
                     <a:p>
                       <a:pPr algn="ctr"/>
                       <a:r>
-                        <a:rPr lang="en-US" sz="1100" dirty="0">
+                        <a:rPr lang="fr-FR" sz="1100">
                           <a:solidFill>
                             <a:schemeClr val="tx1"/>
                           </a:solidFill>
                           <a:latin typeface="Adobe Clean" panose="020B0503020404020204" pitchFamily="34" charset="0"/>
                         </a:rPr>
-                        <a:t>Europe, Middle East &amp; Africa</a:t>
+                        <a:t>Europe, Moyen-Orient et Afrique</a:t>
                       </a:r>
                     </a:p>
                   </a:txBody>
@@ -16595,13 +14035,13 @@
                     <a:p>
                       <a:pPr algn="ctr"/>
                       <a:r>
-                        <a:rPr lang="en-US" sz="1100" dirty="0">
+                        <a:rPr lang="fr-FR" sz="1100">
                           <a:solidFill>
                             <a:schemeClr val="tx1"/>
                           </a:solidFill>
                           <a:latin typeface="Adobe Clean" panose="020B0503020404020204" pitchFamily="34" charset="0"/>
                         </a:rPr>
-                        <a:t>Asia Pacific</a:t>
+                        <a:t>Asie-Pacifique</a:t>
                       </a:r>
                     </a:p>
                   </a:txBody>
@@ -16660,16 +14100,16 @@
                     <a:p>
                       <a:pPr algn="ctr"/>
                       <a:r>
-                        <a:rPr lang="en-US" sz="1100" dirty="0">
+                        <a:rPr lang="fr-FR" sz="1100">
                           <a:solidFill>
                             <a:schemeClr val="tx1"/>
                           </a:solidFill>
                           <a:latin typeface="Adobe Clean" panose="020B0503020404020204" pitchFamily="34" charset="0"/>
                         </a:rPr>
-                        <a:t>Japan </a:t>
+                        <a:t>Japon </a:t>
                       </a:r>
                       <a:r>
-                        <a:rPr lang="en-US" sz="1100" baseline="30000" dirty="0">
+                        <a:rPr lang="fr-FR" sz="1100" baseline="30000">
                           <a:solidFill>
                             <a:schemeClr val="tx1"/>
                           </a:solidFill>
@@ -16677,12 +14117,6 @@
                         </a:rPr>
                         <a:t>1 </a:t>
                       </a:r>
-                      <a:endParaRPr lang="en-US" sz="1100" dirty="0">
-                        <a:solidFill>
-                          <a:schemeClr val="tx1"/>
-                        </a:solidFill>
-                        <a:latin typeface="Adobe Clean" panose="020B0503020404020204" pitchFamily="34" charset="0"/>
-                      </a:endParaRPr>
                     </a:p>
                   </a:txBody>
                   <a:tcPr anchor="ctr">
@@ -16747,13 +14181,13 @@
                     <a:p>
                       <a:pPr algn="ctr"/>
                       <a:r>
-                        <a:rPr lang="en-US" sz="1100" dirty="0">
+                        <a:rPr lang="fr-FR" sz="1100">
                           <a:solidFill>
                             <a:schemeClr val="tx1"/>
                           </a:solidFill>
                           <a:latin typeface="Adobe Clean" panose="020B0503020404020204" pitchFamily="34" charset="0"/>
                         </a:rPr>
-                        <a:t>6 am – 5:30 pm</a:t>
+                        <a:t>6 h 00 à 17 h 30</a:t>
                       </a:r>
                     </a:p>
                   </a:txBody>
@@ -16812,13 +14246,13 @@
                     <a:p>
                       <a:pPr algn="ctr"/>
                       <a:r>
-                        <a:rPr lang="en-US" sz="1100" dirty="0">
+                        <a:rPr lang="fr-FR" sz="1100">
                           <a:solidFill>
                             <a:schemeClr val="tx1"/>
                           </a:solidFill>
                           <a:latin typeface="Adobe Clean" panose="020B0503020404020204" pitchFamily="34" charset="0"/>
                         </a:rPr>
-                        <a:t>9 am – 5 pm</a:t>
+                        <a:t>9 h 00 à 17 h 00</a:t>
                       </a:r>
                     </a:p>
                   </a:txBody>
@@ -16877,13 +14311,13 @@
                     <a:p>
                       <a:pPr algn="ctr"/>
                       <a:r>
-                        <a:rPr lang="en-US" sz="1100" dirty="0">
+                        <a:rPr lang="fr-FR" sz="1100">
                           <a:solidFill>
                             <a:schemeClr val="tx1"/>
                           </a:solidFill>
                           <a:latin typeface="Adobe Clean" panose="020B0503020404020204" pitchFamily="34" charset="0"/>
                         </a:rPr>
-                        <a:t>9 am – 5 pm</a:t>
+                        <a:t>9 h 00 à 17 h 00</a:t>
                       </a:r>
                     </a:p>
                   </a:txBody>
@@ -16942,13 +14376,13 @@
                     <a:p>
                       <a:pPr algn="ctr"/>
                       <a:r>
-                        <a:rPr lang="en-US" sz="1100" dirty="0">
+                        <a:rPr lang="fr-FR" sz="1100">
                           <a:solidFill>
                             <a:schemeClr val="tx1"/>
                           </a:solidFill>
                           <a:latin typeface="Adobe Clean" panose="020B0503020404020204" pitchFamily="34" charset="0"/>
                         </a:rPr>
-                        <a:t>9 am – 5:30 pm</a:t>
+                        <a:t>9 h 00 à 17 h 30</a:t>
                       </a:r>
                     </a:p>
                   </a:txBody>
@@ -17028,23 +14462,17 @@
                         <a:buNone/>
                       </a:pPr>
                       <a:r>
-                        <a:rPr lang="en-US" sz="1100" dirty="0">
+                        <a:rPr lang="fr-FR" sz="1100">
                           <a:solidFill>
                             <a:schemeClr val="tx1"/>
                           </a:solidFill>
                           <a:latin typeface="Adobe Clean"/>
                         </a:rPr>
-                        <a:t>Language support is only available in English and Japanese. </a:t>
+                        <a:t>L’assistance linguistique est uniquement disponible en anglais et en japonais. </a:t>
                       </a:r>
-                      <a:endParaRPr lang="en-US" sz="1100" dirty="0">
-                        <a:solidFill>
-                          <a:schemeClr val="tx1"/>
-                        </a:solidFill>
-                        <a:latin typeface="Adobe Clean" panose="020B0503020404020204" pitchFamily="34" charset="0"/>
-                      </a:endParaRPr>
                     </a:p>
                     <a:p>
-                      <a:pPr marL="0" marR="0" lvl="0" indent="0" algn="ctr" defTabSz="914400" eaLnBrk="1" fontAlgn="auto" latinLnBrk="0" hangingPunct="1">
+                      <a:pPr marL="0" marR="0" lvl="0" indent="0" algn="l" defTabSz="914400" rtl="0" eaLnBrk="1" fontAlgn="auto" latinLnBrk="0" hangingPunct="1">
                         <a:lnSpc>
                           <a:spcPct val="100000"/>
                         </a:lnSpc>
@@ -17079,7 +14507,7 @@
                     <a:p>
                       <a:pPr algn="ctr"/>
                       <a:r>
-                        <a:rPr lang="en-US" sz="1100" i="0" dirty="0">
+                        <a:rPr lang="fr-FR" sz="1100" i="0">
                           <a:solidFill>
                             <a:schemeClr val="tx1"/>
                           </a:solidFill>
@@ -17088,7 +14516,7 @@
                         <a:t> </a:t>
                       </a:r>
                       <a:r>
-                        <a:rPr lang="en-US" sz="1100" i="0" baseline="30000" dirty="0">
+                        <a:rPr lang="fr-FR" sz="1100" i="0" baseline="30000">
                           <a:solidFill>
                             <a:schemeClr val="tx1"/>
                           </a:solidFill>
@@ -17097,20 +14525,14 @@
                         <a:t>1 </a:t>
                       </a:r>
                       <a:r>
-                        <a:rPr lang="en-US" sz="1100" i="0" dirty="0">
+                        <a:rPr lang="fr-FR" sz="1100" i="0">
                           <a:solidFill>
                             <a:schemeClr val="tx1"/>
                           </a:solidFill>
                           <a:latin typeface="Adobe Clean"/>
                         </a:rPr>
-                        <a:t>P2, P3, P4 cases are limited to business hours only in Japan.</a:t>
+                        <a:t>Les cas P2, P3 et P4 sont limités aux heures ouvrables uniquement au Japon.</a:t>
                       </a:r>
-                      <a:endParaRPr lang="en-US" sz="1100" b="1" i="0" dirty="0">
-                        <a:solidFill>
-                          <a:schemeClr val="tx1"/>
-                        </a:solidFill>
-                        <a:latin typeface="Adobe Clean"/>
-                      </a:endParaRPr>
                     </a:p>
                   </a:txBody>
                   <a:tcPr anchor="ctr">
@@ -17452,8 +14874,8 @@
         </p:nvSpPr>
         <p:spPr>
           <a:xfrm>
-            <a:off x="2840871" y="8528519"/>
-            <a:ext cx="810895" cy="385445"/>
+            <a:off x="2743200" y="8528519"/>
+            <a:ext cx="1045329" cy="385445"/>
           </a:xfrm>
           <a:prstGeom prst="rect">
             <a:avLst/>
@@ -17465,7 +14887,7 @@
           </a:bodyPr>
           <a:lstStyle/>
           <a:p>
-            <a:pPr marL="139065" marR="5080" indent="-139065">
+            <a:pPr marR="5080" algn="ctr">
               <a:lnSpc>
                 <a:spcPts val="1390"/>
               </a:lnSpc>
@@ -17474,129 +14896,15 @@
               </a:spcBef>
             </a:pPr>
             <a:r>
-              <a:rPr sz="1200" b="1" spc="-15" dirty="0">
+              <a:rPr lang="fr-FR" sz="1200" b="1" dirty="0">
                 <a:solidFill>
                   <a:srgbClr val="FFFFFF"/>
                 </a:solidFill>
                 <a:latin typeface="Adobe Clean"/>
                 <a:cs typeface="Adobe Clean"/>
               </a:rPr>
-              <a:t>U</a:t>
-            </a:r>
-            <a:r>
-              <a:rPr sz="1200" b="1" spc="-20" dirty="0">
-                <a:solidFill>
-                  <a:srgbClr val="FFFFFF"/>
-                </a:solidFill>
-                <a:latin typeface="Adobe Clean"/>
-                <a:cs typeface="Adobe Clean"/>
-              </a:rPr>
-              <a:t>n</a:t>
-            </a:r>
-            <a:r>
-              <a:rPr sz="1200" b="1" spc="-25" dirty="0">
-                <a:solidFill>
-                  <a:srgbClr val="FFFFFF"/>
-                </a:solidFill>
-                <a:latin typeface="Adobe Clean"/>
-                <a:cs typeface="Adobe Clean"/>
-              </a:rPr>
-              <a:t>p</a:t>
-            </a:r>
-            <a:r>
-              <a:rPr sz="1200" b="1" spc="-15" dirty="0">
-                <a:solidFill>
-                  <a:srgbClr val="FFFFFF"/>
-                </a:solidFill>
-                <a:latin typeface="Adobe Clean"/>
-                <a:cs typeface="Adobe Clean"/>
-              </a:rPr>
-              <a:t>a</a:t>
-            </a:r>
-            <a:r>
-              <a:rPr sz="1200" b="1" spc="-25" dirty="0">
-                <a:solidFill>
-                  <a:srgbClr val="FFFFFF"/>
-                </a:solidFill>
-                <a:latin typeface="Adobe Clean"/>
-                <a:cs typeface="Adobe Clean"/>
-              </a:rPr>
-              <a:t>r</a:t>
-            </a:r>
-            <a:r>
-              <a:rPr sz="1200" b="1" spc="-15" dirty="0">
-                <a:solidFill>
-                  <a:srgbClr val="FFFFFF"/>
-                </a:solidFill>
-                <a:latin typeface="Adobe Clean"/>
-                <a:cs typeface="Adobe Clean"/>
-              </a:rPr>
-              <a:t>a</a:t>
-            </a:r>
-            <a:r>
-              <a:rPr sz="1200" b="1" spc="-30" dirty="0">
-                <a:solidFill>
-                  <a:srgbClr val="FFFFFF"/>
-                </a:solidFill>
-                <a:latin typeface="Adobe Clean"/>
-                <a:cs typeface="Adobe Clean"/>
-              </a:rPr>
-              <a:t>ll</a:t>
-            </a:r>
-            <a:r>
-              <a:rPr sz="1200" b="1" spc="-25" dirty="0">
-                <a:solidFill>
-                  <a:srgbClr val="FFFFFF"/>
-                </a:solidFill>
-                <a:latin typeface="Adobe Clean"/>
-                <a:cs typeface="Adobe Clean"/>
-              </a:rPr>
-              <a:t>e</a:t>
-            </a:r>
-            <a:r>
-              <a:rPr sz="1200" b="1" spc="-30" dirty="0">
-                <a:solidFill>
-                  <a:srgbClr val="FFFFFF"/>
-                </a:solidFill>
-                <a:latin typeface="Adobe Clean"/>
-                <a:cs typeface="Adobe Clean"/>
-              </a:rPr>
-              <a:t>l</a:t>
-            </a:r>
-            <a:r>
-              <a:rPr sz="1200" b="1" spc="-25" dirty="0">
-                <a:solidFill>
-                  <a:srgbClr val="FFFFFF"/>
-                </a:solidFill>
-                <a:latin typeface="Adobe Clean"/>
-                <a:cs typeface="Adobe Clean"/>
-              </a:rPr>
-              <a:t>e</a:t>
-            </a:r>
-            <a:r>
-              <a:rPr sz="1200" b="1" dirty="0">
-                <a:solidFill>
-                  <a:srgbClr val="FFFFFF"/>
-                </a:solidFill>
-                <a:latin typeface="Adobe Clean"/>
-                <a:cs typeface="Adobe Clean"/>
-              </a:rPr>
-              <a:t>d  </a:t>
-            </a:r>
-            <a:r>
-              <a:rPr sz="1200" b="1" spc="-25" dirty="0">
-                <a:solidFill>
-                  <a:srgbClr val="FFFFFF"/>
-                </a:solidFill>
-                <a:latin typeface="Adobe Clean"/>
-                <a:cs typeface="Adobe Clean"/>
-              </a:rPr>
-              <a:t>Expertise</a:t>
-            </a:r>
-            <a:endParaRPr sz="1200" dirty="0">
-              <a:latin typeface="Adobe Clean"/>
-              <a:cs typeface="Adobe Clean"/>
-            </a:endParaRPr>
+              <a:t>Expertise incomparable</a:t>
+            </a:r>
           </a:p>
         </p:txBody>
       </p:sp>
@@ -17614,7 +14922,7 @@
         </p:nvSpPr>
         <p:spPr>
           <a:xfrm>
-            <a:off x="4732495" y="8541244"/>
+            <a:off x="4675505" y="8541244"/>
             <a:ext cx="810895" cy="382797"/>
           </a:xfrm>
           <a:prstGeom prst="rect">
@@ -17627,7 +14935,7 @@
           </a:bodyPr>
           <a:lstStyle/>
           <a:p>
-            <a:pPr marL="139065" marR="5080" indent="-139065">
+            <a:pPr marR="5080" algn="ctr">
               <a:lnSpc>
                 <a:spcPts val="1390"/>
               </a:lnSpc>
@@ -17636,19 +14944,15 @@
               </a:spcBef>
             </a:pPr>
             <a:r>
-              <a:rPr lang="en-US" sz="1200" b="1" spc="-15" dirty="0">
+              <a:rPr lang="fr-FR" sz="1200" b="1" dirty="0">
                 <a:solidFill>
                   <a:srgbClr val="FFFFFF"/>
                 </a:solidFill>
                 <a:latin typeface="Adobe Clean"/>
                 <a:cs typeface="Adobe Clean"/>
               </a:rPr>
-              <a:t>Accelerated Support</a:t>
-            </a:r>
-            <a:endParaRPr sz="1200" dirty="0">
-              <a:latin typeface="Adobe Clean"/>
-              <a:cs typeface="Adobe Clean"/>
-            </a:endParaRPr>
+              <a:t>Assistance accélérée</a:t>
+            </a:r>
           </a:p>
         </p:txBody>
       </p:sp>
@@ -17666,8 +14970,8 @@
         </p:nvSpPr>
         <p:spPr>
           <a:xfrm>
-            <a:off x="6624119" y="8543943"/>
-            <a:ext cx="510540" cy="385445"/>
+            <a:off x="6473941" y="8546372"/>
+            <a:ext cx="810895" cy="382797"/>
           </a:xfrm>
           <a:prstGeom prst="rect">
             <a:avLst/>
@@ -17679,7 +14983,7 @@
           </a:bodyPr>
           <a:lstStyle/>
           <a:p>
-            <a:pPr marL="50800" marR="5080" indent="-51435">
+            <a:pPr marL="50800" marR="5080" indent="-51435" algn="ctr">
               <a:lnSpc>
                 <a:spcPts val="1390"/>
               </a:lnSpc>
@@ -17688,109 +14992,15 @@
               </a:spcBef>
             </a:pPr>
             <a:r>
-              <a:rPr sz="1200" b="1" spc="-50" dirty="0">
+              <a:rPr lang="fr-FR" sz="1200" b="1" dirty="0">
                 <a:solidFill>
                   <a:srgbClr val="FFFFFF"/>
                 </a:solidFill>
                 <a:latin typeface="Adobe Clean"/>
                 <a:cs typeface="Adobe Clean"/>
               </a:rPr>
-              <a:t>S</a:t>
-            </a:r>
-            <a:r>
-              <a:rPr sz="1200" b="1" spc="-20" dirty="0">
-                <a:solidFill>
-                  <a:srgbClr val="FFFFFF"/>
-                </a:solidFill>
-                <a:latin typeface="Adobe Clean"/>
-                <a:cs typeface="Adobe Clean"/>
-              </a:rPr>
-              <a:t>t</a:t>
-            </a:r>
-            <a:r>
-              <a:rPr sz="1200" b="1" spc="-75" dirty="0">
-                <a:solidFill>
-                  <a:srgbClr val="FFFFFF"/>
-                </a:solidFill>
-                <a:latin typeface="Adobe Clean"/>
-                <a:cs typeface="Adobe Clean"/>
-              </a:rPr>
-              <a:t>r</a:t>
-            </a:r>
-            <a:r>
-              <a:rPr sz="1200" b="1" spc="-90" dirty="0">
-                <a:solidFill>
-                  <a:srgbClr val="FFFFFF"/>
-                </a:solidFill>
-                <a:latin typeface="Adobe Clean"/>
-                <a:cs typeface="Adobe Clean"/>
-              </a:rPr>
-              <a:t>a</a:t>
-            </a:r>
-            <a:r>
-              <a:rPr sz="1200" b="1" spc="-55" dirty="0">
-                <a:solidFill>
-                  <a:srgbClr val="FFFFFF"/>
-                </a:solidFill>
-                <a:latin typeface="Adobe Clean"/>
-                <a:cs typeface="Adobe Clean"/>
-              </a:rPr>
-              <a:t>t</a:t>
-            </a:r>
-            <a:r>
-              <a:rPr sz="1200" b="1" spc="-100" dirty="0">
-                <a:solidFill>
-                  <a:srgbClr val="FFFFFF"/>
-                </a:solidFill>
-                <a:latin typeface="Adobe Clean"/>
-                <a:cs typeface="Adobe Clean"/>
-              </a:rPr>
-              <a:t>e</a:t>
-            </a:r>
-            <a:r>
-              <a:rPr sz="1200" b="1" spc="-80" dirty="0">
-                <a:solidFill>
-                  <a:srgbClr val="FFFFFF"/>
-                </a:solidFill>
-                <a:latin typeface="Adobe Clean"/>
-                <a:cs typeface="Adobe Clean"/>
-              </a:rPr>
-              <a:t>g</a:t>
-            </a:r>
-            <a:r>
-              <a:rPr sz="1200" b="1" spc="-35" dirty="0">
-                <a:solidFill>
-                  <a:srgbClr val="FFFFFF"/>
-                </a:solidFill>
-                <a:latin typeface="Adobe Clean"/>
-                <a:cs typeface="Adobe Clean"/>
-              </a:rPr>
-              <a:t>i</a:t>
-            </a:r>
-            <a:r>
-              <a:rPr sz="1200" b="1" dirty="0">
-                <a:solidFill>
-                  <a:srgbClr val="FFFFFF"/>
-                </a:solidFill>
-                <a:latin typeface="Adobe Clean"/>
-                <a:cs typeface="Adobe Clean"/>
-              </a:rPr>
-              <a:t>c  </a:t>
-            </a:r>
-            <a:r>
-              <a:rPr sz="1200" b="1" spc="-45" dirty="0">
-                <a:solidFill>
-                  <a:srgbClr val="FFFFFF"/>
-                </a:solidFill>
-                <a:latin typeface="Adobe Clean"/>
-                <a:cs typeface="Adobe Clean"/>
-              </a:rPr>
-              <a:t>Advice</a:t>
-            </a:r>
-            <a:endParaRPr sz="1200" dirty="0">
-              <a:latin typeface="Adobe Clean"/>
-              <a:cs typeface="Adobe Clean"/>
-            </a:endParaRPr>
+              <a:t>Conseil stratégique</a:t>
+            </a:r>
           </a:p>
         </p:txBody>
       </p:sp>
@@ -17809,14 +15019,14 @@
           <p:nvPr>
             <p:extLst>
               <p:ext uri="{D42A27DB-BD31-4B8C-83A1-F6EECF244321}">
-                <p14:modId xmlns:p14="http://schemas.microsoft.com/office/powerpoint/2010/main" val="1493671087"/>
+                <p14:modId xmlns:p14="http://schemas.microsoft.com/office/powerpoint/2010/main" val="1913841285"/>
               </p:ext>
             </p:extLst>
           </p:nvPr>
         </p:nvGraphicFramePr>
         <p:xfrm>
           <a:off x="194236" y="1059345"/>
-          <a:ext cx="7368291" cy="3235960"/>
+          <a:ext cx="7368291" cy="3718560"/>
         </p:xfrm>
         <a:graphic>
           <a:graphicData uri="http://schemas.openxmlformats.org/drawingml/2006/table">
@@ -17847,7 +15057,7 @@
                     <a:lstStyle/>
                     <a:p>
                       <a:r>
-                        <a:rPr lang="en-US" sz="1100" b="0" dirty="0">
+                        <a:rPr lang="fr-FR" sz="1100" b="0">
                           <a:solidFill>
                             <a:schemeClr val="tx1"/>
                           </a:solidFill>
@@ -17858,14 +15068,6 @@
                         </a:rPr>
                         <a:t>Experience League</a:t>
                       </a:r>
-                      <a:endParaRPr lang="en-US" sz="1100" b="0" dirty="0">
-                        <a:solidFill>
-                          <a:schemeClr val="tx1"/>
-                        </a:solidFill>
-                        <a:latin typeface="Adobe Clean" panose="020B0503020404020204" pitchFamily="34" charset="0"/>
-                        <a:ea typeface="+mn-ea"/>
-                        <a:cs typeface="+mn-cs"/>
-                      </a:endParaRPr>
                     </a:p>
                   </a:txBody>
                   <a:tcPr marL="47625" marR="47625" marT="0" marB="0" anchor="ctr">
@@ -17939,7 +15141,7 @@
                         <a:defRPr/>
                       </a:pPr>
                       <a:r>
-                        <a:rPr lang="en-US" sz="1000" b="0" kern="1200" dirty="0">
+                        <a:rPr lang="fr-FR" sz="1000" b="0" spc="-20" baseline="0" dirty="0" err="1">
                           <a:solidFill>
                             <a:srgbClr val="000000"/>
                           </a:solidFill>
@@ -17947,7 +15149,81 @@
                           <a:ea typeface="+mn-ea"/>
                           <a:cs typeface="+mn-cs"/>
                         </a:rPr>
-                        <a:t>Experience League is how Adobe helps businesses achieve the value they expect from their Adobe investment. It’s the unified place where customers can learn, connect, and grow along a personalized path to success that includes self-help tutorials, product documentation, instructor-led training, community and technical support. </a:t>
+                        <a:t>Experience</a:t>
+                      </a:r>
+                      <a:r>
+                        <a:rPr lang="fr-FR" sz="1000" b="0" spc="-20" baseline="0" dirty="0">
+                          <a:solidFill>
+                            <a:srgbClr val="000000"/>
+                          </a:solidFill>
+                          <a:latin typeface="Adobe Clean Light" panose="020B0303020404020204" pitchFamily="34" charset="0"/>
+                          <a:ea typeface="+mn-ea"/>
+                          <a:cs typeface="+mn-cs"/>
+                        </a:rPr>
+                        <a:t> League est la manière dont Adobe aide les entreprises à atteindre la valeur qu’elles attendent de leur investissement dans Adobe. </a:t>
+                      </a:r>
+                      <a:br>
+                        <a:rPr lang="sk-SK" sz="1000" b="0" spc="-20" baseline="0" dirty="0">
+                          <a:solidFill>
+                            <a:srgbClr val="000000"/>
+                          </a:solidFill>
+                          <a:latin typeface="Adobe Clean Light" panose="020B0303020404020204" pitchFamily="34" charset="0"/>
+                          <a:ea typeface="+mn-ea"/>
+                          <a:cs typeface="+mn-cs"/>
+                        </a:rPr>
+                      </a:br>
+                      <a:r>
+                        <a:rPr lang="fr-FR" sz="1000" b="0" spc="-20" baseline="0" dirty="0">
+                          <a:solidFill>
+                            <a:srgbClr val="000000"/>
+                          </a:solidFill>
+                          <a:latin typeface="Adobe Clean Light" panose="020B0303020404020204" pitchFamily="34" charset="0"/>
+                          <a:ea typeface="+mn-ea"/>
+                          <a:cs typeface="+mn-cs"/>
+                        </a:rPr>
+                        <a:t>Il s’agit de l’endroit commun où les clients peuvent apprendre, se mettre en relation les uns avec les autres et grandir le long d’un chemin personnalisé vers le succès. Il comprend des tutoriels automatiques, </a:t>
+                      </a:r>
+                      <a:br>
+                        <a:rPr lang="sk-SK" sz="1000" b="0" spc="-20" baseline="0" dirty="0">
+                          <a:solidFill>
+                            <a:srgbClr val="000000"/>
+                          </a:solidFill>
+                          <a:latin typeface="Adobe Clean Light" panose="020B0303020404020204" pitchFamily="34" charset="0"/>
+                          <a:ea typeface="+mn-ea"/>
+                          <a:cs typeface="+mn-cs"/>
+                        </a:rPr>
+                      </a:br>
+                      <a:r>
+                        <a:rPr lang="fr-FR" sz="1000" b="0" spc="-20" baseline="0" dirty="0">
+                          <a:solidFill>
+                            <a:srgbClr val="000000"/>
+                          </a:solidFill>
+                          <a:latin typeface="Adobe Clean Light" panose="020B0303020404020204" pitchFamily="34" charset="0"/>
+                          <a:ea typeface="+mn-ea"/>
+                          <a:cs typeface="+mn-cs"/>
+                        </a:rPr>
+                        <a:t>de la documentation sur les produits, une formation dispensée par </a:t>
+                      </a:r>
+                      <a:br>
+                        <a:rPr lang="sk-SK" sz="1000" b="0" spc="-20" baseline="0" dirty="0">
+                          <a:solidFill>
+                            <a:srgbClr val="000000"/>
+                          </a:solidFill>
+                          <a:latin typeface="Adobe Clean Light" panose="020B0303020404020204" pitchFamily="34" charset="0"/>
+                          <a:ea typeface="+mn-ea"/>
+                          <a:cs typeface="+mn-cs"/>
+                        </a:rPr>
+                      </a:br>
+                      <a:r>
+                        <a:rPr lang="fr-FR" sz="1000" b="0" spc="-20" baseline="0" dirty="0">
+                          <a:solidFill>
+                            <a:srgbClr val="000000"/>
+                          </a:solidFill>
+                          <a:latin typeface="Adobe Clean Light" panose="020B0303020404020204" pitchFamily="34" charset="0"/>
+                          <a:ea typeface="+mn-ea"/>
+                          <a:cs typeface="+mn-cs"/>
+                        </a:rPr>
+                        <a:t>un instructeur, une communauté et une assistance technique. </a:t>
                       </a:r>
                     </a:p>
                   </a:txBody>
@@ -18029,39 +15305,28 @@
                         <a:defRPr/>
                       </a:pPr>
                       <a:r>
-                        <a:rPr lang="en-US" sz="1100" dirty="0">
+                        <a:rPr lang="fr-FR" sz="1100">
                           <a:solidFill>
                             <a:schemeClr val="dk1"/>
                           </a:solidFill>
-                          <a:effectLst/>
                           <a:latin typeface="Adobe Clean" panose="020B0503020404020204" pitchFamily="34" charset="0"/>
                           <a:ea typeface="+mn-ea"/>
                           <a:cs typeface="+mn-cs"/>
                           <a:hlinkClick r:id="rId8"/>
                         </a:rPr>
-                        <a:t>Training</a:t>
+                        <a:t>Formation</a:t>
                       </a:r>
                       <a:r>
-                        <a:rPr lang="en-US" sz="1100" dirty="0">
+                        <a:rPr lang="fr-FR" sz="1100">
                           <a:solidFill>
                             <a:schemeClr val="dk1"/>
                           </a:solidFill>
-                          <a:effectLst/>
                           <a:latin typeface="Adobe Clean" panose="020B0503020404020204" pitchFamily="34" charset="0"/>
                           <a:ea typeface="+mn-ea"/>
                           <a:cs typeface="+mn-cs"/>
                         </a:rPr>
                         <a:t> </a:t>
                       </a:r>
-                      <a:endParaRPr lang="en-US" sz="1100" dirty="0">
-                        <a:solidFill>
-                          <a:schemeClr val="tx1"/>
-                        </a:solidFill>
-                        <a:effectLst/>
-                        <a:latin typeface="Adobe Clean" panose="020B0503020404020204" pitchFamily="34" charset="0"/>
-                        <a:ea typeface="+mn-ea"/>
-                        <a:cs typeface="+mn-cs"/>
-                      </a:endParaRPr>
                     </a:p>
                   </a:txBody>
                   <a:tcPr anchor="ctr">
@@ -18135,7 +15400,7 @@
                         <a:defRPr/>
                       </a:pPr>
                       <a:r>
-                        <a:rPr lang="en-US" sz="1000" kern="1200" dirty="0">
+                        <a:rPr lang="fr-FR" sz="1000">
                           <a:solidFill>
                             <a:srgbClr val="000000"/>
                           </a:solidFill>
@@ -18143,7 +15408,7 @@
                           <a:ea typeface="+mn-ea"/>
                           <a:cs typeface="+mn-cs"/>
                         </a:rPr>
-                        <a:t>Adobe Digital Learning Services courses are accessible from Experience League. Learning courses integrate both on-demand and instructor-led lessons.  Here you can accrue skills that have recognized market value and position them to drive success in your organizations.</a:t>
+                        <a:t>Les cours sur les services de formation numérique d’Adobe sont accessibles depuis Experience League. Les cours de formation regroupent des cours à la demande et des cours dispensés par un instructeur.  Grâce à ces cours, vous pouvez acquérir des compétences qui présentent une valeur marchande reconnue et les disposer de manière à stimuler le succès de vos entreprises.</a:t>
                       </a:r>
                     </a:p>
                   </a:txBody>
@@ -18225,27 +15490,17 @@
                         <a:defRPr/>
                       </a:pPr>
                       <a:r>
-                        <a:rPr lang="en-US" sz="1100" dirty="0">
+                        <a:rPr lang="fr-FR" sz="1100">
                           <a:solidFill>
                             <a:schemeClr val="tx1"/>
                           </a:solidFill>
-                          <a:effectLst/>
                           <a:latin typeface="Adobe Clean" panose="020B0503020404020204" pitchFamily="34" charset="0"/>
                           <a:ea typeface="+mn-ea"/>
                           <a:cs typeface="+mn-cs"/>
                           <a:hlinkClick r:id="rId9"/>
                         </a:rPr>
-                        <a:t>Production Issues &amp; System Outages</a:t>
+                        <a:t>Problèmes de production et panne du système</a:t>
                       </a:r>
-                      <a:endParaRPr lang="en-US" sz="1100" dirty="0">
-                        <a:solidFill>
-                          <a:schemeClr val="tx1"/>
-                        </a:solidFill>
-                        <a:effectLst/>
-                        <a:latin typeface="Adobe Clean" panose="020B0503020404020204" pitchFamily="34" charset="0"/>
-                        <a:ea typeface="+mn-ea"/>
-                        <a:cs typeface="+mn-cs"/>
-                      </a:endParaRPr>
                     </a:p>
                   </a:txBody>
                   <a:tcPr anchor="ctr">
@@ -18319,7 +15574,7 @@
                         <a:defRPr/>
                       </a:pPr>
                       <a:r>
-                        <a:rPr lang="en-US" sz="1000" kern="1200" dirty="0">
+                        <a:rPr lang="fr-FR" sz="1000" dirty="0">
                           <a:solidFill>
                             <a:srgbClr val="000000"/>
                           </a:solidFill>
@@ -18327,7 +15582,112 @@
                           <a:ea typeface="+mn-ea"/>
                           <a:cs typeface="+mn-cs"/>
                         </a:rPr>
-                        <a:t>Status.adobe.com conveys the health information of all Adobe products and services that are deployed in multi-tenant environments. Customers can choose their subscription preferences to get email notifications whenever Adobe creates, updates or resolves a product event. This can include scheduled maintenance or service issues of varying levels of severity. </a:t>
+                        <a:t>Status.adobe.com transmet les informations d’intégrité de tous </a:t>
+                      </a:r>
+                      <a:br>
+                        <a:rPr lang="sk-SK" sz="1000" dirty="0">
+                          <a:solidFill>
+                            <a:srgbClr val="000000"/>
+                          </a:solidFill>
+                          <a:latin typeface="Adobe Clean Light" panose="020B0303020404020204" pitchFamily="34" charset="0"/>
+                          <a:ea typeface="+mn-ea"/>
+                          <a:cs typeface="+mn-cs"/>
+                        </a:rPr>
+                      </a:br>
+                      <a:r>
+                        <a:rPr lang="fr-FR" sz="1000" dirty="0">
+                          <a:solidFill>
+                            <a:srgbClr val="000000"/>
+                          </a:solidFill>
+                          <a:latin typeface="Adobe Clean Light" panose="020B0303020404020204" pitchFamily="34" charset="0"/>
+                          <a:ea typeface="+mn-ea"/>
+                          <a:cs typeface="+mn-cs"/>
+                        </a:rPr>
+                        <a:t>les produits et services d’Adobe déployés dans des environnements </a:t>
+                      </a:r>
+                      <a:br>
+                        <a:rPr lang="sk-SK" sz="1000" dirty="0">
+                          <a:solidFill>
+                            <a:srgbClr val="000000"/>
+                          </a:solidFill>
+                          <a:latin typeface="Adobe Clean Light" panose="020B0303020404020204" pitchFamily="34" charset="0"/>
+                          <a:ea typeface="+mn-ea"/>
+                          <a:cs typeface="+mn-cs"/>
+                        </a:rPr>
+                      </a:br>
+                      <a:r>
+                        <a:rPr lang="fr-FR" sz="1000" dirty="0">
+                          <a:solidFill>
+                            <a:srgbClr val="000000"/>
+                          </a:solidFill>
+                          <a:latin typeface="Adobe Clean Light" panose="020B0303020404020204" pitchFamily="34" charset="0"/>
+                          <a:ea typeface="+mn-ea"/>
+                          <a:cs typeface="+mn-cs"/>
+                        </a:rPr>
+                        <a:t>multi-entité. Les clients peuvent choisir leurs préférences d’abonnement afin de recevoir des notifications par e-mail chaque </a:t>
+                      </a:r>
+                      <a:br>
+                        <a:rPr lang="sk-SK" sz="1000" dirty="0">
+                          <a:solidFill>
+                            <a:srgbClr val="000000"/>
+                          </a:solidFill>
+                          <a:latin typeface="Adobe Clean Light" panose="020B0303020404020204" pitchFamily="34" charset="0"/>
+                          <a:ea typeface="+mn-ea"/>
+                          <a:cs typeface="+mn-cs"/>
+                        </a:rPr>
+                      </a:br>
+                      <a:r>
+                        <a:rPr lang="fr-FR" sz="1000" dirty="0">
+                          <a:solidFill>
+                            <a:srgbClr val="000000"/>
+                          </a:solidFill>
+                          <a:latin typeface="Adobe Clean Light" panose="020B0303020404020204" pitchFamily="34" charset="0"/>
+                          <a:ea typeface="+mn-ea"/>
+                          <a:cs typeface="+mn-cs"/>
+                        </a:rPr>
+                        <a:t>fois qu’Adobe crée, met à jour ou résout un événement de produit. </a:t>
+                      </a:r>
+                      <a:br>
+                        <a:rPr lang="sk-SK" sz="1000" dirty="0">
+                          <a:solidFill>
+                            <a:srgbClr val="000000"/>
+                          </a:solidFill>
+                          <a:latin typeface="Adobe Clean Light" panose="020B0303020404020204" pitchFamily="34" charset="0"/>
+                          <a:ea typeface="+mn-ea"/>
+                          <a:cs typeface="+mn-cs"/>
+                        </a:rPr>
+                      </a:br>
+                      <a:r>
+                        <a:rPr lang="fr-FR" sz="1000" dirty="0">
+                          <a:solidFill>
+                            <a:srgbClr val="000000"/>
+                          </a:solidFill>
+                          <a:latin typeface="Adobe Clean Light" panose="020B0303020404020204" pitchFamily="34" charset="0"/>
+                          <a:ea typeface="+mn-ea"/>
+                          <a:cs typeface="+mn-cs"/>
+                        </a:rPr>
+                        <a:t>Cet événement peut inclure des problèmes de maintenance</a:t>
+                      </a:r>
+                      <a:br>
+                        <a:rPr lang="sk-SK" sz="1000" dirty="0">
+                          <a:solidFill>
+                            <a:srgbClr val="000000"/>
+                          </a:solidFill>
+                          <a:latin typeface="Adobe Clean Light" panose="020B0303020404020204" pitchFamily="34" charset="0"/>
+                          <a:ea typeface="+mn-ea"/>
+                          <a:cs typeface="+mn-cs"/>
+                        </a:rPr>
+                      </a:br>
+                      <a:r>
+                        <a:rPr lang="fr-FR" sz="1000" dirty="0">
+                          <a:solidFill>
+                            <a:srgbClr val="000000"/>
+                          </a:solidFill>
+                          <a:latin typeface="Adobe Clean Light" panose="020B0303020404020204" pitchFamily="34" charset="0"/>
+                          <a:ea typeface="+mn-ea"/>
+                          <a:cs typeface="+mn-cs"/>
+                        </a:rPr>
+                        <a:t>planifiée ou de service présentant différents niveaux de gravité. </a:t>
                       </a:r>
                     </a:p>
                   </a:txBody>
@@ -18409,27 +15769,17 @@
                         <a:defRPr/>
                       </a:pPr>
                       <a:r>
-                        <a:rPr lang="en-US" sz="1100" dirty="0">
+                        <a:rPr lang="fr-FR" sz="1100">
                           <a:solidFill>
                             <a:schemeClr val="tx1"/>
                           </a:solidFill>
-                          <a:effectLst/>
                           <a:latin typeface="Adobe Clean" panose="020B0503020404020204" pitchFamily="34" charset="0"/>
                           <a:ea typeface="+mn-ea"/>
                           <a:cs typeface="+mn-cs"/>
                           <a:hlinkClick r:id="rId10"/>
                         </a:rPr>
-                        <a:t>Terms and Conditions</a:t>
+                        <a:t>Termes et conditions</a:t>
                       </a:r>
-                      <a:endParaRPr lang="en-US" sz="1100" dirty="0">
-                        <a:solidFill>
-                          <a:schemeClr val="tx1"/>
-                        </a:solidFill>
-                        <a:effectLst/>
-                        <a:latin typeface="Adobe Clean" panose="020B0503020404020204" pitchFamily="34" charset="0"/>
-                        <a:ea typeface="+mn-ea"/>
-                        <a:cs typeface="+mn-cs"/>
-                      </a:endParaRPr>
                     </a:p>
                   </a:txBody>
                   <a:tcPr anchor="ctr">
@@ -18486,7 +15836,7 @@
                     <a:lstStyle/>
                     <a:p>
                       <a:r>
-                        <a:rPr lang="en-US" sz="1000" kern="1200" dirty="0">
+                        <a:rPr lang="fr-FR" sz="1000" dirty="0">
                           <a:solidFill>
                             <a:srgbClr val="000000"/>
                           </a:solidFill>
@@ -18494,7 +15844,28 @@
                           <a:ea typeface="+mn-ea"/>
                           <a:cs typeface="+mn-cs"/>
                         </a:rPr>
-                        <a:t>Terms and conditions detailing Support Services offerings</a:t>
+                        <a:t>Il s’agit des termes et conditions détaillant les offres </a:t>
+                      </a:r>
+                      <a:br>
+                        <a:rPr lang="sk-SK" sz="1000" dirty="0">
+                          <a:solidFill>
+                            <a:srgbClr val="000000"/>
+                          </a:solidFill>
+                          <a:latin typeface="Adobe Clean Light" panose="020B0303020404020204" pitchFamily="34" charset="0"/>
+                          <a:ea typeface="+mn-ea"/>
+                          <a:cs typeface="+mn-cs"/>
+                        </a:rPr>
+                      </a:br>
+                      <a:r>
+                        <a:rPr lang="fr-FR" sz="1000" dirty="0">
+                          <a:solidFill>
+                            <a:srgbClr val="000000"/>
+                          </a:solidFill>
+                          <a:latin typeface="Adobe Clean Light" panose="020B0303020404020204" pitchFamily="34" charset="0"/>
+                          <a:ea typeface="+mn-ea"/>
+                          <a:cs typeface="+mn-cs"/>
+                        </a:rPr>
+                        <a:t>des services d’assistance</a:t>
                       </a:r>
                     </a:p>
                   </a:txBody>
@@ -19265,6 +16636,21 @@
 </file>
 
 <file path=customXml/item1.xml><?xml version="1.0" encoding="utf-8"?>
+<p:properties xmlns:p="http://schemas.microsoft.com/office/2006/metadata/properties" xmlns:xsi="http://www.w3.org/2001/XMLSchema-instance" xmlns:pc="http://schemas.microsoft.com/office/infopath/2007/PartnerControls">
+  <documentManagement/>
+</p:properties>
+</file>
+
+<file path=customXml/item2.xml><?xml version="1.0" encoding="utf-8"?>
+<?mso-contentType ?>
+<FormTemplates xmlns="http://schemas.microsoft.com/sharepoint/v3/contenttype/forms">
+  <Display>DocumentLibraryForm</Display>
+  <Edit>DocumentLibraryForm</Edit>
+  <New>DocumentLibraryForm</New>
+</FormTemplates>
+</file>
+
+<file path=customXml/item3.xml><?xml version="1.0" encoding="utf-8"?>
 <ct:contentTypeSchema xmlns:ct="http://schemas.microsoft.com/office/2006/metadata/contentType" xmlns:ma="http://schemas.microsoft.com/office/2006/metadata/properties/metaAttributes" ct:_="" ma:_="" ma:contentTypeName="Document" ma:contentTypeID="0x010100E783BF6876BCC646A459363AF21A7736" ma:contentTypeVersion="10" ma:contentTypeDescription="Create a new document." ma:contentTypeScope="" ma:versionID="c4ffda7f4f415767600769e454c2ea87">
   <xsd:schema xmlns:xsd="http://www.w3.org/2001/XMLSchema" xmlns:xs="http://www.w3.org/2001/XMLSchema" xmlns:p="http://schemas.microsoft.com/office/2006/metadata/properties" xmlns:ns2="8a053bff-88be-49e4-9a87-e748e18b8b62" xmlns:ns3="6c8368ec-3776-49b5-a5bb-90648cf9530f" targetNamespace="http://schemas.microsoft.com/office/2006/metadata/properties" ma:root="true" ma:fieldsID="df3ec33bccc23e23bce7bc897fad43d1" ns2:_="" ns3:_="">
     <xsd:import namespace="8a053bff-88be-49e4-9a87-e748e18b8b62"/>
@@ -19469,22 +16855,24 @@
 </ct:contentTypeSchema>
 </file>
 
-<file path=customXml/item2.xml><?xml version="1.0" encoding="utf-8"?>
-<?mso-contentType ?>
-<FormTemplates xmlns="http://schemas.microsoft.com/sharepoint/v3/contenttype/forms">
-  <Display>DocumentLibraryForm</Display>
-  <Edit>DocumentLibraryForm</Edit>
-  <New>DocumentLibraryForm</New>
-</FormTemplates>
+<file path=customXml/itemProps1.xml><?xml version="1.0" encoding="utf-8"?>
+<ds:datastoreItem xmlns:ds="http://schemas.openxmlformats.org/officeDocument/2006/customXml" ds:itemID="{CED41536-010B-47B1-9229-B72BE4090090}">
+  <ds:schemaRefs>
+    <ds:schemaRef ds:uri="http://schemas.microsoft.com/office/2006/metadata/properties"/>
+    <ds:schemaRef ds:uri="http://schemas.microsoft.com/office/infopath/2007/PartnerControls"/>
+  </ds:schemaRefs>
+</ds:datastoreItem>
 </file>
 
-<file path=customXml/item3.xml><?xml version="1.0" encoding="utf-8"?>
-<p:properties xmlns:p="http://schemas.microsoft.com/office/2006/metadata/properties" xmlns:xsi="http://www.w3.org/2001/XMLSchema-instance" xmlns:pc="http://schemas.microsoft.com/office/infopath/2007/PartnerControls">
-  <documentManagement/>
-</p:properties>
+<file path=customXml/itemProps2.xml><?xml version="1.0" encoding="utf-8"?>
+<ds:datastoreItem xmlns:ds="http://schemas.openxmlformats.org/officeDocument/2006/customXml" ds:itemID="{669D9D3B-3229-44EE-9964-24A06AE66887}">
+  <ds:schemaRefs>
+    <ds:schemaRef ds:uri="http://schemas.microsoft.com/sharepoint/v3/contenttype/forms"/>
+  </ds:schemaRefs>
+</ds:datastoreItem>
 </file>
 
-<file path=customXml/itemProps1.xml><?xml version="1.0" encoding="utf-8"?>
+<file path=customXml/itemProps3.xml><?xml version="1.0" encoding="utf-8"?>
 <ds:datastoreItem xmlns:ds="http://schemas.openxmlformats.org/officeDocument/2006/customXml" ds:itemID="{75C1A8FD-3884-41A0-BE37-D15776C885D1}">
   <ds:schemaRefs>
     <ds:schemaRef ds:uri="http://schemas.microsoft.com/office/2006/metadata/contentType"/>
@@ -19501,21 +16889,4 @@
     <ds:schemaRef ds:uri="http://schemas.microsoft.com/internal/obd"/>
   </ds:schemaRefs>
 </ds:datastoreItem>
-</file>
-
-<file path=customXml/itemProps2.xml><?xml version="1.0" encoding="utf-8"?>
-<ds:datastoreItem xmlns:ds="http://schemas.openxmlformats.org/officeDocument/2006/customXml" ds:itemID="{669D9D3B-3229-44EE-9964-24A06AE66887}">
-  <ds:schemaRefs>
-    <ds:schemaRef ds:uri="http://schemas.microsoft.com/sharepoint/v3/contenttype/forms"/>
-  </ds:schemaRefs>
-</ds:datastoreItem>
-</file>
-
-<file path=customXml/itemProps3.xml><?xml version="1.0" encoding="utf-8"?>
-<ds:datastoreItem xmlns:ds="http://schemas.openxmlformats.org/officeDocument/2006/customXml" ds:itemID="{CED41536-010B-47B1-9229-B72BE4090090}">
-  <ds:schemaRefs>
-    <ds:schemaRef ds:uri="http://schemas.microsoft.com/office/2006/metadata/properties"/>
-    <ds:schemaRef ds:uri="http://schemas.microsoft.com/office/infopath/2007/PartnerControls"/>
-  </ds:schemaRefs>
-</ds:datastoreItem>
 </file>
--- a/help/data-sheets/assets/EliteSupportDatasheet.pptx
+++ b/help/data-sheets/assets/EliteSupportDatasheet.pptx
@@ -151,9 +151,7 @@
 <file path=ppt/revisionInfo.xml><?xml version="1.0" encoding="utf-8"?>
 <p1510:revInfo xmlns:a="http://schemas.openxmlformats.org/drawingml/2006/main" xmlns:r="http://schemas.openxmlformats.org/officeDocument/2006/relationships" xmlns:p1510="http://schemas.microsoft.com/office/powerpoint/2015/10/main">
   <p1510:revLst>
-    <p1510:client id="{306579C9-8574-E621-57BF-C5D6F4C605CC}" v="6" dt="2021-09-22T22:58:26.163"/>
-    <p1510:client id="{86768B6F-E5DF-274A-B928-9320E1DF9962}" v="132" dt="2021-08-07T02:18:13.925"/>
-    <p1510:client id="{8C285145-5FF7-2B49-D44C-ABA3390CC068}" v="48" dt="2021-09-22T19:02:31.738"/>
+    <p1510:client id="{0BC4D7A0-4BBD-1B49-BE14-170949F0EA37}" v="4" dt="2021-10-13T19:10:14.670"/>
   </p1510:revLst>
 </p1510:revInfo>
 </file>
@@ -161,58 +159,26 @@
 <file path=ppt/changesInfos/changesInfo1.xml><?xml version="1.0" encoding="utf-8"?>
 <pc:chgInfo xmlns:a="http://schemas.openxmlformats.org/drawingml/2006/main" xmlns:r="http://schemas.openxmlformats.org/officeDocument/2006/relationships" xmlns:ac="http://schemas.microsoft.com/office/drawing/2013/main/command" xmlns:pc="http://schemas.microsoft.com/office/powerpoint/2013/main/command">
   <pc:docChgLst>
-    <pc:chgData name="Akilah Johnson" userId="S::akjohnso@adobe.com::2fa3aa60-0c9c-4d06-bae2-795983241227" providerId="AD" clId="Web-{306579C9-8574-E621-57BF-C5D6F4C605CC}"/>
+    <pc:chgData name="Lauren Schutte" userId="6e08b2d3-447a-4d66-86be-444d50df187f" providerId="ADAL" clId="{0BC4D7A0-4BBD-1B49-BE14-170949F0EA37}"/>
     <pc:docChg chg="modSld">
-      <pc:chgData name="Akilah Johnson" userId="S::akjohnso@adobe.com::2fa3aa60-0c9c-4d06-bae2-795983241227" providerId="AD" clId="Web-{306579C9-8574-E621-57BF-C5D6F4C605CC}" dt="2021-09-22T22:58:18.491" v="3"/>
+      <pc:chgData name="Lauren Schutte" userId="6e08b2d3-447a-4d66-86be-444d50df187f" providerId="ADAL" clId="{0BC4D7A0-4BBD-1B49-BE14-170949F0EA37}" dt="2021-10-13T19:10:14.671" v="3" actId="1035"/>
       <pc:docMkLst>
         <pc:docMk/>
       </pc:docMkLst>
-      <pc:sldChg chg="modSp">
-        <pc:chgData name="Akilah Johnson" userId="S::akjohnso@adobe.com::2fa3aa60-0c9c-4d06-bae2-795983241227" providerId="AD" clId="Web-{306579C9-8574-E621-57BF-C5D6F4C605CC}" dt="2021-09-22T22:58:18.491" v="3"/>
+      <pc:sldChg chg="modSp mod">
+        <pc:chgData name="Lauren Schutte" userId="6e08b2d3-447a-4d66-86be-444d50df187f" providerId="ADAL" clId="{0BC4D7A0-4BBD-1B49-BE14-170949F0EA37}" dt="2021-10-13T19:10:14.671" v="3" actId="1035"/>
         <pc:sldMkLst>
           <pc:docMk/>
-          <pc:sldMk cId="1050037809" sldId="261"/>
-        </pc:sldMkLst>
-        <pc:graphicFrameChg chg="mod modGraphic">
-          <ac:chgData name="Akilah Johnson" userId="S::akjohnso@adobe.com::2fa3aa60-0c9c-4d06-bae2-795983241227" providerId="AD" clId="Web-{306579C9-8574-E621-57BF-C5D6F4C605CC}" dt="2021-09-22T22:58:18.491" v="3"/>
-          <ac:graphicFrameMkLst>
-            <pc:docMk/>
-            <pc:sldMk cId="1050037809" sldId="261"/>
-            <ac:graphicFrameMk id="25" creationId="{3A91F5B0-3974-A14D-A146-FB590F2AAD18}"/>
-          </ac:graphicFrameMkLst>
-        </pc:graphicFrameChg>
-      </pc:sldChg>
-    </pc:docChg>
-  </pc:docChgLst>
-  <pc:docChgLst>
-    <pc:chgData name="Akilah Johnson" userId="S::akjohnso@adobe.com::2fa3aa60-0c9c-4d06-bae2-795983241227" providerId="AD" clId="Web-{8C285145-5FF7-2B49-D44C-ABA3390CC068}"/>
-    <pc:docChg chg="modSld">
-      <pc:chgData name="Akilah Johnson" userId="S::akjohnso@adobe.com::2fa3aa60-0c9c-4d06-bae2-795983241227" providerId="AD" clId="Web-{8C285145-5FF7-2B49-D44C-ABA3390CC068}" dt="2021-09-22T19:02:31.738" v="36" actId="1076"/>
-      <pc:docMkLst>
-        <pc:docMk/>
-      </pc:docMkLst>
-      <pc:sldChg chg="modSp">
-        <pc:chgData name="Akilah Johnson" userId="S::akjohnso@adobe.com::2fa3aa60-0c9c-4d06-bae2-795983241227" providerId="AD" clId="Web-{8C285145-5FF7-2B49-D44C-ABA3390CC068}" dt="2021-09-22T19:02:31.738" v="36" actId="1076"/>
-        <pc:sldMkLst>
-          <pc:docMk/>
-          <pc:sldMk cId="1050037809" sldId="261"/>
+          <pc:sldMk cId="0" sldId="256"/>
         </pc:sldMkLst>
         <pc:spChg chg="mod">
-          <ac:chgData name="Akilah Johnson" userId="S::akjohnso@adobe.com::2fa3aa60-0c9c-4d06-bae2-795983241227" providerId="AD" clId="Web-{8C285145-5FF7-2B49-D44C-ABA3390CC068}" dt="2021-09-22T19:02:31.738" v="36" actId="1076"/>
+          <ac:chgData name="Lauren Schutte" userId="6e08b2d3-447a-4d66-86be-444d50df187f" providerId="ADAL" clId="{0BC4D7A0-4BBD-1B49-BE14-170949F0EA37}" dt="2021-10-13T19:10:14.671" v="3" actId="1035"/>
           <ac:spMkLst>
             <pc:docMk/>
-            <pc:sldMk cId="1050037809" sldId="261"/>
-            <ac:spMk id="64" creationId="{41467BDC-3D83-D844-B922-CD07E94E5AAB}"/>
+            <pc:sldMk cId="0" sldId="256"/>
+            <ac:spMk id="4" creationId="{00000000-0000-0000-0000-000000000000}"/>
           </ac:spMkLst>
         </pc:spChg>
-        <pc:graphicFrameChg chg="mod modGraphic">
-          <ac:chgData name="Akilah Johnson" userId="S::akjohnso@adobe.com::2fa3aa60-0c9c-4d06-bae2-795983241227" providerId="AD" clId="Web-{8C285145-5FF7-2B49-D44C-ABA3390CC068}" dt="2021-09-22T18:59:49.504" v="34"/>
-          <ac:graphicFrameMkLst>
-            <pc:docMk/>
-            <pc:sldMk cId="1050037809" sldId="261"/>
-            <ac:graphicFrameMk id="25" creationId="{3A91F5B0-3974-A14D-A146-FB590F2AAD18}"/>
-          </ac:graphicFrameMkLst>
-        </pc:graphicFrameChg>
       </pc:sldChg>
     </pc:docChg>
   </pc:docChgLst>
@@ -301,7 +267,7 @@
           <a:p>
             <a:fld id="{C12E57D6-2086-AA47-A7A4-C0CDE7C14E44}" type="datetimeFigureOut">
               <a:rPr lang="en-US" smtClean="0"/>
-              <a:t>10/1/2021</a:t>
+              <a:t>12-Nov-21</a:t>
             </a:fld>
             <a:endParaRPr lang="en-US"/>
           </a:p>
@@ -612,7 +578,7 @@
           <a:bodyPr/>
           <a:lstStyle/>
           <a:p>
-            <a:endParaRPr lang="en-US" dirty="0"/>
+            <a:endParaRPr lang="en-US"/>
           </a:p>
         </p:txBody>
       </p:sp>
@@ -696,91 +662,7 @@
           <a:bodyPr/>
           <a:lstStyle/>
           <a:p>
-            <a:endParaRPr lang="en-US" dirty="0"/>
-          </a:p>
-        </p:txBody>
-      </p:sp>
-      <p:sp>
-        <p:nvSpPr>
-          <p:cNvPr id="4" name="Slide Number Placeholder 3"/>
-          <p:cNvSpPr>
-            <a:spLocks noGrp="1"/>
-          </p:cNvSpPr>
-          <p:nvPr>
-            <p:ph type="sldNum" sz="quarter" idx="5"/>
-          </p:nvPr>
-        </p:nvSpPr>
-        <p:spPr/>
-        <p:txBody>
-          <a:bodyPr/>
-          <a:lstStyle/>
-          <a:p>
-            <a:fld id="{3FE59989-9CFD-3E47-ADC5-9472F49CBD92}" type="slidenum">
-              <a:rPr lang="en-US" smtClean="0"/>
-              <a:t>2</a:t>
-            </a:fld>
             <a:endParaRPr lang="en-US"/>
-          </a:p>
-        </p:txBody>
-      </p:sp>
-    </p:spTree>
-    <p:extLst>
-      <p:ext uri="{BB962C8B-B14F-4D97-AF65-F5344CB8AC3E}">
-        <p14:creationId xmlns:p14="http://schemas.microsoft.com/office/powerpoint/2010/main" val="3273391532"/>
-      </p:ext>
-    </p:extLst>
-  </p:cSld>
-  <p:clrMapOvr>
-    <a:masterClrMapping/>
-  </p:clrMapOvr>
-</p:notes>
-</file>
-
-<file path=ppt/notesSlides/notesSlide3.xml><?xml version="1.0" encoding="utf-8"?>
-<p:notes xmlns:a="http://schemas.openxmlformats.org/drawingml/2006/main" xmlns:r="http://schemas.openxmlformats.org/officeDocument/2006/relationships" xmlns:p="http://schemas.openxmlformats.org/presentationml/2006/main">
-  <p:cSld>
-    <p:spTree>
-      <p:nvGrpSpPr>
-        <p:cNvPr id="1" name=""/>
-        <p:cNvGrpSpPr/>
-        <p:nvPr/>
-      </p:nvGrpSpPr>
-      <p:grpSpPr>
-        <a:xfrm>
-          <a:off x="0" y="0"/>
-          <a:ext cx="0" cy="0"/>
-          <a:chOff x="0" y="0"/>
-          <a:chExt cx="0" cy="0"/>
-        </a:xfrm>
-      </p:grpSpPr>
-      <p:sp>
-        <p:nvSpPr>
-          <p:cNvPr id="2" name="Slide Image Placeholder 1"/>
-          <p:cNvSpPr>
-            <a:spLocks noGrp="1" noRot="1" noChangeAspect="1"/>
-          </p:cNvSpPr>
-          <p:nvPr>
-            <p:ph type="sldImg"/>
-          </p:nvPr>
-        </p:nvSpPr>
-        <p:spPr/>
-      </p:sp>
-      <p:sp>
-        <p:nvSpPr>
-          <p:cNvPr id="3" name="Notes Placeholder 2"/>
-          <p:cNvSpPr>
-            <a:spLocks noGrp="1"/>
-          </p:cNvSpPr>
-          <p:nvPr>
-            <p:ph type="body" idx="1"/>
-          </p:nvPr>
-        </p:nvSpPr>
-        <p:spPr/>
-        <p:txBody>
-          <a:bodyPr/>
-          <a:lstStyle/>
-          <a:p>
-            <a:endParaRPr lang="en-US" dirty="0"/>
           </a:p>
         </p:txBody>
       </p:sp>
@@ -959,7 +841,7 @@
           <a:p>
             <a:fld id="{1D8BD707-D9CF-40AE-B4C6-C98DA3205C09}" type="datetimeFigureOut">
               <a:rPr lang="en-US"/>
-              <a:t>10/1/2021</a:t>
+              <a:t>12-Nov-21</a:t>
             </a:fld>
             <a:endParaRPr lang="en-US"/>
           </a:p>
@@ -999,7 +881,7 @@
               </a:spcBef>
             </a:pPr>
             <a:r>
-              <a:rPr spc="-5" dirty="0"/>
+              <a:rPr spc="-5"/>
               <a:t>©</a:t>
             </a:r>
             <a:fld id="{81D60167-4931-47E6-BA6A-407CBD079E47}" type="slidenum">
@@ -1007,35 +889,35 @@
               <a:t>‹#›</a:t>
             </a:fld>
             <a:r>
-              <a:rPr spc="-5" dirty="0"/>
+              <a:rPr spc="-5"/>
               <a:t> Adobe. All</a:t>
             </a:r>
             <a:r>
-              <a:rPr spc="-15" dirty="0"/>
+              <a:rPr spc="-15"/>
               <a:t> Rights</a:t>
             </a:r>
             <a:r>
-              <a:rPr spc="-10" dirty="0"/>
+              <a:rPr spc="-10"/>
               <a:t> </a:t>
             </a:r>
             <a:r>
-              <a:rPr spc="-15" dirty="0"/>
+              <a:rPr spc="-15"/>
               <a:t>Reserved.</a:t>
             </a:r>
             <a:r>
-              <a:rPr spc="-10" dirty="0"/>
+              <a:rPr spc="-10"/>
               <a:t> </a:t>
             </a:r>
             <a:r>
-              <a:rPr spc="-5" dirty="0"/>
+              <a:rPr spc="-5"/>
               <a:t>Adobe</a:t>
             </a:r>
             <a:r>
-              <a:rPr spc="60" dirty="0"/>
+              <a:rPr spc="60"/>
               <a:t> </a:t>
             </a:r>
             <a:r>
-              <a:rPr spc="-15" dirty="0"/>
+              <a:rPr spc="-15"/>
               <a:t>Confidential.</a:t>
             </a:r>
           </a:p>
@@ -1204,7 +1086,7 @@
           <a:p>
             <a:fld id="{1D8BD707-D9CF-40AE-B4C6-C98DA3205C09}" type="datetimeFigureOut">
               <a:rPr lang="en-US"/>
-              <a:t>10/1/2021</a:t>
+              <a:t>12-Nov-21</a:t>
             </a:fld>
             <a:endParaRPr lang="en-US"/>
           </a:p>
@@ -1244,7 +1126,7 @@
               </a:spcBef>
             </a:pPr>
             <a:r>
-              <a:rPr spc="-5" dirty="0"/>
+              <a:rPr spc="-5"/>
               <a:t>©</a:t>
             </a:r>
             <a:fld id="{81D60167-4931-47E6-BA6A-407CBD079E47}" type="slidenum">
@@ -1252,35 +1134,35 @@
               <a:t>‹#›</a:t>
             </a:fld>
             <a:r>
-              <a:rPr spc="-5" dirty="0"/>
+              <a:rPr spc="-5"/>
               <a:t> Adobe. All</a:t>
             </a:r>
             <a:r>
-              <a:rPr spc="-15" dirty="0"/>
+              <a:rPr spc="-15"/>
               <a:t> Rights</a:t>
             </a:r>
             <a:r>
-              <a:rPr spc="-10" dirty="0"/>
+              <a:rPr spc="-10"/>
               <a:t> </a:t>
             </a:r>
             <a:r>
-              <a:rPr spc="-15" dirty="0"/>
+              <a:rPr spc="-15"/>
               <a:t>Reserved.</a:t>
             </a:r>
             <a:r>
-              <a:rPr spc="-10" dirty="0"/>
+              <a:rPr spc="-10"/>
               <a:t> </a:t>
             </a:r>
             <a:r>
-              <a:rPr spc="-5" dirty="0"/>
+              <a:rPr spc="-5"/>
               <a:t>Adobe</a:t>
             </a:r>
             <a:r>
-              <a:rPr spc="60" dirty="0"/>
+              <a:rPr spc="60"/>
               <a:t> </a:t>
             </a:r>
             <a:r>
-              <a:rPr spc="-15" dirty="0"/>
+              <a:rPr spc="-15"/>
               <a:t>Confidential.</a:t>
             </a:r>
           </a:p>
@@ -1462,7 +1344,7 @@
           <a:p>
             <a:fld id="{1D8BD707-D9CF-40AE-B4C6-C98DA3205C09}" type="datetimeFigureOut">
               <a:rPr lang="en-US"/>
-              <a:t>10/1/2021</a:t>
+              <a:t>12-Nov-21</a:t>
             </a:fld>
             <a:endParaRPr lang="en-US"/>
           </a:p>
@@ -1502,7 +1384,7 @@
               </a:spcBef>
             </a:pPr>
             <a:r>
-              <a:rPr spc="-5" dirty="0"/>
+              <a:rPr spc="-5"/>
               <a:t>©</a:t>
             </a:r>
             <a:fld id="{81D60167-4931-47E6-BA6A-407CBD079E47}" type="slidenum">
@@ -1510,35 +1392,35 @@
               <a:t>‹#›</a:t>
             </a:fld>
             <a:r>
-              <a:rPr spc="-5" dirty="0"/>
+              <a:rPr spc="-5"/>
               <a:t> Adobe. All</a:t>
             </a:r>
             <a:r>
-              <a:rPr spc="-15" dirty="0"/>
+              <a:rPr spc="-15"/>
               <a:t> Rights</a:t>
             </a:r>
             <a:r>
-              <a:rPr spc="-10" dirty="0"/>
+              <a:rPr spc="-10"/>
               <a:t> </a:t>
             </a:r>
             <a:r>
-              <a:rPr spc="-15" dirty="0"/>
+              <a:rPr spc="-15"/>
               <a:t>Reserved.</a:t>
             </a:r>
             <a:r>
-              <a:rPr spc="-10" dirty="0"/>
+              <a:rPr spc="-10"/>
               <a:t> </a:t>
             </a:r>
             <a:r>
-              <a:rPr spc="-5" dirty="0"/>
+              <a:rPr spc="-5"/>
               <a:t>Adobe</a:t>
             </a:r>
             <a:r>
-              <a:rPr spc="60" dirty="0"/>
+              <a:rPr spc="60"/>
               <a:t> </a:t>
             </a:r>
             <a:r>
-              <a:rPr spc="-15" dirty="0"/>
+              <a:rPr spc="-15"/>
               <a:t>Confidential.</a:t>
             </a:r>
           </a:p>
@@ -1654,7 +1536,7 @@
           <a:p>
             <a:fld id="{1D8BD707-D9CF-40AE-B4C6-C98DA3205C09}" type="datetimeFigureOut">
               <a:rPr lang="en-US"/>
-              <a:t>10/1/2021</a:t>
+              <a:t>12-Nov-21</a:t>
             </a:fld>
             <a:endParaRPr lang="en-US"/>
           </a:p>
@@ -1694,7 +1576,7 @@
               </a:spcBef>
             </a:pPr>
             <a:r>
-              <a:rPr spc="-5" dirty="0"/>
+              <a:rPr spc="-5"/>
               <a:t>©</a:t>
             </a:r>
             <a:fld id="{81D60167-4931-47E6-BA6A-407CBD079E47}" type="slidenum">
@@ -1702,35 +1584,35 @@
               <a:t>‹#›</a:t>
             </a:fld>
             <a:r>
-              <a:rPr spc="-5" dirty="0"/>
+              <a:rPr spc="-5"/>
               <a:t> Adobe. All</a:t>
             </a:r>
             <a:r>
-              <a:rPr spc="-15" dirty="0"/>
+              <a:rPr spc="-15"/>
               <a:t> Rights</a:t>
             </a:r>
             <a:r>
-              <a:rPr spc="-10" dirty="0"/>
+              <a:rPr spc="-10"/>
               <a:t> </a:t>
             </a:r>
             <a:r>
-              <a:rPr spc="-15" dirty="0"/>
+              <a:rPr spc="-15"/>
               <a:t>Reserved.</a:t>
             </a:r>
             <a:r>
-              <a:rPr spc="-10" dirty="0"/>
+              <a:rPr spc="-10"/>
               <a:t> </a:t>
             </a:r>
             <a:r>
-              <a:rPr spc="-5" dirty="0"/>
+              <a:rPr spc="-5"/>
               <a:t>Adobe</a:t>
             </a:r>
             <a:r>
-              <a:rPr spc="60" dirty="0"/>
+              <a:rPr spc="60"/>
               <a:t> </a:t>
             </a:r>
             <a:r>
-              <a:rPr spc="-15" dirty="0"/>
+              <a:rPr spc="-15"/>
               <a:t>Confidential.</a:t>
             </a:r>
           </a:p>
@@ -1817,7 +1699,7 @@
           <a:p>
             <a:fld id="{1D8BD707-D9CF-40AE-B4C6-C98DA3205C09}" type="datetimeFigureOut">
               <a:rPr lang="en-US"/>
-              <a:t>10/1/2021</a:t>
+              <a:t>12-Nov-21</a:t>
             </a:fld>
             <a:endParaRPr lang="en-US"/>
           </a:p>
@@ -1857,7 +1739,7 @@
               </a:spcBef>
             </a:pPr>
             <a:r>
-              <a:rPr spc="-5" dirty="0"/>
+              <a:rPr spc="-5"/>
               <a:t>©</a:t>
             </a:r>
             <a:fld id="{81D60167-4931-47E6-BA6A-407CBD079E47}" type="slidenum">
@@ -1865,35 +1747,35 @@
               <a:t>‹#›</a:t>
             </a:fld>
             <a:r>
-              <a:rPr spc="-5" dirty="0"/>
+              <a:rPr spc="-5"/>
               <a:t> Adobe. All</a:t>
             </a:r>
             <a:r>
-              <a:rPr spc="-15" dirty="0"/>
+              <a:rPr spc="-15"/>
               <a:t> Rights</a:t>
             </a:r>
             <a:r>
-              <a:rPr spc="-10" dirty="0"/>
+              <a:rPr spc="-10"/>
               <a:t> </a:t>
             </a:r>
             <a:r>
-              <a:rPr spc="-15" dirty="0"/>
+              <a:rPr spc="-15"/>
               <a:t>Reserved.</a:t>
             </a:r>
             <a:r>
-              <a:rPr spc="-10" dirty="0"/>
+              <a:rPr spc="-10"/>
               <a:t> </a:t>
             </a:r>
             <a:r>
-              <a:rPr spc="-5" dirty="0"/>
+              <a:rPr spc="-5"/>
               <a:t>Adobe</a:t>
             </a:r>
             <a:r>
-              <a:rPr spc="60" dirty="0"/>
+              <a:rPr spc="60"/>
               <a:t> </a:t>
             </a:r>
             <a:r>
-              <a:rPr spc="-15" dirty="0"/>
+              <a:rPr spc="-15"/>
               <a:t>Confidential.</a:t>
             </a:r>
           </a:p>
@@ -2080,7 +1962,7 @@
           <a:p>
             <a:fld id="{1D8BD707-D9CF-40AE-B4C6-C98DA3205C09}" type="datetimeFigureOut">
               <a:rPr lang="en-US"/>
-              <a:t>10/1/2021</a:t>
+              <a:t>12-Nov-21</a:t>
             </a:fld>
             <a:endParaRPr lang="en-US"/>
           </a:p>
@@ -2130,7 +2012,7 @@
               </a:spcBef>
             </a:pPr>
             <a:r>
-              <a:rPr spc="-5" dirty="0"/>
+              <a:rPr spc="-5"/>
               <a:t>©</a:t>
             </a:r>
             <a:fld id="{81D60167-4931-47E6-BA6A-407CBD079E47}" type="slidenum">
@@ -2138,35 +2020,35 @@
               <a:t>‹#›</a:t>
             </a:fld>
             <a:r>
-              <a:rPr spc="-5" dirty="0"/>
+              <a:rPr spc="-5"/>
               <a:t> Adobe. All</a:t>
             </a:r>
             <a:r>
-              <a:rPr spc="-15" dirty="0"/>
+              <a:rPr spc="-15"/>
               <a:t> Rights</a:t>
             </a:r>
             <a:r>
-              <a:rPr spc="-10" dirty="0"/>
+              <a:rPr spc="-10"/>
               <a:t> </a:t>
             </a:r>
             <a:r>
-              <a:rPr spc="-15" dirty="0"/>
+              <a:rPr spc="-15"/>
               <a:t>Reserved.</a:t>
             </a:r>
             <a:r>
-              <a:rPr spc="-10" dirty="0"/>
+              <a:rPr spc="-10"/>
               <a:t> </a:t>
             </a:r>
             <a:r>
-              <a:rPr spc="-5" dirty="0"/>
+              <a:rPr spc="-5"/>
               <a:t>Adobe</a:t>
             </a:r>
             <a:r>
-              <a:rPr spc="60" dirty="0"/>
+              <a:rPr spc="60"/>
               <a:t> </a:t>
             </a:r>
             <a:r>
-              <a:rPr spc="-15" dirty="0"/>
+              <a:rPr spc="-15"/>
               <a:t>Confidential.</a:t>
             </a:r>
           </a:p>
@@ -2363,24 +2245,19 @@
           </a:prstGeom>
         </p:spPr>
         <p:txBody>
-          <a:bodyPr vert="horz" wrap="square" lIns="0" tIns="12700" rIns="0" bIns="0" rtlCol="0">
+          <a:bodyPr vert="horz" wrap="square" lIns="0" tIns="12700" rIns="0" bIns="0" rtlCol="0" anchor="t">
             <a:spAutoFit/>
           </a:bodyPr>
           <a:lstStyle/>
           <a:p>
             <a:pPr marL="12700">
-              <a:lnSpc>
-                <a:spcPct val="100000"/>
-              </a:lnSpc>
               <a:spcBef>
                 <a:spcPts val="100"/>
               </a:spcBef>
             </a:pPr>
             <a:r>
-              <a:rPr lang="fr-FR" sz="2300">
-                <a:latin typeface="Adobe Clean" panose="020B0503020404020204" pitchFamily="34" charset="0"/>
-              </a:rPr>
-              <a:t>OFFRES D’ASSISTANCE ADOBE</a:t>
+              <a:rPr lang="fr-FR" sz="2300"/>
+              <a:t>PLANS D’ASSISTANCE ADOBE</a:t>
             </a:r>
           </a:p>
         </p:txBody>
@@ -2394,7 +2271,7 @@
         <p:spPr>
           <a:xfrm>
             <a:off x="159522" y="560755"/>
-            <a:ext cx="7003277" cy="1466427"/>
+            <a:ext cx="7003277" cy="1443344"/>
           </a:xfrm>
           <a:prstGeom prst="rect">
             <a:avLst/>
@@ -2415,7 +2292,7 @@
               </a:spcBef>
             </a:pPr>
             <a:r>
-              <a:rPr lang="fr-FR" sz="1100" dirty="0">
+              <a:rPr lang="fr-FR" sz="1050" dirty="0">
                 <a:solidFill>
                   <a:srgbClr val="FFFFFF"/>
                 </a:solidFill>
@@ -2425,7 +2302,7 @@
               <a:t>En ligne | Commerciale | Entreprise | </a:t>
             </a:r>
             <a:r>
-              <a:rPr lang="fr-FR" sz="1100" b="1" dirty="0">
+              <a:rPr lang="fr-FR" sz="1050" b="1" dirty="0">
                 <a:solidFill>
                   <a:srgbClr val="FFFFFF"/>
                 </a:solidFill>
@@ -2451,7 +2328,7 @@
               <a:t>Adobe offre une gamme complète de ressources techniques afin d’appuyer votre entreprise. Elles sont comprises dans votre abonnement </a:t>
             </a:r>
             <a:br>
-              <a:rPr lang="sk-SK" sz="800" dirty="0">
+              <a:rPr lang="fr-FR" sz="800" dirty="0">
                 <a:solidFill>
                   <a:schemeClr val="bg1"/>
                 </a:solidFill>
@@ -2501,10 +2378,10 @@
                 </a:solidFill>
                 <a:latin typeface="Adobe Clean SemiLight" panose="020B0403020404020204" pitchFamily="34" charset="0"/>
               </a:rPr>
-              <a:t> League d’Adobe. Vous pouvez également tirer profit de notre documentation technique détaillée et approfondie sur les produits, ainsi que de nos notes de mise à jour actuelles. Les clients ELITE auront également accès à un ingénieur d’assistance nommé, ainsi qu’à un gestionnaire de compte technique qui s’associent et travaillent </a:t>
+              <a:t> League d’Adobe. Vous pouvez également tirer </a:t>
             </a:r>
             <a:br>
-              <a:rPr lang="sk-SK" sz="800" dirty="0">
+              <a:rPr lang="fr-FR" sz="800" dirty="0">
                 <a:solidFill>
                   <a:schemeClr val="bg1"/>
                 </a:solidFill>
@@ -2518,10 +2395,10 @@
                 </a:solidFill>
                 <a:latin typeface="Adobe Clean SemiLight" panose="020B0403020404020204" pitchFamily="34" charset="0"/>
               </a:rPr>
-              <a:t>en collaboration avec vous afin de vous offrir la meilleure assistance proactive et réactive de sa catégorie. Parallèlement, ils jouent le rôle </a:t>
+              <a:t>profit de notre documentation technique détaillée et approfondie sur les produits, ainsi que de nos notes de mise à jour actuelles. Les clients </a:t>
             </a:r>
             <a:br>
-              <a:rPr lang="sk-SK" sz="800" dirty="0">
+              <a:rPr lang="fr-FR" sz="800" dirty="0">
                 <a:solidFill>
                   <a:schemeClr val="bg1"/>
                 </a:solidFill>
@@ -2535,7 +2412,24 @@
                 </a:solidFill>
                 <a:latin typeface="Adobe Clean SemiLight" panose="020B0403020404020204" pitchFamily="34" charset="0"/>
               </a:rPr>
-              <a:t>de contacts techniques désignés dans l’équipe d’assistance d’Adobe. Grâce à sa grande expérience dans vos solutions </a:t>
+              <a:t>ELITE auront également accès à un ingénieur d’assistance nommé, ainsi qu’à un gestionnaire de compte technique qui s’associent et travaillent </a:t>
+            </a:r>
+            <a:br>
+              <a:rPr lang="fr-FR" sz="800" dirty="0">
+                <a:solidFill>
+                  <a:schemeClr val="bg1"/>
+                </a:solidFill>
+                <a:latin typeface="Adobe Clean SemiLight" panose="020B0403020404020204" pitchFamily="34" charset="0"/>
+              </a:rPr>
+            </a:br>
+            <a:r>
+              <a:rPr lang="fr-FR" sz="800" dirty="0">
+                <a:solidFill>
+                  <a:schemeClr val="bg1"/>
+                </a:solidFill>
+                <a:latin typeface="Adobe Clean SemiLight" panose="020B0403020404020204" pitchFamily="34" charset="0"/>
+              </a:rPr>
+              <a:t>en collaboration avec vous afin de vous offrir la meilleure assistance proactive et réactive de sa catégorie. Parallèlement, ils jouent le rôle de contacts techniques désignés dans l’équipe d’assistance d’Adobe. Grâce à sa grande expérience dans vos solutions </a:t>
             </a:r>
             <a:r>
               <a:rPr lang="fr-FR" sz="800" dirty="0" err="1">
@@ -2584,8 +2478,8 @@
         </p:nvSpPr>
         <p:spPr>
           <a:xfrm>
-            <a:off x="168564" y="7086932"/>
-            <a:ext cx="3870036" cy="228268"/>
+            <a:off x="168564" y="6554150"/>
+            <a:ext cx="6330661" cy="228268"/>
           </a:xfrm>
           <a:prstGeom prst="rect">
             <a:avLst/>
@@ -2632,14 +2526,14 @@
           <p:nvPr>
             <p:extLst>
               <p:ext uri="{D42A27DB-BD31-4B8C-83A1-F6EECF244321}">
-                <p14:modId xmlns:p14="http://schemas.microsoft.com/office/powerpoint/2010/main" val="3896401050"/>
+                <p14:modId xmlns:p14="http://schemas.microsoft.com/office/powerpoint/2010/main" val="178588742"/>
               </p:ext>
             </p:extLst>
           </p:nvPr>
         </p:nvGraphicFramePr>
         <p:xfrm>
-          <a:off x="145668" y="7385534"/>
-          <a:ext cx="7409815" cy="2444266"/>
+          <a:off x="145668" y="6864508"/>
+          <a:ext cx="7409815" cy="2721582"/>
         </p:xfrm>
         <a:graphic>
           <a:graphicData uri="http://schemas.openxmlformats.org/drawingml/2006/table">
@@ -2648,21 +2542,21 @@
                 <a:tableStyleId>{2D5ABB26-0587-4C30-8999-92F81FD0307C}</a:tableStyleId>
               </a:tblPr>
               <a:tblGrid>
-                <a:gridCol w="4654932">
+                <a:gridCol w="4459670">
                   <a:extLst>
                     <a:ext uri="{9D8B030D-6E8A-4147-A177-3AD203B41FA5}">
                       <a16:colId xmlns:a16="http://schemas.microsoft.com/office/drawing/2014/main" val="20000"/>
                     </a:ext>
                   </a:extLst>
                 </a:gridCol>
-                <a:gridCol w="1371600">
+                <a:gridCol w="1562100">
                   <a:extLst>
                     <a:ext uri="{9D8B030D-6E8A-4147-A177-3AD203B41FA5}">
                       <a16:colId xmlns:a16="http://schemas.microsoft.com/office/drawing/2014/main" val="20001"/>
                     </a:ext>
                   </a:extLst>
                 </a:gridCol>
-                <a:gridCol w="1383283">
+                <a:gridCol w="1388045">
                   <a:extLst>
                     <a:ext uri="{9D8B030D-6E8A-4147-A177-3AD203B41FA5}">
                       <a16:colId xmlns:a16="http://schemas.microsoft.com/office/drawing/2014/main" val="20002"/>
@@ -2670,7 +2564,7 @@
                   </a:extLst>
                 </a:gridCol>
               </a:tblGrid>
-              <a:tr h="375442">
+              <a:tr h="230252">
                 <a:tc>
                   <a:txBody>
                     <a:bodyPr/>
@@ -2848,7 +2742,7 @@
                   </a:ext>
                 </a:extLst>
               </a:tr>
-              <a:tr h="511415">
+              <a:tr h="681580">
                 <a:tc>
                   <a:txBody>
                     <a:bodyPr/>
@@ -2928,13 +2822,13 @@
                     <a:bodyPr/>
                     <a:lstStyle/>
                     <a:p>
-                      <a:pPr marL="542925" marR="492125" algn="ctr">
+                      <a:pPr marL="542925" marR="492125" algn="l">
                         <a:lnSpc>
                           <a:spcPct val="102200"/>
                         </a:lnSpc>
                       </a:pPr>
                       <a:r>
-                        <a:rPr lang="fr-FR" sz="900" dirty="0">
+                        <a:rPr lang="fr-FR" sz="900">
                           <a:solidFill>
                             <a:srgbClr val="020302"/>
                           </a:solidFill>
@@ -2980,7 +2874,7 @@
                     <a:bodyPr/>
                     <a:lstStyle/>
                     <a:p>
-                      <a:pPr marL="405130" marR="459740" indent="92710" algn="ctr">
+                      <a:pPr marL="405130" marR="459740" indent="92710" algn="l">
                         <a:lnSpc>
                           <a:spcPct val="100000"/>
                         </a:lnSpc>
@@ -3041,7 +2935,7 @@
                   </a:ext>
                 </a:extLst>
               </a:tr>
-              <a:tr h="511415">
+              <a:tr h="672705">
                 <a:tc>
                   <a:txBody>
                     <a:bodyPr/>
@@ -3056,7 +2950,7 @@
                         </a:spcBef>
                       </a:pPr>
                       <a:r>
-                        <a:rPr lang="fr-FR" sz="900" b="1">
+                        <a:rPr lang="fr-FR" sz="900" b="1" dirty="0">
                           <a:solidFill>
                             <a:srgbClr val="020302"/>
                           </a:solidFill>
@@ -3076,13 +2970,30 @@
                         </a:spcBef>
                       </a:pPr>
                       <a:r>
-                        <a:rPr lang="fr-FR" sz="900" b="0" i="0" u="none" strike="noStrike">
+                        <a:rPr lang="fr-FR" sz="900" b="0" i="0" u="none" strike="noStrike" dirty="0">
                           <a:solidFill>
                             <a:srgbClr val="000000"/>
                           </a:solidFill>
                           <a:latin typeface="Adobe Clean Light" panose="020B0303020404020204" pitchFamily="34" charset="0"/>
                         </a:rPr>
-                        <a:t>Les fonctions commerciales du client présentent une dégradation importante du service ou une perte potentielle de données. Il est également possible qu’une fonctionnalité majeure soit affectée</a:t>
+                        <a:t>Les fonctions commerciales du client présentent une dégradation importante </a:t>
+                      </a:r>
+                      <a:br>
+                        <a:rPr lang="fr-FR" sz="900" b="0" i="0" u="none" strike="noStrike" dirty="0">
+                          <a:solidFill>
+                            <a:srgbClr val="000000"/>
+                          </a:solidFill>
+                          <a:latin typeface="Adobe Clean Light" panose="020B0303020404020204" pitchFamily="34" charset="0"/>
+                        </a:rPr>
+                      </a:br>
+                      <a:r>
+                        <a:rPr lang="fr-FR" sz="900" b="0" i="0" u="none" strike="noStrike" dirty="0">
+                          <a:solidFill>
+                            <a:srgbClr val="000000"/>
+                          </a:solidFill>
+                          <a:latin typeface="Adobe Clean Light" panose="020B0303020404020204" pitchFamily="34" charset="0"/>
+                        </a:rPr>
+                        <a:t>du service ou une perte potentielle de données. Il est également possible qu’une fonctionnalité majeure soit affectée</a:t>
                       </a:r>
                     </a:p>
                   </a:txBody>
@@ -3121,40 +3032,20 @@
                     <a:bodyPr/>
                     <a:lstStyle/>
                     <a:p>
-                      <a:pPr marL="285750" marR="343535" indent="0" algn="ctr">
+                      <a:pPr marL="473709" marR="343535" indent="-175895" algn="l">
                         <a:lnSpc>
                           <a:spcPct val="102200"/>
                         </a:lnSpc>
                       </a:pPr>
                       <a:r>
-                        <a:rPr lang="fr-FR" sz="900" dirty="0">
+                        <a:rPr lang="fr-FR" sz="900">
                           <a:solidFill>
                             <a:srgbClr val="020302"/>
                           </a:solidFill>
                           <a:latin typeface="AdobeClean-Light"/>
                           <a:cs typeface="AdobeClean-Light"/>
                         </a:rPr>
-                        <a:t>Heures d’ouverture /</a:t>
-                      </a:r>
-                      <a:r>
-                        <a:rPr lang="sk-SK" sz="900" dirty="0">
-                          <a:solidFill>
-                            <a:srgbClr val="020302"/>
-                          </a:solidFill>
-                          <a:latin typeface="AdobeClean-Light"/>
-                          <a:cs typeface="AdobeClean-Light"/>
-                        </a:rPr>
-                        <a:t> </a:t>
-                      </a:r>
-                      <a:r>
-                        <a:rPr lang="fr-FR" sz="900" dirty="0">
-                          <a:solidFill>
-                            <a:srgbClr val="020302"/>
-                          </a:solidFill>
-                          <a:latin typeface="AdobeClean-Light"/>
-                          <a:cs typeface="AdobeClean-Light"/>
-                        </a:rPr>
-                        <a:t>4 heures</a:t>
+                        <a:t>Heures d’ouverture /        4 heures</a:t>
                       </a:r>
                     </a:p>
                   </a:txBody>
@@ -3190,13 +3081,13 @@
                     <a:bodyPr/>
                     <a:lstStyle/>
                     <a:p>
-                      <a:pPr marL="351790" marR="481330" indent="144145" algn="ctr">
+                      <a:pPr marL="351790" marR="481330" indent="144145" algn="l">
                         <a:lnSpc>
                           <a:spcPct val="102299"/>
                         </a:lnSpc>
                       </a:pPr>
                       <a:r>
-                        <a:rPr lang="fr-FR" sz="900" dirty="0">
+                        <a:rPr lang="fr-FR" sz="900">
                           <a:solidFill>
                             <a:srgbClr val="020302"/>
                           </a:solidFill>
@@ -3248,7 +3139,7 @@
                   </a:ext>
                 </a:extLst>
               </a:tr>
-              <a:tr h="380435">
+              <a:tr h="687465">
                 <a:tc>
                   <a:txBody>
                     <a:bodyPr/>
@@ -3289,41 +3180,7 @@
                           </a:solidFill>
                           <a:latin typeface="Adobe Clean Light" panose="020B0303020404020204" pitchFamily="34" charset="0"/>
                         </a:rPr>
-                        <a:t>Les fonctions commerciales du client présentent une dégradation mineure, voire inexistante, </a:t>
-                      </a:r>
-                      <a:br>
-                        <a:rPr lang="sk-SK" sz="900" b="0" i="0" u="none" strike="noStrike" dirty="0">
-                          <a:solidFill>
-                            <a:srgbClr val="000000"/>
-                          </a:solidFill>
-                          <a:latin typeface="Adobe Clean Light" panose="020B0303020404020204" pitchFamily="34" charset="0"/>
-                        </a:rPr>
-                      </a:br>
-                      <a:r>
-                        <a:rPr lang="fr-FR" sz="900" b="0" i="0" u="none" strike="noStrike" dirty="0">
-                          <a:solidFill>
-                            <a:srgbClr val="000000"/>
-                          </a:solidFill>
-                          <a:latin typeface="Adobe Clean Light" panose="020B0303020404020204" pitchFamily="34" charset="0"/>
-                        </a:rPr>
-                        <a:t>du service, mais il existe une solution/un moyen permettant aux fonctions commerciales </a:t>
-                      </a:r>
-                      <a:br>
-                        <a:rPr lang="sk-SK" sz="900" b="0" i="0" u="none" strike="noStrike" dirty="0">
-                          <a:solidFill>
-                            <a:srgbClr val="000000"/>
-                          </a:solidFill>
-                          <a:latin typeface="Adobe Clean Light" panose="020B0303020404020204" pitchFamily="34" charset="0"/>
-                        </a:rPr>
-                      </a:br>
-                      <a:r>
-                        <a:rPr lang="fr-FR" sz="900" b="0" i="0" u="none" strike="noStrike" dirty="0">
-                          <a:solidFill>
-                            <a:srgbClr val="000000"/>
-                          </a:solidFill>
-                          <a:latin typeface="Adobe Clean Light" panose="020B0303020404020204" pitchFamily="34" charset="0"/>
-                        </a:rPr>
-                        <a:t>de continuer de fonctionner normalement</a:t>
+                        <a:t>Les fonctions commerciales du client présentent une dégradation mineure, voire inexistante, du service, mais il existe une solution/un moyen permettant aux fonctions commerciales de continuer de fonctionner normalement</a:t>
                       </a:r>
                     </a:p>
                   </a:txBody>
@@ -3362,20 +3219,20 @@
                     <a:bodyPr/>
                     <a:lstStyle/>
                     <a:p>
-                      <a:pPr marL="285750" marR="343535" indent="12700" algn="ctr">
+                      <a:pPr marL="473709" marR="343535" indent="-175895" algn="l">
                         <a:lnSpc>
                           <a:spcPct val="102200"/>
                         </a:lnSpc>
                       </a:pPr>
                       <a:r>
-                        <a:rPr lang="fr-FR" sz="900" dirty="0">
+                        <a:rPr lang="fr-FR" sz="900">
                           <a:solidFill>
                             <a:srgbClr val="020302"/>
                           </a:solidFill>
                           <a:latin typeface="AdobeClean-Light"/>
                           <a:cs typeface="AdobeClean-Light"/>
                         </a:rPr>
-                        <a:t>Heures d’ouverture / 6 heures</a:t>
+                        <a:t>Heures d’ouverture /        6 heures</a:t>
                       </a:r>
                     </a:p>
                   </a:txBody>
@@ -3411,7 +3268,7 @@
                     <a:bodyPr/>
                     <a:lstStyle/>
                     <a:p>
-                      <a:pPr marL="508000" marR="531495" indent="1270" algn="ctr">
+                      <a:pPr marL="457200" marR="531495" indent="50800" algn="l">
                         <a:lnSpc>
                           <a:spcPct val="102200"/>
                         </a:lnSpc>
@@ -3496,7 +3353,7 @@
                         </a:spcBef>
                       </a:pPr>
                       <a:r>
-                        <a:rPr lang="fr-FR" sz="900" b="1">
+                        <a:rPr lang="fr-FR" sz="900" b="1" dirty="0">
                           <a:solidFill>
                             <a:srgbClr val="020302"/>
                           </a:solidFill>
@@ -3516,13 +3373,30 @@
                         </a:spcBef>
                       </a:pPr>
                       <a:r>
-                        <a:rPr lang="fr-FR" sz="900" b="0" i="0" u="none" strike="noStrike">
+                        <a:rPr lang="fr-FR" sz="900" b="0" i="0" u="none" strike="noStrike" dirty="0">
                           <a:solidFill>
                             <a:srgbClr val="000000"/>
                           </a:solidFill>
                           <a:latin typeface="Adobe Clean Light" panose="020B0303020404020204" pitchFamily="34" charset="0"/>
                         </a:rPr>
-                        <a:t>Question générale concernant les fonctionnalités actuelles du produit ou une demande d’amélioration</a:t>
+                        <a:t>Question générale concernant les fonctionnalités actuelles du produit </a:t>
+                      </a:r>
+                      <a:br>
+                        <a:rPr lang="fr-FR" sz="900" b="0" i="0" u="none" strike="noStrike" dirty="0">
+                          <a:solidFill>
+                            <a:srgbClr val="000000"/>
+                          </a:solidFill>
+                          <a:latin typeface="Adobe Clean Light" panose="020B0303020404020204" pitchFamily="34" charset="0"/>
+                        </a:rPr>
+                      </a:br>
+                      <a:r>
+                        <a:rPr lang="fr-FR" sz="900" b="0" i="0" u="none" strike="noStrike" dirty="0">
+                          <a:solidFill>
+                            <a:srgbClr val="000000"/>
+                          </a:solidFill>
+                          <a:latin typeface="Adobe Clean Light" panose="020B0303020404020204" pitchFamily="34" charset="0"/>
+                        </a:rPr>
+                        <a:t>ou une demande d’amélioration</a:t>
                       </a:r>
                     </a:p>
                   </a:txBody>
@@ -3561,7 +3435,7 @@
                     <a:bodyPr/>
                     <a:lstStyle/>
                     <a:p>
-                      <a:pPr marL="285750" marR="343535" indent="-57150" algn="ctr">
+                      <a:pPr marL="571500" marR="343535" indent="-174625" algn="l">
                         <a:lnSpc>
                           <a:spcPct val="102200"/>
                         </a:lnSpc>
@@ -3574,7 +3448,7 @@
                           <a:latin typeface="AdobeClean-Light"/>
                           <a:cs typeface="AdobeClean-Light"/>
                         </a:rPr>
-                        <a:t>Jours ouvrables / 3 jours</a:t>
+                        <a:t>Jours ouvrables /       3 jours</a:t>
                       </a:r>
                     </a:p>
                   </a:txBody>
@@ -3610,7 +3484,7 @@
                     <a:bodyPr/>
                     <a:lstStyle/>
                     <a:p>
-                      <a:pPr marL="285750" marR="343535" indent="0" algn="ctr">
+                      <a:pPr marL="473709" marR="343535" indent="-175895" algn="l">
                         <a:lnSpc>
                           <a:spcPct val="102200"/>
                         </a:lnSpc>
@@ -3623,7 +3497,7 @@
                           <a:latin typeface="AdobeClean-Light"/>
                           <a:cs typeface="AdobeClean-Light"/>
                         </a:rPr>
-                        <a:t>Jours ouvrables / 1 jour</a:t>
+                        <a:t>Jours ouvrables /       1 jour</a:t>
                       </a:r>
                     </a:p>
                   </a:txBody>
@@ -3702,8 +3576,8 @@
         </p:nvSpPr>
         <p:spPr>
           <a:xfrm>
-            <a:off x="97786" y="9888626"/>
-            <a:ext cx="2950213" cy="133370"/>
+            <a:off x="97786" y="9710096"/>
+            <a:ext cx="3232153" cy="133370"/>
           </a:xfrm>
           <a:prstGeom prst="rect">
             <a:avLst/>
@@ -3830,14 +3704,14 @@
           <p:nvPr>
             <p:extLst>
               <p:ext uri="{D42A27DB-BD31-4B8C-83A1-F6EECF244321}">
-                <p14:modId xmlns:p14="http://schemas.microsoft.com/office/powerpoint/2010/main" val="2340896439"/>
+                <p14:modId xmlns:p14="http://schemas.microsoft.com/office/powerpoint/2010/main" val="2469945766"/>
               </p:ext>
             </p:extLst>
           </p:nvPr>
         </p:nvGraphicFramePr>
         <p:xfrm>
-          <a:off x="273550" y="2258474"/>
-          <a:ext cx="7281935" cy="4738570"/>
+          <a:off x="168564" y="2206082"/>
+          <a:ext cx="7386922" cy="4295675"/>
         </p:xfrm>
         <a:graphic>
           <a:graphicData uri="http://schemas.openxmlformats.org/drawingml/2006/table">
@@ -3846,28 +3720,28 @@
                 <a:tableStyleId>{2D5ABB26-0587-4C30-8999-92F81FD0307C}</a:tableStyleId>
               </a:tblPr>
               <a:tblGrid>
-                <a:gridCol w="1469816">
+                <a:gridCol w="1491007">
                   <a:extLst>
                     <a:ext uri="{9D8B030D-6E8A-4147-A177-3AD203B41FA5}">
                       <a16:colId xmlns:a16="http://schemas.microsoft.com/office/drawing/2014/main" val="1674920574"/>
                     </a:ext>
                   </a:extLst>
                 </a:gridCol>
-                <a:gridCol w="3209634">
+                <a:gridCol w="3086703">
                   <a:extLst>
                     <a:ext uri="{9D8B030D-6E8A-4147-A177-3AD203B41FA5}">
                       <a16:colId xmlns:a16="http://schemas.microsoft.com/office/drawing/2014/main" val="20001"/>
                     </a:ext>
                   </a:extLst>
                 </a:gridCol>
-                <a:gridCol w="1217842">
+                <a:gridCol w="1404606">
                   <a:extLst>
                     <a:ext uri="{9D8B030D-6E8A-4147-A177-3AD203B41FA5}">
                       <a16:colId xmlns:a16="http://schemas.microsoft.com/office/drawing/2014/main" val="2563521174"/>
                     </a:ext>
                   </a:extLst>
                 </a:gridCol>
-                <a:gridCol w="1384643">
+                <a:gridCol w="1404606">
                   <a:extLst>
                     <a:ext uri="{9D8B030D-6E8A-4147-A177-3AD203B41FA5}">
                       <a16:colId xmlns:a16="http://schemas.microsoft.com/office/drawing/2014/main" val="20003"/>
@@ -3875,13 +3749,13 @@
                   </a:extLst>
                 </a:gridCol>
               </a:tblGrid>
-              <a:tr h="360217">
+              <a:tr h="289538">
                 <a:tc gridSpan="2">
                   <a:txBody>
                     <a:bodyPr/>
                     <a:lstStyle/>
                     <a:p>
-                      <a:endParaRPr lang="en-US" dirty="0"/>
+                      <a:endParaRPr lang="en-US"/>
                     </a:p>
                   </a:txBody>
                   <a:tcPr/>
@@ -4015,13 +3889,13 @@
                   </a:ext>
                 </a:extLst>
               </a:tr>
-              <a:tr h="0">
+              <a:tr h="270488">
                 <a:tc gridSpan="2">
                   <a:txBody>
                     <a:bodyPr/>
                     <a:lstStyle/>
                     <a:p>
-                      <a:endParaRPr lang="en-US" dirty="0"/>
+                      <a:endParaRPr lang="en-US"/>
                     </a:p>
                   </a:txBody>
                   <a:tcPr/>
@@ -4058,7 +3932,7 @@
                         <a:tabLst/>
                         <a:defRPr/>
                       </a:pPr>
-                      <a:endParaRPr lang="en-US" sz="800" i="1" dirty="0">
+                      <a:endParaRPr lang="en-US" sz="800" i="1">
                         <a:solidFill>
                           <a:sysClr val="windowText" lastClr="000000"/>
                         </a:solidFill>
@@ -4177,7 +4051,7 @@
                   </a:ext>
                 </a:extLst>
               </a:tr>
-              <a:tr h="232310">
+              <a:tr h="190227">
                 <a:tc rowSpan="3">
                   <a:txBody>
                     <a:bodyPr/>
@@ -4298,7 +4172,7 @@
                           <a:spcPts val="470"/>
                         </a:spcBef>
                       </a:pPr>
-                      <a:endParaRPr sz="900" dirty="0">
+                      <a:endParaRPr sz="900">
                         <a:latin typeface="Wingdings"/>
                         <a:cs typeface="Wingdings"/>
                       </a:endParaRPr>
@@ -4339,7 +4213,7 @@
                           <a:spcPts val="470"/>
                         </a:spcBef>
                       </a:pPr>
-                      <a:endParaRPr sz="900" dirty="0">
+                      <a:endParaRPr sz="900">
                         <a:latin typeface="Wingdings"/>
                         <a:cs typeface="Wingdings"/>
                       </a:endParaRPr>
@@ -4368,7 +4242,7 @@
                   </a:ext>
                 </a:extLst>
               </a:tr>
-              <a:tr h="230812">
+              <a:tr h="188998">
                 <a:tc vMerge="1">
                   <a:txBody>
                     <a:bodyPr/>
@@ -4382,7 +4256,7 @@
                           <a:spcPts val="459"/>
                         </a:spcBef>
                       </a:pPr>
-                      <a:endParaRPr sz="900" dirty="0">
+                      <a:endParaRPr sz="900">
                         <a:latin typeface="AdobeClean-Light"/>
                         <a:cs typeface="AdobeClean-Light"/>
                       </a:endParaRPr>
@@ -4456,7 +4330,7 @@
                           <a:spcPct val="100000"/>
                         </a:lnSpc>
                       </a:pPr>
-                      <a:endParaRPr sz="900" dirty="0">
+                      <a:endParaRPr sz="900">
                         <a:latin typeface="Times New Roman"/>
                         <a:cs typeface="Times New Roman"/>
                       </a:endParaRPr>
@@ -4523,7 +4397,7 @@
                   </a:ext>
                 </a:extLst>
               </a:tr>
-              <a:tr h="236808">
+              <a:tr h="193908">
                 <a:tc vMerge="1">
                   <a:txBody>
                     <a:bodyPr/>
@@ -4537,7 +4411,7 @@
                           <a:spcPts val="500"/>
                         </a:spcBef>
                       </a:pPr>
-                      <a:endParaRPr sz="900" dirty="0">
+                      <a:endParaRPr sz="900">
                         <a:latin typeface="AdobeClean-Light"/>
                         <a:cs typeface="AdobeClean-Light"/>
                       </a:endParaRPr>
@@ -4629,7 +4503,7 @@
                           <a:spcPct val="100000"/>
                         </a:lnSpc>
                       </a:pPr>
-                      <a:endParaRPr sz="900" dirty="0">
+                      <a:endParaRPr sz="900">
                         <a:latin typeface="Times New Roman"/>
                         <a:cs typeface="Times New Roman"/>
                       </a:endParaRPr>
@@ -4714,7 +4588,7 @@
                   </a:ext>
                 </a:extLst>
               </a:tr>
-              <a:tr h="229317">
+              <a:tr h="198204">
                 <a:tc rowSpan="12">
                   <a:txBody>
                     <a:bodyPr/>
@@ -4729,7 +4603,7 @@
                         </a:spcBef>
                       </a:pPr>
                       <a:r>
-                        <a:rPr lang="fr-FR" sz="1000" b="1" i="0">
+                        <a:rPr lang="fr-FR" sz="1000" b="1" i="0" dirty="0">
                           <a:solidFill>
                             <a:schemeClr val="bg1"/>
                           </a:solidFill>
@@ -4920,7 +4794,7 @@
                   </a:ext>
                 </a:extLst>
               </a:tr>
-              <a:tr h="230812">
+              <a:tr h="188998">
                 <a:tc vMerge="1">
                   <a:txBody>
                     <a:bodyPr/>
@@ -4934,7 +4808,7 @@
                           <a:spcPts val="455"/>
                         </a:spcBef>
                       </a:pPr>
-                      <a:endParaRPr sz="900" dirty="0">
+                      <a:endParaRPr sz="900">
                         <a:latin typeface="AdobeClean-Light"/>
                         <a:cs typeface="AdobeClean-Light"/>
                       </a:endParaRPr>
@@ -5078,7 +4952,7 @@
                   </a:ext>
                 </a:extLst>
               </a:tr>
-              <a:tr h="230065">
+              <a:tr h="188386">
                 <a:tc vMerge="1">
                   <a:txBody>
                     <a:bodyPr/>
@@ -5092,7 +4966,7 @@
                           <a:spcPts val="455"/>
                         </a:spcBef>
                       </a:pPr>
-                      <a:endParaRPr sz="900" dirty="0">
+                      <a:endParaRPr sz="900">
                         <a:latin typeface="AdobeClean-Light"/>
                         <a:cs typeface="AdobeClean-Light"/>
                       </a:endParaRPr>
@@ -5251,7 +5125,7 @@
                   </a:ext>
                 </a:extLst>
               </a:tr>
-              <a:tr h="231561">
+              <a:tr h="189612">
                 <a:tc vMerge="1">
                   <a:txBody>
                     <a:bodyPr/>
@@ -5265,7 +5139,7 @@
                           <a:spcPts val="455"/>
                         </a:spcBef>
                       </a:pPr>
-                      <a:endParaRPr sz="900" dirty="0">
+                      <a:endParaRPr sz="900">
                         <a:latin typeface="AdobeClean-Light"/>
                         <a:cs typeface="AdobeClean-Light"/>
                       </a:endParaRPr>
@@ -5345,7 +5219,7 @@
                           <a:spcPts val="464"/>
                         </a:spcBef>
                       </a:pPr>
-                      <a:endParaRPr sz="900" dirty="0">
+                      <a:endParaRPr sz="900">
                         <a:latin typeface="Wingdings"/>
                         <a:cs typeface="Wingdings"/>
                       </a:endParaRPr>
@@ -5403,7 +5277,7 @@
                   </a:ext>
                 </a:extLst>
               </a:tr>
-              <a:tr h="232310">
+              <a:tr h="190227">
                 <a:tc vMerge="1">
                   <a:txBody>
                     <a:bodyPr/>
@@ -5417,7 +5291,7 @@
                           <a:spcPts val="459"/>
                         </a:spcBef>
                       </a:pPr>
-                      <a:endParaRPr sz="900" dirty="0">
+                      <a:endParaRPr sz="900">
                         <a:latin typeface="AdobeClean-Light"/>
                         <a:cs typeface="AdobeClean-Light"/>
                       </a:endParaRPr>
@@ -5497,7 +5371,7 @@
                           <a:spcPts val="470"/>
                         </a:spcBef>
                       </a:pPr>
-                      <a:endParaRPr sz="900" dirty="0">
+                      <a:endParaRPr sz="900">
                         <a:latin typeface="Wingdings"/>
                         <a:cs typeface="Wingdings"/>
                       </a:endParaRPr>
@@ -5555,7 +5429,7 @@
                   </a:ext>
                 </a:extLst>
               </a:tr>
-              <a:tr h="229317">
+              <a:tr h="187772">
                 <a:tc vMerge="1">
                   <a:txBody>
                     <a:bodyPr/>
@@ -5569,7 +5443,7 @@
                           <a:spcPts val="450"/>
                         </a:spcBef>
                       </a:pPr>
-                      <a:endParaRPr sz="900" dirty="0">
+                      <a:endParaRPr sz="900">
                         <a:latin typeface="AdobeClean-Light"/>
                         <a:cs typeface="AdobeClean-Light"/>
                       </a:endParaRPr>
@@ -5646,7 +5520,7 @@
                           <a:spcPct val="100000"/>
                         </a:lnSpc>
                       </a:pPr>
-                      <a:endParaRPr sz="900" dirty="0">
+                      <a:endParaRPr sz="900">
                         <a:latin typeface="Times New Roman"/>
                         <a:cs typeface="Times New Roman"/>
                       </a:endParaRPr>
@@ -5698,7 +5572,7 @@
                   </a:ext>
                 </a:extLst>
               </a:tr>
-              <a:tr h="229317">
+              <a:tr h="153705">
                 <a:tc vMerge="1">
                   <a:txBody>
                     <a:bodyPr/>
@@ -5723,7 +5597,7 @@
                         </a:spcBef>
                       </a:pPr>
                       <a:r>
-                        <a:rPr lang="fr-FR" sz="900">
+                        <a:rPr lang="fr-FR" sz="900" dirty="0">
                           <a:latin typeface="AdobeClean-Light"/>
                           <a:cs typeface="AdobeClean-Light"/>
                         </a:rPr>
@@ -5762,7 +5636,7 @@
                           <a:spcPct val="100000"/>
                         </a:lnSpc>
                       </a:pPr>
-                      <a:endParaRPr sz="900" dirty="0">
+                      <a:endParaRPr sz="900">
                         <a:latin typeface="Times New Roman"/>
                         <a:cs typeface="Times New Roman"/>
                       </a:endParaRPr>
@@ -5814,7 +5688,7 @@
                   </a:ext>
                 </a:extLst>
               </a:tr>
-              <a:tr h="229317">
+              <a:tr h="187772">
                 <a:tc vMerge="1">
                   <a:txBody>
                     <a:bodyPr/>
@@ -5878,7 +5752,7 @@
                           <a:spcPct val="100000"/>
                         </a:lnSpc>
                       </a:pPr>
-                      <a:endParaRPr sz="900" dirty="0">
+                      <a:endParaRPr sz="900">
                         <a:latin typeface="Times New Roman"/>
                         <a:cs typeface="Times New Roman"/>
                       </a:endParaRPr>
@@ -5945,7 +5819,7 @@
                   </a:ext>
                 </a:extLst>
               </a:tr>
-              <a:tr h="230812">
+              <a:tr h="188998">
                 <a:tc vMerge="1">
                   <a:txBody>
                     <a:bodyPr/>
@@ -5959,7 +5833,7 @@
                           <a:spcPts val="459"/>
                         </a:spcBef>
                       </a:pPr>
-                      <a:endParaRPr sz="900" dirty="0">
+                      <a:endParaRPr sz="900">
                         <a:latin typeface="AdobeClean-Light"/>
                         <a:cs typeface="AdobeClean-Light"/>
                       </a:endParaRPr>
@@ -6051,7 +5925,7 @@
                           <a:spcPct val="100000"/>
                         </a:lnSpc>
                       </a:pPr>
-                      <a:endParaRPr sz="900" dirty="0">
+                      <a:endParaRPr sz="900">
                         <a:latin typeface="Times New Roman"/>
                         <a:cs typeface="Times New Roman"/>
                       </a:endParaRPr>
@@ -6118,7 +5992,7 @@
                   </a:ext>
                 </a:extLst>
               </a:tr>
-              <a:tr h="231562">
+              <a:tr h="189613">
                 <a:tc vMerge="1">
                   <a:txBody>
                     <a:bodyPr/>
@@ -6132,7 +6006,7 @@
                           <a:spcPts val="465"/>
                         </a:spcBef>
                       </a:pPr>
-                      <a:endParaRPr sz="900" dirty="0">
+                      <a:endParaRPr sz="900">
                         <a:latin typeface="AdobeClean-Light"/>
                         <a:cs typeface="AdobeClean-Light"/>
                       </a:endParaRPr>
@@ -6209,7 +6083,7 @@
                           <a:spcPct val="100000"/>
                         </a:lnSpc>
                       </a:pPr>
-                      <a:endParaRPr sz="900" dirty="0">
+                      <a:endParaRPr sz="900">
                         <a:latin typeface="Times New Roman"/>
                         <a:cs typeface="Times New Roman"/>
                       </a:endParaRPr>
@@ -6276,7 +6150,7 @@
                   </a:ext>
                 </a:extLst>
               </a:tr>
-              <a:tr h="236808">
+              <a:tr h="326453">
                 <a:tc vMerge="1">
                   <a:txBody>
                     <a:bodyPr/>
@@ -6290,7 +6164,7 @@
                           <a:spcPts val="500"/>
                         </a:spcBef>
                       </a:pPr>
-                      <a:endParaRPr sz="900" dirty="0">
+                      <a:endParaRPr sz="900">
                         <a:latin typeface="AdobeClean-Light"/>
                         <a:cs typeface="AdobeClean-Light"/>
                       </a:endParaRPr>
@@ -6331,14 +6205,33 @@
                         </a:spcBef>
                       </a:pPr>
                       <a:r>
-                        <a:rPr lang="fr-FR" sz="900" spc="-30" baseline="0" dirty="0">
+                        <a:rPr lang="fr-FR" sz="900" dirty="0">
                           <a:solidFill>
                             <a:srgbClr val="020302"/>
                           </a:solidFill>
                           <a:latin typeface="AdobeClean-Light"/>
                           <a:cs typeface="AdobeClean-Light"/>
                         </a:rPr>
-                        <a:t>Version, migration, mise à niveau et examen de la feuille de route du produit</a:t>
+                        <a:t>Version, migration, mise à niveau et examen </a:t>
+                      </a:r>
+                      <a:br>
+                        <a:rPr lang="fr-FR" sz="900" dirty="0">
+                          <a:solidFill>
+                            <a:srgbClr val="020302"/>
+                          </a:solidFill>
+                          <a:latin typeface="AdobeClean-Light"/>
+                          <a:cs typeface="AdobeClean-Light"/>
+                        </a:rPr>
+                      </a:br>
+                      <a:r>
+                        <a:rPr lang="fr-FR" sz="900" dirty="0">
+                          <a:solidFill>
+                            <a:srgbClr val="020302"/>
+                          </a:solidFill>
+                          <a:latin typeface="AdobeClean-Light"/>
+                          <a:cs typeface="AdobeClean-Light"/>
+                        </a:rPr>
+                        <a:t>de la feuille de route du produit</a:t>
                       </a:r>
                     </a:p>
                   </a:txBody>
@@ -6367,7 +6260,7 @@
                           <a:spcPct val="100000"/>
                         </a:lnSpc>
                       </a:pPr>
-                      <a:endParaRPr sz="900" dirty="0">
+                      <a:endParaRPr sz="900">
                         <a:latin typeface="Times New Roman"/>
                         <a:cs typeface="Times New Roman"/>
                       </a:endParaRPr>
@@ -6434,7 +6327,7 @@
                   </a:ext>
                 </a:extLst>
               </a:tr>
-              <a:tr h="241305">
+              <a:tr h="197590">
                 <a:tc vMerge="1">
                   <a:txBody>
                     <a:bodyPr/>
@@ -6448,7 +6341,7 @@
                           <a:spcPts val="530"/>
                         </a:spcBef>
                       </a:pPr>
-                      <a:endParaRPr sz="900" dirty="0">
+                      <a:endParaRPr sz="900">
                         <a:latin typeface="AdobeClean-Light"/>
                         <a:cs typeface="AdobeClean-Light"/>
                       </a:endParaRPr>
@@ -6537,7 +6430,7 @@
                           <a:spcPct val="100000"/>
                         </a:lnSpc>
                       </a:pPr>
-                      <a:endParaRPr sz="900" dirty="0">
+                      <a:endParaRPr sz="900">
                         <a:latin typeface="Times New Roman"/>
                         <a:cs typeface="Times New Roman"/>
                       </a:endParaRPr>
@@ -6622,7 +6515,7 @@
                   </a:ext>
                 </a:extLst>
               </a:tr>
-              <a:tr h="250297">
+              <a:tr h="191039">
                 <a:tc rowSpan="2">
                   <a:txBody>
                     <a:bodyPr/>
@@ -6750,7 +6643,7 @@
                           <a:spcPct val="100000"/>
                         </a:lnSpc>
                       </a:pPr>
-                      <a:endParaRPr sz="900" dirty="0">
+                      <a:endParaRPr sz="900">
                         <a:latin typeface="Times New Roman"/>
                         <a:cs typeface="Times New Roman"/>
                       </a:endParaRPr>
@@ -6860,7 +6753,7 @@
                   </a:ext>
                 </a:extLst>
               </a:tr>
-              <a:tr h="169363">
+              <a:tr h="265090">
                 <a:tc vMerge="1">
                   <a:txBody>
                     <a:bodyPr/>
@@ -6943,7 +6836,7 @@
                     <a:lstStyle/>
                     <a:p>
                       <a:pPr algn="l" rtl="0"/>
-                      <a:endParaRPr lang="en-US" dirty="0"/>
+                      <a:endParaRPr lang="en-US"/>
                     </a:p>
                   </a:txBody>
                   <a:tcPr marL="0" marR="0" marT="0" marB="0">
@@ -7064,7 +6957,7 @@
           <p:nvPr/>
         </p:nvPicPr>
         <p:blipFill>
-          <a:blip r:embed="rId3" cstate="print"/>
+          <a:blip r:embed="rId2" cstate="print"/>
           <a:stretch>
             <a:fillRect/>
           </a:stretch>
@@ -7087,7 +6980,7 @@
         </p:nvSpPr>
         <p:spPr>
           <a:xfrm>
-            <a:off x="357339" y="897486"/>
+            <a:off x="357339" y="705110"/>
             <a:ext cx="2653141" cy="45719"/>
           </a:xfrm>
           <a:custGeom>
@@ -7129,8 +7022,8 @@
         </p:nvSpPr>
         <p:spPr>
           <a:xfrm>
-            <a:off x="357339" y="608961"/>
-            <a:ext cx="2844205" cy="228268"/>
+            <a:off x="357339" y="416585"/>
+            <a:ext cx="4454691" cy="228268"/>
           </a:xfrm>
           <a:prstGeom prst="rect">
             <a:avLst/>
@@ -7171,8 +7064,8 @@
         </p:nvSpPr>
         <p:spPr>
           <a:xfrm>
-            <a:off x="2868167" y="1433668"/>
-            <a:ext cx="2194560" cy="1090042"/>
+            <a:off x="2884043" y="1241292"/>
+            <a:ext cx="2194560" cy="843821"/>
           </a:xfrm>
           <a:prstGeom prst="rect">
             <a:avLst/>
@@ -7193,33 +7086,14 @@
               </a:spcBef>
             </a:pPr>
             <a:r>
-              <a:rPr lang="fr-FR" sz="1000" dirty="0">
+              <a:rPr lang="fr-FR" sz="900" dirty="0">
                 <a:solidFill>
                   <a:srgbClr val="4B4B4B"/>
                 </a:solidFill>
                 <a:latin typeface="AdobeClean-Light"/>
                 <a:cs typeface="AdobeClean-Light"/>
               </a:rPr>
-              <a:t>L’ingénieur d’assistance désigné se familiarisera avec votre environnement </a:t>
-            </a:r>
-            <a:br>
-              <a:rPr lang="sk-SK" sz="1000" dirty="0">
-                <a:solidFill>
-                  <a:srgbClr val="4B4B4B"/>
-                </a:solidFill>
-                <a:latin typeface="AdobeClean-Light"/>
-                <a:cs typeface="AdobeClean-Light"/>
-              </a:rPr>
-            </a:br>
-            <a:r>
-              <a:rPr lang="fr-FR" sz="1000" dirty="0">
-                <a:solidFill>
-                  <a:srgbClr val="4B4B4B"/>
-                </a:solidFill>
-                <a:latin typeface="AdobeClean-Light"/>
-                <a:cs typeface="AdobeClean-Light"/>
-              </a:rPr>
-              <a:t>de solution et vos objectifs commerciaux. L’ingénieur d’assistance nommé est un ingénieur d’assistance expérimenté qui vous aide à coordonner votre expérience d’assistance aux entreprises.</a:t>
+              <a:t>L’ingénieur d’assistance désigné se familiarisera avec votre environnement de solution et vos objectifs commerciaux. L’ingénieur d’assistance nommé est un ingénieur d’assistance expérimenté qui vous aide à coordonner votre expérience d’assistance aux entreprises.</a:t>
             </a:r>
           </a:p>
         </p:txBody>
@@ -7233,14 +7107,14 @@
           <p:nvPr/>
         </p:nvPicPr>
         <p:blipFill>
-          <a:blip r:embed="rId4" cstate="print"/>
+          <a:blip r:embed="rId3" cstate="print"/>
           <a:stretch>
             <a:fillRect/>
           </a:stretch>
         </p:blipFill>
         <p:spPr>
           <a:xfrm>
-            <a:off x="2768925" y="1066800"/>
+            <a:off x="2768925" y="874424"/>
             <a:ext cx="365760" cy="365760"/>
           </a:xfrm>
           <a:prstGeom prst="rect">
@@ -7257,14 +7131,14 @@
           <p:nvPr/>
         </p:nvPicPr>
         <p:blipFill>
-          <a:blip r:embed="rId5" cstate="print"/>
+          <a:blip r:embed="rId4" cstate="print"/>
           <a:stretch>
             <a:fillRect/>
           </a:stretch>
         </p:blipFill>
         <p:spPr>
           <a:xfrm>
-            <a:off x="5257800" y="2561747"/>
+            <a:off x="5257800" y="2371779"/>
             <a:ext cx="365760" cy="365760"/>
           </a:xfrm>
           <a:prstGeom prst="rect">
@@ -7280,8 +7154,8 @@
         </p:nvSpPr>
         <p:spPr>
           <a:xfrm>
-            <a:off x="5333365" y="1433668"/>
-            <a:ext cx="2373256" cy="1090042"/>
+            <a:off x="5349241" y="1241292"/>
+            <a:ext cx="2194560" cy="982320"/>
           </a:xfrm>
           <a:prstGeom prst="rect">
             <a:avLst/>
@@ -7302,14 +7176,52 @@
               </a:spcBef>
             </a:pPr>
             <a:r>
-              <a:rPr lang="fr-FR" sz="1000" dirty="0">
+              <a:rPr lang="fr-FR" sz="900" dirty="0">
                 <a:solidFill>
                   <a:srgbClr val="4B4B4B"/>
                 </a:solidFill>
                 <a:latin typeface="AdobeClean-Light"/>
                 <a:cs typeface="AdobeClean-Light"/>
               </a:rPr>
-              <a:t>Il s’agit d’un examen planifié régulier des demandes d’assistance ouvertes, assurant l’alignement des clients avec la description des cas, l’impact sur l’entreprise, le statut, la priorité et l’accord concernant les prochaines étapes nécessaires pour garantir une résolution rapide.</a:t>
+              <a:t>Il s’agit d’un examen planifié régulier des demandes d’assistance ouvertes, assurant l’alignement des clients avec la description des cas, l’impact sur l’entreprise, le statut, </a:t>
+            </a:r>
+            <a:br>
+              <a:rPr lang="fr-FR" sz="900" dirty="0">
+                <a:solidFill>
+                  <a:srgbClr val="4B4B4B"/>
+                </a:solidFill>
+                <a:latin typeface="AdobeClean-Light"/>
+                <a:cs typeface="AdobeClean-Light"/>
+              </a:rPr>
+            </a:br>
+            <a:r>
+              <a:rPr lang="fr-FR" sz="900" dirty="0">
+                <a:solidFill>
+                  <a:srgbClr val="4B4B4B"/>
+                </a:solidFill>
+                <a:latin typeface="AdobeClean-Light"/>
+                <a:cs typeface="AdobeClean-Light"/>
+              </a:rPr>
+              <a:t>la priorité et l’accord concernant les prochaines étapes nécessaires pour </a:t>
+            </a:r>
+            <a:br>
+              <a:rPr lang="fr-FR" sz="900" dirty="0">
+                <a:solidFill>
+                  <a:srgbClr val="4B4B4B"/>
+                </a:solidFill>
+                <a:latin typeface="AdobeClean-Light"/>
+                <a:cs typeface="AdobeClean-Light"/>
+              </a:rPr>
+            </a:br>
+            <a:r>
+              <a:rPr lang="fr-FR" sz="900" dirty="0">
+                <a:solidFill>
+                  <a:srgbClr val="4B4B4B"/>
+                </a:solidFill>
+                <a:latin typeface="AdobeClean-Light"/>
+                <a:cs typeface="AdobeClean-Light"/>
+              </a:rPr>
+              <a:t>garantir une résolution rapide.</a:t>
             </a:r>
           </a:p>
         </p:txBody>
@@ -7323,15 +7235,15 @@
           <p:nvPr/>
         </p:nvPicPr>
         <p:blipFill>
-          <a:blip r:embed="rId6" cstate="print"/>
+          <a:blip r:embed="rId5" cstate="print"/>
           <a:stretch>
             <a:fillRect/>
           </a:stretch>
         </p:blipFill>
         <p:spPr>
           <a:xfrm>
-            <a:off x="2768925" y="2500787"/>
-            <a:ext cx="241555" cy="365760"/>
+            <a:off x="2650848" y="2369067"/>
+            <a:ext cx="365760" cy="365760"/>
           </a:xfrm>
           <a:prstGeom prst="rect">
             <a:avLst/>
@@ -7346,8 +7258,8 @@
         </p:nvSpPr>
         <p:spPr>
           <a:xfrm>
-            <a:off x="324341" y="1433668"/>
-            <a:ext cx="2194560" cy="782265"/>
+            <a:off x="340217" y="1241292"/>
+            <a:ext cx="2194560" cy="705321"/>
           </a:xfrm>
           <a:prstGeom prst="rect">
             <a:avLst/>
@@ -7368,14 +7280,52 @@
               </a:spcBef>
             </a:pPr>
             <a:r>
-              <a:rPr lang="fr-FR" sz="1000">
+              <a:rPr lang="fr-FR" sz="900" dirty="0">
                 <a:solidFill>
                   <a:srgbClr val="020302"/>
                 </a:solidFill>
                 <a:latin typeface="AdobeClean-Light"/>
                 <a:cs typeface="AdobeClean-Light"/>
               </a:rPr>
-              <a:t>Le gestionnaire de compte technique désigné supervise votre expérience Elite, coordonne les engagements d’assistance et de services sur le terrain et fournit des services proactifs afin de maximiser la valeur de votre entreprise.</a:t>
+              <a:t>Le gestionnaire de compte technique désigné supervise votre expérience Elite, coordonne les engagements d’assistance et de services sur </a:t>
+            </a:r>
+            <a:br>
+              <a:rPr lang="fr-FR" sz="900" dirty="0">
+                <a:solidFill>
+                  <a:srgbClr val="020302"/>
+                </a:solidFill>
+                <a:latin typeface="AdobeClean-Light"/>
+                <a:cs typeface="AdobeClean-Light"/>
+              </a:rPr>
+            </a:br>
+            <a:r>
+              <a:rPr lang="fr-FR" sz="900" dirty="0">
+                <a:solidFill>
+                  <a:srgbClr val="020302"/>
+                </a:solidFill>
+                <a:latin typeface="AdobeClean-Light"/>
+                <a:cs typeface="AdobeClean-Light"/>
+              </a:rPr>
+              <a:t>le terrain et fournit des services proactifs afin </a:t>
+            </a:r>
+            <a:br>
+              <a:rPr lang="fr-FR" sz="900" dirty="0">
+                <a:solidFill>
+                  <a:srgbClr val="020302"/>
+                </a:solidFill>
+                <a:latin typeface="AdobeClean-Light"/>
+                <a:cs typeface="AdobeClean-Light"/>
+              </a:rPr>
+            </a:br>
+            <a:r>
+              <a:rPr lang="fr-FR" sz="900" dirty="0">
+                <a:solidFill>
+                  <a:srgbClr val="020302"/>
+                </a:solidFill>
+                <a:latin typeface="AdobeClean-Light"/>
+                <a:cs typeface="AdobeClean-Light"/>
+              </a:rPr>
+              <a:t>de maximiser la valeur de votre entreprise.</a:t>
             </a:r>
           </a:p>
         </p:txBody>
@@ -7388,8 +7338,8 @@
         </p:nvSpPr>
         <p:spPr>
           <a:xfrm>
-            <a:off x="689237" y="1126245"/>
-            <a:ext cx="2194560" cy="169277"/>
+            <a:off x="606435" y="891151"/>
+            <a:ext cx="1308090" cy="338554"/>
           </a:xfrm>
           <a:prstGeom prst="rect">
             <a:avLst/>
@@ -7410,7 +7360,7 @@
               </a:spcBef>
             </a:pPr>
             <a:r>
-              <a:rPr lang="fr-FR" sz="1100" b="1">
+              <a:rPr lang="fr-FR" sz="1100" b="1" dirty="0">
                 <a:solidFill>
                   <a:srgbClr val="020302"/>
                 </a:solidFill>
@@ -7431,14 +7381,14 @@
           <p:nvPr/>
         </p:nvPicPr>
         <p:blipFill>
-          <a:blip r:embed="rId7" cstate="print"/>
+          <a:blip r:embed="rId6" cstate="print"/>
           <a:stretch>
             <a:fillRect/>
           </a:stretch>
         </p:blipFill>
         <p:spPr>
           <a:xfrm>
-            <a:off x="228600" y="1066800"/>
+            <a:off x="228600" y="874424"/>
             <a:ext cx="365760" cy="365760"/>
           </a:xfrm>
           <a:prstGeom prst="rect">
@@ -7455,14 +7405,14 @@
           <p:nvPr/>
         </p:nvPicPr>
         <p:blipFill>
-          <a:blip r:embed="rId8" cstate="print"/>
+          <a:blip r:embed="rId7" cstate="print"/>
           <a:stretch>
             <a:fillRect/>
           </a:stretch>
         </p:blipFill>
         <p:spPr>
           <a:xfrm>
-            <a:off x="5257800" y="1066800"/>
+            <a:off x="5257800" y="874424"/>
             <a:ext cx="365760" cy="365760"/>
           </a:xfrm>
           <a:prstGeom prst="rect">
@@ -7478,8 +7428,8 @@
         </p:nvSpPr>
         <p:spPr>
           <a:xfrm>
-            <a:off x="2791726" y="5243920"/>
-            <a:ext cx="2109039" cy="605102"/>
+            <a:off x="2791726" y="5183637"/>
+            <a:ext cx="2194560" cy="605102"/>
           </a:xfrm>
           <a:prstGeom prst="rect">
             <a:avLst/>
@@ -7507,26 +7457,7 @@
                 <a:latin typeface="AdobeClean-Light"/>
                 <a:cs typeface="AdobeClean-Light"/>
               </a:rPr>
-              <a:t>Il s’agit d’un transfert continu des connaissances de l’équipe d’assistance d’Adobe visant à fournir les bonnes pratiques relatives </a:t>
-            </a:r>
-            <a:br>
-              <a:rPr lang="sk-SK" sz="900" dirty="0">
-                <a:solidFill>
-                  <a:srgbClr val="020302"/>
-                </a:solidFill>
-                <a:latin typeface="AdobeClean-Light"/>
-                <a:cs typeface="AdobeClean-Light"/>
-              </a:rPr>
-            </a:br>
-            <a:r>
-              <a:rPr lang="fr-FR" sz="900" dirty="0">
-                <a:solidFill>
-                  <a:srgbClr val="020302"/>
-                </a:solidFill>
-                <a:latin typeface="AdobeClean-Light"/>
-                <a:cs typeface="AdobeClean-Light"/>
-              </a:rPr>
-              <a:t>à l’utilisation des solutions.</a:t>
+              <a:t>Il s’agit d’un transfert continu des connaissances de l’équipe d’assistance d’Adobe visant à fournir les bonnes pratiques relatives à l’utilisation des solutions.</a:t>
             </a:r>
           </a:p>
         </p:txBody>
@@ -7539,8 +7470,8 @@
         </p:nvSpPr>
         <p:spPr>
           <a:xfrm>
-            <a:off x="5265661" y="5243920"/>
-            <a:ext cx="2194560" cy="758862"/>
+            <a:off x="5265661" y="5183637"/>
+            <a:ext cx="2036839" cy="758862"/>
           </a:xfrm>
           <a:prstGeom prst="rect">
             <a:avLst/>
@@ -7568,26 +7499,7 @@
                 <a:latin typeface="AdobeClean-Light"/>
                 <a:cs typeface="AdobeClean-Light"/>
               </a:rPr>
-              <a:t>Gérez des événements importants afin de vous assurer que vous disposez du niveau d’assistance, de couverture et d’un plan d’atténuation appropriés au cours de ces jalons clés </a:t>
-            </a:r>
-            <a:br>
-              <a:rPr lang="sk-SK" sz="900" dirty="0">
-                <a:solidFill>
-                  <a:srgbClr val="020302"/>
-                </a:solidFill>
-                <a:latin typeface="AdobeClean-Light"/>
-                <a:cs typeface="AdobeClean-Light"/>
-              </a:rPr>
-            </a:br>
-            <a:r>
-              <a:rPr lang="fr-FR" sz="900" dirty="0">
-                <a:solidFill>
-                  <a:srgbClr val="020302"/>
-                </a:solidFill>
-                <a:latin typeface="AdobeClean-Light"/>
-                <a:cs typeface="AdobeClean-Light"/>
-              </a:rPr>
-              <a:t>de l’entreprise et du projet.</a:t>
+              <a:t>Gérez des événements importants afin de vous assurer que vous disposez du niveau d’assistance, de couverture et d’un plan d’atténuation appropriés au cours de ces jalons clés de l’entreprise et du projet.</a:t>
             </a:r>
           </a:p>
         </p:txBody>
@@ -7600,8 +7512,8 @@
         </p:nvSpPr>
         <p:spPr>
           <a:xfrm>
-            <a:off x="324341" y="5262204"/>
-            <a:ext cx="2194560" cy="791755"/>
+            <a:off x="324340" y="5201921"/>
+            <a:ext cx="2326507" cy="791755"/>
           </a:xfrm>
           <a:prstGeom prst="rect">
             <a:avLst/>
@@ -7629,10 +7541,10 @@
                 <a:latin typeface="AdobeClean-Light"/>
                 <a:cs typeface="AdobeClean-Light"/>
               </a:rPr>
-              <a:t>Bénéficiez de conseils personnalisés sur </a:t>
+              <a:t>Bénéficiez de conseils personnalisés sur les nouvelles fonctionnalités des produits afin de tirer parti des dernières innovations et demandez </a:t>
             </a:r>
             <a:br>
-              <a:rPr lang="sk-SK" sz="900" dirty="0">
+              <a:rPr lang="fr-FR" sz="900" dirty="0">
                 <a:solidFill>
                   <a:srgbClr val="020302"/>
                 </a:solidFill>
@@ -7648,10 +7560,10 @@
                 <a:latin typeface="AdobeClean-Light"/>
                 <a:cs typeface="AdobeClean-Light"/>
               </a:rPr>
-              <a:t>les nouvelles fonctionnalités des produits afin </a:t>
+              <a:t>à des experts Adobe d’examiner la version </a:t>
             </a:r>
             <a:br>
-              <a:rPr lang="sk-SK" sz="900" dirty="0">
+              <a:rPr lang="fr-FR" sz="900" dirty="0">
                 <a:solidFill>
                   <a:srgbClr val="020302"/>
                 </a:solidFill>
@@ -7667,45 +7579,7 @@
                 <a:latin typeface="AdobeClean-Light"/>
                 <a:cs typeface="AdobeClean-Light"/>
               </a:rPr>
-              <a:t>de tirer parti des dernières innovations </a:t>
-            </a:r>
-            <a:br>
-              <a:rPr lang="sk-SK" sz="900" dirty="0">
-                <a:solidFill>
-                  <a:srgbClr val="020302"/>
-                </a:solidFill>
-                <a:latin typeface="AdobeClean-Light"/>
-                <a:cs typeface="AdobeClean-Light"/>
-              </a:rPr>
-            </a:br>
-            <a:r>
-              <a:rPr lang="fr-FR" sz="900" dirty="0">
-                <a:solidFill>
-                  <a:srgbClr val="020302"/>
-                </a:solidFill>
-                <a:latin typeface="AdobeClean-Light"/>
-                <a:cs typeface="AdobeClean-Light"/>
-              </a:rPr>
-              <a:t>et demandez à des experts Adobe d’examiner </a:t>
-            </a:r>
-            <a:br>
-              <a:rPr lang="sk-SK" sz="900" dirty="0">
-                <a:solidFill>
-                  <a:srgbClr val="020302"/>
-                </a:solidFill>
-                <a:latin typeface="AdobeClean-Light"/>
-                <a:cs typeface="AdobeClean-Light"/>
-              </a:rPr>
-            </a:br>
-            <a:r>
-              <a:rPr lang="fr-FR" sz="900" dirty="0">
-                <a:solidFill>
-                  <a:srgbClr val="020302"/>
-                </a:solidFill>
-                <a:latin typeface="AdobeClean-Light"/>
-                <a:cs typeface="AdobeClean-Light"/>
-              </a:rPr>
-              <a:t>la version et le plan de mise à niveau.</a:t>
+              <a:t>et le plan de mise à niveau.</a:t>
             </a:r>
           </a:p>
         </p:txBody>
@@ -7718,8 +7592,8 @@
         </p:nvSpPr>
         <p:spPr>
           <a:xfrm>
-            <a:off x="97787" y="9888626"/>
-            <a:ext cx="3015618" cy="133370"/>
+            <a:off x="97787" y="9888625"/>
+            <a:ext cx="2770516" cy="133370"/>
           </a:xfrm>
           <a:prstGeom prst="rect">
             <a:avLst/>
@@ -7807,13 +7681,13 @@
           <p:nvPr/>
         </p:nvPicPr>
         <p:blipFill>
-          <a:blip r:embed="rId9" cstate="print">
+          <a:blip r:embed="rId8" cstate="print">
             <a:extLst>
               <a:ext uri="{28A0092B-C50C-407E-A947-70E740481C1C}">
                 <a14:useLocalDpi xmlns:a14="http://schemas.microsoft.com/office/drawing/2010/main" val="0"/>
               </a:ext>
               <a:ext uri="{96DAC541-7B7A-43D3-8B79-37D633B846F1}">
-                <asvg:svgBlip xmlns:asvg="http://schemas.microsoft.com/office/drawing/2016/SVG/main" r:embed="rId10"/>
+                <asvg:svgBlip xmlns:asvg="http://schemas.microsoft.com/office/drawing/2016/SVG/main" r:embed="rId9"/>
               </a:ext>
             </a:extLst>
           </a:blip>
@@ -7823,7 +7697,7 @@
         </p:blipFill>
         <p:spPr>
           <a:xfrm>
-            <a:off x="228599" y="2472569"/>
+            <a:off x="228599" y="2339670"/>
             <a:ext cx="365760" cy="365760"/>
           </a:xfrm>
           <a:prstGeom prst="rect">
@@ -7845,8 +7719,8 @@
         </p:nvSpPr>
         <p:spPr>
           <a:xfrm>
-            <a:off x="2791726" y="9067800"/>
-            <a:ext cx="2194560" cy="487313"/>
+            <a:off x="2791726" y="8974863"/>
+            <a:ext cx="2194560" cy="718145"/>
           </a:xfrm>
           <a:prstGeom prst="rect">
             <a:avLst/>
@@ -7870,14 +7744,33 @@
               </a:tabLst>
             </a:pPr>
             <a:r>
-              <a:rPr lang="fr-FR" sz="1000" dirty="0">
+              <a:rPr lang="fr-FR" sz="900" dirty="0">
                 <a:solidFill>
                   <a:srgbClr val="020302"/>
                 </a:solidFill>
                 <a:latin typeface="AdobeClean-Light"/>
                 <a:cs typeface="AdobeClean-Light"/>
               </a:rPr>
-              <a:t>Commencez une session de conversation pour obtenir des réponses et de l’aide lors de l’envoi du cas</a:t>
+              <a:t>Commencez une session de conversation pour obtenir des réponses et de l’aide lors </a:t>
+            </a:r>
+            <a:br>
+              <a:rPr lang="fr-FR" sz="900" dirty="0">
+                <a:solidFill>
+                  <a:srgbClr val="020302"/>
+                </a:solidFill>
+                <a:latin typeface="AdobeClean-Light"/>
+                <a:cs typeface="AdobeClean-Light"/>
+              </a:rPr>
+            </a:br>
+            <a:r>
+              <a:rPr lang="fr-FR" sz="900" dirty="0">
+                <a:solidFill>
+                  <a:srgbClr val="020302"/>
+                </a:solidFill>
+                <a:latin typeface="AdobeClean-Light"/>
+                <a:cs typeface="AdobeClean-Light"/>
+              </a:rPr>
+              <a:t>de l’envoi du cas.</a:t>
             </a:r>
           </a:p>
           <a:p>
@@ -7893,7 +7786,7 @@
               </a:tabLst>
             </a:pPr>
             <a:r>
-              <a:rPr lang="fr-FR" sz="1000" i="1" dirty="0">
+              <a:rPr lang="fr-FR" sz="900" i="1" dirty="0">
                 <a:solidFill>
                   <a:srgbClr val="7A7A7A"/>
                 </a:solidFill>
@@ -7903,7 +7796,7 @@
               <a:t>*Tous les produits ne bénéficient pas de l’assistance de messagerie instantanée</a:t>
             </a:r>
             <a:r>
-              <a:rPr lang="fr-FR" sz="900" i="1" dirty="0">
+              <a:rPr lang="fr-FR" sz="800" i="1" dirty="0">
                 <a:solidFill>
                   <a:srgbClr val="7A7A7A"/>
                 </a:solidFill>
@@ -7932,7 +7825,7 @@
         <p:spPr>
           <a:xfrm>
             <a:off x="689236" y="6756914"/>
-            <a:ext cx="1861191" cy="184666"/>
+            <a:ext cx="1930977" cy="184666"/>
           </a:xfrm>
           <a:prstGeom prst="rect">
             <a:avLst/>
@@ -7985,7 +7878,7 @@
         <p:spPr>
           <a:xfrm>
             <a:off x="689237" y="6960100"/>
-            <a:ext cx="1480548" cy="184666"/>
+            <a:ext cx="1610730" cy="184666"/>
           </a:xfrm>
           <a:prstGeom prst="rect">
             <a:avLst/>
@@ -8031,7 +7924,7 @@
         <p:spPr>
           <a:xfrm>
             <a:off x="324341" y="7152361"/>
-            <a:ext cx="2194560" cy="1267014"/>
+            <a:ext cx="2194560" cy="1005403"/>
           </a:xfrm>
           <a:prstGeom prst="rect">
             <a:avLst/>
@@ -8044,16 +7937,16 @@
           <a:lstStyle/>
           <a:p>
             <a:r>
-              <a:rPr lang="fr-FR" sz="1000" dirty="0">
+              <a:rPr lang="fr-FR" sz="900" dirty="0">
                 <a:solidFill>
                   <a:srgbClr val="4B4B4B"/>
                 </a:solidFill>
                 <a:latin typeface="Adobe Clean Light" panose="020B0303020404020204" pitchFamily="34" charset="0"/>
               </a:rPr>
-              <a:t>Accès en ligne permanent à une base </a:t>
+              <a:t>Accès en ligne permanent à une base de données croissante de solutions techniques, </a:t>
             </a:r>
             <a:br>
-              <a:rPr lang="sk-SK" sz="1000" dirty="0">
+              <a:rPr lang="fr-FR" sz="900" dirty="0">
                 <a:solidFill>
                   <a:srgbClr val="4B4B4B"/>
                 </a:solidFill>
@@ -8061,16 +7954,16 @@
               </a:rPr>
             </a:br>
             <a:r>
-              <a:rPr lang="fr-FR" sz="1000" dirty="0">
+              <a:rPr lang="fr-FR" sz="900" dirty="0">
                 <a:solidFill>
                   <a:srgbClr val="4B4B4B"/>
                 </a:solidFill>
                 <a:latin typeface="Adobe Clean Light" panose="020B0303020404020204" pitchFamily="34" charset="0"/>
               </a:rPr>
-              <a:t>de données croissante de solutions techniques, de documentation sur les produits, de questions fréquentes, etc. Communiquez avec des professionnels et d’autres clients de la communauté Adobe pour partager les bonnes pratiques et </a:t>
+              <a:t>de documentation sur les produits, de questions fréquentes, etc. Communiquez avec des professionnels et d’autres clients de la communauté Adobe pour partager </a:t>
             </a:r>
             <a:br>
-              <a:rPr lang="sk-SK" sz="1000" dirty="0">
+              <a:rPr lang="fr-FR" sz="900" dirty="0">
                 <a:solidFill>
                   <a:srgbClr val="4B4B4B"/>
                 </a:solidFill>
@@ -8078,13 +7971,13 @@
               </a:rPr>
             </a:br>
             <a:r>
-              <a:rPr lang="fr-FR" sz="1000" dirty="0">
+              <a:rPr lang="fr-FR" sz="900" dirty="0">
                 <a:solidFill>
                   <a:srgbClr val="4B4B4B"/>
                 </a:solidFill>
                 <a:latin typeface="Adobe Clean Light" panose="020B0303020404020204" pitchFamily="34" charset="0"/>
               </a:rPr>
-              <a:t>les leçons apprises</a:t>
+              <a:t>les bonnes pratiques et les leçons apprises.</a:t>
             </a:r>
           </a:p>
         </p:txBody>
@@ -8205,7 +8098,7 @@
         <p:spPr>
           <a:xfrm>
             <a:off x="5265661" y="7152361"/>
-            <a:ext cx="2194560" cy="1113125"/>
+            <a:ext cx="2194560" cy="1005403"/>
           </a:xfrm>
           <a:prstGeom prst="rect">
             <a:avLst/>
@@ -8218,13 +8111,67 @@
           <a:lstStyle/>
           <a:p>
             <a:r>
-              <a:rPr lang="fr-FR" sz="1000">
+              <a:rPr lang="fr-FR" sz="900" dirty="0">
                 <a:solidFill>
                   <a:srgbClr val="4B4B4B"/>
                 </a:solidFill>
                 <a:latin typeface="Adobe Clean Light" panose="020B0303020404020204" pitchFamily="34" charset="0"/>
               </a:rPr>
-              <a:t>Les Experience Makers sont créées à l’aide d’Experience League. Les clients peuvent lancer leurs capacités de gestion de l’expérience client grâce à un apprentissage personnalisé permettant de développer leurs compétences, collaborer avec une communauté mondiale de pairs et gagner une reconnaissance de carrière</a:t>
+              <a:t>Les </a:t>
+            </a:r>
+            <a:r>
+              <a:rPr lang="fr-FR" sz="900" dirty="0" err="1">
+                <a:solidFill>
+                  <a:srgbClr val="4B4B4B"/>
+                </a:solidFill>
+                <a:latin typeface="Adobe Clean Light" panose="020B0303020404020204" pitchFamily="34" charset="0"/>
+              </a:rPr>
+              <a:t>Experience</a:t>
+            </a:r>
+            <a:r>
+              <a:rPr lang="fr-FR" sz="900" dirty="0">
+                <a:solidFill>
+                  <a:srgbClr val="4B4B4B"/>
+                </a:solidFill>
+                <a:latin typeface="Adobe Clean Light" panose="020B0303020404020204" pitchFamily="34" charset="0"/>
+              </a:rPr>
+              <a:t> </a:t>
+            </a:r>
+            <a:r>
+              <a:rPr lang="fr-FR" sz="900" dirty="0" err="1">
+                <a:solidFill>
+                  <a:srgbClr val="4B4B4B"/>
+                </a:solidFill>
+                <a:latin typeface="Adobe Clean Light" panose="020B0303020404020204" pitchFamily="34" charset="0"/>
+              </a:rPr>
+              <a:t>Makers</a:t>
+            </a:r>
+            <a:r>
+              <a:rPr lang="fr-FR" sz="900" dirty="0">
+                <a:solidFill>
+                  <a:srgbClr val="4B4B4B"/>
+                </a:solidFill>
+                <a:latin typeface="Adobe Clean Light" panose="020B0303020404020204" pitchFamily="34" charset="0"/>
+              </a:rPr>
+              <a:t> sont créées à l’aide d’</a:t>
+            </a:r>
+            <a:r>
+              <a:rPr lang="fr-FR" sz="900" dirty="0" err="1">
+                <a:solidFill>
+                  <a:srgbClr val="4B4B4B"/>
+                </a:solidFill>
+                <a:latin typeface="Adobe Clean Light" panose="020B0303020404020204" pitchFamily="34" charset="0"/>
+              </a:rPr>
+              <a:t>Experience</a:t>
+            </a:r>
+            <a:r>
+              <a:rPr lang="fr-FR" sz="900" dirty="0">
+                <a:solidFill>
+                  <a:srgbClr val="4B4B4B"/>
+                </a:solidFill>
+                <a:latin typeface="Adobe Clean Light" panose="020B0303020404020204" pitchFamily="34" charset="0"/>
+              </a:rPr>
+              <a:t> League. Les clients peuvent lancer leurs capacités de gestion de l’expérience client grâce à un apprentissage personnalisé permettant de développer leurs compétences, collaborer avec une communauté mondiale de pairs et gagner une reconnaissance de carrière.</a:t>
             </a:r>
           </a:p>
         </p:txBody>
@@ -8245,8 +8192,8 @@
         </p:nvSpPr>
         <p:spPr>
           <a:xfrm>
-            <a:off x="3201544" y="8484030"/>
-            <a:ext cx="2002028" cy="369332"/>
+            <a:off x="3201544" y="8385758"/>
+            <a:ext cx="1543003" cy="184666"/>
           </a:xfrm>
           <a:prstGeom prst="rect">
             <a:avLst/>
@@ -8277,22 +8224,7 @@
                   <a:srgbClr val="000000"/>
                 </a:solidFill>
               </a:rPr>
-              <a:t>Assistance </a:t>
-            </a:r>
-            <a:br>
-              <a:rPr lang="sk-SK" sz="1200" dirty="0">
-                <a:solidFill>
-                  <a:srgbClr val="000000"/>
-                </a:solidFill>
-              </a:rPr>
-            </a:br>
-            <a:r>
-              <a:rPr lang="fr-FR" sz="1200" dirty="0">
-                <a:solidFill>
-                  <a:srgbClr val="000000"/>
-                </a:solidFill>
-              </a:rPr>
-              <a:t>de messagerie instantanée*</a:t>
+              <a:t>Assistance de messagerie instantanée*</a:t>
             </a:r>
           </a:p>
         </p:txBody>
@@ -8313,7 +8245,7 @@
         </p:nvSpPr>
         <p:spPr>
           <a:xfrm>
-            <a:off x="3201544" y="8883134"/>
+            <a:off x="3201544" y="8734506"/>
             <a:ext cx="840166" cy="184666"/>
           </a:xfrm>
           <a:prstGeom prst="rect">
@@ -8461,7 +8393,7 @@
         <p:spPr>
           <a:xfrm>
             <a:off x="2791726" y="7152361"/>
-            <a:ext cx="2194560" cy="805349"/>
+            <a:ext cx="2194560" cy="866904"/>
           </a:xfrm>
           <a:prstGeom prst="rect">
             <a:avLst/>
@@ -8474,7 +8406,7 @@
           <a:lstStyle/>
           <a:p>
             <a:r>
-              <a:rPr lang="fr-FR" sz="1000" dirty="0">
+              <a:rPr lang="fr-FR" sz="900">
                 <a:solidFill>
                   <a:srgbClr val="020302"/>
                 </a:solidFill>
@@ -8483,7 +8415,7 @@
               <a:t>Les utilisateurs autorisés ou les </a:t>
             </a:r>
             <a:r>
-              <a:rPr lang="fr-FR" sz="1000" b="1" dirty="0">
+              <a:rPr lang="fr-FR" sz="900" b="1">
                 <a:solidFill>
                   <a:srgbClr val="020302"/>
                 </a:solidFill>
@@ -8492,7 +8424,7 @@
               <a:t>contacts d’assistance nommés </a:t>
             </a:r>
             <a:r>
-              <a:rPr lang="fr-FR" sz="1000" dirty="0">
+              <a:rPr lang="fr-FR" sz="900">
                 <a:latin typeface="Adobe Clean Light" panose="020B0303020404020204" pitchFamily="34" charset="0"/>
               </a:rPr>
               <a:t>peuvent communiquer des problèmes par l’intermédiaire de tous les canaux disponibles (y compris le téléphone pour P1) et interagir avec notre équipe d’assistance technique au nom de votre entreprise. </a:t>
@@ -8514,8 +8446,8 @@
         </p:nvSpPr>
         <p:spPr>
           <a:xfrm>
-            <a:off x="214971" y="6447157"/>
-            <a:ext cx="2898434" cy="45719"/>
+            <a:off x="214971" y="6546133"/>
+            <a:ext cx="2919714" cy="87209"/>
           </a:xfrm>
           <a:custGeom>
             <a:avLst/>
@@ -8564,7 +8496,7 @@
         </p:nvSpPr>
         <p:spPr>
           <a:xfrm>
-            <a:off x="689237" y="8560230"/>
+            <a:off x="689237" y="8474606"/>
             <a:ext cx="991521" cy="184666"/>
           </a:xfrm>
           <a:prstGeom prst="rect">
@@ -8617,7 +8549,7 @@
         </p:nvSpPr>
         <p:spPr>
           <a:xfrm>
-            <a:off x="689237" y="8741449"/>
+            <a:off x="689237" y="8655825"/>
             <a:ext cx="604974" cy="184666"/>
           </a:xfrm>
           <a:prstGeom prst="rect">
@@ -8663,8 +8595,8 @@
         </p:nvSpPr>
         <p:spPr>
           <a:xfrm>
-            <a:off x="355867" y="8962896"/>
-            <a:ext cx="2342565" cy="866904"/>
+            <a:off x="355868" y="8940435"/>
+            <a:ext cx="2202180" cy="866904"/>
           </a:xfrm>
           <a:prstGeom prst="rect">
             <a:avLst/>
@@ -8701,7 +8633,58 @@
                 </a:solidFill>
                 <a:latin typeface="Adobe Clean Light" panose="020B0303020404020204" pitchFamily="34" charset="0"/>
               </a:rPr>
-              <a:t> », l’initiative menée par l’équipe du service clientèle Adobe, comprend des sessions conçues pour informer les participants et les aider à résoudre leurs problèmes. Elle offre également des conseils et astuces pour réussir au mieux l’intégration des solutions Adobe. </a:t>
+              <a:t> », l’initiative menée par l’équipe </a:t>
+            </a:r>
+            <a:br>
+              <a:rPr lang="fr-FR" sz="900" dirty="0">
+                <a:solidFill>
+                  <a:srgbClr val="4B4B4B"/>
+                </a:solidFill>
+                <a:latin typeface="Adobe Clean Light" panose="020B0303020404020204" pitchFamily="34" charset="0"/>
+              </a:rPr>
+            </a:br>
+            <a:r>
+              <a:rPr lang="fr-FR" sz="900" dirty="0">
+                <a:solidFill>
+                  <a:srgbClr val="4B4B4B"/>
+                </a:solidFill>
+                <a:latin typeface="Adobe Clean Light" panose="020B0303020404020204" pitchFamily="34" charset="0"/>
+              </a:rPr>
+              <a:t>du service clientèle Adobe, comprend des sessions conçues pour informer les participants </a:t>
+            </a:r>
+            <a:br>
+              <a:rPr lang="fr-FR" sz="900" dirty="0">
+                <a:solidFill>
+                  <a:srgbClr val="4B4B4B"/>
+                </a:solidFill>
+                <a:latin typeface="Adobe Clean Light" panose="020B0303020404020204" pitchFamily="34" charset="0"/>
+              </a:rPr>
+            </a:br>
+            <a:r>
+              <a:rPr lang="fr-FR" sz="900" dirty="0">
+                <a:solidFill>
+                  <a:srgbClr val="4B4B4B"/>
+                </a:solidFill>
+                <a:latin typeface="Adobe Clean Light" panose="020B0303020404020204" pitchFamily="34" charset="0"/>
+              </a:rPr>
+              <a:t>et les aider à résoudre leurs problèmes. Elle offre également des conseils et astuces pour réussir </a:t>
+            </a:r>
+            <a:br>
+              <a:rPr lang="fr-FR" sz="900" dirty="0">
+                <a:solidFill>
+                  <a:srgbClr val="4B4B4B"/>
+                </a:solidFill>
+                <a:latin typeface="Adobe Clean Light" panose="020B0303020404020204" pitchFamily="34" charset="0"/>
+              </a:rPr>
+            </a:br>
+            <a:r>
+              <a:rPr lang="fr-FR" sz="900" dirty="0">
+                <a:solidFill>
+                  <a:srgbClr val="4B4B4B"/>
+                </a:solidFill>
+                <a:latin typeface="Adobe Clean Light" panose="020B0303020404020204" pitchFamily="34" charset="0"/>
+              </a:rPr>
+              <a:t>au mieux l’intégration des solutions Adobe. </a:t>
             </a:r>
           </a:p>
         </p:txBody>
@@ -8722,8 +8705,8 @@
         </p:nvSpPr>
         <p:spPr>
           <a:xfrm>
-            <a:off x="5723508" y="8560230"/>
-            <a:ext cx="1303746" cy="184666"/>
+            <a:off x="5723508" y="8474606"/>
+            <a:ext cx="1686942" cy="184666"/>
           </a:xfrm>
           <a:prstGeom prst="rect">
             <a:avLst/>
@@ -8749,7 +8732,7 @@
               <a:defRPr/>
             </a:pPr>
             <a:r>
-              <a:rPr lang="fr-FR" sz="1200">
+              <a:rPr lang="fr-FR" sz="1200" dirty="0">
                 <a:solidFill>
                   <a:srgbClr val="000000"/>
                 </a:solidFill>
@@ -8775,7 +8758,7 @@
         </p:nvSpPr>
         <p:spPr>
           <a:xfrm>
-            <a:off x="5723508" y="8741449"/>
+            <a:off x="5723508" y="8655825"/>
             <a:ext cx="1267206" cy="184666"/>
           </a:xfrm>
           <a:prstGeom prst="rect">
@@ -8821,8 +8804,8 @@
         </p:nvSpPr>
         <p:spPr>
           <a:xfrm>
-            <a:off x="5265661" y="8987081"/>
-            <a:ext cx="2440960" cy="959237"/>
+            <a:off x="5265661" y="8901457"/>
+            <a:ext cx="2325764" cy="866904"/>
           </a:xfrm>
           <a:prstGeom prst="rect">
             <a:avLst/>
@@ -8835,7 +8818,7 @@
           <a:lstStyle/>
           <a:p>
             <a:r>
-              <a:rPr lang="fr-FR" sz="1000" dirty="0">
+              <a:rPr lang="fr-FR" sz="900" dirty="0">
                 <a:solidFill>
                   <a:srgbClr val="4B4B4B"/>
                 </a:solidFill>
@@ -8844,7 +8827,7 @@
               <a:t>Accès à la demande au portail </a:t>
             </a:r>
             <a:br>
-              <a:rPr lang="fr-FR" sz="1000" dirty="0">
+              <a:rPr lang="fr-FR" sz="900" dirty="0">
                 <a:solidFill>
                   <a:srgbClr val="4B4B4B"/>
                 </a:solidFill>
@@ -8852,7 +8835,7 @@
               </a:rPr>
             </a:br>
             <a:r>
-              <a:rPr lang="fr-FR" sz="1000" dirty="0">
+              <a:rPr lang="fr-FR" sz="900" dirty="0">
                 <a:solidFill>
                   <a:srgbClr val="4B4B4B"/>
                 </a:solidFill>
@@ -8861,7 +8844,7 @@
               <a:t>d’assistance d’aide automatique en ligne pour envoyer des demandes d’assistance, examiner </a:t>
             </a:r>
             <a:br>
-              <a:rPr lang="sk-SK" sz="1000" dirty="0">
+              <a:rPr lang="fr-FR" sz="900" dirty="0">
                 <a:solidFill>
                   <a:srgbClr val="4B4B4B"/>
                 </a:solidFill>
@@ -8869,13 +8852,48 @@
               </a:rPr>
             </a:br>
             <a:r>
-              <a:rPr lang="fr-FR" sz="1000" dirty="0">
+              <a:rPr lang="fr-FR" sz="900" dirty="0">
                 <a:solidFill>
                   <a:srgbClr val="4B4B4B"/>
                 </a:solidFill>
                 <a:latin typeface="Adobe Clean Light" panose="020B0303020404020204" pitchFamily="34" charset="0"/>
               </a:rPr>
-              <a:t>le statut des cas et parcourir d’autres ressources, telles que notre base de connaissances, les actualités et les alertes, les conseils présentés, etc.</a:t>
+              <a:t>le statut des cas et parcourir d’autres ressources, telles que notre base de connaissances, </a:t>
+            </a:r>
+            <a:br>
+              <a:rPr lang="fr-FR" sz="900" dirty="0">
+                <a:solidFill>
+                  <a:srgbClr val="4B4B4B"/>
+                </a:solidFill>
+                <a:latin typeface="Adobe Clean Light" panose="020B0303020404020204" pitchFamily="34" charset="0"/>
+              </a:rPr>
+            </a:br>
+            <a:r>
+              <a:rPr lang="fr-FR" sz="900" dirty="0">
+                <a:solidFill>
+                  <a:srgbClr val="4B4B4B"/>
+                </a:solidFill>
+                <a:latin typeface="Adobe Clean Light" panose="020B0303020404020204" pitchFamily="34" charset="0"/>
+              </a:rPr>
+              <a:t>les actualités et les alertes, les </a:t>
+            </a:r>
+            <a:r>
+              <a:rPr lang="fr-FR" sz="900" dirty="0" err="1">
+                <a:solidFill>
+                  <a:srgbClr val="4B4B4B"/>
+                </a:solidFill>
+                <a:latin typeface="Adobe Clean Light" panose="020B0303020404020204" pitchFamily="34" charset="0"/>
+              </a:rPr>
+              <a:t>conseilsprésentés</a:t>
+            </a:r>
+            <a:r>
+              <a:rPr lang="fr-FR" sz="900" dirty="0">
+                <a:solidFill>
+                  <a:srgbClr val="4B4B4B"/>
+                </a:solidFill>
+                <a:latin typeface="Adobe Clean Light" panose="020B0303020404020204" pitchFamily="34" charset="0"/>
+              </a:rPr>
+              <a:t>, etc.</a:t>
             </a:r>
           </a:p>
         </p:txBody>
@@ -8895,13 +8913,13 @@
           <p:nvPr/>
         </p:nvPicPr>
         <p:blipFill>
-          <a:blip r:embed="rId11">
+          <a:blip r:embed="rId10">
             <a:extLst>
               <a:ext uri="{28A0092B-C50C-407E-A947-70E740481C1C}">
                 <a14:useLocalDpi xmlns:a14="http://schemas.microsoft.com/office/drawing/2010/main" val="0"/>
               </a:ext>
               <a:ext uri="{96DAC541-7B7A-43D3-8B79-37D633B846F1}">
-                <asvg:svgBlip xmlns:asvg="http://schemas.microsoft.com/office/drawing/2016/SVG/main" r:embed="rId12"/>
+                <asvg:svgBlip xmlns:asvg="http://schemas.microsoft.com/office/drawing/2016/SVG/main" r:embed="rId11"/>
               </a:ext>
             </a:extLst>
           </a:blip>
@@ -8934,13 +8952,13 @@
           <p:nvPr/>
         </p:nvPicPr>
         <p:blipFill>
-          <a:blip r:embed="rId13">
+          <a:blip r:embed="rId12">
             <a:extLst>
               <a:ext uri="{28A0092B-C50C-407E-A947-70E740481C1C}">
                 <a14:useLocalDpi xmlns:a14="http://schemas.microsoft.com/office/drawing/2010/main" val="0"/>
               </a:ext>
               <a:ext uri="{96DAC541-7B7A-43D3-8B79-37D633B846F1}">
-                <asvg:svgBlip xmlns:asvg="http://schemas.microsoft.com/office/drawing/2016/SVG/main" r:embed="rId14"/>
+                <asvg:svgBlip xmlns:asvg="http://schemas.microsoft.com/office/drawing/2016/SVG/main" r:embed="rId13"/>
               </a:ext>
             </a:extLst>
           </a:blip>
@@ -8950,7 +8968,7 @@
         </p:blipFill>
         <p:spPr>
           <a:xfrm>
-            <a:off x="228600" y="8560230"/>
+            <a:off x="228600" y="8474606"/>
             <a:ext cx="411480" cy="411480"/>
           </a:xfrm>
           <a:prstGeom prst="rect">
@@ -8973,13 +8991,13 @@
           <p:nvPr/>
         </p:nvPicPr>
         <p:blipFill>
-          <a:blip r:embed="rId15">
+          <a:blip r:embed="rId14">
             <a:extLst>
               <a:ext uri="{28A0092B-C50C-407E-A947-70E740481C1C}">
                 <a14:useLocalDpi xmlns:a14="http://schemas.microsoft.com/office/drawing/2010/main" val="0"/>
               </a:ext>
               <a:ext uri="{96DAC541-7B7A-43D3-8B79-37D633B846F1}">
-                <asvg:svgBlip xmlns:asvg="http://schemas.microsoft.com/office/drawing/2016/SVG/main" r:embed="rId16"/>
+                <asvg:svgBlip xmlns:asvg="http://schemas.microsoft.com/office/drawing/2016/SVG/main" r:embed="rId15"/>
               </a:ext>
             </a:extLst>
           </a:blip>
@@ -9012,13 +9030,13 @@
           <p:nvPr/>
         </p:nvPicPr>
         <p:blipFill>
-          <a:blip r:embed="rId17">
+          <a:blip r:embed="rId16">
             <a:extLst>
               <a:ext uri="{28A0092B-C50C-407E-A947-70E740481C1C}">
                 <a14:useLocalDpi xmlns:a14="http://schemas.microsoft.com/office/drawing/2010/main" val="0"/>
               </a:ext>
               <a:ext uri="{96DAC541-7B7A-43D3-8B79-37D633B846F1}">
-                <asvg:svgBlip xmlns:asvg="http://schemas.microsoft.com/office/drawing/2016/SVG/main" r:embed="rId18"/>
+                <asvg:svgBlip xmlns:asvg="http://schemas.microsoft.com/office/drawing/2016/SVG/main" r:embed="rId17"/>
               </a:ext>
             </a:extLst>
           </a:blip>
@@ -9051,13 +9069,13 @@
           <p:nvPr/>
         </p:nvPicPr>
         <p:blipFill>
-          <a:blip r:embed="rId19">
+          <a:blip r:embed="rId18">
             <a:extLst>
               <a:ext uri="{28A0092B-C50C-407E-A947-70E740481C1C}">
                 <a14:useLocalDpi xmlns:a14="http://schemas.microsoft.com/office/drawing/2010/main" val="0"/>
               </a:ext>
               <a:ext uri="{96DAC541-7B7A-43D3-8B79-37D633B846F1}">
-                <asvg:svgBlip xmlns:asvg="http://schemas.microsoft.com/office/drawing/2016/SVG/main" r:embed="rId20"/>
+                <asvg:svgBlip xmlns:asvg="http://schemas.microsoft.com/office/drawing/2016/SVG/main" r:embed="rId19"/>
               </a:ext>
             </a:extLst>
           </a:blip>
@@ -9067,7 +9085,7 @@
         </p:blipFill>
         <p:spPr>
           <a:xfrm>
-            <a:off x="5257800" y="8560230"/>
+            <a:off x="5257800" y="8474606"/>
             <a:ext cx="411480" cy="411480"/>
           </a:xfrm>
           <a:prstGeom prst="rect">
@@ -9090,13 +9108,13 @@
           <p:nvPr/>
         </p:nvPicPr>
         <p:blipFill>
-          <a:blip r:embed="rId21">
+          <a:blip r:embed="rId20">
             <a:extLst>
               <a:ext uri="{28A0092B-C50C-407E-A947-70E740481C1C}">
                 <a14:useLocalDpi xmlns:a14="http://schemas.microsoft.com/office/drawing/2010/main" val="0"/>
               </a:ext>
               <a:ext uri="{96DAC541-7B7A-43D3-8B79-37D633B846F1}">
-                <asvg:svgBlip xmlns:asvg="http://schemas.microsoft.com/office/drawing/2016/SVG/main" r:embed="rId22"/>
+                <asvg:svgBlip xmlns:asvg="http://schemas.microsoft.com/office/drawing/2016/SVG/main" r:embed="rId21"/>
               </a:ext>
             </a:extLst>
           </a:blip>
@@ -9106,7 +9124,7 @@
         </p:blipFill>
         <p:spPr>
           <a:xfrm>
-            <a:off x="2776853" y="8560230"/>
+            <a:off x="2776853" y="8474606"/>
             <a:ext cx="411480" cy="411480"/>
           </a:xfrm>
           <a:prstGeom prst="rect">
@@ -9128,7 +9146,7 @@
         </p:nvSpPr>
         <p:spPr>
           <a:xfrm rot="5400000" flipH="1">
-            <a:off x="3863341" y="5600443"/>
+            <a:off x="3863341" y="5495521"/>
             <a:ext cx="45719" cy="5577840"/>
           </a:xfrm>
           <a:custGeom>
@@ -9183,7 +9201,7 @@
         </p:nvSpPr>
         <p:spPr>
           <a:xfrm>
-            <a:off x="214971" y="6124178"/>
+            <a:off x="214971" y="6225797"/>
             <a:ext cx="1930978" cy="307777"/>
           </a:xfrm>
           <a:prstGeom prst="rect">
@@ -9205,7 +9223,7 @@
               </a:spcBef>
             </a:pPr>
             <a:r>
-              <a:rPr lang="fr-FR" sz="1400" b="1">
+              <a:rPr lang="fr-FR" sz="1400" b="1" dirty="0">
                 <a:solidFill>
                   <a:srgbClr val="020302"/>
                 </a:solidFill>
@@ -9358,7 +9376,7 @@
         </p:nvSpPr>
         <p:spPr>
           <a:xfrm rot="5400000" flipH="1">
-            <a:off x="3863341" y="2034540"/>
+            <a:off x="3863341" y="1912620"/>
             <a:ext cx="45719" cy="5577840"/>
           </a:xfrm>
           <a:custGeom>
@@ -9414,7 +9432,7 @@
         <p:spPr>
           <a:xfrm>
             <a:off x="324341" y="4031705"/>
-            <a:ext cx="2194560" cy="672172"/>
+            <a:ext cx="2194560" cy="605102"/>
           </a:xfrm>
           <a:prstGeom prst="rect">
             <a:avLst/>
@@ -9435,33 +9453,14 @@
               </a:spcBef>
             </a:pPr>
             <a:r>
-              <a:rPr lang="fr-FR" sz="1000" dirty="0">
+              <a:rPr lang="fr-FR" sz="900">
                 <a:solidFill>
                   <a:srgbClr val="020302"/>
                 </a:solidFill>
                 <a:latin typeface="AdobeClean-Light"/>
                 <a:cs typeface="AdobeClean-Light"/>
               </a:rPr>
-              <a:t>Il s’agit d’un examen proactif du déploiement, de la configuration </a:t>
-            </a:r>
-            <a:br>
-              <a:rPr lang="sk-SK" sz="1000" dirty="0">
-                <a:solidFill>
-                  <a:srgbClr val="020302"/>
-                </a:solidFill>
-                <a:latin typeface="AdobeClean-Light"/>
-                <a:cs typeface="AdobeClean-Light"/>
-              </a:rPr>
-            </a:br>
-            <a:r>
-              <a:rPr lang="fr-FR" sz="1000" dirty="0">
-                <a:solidFill>
-                  <a:srgbClr val="020302"/>
-                </a:solidFill>
-                <a:latin typeface="AdobeClean-Light"/>
-                <a:cs typeface="AdobeClean-Light"/>
-              </a:rPr>
-              <a:t>et de l’architecture globale de votre solution, notamment les intégrations.</a:t>
+              <a:t>Il s’agit d’un examen proactif du déploiement, de la configuration et de l’architecture globale de votre solution, notamment les intégrations.</a:t>
             </a:r>
           </a:p>
         </p:txBody>
@@ -9480,7 +9479,7 @@
         </p:nvSpPr>
         <p:spPr>
           <a:xfrm>
-            <a:off x="5265661" y="4114800"/>
+            <a:off x="5265661" y="4031705"/>
             <a:ext cx="2194560" cy="589457"/>
           </a:xfrm>
           <a:prstGeom prst="rect">
@@ -9502,14 +9501,14 @@
               </a:spcBef>
             </a:pPr>
             <a:r>
-              <a:rPr lang="fr-FR" sz="900" dirty="0">
+              <a:rPr lang="fr-FR" sz="900">
                 <a:solidFill>
                   <a:srgbClr val="020302"/>
                 </a:solidFill>
                 <a:latin typeface="AdobeClean-Light"/>
                 <a:cs typeface="AdobeClean-Light"/>
               </a:rPr>
-              <a:t>Bénéficiez des bonnes pratiques de maintenance et des corrections les plus récentes (SP, MR, correctifs, FP) afin de rester à jour sur tous les contrôles de maintenance</a:t>
+              <a:t>Bénéficiez des bonnes pratiques de maintenance et des corrections les plus récentes (SP, MR, correctifs, FP) afin de rester à jour sur tous les contrôles de maintenance.</a:t>
             </a:r>
           </a:p>
         </p:txBody>
@@ -9528,8 +9527,8 @@
         </p:nvSpPr>
         <p:spPr>
           <a:xfrm>
-            <a:off x="2852427" y="2847845"/>
-            <a:ext cx="2194560" cy="615553"/>
+            <a:off x="2868303" y="2714946"/>
+            <a:ext cx="2194560" cy="553998"/>
           </a:xfrm>
           <a:prstGeom prst="rect">
             <a:avLst/>
@@ -9547,17 +9546,17 @@
               </a:spcBef>
             </a:pPr>
             <a:r>
-              <a:rPr lang="fr-FR" sz="1000" dirty="0">
+              <a:rPr lang="fr-FR" sz="900" dirty="0">
                 <a:solidFill>
                   <a:srgbClr val="4B4B4B"/>
                 </a:solidFill>
                 <a:latin typeface="AdobeClean-Light"/>
                 <a:cs typeface="AdobeClean-Light"/>
               </a:rPr>
-              <a:t>Il s’agit d’un examen régulier </a:t>
+              <a:t>Il s’agit d’un examen régulier des services du programme Elite, des mesures d’assistance et des livrables, y compris </a:t>
             </a:r>
             <a:br>
-              <a:rPr lang="sk-SK" sz="1000" dirty="0">
+              <a:rPr lang="fr-FR" sz="900" dirty="0">
                 <a:solidFill>
                   <a:srgbClr val="4B4B4B"/>
                 </a:solidFill>
@@ -9566,33 +9565,14 @@
               </a:rPr>
             </a:br>
             <a:r>
-              <a:rPr lang="fr-FR" sz="1000" dirty="0">
+              <a:rPr lang="fr-FR" sz="900" dirty="0">
                 <a:solidFill>
                   <a:srgbClr val="4B4B4B"/>
                 </a:solidFill>
                 <a:latin typeface="AdobeClean-Light"/>
                 <a:cs typeface="AdobeClean-Light"/>
               </a:rPr>
-              <a:t>des services du programme Elite, </a:t>
-            </a:r>
-            <a:br>
-              <a:rPr lang="sk-SK" sz="1000" dirty="0">
-                <a:solidFill>
-                  <a:srgbClr val="4B4B4B"/>
-                </a:solidFill>
-                <a:latin typeface="AdobeClean-Light"/>
-                <a:cs typeface="AdobeClean-Light"/>
-              </a:rPr>
-            </a:br>
-            <a:r>
-              <a:rPr lang="fr-FR" sz="1000" dirty="0">
-                <a:solidFill>
-                  <a:srgbClr val="4B4B4B"/>
-                </a:solidFill>
-                <a:latin typeface="AdobeClean-Light"/>
-                <a:cs typeface="AdobeClean-Light"/>
-              </a:rPr>
-              <a:t>des mesures d’assistance et des livrables, y compris un plan prospectif.</a:t>
+              <a:t>un plan prospectif.</a:t>
             </a:r>
           </a:p>
         </p:txBody>
@@ -9611,15 +9591,15 @@
         </p:nvSpPr>
         <p:spPr>
           <a:xfrm>
-            <a:off x="5431520" y="2854370"/>
-            <a:ext cx="2486548" cy="615553"/>
+            <a:off x="5431520" y="2721471"/>
+            <a:ext cx="2194560" cy="692497"/>
           </a:xfrm>
           <a:prstGeom prst="rect">
             <a:avLst/>
           </a:prstGeom>
         </p:spPr>
         <p:txBody>
-          <a:bodyPr wrap="square" lIns="0" tIns="0" rIns="0" bIns="0">
+          <a:bodyPr lIns="0" tIns="0" rIns="0" bIns="0">
             <a:spAutoFit/>
           </a:bodyPr>
           <a:lstStyle/>
@@ -9630,7 +9610,7 @@
               </a:spcBef>
             </a:pPr>
             <a:r>
-              <a:rPr lang="fr-FR" sz="1000" dirty="0">
+              <a:rPr lang="fr-FR" sz="900">
                 <a:solidFill>
                   <a:srgbClr val="4B4B4B"/>
                 </a:solidFill>
@@ -9656,15 +9636,15 @@
         </p:nvSpPr>
         <p:spPr>
           <a:xfrm>
-            <a:off x="324341" y="2971800"/>
-            <a:ext cx="2374092" cy="615553"/>
+            <a:off x="340217" y="2709949"/>
+            <a:ext cx="2194560" cy="830997"/>
           </a:xfrm>
           <a:prstGeom prst="rect">
             <a:avLst/>
           </a:prstGeom>
         </p:spPr>
         <p:txBody>
-          <a:bodyPr wrap="square" lIns="0" tIns="0" rIns="0" bIns="0">
+          <a:bodyPr lIns="0" tIns="0" rIns="0" bIns="0">
             <a:spAutoFit/>
           </a:bodyPr>
           <a:lstStyle/>
@@ -9675,14 +9655,33 @@
               </a:spcBef>
             </a:pPr>
             <a:r>
-              <a:rPr lang="fr-FR" sz="800" dirty="0">
+              <a:rPr lang="fr-FR" sz="900" dirty="0">
                 <a:solidFill>
                   <a:srgbClr val="4B4B4B"/>
                 </a:solidFill>
                 <a:latin typeface="AdobeClean-Light"/>
                 <a:cs typeface="AdobeClean-Light"/>
               </a:rPr>
-              <a:t>Il s’agit d’un point de contact désigné au sein d’Adobe pouvant fournir une assistance en matière de remontées d’informations, des mises à jour régulières et s’assurant que la priorité est mise sur vos demandes d’assistance ouvertes les plus importantes.</a:t>
+              <a:t>Il s’agit d’un point de contact désigné au sein d’Adobe pouvant fournir une assistance en matière de remontées d’informations, des mises à jour régulières et s’assurant que la priorité est mise sur vos demandes d’assistance ouvertes </a:t>
+            </a:r>
+            <a:br>
+              <a:rPr lang="fr-FR" sz="900" dirty="0">
+                <a:solidFill>
+                  <a:srgbClr val="4B4B4B"/>
+                </a:solidFill>
+                <a:latin typeface="AdobeClean-Light"/>
+                <a:cs typeface="AdobeClean-Light"/>
+              </a:rPr>
+            </a:br>
+            <a:r>
+              <a:rPr lang="fr-FR" sz="900" dirty="0">
+                <a:solidFill>
+                  <a:srgbClr val="4B4B4B"/>
+                </a:solidFill>
+                <a:latin typeface="AdobeClean-Light"/>
+                <a:cs typeface="AdobeClean-Light"/>
+              </a:rPr>
+              <a:t>les plus importantes.</a:t>
             </a:r>
           </a:p>
         </p:txBody>
@@ -9701,7 +9700,7 @@
         </p:nvSpPr>
         <p:spPr>
           <a:xfrm>
-            <a:off x="3153726" y="1126245"/>
+            <a:off x="3153726" y="933869"/>
             <a:ext cx="2194560" cy="169277"/>
           </a:xfrm>
           <a:prstGeom prst="rect">
@@ -9720,7 +9719,7 @@
               </a:spcBef>
             </a:pPr>
             <a:r>
-              <a:rPr lang="fr-FR" sz="1100" b="1">
+              <a:rPr lang="fr-FR" sz="1100" b="1" dirty="0">
                 <a:solidFill>
                   <a:srgbClr val="020302"/>
                 </a:solidFill>
@@ -9746,7 +9745,7 @@
         </p:nvSpPr>
         <p:spPr>
           <a:xfrm>
-            <a:off x="5723508" y="1126245"/>
+            <a:off x="5723508" y="933869"/>
             <a:ext cx="2194560" cy="169277"/>
           </a:xfrm>
           <a:prstGeom prst="rect">
@@ -9836,8 +9835,8 @@
         </p:nvSpPr>
         <p:spPr>
           <a:xfrm>
-            <a:off x="3138805" y="3778989"/>
-            <a:ext cx="2194560" cy="338554"/>
+            <a:off x="3138805" y="3706237"/>
+            <a:ext cx="1847481" cy="338554"/>
           </a:xfrm>
           <a:prstGeom prst="rect">
             <a:avLst/>
@@ -9862,26 +9861,7 @@
                 <a:latin typeface="Adobe Clean" panose="020B0503020404020204" pitchFamily="34" charset="0"/>
                 <a:cs typeface="Adobe Clean"/>
               </a:rPr>
-              <a:t>Examen de la feuille de route </a:t>
-            </a:r>
-            <a:br>
-              <a:rPr lang="sk-SK" sz="1100" b="1" dirty="0">
-                <a:solidFill>
-                  <a:srgbClr val="020302"/>
-                </a:solidFill>
-                <a:latin typeface="Adobe Clean" panose="020B0503020404020204" pitchFamily="34" charset="0"/>
-                <a:cs typeface="Adobe Clean"/>
-              </a:rPr>
-            </a:br>
-            <a:r>
-              <a:rPr lang="fr-FR" sz="1100" b="1" dirty="0">
-                <a:solidFill>
-                  <a:srgbClr val="020302"/>
-                </a:solidFill>
-                <a:latin typeface="Adobe Clean" panose="020B0503020404020204" pitchFamily="34" charset="0"/>
-                <a:cs typeface="Adobe Clean"/>
-              </a:rPr>
-              <a:t>de la solution</a:t>
+              <a:t>Examen de la feuille de route de la solution</a:t>
             </a:r>
           </a:p>
         </p:txBody>
@@ -9945,8 +9925,8 @@
         </p:nvSpPr>
         <p:spPr>
           <a:xfrm>
-            <a:off x="689237" y="2599639"/>
-            <a:ext cx="2152442" cy="338554"/>
+            <a:off x="689236" y="2346925"/>
+            <a:ext cx="1829665" cy="338554"/>
           </a:xfrm>
           <a:prstGeom prst="rect">
             <a:avLst/>
@@ -9990,7 +9970,7 @@
         </p:nvSpPr>
         <p:spPr>
           <a:xfrm>
-            <a:off x="3153726" y="2599639"/>
+            <a:off x="3159853" y="2467919"/>
             <a:ext cx="2194560" cy="169277"/>
           </a:xfrm>
           <a:prstGeom prst="rect">
@@ -10035,7 +10015,7 @@
         </p:nvSpPr>
         <p:spPr>
           <a:xfrm>
-            <a:off x="5723508" y="2599639"/>
+            <a:off x="5723508" y="2458988"/>
             <a:ext cx="2194560" cy="169277"/>
           </a:xfrm>
           <a:prstGeom prst="rect">
@@ -10054,7 +10034,7 @@
               </a:spcBef>
             </a:pPr>
             <a:r>
-              <a:rPr lang="fr-FR" sz="1100" b="1">
+              <a:rPr lang="fr-FR" sz="1100" b="1" dirty="0">
                 <a:solidFill>
                   <a:srgbClr val="020302"/>
                 </a:solidFill>
@@ -10080,8 +10060,8 @@
         </p:nvSpPr>
         <p:spPr>
           <a:xfrm>
-            <a:off x="689237" y="4935181"/>
-            <a:ext cx="2194560" cy="338554"/>
+            <a:off x="689237" y="4808448"/>
+            <a:ext cx="1456712" cy="338554"/>
           </a:xfrm>
           <a:prstGeom prst="rect">
             <a:avLst/>
@@ -10106,26 +10086,7 @@
                 <a:latin typeface="Adobe Clean" panose="020B0503020404020204" pitchFamily="34" charset="0"/>
                 <a:cs typeface="Adobe Clean"/>
               </a:rPr>
-              <a:t>Préparation et examen </a:t>
-            </a:r>
-            <a:br>
-              <a:rPr lang="sk-SK" sz="1100" b="1" dirty="0">
-                <a:solidFill>
-                  <a:srgbClr val="020302"/>
-                </a:solidFill>
-                <a:latin typeface="Adobe Clean" panose="020B0503020404020204" pitchFamily="34" charset="0"/>
-                <a:cs typeface="Adobe Clean"/>
-              </a:rPr>
-            </a:br>
-            <a:r>
-              <a:rPr lang="fr-FR" sz="1100" b="1" dirty="0">
-                <a:solidFill>
-                  <a:srgbClr val="020302"/>
-                </a:solidFill>
-                <a:latin typeface="Adobe Clean" panose="020B0503020404020204" pitchFamily="34" charset="0"/>
-                <a:cs typeface="Adobe Clean"/>
-              </a:rPr>
-              <a:t>de la version</a:t>
+              <a:t>Préparation et examen de la version</a:t>
             </a:r>
           </a:p>
         </p:txBody>
@@ -10144,7 +10105,7 @@
         </p:nvSpPr>
         <p:spPr>
           <a:xfrm>
-            <a:off x="3113405" y="4935181"/>
+            <a:off x="3113405" y="4874898"/>
             <a:ext cx="2194560" cy="169277"/>
           </a:xfrm>
           <a:prstGeom prst="rect">
@@ -10192,7 +10153,7 @@
         </p:nvSpPr>
         <p:spPr>
           <a:xfrm>
-            <a:off x="5723508" y="4935181"/>
+            <a:off x="5723508" y="4874898"/>
             <a:ext cx="2194560" cy="169277"/>
           </a:xfrm>
           <a:prstGeom prst="rect">
@@ -10240,7 +10201,7 @@
         </p:nvSpPr>
         <p:spPr>
           <a:xfrm rot="5400000" flipH="1">
-            <a:off x="3863341" y="756920"/>
+            <a:off x="3863341" y="780227"/>
             <a:ext cx="45719" cy="5577840"/>
           </a:xfrm>
           <a:custGeom>
@@ -10295,7 +10256,7 @@
         </p:nvSpPr>
         <p:spPr>
           <a:xfrm rot="5400000" flipH="1">
-            <a:off x="3863341" y="-220980"/>
+            <a:off x="3863342" y="-514956"/>
             <a:ext cx="45719" cy="5577840"/>
           </a:xfrm>
           <a:custGeom>
@@ -10351,13 +10312,13 @@
           <p:nvPr/>
         </p:nvPicPr>
         <p:blipFill>
-          <a:blip r:embed="rId23">
+          <a:blip r:embed="rId22">
             <a:extLst>
               <a:ext uri="{28A0092B-C50C-407E-A947-70E740481C1C}">
                 <a14:useLocalDpi xmlns:a14="http://schemas.microsoft.com/office/drawing/2010/main" val="0"/>
               </a:ext>
               <a:ext uri="{96DAC541-7B7A-43D3-8B79-37D633B846F1}">
-                <asvg:svgBlip xmlns:asvg="http://schemas.microsoft.com/office/drawing/2016/SVG/main" r:embed="rId24"/>
+                <asvg:svgBlip xmlns:asvg="http://schemas.microsoft.com/office/drawing/2016/SVG/main" r:embed="rId23"/>
               </a:ext>
             </a:extLst>
           </a:blip>
@@ -10390,7 +10351,7 @@
           <p:nvPr/>
         </p:nvPicPr>
         <p:blipFill>
-          <a:blip r:embed="rId25"/>
+          <a:blip r:embed="rId24"/>
           <a:stretch>
             <a:fillRect/>
           </a:stretch>
@@ -10420,14 +10381,14 @@
           <p:nvPr/>
         </p:nvPicPr>
         <p:blipFill>
-          <a:blip r:embed="rId26"/>
+          <a:blip r:embed="rId25"/>
           <a:stretch>
             <a:fillRect/>
           </a:stretch>
         </p:blipFill>
         <p:spPr>
           <a:xfrm>
-            <a:off x="355868" y="4878393"/>
+            <a:off x="355868" y="4818110"/>
             <a:ext cx="240657" cy="300821"/>
           </a:xfrm>
           <a:prstGeom prst="rect">
@@ -10450,7 +10411,7 @@
           <p:nvPr/>
         </p:nvPicPr>
         <p:blipFill>
-          <a:blip r:embed="rId27"/>
+          <a:blip r:embed="rId26"/>
           <a:stretch>
             <a:fillRect/>
           </a:stretch>
@@ -10480,14 +10441,14 @@
           <p:nvPr/>
         </p:nvPicPr>
         <p:blipFill>
-          <a:blip r:embed="rId28"/>
+          <a:blip r:embed="rId27"/>
           <a:stretch>
             <a:fillRect/>
           </a:stretch>
         </p:blipFill>
         <p:spPr>
           <a:xfrm>
-            <a:off x="5276601" y="4928329"/>
+            <a:off x="5276601" y="4868046"/>
             <a:ext cx="347646" cy="264530"/>
           </a:xfrm>
           <a:prstGeom prst="rect">
@@ -10510,13 +10471,13 @@
           <p:nvPr/>
         </p:nvPicPr>
         <p:blipFill>
-          <a:blip r:embed="rId29" cstate="print">
+          <a:blip r:embed="rId28" cstate="print">
             <a:extLst>
               <a:ext uri="{28A0092B-C50C-407E-A947-70E740481C1C}">
                 <a14:useLocalDpi xmlns:a14="http://schemas.microsoft.com/office/drawing/2010/main" val="0"/>
               </a:ext>
               <a:ext uri="{96DAC541-7B7A-43D3-8B79-37D633B846F1}">
-                <asvg:svgBlip xmlns:asvg="http://schemas.microsoft.com/office/drawing/2016/SVG/main" r:embed="rId30"/>
+                <asvg:svgBlip xmlns:asvg="http://schemas.microsoft.com/office/drawing/2016/SVG/main" r:embed="rId29"/>
               </a:ext>
             </a:extLst>
           </a:blip>
@@ -10526,7 +10487,7 @@
         </p:blipFill>
         <p:spPr>
           <a:xfrm>
-            <a:off x="2768925" y="4836780"/>
+            <a:off x="2768925" y="4776497"/>
             <a:ext cx="365760" cy="365760"/>
           </a:xfrm>
           <a:prstGeom prst="rect">
@@ -10548,8 +10509,8 @@
         </p:nvSpPr>
         <p:spPr>
           <a:xfrm>
-            <a:off x="2764975" y="4114800"/>
-            <a:ext cx="2282011" cy="813236"/>
+            <a:off x="2764975" y="4039530"/>
+            <a:ext cx="2282011" cy="797334"/>
           </a:xfrm>
           <a:prstGeom prst="rect">
             <a:avLst/>
@@ -10570,7 +10531,7 @@
               </a:spcBef>
             </a:pPr>
             <a:r>
-              <a:rPr lang="fr-FR" sz="900" dirty="0">
+              <a:rPr lang="fr-FR" sz="900">
                 <a:solidFill>
                   <a:srgbClr val="020302"/>
                 </a:solidFill>
@@ -10590,7 +10551,7 @@
               </a:spcBef>
             </a:pPr>
             <a:r>
-              <a:rPr lang="fr-FR" sz="1000" dirty="0">
+              <a:rPr lang="fr-FR" sz="900">
                 <a:solidFill>
                   <a:srgbClr val="020302"/>
                 </a:solidFill>
@@ -10884,9 +10845,9 @@
           <p:nvPr/>
         </p:nvSpPr>
         <p:spPr>
-          <a:xfrm flipV="1">
-            <a:off x="4648208" y="2654676"/>
-            <a:ext cx="2199885" cy="61739"/>
+          <a:xfrm>
+            <a:off x="4524376" y="2631818"/>
+            <a:ext cx="2295012" cy="45720"/>
           </a:xfrm>
           <a:custGeom>
             <a:avLst/>
@@ -10927,8 +10888,8 @@
         </p:nvSpPr>
         <p:spPr>
           <a:xfrm>
-            <a:off x="4614673" y="2329688"/>
-            <a:ext cx="2243327" cy="228268"/>
+            <a:off x="4476751" y="2329688"/>
+            <a:ext cx="2389116" cy="228268"/>
           </a:xfrm>
           <a:prstGeom prst="rect">
             <a:avLst/>
@@ -10940,7 +10901,7 @@
           </a:bodyPr>
           <a:lstStyle/>
           <a:p>
-            <a:pPr marL="12700">
+            <a:pPr marL="12700" algn="ctr">
               <a:lnSpc>
                 <a:spcPct val="100000"/>
               </a:lnSpc>
@@ -10970,7 +10931,7 @@
         <p:spPr>
           <a:xfrm>
             <a:off x="914421" y="2342312"/>
-            <a:ext cx="1600177" cy="228268"/>
+            <a:ext cx="1590653" cy="228268"/>
           </a:xfrm>
           <a:prstGeom prst="rect">
             <a:avLst/>
@@ -11012,7 +10973,7 @@
         <p:spPr>
           <a:xfrm>
             <a:off x="242187" y="2787904"/>
-            <a:ext cx="3004185" cy="782265"/>
+            <a:ext cx="3004185" cy="566822"/>
           </a:xfrm>
           <a:prstGeom prst="rect">
             <a:avLst/>
@@ -11033,7 +10994,7 @@
               </a:spcBef>
             </a:pPr>
             <a:r>
-              <a:rPr lang="fr-FR" sz="1000" dirty="0">
+              <a:rPr lang="fr-FR" sz="900" dirty="0">
                 <a:solidFill>
                   <a:srgbClr val="1F1F1F"/>
                 </a:solidFill>
@@ -11043,7 +11004,7 @@
               <a:t>Pour les clients qui implémentent une </a:t>
             </a:r>
             <a:r>
-              <a:rPr lang="fr-FR" sz="1000" b="1" dirty="0">
+              <a:rPr lang="fr-FR" sz="900" b="1" dirty="0">
                 <a:solidFill>
                   <a:srgbClr val="1F1F1F"/>
                 </a:solidFill>
@@ -11053,7 +11014,7 @@
               <a:t>nouvelle solution Adobe </a:t>
             </a:r>
             <a:r>
-              <a:rPr lang="fr-FR" sz="1000" b="1" dirty="0" err="1">
+              <a:rPr lang="fr-FR" sz="900" b="1" dirty="0" err="1">
                 <a:solidFill>
                   <a:srgbClr val="1F1F1F"/>
                 </a:solidFill>
@@ -11063,7 +11024,7 @@
               <a:t>Experience</a:t>
             </a:r>
             <a:r>
-              <a:rPr lang="fr-FR" sz="1000" b="1" dirty="0">
+              <a:rPr lang="fr-FR" sz="900" b="1" dirty="0">
                 <a:solidFill>
                   <a:srgbClr val="1F1F1F"/>
                 </a:solidFill>
@@ -11073,80 +11034,25 @@
               <a:t> Cloud, </a:t>
             </a:r>
             <a:r>
-              <a:rPr lang="fr-FR" sz="1000" dirty="0">
+              <a:rPr lang="fr-FR" sz="900" dirty="0">
                 <a:latin typeface="AdobeClean-Light"/>
                 <a:cs typeface="AdobeClean-Light"/>
               </a:rPr>
               <a:t>Launch Advisory</a:t>
             </a:r>
             <a:r>
-              <a:rPr lang="fr-FR" sz="1000" dirty="0">
+              <a:rPr lang="fr-FR" sz="900" dirty="0">
                 <a:latin typeface="AdobeClean-SemiLight"/>
                 <a:cs typeface="AdobeClean-SemiLight"/>
               </a:rPr>
-              <a:t> est un </a:t>
-            </a:r>
-            <a:r>
-              <a:rPr lang="fr-FR" sz="950" dirty="0">
-                <a:latin typeface="AdobeClean-SemiLight"/>
-                <a:cs typeface="AdobeClean-SemiLight"/>
-              </a:rPr>
-              <a:t>ensemble de base de services</a:t>
-            </a:r>
-            <a:r>
-              <a:rPr lang="sk-SK" sz="950" dirty="0">
-                <a:latin typeface="AdobeClean-SemiLight"/>
-                <a:cs typeface="AdobeClean-SemiLight"/>
-              </a:rPr>
-              <a:t> </a:t>
-            </a:r>
-            <a:r>
-              <a:rPr lang="fr-FR" sz="950" dirty="0">
-                <a:latin typeface="AdobeClean-SemiLight"/>
-                <a:cs typeface="AdobeClean-SemiLight"/>
-              </a:rPr>
-              <a:t>de conseil </a:t>
-            </a:r>
-            <a:r>
-              <a:rPr lang="fr-FR" sz="1000" dirty="0">
+              <a:t> est un ensemble de base de services de conseil </a:t>
+            </a:r>
+            <a:r>
+              <a:rPr lang="fr-FR" sz="900" dirty="0">
                 <a:latin typeface="AdobeClean-Light"/>
                 <a:cs typeface="AdobeClean-Light"/>
               </a:rPr>
-              <a:t>et de recommandations qui s’avèrent prendre en charge </a:t>
-            </a:r>
-            <a:br>
-              <a:rPr lang="sk-SK" sz="1000" dirty="0">
-                <a:latin typeface="AdobeClean-Light"/>
-                <a:cs typeface="AdobeClean-Light"/>
-              </a:rPr>
-            </a:br>
-            <a:r>
-              <a:rPr lang="fr-FR" sz="950" dirty="0">
-                <a:latin typeface="AdobeClean-Light"/>
-                <a:cs typeface="AdobeClean-Light"/>
-              </a:rPr>
-              <a:t>les déploiements réussis </a:t>
-            </a:r>
-            <a:r>
-              <a:rPr lang="fr-FR" sz="1000" dirty="0">
-                <a:latin typeface="AdobeClean-Light"/>
-                <a:cs typeface="AdobeClean-Light"/>
-              </a:rPr>
-              <a:t>et </a:t>
-            </a:r>
-            <a:r>
-              <a:rPr lang="fr-FR" sz="950" dirty="0">
-                <a:latin typeface="AdobeClean-Light"/>
-                <a:cs typeface="AdobeClean-Light"/>
-              </a:rPr>
-              <a:t>accélérer la rentabilité</a:t>
-            </a:r>
-            <a:r>
-              <a:rPr lang="fr-FR" sz="1000" dirty="0">
-                <a:latin typeface="AdobeClean-Light"/>
-                <a:cs typeface="AdobeClean-Light"/>
-              </a:rPr>
-              <a:t>.</a:t>
+              <a:t>et de recommandations qui s’avèrent prendre en charge les déploiements réussis et accélérer la rentabilité.</a:t>
             </a:r>
           </a:p>
         </p:txBody>
@@ -11238,8 +11144,8 @@
         </p:nvSpPr>
         <p:spPr>
           <a:xfrm>
-            <a:off x="3976900" y="2790952"/>
-            <a:ext cx="3643093" cy="628377"/>
+            <a:off x="3976901" y="2790952"/>
+            <a:ext cx="3543300" cy="566822"/>
           </a:xfrm>
           <a:prstGeom prst="rect">
             <a:avLst/>
@@ -11260,7 +11166,7 @@
               </a:spcBef>
             </a:pPr>
             <a:r>
-              <a:rPr lang="fr-FR" sz="1000" dirty="0">
+              <a:rPr lang="fr-FR" sz="900">
                 <a:solidFill>
                   <a:srgbClr val="4B4B4B"/>
                 </a:solidFill>
@@ -11270,7 +11176,7 @@
               <a:t>Les services de terrain servent à la </a:t>
             </a:r>
             <a:r>
-              <a:rPr lang="fr-FR" sz="1000" b="1" dirty="0">
+              <a:rPr lang="fr-FR" sz="900" b="1">
                 <a:solidFill>
                   <a:srgbClr val="4B4B4B"/>
                 </a:solidFill>
@@ -11280,7 +11186,7 @@
               <a:t>résolution rapide</a:t>
             </a:r>
             <a:r>
-              <a:rPr lang="fr-FR" sz="1000" dirty="0">
+              <a:rPr lang="fr-FR" sz="900">
                 <a:solidFill>
                   <a:srgbClr val="4B4B4B"/>
                 </a:solidFill>
@@ -11290,7 +11196,7 @@
               <a:t>, au succès ciblé du client et à l’</a:t>
             </a:r>
             <a:r>
-              <a:rPr lang="fr-FR" sz="1000" b="1" dirty="0">
+              <a:rPr lang="fr-FR" sz="900" b="1">
                 <a:solidFill>
                   <a:srgbClr val="4B4B4B"/>
                 </a:solidFill>
@@ -11300,7 +11206,7 @@
               <a:t>accélération de la rentabilité</a:t>
             </a:r>
             <a:r>
-              <a:rPr lang="fr-FR" sz="1000" dirty="0">
+              <a:rPr lang="fr-FR" sz="900">
                 <a:solidFill>
                   <a:srgbClr val="4B4B4B"/>
                 </a:solidFill>
@@ -11310,7 +11216,7 @@
               <a:t>. Si Launch Advisory est actif, il n’y aura </a:t>
             </a:r>
             <a:r>
-              <a:rPr lang="fr-FR" sz="1000" b="1" dirty="0">
+              <a:rPr lang="fr-FR" sz="900" b="1">
                 <a:solidFill>
                   <a:srgbClr val="4B4B4B"/>
                 </a:solidFill>
@@ -11320,7 +11226,7 @@
               <a:t>aucun service sur le terrain au cours de la première année </a:t>
             </a:r>
             <a:r>
-              <a:rPr lang="fr-FR" sz="1000" dirty="0">
+              <a:rPr lang="fr-FR" sz="900">
                 <a:solidFill>
                   <a:srgbClr val="4B4B4B"/>
                 </a:solidFill>
@@ -11424,8 +11330,8 @@
         </p:nvSpPr>
         <p:spPr>
           <a:xfrm>
-            <a:off x="263463" y="5348732"/>
-            <a:ext cx="3561591" cy="482600"/>
+            <a:off x="263464" y="5348732"/>
+            <a:ext cx="3114040" cy="628377"/>
           </a:xfrm>
           <a:prstGeom prst="rect">
             <a:avLst/>
@@ -11450,7 +11356,20 @@
                 <a:latin typeface="AdobeClean-Light"/>
                 <a:cs typeface="AdobeClean-Light"/>
               </a:rPr>
-              <a:t>Launch Advisory s’alignera sur le calendrier de votre projet via des jalons communs (lancement, définition, conception, activation et post-lancement) pour guider, valider, évaluer et faire des recommandations.</a:t>
+              <a:t>Launch Advisory s’alignera sur le calendrier de votre projet via des jalons communs (lancement, définition, conception, activation et post-lancement) pour guider, valider, évaluer </a:t>
+            </a:r>
+            <a:br>
+              <a:rPr lang="fr-FR" sz="1000" dirty="0">
+                <a:latin typeface="AdobeClean-Light"/>
+                <a:cs typeface="AdobeClean-Light"/>
+              </a:rPr>
+            </a:br>
+            <a:r>
+              <a:rPr lang="fr-FR" sz="1000" dirty="0">
+                <a:latin typeface="AdobeClean-Light"/>
+                <a:cs typeface="AdobeClean-Light"/>
+              </a:rPr>
+              <a:t>et faire des recommandations.</a:t>
             </a:r>
           </a:p>
         </p:txBody>
@@ -11463,8 +11382,8 @@
         </p:nvSpPr>
         <p:spPr>
           <a:xfrm>
-            <a:off x="263464" y="5982715"/>
-            <a:ext cx="2654822" cy="166712"/>
+            <a:off x="263464" y="6077645"/>
+            <a:ext cx="2854386" cy="166712"/>
           </a:xfrm>
           <a:prstGeom prst="rect">
             <a:avLst/>
@@ -11503,7 +11422,7 @@
         <p:spPr>
           <a:xfrm>
             <a:off x="205422" y="6308299"/>
-            <a:ext cx="3931920" cy="546303"/>
+            <a:ext cx="4318954" cy="746358"/>
           </a:xfrm>
           <a:prstGeom prst="rect">
             <a:avLst/>
@@ -11523,12 +11442,27 @@
               <a:buChar char="•"/>
             </a:pPr>
             <a:r>
-              <a:rPr lang="fr-FR" sz="900" dirty="0">
+              <a:rPr lang="fr-FR" sz="1000" dirty="0">
                 <a:solidFill>
                   <a:prstClr val="black"/>
                 </a:solidFill>
               </a:rPr>
-              <a:t>Plateforme de lancement (y compris le plan de collaboration du projet)</a:t>
+              <a:t>Plateforme de lancement (y compris le plan </a:t>
+            </a:r>
+            <a:br>
+              <a:rPr lang="fr-FR" sz="1000" dirty="0">
+                <a:solidFill>
+                  <a:prstClr val="black"/>
+                </a:solidFill>
+              </a:rPr>
+            </a:br>
+            <a:r>
+              <a:rPr lang="fr-FR" sz="1000" dirty="0">
+                <a:solidFill>
+                  <a:prstClr val="black"/>
+                </a:solidFill>
+              </a:rPr>
+              <a:t>de collaboration du projet)</a:t>
             </a:r>
           </a:p>
           <a:p>
@@ -11540,7 +11474,7 @@
               <a:buChar char="•"/>
             </a:pPr>
             <a:r>
-              <a:rPr lang="fr-FR" sz="900" dirty="0">
+              <a:rPr lang="fr-FR" sz="1000" dirty="0">
                 <a:solidFill>
                   <a:prstClr val="black"/>
                 </a:solidFill>
@@ -11557,7 +11491,7 @@
               <a:buChar char="•"/>
             </a:pPr>
             <a:r>
-              <a:rPr lang="fr-FR" sz="900" dirty="0">
+              <a:rPr lang="fr-FR" sz="1000" dirty="0">
                 <a:solidFill>
                   <a:prstClr val="black"/>
                 </a:solidFill>
@@ -11576,7 +11510,7 @@
         <p:spPr>
           <a:xfrm>
             <a:off x="263464" y="4126991"/>
-            <a:ext cx="3524568" cy="1070610"/>
+            <a:ext cx="3141980" cy="1220847"/>
           </a:xfrm>
           <a:prstGeom prst="rect">
             <a:avLst/>
@@ -11642,7 +11576,20 @@
                 <a:latin typeface="AdobeClean-SemiLight"/>
                 <a:cs typeface="AdobeClean-SemiLight"/>
               </a:rPr>
-              <a:t>à l’intention des clients et des partenaires de mise en œuvre.</a:t>
+              <a:t>à l’intention des clients et des partenaires </a:t>
+            </a:r>
+            <a:br>
+              <a:rPr lang="fr-FR" sz="1000" dirty="0">
+                <a:latin typeface="AdobeClean-SemiLight"/>
+                <a:cs typeface="AdobeClean-SemiLight"/>
+              </a:rPr>
+            </a:br>
+            <a:r>
+              <a:rPr lang="fr-FR" sz="1000" dirty="0">
+                <a:latin typeface="AdobeClean-SemiLight"/>
+                <a:cs typeface="AdobeClean-SemiLight"/>
+              </a:rPr>
+              <a:t>de mise en œuvre.</a:t>
             </a:r>
           </a:p>
         </p:txBody>
@@ -11654,7 +11601,7 @@
           <p:nvPr/>
         </p:nvPicPr>
         <p:blipFill>
-          <a:blip r:embed="rId3">
+          <a:blip r:embed="rId3" cstate="print">
             <a:extLst>
               <a:ext uri="{28A0092B-C50C-407E-A947-70E740481C1C}">
                 <a14:useLocalDpi xmlns:a14="http://schemas.microsoft.com/office/drawing/2010/main" val="0"/>
@@ -11666,8 +11613,8 @@
         </p:blipFill>
         <p:spPr>
           <a:xfrm>
-            <a:off x="363328" y="6932449"/>
-            <a:ext cx="3053821" cy="2815984"/>
+            <a:off x="534105" y="7204818"/>
+            <a:ext cx="2712268" cy="2503632"/>
           </a:xfrm>
           <a:prstGeom prst="rect">
             <a:avLst/>
@@ -11682,8 +11629,8 @@
         </p:nvSpPr>
         <p:spPr>
           <a:xfrm>
-            <a:off x="3947345" y="5363972"/>
-            <a:ext cx="3512875" cy="805029"/>
+            <a:off x="3947346" y="5363972"/>
+            <a:ext cx="3335020" cy="805029"/>
           </a:xfrm>
           <a:prstGeom prst="rect">
             <a:avLst/>
@@ -11715,46 +11662,20 @@
                 <a:latin typeface="AdobeClean-Light"/>
                 <a:cs typeface="AdobeClean-Light"/>
               </a:rPr>
-              <a:t>s’assurent que les clients sont techniquement sûrs et maximisent l’adoption de leurs outils. Pour </a:t>
+              <a:t>s’assurent que les clients sont techniquement sûrs et maximisent l’adoption de leurs outils. Pour être plus précis, ces types d’activités incluent la prise en charge et les recommandations liées aux configurations de plateforme, </a:t>
             </a:r>
             <a:br>
-              <a:rPr lang="sk-SK" sz="1000" dirty="0">
-                <a:latin typeface="AdobeClean-Light"/>
-                <a:cs typeface="AdobeClean-Light"/>
-              </a:rPr>
-            </a:br>
-            <a:r>
               <a:rPr lang="fr-FR" sz="1000" dirty="0">
                 <a:latin typeface="AdobeClean-Light"/>
                 <a:cs typeface="AdobeClean-Light"/>
               </a:rPr>
-              <a:t>être plus précis, ces types d’activités incluent la prise en charge </a:t>
-            </a:r>
-            <a:br>
-              <a:rPr lang="sk-SK" sz="1000" dirty="0">
-                <a:latin typeface="AdobeClean-Light"/>
-                <a:cs typeface="AdobeClean-Light"/>
-              </a:rPr>
             </a:br>
             <a:r>
               <a:rPr lang="fr-FR" sz="1000" dirty="0">
                 <a:latin typeface="AdobeClean-Light"/>
                 <a:cs typeface="AdobeClean-Light"/>
               </a:rPr>
-              <a:t>et les recommandations liées aux configurations de plateforme, </a:t>
-            </a:r>
-            <a:br>
-              <a:rPr lang="sk-SK" sz="1000" dirty="0">
-                <a:latin typeface="AdobeClean-Light"/>
-                <a:cs typeface="AdobeClean-Light"/>
-              </a:rPr>
-            </a:br>
-            <a:r>
-              <a:rPr lang="fr-FR" sz="1000" dirty="0">
-                <a:latin typeface="AdobeClean-Light"/>
-                <a:cs typeface="AdobeClean-Light"/>
-              </a:rPr>
-              <a:t>aux intégrations et à la résolution des problèmes</a:t>
+              <a:t>aux intégrations et à la résolution des problèmes.</a:t>
             </a:r>
           </a:p>
         </p:txBody>
@@ -11768,7 +11689,7 @@
         <p:spPr>
           <a:xfrm>
             <a:off x="3947345" y="6174740"/>
-            <a:ext cx="3204083" cy="1436291"/>
+            <a:ext cx="3429519" cy="1436291"/>
           </a:xfrm>
           <a:prstGeom prst="rect">
             <a:avLst/>
@@ -12081,14 +12002,14 @@
         <p:spPr>
           <a:xfrm>
             <a:off x="3942773" y="4126991"/>
-            <a:ext cx="3517448" cy="1000274"/>
+            <a:ext cx="3543300" cy="956672"/>
           </a:xfrm>
           <a:prstGeom prst="rect">
             <a:avLst/>
           </a:prstGeom>
         </p:spPr>
         <p:txBody>
-          <a:bodyPr vert="horz" wrap="square" lIns="0" tIns="12700" rIns="0" bIns="0" rtlCol="0">
+          <a:bodyPr vert="horz" wrap="square" lIns="0" tIns="12700" rIns="0" bIns="0" rtlCol="0" anchor="t">
             <a:spAutoFit/>
           </a:bodyPr>
           <a:lstStyle/>
@@ -12114,9 +12035,6 @@
           </a:p>
           <a:p>
             <a:pPr marL="12700">
-              <a:lnSpc>
-                <a:spcPct val="100000"/>
-              </a:lnSpc>
               <a:spcBef>
                 <a:spcPts val="1595"/>
               </a:spcBef>
@@ -12129,10 +12047,29 @@
                 <a:latin typeface="Adobe Clean"/>
                 <a:cs typeface="Adobe Clean"/>
               </a:rPr>
-              <a:t>En tant que client Elite, vous êtes éligible pour participer à</a:t>
-            </a:r>
-            <a:r>
-              <a:rPr lang="fr-FR" sz="1200" dirty="0">
+              <a:t>En tant que client Elite, vous êtes éligible pour participer </a:t>
+            </a:r>
+            <a:br>
+              <a:rPr lang="fr-FR" sz="1000" dirty="0">
+                <a:solidFill>
+                  <a:srgbClr val="1F1F1F"/>
+                </a:solidFill>
+                <a:latin typeface="Adobe Clean"/>
+                <a:cs typeface="Adobe Clean"/>
+              </a:rPr>
+            </a:br>
+            <a:r>
+              <a:rPr lang="fr-FR" sz="1000" dirty="0">
+                <a:solidFill>
+                  <a:srgbClr val="1F1F1F"/>
+                </a:solidFill>
+                <a:latin typeface="Adobe Clean"/>
+                <a:cs typeface="Adobe Clean"/>
+              </a:rPr>
+              <a:t>à </a:t>
+            </a:r>
+            <a:r>
+              <a:rPr lang="fr-FR" sz="1200" u="sng" dirty="0">
                 <a:solidFill>
                   <a:srgbClr val="1F1F1F"/>
                 </a:solidFill>
@@ -12144,109 +12081,78 @@
                 <a:latin typeface="Times New Roman"/>
                 <a:cs typeface="Times New Roman"/>
               </a:rPr>
-              <a:t> </a:t>
-            </a:r>
-            <a:r>
-              <a:rPr lang="fr-FR" sz="1200" u="sng" dirty="0">
-                <a:solidFill>
-                  <a:srgbClr val="1F1F1F"/>
-                </a:solidFill>
-                <a:uFill>
-                  <a:solidFill>
-                    <a:srgbClr val="1F1F1F"/>
-                  </a:solidFill>
-                </a:uFill>
-                <a:latin typeface="Times New Roman"/>
-                <a:cs typeface="Times New Roman"/>
-              </a:rPr>
               <a:t>4</a:t>
             </a:r>
             <a:r>
-              <a:rPr lang="fr-FR" sz="1200" b="1" dirty="0">
-                <a:solidFill>
-                  <a:srgbClr val="1F1F1F"/>
-                </a:solidFill>
-                <a:latin typeface="Arial"/>
-                <a:cs typeface="Arial"/>
-              </a:rPr>
-              <a:t> </a:t>
-            </a:r>
-            <a:r>
-              <a:rPr lang="fr-FR" sz="1000" b="1" dirty="0">
-                <a:solidFill>
-                  <a:srgbClr val="1F1F1F"/>
-                </a:solidFill>
-                <a:latin typeface="Arial"/>
-                <a:cs typeface="Arial"/>
-              </a:rPr>
-              <a:t>activités par an</a:t>
-            </a:r>
-            <a:r>
-              <a:rPr lang="sk-SK" sz="1000" b="1" dirty="0">
-                <a:solidFill>
-                  <a:srgbClr val="1F1F1F"/>
-                </a:solidFill>
-                <a:latin typeface="Arial"/>
-                <a:cs typeface="Arial"/>
-              </a:rPr>
-              <a:t> </a:t>
-            </a:r>
-            <a:r>
-              <a:rPr lang="fr-FR" sz="1000" dirty="0">
+              <a:rPr lang="fr-FR" sz="1200" dirty="0">
                 <a:solidFill>
                   <a:srgbClr val="1F1F1F"/>
                 </a:solidFill>
                 <a:latin typeface="Adobe Clean"/>
                 <a:cs typeface="Adobe Clean"/>
               </a:rPr>
-              <a:t>à partir de ces deux suivis : </a:t>
+              <a:t> </a:t>
             </a:r>
             <a:r>
               <a:rPr lang="fr-FR" sz="1000" b="1" dirty="0">
                 <a:solidFill>
                   <a:srgbClr val="1F1F1F"/>
                 </a:solidFill>
-                <a:latin typeface="Arial"/>
+                <a:latin typeface="Adobe Clean"/>
+              </a:rPr>
+              <a:t>activités par an à partir de ces deux suivis : </a:t>
+            </a:r>
+            <a:r>
+              <a:rPr lang="fr-FR" sz="1000" b="1">
+                <a:solidFill>
+                  <a:srgbClr val="1F1F1F"/>
+                </a:solidFill>
+                <a:latin typeface="Adobe Clean"/>
+              </a:rPr>
+              <a:t>technique </a:t>
+            </a:r>
+            <a:br>
+              <a:rPr lang="fr-FR" sz="1000" b="1">
+                <a:solidFill>
+                  <a:srgbClr val="1F1F1F"/>
+                </a:solidFill>
+                <a:latin typeface="Adobe Clean"/>
+              </a:rPr>
+            </a:br>
+            <a:r>
+              <a:rPr lang="fr-FR" sz="1000">
+                <a:solidFill>
+                  <a:srgbClr val="1F1F1F"/>
+                </a:solidFill>
+                <a:latin typeface="Adobe Clean"/>
+              </a:rPr>
+              <a:t>et</a:t>
+            </a:r>
+            <a:r>
+              <a:rPr lang="fr-FR" sz="1000" dirty="0">
+                <a:solidFill>
+                  <a:srgbClr val="1F1F1F"/>
+                </a:solidFill>
+                <a:latin typeface="Adobe Clean"/>
+              </a:rPr>
+              <a:t>/ou </a:t>
+            </a:r>
+            <a:r>
+              <a:rPr lang="fr-FR" sz="1000" b="1" dirty="0">
+                <a:solidFill>
+                  <a:srgbClr val="1F1F1F"/>
+                </a:solidFill>
+                <a:latin typeface="Adobe Clean"/>
+              </a:rPr>
+              <a:t>stratégique</a:t>
+            </a:r>
+            <a:r>
+              <a:rPr lang="fr-FR" sz="1000" dirty="0">
+                <a:solidFill>
+                  <a:srgbClr val="1F1F1F"/>
+                </a:solidFill>
+                <a:latin typeface="AdobeClean-Light"/>
                 <a:cs typeface="Arial"/>
-              </a:rPr>
-              <a:t>technique </a:t>
-            </a:r>
-            <a:br>
-              <a:rPr lang="sk-SK" sz="1000" b="1" dirty="0">
-                <a:solidFill>
-                  <a:srgbClr val="1F1F1F"/>
-                </a:solidFill>
-                <a:latin typeface="Arial"/>
-                <a:cs typeface="Arial"/>
-              </a:rPr>
-            </a:br>
-            <a:r>
-              <a:rPr lang="fr-FR" sz="1000" dirty="0">
-                <a:solidFill>
-                  <a:srgbClr val="1F1F1F"/>
-                </a:solidFill>
-                <a:latin typeface="Adobe Clean"/>
-                <a:cs typeface="Adobe Clean"/>
-              </a:rPr>
-              <a:t>et/ou </a:t>
-            </a:r>
-            <a:r>
-              <a:rPr lang="fr-FR" sz="1000" b="1" dirty="0">
-                <a:solidFill>
-                  <a:srgbClr val="1F1F1F"/>
-                </a:solidFill>
-                <a:latin typeface="Arial"/>
-                <a:cs typeface="Arial"/>
-              </a:rPr>
-              <a:t>stratégique</a:t>
-            </a:r>
-            <a:r>
-              <a:rPr lang="fr-FR" sz="1000" dirty="0">
-                <a:solidFill>
-                  <a:srgbClr val="1F1F1F"/>
-                </a:solidFill>
-                <a:latin typeface="AdobeClean-Light"/>
-                <a:cs typeface="AdobeClean-Light"/>
               </a:rPr>
               <a:t>.</a:t>
             </a:r>
@@ -12262,7 +12168,7 @@
         <p:spPr>
           <a:xfrm>
             <a:off x="923023" y="538480"/>
-            <a:ext cx="3344177" cy="228268"/>
+            <a:ext cx="3715652" cy="228268"/>
           </a:xfrm>
           <a:prstGeom prst="rect">
             <a:avLst/>
@@ -12304,7 +12210,7 @@
         <p:spPr>
           <a:xfrm>
             <a:off x="924894" y="814263"/>
-            <a:ext cx="3113706" cy="84239"/>
+            <a:ext cx="3108944" cy="90886"/>
           </a:xfrm>
           <a:custGeom>
             <a:avLst/>
@@ -12409,7 +12315,7 @@
         <p:spPr>
           <a:xfrm>
             <a:off x="97787" y="9861195"/>
-            <a:ext cx="2874013" cy="133370"/>
+            <a:ext cx="3148585" cy="133370"/>
           </a:xfrm>
           <a:prstGeom prst="rect">
             <a:avLst/>
@@ -12580,8 +12486,8 @@
         </p:nvSpPr>
         <p:spPr>
           <a:xfrm>
-            <a:off x="2918286" y="3472190"/>
-            <a:ext cx="933111" cy="261610"/>
+            <a:off x="2792782" y="3590299"/>
+            <a:ext cx="1184120" cy="246221"/>
           </a:xfrm>
           <a:prstGeom prst="rect">
             <a:avLst/>
@@ -12596,7 +12502,7 @@
           <a:p>
             <a:pPr algn="ctr"/>
             <a:r>
-              <a:rPr lang="fr-FR" sz="1100" dirty="0"/>
+              <a:rPr lang="fr-FR" sz="1000" dirty="0"/>
               <a:t>Post-lancement</a:t>
             </a:r>
           </a:p>
@@ -12617,7 +12523,7 @@
         <p:spPr>
           <a:xfrm>
             <a:off x="2236134" y="3586760"/>
-            <a:ext cx="826006" cy="261610"/>
+            <a:ext cx="826006" cy="246221"/>
           </a:xfrm>
           <a:prstGeom prst="rect">
             <a:avLst/>
@@ -12632,7 +12538,7 @@
           <a:p>
             <a:pPr algn="ctr"/>
             <a:r>
-              <a:rPr lang="fr-FR" sz="1100"/>
+              <a:rPr lang="fr-FR" sz="1000"/>
               <a:t>Activation</a:t>
             </a:r>
           </a:p>
@@ -12653,7 +12559,7 @@
         <p:spPr>
           <a:xfrm>
             <a:off x="878679" y="3589913"/>
-            <a:ext cx="826006" cy="261610"/>
+            <a:ext cx="826006" cy="246221"/>
           </a:xfrm>
           <a:prstGeom prst="rect">
             <a:avLst/>
@@ -12668,7 +12574,7 @@
           <a:p>
             <a:pPr algn="ctr"/>
             <a:r>
-              <a:rPr lang="fr-FR" sz="1100"/>
+              <a:rPr lang="fr-FR" sz="1000"/>
               <a:t>Définition</a:t>
             </a:r>
           </a:p>
@@ -12689,7 +12595,7 @@
         <p:spPr>
           <a:xfrm>
             <a:off x="205422" y="3599713"/>
-            <a:ext cx="826006" cy="261610"/>
+            <a:ext cx="826006" cy="246221"/>
           </a:xfrm>
           <a:prstGeom prst="rect">
             <a:avLst/>
@@ -12704,7 +12610,7 @@
           <a:p>
             <a:pPr algn="ctr"/>
             <a:r>
-              <a:rPr lang="fr-FR" sz="1100"/>
+              <a:rPr lang="fr-FR" sz="1000"/>
               <a:t>Lancement</a:t>
             </a:r>
           </a:p>
@@ -12725,7 +12631,7 @@
         <p:spPr>
           <a:xfrm>
             <a:off x="1558548" y="3589913"/>
-            <a:ext cx="826006" cy="261610"/>
+            <a:ext cx="826006" cy="246221"/>
           </a:xfrm>
           <a:prstGeom prst="rect">
             <a:avLst/>
@@ -12740,7 +12646,7 @@
           <a:p>
             <a:pPr algn="ctr"/>
             <a:r>
-              <a:rPr lang="fr-FR" sz="1100"/>
+              <a:rPr lang="fr-FR" sz="1000"/>
               <a:t>Conception</a:t>
             </a:r>
           </a:p>
@@ -12798,7 +12704,7 @@
           <a:p>
             <a:pPr algn="ctr"/>
             <a:r>
-              <a:rPr lang="fr-FR" sz="1400">
+              <a:rPr lang="fr-FR" sz="1400" dirty="0">
                 <a:solidFill>
                   <a:schemeClr val="accent1">
                     <a:lumMod val="50000"/>
@@ -12824,8 +12730,8 @@
         </p:nvSpPr>
         <p:spPr>
           <a:xfrm>
-            <a:off x="5265661" y="1471646"/>
-            <a:ext cx="2194560" cy="536622"/>
+            <a:off x="5114621" y="1471646"/>
+            <a:ext cx="2194560" cy="483209"/>
           </a:xfrm>
           <a:prstGeom prst="rect">
             <a:avLst/>
@@ -12846,13 +12752,13 @@
               </a:spcBef>
             </a:pPr>
             <a:r>
-              <a:rPr lang="fr-FR" sz="1000">
+              <a:rPr lang="fr-FR" sz="900">
                 <a:solidFill>
                   <a:srgbClr val="4B4B4B"/>
                 </a:solidFill>
                 <a:latin typeface="Adobe Clean Light" panose="020B0303020404020204" pitchFamily="34" charset="0"/>
               </a:rPr>
-              <a:t>Encouragez l’adoption des bonnes pratiques de personnalisation et des composants principaux dans AEM as a Cloud Service</a:t>
+              <a:t>Encouragez l’adoption des bonnes pratiques de personnalisation et des composants principaux dans AEM as a Cloud Service.</a:t>
             </a:r>
           </a:p>
         </p:txBody>
@@ -12872,7 +12778,7 @@
         <p:spPr>
           <a:xfrm>
             <a:off x="2835999" y="1464006"/>
-            <a:ext cx="2194560" cy="717376"/>
+            <a:ext cx="2075726" cy="648960"/>
           </a:xfrm>
           <a:prstGeom prst="rect">
             <a:avLst/>
@@ -12893,47 +12799,13 @@
               </a:spcBef>
             </a:pPr>
             <a:r>
-              <a:rPr lang="fr-FR" sz="1000" dirty="0">
+              <a:rPr lang="fr-FR" sz="900" dirty="0">
                 <a:solidFill>
                   <a:srgbClr val="4B4B4B"/>
                 </a:solidFill>
                 <a:latin typeface="Adobe Clean Light" panose="020B0303020404020204" pitchFamily="34" charset="0"/>
               </a:rPr>
-              <a:t>Identifiez, examinez et fournissez </a:t>
-            </a:r>
-            <a:br>
-              <a:rPr lang="sk-SK" sz="1000" dirty="0">
-                <a:solidFill>
-                  <a:srgbClr val="4B4B4B"/>
-                </a:solidFill>
-                <a:latin typeface="Adobe Clean Light" panose="020B0303020404020204" pitchFamily="34" charset="0"/>
-              </a:rPr>
-            </a:br>
-            <a:r>
-              <a:rPr lang="fr-FR" sz="1000" dirty="0">
-                <a:solidFill>
-                  <a:srgbClr val="4B4B4B"/>
-                </a:solidFill>
-                <a:latin typeface="Adobe Clean Light" panose="020B0303020404020204" pitchFamily="34" charset="0"/>
-              </a:rPr>
-              <a:t>des recommandations sur les domaines d’adoption de solutions personnalisées </a:t>
-            </a:r>
-            <a:br>
-              <a:rPr lang="sk-SK" sz="1000" dirty="0">
-                <a:solidFill>
-                  <a:srgbClr val="4B4B4B"/>
-                </a:solidFill>
-                <a:latin typeface="Adobe Clean Light" panose="020B0303020404020204" pitchFamily="34" charset="0"/>
-              </a:rPr>
-            </a:br>
-            <a:r>
-              <a:rPr lang="fr-FR" sz="1000" dirty="0">
-                <a:solidFill>
-                  <a:srgbClr val="4B4B4B"/>
-                </a:solidFill>
-                <a:latin typeface="Adobe Clean Light" panose="020B0303020404020204" pitchFamily="34" charset="0"/>
-              </a:rPr>
-              <a:t>qui offrent des opportunités d’optimisation</a:t>
+              <a:t>Identifiez, examinez et fournissez des recommandations sur les domaines d’adoption de solutions personnalisées qui offrent des opportunités d’optimisation.</a:t>
             </a:r>
           </a:p>
         </p:txBody>
@@ -12953,7 +12825,7 @@
         <p:spPr>
           <a:xfrm>
             <a:off x="355868" y="1417898"/>
-            <a:ext cx="2194560" cy="899670"/>
+            <a:ext cx="2194560" cy="648960"/>
           </a:xfrm>
           <a:prstGeom prst="rect">
             <a:avLst/>
@@ -12974,47 +12846,13 @@
               </a:spcBef>
             </a:pPr>
             <a:r>
-              <a:rPr lang="fr-FR" sz="1000" dirty="0">
+              <a:rPr lang="fr-FR" sz="900" dirty="0">
                 <a:solidFill>
                   <a:srgbClr val="4B4B4B"/>
                 </a:solidFill>
                 <a:latin typeface="Adobe Clean Light" panose="020B0303020404020204" pitchFamily="34" charset="0"/>
               </a:rPr>
-              <a:t>Gouvernance technique et opérationnelle permettant d’aider les clients d’AEM </a:t>
-            </a:r>
-            <a:br>
-              <a:rPr lang="sk-SK" sz="1000" dirty="0">
-                <a:solidFill>
-                  <a:srgbClr val="4B4B4B"/>
-                </a:solidFill>
-                <a:latin typeface="Adobe Clean Light" panose="020B0303020404020204" pitchFamily="34" charset="0"/>
-              </a:rPr>
-            </a:br>
-            <a:r>
-              <a:rPr lang="fr-FR" sz="1000" dirty="0">
-                <a:solidFill>
-                  <a:srgbClr val="4B4B4B"/>
-                </a:solidFill>
-                <a:latin typeface="Adobe Clean Light" panose="020B0303020404020204" pitchFamily="34" charset="0"/>
-              </a:rPr>
-              <a:t>as a Cloud Service à respecter les normes du secteur et les bonnes pratiques d’AEM </a:t>
-            </a:r>
-            <a:br>
-              <a:rPr lang="sk-SK" sz="1000" dirty="0">
-                <a:solidFill>
-                  <a:srgbClr val="4B4B4B"/>
-                </a:solidFill>
-                <a:latin typeface="Adobe Clean Light" panose="020B0303020404020204" pitchFamily="34" charset="0"/>
-              </a:rPr>
-            </a:br>
-            <a:r>
-              <a:rPr lang="fr-FR" sz="1000" dirty="0">
-                <a:solidFill>
-                  <a:srgbClr val="4B4B4B"/>
-                </a:solidFill>
-                <a:latin typeface="Adobe Clean Light" panose="020B0303020404020204" pitchFamily="34" charset="0"/>
-              </a:rPr>
-              <a:t>as a Cloud Service</a:t>
+              <a:t>Gouvernance technique et opérationnelle permettant d’aider les clients d’AEM as a Cloud Service à respecter les normes du secteur et les bonnes pratiques d’AEM as a Cloud Service.</a:t>
             </a:r>
           </a:p>
         </p:txBody>
@@ -13033,8 +12871,8 @@
         </p:nvSpPr>
         <p:spPr>
           <a:xfrm>
-            <a:off x="5181600" y="936612"/>
-            <a:ext cx="1972258" cy="646331"/>
+            <a:off x="5030559" y="936612"/>
+            <a:ext cx="2663825" cy="461665"/>
           </a:xfrm>
           <a:prstGeom prst="rect">
             <a:avLst/>
@@ -13062,45 +12900,7 @@
                 <a:latin typeface="Adobe Clean"/>
                 <a:cs typeface="Adobe Clean"/>
               </a:rPr>
-              <a:t>Bonnes pratiques </a:t>
-            </a:r>
-            <a:br>
-              <a:rPr lang="sk-SK" sz="1200" b="1" dirty="0">
-                <a:solidFill>
-                  <a:srgbClr val="020302"/>
-                </a:solidFill>
-                <a:latin typeface="Adobe Clean"/>
-                <a:cs typeface="Adobe Clean"/>
-              </a:rPr>
-            </a:br>
-            <a:r>
-              <a:rPr lang="fr-FR" sz="1200" b="1" dirty="0">
-                <a:solidFill>
-                  <a:srgbClr val="020302"/>
-                </a:solidFill>
-                <a:latin typeface="Adobe Clean"/>
-                <a:cs typeface="Adobe Clean"/>
-              </a:rPr>
-              <a:t>de personnalisation d’AEM </a:t>
-            </a:r>
-            <a:br>
-              <a:rPr lang="sk-SK" sz="1200" b="1" dirty="0">
-                <a:solidFill>
-                  <a:srgbClr val="020302"/>
-                </a:solidFill>
-                <a:latin typeface="Adobe Clean"/>
-                <a:cs typeface="Adobe Clean"/>
-              </a:rPr>
-            </a:br>
-            <a:r>
-              <a:rPr lang="fr-FR" sz="1200" b="1" dirty="0">
-                <a:solidFill>
-                  <a:srgbClr val="020302"/>
-                </a:solidFill>
-                <a:latin typeface="Adobe Clean"/>
-                <a:cs typeface="Adobe Clean"/>
-              </a:rPr>
-              <a:t>as a Cloud Service</a:t>
+              <a:t>Bonnes pratiques de personnalisation d’AEM as a Cloud Service</a:t>
             </a:r>
           </a:p>
         </p:txBody>
@@ -13119,8 +12919,8 @@
         </p:nvSpPr>
         <p:spPr>
           <a:xfrm>
-            <a:off x="2752588" y="908302"/>
-            <a:ext cx="1708650" cy="646331"/>
+            <a:off x="2752587" y="908302"/>
+            <a:ext cx="1886087" cy="461665"/>
           </a:xfrm>
           <a:prstGeom prst="rect">
             <a:avLst/>
@@ -13148,26 +12948,7 @@
                 <a:latin typeface="Adobe Clean"/>
                 <a:cs typeface="Adobe Clean"/>
               </a:rPr>
-              <a:t>Services de valeur ajoutée d’AEM </a:t>
-            </a:r>
-            <a:br>
-              <a:rPr lang="sk-SK" sz="1200" b="1" dirty="0">
-                <a:solidFill>
-                  <a:srgbClr val="020302"/>
-                </a:solidFill>
-                <a:latin typeface="Adobe Clean"/>
-                <a:cs typeface="Adobe Clean"/>
-              </a:rPr>
-            </a:br>
-            <a:r>
-              <a:rPr lang="fr-FR" sz="1200" b="1" dirty="0">
-                <a:solidFill>
-                  <a:srgbClr val="020302"/>
-                </a:solidFill>
-                <a:latin typeface="Adobe Clean"/>
-                <a:cs typeface="Adobe Clean"/>
-              </a:rPr>
-              <a:t>as a Cloud Service</a:t>
+              <a:t>Services de valeur ajoutée d’AEM as a Cloud Service</a:t>
             </a:r>
           </a:p>
         </p:txBody>
@@ -13218,7 +12999,7 @@
               <a:t>Gouvernance d’AEM </a:t>
             </a:r>
             <a:br>
-              <a:rPr lang="sk-SK" sz="1200" b="1" dirty="0">
+              <a:rPr lang="fr-FR" sz="1200" b="1" dirty="0">
                 <a:solidFill>
                   <a:srgbClr val="020302"/>
                 </a:solidFill>
@@ -13443,7 +13224,7 @@
         <p:spPr>
           <a:xfrm>
             <a:off x="6754821" y="9283729"/>
-            <a:ext cx="930275" cy="662305"/>
+            <a:ext cx="971859" cy="662305"/>
           </a:xfrm>
           <a:prstGeom prst="rect">
             <a:avLst/>
@@ -13464,7 +13245,7 @@
               </a:spcBef>
             </a:pPr>
             <a:r>
-              <a:rPr lang="fr-FR" sz="800">
+              <a:rPr lang="fr-FR" sz="800" dirty="0">
                 <a:solidFill>
                   <a:srgbClr val="777879"/>
                 </a:solidFill>
@@ -13481,7 +13262,7 @@
               </a:lnSpc>
             </a:pPr>
             <a:r>
-              <a:rPr lang="fr-FR" sz="800">
+              <a:rPr lang="fr-FR" sz="800" dirty="0">
                 <a:solidFill>
                   <a:srgbClr val="777879"/>
                 </a:solidFill>
@@ -13498,7 +13279,7 @@
               </a:lnSpc>
             </a:pPr>
             <a:r>
-              <a:rPr lang="fr-FR" sz="800">
+              <a:rPr lang="fr-FR" sz="800" dirty="0">
                 <a:solidFill>
                   <a:srgbClr val="777879"/>
                 </a:solidFill>
@@ -13518,7 +13299,7 @@
               </a:spcBef>
             </a:pPr>
             <a:r>
-              <a:rPr lang="fr-FR" sz="800">
+              <a:rPr lang="fr-FR" sz="800" dirty="0">
                 <a:solidFill>
                   <a:srgbClr val="777879"/>
                 </a:solidFill>
@@ -13538,7 +13319,7 @@
               </a:spcBef>
             </a:pPr>
             <a:r>
-              <a:rPr lang="fr-FR" sz="800" u="sng">
+              <a:rPr lang="fr-FR" sz="800" u="sng" dirty="0">
                 <a:solidFill>
                   <a:srgbClr val="5F5F5F"/>
                 </a:solidFill>
@@ -13727,14 +13508,33 @@
               </a:spcBef>
             </a:pPr>
             <a:r>
-              <a:rPr lang="fr-FR" sz="1100" i="1">
+              <a:rPr lang="fr-FR" sz="1100" i="1" dirty="0">
                 <a:solidFill>
                   <a:srgbClr val="777879"/>
                 </a:solidFill>
                 <a:latin typeface="AdobeClean-LightIt"/>
                 <a:cs typeface="AdobeClean-LightIt"/>
               </a:rPr>
-              <a:t>Pour en apprendre plus sur les offres de l’assistance Adobe et sur le niveau qui vous convient, contactez votre gestionnaire de compte nommé (NAM) ou votre gestionnaire de réussite client (CSM)</a:t>
+              <a:t>Pour en apprendre plus sur les offres de l’assistance Adobe et sur le niveau qui vous convient, </a:t>
+            </a:r>
+            <a:br>
+              <a:rPr lang="fr-FR" sz="1100" i="1" dirty="0">
+                <a:solidFill>
+                  <a:srgbClr val="777879"/>
+                </a:solidFill>
+                <a:latin typeface="AdobeClean-LightIt"/>
+                <a:cs typeface="AdobeClean-LightIt"/>
+              </a:rPr>
+            </a:br>
+            <a:r>
+              <a:rPr lang="fr-FR" sz="1100" i="1" dirty="0">
+                <a:solidFill>
+                  <a:srgbClr val="777879"/>
+                </a:solidFill>
+                <a:latin typeface="AdobeClean-LightIt"/>
+                <a:cs typeface="AdobeClean-LightIt"/>
+              </a:rPr>
+              <a:t>contactez votre gestionnaire de compte nommé (NAM) ou votre gestionnaire de réussite client (CSM).</a:t>
             </a:r>
           </a:p>
           <a:p>
@@ -13747,14 +13547,54 @@
               </a:spcBef>
             </a:pPr>
             <a:r>
-              <a:rPr lang="fr-FR" sz="800">
+              <a:rPr lang="fr-FR" sz="800" dirty="0">
                 <a:solidFill>
                   <a:srgbClr val="6D6D6D"/>
                 </a:solidFill>
                 <a:latin typeface="Adobe Clean"/>
                 <a:cs typeface="Adobe Clean"/>
               </a:rPr>
-              <a:t>©2021 Adobe. All Rights Reserved. Données confidentielles Adobe</a:t>
+              <a:t>©2021 Adobe. All </a:t>
+            </a:r>
+            <a:r>
+              <a:rPr lang="fr-FR" sz="800" dirty="0" err="1">
+                <a:solidFill>
+                  <a:srgbClr val="6D6D6D"/>
+                </a:solidFill>
+                <a:latin typeface="Adobe Clean"/>
+                <a:cs typeface="Adobe Clean"/>
+              </a:rPr>
+              <a:t>Rights</a:t>
+            </a:r>
+            <a:r>
+              <a:rPr lang="fr-FR" sz="800" dirty="0">
+                <a:solidFill>
+                  <a:srgbClr val="6D6D6D"/>
+                </a:solidFill>
+                <a:latin typeface="Adobe Clean"/>
+                <a:cs typeface="Adobe Clean"/>
+              </a:rPr>
+              <a:t> </a:t>
+            </a:r>
+            <a:r>
+              <a:rPr lang="fr-FR" sz="800" dirty="0" err="1">
+                <a:solidFill>
+                  <a:srgbClr val="6D6D6D"/>
+                </a:solidFill>
+                <a:latin typeface="Adobe Clean"/>
+                <a:cs typeface="Adobe Clean"/>
+              </a:rPr>
+              <a:t>Reserved</a:t>
+            </a:r>
+            <a:r>
+              <a:rPr lang="fr-FR" sz="800" dirty="0">
+                <a:solidFill>
+                  <a:srgbClr val="6D6D6D"/>
+                </a:solidFill>
+                <a:latin typeface="Adobe Clean"/>
+                <a:cs typeface="Adobe Clean"/>
+              </a:rPr>
+              <a:t>. Données confidentielles Adobe</a:t>
             </a:r>
           </a:p>
         </p:txBody>
@@ -13774,7 +13614,7 @@
         <p:spPr>
           <a:xfrm>
             <a:off x="184181" y="4900727"/>
-            <a:ext cx="7396804" cy="769030"/>
+            <a:ext cx="7111969" cy="769030"/>
           </a:xfrm>
           <a:prstGeom prst="rect">
             <a:avLst/>
@@ -13815,24 +13655,7 @@
                 </a:solidFill>
                 <a:latin typeface="AdobeClean-Light"/>
               </a:rPr>
-              <a:t>La portée régionale de l’assistance Adobe est définie par l’alignement de l’adresse de facturation du client </a:t>
-            </a:r>
-            <a:br>
-              <a:rPr lang="sk-SK" sz="1000" dirty="0">
-                <a:solidFill>
-                  <a:srgbClr val="1F1F1F"/>
-                </a:solidFill>
-                <a:latin typeface="AdobeClean-Light"/>
-              </a:rPr>
-            </a:br>
-            <a:r>
-              <a:rPr lang="fr-FR" sz="1000" dirty="0">
-                <a:solidFill>
-                  <a:srgbClr val="1F1F1F"/>
-                </a:solidFill>
-                <a:latin typeface="AdobeClean-Light"/>
-              </a:rPr>
-              <a:t>(se trouvant sur le bon de commande ou tout autre document d’achat de l’assistance Adobe) avec l’une des régions suivantes :</a:t>
+              <a:t>La portée régionale de l’assistance Adobe est définie par l’alignement de l’adresse de facturation du client (se trouvant sur le bon de commande ou tout autre document d’achat de l’assistance Adobe) avec l’une des régions suivantes :</a:t>
             </a:r>
           </a:p>
         </p:txBody>
@@ -13852,7 +13675,7 @@
           <p:nvPr>
             <p:extLst>
               <p:ext uri="{D42A27DB-BD31-4B8C-83A1-F6EECF244321}">
-                <p14:modId xmlns:p14="http://schemas.microsoft.com/office/powerpoint/2010/main" val="3975465108"/>
+                <p14:modId xmlns:p14="http://schemas.microsoft.com/office/powerpoint/2010/main" val="2229453921"/>
               </p:ext>
             </p:extLst>
           </p:nvPr>
@@ -13970,13 +13793,30 @@
                     <a:p>
                       <a:pPr algn="ctr"/>
                       <a:r>
-                        <a:rPr lang="fr-FR" sz="1100">
+                        <a:rPr lang="fr-FR" sz="1100" dirty="0">
                           <a:solidFill>
                             <a:schemeClr val="tx1"/>
                           </a:solidFill>
                           <a:latin typeface="Adobe Clean" panose="020B0503020404020204" pitchFamily="34" charset="0"/>
                         </a:rPr>
-                        <a:t>Europe, Moyen-Orient et Afrique</a:t>
+                        <a:t>Europe, Moyen-Orient </a:t>
+                      </a:r>
+                      <a:br>
+                        <a:rPr lang="fr-FR" sz="1100" dirty="0">
+                          <a:solidFill>
+                            <a:schemeClr val="tx1"/>
+                          </a:solidFill>
+                          <a:latin typeface="Adobe Clean" panose="020B0503020404020204" pitchFamily="34" charset="0"/>
+                        </a:rPr>
+                      </a:br>
+                      <a:r>
+                        <a:rPr lang="fr-FR" sz="1100" dirty="0">
+                          <a:solidFill>
+                            <a:schemeClr val="tx1"/>
+                          </a:solidFill>
+                          <a:latin typeface="Adobe Clean" panose="020B0503020404020204" pitchFamily="34" charset="0"/>
+                        </a:rPr>
+                        <a:t>et Afrique</a:t>
                       </a:r>
                     </a:p>
                   </a:txBody>
@@ -14462,7 +14302,7 @@
                         <a:buNone/>
                       </a:pPr>
                       <a:r>
-                        <a:rPr lang="fr-FR" sz="1100">
+                        <a:rPr lang="fr-FR" sz="1100" dirty="0">
                           <a:solidFill>
                             <a:schemeClr val="tx1"/>
                           </a:solidFill>
@@ -14507,7 +14347,7 @@
                     <a:p>
                       <a:pPr algn="ctr"/>
                       <a:r>
-                        <a:rPr lang="fr-FR" sz="1100" i="0">
+                        <a:rPr lang="fr-FR" sz="1100" i="0" dirty="0">
                           <a:solidFill>
                             <a:schemeClr val="tx1"/>
                           </a:solidFill>
@@ -14516,7 +14356,7 @@
                         <a:t> </a:t>
                       </a:r>
                       <a:r>
-                        <a:rPr lang="fr-FR" sz="1100" i="0" baseline="30000">
+                        <a:rPr lang="fr-FR" sz="1100" i="0" baseline="30000" dirty="0">
                           <a:solidFill>
                             <a:schemeClr val="tx1"/>
                           </a:solidFill>
@@ -14525,7 +14365,7 @@
                         <a:t>1 </a:t>
                       </a:r>
                       <a:r>
-                        <a:rPr lang="fr-FR" sz="1100" i="0">
+                        <a:rPr lang="fr-FR" sz="1100" i="0" dirty="0">
                           <a:solidFill>
                             <a:schemeClr val="tx1"/>
                           </a:solidFill>
@@ -14588,7 +14428,7 @@
                     <a:bodyPr/>
                     <a:lstStyle/>
                     <a:p>
-                      <a:endParaRPr lang="en-US" sz="1100" dirty="0">
+                      <a:endParaRPr lang="en-US" sz="1100">
                         <a:solidFill>
                           <a:schemeClr val="tx1"/>
                         </a:solidFill>
@@ -14649,7 +14489,7 @@
                     <a:bodyPr/>
                     <a:lstStyle/>
                     <a:p>
-                      <a:endParaRPr lang="en-US" sz="1100" dirty="0">
+                      <a:endParaRPr lang="en-US" sz="1100">
                         <a:solidFill>
                           <a:schemeClr val="tx1"/>
                         </a:solidFill>
@@ -14710,7 +14550,7 @@
                     <a:bodyPr/>
                     <a:lstStyle/>
                     <a:p>
-                      <a:endParaRPr lang="en-US" sz="1100" dirty="0">
+                      <a:endParaRPr lang="en-US" sz="1100">
                         <a:solidFill>
                           <a:schemeClr val="tx1"/>
                         </a:solidFill>
@@ -14874,8 +14714,8 @@
         </p:nvSpPr>
         <p:spPr>
           <a:xfrm>
-            <a:off x="2743200" y="8528519"/>
-            <a:ext cx="1045329" cy="385445"/>
+            <a:off x="2678827" y="8528519"/>
+            <a:ext cx="1134984" cy="382797"/>
           </a:xfrm>
           <a:prstGeom prst="rect">
             <a:avLst/>
@@ -14922,7 +14762,7 @@
         </p:nvSpPr>
         <p:spPr>
           <a:xfrm>
-            <a:off x="4675505" y="8541244"/>
+            <a:off x="4732495" y="8541244"/>
             <a:ext cx="810895" cy="382797"/>
           </a:xfrm>
           <a:prstGeom prst="rect">
@@ -14970,8 +14810,8 @@
         </p:nvSpPr>
         <p:spPr>
           <a:xfrm>
-            <a:off x="6473941" y="8546372"/>
-            <a:ext cx="810895" cy="382797"/>
+            <a:off x="6485255" y="8543943"/>
+            <a:ext cx="788268" cy="382797"/>
           </a:xfrm>
           <a:prstGeom prst="rect">
             <a:avLst/>
@@ -14983,7 +14823,7 @@
           </a:bodyPr>
           <a:lstStyle/>
           <a:p>
-            <a:pPr marL="50800" marR="5080" indent="-51435" algn="ctr">
+            <a:pPr marR="5080" algn="ctr">
               <a:lnSpc>
                 <a:spcPts val="1390"/>
               </a:lnSpc>
@@ -15019,14 +14859,14 @@
           <p:nvPr>
             <p:extLst>
               <p:ext uri="{D42A27DB-BD31-4B8C-83A1-F6EECF244321}">
-                <p14:modId xmlns:p14="http://schemas.microsoft.com/office/powerpoint/2010/main" val="1913841285"/>
+                <p14:modId xmlns:p14="http://schemas.microsoft.com/office/powerpoint/2010/main" val="1858246575"/>
               </p:ext>
             </p:extLst>
           </p:nvPr>
         </p:nvGraphicFramePr>
         <p:xfrm>
           <a:off x="194236" y="1059345"/>
-          <a:ext cx="7368291" cy="3718560"/>
+          <a:ext cx="7368291" cy="3870960"/>
         </p:xfrm>
         <a:graphic>
           <a:graphicData uri="http://schemas.openxmlformats.org/drawingml/2006/table">
@@ -15141,7 +14981,7 @@
                         <a:defRPr/>
                       </a:pPr>
                       <a:r>
-                        <a:rPr lang="fr-FR" sz="1000" b="0" spc="-20" baseline="0" dirty="0" err="1">
+                        <a:rPr lang="fr-FR" sz="1000" b="0" dirty="0" err="1">
                           <a:solidFill>
                             <a:srgbClr val="000000"/>
                           </a:solidFill>
@@ -15152,7 +14992,7 @@
                         <a:t>Experience</a:t>
                       </a:r>
                       <a:r>
-                        <a:rPr lang="fr-FR" sz="1000" b="0" spc="-20" baseline="0" dirty="0">
+                        <a:rPr lang="fr-FR" sz="1000" b="0" dirty="0">
                           <a:solidFill>
                             <a:srgbClr val="000000"/>
                           </a:solidFill>
@@ -15160,10 +15000,10 @@
                           <a:ea typeface="+mn-ea"/>
                           <a:cs typeface="+mn-cs"/>
                         </a:rPr>
-                        <a:t> League est la manière dont Adobe aide les entreprises à atteindre la valeur qu’elles attendent de leur investissement dans Adobe. </a:t>
+                        <a:t> League est la manière dont Adobe aide les entreprises à </a:t>
                       </a:r>
                       <a:br>
-                        <a:rPr lang="sk-SK" sz="1000" b="0" spc="-20" baseline="0" dirty="0">
+                        <a:rPr lang="fr-FR" sz="1000" b="0" dirty="0">
                           <a:solidFill>
                             <a:srgbClr val="000000"/>
                           </a:solidFill>
@@ -15173,7 +15013,7 @@
                         </a:rPr>
                       </a:br>
                       <a:r>
-                        <a:rPr lang="fr-FR" sz="1000" b="0" spc="-20" baseline="0" dirty="0">
+                        <a:rPr lang="fr-FR" sz="1000" b="0" dirty="0">
                           <a:solidFill>
                             <a:srgbClr val="000000"/>
                           </a:solidFill>
@@ -15181,49 +15021,7 @@
                           <a:ea typeface="+mn-ea"/>
                           <a:cs typeface="+mn-cs"/>
                         </a:rPr>
-                        <a:t>Il s’agit de l’endroit commun où les clients peuvent apprendre, se mettre en relation les uns avec les autres et grandir le long d’un chemin personnalisé vers le succès. Il comprend des tutoriels automatiques, </a:t>
-                      </a:r>
-                      <a:br>
-                        <a:rPr lang="sk-SK" sz="1000" b="0" spc="-20" baseline="0" dirty="0">
-                          <a:solidFill>
-                            <a:srgbClr val="000000"/>
-                          </a:solidFill>
-                          <a:latin typeface="Adobe Clean Light" panose="020B0303020404020204" pitchFamily="34" charset="0"/>
-                          <a:ea typeface="+mn-ea"/>
-                          <a:cs typeface="+mn-cs"/>
-                        </a:rPr>
-                      </a:br>
-                      <a:r>
-                        <a:rPr lang="fr-FR" sz="1000" b="0" spc="-20" baseline="0" dirty="0">
-                          <a:solidFill>
-                            <a:srgbClr val="000000"/>
-                          </a:solidFill>
-                          <a:latin typeface="Adobe Clean Light" panose="020B0303020404020204" pitchFamily="34" charset="0"/>
-                          <a:ea typeface="+mn-ea"/>
-                          <a:cs typeface="+mn-cs"/>
-                        </a:rPr>
-                        <a:t>de la documentation sur les produits, une formation dispensée par </a:t>
-                      </a:r>
-                      <a:br>
-                        <a:rPr lang="sk-SK" sz="1000" b="0" spc="-20" baseline="0" dirty="0">
-                          <a:solidFill>
-                            <a:srgbClr val="000000"/>
-                          </a:solidFill>
-                          <a:latin typeface="Adobe Clean Light" panose="020B0303020404020204" pitchFamily="34" charset="0"/>
-                          <a:ea typeface="+mn-ea"/>
-                          <a:cs typeface="+mn-cs"/>
-                        </a:rPr>
-                      </a:br>
-                      <a:r>
-                        <a:rPr lang="fr-FR" sz="1000" b="0" spc="-20" baseline="0" dirty="0">
-                          <a:solidFill>
-                            <a:srgbClr val="000000"/>
-                          </a:solidFill>
-                          <a:latin typeface="Adobe Clean Light" panose="020B0303020404020204" pitchFamily="34" charset="0"/>
-                          <a:ea typeface="+mn-ea"/>
-                          <a:cs typeface="+mn-cs"/>
-                        </a:rPr>
-                        <a:t>un instructeur, une communauté et une assistance technique. </a:t>
+                        <a:t>atteindre la valeur qu’elles attendent de leur investissement dans Adobe. Il s’agit de l’endroit commun où les clients peuvent apprendre, se mettre en relation les uns avec les autres et grandir le long d’un chemin personnalisé vers le succès. Il comprend des tutoriels automatiques, de la documentation sur les produits, une formation dispensée par un instructeur, une communauté et une assistance technique. </a:t>
                       </a:r>
                     </a:p>
                   </a:txBody>
@@ -15400,7 +15198,7 @@
                         <a:defRPr/>
                       </a:pPr>
                       <a:r>
-                        <a:rPr lang="fr-FR" sz="1000">
+                        <a:rPr lang="fr-FR" sz="1000" dirty="0">
                           <a:solidFill>
                             <a:srgbClr val="000000"/>
                           </a:solidFill>
@@ -15408,7 +15206,71 @@
                           <a:ea typeface="+mn-ea"/>
                           <a:cs typeface="+mn-cs"/>
                         </a:rPr>
-                        <a:t>Les cours sur les services de formation numérique d’Adobe sont accessibles depuis Experience League. Les cours de formation regroupent des cours à la demande et des cours dispensés par un instructeur.  Grâce à ces cours, vous pouvez acquérir des compétences qui présentent une valeur marchande reconnue et les disposer de manière à stimuler le succès de vos entreprises.</a:t>
+                        <a:t>Les cours sur les services de formation numérique d’Adobe sont accessibles depuis </a:t>
+                      </a:r>
+                      <a:r>
+                        <a:rPr lang="fr-FR" sz="1000" dirty="0" err="1">
+                          <a:solidFill>
+                            <a:srgbClr val="000000"/>
+                          </a:solidFill>
+                          <a:latin typeface="Adobe Clean Light" panose="020B0303020404020204" pitchFamily="34" charset="0"/>
+                          <a:ea typeface="+mn-ea"/>
+                          <a:cs typeface="+mn-cs"/>
+                        </a:rPr>
+                        <a:t>Experience</a:t>
+                      </a:r>
+                      <a:r>
+                        <a:rPr lang="fr-FR" sz="1000" dirty="0">
+                          <a:solidFill>
+                            <a:srgbClr val="000000"/>
+                          </a:solidFill>
+                          <a:latin typeface="Adobe Clean Light" panose="020B0303020404020204" pitchFamily="34" charset="0"/>
+                          <a:ea typeface="+mn-ea"/>
+                          <a:cs typeface="+mn-cs"/>
+                        </a:rPr>
+                        <a:t> League. Les cours de formation regroupent des cours à la demande et des cours dispensés par </a:t>
+                      </a:r>
+                      <a:br>
+                        <a:rPr lang="fr-FR" sz="1000" dirty="0">
+                          <a:solidFill>
+                            <a:srgbClr val="000000"/>
+                          </a:solidFill>
+                          <a:latin typeface="Adobe Clean Light" panose="020B0303020404020204" pitchFamily="34" charset="0"/>
+                          <a:ea typeface="+mn-ea"/>
+                          <a:cs typeface="+mn-cs"/>
+                        </a:rPr>
+                      </a:br>
+                      <a:r>
+                        <a:rPr lang="fr-FR" sz="1000" dirty="0">
+                          <a:solidFill>
+                            <a:srgbClr val="000000"/>
+                          </a:solidFill>
+                          <a:latin typeface="Adobe Clean Light" panose="020B0303020404020204" pitchFamily="34" charset="0"/>
+                          <a:ea typeface="+mn-ea"/>
+                          <a:cs typeface="+mn-cs"/>
+                        </a:rPr>
+                        <a:t>un instructeur.  Grâce à ces cours, vous pouvez acquérir des compétences qui présentent une valeur marchande reconnue </a:t>
+                      </a:r>
+                      <a:br>
+                        <a:rPr lang="fr-FR" sz="1000" dirty="0">
+                          <a:solidFill>
+                            <a:srgbClr val="000000"/>
+                          </a:solidFill>
+                          <a:latin typeface="Adobe Clean Light" panose="020B0303020404020204" pitchFamily="34" charset="0"/>
+                          <a:ea typeface="+mn-ea"/>
+                          <a:cs typeface="+mn-cs"/>
+                        </a:rPr>
+                      </a:br>
+                      <a:r>
+                        <a:rPr lang="fr-FR" sz="1000" dirty="0">
+                          <a:solidFill>
+                            <a:srgbClr val="000000"/>
+                          </a:solidFill>
+                          <a:latin typeface="Adobe Clean Light" panose="020B0303020404020204" pitchFamily="34" charset="0"/>
+                          <a:ea typeface="+mn-ea"/>
+                          <a:cs typeface="+mn-cs"/>
+                        </a:rPr>
+                        <a:t>et les disposer de manière à stimuler le succès de vos entreprises.</a:t>
                       </a:r>
                     </a:p>
                   </a:txBody>
@@ -15582,112 +15444,7 @@
                           <a:ea typeface="+mn-ea"/>
                           <a:cs typeface="+mn-cs"/>
                         </a:rPr>
-                        <a:t>Status.adobe.com transmet les informations d’intégrité de tous </a:t>
-                      </a:r>
-                      <a:br>
-                        <a:rPr lang="sk-SK" sz="1000" dirty="0">
-                          <a:solidFill>
-                            <a:srgbClr val="000000"/>
-                          </a:solidFill>
-                          <a:latin typeface="Adobe Clean Light" panose="020B0303020404020204" pitchFamily="34" charset="0"/>
-                          <a:ea typeface="+mn-ea"/>
-                          <a:cs typeface="+mn-cs"/>
-                        </a:rPr>
-                      </a:br>
-                      <a:r>
-                        <a:rPr lang="fr-FR" sz="1000" dirty="0">
-                          <a:solidFill>
-                            <a:srgbClr val="000000"/>
-                          </a:solidFill>
-                          <a:latin typeface="Adobe Clean Light" panose="020B0303020404020204" pitchFamily="34" charset="0"/>
-                          <a:ea typeface="+mn-ea"/>
-                          <a:cs typeface="+mn-cs"/>
-                        </a:rPr>
-                        <a:t>les produits et services d’Adobe déployés dans des environnements </a:t>
-                      </a:r>
-                      <a:br>
-                        <a:rPr lang="sk-SK" sz="1000" dirty="0">
-                          <a:solidFill>
-                            <a:srgbClr val="000000"/>
-                          </a:solidFill>
-                          <a:latin typeface="Adobe Clean Light" panose="020B0303020404020204" pitchFamily="34" charset="0"/>
-                          <a:ea typeface="+mn-ea"/>
-                          <a:cs typeface="+mn-cs"/>
-                        </a:rPr>
-                      </a:br>
-                      <a:r>
-                        <a:rPr lang="fr-FR" sz="1000" dirty="0">
-                          <a:solidFill>
-                            <a:srgbClr val="000000"/>
-                          </a:solidFill>
-                          <a:latin typeface="Adobe Clean Light" panose="020B0303020404020204" pitchFamily="34" charset="0"/>
-                          <a:ea typeface="+mn-ea"/>
-                          <a:cs typeface="+mn-cs"/>
-                        </a:rPr>
-                        <a:t>multi-entité. Les clients peuvent choisir leurs préférences d’abonnement afin de recevoir des notifications par e-mail chaque </a:t>
-                      </a:r>
-                      <a:br>
-                        <a:rPr lang="sk-SK" sz="1000" dirty="0">
-                          <a:solidFill>
-                            <a:srgbClr val="000000"/>
-                          </a:solidFill>
-                          <a:latin typeface="Adobe Clean Light" panose="020B0303020404020204" pitchFamily="34" charset="0"/>
-                          <a:ea typeface="+mn-ea"/>
-                          <a:cs typeface="+mn-cs"/>
-                        </a:rPr>
-                      </a:br>
-                      <a:r>
-                        <a:rPr lang="fr-FR" sz="1000" dirty="0">
-                          <a:solidFill>
-                            <a:srgbClr val="000000"/>
-                          </a:solidFill>
-                          <a:latin typeface="Adobe Clean Light" panose="020B0303020404020204" pitchFamily="34" charset="0"/>
-                          <a:ea typeface="+mn-ea"/>
-                          <a:cs typeface="+mn-cs"/>
-                        </a:rPr>
-                        <a:t>fois qu’Adobe crée, met à jour ou résout un événement de produit. </a:t>
-                      </a:r>
-                      <a:br>
-                        <a:rPr lang="sk-SK" sz="1000" dirty="0">
-                          <a:solidFill>
-                            <a:srgbClr val="000000"/>
-                          </a:solidFill>
-                          <a:latin typeface="Adobe Clean Light" panose="020B0303020404020204" pitchFamily="34" charset="0"/>
-                          <a:ea typeface="+mn-ea"/>
-                          <a:cs typeface="+mn-cs"/>
-                        </a:rPr>
-                      </a:br>
-                      <a:r>
-                        <a:rPr lang="fr-FR" sz="1000" dirty="0">
-                          <a:solidFill>
-                            <a:srgbClr val="000000"/>
-                          </a:solidFill>
-                          <a:latin typeface="Adobe Clean Light" panose="020B0303020404020204" pitchFamily="34" charset="0"/>
-                          <a:ea typeface="+mn-ea"/>
-                          <a:cs typeface="+mn-cs"/>
-                        </a:rPr>
-                        <a:t>Cet événement peut inclure des problèmes de maintenance</a:t>
-                      </a:r>
-                      <a:br>
-                        <a:rPr lang="sk-SK" sz="1000" dirty="0">
-                          <a:solidFill>
-                            <a:srgbClr val="000000"/>
-                          </a:solidFill>
-                          <a:latin typeface="Adobe Clean Light" panose="020B0303020404020204" pitchFamily="34" charset="0"/>
-                          <a:ea typeface="+mn-ea"/>
-                          <a:cs typeface="+mn-cs"/>
-                        </a:rPr>
-                      </a:br>
-                      <a:r>
-                        <a:rPr lang="fr-FR" sz="1000" dirty="0">
-                          <a:solidFill>
-                            <a:srgbClr val="000000"/>
-                          </a:solidFill>
-                          <a:latin typeface="Adobe Clean Light" panose="020B0303020404020204" pitchFamily="34" charset="0"/>
-                          <a:ea typeface="+mn-ea"/>
-                          <a:cs typeface="+mn-cs"/>
-                        </a:rPr>
-                        <a:t>planifiée ou de service présentant différents niveaux de gravité. </a:t>
+                        <a:t>Status.adobe.com transmet les informations d’intégrité de tous les produits et services d’Adobe déployés dans des environnements multi-entité. Les clients peuvent choisir leurs préférences d’abonnement afin de recevoir des notifications par e-mail chaque fois qu’Adobe crée, met à jour ou résout un événement de produit. Cet événement peut inclure des problèmes de maintenance planifiée ou de service présentant différents niveaux de gravité. </a:t>
                       </a:r>
                     </a:p>
                   </a:txBody>
@@ -15844,28 +15601,7 @@
                           <a:ea typeface="+mn-ea"/>
                           <a:cs typeface="+mn-cs"/>
                         </a:rPr>
-                        <a:t>Il s’agit des termes et conditions détaillant les offres </a:t>
-                      </a:r>
-                      <a:br>
-                        <a:rPr lang="sk-SK" sz="1000" dirty="0">
-                          <a:solidFill>
-                            <a:srgbClr val="000000"/>
-                          </a:solidFill>
-                          <a:latin typeface="Adobe Clean Light" panose="020B0303020404020204" pitchFamily="34" charset="0"/>
-                          <a:ea typeface="+mn-ea"/>
-                          <a:cs typeface="+mn-cs"/>
-                        </a:rPr>
-                      </a:br>
-                      <a:r>
-                        <a:rPr lang="fr-FR" sz="1000" dirty="0">
-                          <a:solidFill>
-                            <a:srgbClr val="000000"/>
-                          </a:solidFill>
-                          <a:latin typeface="Adobe Clean Light" panose="020B0303020404020204" pitchFamily="34" charset="0"/>
-                          <a:ea typeface="+mn-ea"/>
-                          <a:cs typeface="+mn-cs"/>
-                        </a:rPr>
-                        <a:t>des services d’assistance</a:t>
+                        <a:t>Il s’agit des termes et conditions détaillant les offres des services d’assistance</a:t>
                       </a:r>
                     </a:p>
                   </a:txBody>
@@ -16875,18 +16611,18 @@
 <file path=customXml/itemProps3.xml><?xml version="1.0" encoding="utf-8"?>
 <ds:datastoreItem xmlns:ds="http://schemas.openxmlformats.org/officeDocument/2006/customXml" ds:itemID="{75C1A8FD-3884-41A0-BE37-D15776C885D1}">
   <ds:schemaRefs>
-    <ds:schemaRef ds:uri="http://schemas.microsoft.com/office/2006/metadata/contentType"/>
-    <ds:schemaRef ds:uri="http://schemas.microsoft.com/office/2006/metadata/properties/metaAttributes"/>
-    <ds:schemaRef ds:uri="http://www.w3.org/2001/XMLSchema"/>
-    <ds:schemaRef ds:uri="http://schemas.microsoft.com/office/2006/metadata/properties"/>
+    <ds:schemaRef ds:uri="6c8368ec-3776-49b5-a5bb-90648cf9530f"/>
     <ds:schemaRef ds:uri="8a053bff-88be-49e4-9a87-e748e18b8b62"/>
-    <ds:schemaRef ds:uri="6c8368ec-3776-49b5-a5bb-90648cf9530f"/>
-    <ds:schemaRef ds:uri="http://schemas.microsoft.com/office/2006/documentManagement/types"/>
-    <ds:schemaRef ds:uri="http://schemas.microsoft.com/office/infopath/2007/PartnerControls"/>
-    <ds:schemaRef ds:uri="http://schemas.openxmlformats.org/package/2006/metadata/core-properties"/>
     <ds:schemaRef ds:uri="http://purl.org/dc/elements/1.1/"/>
     <ds:schemaRef ds:uri="http://purl.org/dc/terms/"/>
     <ds:schemaRef ds:uri="http://schemas.microsoft.com/internal/obd"/>
+    <ds:schemaRef ds:uri="http://schemas.microsoft.com/office/2006/documentManagement/types"/>
+    <ds:schemaRef ds:uri="http://schemas.microsoft.com/office/2006/metadata/contentType"/>
+    <ds:schemaRef ds:uri="http://schemas.microsoft.com/office/2006/metadata/properties"/>
+    <ds:schemaRef ds:uri="http://schemas.microsoft.com/office/2006/metadata/properties/metaAttributes"/>
+    <ds:schemaRef ds:uri="http://schemas.microsoft.com/office/infopath/2007/PartnerControls"/>
+    <ds:schemaRef ds:uri="http://schemas.openxmlformats.org/package/2006/metadata/core-properties"/>
+    <ds:schemaRef ds:uri="http://www.w3.org/2001/XMLSchema"/>
   </ds:schemaRefs>
 </ds:datastoreItem>
 </file>
--- a/help/data-sheets/assets/EliteSupportDatasheet.pptx
+++ b/help/data-sheets/assets/EliteSupportDatasheet.pptx
@@ -159,26 +159,26 @@
 <file path=ppt/changesInfos/changesInfo1.xml><?xml version="1.0" encoding="utf-8"?>
 <pc:chgInfo xmlns:a="http://schemas.openxmlformats.org/drawingml/2006/main" xmlns:r="http://schemas.openxmlformats.org/officeDocument/2006/relationships" xmlns:ac="http://schemas.microsoft.com/office/drawing/2013/main/command" xmlns:pc="http://schemas.microsoft.com/office/powerpoint/2013/main/command">
   <pc:docChgLst>
-    <pc:chgData name="Lauren Schutte" userId="6e08b2d3-447a-4d66-86be-444d50df187f" providerId="ADAL" clId="{0BC4D7A0-4BBD-1B49-BE14-170949F0EA37}"/>
+    <pc:chgData name="Akilah Johnson" userId="2fa3aa60-0c9c-4d06-bae2-795983241227" providerId="ADAL" clId="{4F9F8D59-37FF-0B43-9EF5-31D48C73FC8D}"/>
     <pc:docChg chg="modSld">
-      <pc:chgData name="Lauren Schutte" userId="6e08b2d3-447a-4d66-86be-444d50df187f" providerId="ADAL" clId="{0BC4D7A0-4BBD-1B49-BE14-170949F0EA37}" dt="2021-10-13T19:10:14.671" v="3" actId="1035"/>
+      <pc:chgData name="Akilah Johnson" userId="2fa3aa60-0c9c-4d06-bae2-795983241227" providerId="ADAL" clId="{4F9F8D59-37FF-0B43-9EF5-31D48C73FC8D}" dt="2021-11-24T00:07:01.857" v="8" actId="20577"/>
       <pc:docMkLst>
         <pc:docMk/>
       </pc:docMkLst>
       <pc:sldChg chg="modSp mod">
-        <pc:chgData name="Lauren Schutte" userId="6e08b2d3-447a-4d66-86be-444d50df187f" providerId="ADAL" clId="{0BC4D7A0-4BBD-1B49-BE14-170949F0EA37}" dt="2021-10-13T19:10:14.671" v="3" actId="1035"/>
+        <pc:chgData name="Akilah Johnson" userId="2fa3aa60-0c9c-4d06-bae2-795983241227" providerId="ADAL" clId="{4F9F8D59-37FF-0B43-9EF5-31D48C73FC8D}" dt="2021-11-24T00:07:01.857" v="8" actId="20577"/>
         <pc:sldMkLst>
           <pc:docMk/>
           <pc:sldMk cId="0" sldId="256"/>
         </pc:sldMkLst>
-        <pc:spChg chg="mod">
-          <ac:chgData name="Lauren Schutte" userId="6e08b2d3-447a-4d66-86be-444d50df187f" providerId="ADAL" clId="{0BC4D7A0-4BBD-1B49-BE14-170949F0EA37}" dt="2021-10-13T19:10:14.671" v="3" actId="1035"/>
-          <ac:spMkLst>
+        <pc:graphicFrameChg chg="modGraphic">
+          <ac:chgData name="Akilah Johnson" userId="2fa3aa60-0c9c-4d06-bae2-795983241227" providerId="ADAL" clId="{4F9F8D59-37FF-0B43-9EF5-31D48C73FC8D}" dt="2021-11-24T00:07:01.857" v="8" actId="20577"/>
+          <ac:graphicFrameMkLst>
             <pc:docMk/>
             <pc:sldMk cId="0" sldId="256"/>
-            <ac:spMk id="4" creationId="{00000000-0000-0000-0000-000000000000}"/>
-          </ac:spMkLst>
-        </pc:spChg>
+            <ac:graphicFrameMk id="7" creationId="{00000000-0000-0000-0000-000000000000}"/>
+          </ac:graphicFrameMkLst>
+        </pc:graphicFrameChg>
       </pc:sldChg>
     </pc:docChg>
   </pc:docChgLst>
@@ -203,6 +203,30 @@
             <ac:graphicFrameMk id="7" creationId="{00000000-0000-0000-0000-000000000000}"/>
           </ac:graphicFrameMkLst>
         </pc:graphicFrameChg>
+      </pc:sldChg>
+    </pc:docChg>
+  </pc:docChgLst>
+  <pc:docChgLst>
+    <pc:chgData name="Lauren Schutte" userId="6e08b2d3-447a-4d66-86be-444d50df187f" providerId="ADAL" clId="{0BC4D7A0-4BBD-1B49-BE14-170949F0EA37}"/>
+    <pc:docChg chg="modSld">
+      <pc:chgData name="Lauren Schutte" userId="6e08b2d3-447a-4d66-86be-444d50df187f" providerId="ADAL" clId="{0BC4D7A0-4BBD-1B49-BE14-170949F0EA37}" dt="2021-10-13T19:10:14.671" v="3" actId="1035"/>
+      <pc:docMkLst>
+        <pc:docMk/>
+      </pc:docMkLst>
+      <pc:sldChg chg="modSp mod">
+        <pc:chgData name="Lauren Schutte" userId="6e08b2d3-447a-4d66-86be-444d50df187f" providerId="ADAL" clId="{0BC4D7A0-4BBD-1B49-BE14-170949F0EA37}" dt="2021-10-13T19:10:14.671" v="3" actId="1035"/>
+        <pc:sldMkLst>
+          <pc:docMk/>
+          <pc:sldMk cId="0" sldId="256"/>
+        </pc:sldMkLst>
+        <pc:spChg chg="mod">
+          <ac:chgData name="Lauren Schutte" userId="6e08b2d3-447a-4d66-86be-444d50df187f" providerId="ADAL" clId="{0BC4D7A0-4BBD-1B49-BE14-170949F0EA37}" dt="2021-10-13T19:10:14.671" v="3" actId="1035"/>
+          <ac:spMkLst>
+            <pc:docMk/>
+            <pc:sldMk cId="0" sldId="256"/>
+            <ac:spMk id="4" creationId="{00000000-0000-0000-0000-000000000000}"/>
+          </ac:spMkLst>
+        </pc:spChg>
       </pc:sldChg>
     </pc:docChg>
   </pc:docChgLst>
@@ -261,30 +285,6 @@
       </pc:sldChg>
     </pc:docChg>
   </pc:docChgLst>
-  <pc:docChgLst>
-    <pc:chgData name="Akilah Johnson" userId="2fa3aa60-0c9c-4d06-bae2-795983241227" providerId="ADAL" clId="{4F9F8D59-37FF-0B43-9EF5-31D48C73FC8D}"/>
-    <pc:docChg chg="modSld">
-      <pc:chgData name="Akilah Johnson" userId="2fa3aa60-0c9c-4d06-bae2-795983241227" providerId="ADAL" clId="{4F9F8D59-37FF-0B43-9EF5-31D48C73FC8D}" dt="2021-11-24T00:07:01.857" v="8" actId="20577"/>
-      <pc:docMkLst>
-        <pc:docMk/>
-      </pc:docMkLst>
-      <pc:sldChg chg="modSp mod">
-        <pc:chgData name="Akilah Johnson" userId="2fa3aa60-0c9c-4d06-bae2-795983241227" providerId="ADAL" clId="{4F9F8D59-37FF-0B43-9EF5-31D48C73FC8D}" dt="2021-11-24T00:07:01.857" v="8" actId="20577"/>
-        <pc:sldMkLst>
-          <pc:docMk/>
-          <pc:sldMk cId="0" sldId="256"/>
-        </pc:sldMkLst>
-        <pc:graphicFrameChg chg="modGraphic">
-          <ac:chgData name="Akilah Johnson" userId="2fa3aa60-0c9c-4d06-bae2-795983241227" providerId="ADAL" clId="{4F9F8D59-37FF-0B43-9EF5-31D48C73FC8D}" dt="2021-11-24T00:07:01.857" v="8" actId="20577"/>
-          <ac:graphicFrameMkLst>
-            <pc:docMk/>
-            <pc:sldMk cId="0" sldId="256"/>
-            <ac:graphicFrameMk id="7" creationId="{00000000-0000-0000-0000-000000000000}"/>
-          </ac:graphicFrameMkLst>
-        </pc:graphicFrameChg>
-      </pc:sldChg>
-    </pc:docChg>
-  </pc:docChgLst>
 </pc:chgInfo>
 </file>
 
@@ -370,7 +370,7 @@
           <a:p>
             <a:fld id="{C12E57D6-2086-AA47-A7A4-C0CDE7C14E44}" type="datetimeFigureOut">
               <a:rPr lang="en-US" smtClean="0"/>
-              <a:t>1/20/22</a:t>
+              <a:t>2/15/2022</a:t>
             </a:fld>
             <a:endParaRPr lang="en-US"/>
           </a:p>
@@ -944,7 +944,7 @@
           <a:p>
             <a:fld id="{1D8BD707-D9CF-40AE-B4C6-C98DA3205C09}" type="datetimeFigureOut">
               <a:rPr lang="en-US"/>
-              <a:t>1/20/22</a:t>
+              <a:t>2/15/2022</a:t>
             </a:fld>
             <a:endParaRPr lang="en-US"/>
           </a:p>
@@ -1189,7 +1189,7 @@
           <a:p>
             <a:fld id="{1D8BD707-D9CF-40AE-B4C6-C98DA3205C09}" type="datetimeFigureOut">
               <a:rPr lang="en-US"/>
-              <a:t>1/20/22</a:t>
+              <a:t>2/15/2022</a:t>
             </a:fld>
             <a:endParaRPr lang="en-US"/>
           </a:p>
@@ -1447,7 +1447,7 @@
           <a:p>
             <a:fld id="{1D8BD707-D9CF-40AE-B4C6-C98DA3205C09}" type="datetimeFigureOut">
               <a:rPr lang="en-US"/>
-              <a:t>1/20/22</a:t>
+              <a:t>2/15/2022</a:t>
             </a:fld>
             <a:endParaRPr lang="en-US"/>
           </a:p>
@@ -1639,7 +1639,7 @@
           <a:p>
             <a:fld id="{1D8BD707-D9CF-40AE-B4C6-C98DA3205C09}" type="datetimeFigureOut">
               <a:rPr lang="en-US"/>
-              <a:t>1/20/22</a:t>
+              <a:t>2/15/2022</a:t>
             </a:fld>
             <a:endParaRPr lang="en-US"/>
           </a:p>
@@ -1802,7 +1802,7 @@
           <a:p>
             <a:fld id="{1D8BD707-D9CF-40AE-B4C6-C98DA3205C09}" type="datetimeFigureOut">
               <a:rPr lang="en-US"/>
-              <a:t>1/20/22</a:t>
+              <a:t>2/15/2022</a:t>
             </a:fld>
             <a:endParaRPr lang="en-US"/>
           </a:p>
@@ -2065,7 +2065,7 @@
           <a:p>
             <a:fld id="{1D8BD707-D9CF-40AE-B4C6-C98DA3205C09}" type="datetimeFigureOut">
               <a:rPr lang="en-US"/>
-              <a:t>1/20/22</a:t>
+              <a:t>2/15/2022</a:t>
             </a:fld>
             <a:endParaRPr lang="en-US"/>
           </a:p>
@@ -2359,16 +2359,9 @@
               </a:spcBef>
             </a:pPr>
             <a:r>
-              <a:rPr sz="2300"/>
-              <a:t>ADOBE </a:t>
-            </a:r>
-            <a:r>
-              <a:rPr lang="en-US" sz="2300"/>
-              <a:t>SUPPORT PLANS</a:t>
-            </a:r>
-            <a:endParaRPr sz="2300">
-              <a:latin typeface="Adobe Clean" panose="020B0503020404020204" pitchFamily="34" charset="0"/>
-            </a:endParaRPr>
+              <a:rPr lang="fr-FR" sz="2300"/>
+              <a:t>PLANS D’ASSISTANCE ADOBE</a:t>
+            </a:r>
           </a:p>
         </p:txBody>
       </p:sp>
@@ -2402,77 +2395,17 @@
               </a:spcBef>
             </a:pPr>
             <a:r>
-              <a:rPr lang="en-US" sz="1100" spc="-5" dirty="0">
+              <a:rPr lang="fr-FR" sz="1100" dirty="0">
                 <a:solidFill>
                   <a:srgbClr val="FFFFFF"/>
                 </a:solidFill>
                 <a:latin typeface="AdobeClean-Light"/>
                 <a:cs typeface="AdobeClean-Light"/>
               </a:rPr>
-              <a:t>Standard</a:t>
-            </a:r>
-            <a:r>
-              <a:rPr sz="1100" dirty="0">
-                <a:solidFill>
-                  <a:srgbClr val="FFFFFF"/>
-                </a:solidFill>
-                <a:latin typeface="AdobeClean-Light"/>
-                <a:cs typeface="AdobeClean-Light"/>
-              </a:rPr>
-              <a:t> |</a:t>
-            </a:r>
-            <a:r>
-              <a:rPr sz="1100" spc="10" dirty="0">
-                <a:solidFill>
-                  <a:srgbClr val="FFFFFF"/>
-                </a:solidFill>
-                <a:latin typeface="AdobeClean-Light"/>
-                <a:cs typeface="AdobeClean-Light"/>
-              </a:rPr>
-              <a:t> </a:t>
-            </a:r>
-            <a:r>
-              <a:rPr sz="1100" spc="-5" dirty="0">
-                <a:solidFill>
-                  <a:srgbClr val="FFFFFF"/>
-                </a:solidFill>
-                <a:latin typeface="AdobeClean-Light"/>
-                <a:cs typeface="AdobeClean-Light"/>
-              </a:rPr>
-              <a:t>Enterprise</a:t>
-            </a:r>
-            <a:r>
-              <a:rPr sz="1100" spc="10" dirty="0">
-                <a:solidFill>
-                  <a:srgbClr val="FFFFFF"/>
-                </a:solidFill>
-                <a:latin typeface="AdobeClean-Light"/>
-                <a:cs typeface="AdobeClean-Light"/>
-              </a:rPr>
-              <a:t> </a:t>
-            </a:r>
-            <a:r>
-              <a:rPr sz="1100" dirty="0">
-                <a:solidFill>
-                  <a:srgbClr val="FFFFFF"/>
-                </a:solidFill>
-                <a:latin typeface="AdobeClean-Light"/>
-                <a:cs typeface="AdobeClean-Light"/>
-              </a:rPr>
-              <a:t>|</a:t>
-            </a:r>
-            <a:r>
-              <a:rPr sz="1100" spc="5" dirty="0">
-                <a:solidFill>
-                  <a:srgbClr val="FFFFFF"/>
-                </a:solidFill>
-                <a:latin typeface="AdobeClean-Light"/>
-                <a:cs typeface="AdobeClean-Light"/>
-              </a:rPr>
-              <a:t> </a:t>
-            </a:r>
-            <a:r>
-              <a:rPr sz="1100" b="1" spc="-65" dirty="0">
+              <a:t>Standard | Entreprise | </a:t>
+            </a:r>
+            <a:r>
+              <a:rPr lang="fr-FR" sz="1100" b="1" dirty="0">
                 <a:solidFill>
                   <a:srgbClr val="FFFFFF"/>
                 </a:solidFill>
@@ -2481,10 +2414,6 @@
               </a:rPr>
               <a:t>Elite</a:t>
             </a:r>
-            <a:endParaRPr sz="1100" dirty="0">
-              <a:latin typeface="Arial"/>
-              <a:cs typeface="Arial"/>
-            </a:endParaRPr>
           </a:p>
           <a:p>
             <a:pPr marL="12700" marR="1076325">
@@ -2493,21 +2422,86 @@
               </a:spcBef>
             </a:pPr>
             <a:r>
-              <a:rPr lang="en-US" sz="900" dirty="0">
+              <a:rPr lang="fr-FR" sz="800" dirty="0">
                 <a:solidFill>
                   <a:schemeClr val="bg1"/>
                 </a:solidFill>
                 <a:latin typeface="Adobe Clean SemiLight" panose="020B0403020404020204" pitchFamily="34" charset="0"/>
               </a:rPr>
-              <a:t>Adobe provides a comprehensive range of technical resources to help support your business included as part of your Experience Cloud license subscription and further enhanced in the ELITE support package. ELITE support includes access to personalized learning paths and monitored community forums via the Adobe Experience League. You can also take advantage of our detailed and in-depth technical product documentation and current release notes. ELITE customers will also have access to a Named Support Engineer as well as a Technical Account Manager who combine and work in partnership with you to provide best in class proactive and reactive support while acting as your designated technical contacts in the Adobe Support Team. With deep experience in your designated Experience Cloud solutions, your support team work to ensure that no matter how complex your support needs are, the Adobe Support team will be there side by side with you throughout, to ensure you maximize your investment in the Adobe Experience Cloud solutions and to help you avoid problems before they happen.</a:t>
-            </a:r>
-            <a:endParaRPr sz="900" dirty="0">
-              <a:solidFill>
-                <a:schemeClr val="bg1"/>
-              </a:solidFill>
-              <a:latin typeface="AdobeClean-Light"/>
-              <a:cs typeface="AdobeClean-Light"/>
-            </a:endParaRPr>
+              <a:t>Adobe offre une gamme complète de ressources techniques afin d’appuyer votre entreprise. Elles sont comprises dans votre abonnement à la licence </a:t>
+            </a:r>
+            <a:r>
+              <a:rPr lang="fr-FR" sz="800" dirty="0" err="1">
+                <a:solidFill>
+                  <a:schemeClr val="bg1"/>
+                </a:solidFill>
+                <a:latin typeface="Adobe Clean SemiLight" panose="020B0403020404020204" pitchFamily="34" charset="0"/>
+              </a:rPr>
+              <a:t>Experience</a:t>
+            </a:r>
+            <a:r>
+              <a:rPr lang="fr-FR" sz="800" dirty="0">
+                <a:solidFill>
+                  <a:schemeClr val="bg1"/>
+                </a:solidFill>
+                <a:latin typeface="Adobe Clean SemiLight" panose="020B0403020404020204" pitchFamily="34" charset="0"/>
+              </a:rPr>
+              <a:t> Cloud et sont davantage améliorées dans le pack d’assistance ELITE. L’assistance ELITE comprend un accès à des parcours de formation personnalisés et à des forums communautaires surveillés au travers d’</a:t>
+            </a:r>
+            <a:r>
+              <a:rPr lang="fr-FR" sz="800" dirty="0" err="1">
+                <a:solidFill>
+                  <a:schemeClr val="bg1"/>
+                </a:solidFill>
+                <a:latin typeface="Adobe Clean SemiLight" panose="020B0403020404020204" pitchFamily="34" charset="0"/>
+              </a:rPr>
+              <a:t>Experience</a:t>
+            </a:r>
+            <a:r>
+              <a:rPr lang="fr-FR" sz="800" dirty="0">
+                <a:solidFill>
+                  <a:schemeClr val="bg1"/>
+                </a:solidFill>
+                <a:latin typeface="Adobe Clean SemiLight" panose="020B0403020404020204" pitchFamily="34" charset="0"/>
+              </a:rPr>
+              <a:t> League d’Adobe. Vous pouvez également tirer profit de notre documentation technique détaillée et approfondie sur les produits, ainsi que de nos notes de mise à jour actuelles. Les clients ELITE auront également accès à un ingénieur d’assistance nommé, ainsi qu’à un gestionnaire de compte technique qui s’associent et travaillent en collaboration avec vous afin de vous offrir la meilleure assistance proactive et réactive de sa catégorie. Parallèlement, ils jouent le rôle de contacts techniques désignés dans l’équipe d’assistance d’Adobe. Grâce à sa grande expérience dans vos solutions </a:t>
+            </a:r>
+            <a:r>
+              <a:rPr lang="fr-FR" sz="800" dirty="0" err="1">
+                <a:solidFill>
+                  <a:schemeClr val="bg1"/>
+                </a:solidFill>
+                <a:latin typeface="Adobe Clean SemiLight" panose="020B0403020404020204" pitchFamily="34" charset="0"/>
+              </a:rPr>
+              <a:t>Experience</a:t>
+            </a:r>
+            <a:r>
+              <a:rPr lang="fr-FR" sz="800" dirty="0">
+                <a:solidFill>
+                  <a:schemeClr val="bg1"/>
+                </a:solidFill>
+                <a:latin typeface="Adobe Clean SemiLight" panose="020B0403020404020204" pitchFamily="34" charset="0"/>
+              </a:rPr>
+              <a:t> Cloud, votre équipe d’assistance travaille dans le but de s’assurer que, peu importe la complexité de vos besoins en matière d’assistance, l’équipe d’assistance d’Adobe sera à vos côtés du début à la fin. Elle s’assurera ainsi que vous maximisiez votre investissement dans les solutions Adobe </a:t>
+            </a:r>
+            <a:r>
+              <a:rPr lang="fr-FR" sz="800" dirty="0" err="1">
+                <a:solidFill>
+                  <a:schemeClr val="bg1"/>
+                </a:solidFill>
+                <a:latin typeface="Adobe Clean SemiLight" panose="020B0403020404020204" pitchFamily="34" charset="0"/>
+              </a:rPr>
+              <a:t>Experience</a:t>
+            </a:r>
+            <a:r>
+              <a:rPr lang="fr-FR" sz="800" dirty="0">
+                <a:solidFill>
+                  <a:schemeClr val="bg1"/>
+                </a:solidFill>
+                <a:latin typeface="Adobe Clean SemiLight" panose="020B0403020404020204" pitchFamily="34" charset="0"/>
+              </a:rPr>
+              <a:t> Cloud et vous permettra d’éviter tout problème avant même qu’il ne survienne.</a:t>
+            </a:r>
           </a:p>
         </p:txBody>
       </p:sp>
@@ -2520,7 +2514,7 @@
         <p:spPr>
           <a:xfrm>
             <a:off x="168564" y="7162800"/>
-            <a:ext cx="2780665" cy="238760"/>
+            <a:ext cx="4174836" cy="228268"/>
           </a:xfrm>
           <a:prstGeom prst="rect">
             <a:avLst/>
@@ -2541,7 +2535,7 @@
               </a:spcBef>
             </a:pPr>
             <a:r>
-              <a:rPr sz="1400" b="1" u="heavy" spc="20">
+              <a:rPr lang="fr-FR" sz="1400" b="1" u="heavy" dirty="0">
                 <a:solidFill>
                   <a:srgbClr val="020302"/>
                 </a:solidFill>
@@ -2553,447 +2547,8 @@
                 <a:latin typeface="Adobe Clean"/>
                 <a:cs typeface="Adobe Clean"/>
               </a:rPr>
-              <a:t>S</a:t>
-            </a:r>
-            <a:r>
-              <a:rPr sz="1400" b="1" u="heavy">
-                <a:solidFill>
-                  <a:srgbClr val="020302"/>
-                </a:solidFill>
-                <a:uFill>
-                  <a:solidFill>
-                    <a:srgbClr val="020302"/>
-                  </a:solidFill>
-                </a:uFill>
-                <a:latin typeface="Adobe Clean"/>
-                <a:cs typeface="Adobe Clean"/>
-              </a:rPr>
-              <a:t>er</a:t>
-            </a:r>
-            <a:r>
-              <a:rPr sz="1400" b="1" u="heavy" spc="10">
-                <a:solidFill>
-                  <a:srgbClr val="020302"/>
-                </a:solidFill>
-                <a:uFill>
-                  <a:solidFill>
-                    <a:srgbClr val="020302"/>
-                  </a:solidFill>
-                </a:uFill>
-                <a:latin typeface="Adobe Clean"/>
-                <a:cs typeface="Adobe Clean"/>
-              </a:rPr>
-              <a:t>vi</a:t>
-            </a:r>
-            <a:r>
-              <a:rPr sz="1400" b="1" u="heavy">
-                <a:solidFill>
-                  <a:srgbClr val="020302"/>
-                </a:solidFill>
-                <a:uFill>
-                  <a:solidFill>
-                    <a:srgbClr val="020302"/>
-                  </a:solidFill>
-                </a:uFill>
-                <a:latin typeface="Adobe Clean"/>
-                <a:cs typeface="Adobe Clean"/>
-              </a:rPr>
-              <a:t>ce</a:t>
-            </a:r>
-            <a:r>
-              <a:rPr sz="1400" b="1" u="heavy" spc="20">
-                <a:solidFill>
-                  <a:srgbClr val="020302"/>
-                </a:solidFill>
-                <a:uFill>
-                  <a:solidFill>
-                    <a:srgbClr val="020302"/>
-                  </a:solidFill>
-                </a:uFill>
-                <a:latin typeface="Adobe Clean"/>
-                <a:cs typeface="Adobe Clean"/>
-              </a:rPr>
-              <a:t> </a:t>
-            </a:r>
-            <a:r>
-              <a:rPr sz="1400" b="1" u="heavy" spc="-20">
-                <a:solidFill>
-                  <a:srgbClr val="020302"/>
-                </a:solidFill>
-                <a:uFill>
-                  <a:solidFill>
-                    <a:srgbClr val="020302"/>
-                  </a:solidFill>
-                </a:uFill>
-                <a:latin typeface="Adobe Clean"/>
-                <a:cs typeface="Adobe Clean"/>
-              </a:rPr>
-              <a:t>Le</a:t>
-            </a:r>
-            <a:r>
-              <a:rPr sz="1400" b="1" u="heavy" spc="-10">
-                <a:solidFill>
-                  <a:srgbClr val="020302"/>
-                </a:solidFill>
-                <a:uFill>
-                  <a:solidFill>
-                    <a:srgbClr val="020302"/>
-                  </a:solidFill>
-                </a:uFill>
-                <a:latin typeface="Adobe Clean"/>
-                <a:cs typeface="Adobe Clean"/>
-              </a:rPr>
-              <a:t>v</a:t>
-            </a:r>
-            <a:r>
-              <a:rPr sz="1400" b="1" u="heavy" spc="-20">
-                <a:solidFill>
-                  <a:srgbClr val="020302"/>
-                </a:solidFill>
-                <a:uFill>
-                  <a:solidFill>
-                    <a:srgbClr val="020302"/>
-                  </a:solidFill>
-                </a:uFill>
-                <a:latin typeface="Adobe Clean"/>
-                <a:cs typeface="Adobe Clean"/>
-              </a:rPr>
-              <a:t>e</a:t>
-            </a:r>
-            <a:r>
-              <a:rPr sz="1400" b="1" u="heavy">
-                <a:solidFill>
-                  <a:srgbClr val="020302"/>
-                </a:solidFill>
-                <a:uFill>
-                  <a:solidFill>
-                    <a:srgbClr val="020302"/>
-                  </a:solidFill>
-                </a:uFill>
-                <a:latin typeface="Adobe Clean"/>
-                <a:cs typeface="Adobe Clean"/>
-              </a:rPr>
-              <a:t>l</a:t>
-            </a:r>
-            <a:r>
-              <a:rPr sz="1400" b="1" u="heavy" spc="-10">
-                <a:solidFill>
-                  <a:srgbClr val="020302"/>
-                </a:solidFill>
-                <a:uFill>
-                  <a:solidFill>
-                    <a:srgbClr val="020302"/>
-                  </a:solidFill>
-                </a:uFill>
-                <a:latin typeface="Adobe Clean"/>
-                <a:cs typeface="Adobe Clean"/>
-              </a:rPr>
-              <a:t> </a:t>
-            </a:r>
-            <a:r>
-              <a:rPr sz="1400" b="1" u="heavy" spc="-65">
-                <a:solidFill>
-                  <a:srgbClr val="020302"/>
-                </a:solidFill>
-                <a:uFill>
-                  <a:solidFill>
-                    <a:srgbClr val="020302"/>
-                  </a:solidFill>
-                </a:uFill>
-                <a:latin typeface="Adobe Clean"/>
-                <a:cs typeface="Adobe Clean"/>
-              </a:rPr>
-              <a:t>T</a:t>
-            </a:r>
-            <a:r>
-              <a:rPr sz="1400" b="1" u="heavy" spc="-35">
-                <a:solidFill>
-                  <a:srgbClr val="020302"/>
-                </a:solidFill>
-                <a:uFill>
-                  <a:solidFill>
-                    <a:srgbClr val="020302"/>
-                  </a:solidFill>
-                </a:uFill>
-                <a:latin typeface="Adobe Clean"/>
-                <a:cs typeface="Adobe Clean"/>
-              </a:rPr>
-              <a:t>a</a:t>
-            </a:r>
-            <a:r>
-              <a:rPr sz="1400" b="1" u="heavy" spc="-45">
-                <a:solidFill>
-                  <a:srgbClr val="020302"/>
-                </a:solidFill>
-                <a:uFill>
-                  <a:solidFill>
-                    <a:srgbClr val="020302"/>
-                  </a:solidFill>
-                </a:uFill>
-                <a:latin typeface="Adobe Clean"/>
-                <a:cs typeface="Adobe Clean"/>
-              </a:rPr>
-              <a:t>r</a:t>
-            </a:r>
-            <a:r>
-              <a:rPr sz="1400" b="1" u="heavy" spc="-35">
-                <a:solidFill>
-                  <a:srgbClr val="020302"/>
-                </a:solidFill>
-                <a:uFill>
-                  <a:solidFill>
-                    <a:srgbClr val="020302"/>
-                  </a:solidFill>
-                </a:uFill>
-                <a:latin typeface="Adobe Clean"/>
-                <a:cs typeface="Adobe Clean"/>
-              </a:rPr>
-              <a:t>g</a:t>
-            </a:r>
-            <a:r>
-              <a:rPr sz="1400" b="1" u="heavy" spc="-55">
-                <a:solidFill>
-                  <a:srgbClr val="020302"/>
-                </a:solidFill>
-                <a:uFill>
-                  <a:solidFill>
-                    <a:srgbClr val="020302"/>
-                  </a:solidFill>
-                </a:uFill>
-                <a:latin typeface="Adobe Clean"/>
-                <a:cs typeface="Adobe Clean"/>
-              </a:rPr>
-              <a:t>et</a:t>
-            </a:r>
-            <a:r>
-              <a:rPr sz="1400" b="1" u="heavy" spc="-45">
-                <a:solidFill>
-                  <a:srgbClr val="020302"/>
-                </a:solidFill>
-                <a:uFill>
-                  <a:solidFill>
-                    <a:srgbClr val="020302"/>
-                  </a:solidFill>
-                </a:uFill>
-                <a:latin typeface="Adobe Clean"/>
-                <a:cs typeface="Adobe Clean"/>
-              </a:rPr>
-              <a:t>s</a:t>
-            </a:r>
-            <a:r>
-              <a:rPr sz="1400" b="1" u="heavy">
-                <a:solidFill>
-                  <a:srgbClr val="020302"/>
-                </a:solidFill>
-                <a:uFill>
-                  <a:solidFill>
-                    <a:srgbClr val="020302"/>
-                  </a:solidFill>
-                </a:uFill>
-                <a:latin typeface="Adobe Clean"/>
-                <a:cs typeface="Adobe Clean"/>
-              </a:rPr>
-              <a:t>:</a:t>
-            </a:r>
-            <a:r>
-              <a:rPr sz="1400" b="1" u="heavy" spc="-80">
-                <a:solidFill>
-                  <a:srgbClr val="020302"/>
-                </a:solidFill>
-                <a:uFill>
-                  <a:solidFill>
-                    <a:srgbClr val="020302"/>
-                  </a:solidFill>
-                </a:uFill>
-                <a:latin typeface="Adobe Clean"/>
-                <a:cs typeface="Adobe Clean"/>
-              </a:rPr>
-              <a:t> </a:t>
-            </a:r>
-            <a:r>
-              <a:rPr sz="1400" b="1" u="heavy" spc="-20">
-                <a:solidFill>
-                  <a:srgbClr val="020302"/>
-                </a:solidFill>
-                <a:uFill>
-                  <a:solidFill>
-                    <a:srgbClr val="020302"/>
-                  </a:solidFill>
-                </a:uFill>
-                <a:latin typeface="Adobe Clean"/>
-                <a:cs typeface="Adobe Clean"/>
-              </a:rPr>
-              <a:t>I</a:t>
-            </a:r>
-            <a:r>
-              <a:rPr sz="1400" b="1" u="heavy" spc="-10">
-                <a:solidFill>
-                  <a:srgbClr val="020302"/>
-                </a:solidFill>
-                <a:uFill>
-                  <a:solidFill>
-                    <a:srgbClr val="020302"/>
-                  </a:solidFill>
-                </a:uFill>
-                <a:latin typeface="Adobe Clean"/>
-                <a:cs typeface="Adobe Clean"/>
-              </a:rPr>
-              <a:t>ni</a:t>
-            </a:r>
-            <a:r>
-              <a:rPr sz="1400" b="1" u="heavy" spc="-20">
-                <a:solidFill>
-                  <a:srgbClr val="020302"/>
-                </a:solidFill>
-                <a:uFill>
-                  <a:solidFill>
-                    <a:srgbClr val="020302"/>
-                  </a:solidFill>
-                </a:uFill>
-                <a:latin typeface="Adobe Clean"/>
-                <a:cs typeface="Adobe Clean"/>
-              </a:rPr>
-              <a:t>t</a:t>
-            </a:r>
-            <a:r>
-              <a:rPr sz="1400" b="1" u="heavy" spc="-10">
-                <a:solidFill>
-                  <a:srgbClr val="020302"/>
-                </a:solidFill>
-                <a:uFill>
-                  <a:solidFill>
-                    <a:srgbClr val="020302"/>
-                  </a:solidFill>
-                </a:uFill>
-                <a:latin typeface="Adobe Clean"/>
-                <a:cs typeface="Adobe Clean"/>
-              </a:rPr>
-              <a:t>i</a:t>
-            </a:r>
-            <a:r>
-              <a:rPr sz="1400" b="1" u="heavy">
-                <a:solidFill>
-                  <a:srgbClr val="020302"/>
-                </a:solidFill>
-                <a:uFill>
-                  <a:solidFill>
-                    <a:srgbClr val="020302"/>
-                  </a:solidFill>
-                </a:uFill>
-                <a:latin typeface="Adobe Clean"/>
-                <a:cs typeface="Adobe Clean"/>
-              </a:rPr>
-              <a:t>al</a:t>
-            </a:r>
-            <a:r>
-              <a:rPr sz="1400" b="1" u="heavy" spc="-140">
-                <a:solidFill>
-                  <a:srgbClr val="020302"/>
-                </a:solidFill>
-                <a:uFill>
-                  <a:solidFill>
-                    <a:srgbClr val="020302"/>
-                  </a:solidFill>
-                </a:uFill>
-                <a:latin typeface="Adobe Clean"/>
-                <a:cs typeface="Adobe Clean"/>
-              </a:rPr>
-              <a:t> </a:t>
-            </a:r>
-            <a:r>
-              <a:rPr sz="1400" b="1" u="heavy" spc="-15">
-                <a:solidFill>
-                  <a:srgbClr val="020302"/>
-                </a:solidFill>
-                <a:uFill>
-                  <a:solidFill>
-                    <a:srgbClr val="020302"/>
-                  </a:solidFill>
-                </a:uFill>
-                <a:latin typeface="Adobe Clean"/>
-                <a:cs typeface="Adobe Clean"/>
-              </a:rPr>
-              <a:t>R</a:t>
-            </a:r>
-            <a:r>
-              <a:rPr sz="1400" b="1" u="heavy" spc="-25">
-                <a:solidFill>
-                  <a:srgbClr val="020302"/>
-                </a:solidFill>
-                <a:uFill>
-                  <a:solidFill>
-                    <a:srgbClr val="020302"/>
-                  </a:solidFill>
-                </a:uFill>
-                <a:latin typeface="Adobe Clean"/>
-                <a:cs typeface="Adobe Clean"/>
-              </a:rPr>
-              <a:t>e</a:t>
-            </a:r>
-            <a:r>
-              <a:rPr sz="1400" b="1" u="heavy" spc="-15">
-                <a:solidFill>
-                  <a:srgbClr val="020302"/>
-                </a:solidFill>
-                <a:uFill>
-                  <a:solidFill>
-                    <a:srgbClr val="020302"/>
-                  </a:solidFill>
-                </a:uFill>
-                <a:latin typeface="Adobe Clean"/>
-                <a:cs typeface="Adobe Clean"/>
-              </a:rPr>
-              <a:t>s</a:t>
-            </a:r>
-            <a:r>
-              <a:rPr sz="1400" b="1" u="heavy" spc="-25">
-                <a:solidFill>
-                  <a:srgbClr val="020302"/>
-                </a:solidFill>
-                <a:uFill>
-                  <a:solidFill>
-                    <a:srgbClr val="020302"/>
-                  </a:solidFill>
-                </a:uFill>
-                <a:latin typeface="Adobe Clean"/>
-                <a:cs typeface="Adobe Clean"/>
-              </a:rPr>
-              <a:t>p</a:t>
-            </a:r>
-            <a:r>
-              <a:rPr sz="1400" b="1" u="heavy" spc="-15">
-                <a:solidFill>
-                  <a:srgbClr val="020302"/>
-                </a:solidFill>
-                <a:uFill>
-                  <a:solidFill>
-                    <a:srgbClr val="020302"/>
-                  </a:solidFill>
-                </a:uFill>
-                <a:latin typeface="Adobe Clean"/>
-                <a:cs typeface="Adobe Clean"/>
-              </a:rPr>
-              <a:t>ons</a:t>
-            </a:r>
-            <a:r>
-              <a:rPr sz="1400" b="1" u="heavy">
-                <a:solidFill>
-                  <a:srgbClr val="020302"/>
-                </a:solidFill>
-                <a:uFill>
-                  <a:solidFill>
-                    <a:srgbClr val="020302"/>
-                  </a:solidFill>
-                </a:uFill>
-                <a:latin typeface="Adobe Clean"/>
-                <a:cs typeface="Adobe Clean"/>
-              </a:rPr>
-              <a:t>e</a:t>
-            </a:r>
-            <a:endParaRPr sz="1400">
-              <a:latin typeface="Adobe Clean"/>
-              <a:cs typeface="Adobe Clean"/>
-            </a:endParaRPr>
+              <a:t>Cibles du niveau de service : Réponse initiale</a:t>
+            </a:r>
           </a:p>
         </p:txBody>
       </p:sp>
@@ -3006,14 +2561,14 @@
           <p:nvPr>
             <p:extLst>
               <p:ext uri="{D42A27DB-BD31-4B8C-83A1-F6EECF244321}">
-                <p14:modId xmlns:p14="http://schemas.microsoft.com/office/powerpoint/2010/main" val="3940642931"/>
+                <p14:modId xmlns:p14="http://schemas.microsoft.com/office/powerpoint/2010/main" val="3175766581"/>
               </p:ext>
             </p:extLst>
           </p:nvPr>
         </p:nvGraphicFramePr>
         <p:xfrm>
           <a:off x="145668" y="7473158"/>
-          <a:ext cx="7409815" cy="2259721"/>
+          <a:ext cx="7409815" cy="2421406"/>
         </p:xfrm>
         <a:graphic>
           <a:graphicData uri="http://schemas.openxmlformats.org/drawingml/2006/table">
@@ -3059,19 +2614,15 @@
                         </a:spcBef>
                       </a:pPr>
                       <a:r>
-                        <a:rPr sz="900" spc="0">
+                        <a:rPr lang="fr-FR" sz="850" dirty="0">
                           <a:solidFill>
                             <a:srgbClr val="020302"/>
                           </a:solidFill>
                           <a:latin typeface="Adobe Clean"/>
                           <a:cs typeface="Adobe Clean"/>
                         </a:rPr>
-                        <a:t>Priority</a:t>
+                        <a:t>Priorité</a:t>
                       </a:r>
-                      <a:endParaRPr sz="900" spc="0">
-                        <a:latin typeface="Adobe Clean"/>
-                        <a:cs typeface="Adobe Clean"/>
-                      </a:endParaRPr>
                     </a:p>
                   </a:txBody>
                   <a:tcPr marL="0" marR="0" marT="5715" marB="0" anchor="ctr">
@@ -3118,29 +2669,15 @@
                         </a:spcBef>
                       </a:pPr>
                       <a:r>
-                        <a:rPr lang="en-US" sz="900" spc="0" dirty="0">
+                        <a:rPr lang="fr-FR" sz="850" dirty="0">
                           <a:solidFill>
                             <a:srgbClr val="020302"/>
                           </a:solidFill>
                           <a:latin typeface="Adobe Clean"/>
                           <a:cs typeface="Adobe Clean"/>
                         </a:rPr>
-                        <a:t>Standard </a:t>
+                        <a:t>Assistance Standard</a:t>
                       </a:r>
-                      <a:r>
-                        <a:rPr sz="900" spc="0" dirty="0">
-                          <a:solidFill>
-                            <a:srgbClr val="020302"/>
-                          </a:solidFill>
-                          <a:latin typeface="Adobe Clean"/>
-                          <a:cs typeface="Adobe Clean"/>
-                        </a:rPr>
-                        <a:t> Support</a:t>
-                      </a:r>
-                      <a:endParaRPr sz="900" spc="0" dirty="0">
-                        <a:latin typeface="Adobe Clean"/>
-                        <a:cs typeface="Adobe Clean"/>
-                      </a:endParaRPr>
                     </a:p>
                   </a:txBody>
                   <a:tcPr marL="0" marR="0" marT="5715" marB="0" anchor="ctr">
@@ -3190,39 +2727,15 @@
                         </a:spcBef>
                       </a:pPr>
                       <a:r>
-                        <a:rPr sz="900" spc="0">
+                        <a:rPr lang="fr-FR" sz="850" dirty="0">
                           <a:solidFill>
                             <a:srgbClr val="FFFFFF"/>
                           </a:solidFill>
                           <a:latin typeface="Adobe Clean"/>
                           <a:cs typeface="Adobe Clean"/>
                         </a:rPr>
-                        <a:t>Elite</a:t>
+                        <a:t>Assistance Elite</a:t>
                       </a:r>
-                      <a:r>
-                        <a:rPr lang="en-US" sz="900" spc="0">
-                          <a:solidFill>
-                            <a:srgbClr val="FFFFFF"/>
-                          </a:solidFill>
-                          <a:latin typeface="Adobe Clean"/>
-                          <a:cs typeface="Adobe Clean"/>
-                        </a:rPr>
-                        <a:t>  </a:t>
-                      </a:r>
-                      <a:r>
-                        <a:rPr sz="900" spc="0">
-                          <a:solidFill>
-                            <a:srgbClr val="FFFFFF"/>
-                          </a:solidFill>
-                          <a:latin typeface="Adobe Clean"/>
-                          <a:cs typeface="Adobe Clean"/>
-                        </a:rPr>
-                        <a:t>Support</a:t>
-                      </a:r>
-                      <a:endParaRPr sz="900" spc="0">
-                        <a:latin typeface="Adobe Clean"/>
-                        <a:cs typeface="Adobe Clean"/>
-                      </a:endParaRPr>
                     </a:p>
                   </a:txBody>
                   <a:tcPr marL="0" marR="0" marT="8255" marB="0" anchor="ctr">
@@ -3279,19 +2792,15 @@
                         </a:spcBef>
                       </a:pPr>
                       <a:r>
-                        <a:rPr sz="900" b="1" spc="0">
+                        <a:rPr lang="fr-FR" sz="850" b="1" dirty="0">
                           <a:solidFill>
                             <a:srgbClr val="020302"/>
                           </a:solidFill>
                           <a:latin typeface="Adobe Clean"/>
                           <a:cs typeface="Adobe Clean"/>
                         </a:rPr>
-                        <a:t>PRIORITY 1</a:t>
+                        <a:t>PRIORITÉ 1</a:t>
                       </a:r>
-                      <a:endParaRPr sz="900" spc="0">
-                        <a:latin typeface="Adobe Clean"/>
-                        <a:cs typeface="Adobe Clean"/>
-                      </a:endParaRPr>
                     </a:p>
                     <a:p>
                       <a:pPr marL="50165" marR="495300" algn="l">
@@ -3303,19 +2812,14 @@
                         </a:spcBef>
                       </a:pPr>
                       <a:r>
-                        <a:rPr lang="en-US" sz="900" b="0" i="0" u="none" strike="noStrike" spc="0">
+                        <a:rPr lang="fr-FR" sz="850" b="0" i="0" u="none" strike="noStrike" dirty="0">
                           <a:solidFill>
                             <a:srgbClr val="000000"/>
                           </a:solidFill>
-                          <a:effectLst/>
                           <a:latin typeface="Adobe Clean Light"/>
                         </a:rPr>
-                        <a:t>Customer's production business functions are down or have significant data loss or service degradation and immediate attention is required to restore functionality and usability</a:t>
+                        <a:t>Les fonctions commerciales de production du client sont en panne ou présentent une perte de données ou une dégradation importante du service. Une attention immédiate est requise afin de restaurer les fonctionnalités et l’accessibilité</a:t>
                       </a:r>
-                      <a:endParaRPr sz="900" spc="0">
-                        <a:latin typeface="Adobe Clean Light"/>
-                        <a:cs typeface="AdobeClean-Light"/>
-                      </a:endParaRPr>
                     </a:p>
                   </a:txBody>
                   <a:tcPr marL="0" marR="0" marT="0" marB="0" anchor="ctr">
@@ -3353,65 +2857,21 @@
                     <a:bodyPr/>
                     <a:lstStyle/>
                     <a:p>
-                      <a:pPr marL="542925" marR="492125" algn="ctr">
+                      <a:pPr marL="285750" marR="492125" indent="0" algn="ctr">
                         <a:lnSpc>
                           <a:spcPct val="102200"/>
                         </a:lnSpc>
                       </a:pPr>
                       <a:r>
-                        <a:rPr sz="900" spc="0">
+                        <a:rPr lang="fr-FR" sz="850" dirty="0">
                           <a:solidFill>
                             <a:srgbClr val="020302"/>
                           </a:solidFill>
                           <a:latin typeface="AdobeClean-Light"/>
                           <a:cs typeface="AdobeClean-Light"/>
                         </a:rPr>
-                        <a:t>24x7/</a:t>
+                        <a:t>24x7 / 1 heure</a:t>
                       </a:r>
-                      <a:r>
-                        <a:rPr lang="en-US" sz="900" spc="0">
-                          <a:solidFill>
-                            <a:srgbClr val="020302"/>
-                          </a:solidFill>
-                          <a:latin typeface="AdobeClean-Light"/>
-                          <a:cs typeface="AdobeClean-Light"/>
-                        </a:rPr>
-                        <a:t>          </a:t>
-                      </a:r>
-                      <a:r>
-                        <a:rPr sz="900" spc="0">
-                          <a:solidFill>
-                            <a:srgbClr val="020302"/>
-                          </a:solidFill>
-                          <a:latin typeface="AdobeClean-Light"/>
-                          <a:cs typeface="AdobeClean-Light"/>
-                        </a:rPr>
-                        <a:t> 1</a:t>
-                      </a:r>
-                      <a:r>
-                        <a:rPr lang="en-US" sz="900" spc="0">
-                          <a:solidFill>
-                            <a:srgbClr val="020302"/>
-                          </a:solidFill>
-                          <a:latin typeface="AdobeClean-Light"/>
-                          <a:cs typeface="AdobeClean-Light"/>
-                        </a:rPr>
-                        <a:t> </a:t>
-                      </a:r>
-                      <a:r>
-                        <a:rPr sz="900" spc="0">
-                          <a:solidFill>
-                            <a:srgbClr val="020302"/>
-                          </a:solidFill>
-                          <a:latin typeface="AdobeClean-Light"/>
-                          <a:cs typeface="AdobeClean-Light"/>
-                        </a:rPr>
-                        <a:t>hour</a:t>
-                      </a:r>
-                      <a:endParaRPr sz="900" spc="0">
-                        <a:latin typeface="AdobeClean-Light"/>
-                        <a:cs typeface="AdobeClean-Light"/>
-                      </a:endParaRPr>
                     </a:p>
                   </a:txBody>
                   <a:tcPr marL="0" marR="0" marT="0" marB="0" anchor="ctr">
@@ -3455,69 +2915,15 @@
                         </a:lnSpc>
                       </a:pPr>
                       <a:r>
-                        <a:rPr lang="en-US" sz="900" spc="0">
+                        <a:rPr lang="fr-FR" sz="850" dirty="0">
                           <a:solidFill>
                             <a:srgbClr val="020302"/>
                           </a:solidFill>
                           <a:latin typeface="AdobeClean-Light"/>
                           <a:cs typeface="AdobeClean-Light"/>
                         </a:rPr>
-                        <a:t>2</a:t>
+                        <a:t>24x7 / 15 minutes</a:t>
                       </a:r>
-                      <a:r>
-                        <a:rPr sz="900" spc="0">
-                          <a:solidFill>
-                            <a:srgbClr val="020302"/>
-                          </a:solidFill>
-                          <a:latin typeface="AdobeClean-Light"/>
-                          <a:cs typeface="AdobeClean-Light"/>
-                        </a:rPr>
-                        <a:t>4x7 /</a:t>
-                      </a:r>
-                      <a:r>
-                        <a:rPr lang="en-US" sz="900" spc="0">
-                          <a:solidFill>
-                            <a:srgbClr val="020302"/>
-                          </a:solidFill>
-                          <a:latin typeface="AdobeClean-Light"/>
-                          <a:cs typeface="AdobeClean-Light"/>
-                        </a:rPr>
-                        <a:t>  </a:t>
-                      </a:r>
-                      <a:r>
-                        <a:rPr sz="900" spc="0">
-                          <a:solidFill>
-                            <a:srgbClr val="020302"/>
-                          </a:solidFill>
-                          <a:latin typeface="AdobeClean-Light"/>
-                          <a:cs typeface="AdobeClean-Light"/>
-                        </a:rPr>
-                        <a:t> 15</a:t>
-                      </a:r>
-                      <a:r>
-                        <a:rPr lang="en-US" sz="900" spc="0">
-                          <a:solidFill>
-                            <a:srgbClr val="020302"/>
-                          </a:solidFill>
-                          <a:latin typeface="AdobeClean-Light"/>
-                          <a:cs typeface="AdobeClean-Light"/>
-                        </a:rPr>
-                        <a:t> </a:t>
-                      </a:r>
-                      <a:r>
-                        <a:rPr sz="900" spc="0">
-                          <a:solidFill>
-                            <a:srgbClr val="020302"/>
-                          </a:solidFill>
-                          <a:latin typeface="AdobeClean-Light"/>
-                          <a:cs typeface="AdobeClean-Light"/>
-                        </a:rPr>
-                        <a:t>minutes</a:t>
-                      </a:r>
-                      <a:endParaRPr sz="900" spc="0">
-                        <a:latin typeface="AdobeClean-Light"/>
-                        <a:cs typeface="AdobeClean-Light"/>
-                      </a:endParaRPr>
                     </a:p>
                   </a:txBody>
                   <a:tcPr marL="0" marR="0" marT="2540" marB="0" anchor="ctr">
@@ -3579,19 +2985,15 @@
                         </a:spcBef>
                       </a:pPr>
                       <a:r>
-                        <a:rPr sz="900" b="1" spc="0">
+                        <a:rPr lang="fr-FR" sz="850" b="1" dirty="0">
                           <a:solidFill>
                             <a:srgbClr val="020302"/>
                           </a:solidFill>
                           <a:latin typeface="Adobe Clean"/>
                           <a:cs typeface="Adobe Clean"/>
                         </a:rPr>
-                        <a:t>PRIORITY 2</a:t>
+                        <a:t>PRIORITÉ 2</a:t>
                       </a:r>
-                      <a:endParaRPr sz="900" spc="0">
-                        <a:latin typeface="Adobe Clean"/>
-                        <a:cs typeface="Adobe Clean"/>
-                      </a:endParaRPr>
                     </a:p>
                     <a:p>
                       <a:pPr marL="49530" marR="719455" algn="l">
@@ -3603,19 +3005,14 @@
                         </a:spcBef>
                       </a:pPr>
                       <a:r>
-                        <a:rPr lang="en-US" sz="900" b="0" i="0" u="none" strike="noStrike" spc="0">
+                        <a:rPr lang="fr-FR" sz="850" b="0" i="0" u="none" strike="noStrike" dirty="0">
                           <a:solidFill>
                             <a:srgbClr val="000000"/>
                           </a:solidFill>
-                          <a:effectLst/>
                           <a:latin typeface="Adobe Clean Light"/>
                         </a:rPr>
-                        <a:t>Customer's business functions have major service degradation or potential data loss, or a major feature is impacted</a:t>
+                        <a:t>Les fonctions commerciales du client présentent une dégradation importante du service ou une perte potentielle de données. Il est également possible qu’une fonctionnalité majeure soit affectée</a:t>
                       </a:r>
-                      <a:endParaRPr sz="900" spc="0">
-                        <a:latin typeface="Adobe Clean Light"/>
-                        <a:cs typeface="AdobeClean-Light"/>
-                      </a:endParaRPr>
                     </a:p>
                   </a:txBody>
                   <a:tcPr marL="0" marR="0" marT="0" marB="0" anchor="ctr">
@@ -3653,65 +3050,40 @@
                     <a:bodyPr/>
                     <a:lstStyle/>
                     <a:p>
-                      <a:pPr marL="473075" marR="343535" indent="-175895" algn="l">
+                      <a:pPr marL="171450" marR="343535" indent="0" algn="ctr">
                         <a:lnSpc>
                           <a:spcPct val="102200"/>
                         </a:lnSpc>
                       </a:pPr>
                       <a:r>
-                        <a:rPr sz="900" spc="0">
+                        <a:rPr lang="fr-FR" sz="850" dirty="0">
                           <a:solidFill>
                             <a:srgbClr val="020302"/>
                           </a:solidFill>
                           <a:latin typeface="AdobeClean-Light"/>
                           <a:cs typeface="AdobeClean-Light"/>
                         </a:rPr>
-                        <a:t>Business hours</a:t>
+                        <a:t>Heures ouvrables / </a:t>
                       </a:r>
-                      <a:r>
-                        <a:rPr lang="en-US" sz="900" spc="0">
+                      <a:br>
+                        <a:rPr lang="fr-FR" sz="850" dirty="0">
                           <a:solidFill>
                             <a:srgbClr val="020302"/>
                           </a:solidFill>
                           <a:latin typeface="AdobeClean-Light"/>
                           <a:cs typeface="AdobeClean-Light"/>
                         </a:rPr>
-                        <a:t> </a:t>
-                      </a:r>
+                      </a:br>
                       <a:r>
-                        <a:rPr sz="900" spc="0">
+                        <a:rPr lang="fr-FR" sz="850" dirty="0">
                           <a:solidFill>
                             <a:srgbClr val="020302"/>
                           </a:solidFill>
                           <a:latin typeface="AdobeClean-Light"/>
                           <a:cs typeface="AdobeClean-Light"/>
                         </a:rPr>
-                        <a:t>/</a:t>
+                        <a:t>4 heures</a:t>
                       </a:r>
-                      <a:r>
-                        <a:rPr lang="en-US" sz="900" spc="0">
-                          <a:solidFill>
-                            <a:srgbClr val="020302"/>
-                          </a:solidFill>
-                          <a:latin typeface="AdobeClean-Light"/>
-                          <a:cs typeface="AdobeClean-Light"/>
-                        </a:rPr>
-                        <a:t>       </a:t>
-                      </a:r>
-                      <a:r>
-                        <a:rPr sz="900" spc="0">
-                          <a:solidFill>
-                            <a:srgbClr val="020302"/>
-                          </a:solidFill>
-                          <a:latin typeface="AdobeClean-Light"/>
-                          <a:cs typeface="AdobeClean-Light"/>
-                        </a:rPr>
-                        <a:t>4 hours</a:t>
-                      </a:r>
-                      <a:endParaRPr sz="900" spc="0">
-                        <a:latin typeface="AdobeClean-Light"/>
-                        <a:cs typeface="AdobeClean-Light"/>
-                      </a:endParaRPr>
                     </a:p>
                   </a:txBody>
                   <a:tcPr marL="0" marR="0" marT="0" marB="0" anchor="ctr">
@@ -3752,59 +3124,15 @@
                         </a:lnSpc>
                       </a:pPr>
                       <a:r>
-                        <a:rPr sz="900" spc="0">
+                        <a:rPr lang="fr-FR" sz="850" dirty="0">
                           <a:solidFill>
                             <a:srgbClr val="020302"/>
                           </a:solidFill>
                           <a:latin typeface="AdobeClean-Light"/>
                           <a:cs typeface="AdobeClean-Light"/>
                         </a:rPr>
-                        <a:t>24x5 /</a:t>
+                        <a:t>24x5 / 30 minutes</a:t>
                       </a:r>
-                      <a:r>
-                        <a:rPr lang="en-US" sz="900" spc="0">
-                          <a:solidFill>
-                            <a:srgbClr val="020302"/>
-                          </a:solidFill>
-                          <a:latin typeface="AdobeClean-Light"/>
-                          <a:cs typeface="AdobeClean-Light"/>
-                        </a:rPr>
-                        <a:t> </a:t>
-                      </a:r>
-                      <a:r>
-                        <a:rPr sz="900" spc="0">
-                          <a:solidFill>
-                            <a:srgbClr val="020302"/>
-                          </a:solidFill>
-                          <a:latin typeface="AdobeClean-Light"/>
-                          <a:cs typeface="AdobeClean-Light"/>
-                        </a:rPr>
-                        <a:t> 30</a:t>
-                      </a:r>
-                      <a:r>
-                        <a:rPr lang="en-US" sz="900" spc="0">
-                          <a:solidFill>
-                            <a:srgbClr val="020302"/>
-                          </a:solidFill>
-                          <a:latin typeface="AdobeClean-Light"/>
-                          <a:cs typeface="AdobeClean-Light"/>
-                        </a:rPr>
-                        <a:t> m</a:t>
-                      </a:r>
-                      <a:r>
-                        <a:rPr sz="900" spc="0">
-                          <a:solidFill>
-                            <a:srgbClr val="020302"/>
-                          </a:solidFill>
-                          <a:latin typeface="AdobeClean-Light"/>
-                          <a:cs typeface="AdobeClean-Light"/>
-                        </a:rPr>
-                        <a:t>inutes</a:t>
-                      </a:r>
-                      <a:endParaRPr sz="900" spc="0">
-                        <a:latin typeface="AdobeClean-Light"/>
-                        <a:cs typeface="AdobeClean-Light"/>
-                      </a:endParaRPr>
                     </a:p>
                   </a:txBody>
                   <a:tcPr marL="0" marR="0" marT="5080" marB="0" anchor="ctr">
@@ -3863,19 +3191,15 @@
                         </a:spcBef>
                       </a:pPr>
                       <a:r>
-                        <a:rPr sz="900" b="1" spc="0">
+                        <a:rPr lang="fr-FR" sz="850" b="1" dirty="0">
                           <a:solidFill>
                             <a:srgbClr val="020302"/>
                           </a:solidFill>
                           <a:latin typeface="Adobe Clean"/>
                           <a:cs typeface="Adobe Clean"/>
                         </a:rPr>
-                        <a:t>PRIORITY 3</a:t>
+                        <a:t>PRIORITÉ 3</a:t>
                       </a:r>
-                      <a:endParaRPr sz="900" spc="0">
-                        <a:latin typeface="Adobe Clean"/>
-                        <a:cs typeface="Adobe Clean"/>
-                      </a:endParaRPr>
                     </a:p>
                     <a:p>
                       <a:pPr marL="48895" marR="387985" indent="-2540" algn="l">
@@ -3887,19 +3211,14 @@
                         </a:spcBef>
                       </a:pPr>
                       <a:r>
-                        <a:rPr lang="en-US" sz="900" b="0" i="0" u="none" strike="noStrike" spc="0">
+                        <a:rPr lang="fr-FR" sz="850" b="0" i="0" u="none" strike="noStrike" dirty="0">
                           <a:solidFill>
                             <a:srgbClr val="000000"/>
                           </a:solidFill>
-                          <a:effectLst/>
                           <a:latin typeface="Adobe Clean Light"/>
                         </a:rPr>
-                        <a:t>Customer’s business functions have minor to no service degradation but there exists a solution/workaround allowing business functions to continue normally</a:t>
+                        <a:t>Les fonctions commerciales du client présentent une dégradation mineure, voire inexistante, du service, mais il existe une solution/un moyen permettant aux fonctions commerciales de continuer de fonctionner normalement.</a:t>
                       </a:r>
-                      <a:endParaRPr sz="900" spc="0">
-                        <a:latin typeface="AdobeClean-Light"/>
-                        <a:cs typeface="AdobeClean-Light"/>
-                      </a:endParaRPr>
                     </a:p>
                   </a:txBody>
                   <a:tcPr marL="0" marR="0" marT="0" marB="0" anchor="ctr">
@@ -3937,25 +3256,40 @@
                     <a:bodyPr/>
                     <a:lstStyle/>
                     <a:p>
-                      <a:pPr marL="473075" marR="343535" indent="-175895" algn="l">
+                      <a:pPr marL="171450" marR="343535" indent="0" algn="ctr">
                         <a:lnSpc>
                           <a:spcPct val="102200"/>
                         </a:lnSpc>
                       </a:pPr>
                       <a:r>
-                        <a:rPr lang="en-US" sz="900" spc="0">
+                        <a:rPr lang="fr-FR" sz="850" dirty="0">
                           <a:solidFill>
                             <a:srgbClr val="020302"/>
                           </a:solidFill>
                           <a:latin typeface="AdobeClean-Light"/>
                           <a:cs typeface="AdobeClean-Light"/>
                         </a:rPr>
-                        <a:t>Business hours /       6 hours</a:t>
+                        <a:t>Heures ouvrables / </a:t>
                       </a:r>
-                      <a:endParaRPr lang="en-US" sz="900" spc="0">
-                        <a:latin typeface="AdobeClean-Light"/>
-                        <a:cs typeface="AdobeClean-Light"/>
-                      </a:endParaRPr>
+                      <a:br>
+                        <a:rPr lang="fr-FR" sz="850" dirty="0">
+                          <a:solidFill>
+                            <a:srgbClr val="020302"/>
+                          </a:solidFill>
+                          <a:latin typeface="AdobeClean-Light"/>
+                          <a:cs typeface="AdobeClean-Light"/>
+                        </a:rPr>
+                      </a:br>
+                      <a:r>
+                        <a:rPr lang="fr-FR" sz="850" dirty="0">
+                          <a:solidFill>
+                            <a:srgbClr val="020302"/>
+                          </a:solidFill>
+                          <a:latin typeface="AdobeClean-Light"/>
+                          <a:cs typeface="AdobeClean-Light"/>
+                        </a:rPr>
+                        <a:t>6 heures</a:t>
+                      </a:r>
                     </a:p>
                   </a:txBody>
                   <a:tcPr marL="0" marR="0" marT="0" marB="0" anchor="ctr">
@@ -3996,7 +3330,7 @@
                         </a:lnSpc>
                       </a:pPr>
                       <a:r>
-                        <a:rPr lang="en-US" sz="900" spc="0">
+                        <a:rPr lang="fr-FR" sz="850" dirty="0">
                           <a:solidFill>
                             <a:srgbClr val="020302"/>
                           </a:solidFill>
@@ -4007,7 +3341,7 @@
                         <a:t>2</a:t>
                       </a:r>
                       <a:r>
-                        <a:rPr sz="900" spc="0">
+                        <a:rPr lang="fr-FR" sz="850" dirty="0">
                           <a:solidFill>
                             <a:srgbClr val="020302"/>
                           </a:solidFill>
@@ -4015,29 +3349,7 @@
                           <a:ea typeface="+mn-ea"/>
                           <a:cs typeface="AdobeClean-Light"/>
                         </a:rPr>
-                        <a:t>4x5/</a:t>
-                      </a:r>
-                      <a:r>
-                        <a:rPr lang="en-US" sz="900" spc="0">
-                          <a:solidFill>
-                            <a:srgbClr val="020302"/>
-                          </a:solidFill>
-                          <a:latin typeface="AdobeClean-Light"/>
-                          <a:ea typeface="+mn-ea"/>
-                          <a:cs typeface="AdobeClean-Light"/>
-                        </a:rPr>
-                        <a:t>   </a:t>
-                      </a:r>
-                      <a:r>
-                        <a:rPr sz="900" spc="0">
-                          <a:solidFill>
-                            <a:srgbClr val="020302"/>
-                          </a:solidFill>
-                          <a:latin typeface="AdobeClean-Light"/>
-                          <a:ea typeface="+mn-ea"/>
-                          <a:cs typeface="AdobeClean-Light"/>
-                        </a:rPr>
-                        <a:t>1 hour</a:t>
+                        <a:t>4x5 / 1 heure</a:t>
                       </a:r>
                     </a:p>
                   </a:txBody>
@@ -4097,19 +3409,15 @@
                         </a:spcBef>
                       </a:pPr>
                       <a:r>
-                        <a:rPr sz="900" b="1" spc="0">
+                        <a:rPr lang="fr-FR" sz="850" b="1" dirty="0">
                           <a:solidFill>
                             <a:srgbClr val="020302"/>
                           </a:solidFill>
                           <a:latin typeface="Adobe Clean"/>
                           <a:cs typeface="Adobe Clean"/>
                         </a:rPr>
-                        <a:t>PRIORITY 4</a:t>
+                        <a:t>PRIORITÉ 4</a:t>
                       </a:r>
-                      <a:endParaRPr sz="900" spc="0">
-                        <a:latin typeface="Adobe Clean"/>
-                        <a:cs typeface="Adobe Clean"/>
-                      </a:endParaRPr>
                     </a:p>
                     <a:p>
                       <a:pPr marL="62230" algn="l">
@@ -4121,19 +3429,14 @@
                         </a:spcBef>
                       </a:pPr>
                       <a:r>
-                        <a:rPr lang="en-US" sz="900" b="0" i="0" u="none" strike="noStrike" spc="0">
+                        <a:rPr lang="fr-FR" sz="850" b="0" i="0" u="none" strike="noStrike" dirty="0">
                           <a:solidFill>
                             <a:srgbClr val="000000"/>
                           </a:solidFill>
-                          <a:effectLst/>
                           <a:latin typeface="Adobe Clean Light"/>
                         </a:rPr>
-                        <a:t>General question regarding current product functionality or an enhancement request</a:t>
+                        <a:t>Question générale concernant les fonctionnalités actuelles du produit ou une demande d’amélioration</a:t>
                       </a:r>
-                      <a:endParaRPr sz="900" spc="0">
-                        <a:latin typeface="Adobe Clean Light"/>
-                        <a:cs typeface="AdobeClean-Light"/>
-                      </a:endParaRPr>
                     </a:p>
                   </a:txBody>
                   <a:tcPr marL="0" marR="0" marT="0" marB="0" anchor="ctr">
@@ -4171,25 +3474,40 @@
                     <a:bodyPr/>
                     <a:lstStyle/>
                     <a:p>
-                      <a:pPr marL="473075" marR="343535" indent="-175895" algn="l">
+                      <a:pPr marL="231775" marR="343535" indent="0" algn="ctr">
                         <a:lnSpc>
                           <a:spcPct val="102200"/>
                         </a:lnSpc>
                       </a:pPr>
                       <a:r>
-                        <a:rPr lang="en-US" sz="900" spc="0">
+                        <a:rPr lang="fr-FR" sz="850" dirty="0">
                           <a:solidFill>
                             <a:srgbClr val="020302"/>
                           </a:solidFill>
                           <a:latin typeface="AdobeClean-Light"/>
                           <a:cs typeface="AdobeClean-Light"/>
                         </a:rPr>
-                        <a:t>Business days /       3 days</a:t>
+                        <a:t>Jours ouvrables / </a:t>
                       </a:r>
-                      <a:endParaRPr lang="en-US" sz="900" spc="0">
-                        <a:latin typeface="AdobeClean-Light"/>
-                        <a:cs typeface="AdobeClean-Light"/>
-                      </a:endParaRPr>
+                      <a:br>
+                        <a:rPr lang="fr-FR" sz="850" dirty="0">
+                          <a:solidFill>
+                            <a:srgbClr val="020302"/>
+                          </a:solidFill>
+                          <a:latin typeface="AdobeClean-Light"/>
+                          <a:cs typeface="AdobeClean-Light"/>
+                        </a:rPr>
+                      </a:br>
+                      <a:r>
+                        <a:rPr lang="fr-FR" sz="850" dirty="0">
+                          <a:solidFill>
+                            <a:srgbClr val="020302"/>
+                          </a:solidFill>
+                          <a:latin typeface="AdobeClean-Light"/>
+                          <a:cs typeface="AdobeClean-Light"/>
+                        </a:rPr>
+                        <a:t>3 jours</a:t>
+                      </a:r>
                     </a:p>
                   </a:txBody>
                   <a:tcPr marL="0" marR="0" marT="0" marB="0" anchor="ctr">
@@ -4224,25 +3542,40 @@
                     <a:bodyPr/>
                     <a:lstStyle/>
                     <a:p>
-                      <a:pPr marL="473075" marR="343535" indent="-175895" algn="l">
+                      <a:pPr marL="512763" marR="343535" indent="-241300" algn="l">
                         <a:lnSpc>
                           <a:spcPct val="102200"/>
                         </a:lnSpc>
                       </a:pPr>
                       <a:r>
-                        <a:rPr lang="en-US" sz="900" spc="0" dirty="0">
+                        <a:rPr lang="fr-FR" sz="850" dirty="0">
                           <a:solidFill>
                             <a:srgbClr val="020302"/>
                           </a:solidFill>
                           <a:latin typeface="AdobeClean-Light"/>
                           <a:cs typeface="AdobeClean-Light"/>
                         </a:rPr>
-                        <a:t>Business days /       1 day</a:t>
+                        <a:t>Jours ouvrables / </a:t>
                       </a:r>
-                      <a:endParaRPr lang="en-US" sz="900" spc="0" dirty="0">
-                        <a:latin typeface="AdobeClean-Light"/>
-                        <a:cs typeface="AdobeClean-Light"/>
-                      </a:endParaRPr>
+                      <a:br>
+                        <a:rPr lang="fr-FR" sz="850" dirty="0">
+                          <a:solidFill>
+                            <a:srgbClr val="020302"/>
+                          </a:solidFill>
+                          <a:latin typeface="AdobeClean-Light"/>
+                          <a:cs typeface="AdobeClean-Light"/>
+                        </a:rPr>
+                      </a:br>
+                      <a:r>
+                        <a:rPr lang="fr-FR" sz="850" dirty="0">
+                          <a:solidFill>
+                            <a:srgbClr val="020302"/>
+                          </a:solidFill>
+                          <a:latin typeface="AdobeClean-Light"/>
+                          <a:cs typeface="AdobeClean-Light"/>
+                        </a:rPr>
+                        <a:t>1 jour</a:t>
+                      </a:r>
                     </a:p>
                   </a:txBody>
                   <a:tcPr marL="0" marR="0" marT="27940" marB="0" anchor="ctr">
@@ -4321,7 +3654,7 @@
         <p:spPr>
           <a:xfrm>
             <a:off x="97787" y="9888626"/>
-            <a:ext cx="2202180" cy="149860"/>
+            <a:ext cx="2926080" cy="149860"/>
           </a:xfrm>
           <a:prstGeom prst="rect">
             <a:avLst/>
@@ -4342,37 +3675,27 @@
               </a:spcBef>
             </a:pPr>
             <a:r>
-              <a:rPr sz="800" spc="-15">
+              <a:rPr lang="fr-FR" sz="800" dirty="0">
                 <a:solidFill>
                   <a:srgbClr val="6D6D6D"/>
                 </a:solidFill>
                 <a:latin typeface="Adobe Clean"/>
                 <a:cs typeface="Adobe Clean"/>
               </a:rPr>
-              <a:t>©2021 </a:t>
-            </a:r>
-            <a:r>
-              <a:rPr sz="800" spc="-5">
+              <a:t>©2021 Adobe. All </a:t>
+            </a:r>
+            <a:r>
+              <a:rPr lang="fr-FR" sz="800" dirty="0" err="1">
                 <a:solidFill>
                   <a:srgbClr val="6D6D6D"/>
                 </a:solidFill>
                 <a:latin typeface="Adobe Clean"/>
                 <a:cs typeface="Adobe Clean"/>
               </a:rPr>
-              <a:t>Adobe. All</a:t>
-            </a:r>
-            <a:r>
-              <a:rPr sz="800" spc="-15">
-                <a:solidFill>
-                  <a:srgbClr val="6D6D6D"/>
-                </a:solidFill>
-                <a:latin typeface="Adobe Clean"/>
-                <a:cs typeface="Adobe Clean"/>
-              </a:rPr>
-              <a:t> Rights</a:t>
-            </a:r>
-            <a:r>
-              <a:rPr sz="800" spc="-5">
+              <a:t>Rights</a:t>
+            </a:r>
+            <a:r>
+              <a:rPr lang="fr-FR" sz="800" dirty="0">
                 <a:solidFill>
                   <a:srgbClr val="6D6D6D"/>
                 </a:solidFill>
@@ -4382,59 +3705,25 @@
               <a:t> </a:t>
             </a:r>
             <a:r>
-              <a:rPr sz="800" spc="-15">
+              <a:rPr lang="fr-FR" sz="800" dirty="0" err="1">
                 <a:solidFill>
                   <a:srgbClr val="6D6D6D"/>
                 </a:solidFill>
                 <a:latin typeface="Adobe Clean"/>
                 <a:cs typeface="Adobe Clean"/>
               </a:rPr>
-              <a:t>Reserved.</a:t>
-            </a:r>
-            <a:r>
-              <a:rPr sz="800" spc="-10">
+              <a:t>Reserved</a:t>
+            </a:r>
+            <a:r>
+              <a:rPr lang="fr-FR" sz="800" dirty="0">
                 <a:solidFill>
                   <a:srgbClr val="6D6D6D"/>
                 </a:solidFill>
                 <a:latin typeface="Adobe Clean"/>
                 <a:cs typeface="Adobe Clean"/>
               </a:rPr>
-              <a:t> </a:t>
-            </a:r>
-            <a:r>
-              <a:rPr sz="800" spc="-5">
-                <a:solidFill>
-                  <a:srgbClr val="6D6D6D"/>
-                </a:solidFill>
-                <a:latin typeface="Adobe Clean"/>
-                <a:cs typeface="Adobe Clean"/>
-              </a:rPr>
-              <a:t>Adobe</a:t>
-            </a:r>
-            <a:r>
-              <a:rPr sz="800" spc="65">
-                <a:solidFill>
-                  <a:srgbClr val="6D6D6D"/>
-                </a:solidFill>
-                <a:latin typeface="Adobe Clean"/>
-                <a:cs typeface="Adobe Clean"/>
-              </a:rPr>
-              <a:t> </a:t>
-            </a:r>
-            <a:r>
-              <a:rPr sz="800" spc="-15">
-                <a:solidFill>
-                  <a:srgbClr val="6D6D6D"/>
-                </a:solidFill>
-                <a:latin typeface="Adobe Clean"/>
-                <a:cs typeface="Adobe Clean"/>
-              </a:rPr>
-              <a:t>Confidential.</a:t>
-            </a:r>
-            <a:endParaRPr sz="800">
-              <a:latin typeface="Adobe Clean"/>
-              <a:cs typeface="Adobe Clean"/>
-            </a:endParaRPr>
+              <a:t>. Données confidentielles Adobe</a:t>
+            </a:r>
           </a:p>
         </p:txBody>
       </p:sp>
@@ -4467,7 +3756,7 @@
           <a:lstStyle/>
           <a:p>
             <a:r>
-              <a:rPr lang="en-US" sz="700" i="1">
+              <a:rPr lang="fr-FR" sz="700" i="1">
                 <a:solidFill>
                   <a:schemeClr val="bg1"/>
                 </a:solidFill>
@@ -4492,14 +3781,14 @@
           <p:nvPr>
             <p:extLst>
               <p:ext uri="{D42A27DB-BD31-4B8C-83A1-F6EECF244321}">
-                <p14:modId xmlns:p14="http://schemas.microsoft.com/office/powerpoint/2010/main" val="2453616751"/>
+                <p14:modId xmlns:p14="http://schemas.microsoft.com/office/powerpoint/2010/main" val="3776091159"/>
               </p:ext>
             </p:extLst>
           </p:nvPr>
         </p:nvGraphicFramePr>
         <p:xfrm>
           <a:off x="273550" y="2258474"/>
-          <a:ext cx="7281935" cy="4738570"/>
+          <a:ext cx="7281935" cy="4727822"/>
         </p:xfrm>
         <a:graphic>
           <a:graphicData uri="http://schemas.openxmlformats.org/drawingml/2006/table">
@@ -4581,39 +3870,15 @@
                         <a:defRPr/>
                       </a:pPr>
                       <a:r>
-                        <a:rPr lang="en-US" sz="900" spc="-20" dirty="0">
+                        <a:rPr lang="fr-FR" sz="900">
                           <a:solidFill>
                             <a:srgbClr val="404040"/>
                           </a:solidFill>
                           <a:latin typeface="Adobe Clean"/>
                           <a:cs typeface="Adobe Clean"/>
                         </a:rPr>
-                        <a:t>Standard </a:t>
+                        <a:t>Assistance Standard</a:t>
                       </a:r>
-                      <a:r>
-                        <a:rPr lang="en-US" sz="900" spc="-135" dirty="0">
-                          <a:solidFill>
-                            <a:srgbClr val="404040"/>
-                          </a:solidFill>
-                          <a:latin typeface="Adobe Clean"/>
-                          <a:cs typeface="Adobe Clean"/>
-                        </a:rPr>
-                        <a:t> </a:t>
-                      </a:r>
-                      <a:r>
-                        <a:rPr lang="en-US" sz="900" spc="-20" dirty="0">
-                          <a:solidFill>
-                            <a:srgbClr val="404040"/>
-                          </a:solidFill>
-                          <a:latin typeface="Adobe Clean"/>
-                          <a:cs typeface="Adobe Clean"/>
-                        </a:rPr>
-                        <a:t>Support</a:t>
-                      </a:r>
-                      <a:endParaRPr lang="en-US" sz="900" dirty="0">
-                        <a:latin typeface="Adobe Clean"/>
-                        <a:cs typeface="Adobe Clean"/>
-                      </a:endParaRPr>
                     </a:p>
                   </a:txBody>
                   <a:tcPr marL="0" marR="0" marT="7620" marB="0" anchor="ctr">
@@ -4654,29 +3919,15 @@
                         </a:spcBef>
                       </a:pPr>
                       <a:r>
-                        <a:rPr lang="en-US" sz="900" spc="-20">
+                        <a:rPr lang="fr-FR" sz="900">
                           <a:solidFill>
                             <a:srgbClr val="FFFFFF"/>
                           </a:solidFill>
                           <a:latin typeface="Adobe Clean"/>
                           <a:cs typeface="Adobe Clean"/>
                         </a:rPr>
-                        <a:t>Elite </a:t>
+                        <a:t>Assistance Elite</a:t>
                       </a:r>
-                      <a:r>
-                        <a:rPr sz="900" spc="-20">
-                          <a:solidFill>
-                            <a:srgbClr val="FFFFFF"/>
-                          </a:solidFill>
-                          <a:latin typeface="Adobe Clean"/>
-                          <a:cs typeface="Adobe Clean"/>
-                        </a:rPr>
-                        <a:t>Support</a:t>
-                      </a:r>
-                      <a:endParaRPr sz="900">
-                        <a:latin typeface="Adobe Clean"/>
-                        <a:cs typeface="Adobe Clean"/>
-                      </a:endParaRPr>
                     </a:p>
                   </a:txBody>
                   <a:tcPr marL="0" marR="0" marT="7620" marB="0" anchor="ctr">
@@ -4741,7 +3992,7 @@
                     <a:bodyPr/>
                     <a:lstStyle/>
                     <a:p>
-                      <a:pPr marL="0" marR="0" lvl="0" indent="0" algn="ctr" defTabSz="914400" eaLnBrk="1" fontAlgn="auto" latinLnBrk="0" hangingPunct="1">
+                      <a:pPr marL="0" marR="0" lvl="0" indent="0" algn="l" defTabSz="914400" rtl="0" eaLnBrk="1" fontAlgn="auto" latinLnBrk="0" hangingPunct="1">
                         <a:lnSpc>
                           <a:spcPct val="100000"/>
                         </a:lnSpc>
@@ -4822,13 +4073,13 @@
                         <a:defRPr/>
                       </a:pPr>
                       <a:r>
-                        <a:rPr lang="en-US" sz="800" i="1">
+                        <a:rPr lang="fr-FR" sz="800" i="1">
                           <a:solidFill>
                             <a:schemeClr val="bg1"/>
                           </a:solidFill>
                           <a:latin typeface="Adobe Clean Light" panose="020B0303020404020204" pitchFamily="34" charset="0"/>
                         </a:rPr>
-                        <a:t>Paid Support ($)</a:t>
+                        <a:t>Assistance payante ($)</a:t>
                       </a:r>
                     </a:p>
                   </a:txBody>
@@ -4892,22 +4143,15 @@
                         </a:spcBef>
                       </a:pPr>
                       <a:r>
-                        <a:rPr lang="en-US" sz="1000" b="1" i="0" spc="0">
+                        <a:rPr lang="fr-FR" sz="1000" b="1" i="0">
                           <a:solidFill>
                             <a:schemeClr val="bg1"/>
                           </a:solidFill>
                           <a:latin typeface="Adobe Clean" panose="020B0503020404020204" pitchFamily="34" charset="0"/>
                           <a:cs typeface="AdobeClean-Light"/>
                         </a:rPr>
-                        <a:t>Assigned Experts</a:t>
+                        <a:t>Experts assignés</a:t>
                       </a:r>
-                      <a:endParaRPr sz="1000" b="1" i="0" spc="0">
-                        <a:solidFill>
-                          <a:schemeClr val="bg1"/>
-                        </a:solidFill>
-                        <a:latin typeface="Adobe Clean" panose="020B0503020404020204" pitchFamily="34" charset="0"/>
-                        <a:cs typeface="AdobeClean-Light"/>
-                      </a:endParaRPr>
                     </a:p>
                   </a:txBody>
                   <a:tcPr marL="0" marR="0" marT="58419" marB="0" anchor="ctr">
@@ -4954,19 +4198,15 @@
                         </a:spcBef>
                       </a:pPr>
                       <a:r>
-                        <a:rPr sz="900" spc="0">
+                        <a:rPr lang="fr-FR" sz="850" dirty="0">
                           <a:solidFill>
                             <a:srgbClr val="020302"/>
                           </a:solidFill>
                           <a:latin typeface="AdobeClean-Light"/>
                           <a:cs typeface="AdobeClean-Light"/>
                         </a:rPr>
-                        <a:t>Account Support Lead</a:t>
+                        <a:t>Assistance principale du compte</a:t>
                       </a:r>
-                      <a:endParaRPr sz="900" spc="0">
-                        <a:latin typeface="AdobeClean-Light"/>
-                        <a:cs typeface="AdobeClean-Light"/>
-                      </a:endParaRPr>
                     </a:p>
                   </a:txBody>
                   <a:tcPr marL="0" marR="0" marT="58419" marB="0">
@@ -5001,7 +4241,7 @@
                     <a:bodyPr/>
                     <a:lstStyle/>
                     <a:p>
-                      <a:pPr algn="ctr">
+                      <a:pPr algn="l" rtl="0">
                         <a:lnSpc>
                           <a:spcPct val="100000"/>
                         </a:lnSpc>
@@ -5009,7 +4249,7 @@
                           <a:spcPts val="470"/>
                         </a:spcBef>
                       </a:pPr>
-                      <a:endParaRPr sz="900">
+                      <a:endParaRPr sz="850">
                         <a:latin typeface="Wingdings"/>
                         <a:cs typeface="Wingdings"/>
                       </a:endParaRPr>
@@ -5042,7 +4282,7 @@
                     <a:bodyPr/>
                     <a:lstStyle/>
                     <a:p>
-                      <a:pPr algn="ctr">
+                      <a:pPr algn="l" rtl="0">
                         <a:lnSpc>
                           <a:spcPct val="100000"/>
                         </a:lnSpc>
@@ -5050,7 +4290,7 @@
                           <a:spcPts val="470"/>
                         </a:spcBef>
                       </a:pPr>
-                      <a:endParaRPr sz="900">
+                      <a:endParaRPr sz="850">
                         <a:latin typeface="Wingdings"/>
                         <a:cs typeface="Wingdings"/>
                       </a:endParaRPr>
@@ -5085,7 +4325,7 @@
                     <a:bodyPr/>
                     <a:lstStyle/>
                     <a:p>
-                      <a:pPr marL="50800">
+                      <a:pPr marL="50800" algn="l" rtl="0">
                         <a:lnSpc>
                           <a:spcPct val="100000"/>
                         </a:lnSpc>
@@ -5131,19 +4371,15 @@
                         </a:spcBef>
                       </a:pPr>
                       <a:r>
-                        <a:rPr sz="900" spc="0">
+                        <a:rPr lang="fr-FR" sz="850" dirty="0">
                           <a:solidFill>
                             <a:srgbClr val="020302"/>
                           </a:solidFill>
                           <a:latin typeface="AdobeClean-Light"/>
                           <a:cs typeface="AdobeClean-Light"/>
                         </a:rPr>
-                        <a:t>Named Support Engineer</a:t>
+                        <a:t>Ingénieur d’assistance nommé</a:t>
                       </a:r>
-                      <a:endParaRPr sz="900" spc="0">
-                        <a:latin typeface="AdobeClean-Light"/>
-                        <a:cs typeface="AdobeClean-Light"/>
-                      </a:endParaRPr>
                     </a:p>
                   </a:txBody>
                   <a:tcPr marL="0" marR="0" marT="58419" marB="0">
@@ -5166,12 +4402,12 @@
                     <a:bodyPr/>
                     <a:lstStyle/>
                     <a:p>
-                      <a:pPr algn="ctr">
+                      <a:pPr algn="l" rtl="0">
                         <a:lnSpc>
                           <a:spcPct val="100000"/>
                         </a:lnSpc>
                       </a:pPr>
-                      <a:endParaRPr sz="900">
+                      <a:endParaRPr sz="850">
                         <a:latin typeface="Times New Roman"/>
                         <a:cs typeface="Times New Roman"/>
                       </a:endParaRPr>
@@ -5213,7 +4449,7 @@
                         <a:defRPr/>
                       </a:pPr>
                       <a:r>
-                        <a:rPr lang="en-US" sz="900">
+                        <a:rPr lang="fr-FR" sz="850">
                           <a:solidFill>
                             <a:srgbClr val="020302"/>
                           </a:solidFill>
@@ -5222,10 +4458,6 @@
                         </a:rPr>
                         <a:t></a:t>
                       </a:r>
-                      <a:endParaRPr lang="en-US" sz="900">
-                        <a:latin typeface="Wingdings"/>
-                        <a:cs typeface="Wingdings"/>
-                      </a:endParaRPr>
                     </a:p>
                   </a:txBody>
                   <a:tcPr marL="0" marR="0" marT="0" marB="0" anchor="ctr">
@@ -5248,7 +4480,7 @@
                     <a:bodyPr/>
                     <a:lstStyle/>
                     <a:p>
-                      <a:pPr marL="50800">
+                      <a:pPr marL="50800" algn="l" rtl="0">
                         <a:lnSpc>
                           <a:spcPct val="100000"/>
                         </a:lnSpc>
@@ -5306,19 +4538,15 @@
                         </a:spcBef>
                       </a:pPr>
                       <a:r>
-                        <a:rPr sz="900" spc="0">
+                        <a:rPr lang="fr-FR" sz="850" dirty="0">
                           <a:solidFill>
                             <a:srgbClr val="020302"/>
                           </a:solidFill>
                           <a:latin typeface="AdobeClean-Light"/>
                           <a:cs typeface="AdobeClean-Light"/>
                         </a:rPr>
-                        <a:t>Technical Account Manager</a:t>
+                        <a:t>Gestionnaire de compte technique</a:t>
                       </a:r>
-                      <a:endParaRPr sz="900" spc="0">
-                        <a:latin typeface="AdobeClean-Light"/>
-                        <a:cs typeface="AdobeClean-Light"/>
-                      </a:endParaRPr>
                     </a:p>
                   </a:txBody>
                   <a:tcPr marL="0" marR="0" marT="63500" marB="0">
@@ -5347,12 +4575,12 @@
                     <a:bodyPr/>
                     <a:lstStyle/>
                     <a:p>
-                      <a:pPr algn="ctr">
+                      <a:pPr algn="l" rtl="0">
                         <a:lnSpc>
                           <a:spcPct val="100000"/>
                         </a:lnSpc>
                       </a:pPr>
-                      <a:endParaRPr sz="900">
+                      <a:endParaRPr sz="850">
                         <a:latin typeface="Times New Roman"/>
                         <a:cs typeface="Times New Roman"/>
                       </a:endParaRPr>
@@ -5403,7 +4631,7 @@
                         <a:defRPr/>
                       </a:pPr>
                       <a:r>
-                        <a:rPr lang="en-US" sz="900">
+                        <a:rPr lang="fr-FR" sz="850">
                           <a:solidFill>
                             <a:srgbClr val="020302"/>
                           </a:solidFill>
@@ -5412,10 +4640,6 @@
                         </a:rPr>
                         <a:t></a:t>
                       </a:r>
-                      <a:endParaRPr lang="en-US" sz="900">
-                        <a:latin typeface="Wingdings"/>
-                        <a:cs typeface="Wingdings"/>
-                      </a:endParaRPr>
                     </a:p>
                   </a:txBody>
                   <a:tcPr marL="0" marR="0" marT="0" marB="0" anchor="ctr">
@@ -5456,22 +4680,15 @@
                         </a:spcBef>
                       </a:pPr>
                       <a:r>
-                        <a:rPr lang="en-US" sz="1000" b="1" i="0" spc="0">
+                        <a:rPr lang="fr-FR" sz="1000" b="1" i="0" dirty="0">
                           <a:solidFill>
                             <a:schemeClr val="bg1"/>
                           </a:solidFill>
                           <a:latin typeface="Adobe Clean" panose="020B0503020404020204" pitchFamily="34" charset="0"/>
                           <a:cs typeface="AdobeClean-Light"/>
                         </a:rPr>
-                        <a:t>Support Services</a:t>
+                        <a:t>Services d’assistance</a:t>
                       </a:r>
-                      <a:endParaRPr sz="1000" b="1" i="0" spc="0">
-                        <a:solidFill>
-                          <a:schemeClr val="bg1"/>
-                        </a:solidFill>
-                        <a:latin typeface="Adobe Clean" panose="020B0503020404020204" pitchFamily="34" charset="0"/>
-                        <a:cs typeface="AdobeClean-Light"/>
-                      </a:endParaRPr>
                     </a:p>
                   </a:txBody>
                   <a:tcPr marL="0" marR="0" marT="57150" marB="0" anchor="ctr">
@@ -5527,29 +4744,15 @@
                         </a:spcBef>
                       </a:pPr>
                       <a:r>
-                        <a:rPr lang="en-US" sz="900" spc="0">
+                        <a:rPr lang="fr-FR" sz="850">
                           <a:solidFill>
                             <a:srgbClr val="020302"/>
                           </a:solidFill>
                           <a:latin typeface="AdobeClean-Light"/>
                           <a:cs typeface="AdobeClean-Light"/>
                         </a:rPr>
-                        <a:t>Online</a:t>
+                        <a:t>Assistance en ligne</a:t>
                       </a:r>
-                      <a:r>
-                        <a:rPr sz="900" spc="0">
-                          <a:solidFill>
-                            <a:srgbClr val="020302"/>
-                          </a:solidFill>
-                          <a:latin typeface="AdobeClean-Light"/>
-                          <a:cs typeface="AdobeClean-Light"/>
-                        </a:rPr>
-                        <a:t> Support</a:t>
-                      </a:r>
-                      <a:endParaRPr sz="900" spc="0">
-                        <a:latin typeface="AdobeClean-Light"/>
-                        <a:cs typeface="AdobeClean-Light"/>
-                      </a:endParaRPr>
                     </a:p>
                   </a:txBody>
                   <a:tcPr marL="0" marR="0" marT="57150" marB="0">
@@ -5587,39 +4790,15 @@
                         </a:spcBef>
                       </a:pPr>
                       <a:r>
-                        <a:rPr sz="900" spc="-25">
+                        <a:rPr lang="fr-FR" sz="850">
                           <a:solidFill>
                             <a:srgbClr val="020302"/>
                           </a:solidFill>
                           <a:latin typeface="AdobeClean-Light"/>
                           <a:cs typeface="AdobeClean-Light"/>
                         </a:rPr>
-                        <a:t>Business</a:t>
+                        <a:t>Heures d’ouverture</a:t>
                       </a:r>
-                      <a:r>
-                        <a:rPr sz="900" spc="-15">
-                          <a:solidFill>
-                            <a:srgbClr val="020302"/>
-                          </a:solidFill>
-                          <a:latin typeface="AdobeClean-Light"/>
-                          <a:cs typeface="AdobeClean-Light"/>
-                        </a:rPr>
-                        <a:t> </a:t>
-                      </a:r>
-                      <a:r>
-                        <a:rPr sz="900" spc="-30">
-                          <a:solidFill>
-                            <a:srgbClr val="020302"/>
-                          </a:solidFill>
-                          <a:latin typeface="AdobeClean-Light"/>
-                          <a:cs typeface="AdobeClean-Light"/>
-                        </a:rPr>
-                        <a:t>hours</a:t>
-                      </a:r>
-                      <a:endParaRPr sz="900">
-                        <a:latin typeface="AdobeClean-Light"/>
-                        <a:cs typeface="AdobeClean-Light"/>
-                      </a:endParaRPr>
                     </a:p>
                   </a:txBody>
                   <a:tcPr marL="0" marR="0" marT="67945" marB="0">
@@ -5658,7 +4837,7 @@
                         </a:spcBef>
                       </a:pPr>
                       <a:r>
-                        <a:rPr lang="en-US" sz="900" spc="-25">
+                        <a:rPr lang="fr-FR" sz="850">
                           <a:solidFill>
                             <a:srgbClr val="020302"/>
                           </a:solidFill>
@@ -5667,10 +4846,6 @@
                         </a:rPr>
                         <a:t>24x5</a:t>
                       </a:r>
-                      <a:endParaRPr sz="900">
-                        <a:latin typeface="AdobeClean-Light"/>
-                        <a:cs typeface="AdobeClean-Light"/>
-                      </a:endParaRPr>
                     </a:p>
                   </a:txBody>
                   <a:tcPr marL="0" marR="0" marT="67945" marB="0" anchor="ctr">
@@ -5702,7 +4877,7 @@
                     <a:bodyPr/>
                     <a:lstStyle/>
                     <a:p>
-                      <a:pPr marL="50800">
+                      <a:pPr marL="50800" algn="l" rtl="0">
                         <a:lnSpc>
                           <a:spcPct val="100000"/>
                         </a:lnSpc>
@@ -5751,39 +4926,15 @@
                         </a:spcBef>
                       </a:pPr>
                       <a:r>
-                        <a:rPr sz="900" spc="0">
+                        <a:rPr lang="fr-FR" sz="850" dirty="0">
                           <a:solidFill>
                             <a:srgbClr val="020302"/>
                           </a:solidFill>
                           <a:latin typeface="AdobeClean-Light"/>
                           <a:cs typeface="AdobeClean-Light"/>
                         </a:rPr>
-                        <a:t>24x7</a:t>
+                        <a:t>Assistance en cas de problèmes P1 24x7x365</a:t>
                       </a:r>
-                      <a:r>
-                        <a:rPr lang="en-US" sz="900" spc="0">
-                          <a:solidFill>
-                            <a:srgbClr val="020302"/>
-                          </a:solidFill>
-                          <a:latin typeface="AdobeClean-Light"/>
-                          <a:cs typeface="AdobeClean-Light"/>
-                        </a:rPr>
-                        <a:t>x365</a:t>
-                      </a:r>
-                      <a:r>
-                        <a:rPr sz="900" spc="0">
-                          <a:solidFill>
-                            <a:srgbClr val="020302"/>
-                          </a:solidFill>
-                          <a:latin typeface="AdobeClean-Light"/>
-                          <a:cs typeface="AdobeClean-Light"/>
-                        </a:rPr>
-                        <a:t> P1 Issue Support</a:t>
-                      </a:r>
-                      <a:endParaRPr sz="900" spc="0">
-                        <a:latin typeface="AdobeClean-Light"/>
-                        <a:cs typeface="AdobeClean-Light"/>
-                      </a:endParaRPr>
                     </a:p>
                   </a:txBody>
                   <a:tcPr marL="0" marR="0" marT="57785" marB="0">
@@ -5815,7 +4966,7 @@
                         </a:spcBef>
                       </a:pPr>
                       <a:r>
-                        <a:rPr sz="900">
+                        <a:rPr lang="fr-FR" sz="850">
                           <a:solidFill>
                             <a:srgbClr val="020302"/>
                           </a:solidFill>
@@ -5824,10 +4975,6 @@
                         </a:rPr>
                         <a:t></a:t>
                       </a:r>
-                      <a:endParaRPr sz="900">
-                        <a:latin typeface="Wingdings"/>
-                        <a:cs typeface="Wingdings"/>
-                      </a:endParaRPr>
                     </a:p>
                   </a:txBody>
                   <a:tcPr marL="0" marR="0" marT="58419" marB="0">
@@ -5857,7 +5004,7 @@
                         </a:spcBef>
                       </a:pPr>
                       <a:r>
-                        <a:rPr sz="900">
+                        <a:rPr lang="fr-FR" sz="850">
                           <a:solidFill>
                             <a:srgbClr val="020302"/>
                           </a:solidFill>
@@ -5866,10 +5013,6 @@
                         </a:rPr>
                         <a:t></a:t>
                       </a:r>
-                      <a:endParaRPr sz="900">
-                        <a:latin typeface="Wingdings"/>
-                        <a:cs typeface="Wingdings"/>
-                      </a:endParaRPr>
                     </a:p>
                   </a:txBody>
                   <a:tcPr marL="0" marR="0" marT="58419" marB="0" anchor="ctr">
@@ -5892,7 +5035,7 @@
                     <a:bodyPr/>
                     <a:lstStyle/>
                     <a:p>
-                      <a:pPr marL="50800">
+                      <a:pPr marL="50800" algn="l" rtl="0">
                         <a:lnSpc>
                           <a:spcPct val="100000"/>
                         </a:lnSpc>
@@ -5950,19 +5093,15 @@
                         </a:spcBef>
                       </a:pPr>
                       <a:r>
-                        <a:rPr lang="en-US" sz="900" spc="0">
+                        <a:rPr lang="fr-FR" sz="850" dirty="0">
                           <a:solidFill>
                             <a:srgbClr val="020302"/>
                           </a:solidFill>
                           <a:latin typeface="AdobeClean-Light"/>
                           <a:cs typeface="AdobeClean-Light"/>
                         </a:rPr>
-                        <a:t>Named Support Contacts (per product)</a:t>
+                        <a:t>Contacts d’assistance nommés (par produit)</a:t>
                       </a:r>
-                      <a:endParaRPr sz="900" spc="0">
-                        <a:latin typeface="AdobeClean-Light"/>
-                        <a:cs typeface="AdobeClean-Light"/>
-                      </a:endParaRPr>
                     </a:p>
                   </a:txBody>
                   <a:tcPr marL="0" marR="0" marT="57785" marB="0">
@@ -6000,7 +5139,7 @@
                         </a:spcBef>
                       </a:pPr>
                       <a:r>
-                        <a:rPr sz="900">
+                        <a:rPr lang="fr-FR" sz="850">
                           <a:solidFill>
                             <a:srgbClr val="020302"/>
                           </a:solidFill>
@@ -6009,10 +5148,6 @@
                         </a:rPr>
                         <a:t>4</a:t>
                       </a:r>
-                      <a:endParaRPr sz="900">
-                        <a:latin typeface="AdobeClean-Light"/>
-                        <a:cs typeface="AdobeClean-Light"/>
-                      </a:endParaRPr>
                     </a:p>
                   </a:txBody>
                   <a:tcPr marL="0" marR="0" marT="57785" marB="0">
@@ -6042,7 +5177,7 @@
                         </a:spcBef>
                       </a:pPr>
                       <a:r>
-                        <a:rPr lang="en-US" sz="900">
+                        <a:rPr lang="fr-FR" sz="850">
                           <a:solidFill>
                             <a:srgbClr val="020302"/>
                           </a:solidFill>
@@ -6051,10 +5186,6 @@
                         </a:rPr>
                         <a:t>15</a:t>
                       </a:r>
-                      <a:endParaRPr sz="900">
-                        <a:latin typeface="AdobeClean-Light"/>
-                        <a:cs typeface="AdobeClean-Light"/>
-                      </a:endParaRPr>
                     </a:p>
                   </a:txBody>
                   <a:tcPr marL="0" marR="0" marT="57785" marB="0" anchor="ctr">
@@ -6077,7 +5208,7 @@
                     <a:bodyPr/>
                     <a:lstStyle/>
                     <a:p>
-                      <a:pPr marL="50800">
+                      <a:pPr marL="50800" algn="l" rtl="0">
                         <a:lnSpc>
                           <a:spcPct val="100000"/>
                         </a:lnSpc>
@@ -6126,19 +5257,15 @@
                         </a:spcBef>
                       </a:pPr>
                       <a:r>
-                        <a:rPr lang="en-US" sz="900" spc="0">
+                        <a:rPr lang="fr-FR" sz="850" dirty="0">
                           <a:solidFill>
                             <a:srgbClr val="020302"/>
                           </a:solidFill>
                           <a:latin typeface="AdobeClean-Light"/>
                           <a:cs typeface="AdobeClean-Light"/>
                         </a:rPr>
-                        <a:t>Live Telephone Support</a:t>
+                        <a:t>Assistance téléphonique en direct</a:t>
                       </a:r>
-                      <a:endParaRPr sz="900" spc="0">
-                        <a:latin typeface="AdobeClean-Light"/>
-                        <a:cs typeface="AdobeClean-Light"/>
-                      </a:endParaRPr>
                     </a:p>
                   </a:txBody>
                   <a:tcPr marL="0" marR="0" marT="57785" marB="0">
@@ -6161,7 +5288,7 @@
                     <a:bodyPr/>
                     <a:lstStyle/>
                     <a:p>
-                      <a:pPr algn="ctr">
+                      <a:pPr algn="l" rtl="0">
                         <a:lnSpc>
                           <a:spcPct val="100000"/>
                         </a:lnSpc>
@@ -6169,7 +5296,7 @@
                           <a:spcPts val="464"/>
                         </a:spcBef>
                       </a:pPr>
-                      <a:endParaRPr sz="900">
+                      <a:endParaRPr sz="850">
                         <a:latin typeface="Wingdings"/>
                         <a:cs typeface="Wingdings"/>
                       </a:endParaRPr>
@@ -6202,7 +5329,7 @@
                         </a:spcBef>
                       </a:pPr>
                       <a:r>
-                        <a:rPr sz="900">
+                        <a:rPr lang="fr-FR" sz="850">
                           <a:solidFill>
                             <a:srgbClr val="020302"/>
                           </a:solidFill>
@@ -6211,10 +5338,6 @@
                         </a:rPr>
                         <a:t></a:t>
                       </a:r>
-                      <a:endParaRPr sz="900">
-                        <a:latin typeface="Wingdings"/>
-                        <a:cs typeface="Wingdings"/>
-                      </a:endParaRPr>
                     </a:p>
                   </a:txBody>
                   <a:tcPr marL="0" marR="0" marT="59054" marB="0" anchor="ctr">
@@ -6237,7 +5360,7 @@
                     <a:bodyPr/>
                     <a:lstStyle/>
                     <a:p>
-                      <a:pPr marL="50800">
+                      <a:pPr marL="50800" algn="l" rtl="0">
                         <a:lnSpc>
                           <a:spcPct val="100000"/>
                         </a:lnSpc>
@@ -6286,19 +5409,15 @@
                         </a:spcBef>
                       </a:pPr>
                       <a:r>
-                        <a:rPr sz="900" spc="0">
+                        <a:rPr lang="fr-FR" sz="850" dirty="0">
                           <a:solidFill>
                             <a:srgbClr val="020302"/>
                           </a:solidFill>
                           <a:latin typeface="AdobeClean-Light"/>
                           <a:cs typeface="AdobeClean-Light"/>
                         </a:rPr>
-                        <a:t>Escalation Management</a:t>
+                        <a:t>Gestion des remontées d’informations</a:t>
                       </a:r>
-                      <a:endParaRPr sz="900" spc="0">
-                        <a:latin typeface="AdobeClean-Light"/>
-                        <a:cs typeface="AdobeClean-Light"/>
-                      </a:endParaRPr>
                     </a:p>
                   </a:txBody>
                   <a:tcPr marL="0" marR="0" marT="58419" marB="0">
@@ -6321,7 +5440,7 @@
                     <a:bodyPr/>
                     <a:lstStyle/>
                     <a:p>
-                      <a:pPr algn="ctr">
+                      <a:pPr algn="l" rtl="0">
                         <a:lnSpc>
                           <a:spcPct val="100000"/>
                         </a:lnSpc>
@@ -6329,7 +5448,7 @@
                           <a:spcPts val="470"/>
                         </a:spcBef>
                       </a:pPr>
-                      <a:endParaRPr sz="900">
+                      <a:endParaRPr sz="850">
                         <a:latin typeface="Wingdings"/>
                         <a:cs typeface="Wingdings"/>
                       </a:endParaRPr>
@@ -6362,7 +5481,7 @@
                         </a:spcBef>
                       </a:pPr>
                       <a:r>
-                        <a:rPr sz="900">
+                        <a:rPr lang="fr-FR" sz="850">
                           <a:solidFill>
                             <a:srgbClr val="020302"/>
                           </a:solidFill>
@@ -6371,10 +5490,6 @@
                         </a:rPr>
                         <a:t></a:t>
                       </a:r>
-                      <a:endParaRPr sz="900">
-                        <a:latin typeface="Wingdings"/>
-                        <a:cs typeface="Wingdings"/>
-                      </a:endParaRPr>
                     </a:p>
                   </a:txBody>
                   <a:tcPr marL="0" marR="0" marT="59690" marB="0" anchor="ctr">
@@ -6397,7 +5512,7 @@
                     <a:bodyPr/>
                     <a:lstStyle/>
                     <a:p>
-                      <a:pPr marL="50800">
+                      <a:pPr marL="50800" algn="l" rtl="0">
                         <a:lnSpc>
                           <a:spcPct val="100000"/>
                         </a:lnSpc>
@@ -6446,29 +5561,15 @@
                         </a:spcBef>
                       </a:pPr>
                       <a:r>
-                        <a:rPr sz="900" spc="0">
+                        <a:rPr lang="fr-FR" sz="850">
                           <a:solidFill>
                             <a:srgbClr val="020302"/>
                           </a:solidFill>
                           <a:latin typeface="AdobeClean-Light"/>
                           <a:cs typeface="AdobeClean-Light"/>
                         </a:rPr>
-                        <a:t>Service Reviews </a:t>
+                        <a:t>Examens de service par an</a:t>
                       </a:r>
-                      <a:r>
-                        <a:rPr lang="en-US" sz="900" spc="0">
-                          <a:solidFill>
-                            <a:srgbClr val="020302"/>
-                          </a:solidFill>
-                          <a:latin typeface="AdobeClean-Light"/>
-                          <a:cs typeface="AdobeClean-Light"/>
-                        </a:rPr>
-                        <a:t>per Year</a:t>
-                      </a:r>
-                      <a:endParaRPr sz="900" spc="0">
-                        <a:latin typeface="AdobeClean-Light"/>
-                        <a:cs typeface="AdobeClean-Light"/>
-                      </a:endParaRPr>
                     </a:p>
                   </a:txBody>
                   <a:tcPr marL="0" marR="0" marT="57150" marB="0">
@@ -6491,12 +5592,12 @@
                     <a:bodyPr/>
                     <a:lstStyle/>
                     <a:p>
-                      <a:pPr>
+                      <a:pPr algn="l" rtl="0">
                         <a:lnSpc>
                           <a:spcPct val="100000"/>
                         </a:lnSpc>
                       </a:pPr>
-                      <a:endParaRPr sz="900">
+                      <a:endParaRPr sz="850">
                         <a:latin typeface="Times New Roman"/>
                         <a:cs typeface="Times New Roman"/>
                       </a:endParaRPr>
@@ -6526,16 +5627,12 @@
                         </a:lnSpc>
                       </a:pPr>
                       <a:r>
-                        <a:rPr lang="en-US" sz="900">
+                        <a:rPr lang="fr-FR" sz="850">
                           <a:latin typeface="Times New Roman"/>
                           <a:cs typeface="Times New Roman"/>
                         </a:rPr>
                         <a:t>4</a:t>
                       </a:r>
-                      <a:endParaRPr sz="900">
-                        <a:latin typeface="Times New Roman"/>
-                        <a:cs typeface="Times New Roman"/>
-                      </a:endParaRPr>
                     </a:p>
                   </a:txBody>
                   <a:tcPr marL="0" marR="0" marT="0" marB="0" anchor="ctr">
@@ -6577,16 +5674,12 @@
                         </a:spcBef>
                       </a:pPr>
                       <a:r>
-                        <a:rPr lang="en-US" sz="900" spc="0">
+                        <a:rPr lang="fr-FR" sz="850" dirty="0">
                           <a:latin typeface="AdobeClean-Light"/>
                           <a:cs typeface="AdobeClean-Light"/>
                         </a:rPr>
-                        <a:t>Expert Sessions per Year</a:t>
+                        <a:t>Sessions d’experts par an</a:t>
                       </a:r>
-                      <a:endParaRPr sz="900" spc="0">
-                        <a:latin typeface="AdobeClean-Light"/>
-                        <a:cs typeface="AdobeClean-Light"/>
-                      </a:endParaRPr>
                     </a:p>
                   </a:txBody>
                   <a:tcPr marL="0" marR="0" marT="57150" marB="0">
@@ -6615,12 +5708,12 @@
                     <a:bodyPr/>
                     <a:lstStyle/>
                     <a:p>
-                      <a:pPr>
+                      <a:pPr algn="l" rtl="0">
                         <a:lnSpc>
                           <a:spcPct val="100000"/>
                         </a:lnSpc>
                       </a:pPr>
-                      <a:endParaRPr sz="900">
+                      <a:endParaRPr sz="850">
                         <a:latin typeface="Times New Roman"/>
                         <a:cs typeface="Times New Roman"/>
                       </a:endParaRPr>
@@ -6650,16 +5743,12 @@
                         </a:lnSpc>
                       </a:pPr>
                       <a:r>
-                        <a:rPr lang="en-US" sz="900">
+                        <a:rPr lang="fr-FR" sz="850">
                           <a:latin typeface="Times New Roman"/>
                           <a:cs typeface="Times New Roman"/>
                         </a:rPr>
                         <a:t>4</a:t>
                       </a:r>
-                      <a:endParaRPr sz="900">
-                        <a:latin typeface="Times New Roman"/>
-                        <a:cs typeface="Times New Roman"/>
-                      </a:endParaRPr>
                     </a:p>
                   </a:txBody>
                   <a:tcPr marL="0" marR="0" marT="0" marB="0" anchor="ctr">
@@ -6701,16 +5790,12 @@
                         </a:spcBef>
                       </a:pPr>
                       <a:r>
-                        <a:rPr lang="en-US" sz="900" spc="0">
+                        <a:rPr lang="fr-FR" sz="850" dirty="0">
                           <a:latin typeface="AdobeClean-Light"/>
                           <a:cs typeface="AdobeClean-Light"/>
                         </a:rPr>
-                        <a:t>Case Reviews</a:t>
+                        <a:t>Examens de cas</a:t>
                       </a:r>
-                      <a:endParaRPr sz="900" spc="0">
-                        <a:latin typeface="AdobeClean-Light"/>
-                        <a:cs typeface="AdobeClean-Light"/>
-                      </a:endParaRPr>
                     </a:p>
                   </a:txBody>
                   <a:tcPr marL="0" marR="0" marT="57150" marB="0">
@@ -6739,12 +5824,12 @@
                     <a:bodyPr/>
                     <a:lstStyle/>
                     <a:p>
-                      <a:pPr>
+                      <a:pPr algn="l" rtl="0">
                         <a:lnSpc>
                           <a:spcPct val="100000"/>
                         </a:lnSpc>
                       </a:pPr>
-                      <a:endParaRPr sz="900">
+                      <a:endParaRPr sz="850">
                         <a:latin typeface="Times New Roman"/>
                         <a:cs typeface="Times New Roman"/>
                       </a:endParaRPr>
@@ -6786,7 +5871,7 @@
                         <a:defRPr/>
                       </a:pPr>
                       <a:r>
-                        <a:rPr lang="en-US" sz="900">
+                        <a:rPr lang="fr-FR" sz="850">
                           <a:solidFill>
                             <a:srgbClr val="020302"/>
                           </a:solidFill>
@@ -6795,10 +5880,6 @@
                         </a:rPr>
                         <a:t></a:t>
                       </a:r>
-                      <a:endParaRPr lang="en-US" sz="900">
-                        <a:latin typeface="Wingdings"/>
-                        <a:cs typeface="Wingdings"/>
-                      </a:endParaRPr>
                     </a:p>
                   </a:txBody>
                   <a:tcPr marL="0" marR="0" marT="0" marB="0" anchor="ctr">
@@ -6821,7 +5902,7 @@
                     <a:bodyPr/>
                     <a:lstStyle/>
                     <a:p>
-                      <a:pPr marL="48895">
+                      <a:pPr marL="48895" algn="l" rtl="0">
                         <a:lnSpc>
                           <a:spcPct val="100000"/>
                         </a:lnSpc>
@@ -6879,29 +5960,15 @@
                         </a:spcBef>
                       </a:pPr>
                       <a:r>
-                        <a:rPr sz="900" spc="0">
+                        <a:rPr lang="fr-FR" sz="850">
                           <a:solidFill>
                             <a:srgbClr val="020302"/>
                           </a:solidFill>
                           <a:latin typeface="AdobeClean-Light"/>
                           <a:cs typeface="AdobeClean-Light"/>
                         </a:rPr>
-                        <a:t>Event </a:t>
+                        <a:t>Gestion des événements</a:t>
                       </a:r>
-                      <a:r>
-                        <a:rPr lang="en-US" sz="900" spc="0">
-                          <a:solidFill>
-                            <a:srgbClr val="020302"/>
-                          </a:solidFill>
-                          <a:latin typeface="AdobeClean-Light"/>
-                          <a:cs typeface="AdobeClean-Light"/>
-                        </a:rPr>
-                        <a:t>Management</a:t>
-                      </a:r>
-                      <a:endParaRPr sz="900" spc="0">
-                        <a:latin typeface="AdobeClean-Light"/>
-                        <a:cs typeface="AdobeClean-Light"/>
-                      </a:endParaRPr>
                     </a:p>
                   </a:txBody>
                   <a:tcPr marL="0" marR="0" marT="58419" marB="0">
@@ -6930,12 +5997,12 @@
                     <a:bodyPr/>
                     <a:lstStyle/>
                     <a:p>
-                      <a:pPr>
+                      <a:pPr algn="l" rtl="0">
                         <a:lnSpc>
                           <a:spcPct val="100000"/>
                         </a:lnSpc>
                       </a:pPr>
-                      <a:endParaRPr sz="900">
+                      <a:endParaRPr sz="850">
                         <a:latin typeface="Times New Roman"/>
                         <a:cs typeface="Times New Roman"/>
                       </a:endParaRPr>
@@ -6977,7 +6044,7 @@
                         <a:defRPr/>
                       </a:pPr>
                       <a:r>
-                        <a:rPr lang="en-US" sz="900">
+                        <a:rPr lang="fr-FR" sz="850">
                           <a:solidFill>
                             <a:srgbClr val="020302"/>
                           </a:solidFill>
@@ -6986,10 +6053,6 @@
                         </a:rPr>
                         <a:t></a:t>
                       </a:r>
-                      <a:endParaRPr lang="en-US" sz="900">
-                        <a:latin typeface="Wingdings"/>
-                        <a:cs typeface="Wingdings"/>
-                      </a:endParaRPr>
                     </a:p>
                   </a:txBody>
                   <a:tcPr marL="0" marR="0" marT="0" marB="0" anchor="ctr">
@@ -7012,7 +6075,7 @@
                     <a:bodyPr/>
                     <a:lstStyle/>
                     <a:p>
-                      <a:pPr marL="48895">
+                      <a:pPr marL="48895" algn="l" rtl="0">
                         <a:lnSpc>
                           <a:spcPct val="100000"/>
                         </a:lnSpc>
@@ -7061,39 +6124,15 @@
                         </a:spcBef>
                       </a:pPr>
                       <a:r>
-                        <a:rPr sz="900" spc="0">
+                        <a:rPr lang="fr-FR" sz="850" dirty="0">
                           <a:solidFill>
                             <a:srgbClr val="020302"/>
                           </a:solidFill>
                           <a:latin typeface="AdobeClean-Light"/>
                           <a:cs typeface="AdobeClean-Light"/>
                         </a:rPr>
-                        <a:t>Environment</a:t>
+                        <a:t>Examen, maintenance et surveillance de l’environnement</a:t>
                       </a:r>
-                      <a:r>
-                        <a:rPr lang="en-US" sz="900" spc="0">
-                          <a:solidFill>
-                            <a:srgbClr val="020302"/>
-                          </a:solidFill>
-                          <a:latin typeface="AdobeClean-Light"/>
-                          <a:cs typeface="AdobeClean-Light"/>
-                        </a:rPr>
-                        <a:t> </a:t>
-                      </a:r>
-                      <a:r>
-                        <a:rPr sz="900" spc="0">
-                          <a:solidFill>
-                            <a:srgbClr val="020302"/>
-                          </a:solidFill>
-                          <a:latin typeface="AdobeClean-Light"/>
-                          <a:cs typeface="AdobeClean-Light"/>
-                        </a:rPr>
-                        <a:t>Review, Maintenance &amp; Monitoring</a:t>
-                      </a:r>
-                      <a:endParaRPr sz="900" spc="0">
-                        <a:latin typeface="AdobeClean-Light"/>
-                        <a:cs typeface="AdobeClean-Light"/>
-                      </a:endParaRPr>
                     </a:p>
                   </a:txBody>
                   <a:tcPr marL="0" marR="0" marT="59055" marB="0">
@@ -7116,12 +6155,12 @@
                     <a:bodyPr/>
                     <a:lstStyle/>
                     <a:p>
-                      <a:pPr>
+                      <a:pPr algn="l" rtl="0">
                         <a:lnSpc>
                           <a:spcPct val="100000"/>
                         </a:lnSpc>
                       </a:pPr>
-                      <a:endParaRPr sz="900">
+                      <a:endParaRPr sz="850">
                         <a:latin typeface="Times New Roman"/>
                         <a:cs typeface="Times New Roman"/>
                       </a:endParaRPr>
@@ -7163,7 +6202,7 @@
                         <a:defRPr/>
                       </a:pPr>
                       <a:r>
-                        <a:rPr lang="en-US" sz="900">
+                        <a:rPr lang="fr-FR" sz="850">
                           <a:solidFill>
                             <a:srgbClr val="020302"/>
                           </a:solidFill>
@@ -7172,10 +6211,6 @@
                         </a:rPr>
                         <a:t></a:t>
                       </a:r>
-                      <a:endParaRPr lang="en-US" sz="900">
-                        <a:latin typeface="Wingdings"/>
-                        <a:cs typeface="Wingdings"/>
-                      </a:endParaRPr>
                     </a:p>
                   </a:txBody>
                   <a:tcPr marL="0" marR="0" marT="0" marB="0" anchor="ctr">
@@ -7198,7 +6233,7 @@
                     <a:bodyPr/>
                     <a:lstStyle/>
                     <a:p>
-                      <a:pPr marL="49530">
+                      <a:pPr marL="49530" algn="l" rtl="0">
                         <a:lnSpc>
                           <a:spcPct val="100000"/>
                         </a:lnSpc>
@@ -7247,19 +6282,15 @@
                         </a:spcBef>
                       </a:pPr>
                       <a:r>
-                        <a:rPr sz="900" spc="0">
+                        <a:rPr lang="fr-FR" sz="850" dirty="0">
                           <a:solidFill>
                             <a:srgbClr val="020302"/>
                           </a:solidFill>
                           <a:latin typeface="AdobeClean-Light"/>
                           <a:cs typeface="AdobeClean-Light"/>
                         </a:rPr>
-                        <a:t>Release, Migration, Upgrade &amp; Product Roadmap Review</a:t>
+                        <a:t>Version, migration, mise à niveau et examen de la feuille de route du produit</a:t>
                       </a:r>
-                      <a:endParaRPr sz="900" spc="0">
-                        <a:latin typeface="AdobeClean-Light"/>
-                        <a:cs typeface="AdobeClean-Light"/>
-                      </a:endParaRPr>
                     </a:p>
                   </a:txBody>
                   <a:tcPr marL="0" marR="0" marT="63500" marB="0">
@@ -7282,12 +6313,12 @@
                     <a:bodyPr/>
                     <a:lstStyle/>
                     <a:p>
-                      <a:pPr>
+                      <a:pPr algn="l" rtl="0">
                         <a:lnSpc>
                           <a:spcPct val="100000"/>
                         </a:lnSpc>
                       </a:pPr>
-                      <a:endParaRPr sz="900">
+                      <a:endParaRPr sz="850">
                         <a:latin typeface="Times New Roman"/>
                         <a:cs typeface="Times New Roman"/>
                       </a:endParaRPr>
@@ -7329,7 +6360,7 @@
                         <a:defRPr/>
                       </a:pPr>
                       <a:r>
-                        <a:rPr lang="en-US" sz="900">
+                        <a:rPr lang="fr-FR" sz="850">
                           <a:solidFill>
                             <a:srgbClr val="020302"/>
                           </a:solidFill>
@@ -7338,10 +6369,6 @@
                         </a:rPr>
                         <a:t></a:t>
                       </a:r>
-                      <a:endParaRPr lang="en-US" sz="900">
-                        <a:latin typeface="Wingdings"/>
-                        <a:cs typeface="Wingdings"/>
-                      </a:endParaRPr>
                     </a:p>
                   </a:txBody>
                   <a:tcPr marL="0" marR="0" marT="0" marB="0" anchor="ctr">
@@ -7364,7 +6391,7 @@
                     <a:bodyPr/>
                     <a:lstStyle/>
                     <a:p>
-                      <a:pPr marL="49530">
+                      <a:pPr marL="49530" algn="l" rtl="0">
                         <a:lnSpc>
                           <a:spcPct val="100000"/>
                         </a:lnSpc>
@@ -7422,11 +6449,25 @@
                         </a:spcBef>
                       </a:pPr>
                       <a:r>
-                        <a:rPr sz="900" spc="0">
+                        <a:rPr lang="fr-FR" sz="850" dirty="0">
                           <a:latin typeface="AdobeClean-Light"/>
                           <a:cs typeface="AdobeClean-Light"/>
                         </a:rPr>
-                        <a:t>Cloud Support Activities – Experience Manager as Cloud</a:t>
+                        <a:t>Activités d’assistance dans le Cloud - </a:t>
+                      </a:r>
+                      <a:r>
+                        <a:rPr lang="fr-FR" sz="850" dirty="0" err="1">
+                          <a:latin typeface="AdobeClean-Light"/>
+                          <a:cs typeface="AdobeClean-Light"/>
+                        </a:rPr>
+                        <a:t>Experience</a:t>
+                      </a:r>
+                      <a:r>
+                        <a:rPr lang="fr-FR" sz="850" dirty="0">
+                          <a:latin typeface="AdobeClean-Light"/>
+                          <a:cs typeface="AdobeClean-Light"/>
+                        </a:rPr>
+                        <a:t> Manager as Cloud</a:t>
                       </a:r>
                     </a:p>
                   </a:txBody>
@@ -7456,12 +6497,12 @@
                     <a:bodyPr/>
                     <a:lstStyle/>
                     <a:p>
-                      <a:pPr>
+                      <a:pPr algn="l" rtl="0">
                         <a:lnSpc>
                           <a:spcPct val="100000"/>
                         </a:lnSpc>
                       </a:pPr>
-                      <a:endParaRPr sz="900">
+                      <a:endParaRPr sz="850">
                         <a:latin typeface="Times New Roman"/>
                         <a:cs typeface="Times New Roman"/>
                       </a:endParaRPr>
@@ -7512,7 +6553,7 @@
                         <a:defRPr/>
                       </a:pPr>
                       <a:r>
-                        <a:rPr lang="en-US" sz="900">
+                        <a:rPr lang="fr-FR" sz="850">
                           <a:solidFill>
                             <a:srgbClr val="020302"/>
                           </a:solidFill>
@@ -7521,10 +6562,6 @@
                         </a:rPr>
                         <a:t></a:t>
                       </a:r>
-                      <a:endParaRPr lang="en-US" sz="900">
-                        <a:latin typeface="Wingdings"/>
-                        <a:cs typeface="Wingdings"/>
-                      </a:endParaRPr>
                     </a:p>
                   </a:txBody>
                   <a:tcPr marL="0" marR="0" marT="0" marB="0" anchor="ctr">
@@ -7565,22 +6602,15 @@
                         </a:spcBef>
                       </a:pPr>
                       <a:r>
-                        <a:rPr lang="en-US" sz="1000" b="1" i="0" spc="0">
+                        <a:rPr lang="fr-FR" sz="1000" b="1" i="0">
                           <a:solidFill>
                             <a:schemeClr val="bg1"/>
                           </a:solidFill>
                           <a:latin typeface="Adobe Clean" panose="020B0503020404020204" pitchFamily="34" charset="0"/>
                           <a:cs typeface="AdobeClean-Light"/>
                         </a:rPr>
-                        <a:t>Field Services</a:t>
+                        <a:t>Services de terrain</a:t>
                       </a:r>
-                      <a:endParaRPr sz="1000" b="1" i="0" spc="0">
-                        <a:solidFill>
-                          <a:schemeClr val="bg1"/>
-                        </a:solidFill>
-                        <a:latin typeface="Adobe Clean" panose="020B0503020404020204" pitchFamily="34" charset="0"/>
-                        <a:cs typeface="AdobeClean-Light"/>
-                      </a:endParaRPr>
                     </a:p>
                   </a:txBody>
                   <a:tcPr marL="0" marR="0" marT="48260" marB="0" anchor="ctr">
@@ -7633,14 +6663,14 @@
                         </a:spcBef>
                       </a:pPr>
                       <a:r>
-                        <a:rPr sz="900" spc="0">
+                        <a:rPr lang="fr-FR" sz="850" dirty="0">
                           <a:solidFill>
                             <a:srgbClr val="020302"/>
                           </a:solidFill>
                           <a:latin typeface="AdobeClean-Light"/>
                           <a:cs typeface="AdobeClean-Light"/>
                         </a:rPr>
-                        <a:t>Launch Advisory Services – First Year of new solution</a:t>
+                        <a:t>Services Launch Advisory - Première année de la nouvelle solution</a:t>
                       </a:r>
                     </a:p>
                   </a:txBody>
@@ -7680,12 +6710,12 @@
                     <a:bodyPr/>
                     <a:lstStyle/>
                     <a:p>
-                      <a:pPr>
+                      <a:pPr algn="l" rtl="0">
                         <a:lnSpc>
                           <a:spcPct val="100000"/>
                         </a:lnSpc>
                       </a:pPr>
-                      <a:endParaRPr sz="900">
+                      <a:endParaRPr sz="850">
                         <a:latin typeface="Times New Roman"/>
                         <a:cs typeface="Times New Roman"/>
                       </a:endParaRPr>
@@ -7752,7 +6782,7 @@
                         <a:defRPr/>
                       </a:pPr>
                       <a:r>
-                        <a:rPr lang="en-US" sz="900">
+                        <a:rPr lang="fr-FR" sz="850">
                           <a:solidFill>
                             <a:srgbClr val="020302"/>
                           </a:solidFill>
@@ -7761,10 +6791,6 @@
                         </a:rPr>
                         <a:t></a:t>
                       </a:r>
-                      <a:endParaRPr lang="en-US" sz="900">
-                        <a:latin typeface="Wingdings"/>
-                        <a:cs typeface="Wingdings"/>
-                      </a:endParaRPr>
                     </a:p>
                   </a:txBody>
                   <a:tcPr marL="0" marR="0" marT="0" marB="0" anchor="ctr">
@@ -7843,11 +6869,11 @@
                         <a:defRPr/>
                       </a:pPr>
                       <a:r>
-                        <a:rPr lang="en-US" sz="900" spc="0">
+                        <a:rPr lang="fr-FR" sz="850" dirty="0">
                           <a:latin typeface="AdobeClean-Light"/>
                           <a:cs typeface="AdobeClean-Light"/>
                         </a:rPr>
-                        <a:t>Field Service Activities </a:t>
+                        <a:t>Activités du service de terrain </a:t>
                       </a:r>
                     </a:p>
                   </a:txBody>
@@ -7881,8 +6907,8 @@
                     <a:bodyPr/>
                     <a:lstStyle/>
                     <a:p>
-                      <a:pPr algn="ctr"/>
-                      <a:endParaRPr lang="en-US"/>
+                      <a:pPr algn="l" rtl="0"/>
+                      <a:endParaRPr lang="en-US" sz="850" dirty="0"/>
                     </a:p>
                   </a:txBody>
                   <a:tcPr marL="0" marR="0" marT="0" marB="0">
@@ -7930,13 +6956,12 @@
                     <a:p>
                       <a:pPr algn="ctr"/>
                       <a:r>
-                        <a:rPr lang="en-US" sz="900" dirty="0">
+                        <a:rPr lang="fr-FR" sz="850" dirty="0">
                           <a:latin typeface="Times New Roman"/>
                           <a:cs typeface="Times New Roman"/>
                         </a:rPr>
                         <a:t>4</a:t>
                       </a:r>
-                      <a:endParaRPr lang="en-US" dirty="0"/>
                     </a:p>
                   </a:txBody>
                   <a:tcPr marL="0" marR="0" marT="0" marB="0" anchor="ctr">
@@ -8070,7 +7095,7 @@
         <p:spPr>
           <a:xfrm>
             <a:off x="357339" y="608961"/>
-            <a:ext cx="1647825" cy="238760"/>
+            <a:ext cx="2995461" cy="228268"/>
           </a:xfrm>
           <a:prstGeom prst="rect">
             <a:avLst/>
@@ -8091,59 +7116,15 @@
               </a:spcBef>
             </a:pPr>
             <a:r>
-              <a:rPr sz="1400" b="1" spc="-10">
+              <a:rPr lang="fr-FR" sz="1400" b="1" dirty="0">
                 <a:solidFill>
                   <a:srgbClr val="020302"/>
                 </a:solidFill>
                 <a:latin typeface="Adobe Clean"/>
                 <a:cs typeface="Adobe Clean"/>
               </a:rPr>
-              <a:t>Elite</a:t>
-            </a:r>
-            <a:r>
-              <a:rPr sz="1400" b="1" spc="-50">
-                <a:solidFill>
-                  <a:srgbClr val="020302"/>
-                </a:solidFill>
-                <a:latin typeface="Adobe Clean"/>
-                <a:cs typeface="Adobe Clean"/>
-              </a:rPr>
-              <a:t> </a:t>
-            </a:r>
-            <a:r>
-              <a:rPr sz="1400" b="1" spc="-10">
-                <a:solidFill>
-                  <a:srgbClr val="020302"/>
-                </a:solidFill>
-                <a:latin typeface="Adobe Clean"/>
-                <a:cs typeface="Adobe Clean"/>
-              </a:rPr>
-              <a:t>Support</a:t>
-            </a:r>
-            <a:r>
-              <a:rPr sz="1400" b="1" spc="-45">
-                <a:solidFill>
-                  <a:srgbClr val="020302"/>
-                </a:solidFill>
-                <a:latin typeface="Adobe Clean"/>
-                <a:cs typeface="Adobe Clean"/>
-              </a:rPr>
-              <a:t> </a:t>
-            </a:r>
-            <a:r>
-              <a:rPr sz="1400" b="1" spc="-15">
-                <a:solidFill>
-                  <a:srgbClr val="020302"/>
-                </a:solidFill>
-                <a:latin typeface="Adobe Clean"/>
-                <a:cs typeface="Adobe Clean"/>
-              </a:rPr>
-              <a:t>Features</a:t>
-            </a:r>
-            <a:endParaRPr sz="1400">
-              <a:latin typeface="Adobe Clean"/>
-              <a:cs typeface="Adobe Clean"/>
-            </a:endParaRPr>
+              <a:t>Fonctionnalités de l’assistance Elite</a:t>
+            </a:r>
           </a:p>
         </p:txBody>
       </p:sp>
@@ -8156,7 +7137,7 @@
         <p:spPr>
           <a:xfrm>
             <a:off x="2868167" y="1433668"/>
-            <a:ext cx="2194560" cy="936154"/>
+            <a:ext cx="2194560" cy="843821"/>
           </a:xfrm>
           <a:prstGeom prst="rect">
             <a:avLst/>
@@ -8177,19 +7158,15 @@
               </a:spcBef>
             </a:pPr>
             <a:r>
-              <a:rPr sz="1000">
+              <a:rPr lang="fr-FR" sz="900">
                 <a:solidFill>
                   <a:srgbClr val="4B4B4B"/>
                 </a:solidFill>
                 <a:latin typeface="AdobeClean-Light"/>
                 <a:cs typeface="AdobeClean-Light"/>
               </a:rPr>
-              <a:t>A designated support engineer who  becomes familiar with your solution  environment and business goals. The NSE  is an experienced support engineer that  helps coordinate your Enterprise Support  experience.</a:t>
-            </a:r>
-            <a:endParaRPr sz="1000">
-              <a:latin typeface="AdobeClean-Light"/>
-              <a:cs typeface="AdobeClean-Light"/>
-            </a:endParaRPr>
+              <a:t>L’ingénieur d’assistance désigné se familiarisera avec votre environnement de solution et vos objectifs commerciaux. L’ingénieur d’assistance nommé est un ingénieur d’assistance expérimenté qui vous aide à coordonner votre expérience d’assistance aux entreprises.</a:t>
+            </a:r>
           </a:p>
         </p:txBody>
       </p:sp>
@@ -8250,7 +7227,7 @@
         <p:spPr>
           <a:xfrm>
             <a:off x="5333365" y="1433668"/>
-            <a:ext cx="2194560" cy="936154"/>
+            <a:ext cx="2194560" cy="982320"/>
           </a:xfrm>
           <a:prstGeom prst="rect">
             <a:avLst/>
@@ -8271,19 +7248,15 @@
               </a:spcBef>
             </a:pPr>
             <a:r>
-              <a:rPr sz="1000">
+              <a:rPr lang="fr-FR" sz="900">
                 <a:solidFill>
                   <a:srgbClr val="4B4B4B"/>
                 </a:solidFill>
                 <a:latin typeface="AdobeClean-Light"/>
                 <a:cs typeface="AdobeClean-Light"/>
               </a:rPr>
-              <a:t>Regular scheduled review of open  support requests, ensuring customer  alignment on case description, business  impact, status, priority and agreement on  next steps required to ensure an  expedient resolution.</a:t>
-            </a:r>
-            <a:endParaRPr sz="1000">
-              <a:latin typeface="AdobeClean-Light"/>
-              <a:cs typeface="AdobeClean-Light"/>
-            </a:endParaRPr>
+              <a:t>Il s’agit d’un examen planifié régulier des demandes d’assistance ouvertes, assurant l’alignement des clients avec la description des cas, l’impact sur l’entreprise, le statut, la priorité et l’accord concernant les prochaines étapes nécessaires pour garantir une résolution rapide.</a:t>
+            </a:r>
           </a:p>
         </p:txBody>
       </p:sp>
@@ -8320,7 +7293,7 @@
         <p:spPr>
           <a:xfrm>
             <a:off x="324341" y="1433668"/>
-            <a:ext cx="2194560" cy="782265"/>
+            <a:ext cx="2194560" cy="843821"/>
           </a:xfrm>
           <a:prstGeom prst="rect">
             <a:avLst/>
@@ -8341,24 +7314,14 @@
               </a:spcBef>
             </a:pPr>
             <a:r>
-              <a:rPr sz="1000">
+              <a:rPr lang="fr-FR" sz="900" dirty="0">
                 <a:solidFill>
                   <a:srgbClr val="020302"/>
                 </a:solidFill>
                 <a:latin typeface="AdobeClean-Light"/>
                 <a:cs typeface="AdobeClean-Light"/>
               </a:rPr>
-              <a:t>A designated Technical Account Manager to  oversee your Elite experience, coordinate  the support and field services  engagements, and provide proactive services  to maximize your business valu</a:t>
-            </a:r>
-            <a:r>
-              <a:rPr lang="en-US" sz="1000">
-                <a:solidFill>
-                  <a:srgbClr val="020302"/>
-                </a:solidFill>
-                <a:latin typeface="AdobeClean-Light"/>
-                <a:cs typeface="AdobeClean-Light"/>
-              </a:rPr>
-              <a:t>e.</a:t>
+              <a:t>Le gestionnaire de compte technique désigné supervise votre expérience Elite, coordonne les engagements d’assistance et de services sur le terrain et fournit des services proactifs afin de maximiser la valeur de votre entreprise.</a:t>
             </a:r>
           </a:p>
         </p:txBody>
@@ -8393,19 +7356,15 @@
               </a:spcBef>
             </a:pPr>
             <a:r>
-              <a:rPr sz="1100" b="1">
+              <a:rPr lang="fr-FR" sz="1100" b="1" dirty="0">
                 <a:solidFill>
                   <a:srgbClr val="020302"/>
                 </a:solidFill>
                 <a:latin typeface="Adobe Clean" panose="020B0503020404020204" pitchFamily="34" charset="0"/>
                 <a:cs typeface="Arial"/>
               </a:rPr>
-              <a:t>Technical Account Manager</a:t>
-            </a:r>
-            <a:endParaRPr sz="1100">
-              <a:latin typeface="Adobe Clean" panose="020B0503020404020204" pitchFamily="34" charset="0"/>
-              <a:cs typeface="Arial"/>
-            </a:endParaRPr>
+              <a:t>Gestionnaire de compte technique</a:t>
+            </a:r>
           </a:p>
         </p:txBody>
       </p:sp>
@@ -8466,7 +7425,7 @@
         <p:spPr>
           <a:xfrm>
             <a:off x="2791726" y="5243920"/>
-            <a:ext cx="2194560" cy="499111"/>
+            <a:ext cx="2194560" cy="606128"/>
           </a:xfrm>
           <a:prstGeom prst="rect">
             <a:avLst/>
@@ -8487,49 +7446,15 @@
               </a:spcBef>
             </a:pPr>
             <a:r>
-              <a:rPr sz="1000">
+              <a:rPr lang="fr-FR" sz="900" dirty="0">
                 <a:solidFill>
                   <a:srgbClr val="020302"/>
                 </a:solidFill>
                 <a:latin typeface="AdobeClean-Light"/>
                 <a:cs typeface="AdobeClean-Light"/>
               </a:rPr>
-              <a:t>Ongoing knowledge transfer from Adobe  </a:t>
-            </a:r>
-            <a:r>
-              <a:rPr lang="en-US" sz="1000">
-                <a:solidFill>
-                  <a:srgbClr val="020302"/>
-                </a:solidFill>
-                <a:latin typeface="AdobeClean-Light"/>
-                <a:cs typeface="AdobeClean-Light"/>
-              </a:rPr>
-              <a:t>Support team</a:t>
-            </a:r>
-            <a:r>
-              <a:rPr sz="1000">
-                <a:solidFill>
-                  <a:srgbClr val="020302"/>
-                </a:solidFill>
-                <a:latin typeface="AdobeClean-Light"/>
-                <a:cs typeface="AdobeClean-Light"/>
-              </a:rPr>
-              <a:t> to provide </a:t>
-            </a:r>
-            <a:r>
-              <a:rPr lang="en-US" sz="1000">
-                <a:solidFill>
-                  <a:srgbClr val="020302"/>
-                </a:solidFill>
-                <a:latin typeface="AdobeClean-Light"/>
-                <a:cs typeface="AdobeClean-Light"/>
-              </a:rPr>
-              <a:t>best practices around solution usage.</a:t>
-            </a:r>
-            <a:endParaRPr sz="1000">
-              <a:latin typeface="AdobeClean-Light"/>
-              <a:cs typeface="AdobeClean-Light"/>
-            </a:endParaRPr>
+              <a:t>Il s’agit d’un transfert continu des connaissances de l’équipe d’assistance d’Adobe visant à fournir les bonnes pratiques relatives à l’utilisation des solutions.</a:t>
+            </a:r>
           </a:p>
         </p:txBody>
       </p:sp>
@@ -8542,7 +7467,7 @@
         <p:spPr>
           <a:xfrm>
             <a:off x="5265661" y="5243920"/>
-            <a:ext cx="2194560" cy="669927"/>
+            <a:ext cx="2194560" cy="759888"/>
           </a:xfrm>
           <a:prstGeom prst="rect">
             <a:avLst/>
@@ -8563,19 +7488,15 @@
               </a:spcBef>
             </a:pPr>
             <a:r>
-              <a:rPr sz="1000">
+              <a:rPr lang="fr-FR" sz="900" dirty="0">
                 <a:solidFill>
                   <a:srgbClr val="020302"/>
                 </a:solidFill>
                 <a:latin typeface="AdobeClean-Light"/>
                 <a:cs typeface="AdobeClean-Light"/>
               </a:rPr>
-              <a:t>Manage key events to ensure you have the  right level of support, coverage, and  mitigation plan in place during those key  business and project milestones.</a:t>
-            </a:r>
-            <a:endParaRPr sz="1000">
-              <a:latin typeface="AdobeClean-Light"/>
-              <a:cs typeface="AdobeClean-Light"/>
-            </a:endParaRPr>
+              <a:t>Gérez des événements importants afin de vous assurer que vous disposez du niveau d’assistance, de couverture et d’un plan d’atténuation appropriés au cours de ces jalons clés de l’entreprise et du projet.</a:t>
+            </a:r>
           </a:p>
         </p:txBody>
       </p:sp>
@@ -8588,7 +7509,7 @@
         <p:spPr>
           <a:xfrm>
             <a:off x="324341" y="5262204"/>
-            <a:ext cx="2194560" cy="698781"/>
+            <a:ext cx="2194560" cy="792781"/>
           </a:xfrm>
           <a:prstGeom prst="rect">
             <a:avLst/>
@@ -8609,19 +7530,15 @@
               </a:spcBef>
             </a:pPr>
             <a:r>
-              <a:rPr sz="1000">
+              <a:rPr lang="fr-FR" sz="900" dirty="0">
                 <a:solidFill>
                   <a:srgbClr val="020302"/>
                 </a:solidFill>
                 <a:latin typeface="AdobeClean-Light"/>
                 <a:cs typeface="AdobeClean-Light"/>
               </a:rPr>
-              <a:t>Receive personalized guidance on new  product features to take advantage of  latest innovations, and have Adobe  experts review release and upgrade plan.</a:t>
-            </a:r>
-            <a:endParaRPr sz="1000">
-              <a:latin typeface="AdobeClean-Light"/>
-              <a:cs typeface="AdobeClean-Light"/>
-            </a:endParaRPr>
+              <a:t>Bénéficiez de conseils personnalisés sur les nouvelles fonctionnalités des produits afin de tirer parti des dernières innovations et demandez à des experts Adobe d’examiner la version et le plan de mise à niveau.</a:t>
+            </a:r>
           </a:p>
         </p:txBody>
       </p:sp>
@@ -8634,7 +7551,7 @@
         <p:spPr>
           <a:xfrm>
             <a:off x="97787" y="9888626"/>
-            <a:ext cx="2202180" cy="149860"/>
+            <a:ext cx="3017520" cy="149860"/>
           </a:xfrm>
           <a:prstGeom prst="rect">
             <a:avLst/>
@@ -8655,37 +7572,27 @@
               </a:spcBef>
             </a:pPr>
             <a:r>
-              <a:rPr sz="800" spc="-15">
+              <a:rPr lang="fr-FR" sz="800" dirty="0">
                 <a:solidFill>
                   <a:srgbClr val="6D6D6D"/>
                 </a:solidFill>
                 <a:latin typeface="Adobe Clean"/>
                 <a:cs typeface="Adobe Clean"/>
               </a:rPr>
-              <a:t>©2021 </a:t>
-            </a:r>
-            <a:r>
-              <a:rPr sz="800" spc="-5">
+              <a:t>©2021 Adobe. All </a:t>
+            </a:r>
+            <a:r>
+              <a:rPr lang="fr-FR" sz="800" dirty="0" err="1">
                 <a:solidFill>
                   <a:srgbClr val="6D6D6D"/>
                 </a:solidFill>
                 <a:latin typeface="Adobe Clean"/>
                 <a:cs typeface="Adobe Clean"/>
               </a:rPr>
-              <a:t>Adobe. All</a:t>
-            </a:r>
-            <a:r>
-              <a:rPr sz="800" spc="-15">
-                <a:solidFill>
-                  <a:srgbClr val="6D6D6D"/>
-                </a:solidFill>
-                <a:latin typeface="Adobe Clean"/>
-                <a:cs typeface="Adobe Clean"/>
-              </a:rPr>
-              <a:t> Rights</a:t>
-            </a:r>
-            <a:r>
-              <a:rPr sz="800" spc="-5">
+              <a:t>Rights</a:t>
+            </a:r>
+            <a:r>
+              <a:rPr lang="fr-FR" sz="800" dirty="0">
                 <a:solidFill>
                   <a:srgbClr val="6D6D6D"/>
                 </a:solidFill>
@@ -8695,59 +7602,25 @@
               <a:t> </a:t>
             </a:r>
             <a:r>
-              <a:rPr sz="800" spc="-15">
+              <a:rPr lang="fr-FR" sz="800" dirty="0" err="1">
                 <a:solidFill>
                   <a:srgbClr val="6D6D6D"/>
                 </a:solidFill>
                 <a:latin typeface="Adobe Clean"/>
                 <a:cs typeface="Adobe Clean"/>
               </a:rPr>
-              <a:t>Reserved.</a:t>
-            </a:r>
-            <a:r>
-              <a:rPr sz="800" spc="-10">
+              <a:t>Reserved</a:t>
+            </a:r>
+            <a:r>
+              <a:rPr lang="fr-FR" sz="800" dirty="0">
                 <a:solidFill>
                   <a:srgbClr val="6D6D6D"/>
                 </a:solidFill>
                 <a:latin typeface="Adobe Clean"/>
                 <a:cs typeface="Adobe Clean"/>
               </a:rPr>
-              <a:t> </a:t>
-            </a:r>
-            <a:r>
-              <a:rPr sz="800" spc="-5">
-                <a:solidFill>
-                  <a:srgbClr val="6D6D6D"/>
-                </a:solidFill>
-                <a:latin typeface="Adobe Clean"/>
-                <a:cs typeface="Adobe Clean"/>
-              </a:rPr>
-              <a:t>Adobe</a:t>
-            </a:r>
-            <a:r>
-              <a:rPr sz="800" spc="65">
-                <a:solidFill>
-                  <a:srgbClr val="6D6D6D"/>
-                </a:solidFill>
-                <a:latin typeface="Adobe Clean"/>
-                <a:cs typeface="Adobe Clean"/>
-              </a:rPr>
-              <a:t> </a:t>
-            </a:r>
-            <a:r>
-              <a:rPr sz="800" spc="-15">
-                <a:solidFill>
-                  <a:srgbClr val="6D6D6D"/>
-                </a:solidFill>
-                <a:latin typeface="Adobe Clean"/>
-                <a:cs typeface="Adobe Clean"/>
-              </a:rPr>
-              <a:t>Confidential.</a:t>
-            </a:r>
-            <a:endParaRPr sz="800">
-              <a:latin typeface="Adobe Clean"/>
-              <a:cs typeface="Adobe Clean"/>
-            </a:endParaRPr>
+              <a:t>. Données confidentielles Adobe</a:t>
+            </a:r>
           </a:p>
         </p:txBody>
       </p:sp>
@@ -8805,7 +7678,7 @@
         <p:spPr>
           <a:xfrm>
             <a:off x="2791726" y="9060487"/>
-            <a:ext cx="2194560" cy="487313"/>
+            <a:ext cx="2194560" cy="718145"/>
           </a:xfrm>
           <a:prstGeom prst="rect">
             <a:avLst/>
@@ -8829,154 +7702,14 @@
               </a:tabLst>
             </a:pPr>
             <a:r>
-              <a:rPr sz="1000" spc="-20">
+              <a:rPr lang="fr-FR" sz="900" dirty="0">
                 <a:solidFill>
                   <a:srgbClr val="020302"/>
                 </a:solidFill>
                 <a:latin typeface="AdobeClean-Light"/>
                 <a:cs typeface="AdobeClean-Light"/>
               </a:rPr>
-              <a:t>Start </a:t>
-            </a:r>
-            <a:r>
-              <a:rPr sz="1000">
-                <a:solidFill>
-                  <a:srgbClr val="020302"/>
-                </a:solidFill>
-                <a:latin typeface="AdobeClean-Light"/>
-                <a:cs typeface="AdobeClean-Light"/>
-              </a:rPr>
-              <a:t>a </a:t>
-            </a:r>
-            <a:r>
-              <a:rPr sz="1000" spc="-15">
-                <a:solidFill>
-                  <a:srgbClr val="020302"/>
-                </a:solidFill>
-                <a:latin typeface="AdobeClean-Light"/>
-                <a:cs typeface="AdobeClean-Light"/>
-              </a:rPr>
-              <a:t>chat </a:t>
-            </a:r>
-            <a:r>
-              <a:rPr sz="1000" spc="-10">
-                <a:solidFill>
-                  <a:srgbClr val="020302"/>
-                </a:solidFill>
-                <a:latin typeface="AdobeClean-Light"/>
-                <a:cs typeface="AdobeClean-Light"/>
-              </a:rPr>
-              <a:t>session </a:t>
-            </a:r>
-            <a:r>
-              <a:rPr sz="1000" spc="-5">
-                <a:solidFill>
-                  <a:srgbClr val="020302"/>
-                </a:solidFill>
-                <a:latin typeface="AdobeClean-Light"/>
-                <a:cs typeface="AdobeClean-Light"/>
-              </a:rPr>
-              <a:t>to </a:t>
-            </a:r>
-            <a:r>
-              <a:rPr sz="1000" spc="-10">
-                <a:solidFill>
-                  <a:srgbClr val="020302"/>
-                </a:solidFill>
-                <a:latin typeface="AdobeClean-Light"/>
-                <a:cs typeface="AdobeClean-Light"/>
-              </a:rPr>
-              <a:t>get </a:t>
-            </a:r>
-            <a:r>
-              <a:rPr sz="1000" spc="-20">
-                <a:solidFill>
-                  <a:srgbClr val="020302"/>
-                </a:solidFill>
-                <a:latin typeface="AdobeClean-Light"/>
-                <a:cs typeface="AdobeClean-Light"/>
-              </a:rPr>
-              <a:t>answers</a:t>
-            </a:r>
-            <a:r>
-              <a:rPr lang="en-US" sz="1000" spc="-45">
-                <a:solidFill>
-                  <a:srgbClr val="020302"/>
-                </a:solidFill>
-                <a:latin typeface="AdobeClean-Light"/>
-                <a:cs typeface="AdobeClean-Light"/>
-              </a:rPr>
-              <a:t> </a:t>
-            </a:r>
-            <a:r>
-              <a:rPr lang="en-US" sz="1000">
-                <a:solidFill>
-                  <a:srgbClr val="020302"/>
-                </a:solidFill>
-                <a:latin typeface="AdobeClean-Light"/>
-                <a:cs typeface="AdobeClean-Light"/>
-              </a:rPr>
-              <a:t>&amp; </a:t>
-            </a:r>
-            <a:r>
-              <a:rPr sz="1000" spc="-15">
-                <a:solidFill>
-                  <a:srgbClr val="020302"/>
-                </a:solidFill>
-                <a:latin typeface="AdobeClean-Light"/>
-                <a:cs typeface="AdobeClean-Light"/>
-              </a:rPr>
-              <a:t>help </a:t>
-            </a:r>
-            <a:r>
-              <a:rPr sz="1000" spc="-10">
-                <a:solidFill>
-                  <a:srgbClr val="020302"/>
-                </a:solidFill>
-                <a:latin typeface="AdobeClean-Light"/>
-                <a:cs typeface="AdobeClean-Light"/>
-              </a:rPr>
-              <a:t>with</a:t>
-            </a:r>
-            <a:r>
-              <a:rPr sz="1000" spc="85">
-                <a:solidFill>
-                  <a:srgbClr val="020302"/>
-                </a:solidFill>
-                <a:latin typeface="AdobeClean-Light"/>
-                <a:cs typeface="AdobeClean-Light"/>
-              </a:rPr>
-              <a:t> </a:t>
-            </a:r>
-            <a:r>
-              <a:rPr sz="1000" spc="-10">
-                <a:solidFill>
-                  <a:srgbClr val="020302"/>
-                </a:solidFill>
-                <a:latin typeface="AdobeClean-Light"/>
-                <a:cs typeface="AdobeClean-Light"/>
-              </a:rPr>
-              <a:t>case </a:t>
-            </a:r>
-            <a:r>
-              <a:rPr sz="1000" spc="-20">
-                <a:solidFill>
-                  <a:srgbClr val="020302"/>
-                </a:solidFill>
-                <a:latin typeface="AdobeClean-Light"/>
-                <a:cs typeface="AdobeClean-Light"/>
-              </a:rPr>
-              <a:t>submission</a:t>
-            </a:r>
-            <a:r>
-              <a:rPr lang="en-US" sz="1000" spc="-20">
-                <a:solidFill>
-                  <a:srgbClr val="020302"/>
-                </a:solidFill>
-                <a:latin typeface="AdobeClean-Light"/>
-                <a:cs typeface="AdobeClean-Light"/>
-              </a:rPr>
-              <a:t>.</a:t>
+              <a:t>Commencez une session de conversation pour obtenir des réponses et de l’aide lors de l’envoi du cas.</a:t>
             </a:r>
           </a:p>
           <a:p>
@@ -8992,39 +7725,15 @@
               </a:tabLst>
             </a:pPr>
             <a:r>
-              <a:rPr sz="1000" i="1" spc="-10">
+              <a:rPr lang="fr-FR" sz="900" i="1" dirty="0">
                 <a:solidFill>
                   <a:srgbClr val="7A7A7A"/>
                 </a:solidFill>
                 <a:latin typeface="AdobeClean-LightIt"/>
                 <a:cs typeface="AdobeClean-LightIt"/>
               </a:rPr>
-              <a:t>*Not all </a:t>
-            </a:r>
-            <a:r>
-              <a:rPr sz="1000" i="1" spc="-20">
-                <a:solidFill>
-                  <a:srgbClr val="7A7A7A"/>
-                </a:solidFill>
-                <a:latin typeface="AdobeClean-LightIt"/>
-                <a:cs typeface="AdobeClean-LightIt"/>
-              </a:rPr>
-              <a:t>products have live chat support</a:t>
-            </a:r>
-            <a:r>
-              <a:rPr sz="900" i="1" spc="-20">
-                <a:solidFill>
-                  <a:srgbClr val="7A7A7A"/>
-                </a:solidFill>
-                <a:latin typeface="AdobeClean-LightIt"/>
-                <a:cs typeface="AdobeClean-LightIt"/>
-              </a:rPr>
-              <a:t>.  </a:t>
-            </a:r>
-            <a:endParaRPr sz="900">
-              <a:latin typeface="AdobeClean-Light"/>
-              <a:cs typeface="AdobeClean-Light"/>
-            </a:endParaRPr>
+              <a:t>*Tous les produits ne bénéficient pas de l’assistance de messagerie instantanée.  </a:t>
+            </a:r>
           </a:p>
         </p:txBody>
       </p:sp>
@@ -9045,7 +7754,7 @@
         <p:spPr>
           <a:xfrm>
             <a:off x="689237" y="6756914"/>
-            <a:ext cx="1568246" cy="184666"/>
+            <a:ext cx="1737360" cy="184666"/>
           </a:xfrm>
           <a:prstGeom prst="rect">
             <a:avLst/>
@@ -9071,12 +7780,12 @@
               <a:defRPr/>
             </a:pPr>
             <a:r>
-              <a:rPr lang="en-US" sz="1200">
+              <a:rPr lang="fr-FR" sz="1200" dirty="0">
                 <a:solidFill>
                   <a:srgbClr val="000000"/>
                 </a:solidFill>
               </a:rPr>
-              <a:t>Community Forums</a:t>
+              <a:t>Forums de la communauté</a:t>
             </a:r>
           </a:p>
         </p:txBody>
@@ -9098,7 +7807,7 @@
         <p:spPr>
           <a:xfrm>
             <a:off x="689237" y="6960100"/>
-            <a:ext cx="959314" cy="184666"/>
+            <a:ext cx="1188720" cy="184666"/>
           </a:xfrm>
           <a:prstGeom prst="rect">
             <a:avLst/>
@@ -9119,12 +7828,12 @@
               </a:spcAft>
             </a:pPr>
             <a:r>
-              <a:rPr lang="en-US" sz="1200" b="1">
+              <a:rPr lang="fr-FR" sz="1200" b="1" dirty="0">
                 <a:latin typeface="+mj-lt"/>
                 <a:ea typeface="Open Sans" pitchFamily="34" charset="0"/>
                 <a:cs typeface="Open Sans" pitchFamily="34" charset="0"/>
               </a:rPr>
-              <a:t>Online Forums</a:t>
+              <a:t>Forums en ligne</a:t>
             </a:r>
           </a:p>
         </p:txBody>
@@ -9144,7 +7853,7 @@
         <p:spPr>
           <a:xfrm>
             <a:off x="324341" y="7152361"/>
-            <a:ext cx="2194560" cy="959237"/>
+            <a:ext cx="2194560" cy="1005403"/>
           </a:xfrm>
           <a:prstGeom prst="rect">
             <a:avLst/>
@@ -9157,13 +7866,13 @@
           <a:lstStyle/>
           <a:p>
             <a:r>
-              <a:rPr lang="en-US" sz="1000">
+              <a:rPr lang="fr-FR" sz="900" dirty="0">
                 <a:solidFill>
                   <a:srgbClr val="4B4B4B"/>
                 </a:solidFill>
                 <a:latin typeface="Adobe Clean Light" panose="020B0303020404020204" pitchFamily="34" charset="0"/>
               </a:rPr>
-              <a:t>Continuous online access to a growing database of technical solutions, product documentation, FAQs and more. Connect with practitioners and other customers on Adobe Community to share best practices and lessons learned.</a:t>
+              <a:t>Accès en ligne permanent à une base de données croissante de solutions techniques, de documentation sur les produits, de questions fréquentes, etc. Communiquez avec des professionnels et d’autres clients de la communauté Adobe pour partager les bonnes pratiques et les leçons apprises.</a:t>
             </a:r>
           </a:p>
         </p:txBody>
@@ -9211,7 +7920,7 @@
               <a:defRPr/>
             </a:pPr>
             <a:r>
-              <a:rPr lang="en-US" sz="1200">
+              <a:rPr lang="fr-FR" sz="1200">
                 <a:solidFill>
                   <a:srgbClr val="000000"/>
                 </a:solidFill>
@@ -9259,12 +7968,12 @@
               </a:spcAft>
             </a:pPr>
             <a:r>
-              <a:rPr lang="en-US" sz="1200" b="1">
+              <a:rPr lang="fr-FR" sz="1200" b="1">
                 <a:latin typeface="+mj-lt"/>
                 <a:ea typeface="Open Sans" pitchFamily="34" charset="0"/>
                 <a:cs typeface="Open Sans" pitchFamily="34" charset="0"/>
               </a:rPr>
-              <a:t>Self-guided Journeys</a:t>
+              <a:t>Parcours auto-guidés</a:t>
             </a:r>
           </a:p>
         </p:txBody>
@@ -9284,7 +7993,7 @@
         <p:spPr>
           <a:xfrm>
             <a:off x="5265661" y="7152361"/>
-            <a:ext cx="2194560" cy="1113125"/>
+            <a:ext cx="2194560" cy="1005403"/>
           </a:xfrm>
           <a:prstGeom prst="rect">
             <a:avLst/>
@@ -9297,13 +8006,13 @@
           <a:lstStyle/>
           <a:p>
             <a:r>
-              <a:rPr lang="en-US" sz="1000">
+              <a:rPr lang="fr-FR" sz="900">
                 <a:solidFill>
                   <a:srgbClr val="4B4B4B"/>
                 </a:solidFill>
                 <a:latin typeface="Adobe Clean Light" panose="020B0303020404020204" pitchFamily="34" charset="0"/>
               </a:rPr>
-              <a:t>Experience Makers are made with Experience League. Customers can kickstart their Customer Experience Management abilities with personalized learning to develop skills, engage with a global community of peers, and earn career advancing recognition.</a:t>
+              <a:t>Les Experience Makers sont créées à l’aide d’Experience League. Les clients peuvent lancer leurs capacités de gestion de l’expérience client grâce à un apprentissage personnalisé permettant de développer leurs compétences, collaborer avec une communauté mondiale de pairs et gagner une reconnaissance de carrière.</a:t>
             </a:r>
           </a:p>
         </p:txBody>
@@ -9324,8 +8033,8 @@
         </p:nvSpPr>
         <p:spPr>
           <a:xfrm>
-            <a:off x="3201544" y="8560230"/>
-            <a:ext cx="1543003" cy="184666"/>
+            <a:off x="3201543" y="8529750"/>
+            <a:ext cx="1737360" cy="184666"/>
           </a:xfrm>
           <a:prstGeom prst="rect">
             <a:avLst/>
@@ -9351,12 +8060,12 @@
               <a:defRPr/>
             </a:pPr>
             <a:r>
-              <a:rPr lang="en-US" sz="1200">
+              <a:rPr lang="fr-FR" sz="1200" dirty="0">
                 <a:solidFill>
                   <a:srgbClr val="000000"/>
                 </a:solidFill>
               </a:rPr>
-              <a:t>Live Chat  Support*</a:t>
+              <a:t>Assistance de messagerie instantanée*</a:t>
             </a:r>
           </a:p>
         </p:txBody>
@@ -9377,7 +8086,7 @@
         </p:nvSpPr>
         <p:spPr>
           <a:xfrm>
-            <a:off x="3201544" y="8741449"/>
+            <a:off x="3201544" y="8851177"/>
             <a:ext cx="840166" cy="184666"/>
           </a:xfrm>
           <a:prstGeom prst="rect">
@@ -9399,12 +8108,12 @@
               </a:spcAft>
             </a:pPr>
             <a:r>
-              <a:rPr lang="en-US" sz="1200" b="1">
+              <a:rPr lang="fr-FR" sz="1200" b="1" dirty="0">
                 <a:latin typeface="+mj-lt"/>
                 <a:ea typeface="Open Sans" pitchFamily="34" charset="0"/>
                 <a:cs typeface="Open Sans" pitchFamily="34" charset="0"/>
               </a:rPr>
-              <a:t>Chat Support</a:t>
+              <a:t>Assistance de conversation</a:t>
             </a:r>
           </a:p>
         </p:txBody>
@@ -9452,12 +8161,12 @@
               <a:defRPr/>
             </a:pPr>
             <a:r>
-              <a:rPr lang="en-US" sz="1200">
+              <a:rPr lang="fr-FR" sz="1200">
                 <a:solidFill>
                   <a:srgbClr val="000000"/>
                 </a:solidFill>
               </a:rPr>
-              <a:t>24X7 P1 </a:t>
+              <a:t>P1 24X7 </a:t>
             </a:r>
           </a:p>
         </p:txBody>
@@ -9500,12 +8209,12 @@
               </a:spcAft>
             </a:pPr>
             <a:r>
-              <a:rPr lang="en-US" sz="1200" b="1">
+              <a:rPr lang="fr-FR" sz="1200" b="1">
                 <a:latin typeface="+mj-lt"/>
                 <a:ea typeface="Open Sans" pitchFamily="34" charset="0"/>
                 <a:cs typeface="Open Sans" pitchFamily="34" charset="0"/>
               </a:rPr>
-              <a:t>Phone  Support</a:t>
+              <a:t>Assistance téléphonique</a:t>
             </a:r>
           </a:p>
         </p:txBody>
@@ -9525,7 +8234,7 @@
         <p:spPr>
           <a:xfrm>
             <a:off x="2791726" y="7152361"/>
-            <a:ext cx="2194560" cy="805349"/>
+            <a:ext cx="2194560" cy="1005403"/>
           </a:xfrm>
           <a:prstGeom prst="rect">
             <a:avLst/>
@@ -9538,35 +8247,29 @@
           <a:lstStyle/>
           <a:p>
             <a:r>
-              <a:rPr lang="en-US" sz="1000">
+              <a:rPr lang="fr-FR" sz="900" dirty="0">
                 <a:solidFill>
                   <a:srgbClr val="020302"/>
                 </a:solidFill>
                 <a:latin typeface="AdobeClean-Light"/>
               </a:rPr>
-              <a:t>Authorized users or </a:t>
-            </a:r>
-            <a:r>
-              <a:rPr lang="en-US" sz="1000" b="1">
+              <a:t>Les utilisateurs autorisés ou les </a:t>
+            </a:r>
+            <a:r>
+              <a:rPr lang="fr-FR" sz="900" b="1" dirty="0">
                 <a:solidFill>
                   <a:srgbClr val="020302"/>
                 </a:solidFill>
                 <a:latin typeface="AdobeClean-Light"/>
               </a:rPr>
-              <a:t>Named Support Contacts </a:t>
-            </a:r>
-            <a:r>
-              <a:rPr lang="en-US" sz="1000">
+              <a:t>contacts d’assistance nommés </a:t>
+            </a:r>
+            <a:r>
+              <a:rPr lang="fr-FR" sz="900" dirty="0">
                 <a:latin typeface="Adobe Clean Light" panose="020B0303020404020204" pitchFamily="34" charset="0"/>
               </a:rPr>
-              <a:t>can submit issues through all available  channels (including phone for P1) and interact with our technical support team on behalf of your company. </a:t>
-            </a:r>
-            <a:endParaRPr lang="en-US" sz="1000">
-              <a:solidFill>
-                <a:srgbClr val="000000"/>
-              </a:solidFill>
-              <a:latin typeface="Adobe Clean Light" panose="020B0303020404020204" pitchFamily="34" charset="0"/>
-            </a:endParaRPr>
+              <a:t>peuvent communiquer des problèmes par l’intermédiaire de tous les canaux disponibles (y compris le téléphone pour P1) et interagir avec notre équipe d’assistance technique au nom de votre entreprise. </a:t>
+            </a:r>
           </a:p>
         </p:txBody>
       </p:sp>
@@ -9661,7 +8364,7 @@
               <a:defRPr/>
             </a:pPr>
             <a:r>
-              <a:rPr lang="en-US" sz="1200">
+              <a:rPr lang="fr-FR" sz="1200">
                 <a:solidFill>
                   <a:srgbClr val="000000"/>
                 </a:solidFill>
@@ -9709,12 +8412,12 @@
               </a:spcAft>
             </a:pPr>
             <a:r>
-              <a:rPr lang="en-US" sz="1200" b="1">
+              <a:rPr lang="fr-FR" sz="1200" b="1">
                 <a:latin typeface="+mj-lt"/>
                 <a:ea typeface="Open Sans" pitchFamily="34" charset="0"/>
                 <a:cs typeface="Open Sans" pitchFamily="34" charset="0"/>
               </a:rPr>
-              <a:t>Webinars</a:t>
+              <a:t>Webinaires</a:t>
             </a:r>
           </a:p>
         </p:txBody>
@@ -9734,7 +8437,7 @@
         <p:spPr>
           <a:xfrm>
             <a:off x="355868" y="9026059"/>
-            <a:ext cx="2194560" cy="805349"/>
+            <a:ext cx="2320276" cy="866904"/>
           </a:xfrm>
           <a:prstGeom prst="rect">
             <a:avLst/>
@@ -9747,13 +8450,31 @@
           <a:lstStyle/>
           <a:p>
             <a:r>
-              <a:rPr lang="en-US" sz="1000">
+              <a:rPr lang="fr-FR" sz="900" dirty="0">
                 <a:solidFill>
                   <a:srgbClr val="4B4B4B"/>
                 </a:solidFill>
                 <a:latin typeface="Adobe Clean Light" panose="020B0303020404020204" pitchFamily="34" charset="0"/>
               </a:rPr>
-              <a:t>Office Hours led by the Adobe Customer Support team includes sessions designed to inform as well as help participants troubleshoot problems and provide tips and tricks for success with Adobe solutions. </a:t>
+              <a:t>« Office </a:t>
+            </a:r>
+            <a:r>
+              <a:rPr lang="fr-FR" sz="900" dirty="0" err="1">
+                <a:solidFill>
+                  <a:srgbClr val="4B4B4B"/>
+                </a:solidFill>
+                <a:latin typeface="Adobe Clean Light" panose="020B0303020404020204" pitchFamily="34" charset="0"/>
+              </a:rPr>
+              <a:t>Hours</a:t>
+            </a:r>
+            <a:r>
+              <a:rPr lang="fr-FR" sz="900" dirty="0">
+                <a:solidFill>
+                  <a:srgbClr val="4B4B4B"/>
+                </a:solidFill>
+                <a:latin typeface="Adobe Clean Light" panose="020B0303020404020204" pitchFamily="34" charset="0"/>
+              </a:rPr>
+              <a:t> », l’initiative menée par l’équipe du service clientèle Adobe, comprend des sessions conçues pour informer les participants et les aider à résoudre leurs problèmes. Elle offre également des conseils et astuces pour réussir au mieux l’intégration des solutions Adobe. </a:t>
             </a:r>
           </a:p>
         </p:txBody>
@@ -9775,7 +8496,7 @@
         <p:spPr>
           <a:xfrm>
             <a:off x="5723508" y="8560230"/>
-            <a:ext cx="1303746" cy="184666"/>
+            <a:ext cx="1645920" cy="184666"/>
           </a:xfrm>
           <a:prstGeom prst="rect">
             <a:avLst/>
@@ -9801,12 +8522,12 @@
               <a:defRPr/>
             </a:pPr>
             <a:r>
-              <a:rPr lang="en-US" sz="1200">
+              <a:rPr lang="fr-FR" sz="1200" dirty="0">
                 <a:solidFill>
                   <a:srgbClr val="000000"/>
                 </a:solidFill>
               </a:rPr>
-              <a:t>Self-help Portals</a:t>
+              <a:t>Portail d’aide automatique</a:t>
             </a:r>
           </a:p>
         </p:txBody>
@@ -9849,12 +8570,12 @@
               </a:spcAft>
             </a:pPr>
             <a:r>
-              <a:rPr lang="en-US" sz="1200" b="1">
+              <a:rPr lang="fr-FR" sz="1200" b="1">
                 <a:latin typeface="+mj-lt"/>
                 <a:ea typeface="Open Sans" pitchFamily="34" charset="0"/>
                 <a:cs typeface="Open Sans" pitchFamily="34" charset="0"/>
               </a:rPr>
-              <a:t>24/7 Support Portal</a:t>
+              <a:t>Portail d’assistance 24/7</a:t>
             </a:r>
           </a:p>
         </p:txBody>
@@ -9874,7 +8595,7 @@
         <p:spPr>
           <a:xfrm>
             <a:off x="5265661" y="8987081"/>
-            <a:ext cx="2194560" cy="805349"/>
+            <a:ext cx="2194560" cy="1005403"/>
           </a:xfrm>
           <a:prstGeom prst="rect">
             <a:avLst/>
@@ -9887,16 +8608,16 @@
           <a:lstStyle/>
           <a:p>
             <a:r>
-              <a:rPr lang="en-US" sz="1000">
+              <a:rPr lang="fr-FR" sz="900" dirty="0">
                 <a:solidFill>
                   <a:srgbClr val="4B4B4B"/>
                 </a:solidFill>
                 <a:latin typeface="Adobe Clean Light" panose="020B0303020404020204" pitchFamily="34" charset="0"/>
               </a:rPr>
-              <a:t>On-demand access to the online </a:t>
+              <a:t>Accès à la demande au portail </a:t>
             </a:r>
             <a:br>
-              <a:rPr lang="en-US" sz="1000">
+              <a:rPr lang="fr-FR" sz="900" dirty="0">
                 <a:solidFill>
                   <a:srgbClr val="4B4B4B"/>
                 </a:solidFill>
@@ -9904,13 +8625,13 @@
               </a:rPr>
             </a:br>
             <a:r>
-              <a:rPr lang="en-US" sz="1000">
+              <a:rPr lang="fr-FR" sz="900" dirty="0">
                 <a:solidFill>
                   <a:srgbClr val="4B4B4B"/>
                 </a:solidFill>
                 <a:latin typeface="Adobe Clean Light" panose="020B0303020404020204" pitchFamily="34" charset="0"/>
               </a:rPr>
-              <a:t>Self-help Support Portal to submit support requests, review case status, and browse other resources, like our knowledgebase, news and alerts, featured tips, and more.</a:t>
+              <a:t>d’assistance d’aide automatique en ligne pour envoyer des demandes d’assistance, examiner le statut des cas et parcourir d’autres ressources, telles que notre base de connaissances, les actualités et les alertes, les conseils présentés, etc.</a:t>
             </a:r>
           </a:p>
         </p:txBody>
@@ -10240,19 +8961,15 @@
               </a:spcBef>
             </a:pPr>
             <a:r>
-              <a:rPr lang="en-US" sz="1400" b="1" dirty="0">
+              <a:rPr lang="fr-FR" sz="1400" b="1">
                 <a:solidFill>
                   <a:srgbClr val="020302"/>
                 </a:solidFill>
                 <a:latin typeface="Adobe Clean"/>
                 <a:cs typeface="Adobe Clean"/>
               </a:rPr>
-              <a:t>Standard Support Features</a:t>
-            </a:r>
-            <a:endParaRPr lang="en-US" sz="1400" dirty="0">
-              <a:latin typeface="Adobe Clean"/>
-              <a:cs typeface="Adobe Clean"/>
-            </a:endParaRPr>
+              <a:t>Caractéristiques de l’assistance Standard</a:t>
+            </a:r>
           </a:p>
         </p:txBody>
       </p:sp>
@@ -10453,7 +9170,7 @@
         <p:spPr>
           <a:xfrm>
             <a:off x="324341" y="4031705"/>
-            <a:ext cx="2194560" cy="499111"/>
+            <a:ext cx="2194560" cy="606128"/>
           </a:xfrm>
           <a:prstGeom prst="rect">
             <a:avLst/>
@@ -10474,22 +9191,15 @@
               </a:spcBef>
             </a:pPr>
             <a:r>
-              <a:rPr lang="en-US" sz="1000">
+              <a:rPr lang="fr-FR" sz="900" dirty="0">
                 <a:solidFill>
                   <a:srgbClr val="020302"/>
                 </a:solidFill>
                 <a:latin typeface="AdobeClean-Light"/>
                 <a:cs typeface="AdobeClean-Light"/>
               </a:rPr>
-              <a:t>Proactive review of your solution  deployment, configuration, and overall  architecture, including integrations.</a:t>
-            </a:r>
-            <a:endParaRPr lang="en-US" sz="1000">
-              <a:solidFill>
-                <a:prstClr val="black"/>
-              </a:solidFill>
-              <a:latin typeface="AdobeClean-Light"/>
-              <a:cs typeface="AdobeClean-Light"/>
-            </a:endParaRPr>
+              <a:t>Il s’agit d’un examen proactif du déploiement, de la configuration et de l’architecture globale de votre solution, notamment les intégrations.</a:t>
+            </a:r>
           </a:p>
         </p:txBody>
       </p:sp>
@@ -10508,7 +9218,7 @@
         <p:spPr>
           <a:xfrm>
             <a:off x="5265661" y="4031705"/>
-            <a:ext cx="2194560" cy="652615"/>
+            <a:ext cx="2194560" cy="590483"/>
           </a:xfrm>
           <a:prstGeom prst="rect">
             <a:avLst/>
@@ -10529,22 +9239,15 @@
               </a:spcBef>
             </a:pPr>
             <a:r>
-              <a:rPr lang="en-US" sz="1000">
+              <a:rPr lang="fr-FR" sz="900" dirty="0">
                 <a:solidFill>
                   <a:srgbClr val="020302"/>
                 </a:solidFill>
                 <a:latin typeface="AdobeClean-Light"/>
                 <a:cs typeface="AdobeClean-Light"/>
               </a:rPr>
-              <a:t>Receive maintenance best practices and latest  fixes (SPs, MR, patches, FPs) to remain up-to-  date on all maintenance checks.</a:t>
-            </a:r>
-            <a:endParaRPr lang="en-US" sz="1000">
-              <a:solidFill>
-                <a:prstClr val="black"/>
-              </a:solidFill>
-              <a:latin typeface="AdobeClean-Light"/>
-              <a:cs typeface="AdobeClean-Light"/>
-            </a:endParaRPr>
+              <a:t>Bénéficiez des bonnes pratiques de maintenance et des corrections les plus récentes (SP, MR, correctifs, FP) afin de rester à jour sur tous les contrôles de maintenance.</a:t>
+            </a:r>
           </a:p>
         </p:txBody>
       </p:sp>
@@ -10563,7 +9266,7 @@
         <p:spPr>
           <a:xfrm>
             <a:off x="2852427" y="2847845"/>
-            <a:ext cx="2194560" cy="615553"/>
+            <a:ext cx="2194560" cy="553998"/>
           </a:xfrm>
           <a:prstGeom prst="rect">
             <a:avLst/>
@@ -10581,22 +9284,15 @@
               </a:spcBef>
             </a:pPr>
             <a:r>
-              <a:rPr lang="en-US" sz="1000">
+              <a:rPr lang="fr-FR" sz="900" dirty="0">
                 <a:solidFill>
                   <a:srgbClr val="4B4B4B"/>
                 </a:solidFill>
                 <a:latin typeface="AdobeClean-Light"/>
                 <a:cs typeface="AdobeClean-Light"/>
               </a:rPr>
-              <a:t>A regular review of Elite program services, support metrics, and deliverables, including a forward-looking plan</a:t>
-            </a:r>
-            <a:endParaRPr lang="en-US" sz="1000">
-              <a:solidFill>
-                <a:prstClr val="black"/>
-              </a:solidFill>
-              <a:latin typeface="AdobeClean-Light"/>
-              <a:cs typeface="AdobeClean-Light"/>
-            </a:endParaRPr>
+              <a:t>Il s’agit d’un examen régulier des services du programme Elite, des mesures d’assistance et des livrables, y compris un plan prospectif.</a:t>
+            </a:r>
           </a:p>
         </p:txBody>
       </p:sp>
@@ -10615,7 +9311,7 @@
         <p:spPr>
           <a:xfrm>
             <a:off x="5431520" y="2854370"/>
-            <a:ext cx="2194560" cy="615553"/>
+            <a:ext cx="2194560" cy="692497"/>
           </a:xfrm>
           <a:prstGeom prst="rect">
             <a:avLst/>
@@ -10633,22 +9329,15 @@
               </a:spcBef>
             </a:pPr>
             <a:r>
-              <a:rPr lang="en-US" sz="1000">
+              <a:rPr lang="fr-FR" sz="900">
                 <a:solidFill>
                   <a:srgbClr val="4B4B4B"/>
                 </a:solidFill>
                 <a:latin typeface="AdobeClean-Light"/>
                 <a:cs typeface="AdobeClean-Light"/>
               </a:rPr>
-              <a:t>A 60-minute session focusing on a  specific product feature and how it can  be utilized to solve common business  problems.</a:t>
-            </a:r>
-            <a:endParaRPr lang="en-US" sz="1000">
-              <a:solidFill>
-                <a:prstClr val="black"/>
-              </a:solidFill>
-              <a:latin typeface="AdobeClean-Light"/>
-              <a:cs typeface="AdobeClean-Light"/>
-            </a:endParaRPr>
+              <a:t>Il s’agit d’une session de 60 minutes consacrée à une fonctionnalité de produit spécifique et à son utilisation pour résoudre des problèmes d’entreprise courants.</a:t>
+            </a:r>
           </a:p>
         </p:txBody>
       </p:sp>
@@ -10667,7 +9356,7 @@
         <p:spPr>
           <a:xfrm>
             <a:off x="324341" y="2842848"/>
-            <a:ext cx="2194560" cy="615553"/>
+            <a:ext cx="2194560" cy="830997"/>
           </a:xfrm>
           <a:prstGeom prst="rect">
             <a:avLst/>
@@ -10685,16 +9374,15 @@
               </a:spcBef>
             </a:pPr>
             <a:r>
-              <a:rPr lang="en-US" sz="1000">
+              <a:rPr lang="fr-FR" sz="900" dirty="0">
                 <a:solidFill>
                   <a:srgbClr val="4B4B4B"/>
                 </a:solidFill>
                 <a:latin typeface="AdobeClean-Light"/>
                 <a:cs typeface="AdobeClean-Light"/>
               </a:rPr>
-              <a:t>A designated point of contact within Adobe  who can provide escalation assistance,  regular updates and ensure priority is given  to your most critical open support requests.</a:t>
-            </a:r>
-            <a:endParaRPr lang="en-US"/>
+              <a:t>Il s’agit d’un point de contact désigné au sein d’Adobe pouvant fournir une assistance en matière de remontées d’informations, des mises à jour régulières et s’assurant que la priorité est mise sur vos demandes d’assistance ouvertes les plus importantes.</a:t>
+            </a:r>
           </a:p>
         </p:txBody>
       </p:sp>
@@ -10731,22 +9419,15 @@
               </a:spcBef>
             </a:pPr>
             <a:r>
-              <a:rPr lang="en-US" sz="1100" b="1">
+              <a:rPr lang="fr-FR" sz="1100" b="1">
                 <a:solidFill>
                   <a:srgbClr val="020302"/>
                 </a:solidFill>
                 <a:latin typeface="Adobe Clean" panose="020B0503020404020204" pitchFamily="34" charset="0"/>
                 <a:cs typeface="Arial"/>
               </a:rPr>
-              <a:t>Named Support Engineer</a:t>
-            </a:r>
-            <a:endParaRPr lang="en-US" sz="1100">
-              <a:solidFill>
-                <a:prstClr val="black"/>
-              </a:solidFill>
-              <a:latin typeface="Adobe Clean" panose="020B0503020404020204" pitchFamily="34" charset="0"/>
-              <a:cs typeface="Arial"/>
-            </a:endParaRPr>
+              <a:t>Ingénieur d’assistance nommé</a:t>
+            </a:r>
           </a:p>
         </p:txBody>
       </p:sp>
@@ -10783,22 +9464,15 @@
               </a:spcBef>
             </a:pPr>
             <a:r>
-              <a:rPr lang="en-US" sz="1100" b="1">
+              <a:rPr lang="fr-FR" sz="1100" b="1">
                 <a:solidFill>
                   <a:srgbClr val="020302"/>
                 </a:solidFill>
                 <a:latin typeface="Adobe Clean" panose="020B0503020404020204" pitchFamily="34" charset="0"/>
                 <a:cs typeface="Arial"/>
               </a:rPr>
-              <a:t>Case Reviews</a:t>
-            </a:r>
-            <a:endParaRPr lang="en-US" sz="1100">
-              <a:solidFill>
-                <a:prstClr val="black"/>
-              </a:solidFill>
-              <a:latin typeface="Adobe Clean" panose="020B0503020404020204" pitchFamily="34" charset="0"/>
-              <a:cs typeface="Arial"/>
-            </a:endParaRPr>
+              <a:t>Examens de cas</a:t>
+            </a:r>
           </a:p>
         </p:txBody>
       </p:sp>
@@ -10835,22 +9509,15 @@
               </a:spcBef>
             </a:pPr>
             <a:r>
-              <a:rPr lang="en-US" sz="1100" b="1">
+              <a:rPr lang="fr-FR" sz="1100" b="1">
                 <a:solidFill>
                   <a:srgbClr val="020302"/>
                 </a:solidFill>
                 <a:latin typeface="Adobe Clean" panose="020B0503020404020204" pitchFamily="34" charset="0"/>
                 <a:cs typeface="Adobe Clean"/>
               </a:rPr>
-              <a:t>Maintenance &amp; Monitoring</a:t>
-            </a:r>
-            <a:endParaRPr lang="en-US" sz="1100">
-              <a:solidFill>
-                <a:prstClr val="black"/>
-              </a:solidFill>
-              <a:latin typeface="Adobe Clean" panose="020B0503020404020204" pitchFamily="34" charset="0"/>
-              <a:cs typeface="Adobe Clean"/>
-            </a:endParaRPr>
+              <a:t>Maintenance et surveillance</a:t>
+            </a:r>
           </a:p>
         </p:txBody>
       </p:sp>
@@ -10868,8 +9535,8 @@
         </p:nvSpPr>
         <p:spPr>
           <a:xfrm>
-            <a:off x="3138805" y="3778989"/>
-            <a:ext cx="2194560" cy="169277"/>
+            <a:off x="3138805" y="3711933"/>
+            <a:ext cx="2194560" cy="338554"/>
           </a:xfrm>
           <a:prstGeom prst="rect">
             <a:avLst/>
@@ -10887,22 +9554,34 @@
               </a:spcBef>
             </a:pPr>
             <a:r>
-              <a:rPr lang="en-US" sz="1100" b="1">
+              <a:rPr lang="fr-FR" sz="1100" b="1" dirty="0">
                 <a:solidFill>
                   <a:srgbClr val="020302"/>
                 </a:solidFill>
                 <a:latin typeface="Adobe Clean" panose="020B0503020404020204" pitchFamily="34" charset="0"/>
                 <a:cs typeface="Adobe Clean"/>
               </a:rPr>
-              <a:t>Solution Roadmap Review</a:t>
-            </a:r>
-            <a:endParaRPr lang="en-US" sz="1100">
-              <a:solidFill>
-                <a:prstClr val="black"/>
-              </a:solidFill>
-              <a:latin typeface="Adobe Clean" panose="020B0503020404020204" pitchFamily="34" charset="0"/>
-              <a:cs typeface="Adobe Clean"/>
-            </a:endParaRPr>
+              <a:t>Examen de la feuille de route </a:t>
+            </a:r>
+            <a:br>
+              <a:rPr lang="fr-FR" sz="1100" b="1" dirty="0">
+                <a:solidFill>
+                  <a:srgbClr val="020302"/>
+                </a:solidFill>
+                <a:latin typeface="Adobe Clean" panose="020B0503020404020204" pitchFamily="34" charset="0"/>
+                <a:cs typeface="Adobe Clean"/>
+              </a:rPr>
+            </a:br>
+            <a:r>
+              <a:rPr lang="fr-FR" sz="1100" b="1" dirty="0">
+                <a:solidFill>
+                  <a:srgbClr val="020302"/>
+                </a:solidFill>
+                <a:latin typeface="Adobe Clean" panose="020B0503020404020204" pitchFamily="34" charset="0"/>
+                <a:cs typeface="Adobe Clean"/>
+              </a:rPr>
+              <a:t>de la solution</a:t>
+            </a:r>
           </a:p>
         </p:txBody>
       </p:sp>
@@ -10939,22 +9618,15 @@
               </a:spcBef>
             </a:pPr>
             <a:r>
-              <a:rPr lang="en-US" sz="1100" b="1">
+              <a:rPr lang="fr-FR" sz="1100" b="1">
                 <a:solidFill>
                   <a:srgbClr val="020302"/>
                 </a:solidFill>
                 <a:latin typeface="Adobe Clean" panose="020B0503020404020204" pitchFamily="34" charset="0"/>
                 <a:cs typeface="Adobe Clean"/>
               </a:rPr>
-              <a:t>Environment Review</a:t>
-            </a:r>
-            <a:endParaRPr lang="en-US" sz="1100">
-              <a:solidFill>
-                <a:prstClr val="black"/>
-              </a:solidFill>
-              <a:latin typeface="Adobe Clean" panose="020B0503020404020204" pitchFamily="34" charset="0"/>
-              <a:cs typeface="Adobe Clean"/>
-            </a:endParaRPr>
+              <a:t>Examen de l’environnement</a:t>
+            </a:r>
           </a:p>
         </p:txBody>
       </p:sp>
@@ -10972,7 +9644,7 @@
         </p:nvSpPr>
         <p:spPr>
           <a:xfrm>
-            <a:off x="689237" y="2599639"/>
+            <a:off x="689237" y="2550871"/>
             <a:ext cx="2194560" cy="169277"/>
           </a:xfrm>
           <a:prstGeom prst="rect">
@@ -10991,22 +9663,15 @@
               </a:spcBef>
             </a:pPr>
             <a:r>
-              <a:rPr lang="en-US" sz="1100" b="1">
+              <a:rPr lang="fr-FR" sz="1100" b="1" dirty="0">
                 <a:solidFill>
                   <a:srgbClr val="020302"/>
                 </a:solidFill>
                 <a:latin typeface="Adobe Clean" panose="020B0503020404020204" pitchFamily="34" charset="0"/>
                 <a:cs typeface="Adobe Clean"/>
               </a:rPr>
-              <a:t>Escalation Management</a:t>
-            </a:r>
-            <a:endParaRPr lang="en-US" sz="1100">
-              <a:solidFill>
-                <a:prstClr val="black"/>
-              </a:solidFill>
-              <a:latin typeface="Adobe Clean" panose="020B0503020404020204" pitchFamily="34" charset="0"/>
-              <a:cs typeface="Adobe Clean"/>
-            </a:endParaRPr>
+              <a:t>Gestion des remontées d’informations</a:t>
+            </a:r>
           </a:p>
         </p:txBody>
       </p:sp>
@@ -11043,22 +9708,15 @@
               </a:spcBef>
             </a:pPr>
             <a:r>
-              <a:rPr lang="en-US" sz="1100" b="1">
+              <a:rPr lang="fr-FR" sz="1100" b="1">
                 <a:solidFill>
                   <a:srgbClr val="020302"/>
                 </a:solidFill>
                 <a:latin typeface="Adobe Clean" panose="020B0503020404020204" pitchFamily="34" charset="0"/>
                 <a:cs typeface="Adobe Clean"/>
               </a:rPr>
-              <a:t>Service Reviews</a:t>
-            </a:r>
-            <a:endParaRPr lang="en-US" sz="1100">
-              <a:solidFill>
-                <a:prstClr val="black"/>
-              </a:solidFill>
-              <a:latin typeface="Adobe Clean" panose="020B0503020404020204" pitchFamily="34" charset="0"/>
-              <a:cs typeface="Adobe Clean"/>
-            </a:endParaRPr>
+              <a:t>Examens de service</a:t>
+            </a:r>
           </a:p>
         </p:txBody>
       </p:sp>
@@ -11095,22 +9753,15 @@
               </a:spcBef>
             </a:pPr>
             <a:r>
-              <a:rPr lang="en-US" sz="1100" b="1">
+              <a:rPr lang="fr-FR" sz="1100" b="1">
                 <a:solidFill>
                   <a:srgbClr val="020302"/>
                 </a:solidFill>
                 <a:latin typeface="Adobe Clean" panose="020B0503020404020204" pitchFamily="34" charset="0"/>
                 <a:cs typeface="Adobe Clean"/>
               </a:rPr>
-              <a:t>Expert Sessions</a:t>
-            </a:r>
-            <a:endParaRPr lang="en-US" sz="1100">
-              <a:solidFill>
-                <a:prstClr val="black"/>
-              </a:solidFill>
-              <a:latin typeface="Adobe Clean" panose="020B0503020404020204" pitchFamily="34" charset="0"/>
-              <a:cs typeface="Adobe Clean"/>
-            </a:endParaRPr>
+              <a:t>Sessions d’experts</a:t>
+            </a:r>
           </a:p>
         </p:txBody>
       </p:sp>
@@ -11128,8 +9779,8 @@
         </p:nvSpPr>
         <p:spPr>
           <a:xfrm>
-            <a:off x="689237" y="4935181"/>
-            <a:ext cx="2194560" cy="169277"/>
+            <a:off x="689237" y="4886413"/>
+            <a:ext cx="2194560" cy="338554"/>
           </a:xfrm>
           <a:prstGeom prst="rect">
             <a:avLst/>
@@ -11147,22 +9798,34 @@
               </a:spcBef>
             </a:pPr>
             <a:r>
-              <a:rPr lang="en-US" sz="1100" b="1">
+              <a:rPr lang="fr-FR" sz="1100" b="1" dirty="0">
                 <a:solidFill>
                   <a:srgbClr val="020302"/>
                 </a:solidFill>
                 <a:latin typeface="Adobe Clean" panose="020B0503020404020204" pitchFamily="34" charset="0"/>
                 <a:cs typeface="Adobe Clean"/>
               </a:rPr>
-              <a:t>Release Preparation &amp; Review</a:t>
-            </a:r>
-            <a:endParaRPr lang="en-US" sz="1100">
-              <a:solidFill>
-                <a:prstClr val="black"/>
-              </a:solidFill>
-              <a:latin typeface="Adobe Clean" panose="020B0503020404020204" pitchFamily="34" charset="0"/>
-              <a:cs typeface="Adobe Clean"/>
-            </a:endParaRPr>
+              <a:t>Préparation et examen de </a:t>
+            </a:r>
+            <a:br>
+              <a:rPr lang="fr-FR" sz="1100" b="1" dirty="0">
+                <a:solidFill>
+                  <a:srgbClr val="020302"/>
+                </a:solidFill>
+                <a:latin typeface="Adobe Clean" panose="020B0503020404020204" pitchFamily="34" charset="0"/>
+                <a:cs typeface="Adobe Clean"/>
+              </a:rPr>
+            </a:br>
+            <a:r>
+              <a:rPr lang="fr-FR" sz="1100" b="1" dirty="0">
+                <a:solidFill>
+                  <a:srgbClr val="020302"/>
+                </a:solidFill>
+                <a:latin typeface="Adobe Clean" panose="020B0503020404020204" pitchFamily="34" charset="0"/>
+                <a:cs typeface="Adobe Clean"/>
+              </a:rPr>
+              <a:t>la version</a:t>
+            </a:r>
           </a:p>
         </p:txBody>
       </p:sp>
@@ -11202,19 +9865,15 @@
               </a:spcBef>
             </a:pPr>
             <a:r>
-              <a:rPr lang="en-US" sz="1100" b="1">
+              <a:rPr lang="fr-FR" sz="1100" b="1">
                 <a:solidFill>
                   <a:srgbClr val="020302"/>
                 </a:solidFill>
                 <a:latin typeface="Adobe Clean" panose="020B0503020404020204" pitchFamily="34" charset="0"/>
                 <a:cs typeface="Adobe Clean"/>
               </a:rPr>
-              <a:t>Knowledge Transfer</a:t>
-            </a:r>
-            <a:endParaRPr lang="en-US" sz="1100">
-              <a:latin typeface="Adobe Clean" panose="020B0503020404020204" pitchFamily="34" charset="0"/>
-              <a:cs typeface="Adobe Clean"/>
-            </a:endParaRPr>
+              <a:t>Transfert de connaissances</a:t>
+            </a:r>
           </a:p>
         </p:txBody>
       </p:sp>
@@ -11254,19 +9913,15 @@
               </a:spcBef>
             </a:pPr>
             <a:r>
-              <a:rPr lang="en-US" sz="1100" b="1">
+              <a:rPr lang="fr-FR" sz="1100" b="1">
                 <a:solidFill>
                   <a:srgbClr val="020302"/>
                 </a:solidFill>
                 <a:latin typeface="Adobe Clean" panose="020B0503020404020204" pitchFamily="34" charset="0"/>
                 <a:cs typeface="Adobe Clean"/>
               </a:rPr>
-              <a:t>Event Management</a:t>
-            </a:r>
-            <a:endParaRPr lang="en-US" sz="1100">
-              <a:latin typeface="Adobe Clean" panose="020B0503020404020204" pitchFamily="34" charset="0"/>
-              <a:cs typeface="Adobe Clean"/>
-            </a:endParaRPr>
+              <a:t>Gestion des événements</a:t>
+            </a:r>
           </a:p>
         </p:txBody>
       </p:sp>
@@ -11593,7 +10248,7 @@
         <p:spPr>
           <a:xfrm>
             <a:off x="2764975" y="4039530"/>
-            <a:ext cx="2282011" cy="708399"/>
+            <a:ext cx="2282011" cy="798360"/>
           </a:xfrm>
           <a:prstGeom prst="rect">
             <a:avLst/>
@@ -11614,19 +10269,15 @@
               </a:spcBef>
             </a:pPr>
             <a:r>
-              <a:rPr lang="en-US" sz="1000">
+              <a:rPr lang="fr-FR" sz="900" dirty="0">
                 <a:solidFill>
                   <a:srgbClr val="020302"/>
                 </a:solidFill>
                 <a:latin typeface="AdobeClean-Light"/>
                 <a:cs typeface="AdobeClean-Light"/>
               </a:rPr>
-              <a:t>Compare and align Adobe solution  roadmap with your project roadmap to  mitigate risk and prepare for the future.</a:t>
-            </a:r>
-            <a:endParaRPr lang="en-US" sz="1000">
-              <a:latin typeface="AdobeClean-Light"/>
-              <a:cs typeface="AdobeClean-Light"/>
-            </a:endParaRPr>
+              <a:t>Il permet de comparer et d’aligner la feuille de route de la solution Adobe avec la feuille de route de votre projet afin de réduire les risques et de préparer l’avenir.</a:t>
+            </a:r>
           </a:p>
           <a:p>
             <a:pPr marL="18415" marR="262255" lvl="0">
@@ -11638,7 +10289,7 @@
               </a:spcBef>
             </a:pPr>
             <a:r>
-              <a:rPr lang="en-US" sz="1000">
+              <a:rPr lang="fr-FR" sz="900" dirty="0">
                 <a:solidFill>
                   <a:srgbClr val="020302"/>
                 </a:solidFill>
@@ -11647,13 +10298,6 @@
               </a:rPr>
               <a:t>.</a:t>
             </a:r>
-            <a:endParaRPr lang="en-US" sz="1000">
-              <a:solidFill>
-                <a:prstClr val="black"/>
-              </a:solidFill>
-              <a:latin typeface="AdobeClean-Light"/>
-              <a:cs typeface="AdobeClean-Light"/>
-            </a:endParaRPr>
           </a:p>
         </p:txBody>
       </p:sp>
@@ -11982,8 +10626,8 @@
         </p:nvSpPr>
         <p:spPr>
           <a:xfrm>
-            <a:off x="4843269" y="2329688"/>
-            <a:ext cx="1656080" cy="238760"/>
+            <a:off x="4556756" y="2329688"/>
+            <a:ext cx="2374831" cy="228268"/>
           </a:xfrm>
           <a:prstGeom prst="rect">
             <a:avLst/>
@@ -12004,179 +10648,15 @@
               </a:spcBef>
             </a:pPr>
             <a:r>
-              <a:rPr sz="1400" b="1" spc="-25">
+              <a:rPr lang="fr-FR" sz="1400" b="1" dirty="0">
                 <a:solidFill>
                   <a:srgbClr val="020302"/>
                 </a:solidFill>
                 <a:latin typeface="Adobe Clean"/>
                 <a:cs typeface="Adobe Clean"/>
               </a:rPr>
-              <a:t>Fi</a:t>
-            </a:r>
-            <a:r>
-              <a:rPr sz="1400" b="1" spc="-35">
-                <a:solidFill>
-                  <a:srgbClr val="020302"/>
-                </a:solidFill>
-                <a:latin typeface="Adobe Clean"/>
-                <a:cs typeface="Adobe Clean"/>
-              </a:rPr>
-              <a:t>e</a:t>
-            </a:r>
-            <a:r>
-              <a:rPr sz="1400" b="1" spc="-25">
-                <a:solidFill>
-                  <a:srgbClr val="020302"/>
-                </a:solidFill>
-                <a:latin typeface="Adobe Clean"/>
-                <a:cs typeface="Adobe Clean"/>
-              </a:rPr>
-              <a:t>l</a:t>
-            </a:r>
-            <a:r>
-              <a:rPr sz="1400" b="1">
-                <a:solidFill>
-                  <a:srgbClr val="020302"/>
-                </a:solidFill>
-                <a:latin typeface="Adobe Clean"/>
-                <a:cs typeface="Adobe Clean"/>
-              </a:rPr>
-              <a:t>d</a:t>
-            </a:r>
-            <a:r>
-              <a:rPr sz="1400" b="1" spc="-40">
-                <a:solidFill>
-                  <a:srgbClr val="020302"/>
-                </a:solidFill>
-                <a:latin typeface="Adobe Clean"/>
-                <a:cs typeface="Adobe Clean"/>
-              </a:rPr>
-              <a:t> </a:t>
-            </a:r>
-            <a:r>
-              <a:rPr sz="1400" b="1" spc="25">
-                <a:solidFill>
-                  <a:srgbClr val="020302"/>
-                </a:solidFill>
-                <a:latin typeface="Adobe Clean"/>
-                <a:cs typeface="Adobe Clean"/>
-              </a:rPr>
-              <a:t>S</a:t>
-            </a:r>
-            <a:r>
-              <a:rPr sz="1400" b="1" spc="5">
-                <a:solidFill>
-                  <a:srgbClr val="020302"/>
-                </a:solidFill>
-                <a:latin typeface="Adobe Clean"/>
-                <a:cs typeface="Adobe Clean"/>
-              </a:rPr>
-              <a:t>e</a:t>
-            </a:r>
-            <a:r>
-              <a:rPr sz="1400" b="1" spc="15">
-                <a:solidFill>
-                  <a:srgbClr val="020302"/>
-                </a:solidFill>
-                <a:latin typeface="Adobe Clean"/>
-                <a:cs typeface="Adobe Clean"/>
-              </a:rPr>
-              <a:t>rvi</a:t>
-            </a:r>
-            <a:r>
-              <a:rPr sz="1400" b="1" spc="5">
-                <a:solidFill>
-                  <a:srgbClr val="020302"/>
-                </a:solidFill>
-                <a:latin typeface="Adobe Clean"/>
-                <a:cs typeface="Adobe Clean"/>
-              </a:rPr>
-              <a:t>c</a:t>
-            </a:r>
-            <a:r>
-              <a:rPr sz="1400" b="1">
-                <a:solidFill>
-                  <a:srgbClr val="020302"/>
-                </a:solidFill>
-                <a:latin typeface="Adobe Clean"/>
-                <a:cs typeface="Adobe Clean"/>
-              </a:rPr>
-              <a:t>e</a:t>
-            </a:r>
-            <a:r>
-              <a:rPr sz="1400" b="1" spc="-190">
-                <a:solidFill>
-                  <a:srgbClr val="020302"/>
-                </a:solidFill>
-                <a:latin typeface="Adobe Clean"/>
-                <a:cs typeface="Adobe Clean"/>
-              </a:rPr>
-              <a:t> </a:t>
-            </a:r>
-            <a:r>
-              <a:rPr sz="1400" b="1" spc="5">
-                <a:solidFill>
-                  <a:srgbClr val="020302"/>
-                </a:solidFill>
-                <a:latin typeface="Adobe Clean"/>
-                <a:cs typeface="Adobe Clean"/>
-              </a:rPr>
-              <a:t>A</a:t>
-            </a:r>
-            <a:r>
-              <a:rPr sz="1400" b="1" spc="-5">
-                <a:solidFill>
-                  <a:srgbClr val="020302"/>
-                </a:solidFill>
-                <a:latin typeface="Adobe Clean"/>
-                <a:cs typeface="Adobe Clean"/>
-              </a:rPr>
-              <a:t>ct</a:t>
-            </a:r>
-            <a:r>
-              <a:rPr sz="1400" b="1" spc="5">
-                <a:solidFill>
-                  <a:srgbClr val="020302"/>
-                </a:solidFill>
-                <a:latin typeface="Adobe Clean"/>
-                <a:cs typeface="Adobe Clean"/>
-              </a:rPr>
-              <a:t>ivi</a:t>
-            </a:r>
-            <a:r>
-              <a:rPr sz="1400" b="1" spc="-5">
-                <a:solidFill>
-                  <a:srgbClr val="020302"/>
-                </a:solidFill>
-                <a:latin typeface="Adobe Clean"/>
-                <a:cs typeface="Adobe Clean"/>
-              </a:rPr>
-              <a:t>t</a:t>
-            </a:r>
-            <a:r>
-              <a:rPr sz="1400" b="1" spc="5">
-                <a:solidFill>
-                  <a:srgbClr val="020302"/>
-                </a:solidFill>
-                <a:latin typeface="Adobe Clean"/>
-                <a:cs typeface="Adobe Clean"/>
-              </a:rPr>
-              <a:t>i</a:t>
-            </a:r>
-            <a:r>
-              <a:rPr sz="1400" b="1" spc="-5">
-                <a:solidFill>
-                  <a:srgbClr val="020302"/>
-                </a:solidFill>
-                <a:latin typeface="Adobe Clean"/>
-                <a:cs typeface="Adobe Clean"/>
-              </a:rPr>
-              <a:t>es</a:t>
-            </a:r>
-            <a:endParaRPr sz="1400">
-              <a:latin typeface="Adobe Clean"/>
-              <a:cs typeface="Adobe Clean"/>
-            </a:endParaRPr>
+              <a:t>Activités du service de terrain</a:t>
+            </a:r>
           </a:p>
         </p:txBody>
       </p:sp>
@@ -12188,8 +10668,8 @@
         </p:nvSpPr>
         <p:spPr>
           <a:xfrm>
-            <a:off x="914422" y="2342312"/>
-            <a:ext cx="1242060" cy="238760"/>
+            <a:off x="914421" y="2342312"/>
+            <a:ext cx="1548361" cy="228268"/>
           </a:xfrm>
           <a:prstGeom prst="rect">
             <a:avLst/>
@@ -12210,99 +10690,15 @@
               </a:spcBef>
             </a:pPr>
             <a:r>
-              <a:rPr sz="1400" b="1" spc="-25">
+              <a:rPr lang="fr-FR" sz="1400" b="1" dirty="0">
                 <a:solidFill>
                   <a:srgbClr val="020302"/>
                 </a:solidFill>
                 <a:latin typeface="Adobe Clean"/>
                 <a:cs typeface="Adobe Clean"/>
               </a:rPr>
-              <a:t>L</a:t>
-            </a:r>
-            <a:r>
-              <a:rPr sz="1400" b="1" spc="-5">
-                <a:solidFill>
-                  <a:srgbClr val="020302"/>
-                </a:solidFill>
-                <a:latin typeface="Adobe Clean"/>
-                <a:cs typeface="Adobe Clean"/>
-              </a:rPr>
-              <a:t>a</a:t>
-            </a:r>
-            <a:r>
-              <a:rPr sz="1400" b="1" spc="-20">
-                <a:solidFill>
-                  <a:srgbClr val="020302"/>
-                </a:solidFill>
-                <a:latin typeface="Adobe Clean"/>
-                <a:cs typeface="Adobe Clean"/>
-              </a:rPr>
-              <a:t>u</a:t>
-            </a:r>
-            <a:r>
-              <a:rPr sz="1400" b="1" spc="-15">
-                <a:solidFill>
-                  <a:srgbClr val="020302"/>
-                </a:solidFill>
-                <a:latin typeface="Adobe Clean"/>
-                <a:cs typeface="Adobe Clean"/>
-              </a:rPr>
-              <a:t>n</a:t>
-            </a:r>
-            <a:r>
-              <a:rPr sz="1400" b="1" spc="-25">
-                <a:solidFill>
-                  <a:srgbClr val="020302"/>
-                </a:solidFill>
-                <a:latin typeface="Adobe Clean"/>
-                <a:cs typeface="Adobe Clean"/>
-              </a:rPr>
-              <a:t>c</a:t>
-            </a:r>
-            <a:r>
-              <a:rPr sz="1400" b="1">
-                <a:solidFill>
-                  <a:srgbClr val="020302"/>
-                </a:solidFill>
-                <a:latin typeface="Adobe Clean"/>
-                <a:cs typeface="Adobe Clean"/>
-              </a:rPr>
-              <a:t>h</a:t>
-            </a:r>
-            <a:r>
-              <a:rPr sz="1400" b="1" spc="-25">
-                <a:solidFill>
-                  <a:srgbClr val="020302"/>
-                </a:solidFill>
-                <a:latin typeface="Adobe Clean"/>
-                <a:cs typeface="Adobe Clean"/>
-              </a:rPr>
-              <a:t> </a:t>
-            </a:r>
-            <a:r>
-              <a:rPr sz="1400" b="1" spc="-10">
-                <a:solidFill>
-                  <a:srgbClr val="020302"/>
-                </a:solidFill>
-                <a:latin typeface="Adobe Clean"/>
-                <a:cs typeface="Adobe Clean"/>
-              </a:rPr>
-              <a:t>Advisor</a:t>
-            </a:r>
-            <a:r>
-              <a:rPr sz="1400" b="1">
-                <a:solidFill>
-                  <a:srgbClr val="020302"/>
-                </a:solidFill>
-                <a:latin typeface="Adobe Clean"/>
-                <a:cs typeface="Adobe Clean"/>
-              </a:rPr>
-              <a:t>y</a:t>
-            </a:r>
-            <a:endParaRPr sz="1400">
-              <a:latin typeface="Adobe Clean"/>
-              <a:cs typeface="Adobe Clean"/>
-            </a:endParaRPr>
+              <a:t>Launch Advisory</a:t>
+            </a:r>
           </a:p>
         </p:txBody>
       </p:sp>
@@ -12315,7 +10711,7 @@
         <p:spPr>
           <a:xfrm>
             <a:off x="242187" y="2787904"/>
-            <a:ext cx="3004185" cy="635000"/>
+            <a:ext cx="3004185" cy="782265"/>
           </a:xfrm>
           <a:prstGeom prst="rect">
             <a:avLst/>
@@ -12336,90 +10732,96 @@
               </a:spcBef>
             </a:pPr>
             <a:r>
-              <a:rPr sz="1000">
+              <a:rPr lang="fr-FR" sz="1000" dirty="0">
                 <a:solidFill>
                   <a:srgbClr val="1F1F1F"/>
                 </a:solidFill>
                 <a:latin typeface="AdobeClean-Light"/>
                 <a:cs typeface="AdobeClean-Light"/>
               </a:rPr>
-              <a:t>For customers implementing a </a:t>
-            </a:r>
-            <a:r>
-              <a:rPr sz="1000" b="1">
+              <a:t>Pour les clients qui implémentent une </a:t>
+            </a:r>
+            <a:r>
+              <a:rPr lang="fr-FR" sz="1000" b="1" dirty="0">
                 <a:solidFill>
                   <a:srgbClr val="1F1F1F"/>
                 </a:solidFill>
                 <a:latin typeface="Adobe Clean"/>
                 <a:cs typeface="Adobe Clean"/>
               </a:rPr>
-              <a:t>new Adobe Experience Cloud  solution, </a:t>
-            </a:r>
-            <a:r>
-              <a:rPr sz="1000">
+              <a:t>nouvelle solution Adobe </a:t>
+            </a:r>
+            <a:r>
+              <a:rPr lang="fr-FR" sz="1000" b="1" dirty="0" err="1">
+                <a:solidFill>
+                  <a:srgbClr val="1F1F1F"/>
+                </a:solidFill>
+                <a:latin typeface="Adobe Clean"/>
+                <a:cs typeface="Adobe Clean"/>
+              </a:rPr>
+              <a:t>Experience</a:t>
+            </a:r>
+            <a:r>
+              <a:rPr lang="fr-FR" sz="1000" b="1" dirty="0">
+                <a:solidFill>
+                  <a:srgbClr val="1F1F1F"/>
+                </a:solidFill>
+                <a:latin typeface="Adobe Clean"/>
+                <a:cs typeface="Adobe Clean"/>
+              </a:rPr>
+              <a:t> Cloud, </a:t>
+            </a:r>
+            <a:r>
+              <a:rPr lang="fr-FR" sz="1000" dirty="0">
                 <a:latin typeface="AdobeClean-Light"/>
                 <a:cs typeface="AdobeClean-Light"/>
               </a:rPr>
-              <a:t>Launch Advisory </a:t>
-            </a:r>
-            <a:r>
-              <a:rPr sz="1000">
+              <a:t>Launch Advisory</a:t>
+            </a:r>
+            <a:r>
+              <a:rPr lang="fr-FR" sz="1000" dirty="0">
                 <a:latin typeface="AdobeClean-SemiLight"/>
                 <a:cs typeface="AdobeClean-SemiLight"/>
               </a:rPr>
-              <a:t>is a </a:t>
-            </a:r>
-            <a:r>
-              <a:rPr sz="950">
+              <a:t> est un </a:t>
+            </a:r>
+            <a:r>
+              <a:rPr lang="fr-FR" sz="950" dirty="0">
                 <a:latin typeface="AdobeClean-SemiLight"/>
                 <a:cs typeface="AdobeClean-SemiLight"/>
               </a:rPr>
-              <a:t>core set of advisory</a:t>
-            </a:r>
-          </a:p>
-          <a:p>
-            <a:pPr marL="12700" marR="86995" indent="-635">
-              <a:lnSpc>
-                <a:spcPct val="100000"/>
-              </a:lnSpc>
-            </a:pPr>
-            <a:r>
-              <a:rPr sz="950">
-                <a:latin typeface="AdobeClean-SemiLight"/>
-                <a:cs typeface="AdobeClean-SemiLight"/>
-              </a:rPr>
-              <a:t>services </a:t>
-            </a:r>
-            <a:r>
-              <a:rPr sz="1000">
+              <a:t>ensemble de base de services de conseil </a:t>
+            </a:r>
+            <a:r>
+              <a:rPr lang="fr-FR" sz="1000" dirty="0">
                 <a:latin typeface="AdobeClean-Light"/>
                 <a:cs typeface="AdobeClean-Light"/>
               </a:rPr>
-              <a:t>and recommendations that are proven to </a:t>
-            </a:r>
-            <a:r>
-              <a:rPr sz="950">
+              <a:t>et de recommandations qui s’avèrent prendre en charge </a:t>
+            </a:r>
+            <a:r>
+              <a:rPr lang="fr-FR" sz="950" dirty="0">
                 <a:latin typeface="AdobeClean-Light"/>
                 <a:cs typeface="AdobeClean-Light"/>
               </a:rPr>
-              <a:t>support  successful deployments </a:t>
-            </a:r>
-            <a:r>
-              <a:rPr sz="1000">
+              <a:t>les déploiements réussis </a:t>
+            </a:r>
+            <a:r>
+              <a:rPr lang="fr-FR" sz="1000" dirty="0">
                 <a:latin typeface="AdobeClean-Light"/>
                 <a:cs typeface="AdobeClean-Light"/>
               </a:rPr>
-              <a:t>and </a:t>
-            </a:r>
-            <a:r>
-              <a:rPr sz="950">
+              <a:t>et </a:t>
+            </a:r>
+            <a:r>
+              <a:rPr lang="fr-FR" sz="950" dirty="0">
                 <a:latin typeface="AdobeClean-Light"/>
                 <a:cs typeface="AdobeClean-Light"/>
               </a:rPr>
-              <a:t>accelerate time-to-value</a:t>
-            </a:r>
-            <a:r>
-              <a:rPr sz="1000">
+              <a:t>accélérer la rentabilité</a:t>
+            </a:r>
+            <a:r>
+              <a:rPr lang="fr-FR" sz="1000" dirty="0">
                 <a:latin typeface="AdobeClean-Light"/>
                 <a:cs typeface="AdobeClean-Light"/>
               </a:rPr>
@@ -12537,79 +10939,75 @@
               </a:spcBef>
             </a:pPr>
             <a:r>
-              <a:rPr sz="1000">
+              <a:rPr lang="fr-FR" sz="1000" dirty="0">
                 <a:solidFill>
                   <a:srgbClr val="4B4B4B"/>
                 </a:solidFill>
                 <a:latin typeface="AdobeClean-Light"/>
                 <a:cs typeface="AdobeClean-Light"/>
               </a:rPr>
-              <a:t>Field Services are used for </a:t>
-            </a:r>
-            <a:r>
-              <a:rPr sz="1000" b="1">
+              <a:t>Les services de terrain servent à la </a:t>
+            </a:r>
+            <a:r>
+              <a:rPr lang="fr-FR" sz="1000" b="1" dirty="0">
                 <a:solidFill>
                   <a:srgbClr val="4B4B4B"/>
                 </a:solidFill>
                 <a:latin typeface="Adobe Clean"/>
                 <a:cs typeface="Adobe Clean"/>
               </a:rPr>
-              <a:t>quick resolution</a:t>
-            </a:r>
-            <a:r>
-              <a:rPr sz="1000">
+              <a:t>résolution rapide</a:t>
+            </a:r>
+            <a:r>
+              <a:rPr lang="fr-FR" sz="1000" dirty="0">
                 <a:solidFill>
                   <a:srgbClr val="4B4B4B"/>
                 </a:solidFill>
                 <a:latin typeface="AdobeClean-Light"/>
                 <a:cs typeface="AdobeClean-Light"/>
               </a:rPr>
-              <a:t>, focused customer success  and accelerated </a:t>
-            </a:r>
-            <a:r>
-              <a:rPr sz="1000" b="1">
+              <a:t>, au succès ciblé du client et à l’</a:t>
+            </a:r>
+            <a:r>
+              <a:rPr lang="fr-FR" sz="1000" b="1" dirty="0">
                 <a:solidFill>
                   <a:srgbClr val="4B4B4B"/>
                 </a:solidFill>
                 <a:latin typeface="Adobe Clean"/>
                 <a:cs typeface="Adobe Clean"/>
               </a:rPr>
-              <a:t>time-to-value</a:t>
-            </a:r>
-            <a:r>
-              <a:rPr sz="1000">
+              <a:t>accélération de la rentabilité</a:t>
+            </a:r>
+            <a:r>
+              <a:rPr lang="fr-FR" sz="1000" dirty="0">
                 <a:solidFill>
                   <a:srgbClr val="4B4B4B"/>
                 </a:solidFill>
                 <a:latin typeface="AdobeClean-Light"/>
                 <a:cs typeface="AdobeClean-Light"/>
               </a:rPr>
-              <a:t>. If Launch advisory is active there will be  </a:t>
-            </a:r>
-            <a:r>
-              <a:rPr sz="1000" b="1">
+              <a:t>. Si Launch Advisory est actif, il n’y aura </a:t>
+            </a:r>
+            <a:r>
+              <a:rPr lang="fr-FR" sz="1000" b="1" dirty="0">
                 <a:solidFill>
                   <a:srgbClr val="4B4B4B"/>
                 </a:solidFill>
                 <a:latin typeface="Adobe Clean"/>
                 <a:cs typeface="Adobe Clean"/>
               </a:rPr>
-              <a:t>no Field Services in year 1 </a:t>
-            </a:r>
-            <a:r>
-              <a:rPr sz="1000">
+              <a:t>aucun service sur le terrain au cours de la première année </a:t>
+            </a:r>
+            <a:r>
+              <a:rPr lang="fr-FR" sz="1000" dirty="0">
                 <a:solidFill>
                   <a:srgbClr val="4B4B4B"/>
                 </a:solidFill>
                 <a:latin typeface="AdobeClean-Light"/>
                 <a:cs typeface="AdobeClean-Light"/>
               </a:rPr>
-              <a:t>for any solution product covered by a  Support contract.</a:t>
-            </a:r>
-            <a:endParaRPr sz="1000">
-              <a:latin typeface="AdobeClean-Light"/>
-              <a:cs typeface="AdobeClean-Light"/>
-            </a:endParaRPr>
+              <a:t>pour tout produit de solution couvert par un contrat d’assistance Adobe.</a:t>
+            </a:r>
           </a:p>
         </p:txBody>
       </p:sp>
@@ -12705,8 +11103,8 @@
         </p:nvSpPr>
         <p:spPr>
           <a:xfrm>
-            <a:off x="263464" y="5348732"/>
-            <a:ext cx="3114040" cy="482600"/>
+            <a:off x="263464" y="5312156"/>
+            <a:ext cx="3114040" cy="597599"/>
           </a:xfrm>
           <a:prstGeom prst="rect">
             <a:avLst/>
@@ -12718,7 +11116,7 @@
           </a:bodyPr>
           <a:lstStyle/>
           <a:p>
-            <a:pPr marL="12700" marR="5080" algn="just">
+            <a:pPr marL="12700" marR="5080">
               <a:lnSpc>
                 <a:spcPct val="100000"/>
               </a:lnSpc>
@@ -12727,11 +11125,11 @@
               </a:spcBef>
             </a:pPr>
             <a:r>
-              <a:rPr sz="1000">
+              <a:rPr lang="fr-FR" sz="950" dirty="0">
                 <a:latin typeface="AdobeClean-Light"/>
                 <a:cs typeface="AdobeClean-Light"/>
               </a:rPr>
-              <a:t>Launch Advisory will align with your project schedule through  common milestones (Kickoff, Define, Design, Go-live and Post  Launch) to guide, validate, assess and make recommendations.</a:t>
+              <a:t>Launch Advisory s’alignera sur le calendrier de votre projet via des jalons communs (lancement, définition, conception, activation et post-lancement) pour guider, valider, évaluer et faire des recommandations.</a:t>
             </a:r>
           </a:p>
         </p:txBody>
@@ -12744,8 +11142,8 @@
         </p:nvSpPr>
         <p:spPr>
           <a:xfrm>
-            <a:off x="263464" y="5982715"/>
-            <a:ext cx="1247140" cy="166712"/>
+            <a:off x="263464" y="5946139"/>
+            <a:ext cx="2103120" cy="305212"/>
           </a:xfrm>
           <a:prstGeom prst="rect">
             <a:avLst/>
@@ -12766,11 +11164,11 @@
               </a:spcBef>
             </a:pPr>
             <a:r>
-              <a:rPr sz="1000">
+              <a:rPr lang="fr-FR" sz="950" dirty="0">
                 <a:latin typeface="AdobeClean-Light"/>
                 <a:cs typeface="AdobeClean-Light"/>
               </a:rPr>
-              <a:t>Key Deliverables include:</a:t>
+              <a:t>Les principaux éléments livrables sont les suivants :</a:t>
             </a:r>
           </a:p>
         </p:txBody>
@@ -12783,8 +11181,8 @@
         </p:nvSpPr>
         <p:spPr>
           <a:xfrm>
-            <a:off x="205422" y="6308299"/>
-            <a:ext cx="2745105" cy="592470"/>
+            <a:off x="205422" y="6271723"/>
+            <a:ext cx="3257106" cy="715581"/>
           </a:xfrm>
           <a:prstGeom prst="rect">
             <a:avLst/>
@@ -12804,12 +11202,12 @@
               <a:buChar char="•"/>
             </a:pPr>
             <a:r>
-              <a:rPr lang="en-US" sz="1000">
+              <a:rPr lang="fr-FR" sz="950" dirty="0">
                 <a:solidFill>
                   <a:prstClr val="black"/>
                 </a:solidFill>
               </a:rPr>
-              <a:t>Kickoff (including project collaboration plan) deck</a:t>
+              <a:t>Plateforme de lancement (y compris le plan de collaboration du projet)</a:t>
             </a:r>
           </a:p>
           <a:p>
@@ -12821,12 +11219,12 @@
               <a:buChar char="•"/>
             </a:pPr>
             <a:r>
-              <a:rPr lang="en-US" sz="1000">
+              <a:rPr lang="fr-FR" sz="950" dirty="0">
                 <a:solidFill>
                   <a:prstClr val="black"/>
                 </a:solidFill>
               </a:rPr>
-              <a:t>Assessment &amp; recommendations document(s)</a:t>
+              <a:t>Document(s) d’évaluation et de recommandations</a:t>
             </a:r>
           </a:p>
           <a:p>
@@ -12838,12 +11236,12 @@
               <a:buChar char="•"/>
             </a:pPr>
             <a:r>
-              <a:rPr lang="en-US" sz="1000">
+              <a:rPr lang="fr-FR" sz="950" dirty="0">
                 <a:solidFill>
                   <a:prstClr val="black"/>
                 </a:solidFill>
               </a:rPr>
-              <a:t>Engagement summary</a:t>
+              <a:t>Résumé des engagements</a:t>
             </a:r>
           </a:p>
         </p:txBody>
@@ -12856,8 +11254,8 @@
         </p:nvSpPr>
         <p:spPr>
           <a:xfrm>
-            <a:off x="263464" y="4126991"/>
-            <a:ext cx="3141980" cy="1070610"/>
+            <a:off x="263464" y="4200143"/>
+            <a:ext cx="3141980" cy="1082348"/>
           </a:xfrm>
           <a:prstGeom prst="rect">
             <a:avLst/>
@@ -12878,19 +11276,15 @@
               </a:spcBef>
             </a:pPr>
             <a:r>
-              <a:rPr sz="1600">
+              <a:rPr lang="fr-FR" sz="950" dirty="0">
                 <a:solidFill>
                   <a:srgbClr val="FFFFFF"/>
                 </a:solidFill>
                 <a:latin typeface="Arial"/>
                 <a:cs typeface="Arial"/>
               </a:rPr>
-              <a:t>Implementation</a:t>
-            </a:r>
-            <a:endParaRPr sz="1600">
-              <a:latin typeface="Arial"/>
-              <a:cs typeface="Arial"/>
-            </a:endParaRPr>
+              <a:t>Implémentation</a:t>
+            </a:r>
           </a:p>
           <a:p>
             <a:pPr marL="12700" marR="5080">
@@ -12902,32 +11296,18 @@
               </a:spcBef>
             </a:pPr>
             <a:r>
-              <a:rPr sz="1000">
+              <a:rPr lang="fr-FR" sz="950" dirty="0">
                 <a:latin typeface="AdobeClean-Light"/>
                 <a:cs typeface="AdobeClean-Light"/>
               </a:rPr>
-              <a:t>Adobe solution experts help validate requirements, architecture,  development process, and launch readiness reviews </a:t>
-            </a:r>
-            <a:r>
-              <a:rPr sz="1000">
+              <a:t>Les experts en solutions Adobe aident à valider les exigences, l’architecture, les processus de développement et les examens de préparation au lancement </a:t>
+            </a:r>
+            <a:r>
+              <a:rPr lang="fr-FR" sz="950" dirty="0">
                 <a:latin typeface="AdobeClean-SemiLight"/>
                 <a:cs typeface="AdobeClean-SemiLight"/>
               </a:rPr>
-              <a:t>with </a:t>
-            </a:r>
-            <a:r>
-              <a:rPr sz="950">
-                <a:latin typeface="AdobeClean-SemiLight"/>
-                <a:cs typeface="AdobeClean-SemiLight"/>
-              </a:rPr>
-              <a:t>best  practice-based guidance </a:t>
-            </a:r>
-            <a:r>
-              <a:rPr sz="1000">
-                <a:latin typeface="AdobeClean-SemiLight"/>
-                <a:cs typeface="AdobeClean-SemiLight"/>
-              </a:rPr>
-              <a:t>to customers and implementation  partners.</a:t>
+              <a:t>avec des conseils basés sur les bonnes pratiques à l’intention des clients et des partenaires de mise en œuvre.</a:t>
             </a:r>
           </a:p>
         </p:txBody>
@@ -12939,15 +11319,20 @@
           <p:nvPr/>
         </p:nvPicPr>
         <p:blipFill>
-          <a:blip r:embed="rId3" cstate="print"/>
-          <a:stretch>
-            <a:fillRect/>
-          </a:stretch>
+          <a:blip r:embed="rId3" cstate="print">
+            <a:extLst>
+              <a:ext uri="{28A0092B-C50C-407E-A947-70E740481C1C}">
+                <a14:useLocalDpi xmlns:a14="http://schemas.microsoft.com/office/drawing/2010/main" val="0"/>
+              </a:ext>
+            </a:extLst>
+          </a:blip>
+          <a:srcRect/>
+          <a:stretch/>
         </p:blipFill>
         <p:spPr>
           <a:xfrm>
-            <a:off x="363328" y="6930985"/>
-            <a:ext cx="3053821" cy="2818913"/>
+            <a:off x="363328" y="7028522"/>
+            <a:ext cx="3053821" cy="2818911"/>
           </a:xfrm>
           <a:prstGeom prst="rect">
             <a:avLst/>
@@ -12962,8 +11347,8 @@
         </p:nvSpPr>
         <p:spPr>
           <a:xfrm>
-            <a:off x="3947346" y="5363972"/>
-            <a:ext cx="3335020" cy="659765"/>
+            <a:off x="3947346" y="5327396"/>
+            <a:ext cx="3335020" cy="766748"/>
           </a:xfrm>
           <a:prstGeom prst="rect">
             <a:avLst/>
@@ -12984,30 +11369,19 @@
               </a:spcBef>
             </a:pPr>
             <a:r>
-              <a:rPr sz="1000" b="1">
+              <a:rPr lang="fr-FR" sz="950" b="1" dirty="0">
                 <a:latin typeface="Arial"/>
                 <a:cs typeface="Arial"/>
               </a:rPr>
-              <a:t>Technical Track Activities </a:t>
-            </a:r>
-            <a:r>
-              <a:rPr sz="1000">
+              <a:t>Les activités de suivi technique </a:t>
+            </a:r>
+            <a:r>
+              <a:rPr lang="fr-FR" sz="950" dirty="0">
                 <a:latin typeface="AdobeClean-Light"/>
                 <a:cs typeface="AdobeClean-Light"/>
               </a:rPr>
-              <a:t>ensure customers are technically sound  and maximizing their tool adoption. Specifically, these types of  activities include support and recommendations related to platform  configurations, integrations and troubleshooting</a:t>
-            </a:r>
-            <a:r>
-              <a:rPr lang="en-US" sz="1000">
-                <a:latin typeface="AdobeClean-Light"/>
-                <a:cs typeface="AdobeClean-Light"/>
-              </a:rPr>
-              <a:t>.</a:t>
-            </a:r>
-            <a:endParaRPr sz="1000">
-              <a:latin typeface="AdobeClean-Light"/>
-              <a:cs typeface="AdobeClean-Light"/>
-            </a:endParaRPr>
+              <a:t>s’assurent que les clients sont techniquement sûrs et maximisent l’adoption de leurs outils. Pour être plus précis, ces types d’activités incluent la prise en charge et les recommandations liées aux configurations de plateforme, aux intégrations et à la résolution des problèmes.</a:t>
+            </a:r>
           </a:p>
         </p:txBody>
       </p:sp>
@@ -13019,8 +11393,8 @@
         </p:nvSpPr>
         <p:spPr>
           <a:xfrm>
-            <a:off x="3947346" y="6174740"/>
-            <a:ext cx="2099310" cy="1436291"/>
+            <a:off x="3947345" y="6138164"/>
+            <a:ext cx="3429519" cy="1436291"/>
           </a:xfrm>
           <a:prstGeom prst="rect">
             <a:avLst/>
@@ -13041,11 +11415,11 @@
               </a:spcBef>
             </a:pPr>
             <a:r>
-              <a:rPr sz="1000">
+              <a:rPr lang="fr-FR" sz="950" dirty="0">
                 <a:latin typeface="AdobeClean-Light"/>
                 <a:cs typeface="AdobeClean-Light"/>
               </a:rPr>
-              <a:t>Types of technical activities available::</a:t>
+              <a:t>Les types d’activités techniques disponibles sont les suivantes :</a:t>
             </a:r>
           </a:p>
           <a:p>
@@ -13060,12 +11434,12 @@
               <a:buChar char="ü"/>
             </a:pPr>
             <a:r>
-              <a:rPr lang="en-US" sz="1000">
+              <a:rPr lang="fr-FR" sz="950" dirty="0">
                 <a:solidFill>
                   <a:prstClr val="black"/>
                 </a:solidFill>
               </a:rPr>
-              <a:t>Health audit</a:t>
+              <a:t>Vérification de l’intégrité</a:t>
             </a:r>
           </a:p>
           <a:p>
@@ -13080,12 +11454,12 @@
               <a:buChar char="ü"/>
             </a:pPr>
             <a:r>
-              <a:rPr lang="en-US" sz="1000">
+              <a:rPr lang="fr-FR" sz="950" dirty="0">
                 <a:solidFill>
                   <a:prstClr val="black"/>
                 </a:solidFill>
               </a:rPr>
-              <a:t>Platform audit</a:t>
+              <a:t>Vérification de la plateforme</a:t>
             </a:r>
           </a:p>
           <a:p>
@@ -13100,12 +11474,12 @@
               <a:buChar char="ü"/>
             </a:pPr>
             <a:r>
-              <a:rPr lang="en-US" sz="1000">
+              <a:rPr lang="fr-FR" sz="950" dirty="0">
                 <a:solidFill>
                   <a:prstClr val="black"/>
                 </a:solidFill>
               </a:rPr>
-              <a:t>Feature set enablement</a:t>
+              <a:t>Activation de l’ensemble de fonctionnalités</a:t>
             </a:r>
           </a:p>
           <a:p>
@@ -13120,12 +11494,12 @@
               <a:buChar char="ü"/>
             </a:pPr>
             <a:r>
-              <a:rPr lang="en-US" sz="1000">
+              <a:rPr lang="fr-FR" sz="950" dirty="0">
                 <a:solidFill>
                   <a:prstClr val="black"/>
                 </a:solidFill>
               </a:rPr>
-              <a:t>Basic integrations and configurations</a:t>
+              <a:t>Intégrations et configurations de base</a:t>
             </a:r>
           </a:p>
           <a:p>
@@ -13140,12 +11514,12 @@
               <a:buChar char="ü"/>
             </a:pPr>
             <a:r>
-              <a:rPr lang="en-US" sz="1000">
+              <a:rPr lang="fr-FR" sz="950" dirty="0">
                 <a:solidFill>
                   <a:prstClr val="black"/>
                 </a:solidFill>
               </a:rPr>
-              <a:t>Customer solution troubleshooting</a:t>
+              <a:t>Résolution des problèmes liés aux solutions client</a:t>
             </a:r>
           </a:p>
           <a:p>
@@ -13160,12 +11534,12 @@
               <a:buChar char="ü"/>
             </a:pPr>
             <a:r>
-              <a:rPr lang="en-US" sz="1000">
+              <a:rPr lang="fr-FR" sz="950" dirty="0">
                 <a:solidFill>
                   <a:prstClr val="black"/>
                 </a:solidFill>
               </a:rPr>
-              <a:t>Cloud service support</a:t>
+              <a:t>Assistance du service Cloud</a:t>
             </a:r>
           </a:p>
         </p:txBody>
@@ -13178,8 +11552,8 @@
         </p:nvSpPr>
         <p:spPr>
           <a:xfrm>
-            <a:off x="3942774" y="7717028"/>
-            <a:ext cx="3208655" cy="1989006"/>
+            <a:off x="3942774" y="7680452"/>
+            <a:ext cx="3208655" cy="1888337"/>
           </a:xfrm>
           <a:prstGeom prst="rect">
             <a:avLst/>
@@ -13200,18 +11574,18 @@
               </a:spcBef>
             </a:pPr>
             <a:r>
-              <a:rPr sz="1000" b="1">
+              <a:rPr lang="fr-FR" sz="950" b="1" dirty="0">
                 <a:latin typeface="Arial"/>
                 <a:cs typeface="Arial"/>
               </a:rPr>
-              <a:t>Strategic Track Activities </a:t>
-            </a:r>
-            <a:r>
-              <a:rPr sz="1000">
+              <a:t>Les activités de suivi stratégique </a:t>
+            </a:r>
+            <a:r>
+              <a:rPr lang="fr-FR" sz="950" dirty="0">
                 <a:latin typeface="AdobeClean-Light"/>
                 <a:cs typeface="AdobeClean-Light"/>
               </a:rPr>
-              <a:t>locate opportunities to ensure value is  being realized from a customer’s Adobe solutions. They include  support recommendations related to strategy, measurement and  maturity to drive value realization across one or more Adobe  solutions.</a:t>
+              <a:t>localisent des opportunités pour s’assurer que les solutions Adobe d’un client génèrent de la valeur. Elles comprennent des recommandations d’assistance liées à la stratégie, à la mesure et à la maturité afin de générer de la valeur pour une ou plusieurs solutions Adobe.</a:t>
             </a:r>
           </a:p>
           <a:p>
@@ -13223,7 +11597,7 @@
                 <a:spcPts val="40"/>
               </a:spcBef>
             </a:pPr>
-            <a:endParaRPr sz="1100">
+            <a:endParaRPr sz="950" dirty="0">
               <a:latin typeface="AdobeClean-Light"/>
               <a:cs typeface="AdobeClean-Light"/>
             </a:endParaRPr>
@@ -13235,11 +11609,11 @@
               </a:lnSpc>
             </a:pPr>
             <a:r>
-              <a:rPr sz="1000">
+              <a:rPr lang="fr-FR" sz="950" dirty="0">
                 <a:latin typeface="AdobeClean-Light"/>
                 <a:cs typeface="AdobeClean-Light"/>
               </a:rPr>
-              <a:t>Types of strategic activities available::</a:t>
+              <a:t>Les types d’activités stratégiques disponibles sont les suivantes :</a:t>
             </a:r>
           </a:p>
           <a:p>
@@ -13254,12 +11628,12 @@
               <a:buChar char="ü"/>
             </a:pPr>
             <a:r>
-              <a:rPr lang="en-US" sz="1000">
+              <a:rPr lang="fr-FR" sz="950" dirty="0">
                 <a:solidFill>
                   <a:prstClr val="black"/>
                 </a:solidFill>
               </a:rPr>
-              <a:t>Maturity Roadmap</a:t>
+              <a:t>Feuille de route de maturité</a:t>
             </a:r>
           </a:p>
           <a:p>
@@ -13274,12 +11648,12 @@
               <a:buChar char="ü"/>
             </a:pPr>
             <a:r>
-              <a:rPr lang="en-US" sz="1000">
+              <a:rPr lang="fr-FR" sz="950" dirty="0">
                 <a:solidFill>
                   <a:prstClr val="black"/>
                 </a:solidFill>
               </a:rPr>
-              <a:t>Use case development/measurement</a:t>
+              <a:t>Développement/mesure des cas d’utilisation</a:t>
             </a:r>
           </a:p>
           <a:p>
@@ -13294,12 +11668,12 @@
               <a:buChar char="ü"/>
             </a:pPr>
             <a:r>
-              <a:rPr lang="en-US" sz="1000">
+              <a:rPr lang="fr-FR" sz="950" dirty="0">
                 <a:solidFill>
                   <a:prstClr val="black"/>
                 </a:solidFill>
               </a:rPr>
-              <a:t>Reporting &amp; analysis</a:t>
+              <a:t>Rapports et analyses</a:t>
             </a:r>
           </a:p>
           <a:p>
@@ -13314,12 +11688,12 @@
               <a:buChar char="ü"/>
             </a:pPr>
             <a:r>
-              <a:rPr lang="en-US" sz="1000">
+              <a:rPr lang="fr-FR" sz="950" dirty="0">
                 <a:solidFill>
                   <a:prstClr val="black"/>
                 </a:solidFill>
               </a:rPr>
-              <a:t>Best practices enablement</a:t>
+              <a:t>Activation des bonnes pratiques</a:t>
             </a:r>
           </a:p>
         </p:txBody>
@@ -13332,8 +11706,8 @@
         </p:nvSpPr>
         <p:spPr>
           <a:xfrm>
-            <a:off x="3942773" y="4126991"/>
-            <a:ext cx="3275329" cy="969496"/>
+            <a:off x="3942773" y="4206239"/>
+            <a:ext cx="3275329" cy="802784"/>
           </a:xfrm>
           <a:prstGeom prst="rect">
             <a:avLst/>
@@ -13354,19 +11728,15 @@
               </a:spcBef>
             </a:pPr>
             <a:r>
-              <a:rPr sz="1600">
+              <a:rPr lang="fr-FR" sz="950" dirty="0">
                 <a:solidFill>
                   <a:srgbClr val="FFFFFF"/>
                 </a:solidFill>
                 <a:latin typeface="Arial"/>
                 <a:cs typeface="Arial"/>
               </a:rPr>
-              <a:t>Run &amp; Operate</a:t>
-            </a:r>
-            <a:endParaRPr sz="1600">
-              <a:latin typeface="Arial"/>
-              <a:cs typeface="Arial"/>
-            </a:endParaRPr>
+              <a:t>Exécuter et faire fonctionner</a:t>
+            </a:r>
           </a:p>
           <a:p>
             <a:pPr marL="12700">
@@ -13375,57 +11745,17 @@
               </a:spcBef>
             </a:pPr>
             <a:r>
-              <a:rPr sz="1000">
+              <a:rPr lang="fr-FR" sz="950" dirty="0">
                 <a:solidFill>
                   <a:srgbClr val="1F1F1F"/>
                 </a:solidFill>
                 <a:latin typeface="Adobe Clean"/>
                 <a:cs typeface="Adobe Clean"/>
               </a:rPr>
-              <a:t>As an </a:t>
-            </a:r>
-            <a:r>
-              <a:rPr lang="en-US" sz="1000">
-                <a:solidFill>
-                  <a:srgbClr val="1F1F1F"/>
-                </a:solidFill>
-                <a:latin typeface="Adobe Clean"/>
-                <a:cs typeface="Adobe Clean"/>
-              </a:rPr>
-              <a:t>Elite</a:t>
-            </a:r>
-            <a:r>
-              <a:rPr sz="1000">
-                <a:solidFill>
-                  <a:srgbClr val="1F1F1F"/>
-                </a:solidFill>
-                <a:latin typeface="Adobe Clean"/>
-                <a:cs typeface="Adobe Clean"/>
-              </a:rPr>
-              <a:t> customer, you are</a:t>
-            </a:r>
-            <a:r>
-              <a:rPr lang="en-US" sz="1000">
-                <a:solidFill>
-                  <a:srgbClr val="1F1F1F"/>
-                </a:solidFill>
-                <a:latin typeface="Adobe Clean"/>
-                <a:cs typeface="Adobe Clean"/>
-              </a:rPr>
-              <a:t> </a:t>
-            </a:r>
-            <a:r>
-              <a:rPr sz="1000">
-                <a:solidFill>
-                  <a:srgbClr val="1F1F1F"/>
-                </a:solidFill>
-                <a:latin typeface="Adobe Clean"/>
-                <a:cs typeface="Adobe Clean"/>
-              </a:rPr>
-              <a:t> eligible for</a:t>
-            </a:r>
-            <a:r>
-              <a:rPr lang="en-US" sz="1200">
+              <a:t>En tant que client Elite, vous êtes éligible pour participer à</a:t>
+            </a:r>
+            <a:r>
+              <a:rPr lang="fr-FR" sz="950" dirty="0">
                 <a:solidFill>
                   <a:srgbClr val="1F1F1F"/>
                 </a:solidFill>
@@ -13440,7 +11770,7 @@
               <a:t> </a:t>
             </a:r>
             <a:r>
-              <a:rPr lang="en-US" sz="1200" u="sng">
+              <a:rPr lang="fr-FR" sz="950" u="sng" dirty="0">
                 <a:solidFill>
                   <a:srgbClr val="1F1F1F"/>
                 </a:solidFill>
@@ -13455,87 +11785,67 @@
               <a:t>4</a:t>
             </a:r>
             <a:r>
-              <a:rPr sz="1200" b="1">
+              <a:rPr lang="fr-FR" sz="950" b="1" dirty="0">
                 <a:solidFill>
                   <a:srgbClr val="1F1F1F"/>
                 </a:solidFill>
                 <a:latin typeface="Arial"/>
                 <a:cs typeface="Arial"/>
               </a:rPr>
-              <a:t> </a:t>
-            </a:r>
-            <a:r>
-              <a:rPr sz="1000" b="1">
+              <a:t> activités par an </a:t>
+            </a:r>
+            <a:r>
+              <a:rPr lang="fr-FR" sz="950" dirty="0">
+                <a:solidFill>
+                  <a:srgbClr val="1F1F1F"/>
+                </a:solidFill>
+                <a:latin typeface="Adobe Clean"/>
+                <a:cs typeface="Arial"/>
+              </a:rPr>
+              <a:t>à</a:t>
+            </a:r>
+            <a:r>
+              <a:rPr lang="fr-FR" sz="950" dirty="0">
+                <a:solidFill>
+                  <a:srgbClr val="1F1F1F"/>
+                </a:solidFill>
+                <a:latin typeface="Adobe Clean"/>
+                <a:cs typeface="Adobe Clean"/>
+              </a:rPr>
+              <a:t> partir de ces deux suivis : </a:t>
+            </a:r>
+            <a:r>
+              <a:rPr lang="fr-FR" sz="950" b="1" dirty="0">
                 <a:solidFill>
                   <a:srgbClr val="1F1F1F"/>
                 </a:solidFill>
                 <a:latin typeface="Arial"/>
                 <a:cs typeface="Arial"/>
               </a:rPr>
-              <a:t>activities per </a:t>
-            </a:r>
-            <a:r>
-              <a:rPr lang="en-US" sz="1000" b="1">
+              <a:t>technique </a:t>
+            </a:r>
+            <a:r>
+              <a:rPr lang="fr-FR" sz="950" dirty="0">
+                <a:solidFill>
+                  <a:srgbClr val="1F1F1F"/>
+                </a:solidFill>
+                <a:latin typeface="Adobe Clean"/>
+                <a:cs typeface="Adobe Clean"/>
+              </a:rPr>
+              <a:t>et/ou </a:t>
+            </a:r>
+            <a:r>
+              <a:rPr lang="fr-FR" sz="950" b="1" dirty="0">
                 <a:solidFill>
                   <a:srgbClr val="1F1F1F"/>
                 </a:solidFill>
                 <a:latin typeface="Arial"/>
                 <a:cs typeface="Arial"/>
               </a:rPr>
-              <a:t>year </a:t>
-            </a:r>
-            <a:r>
-              <a:rPr lang="en-US" sz="1000">
-                <a:solidFill>
-                  <a:srgbClr val="1F1F1F"/>
-                </a:solidFill>
-                <a:latin typeface="Adobe Clean"/>
-                <a:cs typeface="Arial"/>
-              </a:rPr>
-              <a:t>from</a:t>
-            </a:r>
-            <a:r>
-              <a:rPr sz="1000">
-                <a:solidFill>
-                  <a:srgbClr val="1F1F1F"/>
-                </a:solidFill>
-                <a:latin typeface="Adobe Clean"/>
-                <a:cs typeface="Adobe Clean"/>
-              </a:rPr>
-              <a:t> the following two tracks: </a:t>
-            </a:r>
-            <a:r>
-              <a:rPr sz="1000" b="1">
-                <a:solidFill>
-                  <a:srgbClr val="1F1F1F"/>
-                </a:solidFill>
-                <a:latin typeface="Arial"/>
-                <a:cs typeface="Arial"/>
-              </a:rPr>
-              <a:t>Technical </a:t>
-            </a:r>
-            <a:r>
-              <a:rPr sz="1000">
-                <a:solidFill>
-                  <a:srgbClr val="1F1F1F"/>
-                </a:solidFill>
-                <a:latin typeface="Adobe Clean"/>
-                <a:cs typeface="Adobe Clean"/>
-              </a:rPr>
-              <a:t>and/or </a:t>
-            </a:r>
-            <a:r>
-              <a:rPr sz="1000" b="1">
-                <a:solidFill>
-                  <a:srgbClr val="1F1F1F"/>
-                </a:solidFill>
-                <a:latin typeface="Arial"/>
-                <a:cs typeface="Arial"/>
-              </a:rPr>
-              <a:t>Strategic</a:t>
-            </a:r>
-            <a:r>
-              <a:rPr lang="en-US" sz="1000" b="1">
+              <a:t>stratégique</a:t>
+            </a:r>
+            <a:r>
+              <a:rPr lang="fr-FR" sz="950" b="1" dirty="0">
                 <a:solidFill>
                   <a:srgbClr val="1F1F1F"/>
                 </a:solidFill>
@@ -13544,10 +11854,6 @@
               </a:rPr>
               <a:t>.</a:t>
             </a:r>
-            <a:endParaRPr sz="1000">
-              <a:latin typeface="AdobeClean-Light"/>
-              <a:cs typeface="AdobeClean-Light"/>
-            </a:endParaRPr>
           </a:p>
         </p:txBody>
       </p:sp>
@@ -13560,7 +11866,7 @@
         <p:spPr>
           <a:xfrm>
             <a:off x="923023" y="538480"/>
-            <a:ext cx="2323349" cy="228268"/>
+            <a:ext cx="4258577" cy="228268"/>
           </a:xfrm>
           <a:prstGeom prst="rect">
             <a:avLst/>
@@ -13581,69 +11887,15 @@
               </a:spcBef>
             </a:pPr>
             <a:r>
-              <a:rPr sz="1400" b="1" spc="-15">
+              <a:rPr lang="fr-FR" sz="1400" b="1" dirty="0">
                 <a:solidFill>
                   <a:srgbClr val="020302"/>
                 </a:solidFill>
                 <a:latin typeface="Adobe Clean"/>
                 <a:cs typeface="Adobe Clean"/>
               </a:rPr>
-              <a:t>Cloud</a:t>
-            </a:r>
-            <a:r>
-              <a:rPr sz="1400" b="1" spc="-45">
-                <a:solidFill>
-                  <a:srgbClr val="020302"/>
-                </a:solidFill>
-                <a:latin typeface="Adobe Clean"/>
-                <a:cs typeface="Adobe Clean"/>
-              </a:rPr>
-              <a:t> </a:t>
-            </a:r>
-            <a:r>
-              <a:rPr sz="1400" b="1" spc="-15">
-                <a:solidFill>
-                  <a:srgbClr val="020302"/>
-                </a:solidFill>
-                <a:latin typeface="Adobe Clean"/>
-                <a:cs typeface="Adobe Clean"/>
-              </a:rPr>
-              <a:t>Support</a:t>
-            </a:r>
-            <a:r>
-              <a:rPr sz="1400" b="1" spc="-50">
-                <a:solidFill>
-                  <a:srgbClr val="020302"/>
-                </a:solidFill>
-                <a:latin typeface="Adobe Clean"/>
-                <a:cs typeface="Adobe Clean"/>
-              </a:rPr>
-              <a:t> </a:t>
-            </a:r>
-            <a:r>
-              <a:rPr sz="1400" b="1" spc="-15">
-                <a:solidFill>
-                  <a:srgbClr val="020302"/>
-                </a:solidFill>
-                <a:latin typeface="Adobe Clean"/>
-                <a:cs typeface="Adobe Clean"/>
-              </a:rPr>
-              <a:t>Activities</a:t>
-            </a:r>
-            <a:r>
-              <a:rPr lang="en-US" sz="1400" b="1" spc="-15">
-                <a:solidFill>
-                  <a:srgbClr val="020302"/>
-                </a:solidFill>
-                <a:latin typeface="Adobe Clean"/>
-                <a:cs typeface="Adobe Clean"/>
-              </a:rPr>
-              <a:t> - AEM</a:t>
-            </a:r>
-            <a:endParaRPr sz="1400">
-              <a:latin typeface="Adobe Clean"/>
-              <a:cs typeface="Adobe Clean"/>
-            </a:endParaRPr>
+              <a:t>Activités d’assistance dans le Cloud - AEM</a:t>
+            </a:r>
           </a:p>
         </p:txBody>
       </p:sp>
@@ -13759,6 +12011,10 @@
           </p:nvPr>
         </p:nvSpPr>
         <p:spPr>
+          <a:xfrm>
+            <a:off x="97786" y="9861194"/>
+            <a:ext cx="2926080" cy="149859"/>
+          </a:xfrm>
           <a:prstGeom prst="rect">
             <a:avLst/>
           </a:prstGeom>
@@ -13778,36 +12034,24 @@
               </a:spcBef>
             </a:pPr>
             <a:r>
-              <a:rPr spc="-5"/>
-              <a:t>©2021 Adobe. All</a:t>
-            </a:r>
-            <a:r>
-              <a:rPr spc="-15"/>
-              <a:t> Rights</a:t>
-            </a:r>
-            <a:r>
-              <a:rPr spc="-10"/>
+              <a:rPr lang="fr-FR" dirty="0"/>
+              <a:t>©2021 Adobe. All </a:t>
+            </a:r>
+            <a:r>
+              <a:rPr lang="fr-FR" dirty="0" err="1"/>
+              <a:t>Rights</a:t>
+            </a:r>
+            <a:r>
+              <a:rPr lang="fr-FR" dirty="0"/>
               <a:t> </a:t>
             </a:r>
             <a:r>
-              <a:rPr spc="-15"/>
-              <a:t>Reserved.</a:t>
-            </a:r>
-            <a:r>
-              <a:rPr spc="-10"/>
-              <a:t> </a:t>
-            </a:r>
-            <a:r>
-              <a:rPr spc="-5"/>
-              <a:t>Adobe</a:t>
-            </a:r>
-            <a:r>
-              <a:rPr spc="60"/>
-              <a:t> </a:t>
-            </a:r>
-            <a:r>
-              <a:rPr spc="-15"/>
-              <a:t>Confidential.</a:t>
+              <a:rPr lang="fr-FR" dirty="0" err="1"/>
+              <a:t>Reserved</a:t>
+            </a:r>
+            <a:r>
+              <a:rPr lang="fr-FR" dirty="0"/>
+              <a:t>. Données confidentielles Adobe</a:t>
             </a:r>
           </a:p>
         </p:txBody>
@@ -13863,8 +12107,8 @@
           <a:p>
             <a:pPr algn="ctr"/>
             <a:r>
-              <a:rPr lang="en-US" sz="1600"/>
-              <a:t>Run &amp; Operate</a:t>
+              <a:rPr lang="fr-FR" sz="1600" dirty="0"/>
+              <a:t>Exécuter et faire fonctionner</a:t>
             </a:r>
           </a:p>
         </p:txBody>
@@ -13920,8 +12164,8 @@
           <a:p>
             <a:pPr algn="ctr"/>
             <a:r>
-              <a:rPr lang="en-US" sz="1600"/>
-              <a:t>Implementation</a:t>
+              <a:rPr lang="fr-FR" sz="1600"/>
+              <a:t>Implémentation</a:t>
             </a:r>
           </a:p>
         </p:txBody>
@@ -13940,8 +12184,8 @@
         </p:nvSpPr>
         <p:spPr>
           <a:xfrm>
-            <a:off x="2918286" y="3586760"/>
-            <a:ext cx="933111" cy="261610"/>
+            <a:off x="2887806" y="3586760"/>
+            <a:ext cx="1111168" cy="261610"/>
           </a:xfrm>
           <a:prstGeom prst="rect">
             <a:avLst/>
@@ -13956,8 +12200,8 @@
           <a:p>
             <a:pPr algn="ctr"/>
             <a:r>
-              <a:rPr lang="en-US" sz="1100"/>
-              <a:t>Post Launch</a:t>
+              <a:rPr lang="fr-FR" sz="1100" dirty="0"/>
+              <a:t>Post-lancement</a:t>
             </a:r>
           </a:p>
         </p:txBody>
@@ -13992,8 +12236,8 @@
           <a:p>
             <a:pPr algn="ctr"/>
             <a:r>
-              <a:rPr lang="en-US" sz="1100"/>
-              <a:t>Go-Live</a:t>
+              <a:rPr lang="fr-FR" sz="1100"/>
+              <a:t>Activation</a:t>
             </a:r>
           </a:p>
         </p:txBody>
@@ -14028,8 +12272,8 @@
           <a:p>
             <a:pPr algn="ctr"/>
             <a:r>
-              <a:rPr lang="en-US" sz="1100"/>
-              <a:t>Define</a:t>
+              <a:rPr lang="fr-FR" sz="1100"/>
+              <a:t>Définition</a:t>
             </a:r>
           </a:p>
         </p:txBody>
@@ -14064,8 +12308,8 @@
           <a:p>
             <a:pPr algn="ctr"/>
             <a:r>
-              <a:rPr lang="en-US" sz="1100"/>
-              <a:t>Kickoff</a:t>
+              <a:rPr lang="fr-FR" sz="1100"/>
+              <a:t>Lancement</a:t>
             </a:r>
           </a:p>
         </p:txBody>
@@ -14100,8 +12344,8 @@
           <a:p>
             <a:pPr algn="ctr"/>
             <a:r>
-              <a:rPr lang="en-US" sz="1100"/>
-              <a:t>Design</a:t>
+              <a:rPr lang="fr-FR" sz="1100"/>
+              <a:t>Conception</a:t>
             </a:r>
           </a:p>
         </p:txBody>
@@ -14158,14 +12402,14 @@
           <a:p>
             <a:pPr algn="ctr"/>
             <a:r>
-              <a:rPr lang="en-US" sz="1400">
+              <a:rPr lang="fr-FR" sz="1400">
                 <a:solidFill>
                   <a:schemeClr val="accent1">
                     <a:lumMod val="50000"/>
                   </a:schemeClr>
                 </a:solidFill>
               </a:rPr>
-              <a:t>4 Activities per Year</a:t>
+              <a:t>4 activités par an</a:t>
             </a:r>
           </a:p>
         </p:txBody>
@@ -14206,20 +12450,14 @@
               </a:spcBef>
             </a:pPr>
             <a:r>
-              <a:rPr lang="en-US" sz="1000">
+              <a:rPr lang="fr-FR" sz="1000" dirty="0">
                 <a:solidFill>
                   <a:srgbClr val="4B4B4B"/>
                 </a:solidFill>
                 <a:latin typeface="Adobe Clean Light" panose="020B0303020404020204" pitchFamily="34" charset="0"/>
               </a:rPr>
-              <a:t>Drive adoption of customization best practices and core components in AEM as a Cloud Service.</a:t>
-            </a:r>
-            <a:endParaRPr sz="1000">
-              <a:solidFill>
-                <a:srgbClr val="4B4B4B"/>
-              </a:solidFill>
-              <a:latin typeface="Adobe Clean Light" panose="020B0303020404020204" pitchFamily="34" charset="0"/>
-            </a:endParaRPr>
+              <a:t>Encouragez l’adoption des bonnes pratiques de personnalisation et des composants principaux dans AEM as a Cloud Service.</a:t>
+            </a:r>
           </a:p>
         </p:txBody>
       </p:sp>
@@ -14259,20 +12497,14 @@
               </a:spcBef>
             </a:pPr>
             <a:r>
-              <a:rPr lang="en-US" sz="1000">
+              <a:rPr lang="fr-FR" sz="1000">
                 <a:solidFill>
                   <a:srgbClr val="4B4B4B"/>
                 </a:solidFill>
                 <a:latin typeface="Adobe Clean Light" panose="020B0303020404020204" pitchFamily="34" charset="0"/>
               </a:rPr>
-              <a:t>Identify, review and provide recommendations on customized solution adoption areas that have opportunities for optimization.</a:t>
-            </a:r>
-            <a:endParaRPr sz="1000">
-              <a:solidFill>
-                <a:srgbClr val="4B4B4B"/>
-              </a:solidFill>
-              <a:latin typeface="Adobe Clean Light" panose="020B0303020404020204" pitchFamily="34" charset="0"/>
-            </a:endParaRPr>
+              <a:t>Identifiez, examinez et fournissez des recommandations sur les domaines d’adoption de solutions personnalisées qui offrent des opportunités d’optimisation.</a:t>
+            </a:r>
           </a:p>
         </p:txBody>
       </p:sp>
@@ -14312,20 +12544,14 @@
               </a:spcBef>
             </a:pPr>
             <a:r>
-              <a:rPr lang="en-US" sz="1000">
+              <a:rPr lang="fr-FR" sz="1000">
                 <a:solidFill>
                   <a:srgbClr val="4B4B4B"/>
                 </a:solidFill>
                 <a:latin typeface="Adobe Clean Light" panose="020B0303020404020204" pitchFamily="34" charset="0"/>
               </a:rPr>
-              <a:t>Technical &amp; operational governance to assist AEM as a Cloud Service Customers in adhering to industry standards and best practices for AEM as a Cloud Service.</a:t>
-            </a:r>
-            <a:endParaRPr sz="1000">
-              <a:solidFill>
-                <a:srgbClr val="4B4B4B"/>
-              </a:solidFill>
-              <a:latin typeface="Adobe Clean Light" panose="020B0303020404020204" pitchFamily="34" charset="0"/>
-            </a:endParaRPr>
+              <a:t>Gouvernance technique et opérationnelle permettant d’aider les clients d’AEM as a Cloud Service à respecter les normes du secteur et les bonnes pratiques d’AEM as a Cloud Service.</a:t>
+            </a:r>
           </a:p>
         </p:txBody>
       </p:sp>
@@ -14365,489 +12591,15 @@
               </a:spcBef>
             </a:pPr>
             <a:r>
-              <a:rPr lang="en-US" sz="1200" b="1" spc="-15">
+              <a:rPr lang="fr-FR" sz="1200" b="1" dirty="0">
                 <a:solidFill>
                   <a:srgbClr val="020302"/>
                 </a:solidFill>
                 <a:latin typeface="Adobe Clean"/>
                 <a:cs typeface="Adobe Clean"/>
               </a:rPr>
-              <a:t>C</a:t>
-            </a:r>
-            <a:r>
-              <a:rPr lang="en-US" sz="1200" b="1" spc="-20">
-                <a:solidFill>
-                  <a:srgbClr val="020302"/>
-                </a:solidFill>
-                <a:latin typeface="Adobe Clean"/>
-                <a:cs typeface="Adobe Clean"/>
-              </a:rPr>
-              <a:t>u</a:t>
-            </a:r>
-            <a:r>
-              <a:rPr lang="en-US" sz="1200" b="1" spc="-25">
-                <a:solidFill>
-                  <a:srgbClr val="020302"/>
-                </a:solidFill>
-                <a:latin typeface="Adobe Clean"/>
-                <a:cs typeface="Adobe Clean"/>
-              </a:rPr>
-              <a:t>st</a:t>
-            </a:r>
-            <a:r>
-              <a:rPr lang="en-US" sz="1200" b="1" spc="-15">
-                <a:solidFill>
-                  <a:srgbClr val="020302"/>
-                </a:solidFill>
-                <a:latin typeface="Adobe Clean"/>
-                <a:cs typeface="Adobe Clean"/>
-              </a:rPr>
-              <a:t>o</a:t>
-            </a:r>
-            <a:r>
-              <a:rPr lang="en-US" sz="1200" b="1" spc="-20">
-                <a:solidFill>
-                  <a:srgbClr val="020302"/>
-                </a:solidFill>
-                <a:latin typeface="Adobe Clean"/>
-                <a:cs typeface="Adobe Clean"/>
-              </a:rPr>
-              <a:t>miza</a:t>
-            </a:r>
-            <a:r>
-              <a:rPr lang="en-US" sz="1200" b="1" spc="-25">
-                <a:solidFill>
-                  <a:srgbClr val="020302"/>
-                </a:solidFill>
-                <a:latin typeface="Adobe Clean"/>
-                <a:cs typeface="Adobe Clean"/>
-              </a:rPr>
-              <a:t>t</a:t>
-            </a:r>
-            <a:r>
-              <a:rPr lang="en-US" sz="1200" b="1" spc="-20">
-                <a:solidFill>
-                  <a:srgbClr val="020302"/>
-                </a:solidFill>
-                <a:latin typeface="Adobe Clean"/>
-                <a:cs typeface="Adobe Clean"/>
-              </a:rPr>
-              <a:t>i</a:t>
-            </a:r>
-            <a:r>
-              <a:rPr lang="en-US" sz="1200" b="1" spc="-15">
-                <a:solidFill>
-                  <a:srgbClr val="020302"/>
-                </a:solidFill>
-                <a:latin typeface="Adobe Clean"/>
-                <a:cs typeface="Adobe Clean"/>
-              </a:rPr>
-              <a:t>o</a:t>
-            </a:r>
-            <a:r>
-              <a:rPr lang="en-US" sz="1200" b="1">
-                <a:solidFill>
-                  <a:srgbClr val="020302"/>
-                </a:solidFill>
-                <a:latin typeface="Adobe Clean"/>
-                <a:cs typeface="Adobe Clean"/>
-              </a:rPr>
-              <a:t>n</a:t>
-            </a:r>
-            <a:r>
-              <a:rPr lang="en-US" sz="1200" b="1" spc="-50">
-                <a:solidFill>
-                  <a:srgbClr val="020302"/>
-                </a:solidFill>
-                <a:latin typeface="Adobe Clean"/>
-                <a:cs typeface="Adobe Clean"/>
-              </a:rPr>
-              <a:t> </a:t>
-            </a:r>
-            <a:r>
-              <a:rPr lang="en-US" sz="1200" b="1" spc="-20">
-                <a:solidFill>
-                  <a:srgbClr val="020302"/>
-                </a:solidFill>
-                <a:latin typeface="Adobe Clean"/>
-                <a:cs typeface="Adobe Clean"/>
-              </a:rPr>
-              <a:t>B</a:t>
-            </a:r>
-            <a:r>
-              <a:rPr lang="en-US" sz="1200" b="1" spc="-25">
-                <a:solidFill>
-                  <a:srgbClr val="020302"/>
-                </a:solidFill>
-                <a:latin typeface="Adobe Clean"/>
-                <a:cs typeface="Adobe Clean"/>
-              </a:rPr>
-              <a:t>es</a:t>
-            </a:r>
-            <a:r>
-              <a:rPr lang="en-US" sz="1200" b="1">
-                <a:solidFill>
-                  <a:srgbClr val="020302"/>
-                </a:solidFill>
-                <a:latin typeface="Adobe Clean"/>
-                <a:cs typeface="Adobe Clean"/>
-              </a:rPr>
-              <a:t>t</a:t>
-            </a:r>
-            <a:r>
-              <a:rPr lang="en-US" sz="1200" b="1" spc="-50">
-                <a:solidFill>
-                  <a:srgbClr val="020302"/>
-                </a:solidFill>
-                <a:latin typeface="Adobe Clean"/>
-                <a:cs typeface="Adobe Clean"/>
-              </a:rPr>
-              <a:t> </a:t>
-            </a:r>
-            <a:r>
-              <a:rPr lang="en-US" sz="1200" b="1" spc="-25">
-                <a:solidFill>
-                  <a:srgbClr val="020302"/>
-                </a:solidFill>
-                <a:latin typeface="Adobe Clean"/>
-                <a:cs typeface="Adobe Clean"/>
-              </a:rPr>
-              <a:t>P</a:t>
-            </a:r>
-            <a:r>
-              <a:rPr lang="en-US" sz="1200" b="1" spc="-20">
-                <a:solidFill>
-                  <a:srgbClr val="020302"/>
-                </a:solidFill>
-                <a:latin typeface="Adobe Clean"/>
-                <a:cs typeface="Adobe Clean"/>
-              </a:rPr>
-              <a:t>ra</a:t>
-            </a:r>
-            <a:r>
-              <a:rPr lang="en-US" sz="1200" b="1" spc="-30">
-                <a:solidFill>
-                  <a:srgbClr val="020302"/>
-                </a:solidFill>
-                <a:latin typeface="Adobe Clean"/>
-                <a:cs typeface="Adobe Clean"/>
-              </a:rPr>
-              <a:t>c</a:t>
-            </a:r>
-            <a:r>
-              <a:rPr lang="en-US" sz="1200" b="1" spc="-25">
-                <a:solidFill>
-                  <a:srgbClr val="020302"/>
-                </a:solidFill>
-                <a:latin typeface="Adobe Clean"/>
-                <a:cs typeface="Adobe Clean"/>
-              </a:rPr>
-              <a:t>t</a:t>
-            </a:r>
-            <a:r>
-              <a:rPr lang="en-US" sz="1200" b="1" spc="-20">
-                <a:solidFill>
-                  <a:srgbClr val="020302"/>
-                </a:solidFill>
-                <a:latin typeface="Adobe Clean"/>
-                <a:cs typeface="Adobe Clean"/>
-              </a:rPr>
-              <a:t>i</a:t>
-            </a:r>
-            <a:r>
-              <a:rPr lang="en-US" sz="1200" b="1" spc="-30">
-                <a:solidFill>
-                  <a:srgbClr val="020302"/>
-                </a:solidFill>
-                <a:latin typeface="Adobe Clean"/>
-                <a:cs typeface="Adobe Clean"/>
-              </a:rPr>
-              <a:t>c</a:t>
-            </a:r>
-            <a:r>
-              <a:rPr lang="en-US" sz="1200" b="1" spc="-25">
-                <a:solidFill>
-                  <a:srgbClr val="020302"/>
-                </a:solidFill>
-                <a:latin typeface="Adobe Clean"/>
-                <a:cs typeface="Adobe Clean"/>
-              </a:rPr>
-              <a:t>e</a:t>
-            </a:r>
-            <a:r>
-              <a:rPr lang="en-US" sz="1200" b="1">
-                <a:solidFill>
-                  <a:srgbClr val="020302"/>
-                </a:solidFill>
-                <a:latin typeface="Adobe Clean"/>
-                <a:cs typeface="Adobe Clean"/>
-              </a:rPr>
-              <a:t>s</a:t>
-            </a:r>
-            <a:r>
-              <a:rPr lang="en-US" sz="1200" b="1" spc="-45">
-                <a:solidFill>
-                  <a:srgbClr val="020302"/>
-                </a:solidFill>
-                <a:latin typeface="Adobe Clean"/>
-                <a:cs typeface="Adobe Clean"/>
-              </a:rPr>
-              <a:t> </a:t>
-            </a:r>
-            <a:r>
-              <a:rPr lang="en-US" sz="1200" b="1" spc="-25">
-                <a:solidFill>
-                  <a:srgbClr val="020302"/>
-                </a:solidFill>
-                <a:latin typeface="Adobe Clean"/>
-                <a:cs typeface="Adobe Clean"/>
-              </a:rPr>
-              <a:t>f</a:t>
-            </a:r>
-            <a:r>
-              <a:rPr lang="en-US" sz="1200" b="1" spc="-15">
-                <a:solidFill>
-                  <a:srgbClr val="020302"/>
-                </a:solidFill>
-                <a:latin typeface="Adobe Clean"/>
-                <a:cs typeface="Adobe Clean"/>
-              </a:rPr>
-              <a:t>o</a:t>
-            </a:r>
-            <a:r>
-              <a:rPr lang="en-US" sz="1200" b="1">
-                <a:solidFill>
-                  <a:srgbClr val="020302"/>
-                </a:solidFill>
-                <a:latin typeface="Adobe Clean"/>
-                <a:cs typeface="Adobe Clean"/>
-              </a:rPr>
-              <a:t>r</a:t>
-            </a:r>
-            <a:r>
-              <a:rPr lang="en-US" sz="1200" b="1" spc="-45">
-                <a:solidFill>
-                  <a:srgbClr val="020302"/>
-                </a:solidFill>
-                <a:latin typeface="Adobe Clean"/>
-                <a:cs typeface="Adobe Clean"/>
-              </a:rPr>
-              <a:t> </a:t>
-            </a:r>
-            <a:r>
-              <a:rPr lang="en-US" sz="1200" b="1" spc="-30">
-                <a:solidFill>
-                  <a:srgbClr val="020302"/>
-                </a:solidFill>
-                <a:latin typeface="Adobe Clean"/>
-                <a:cs typeface="Adobe Clean"/>
-              </a:rPr>
-              <a:t>AE</a:t>
-            </a:r>
-            <a:r>
-              <a:rPr lang="en-US" sz="1200" b="1">
-                <a:solidFill>
-                  <a:srgbClr val="020302"/>
-                </a:solidFill>
-                <a:latin typeface="Adobe Clean"/>
-                <a:cs typeface="Adobe Clean"/>
-              </a:rPr>
-              <a:t>M</a:t>
-            </a:r>
-            <a:r>
-              <a:rPr lang="en-US" sz="1200" b="1" spc="-55">
-                <a:solidFill>
-                  <a:srgbClr val="020302"/>
-                </a:solidFill>
-                <a:latin typeface="Adobe Clean"/>
-                <a:cs typeface="Adobe Clean"/>
-              </a:rPr>
-              <a:t> </a:t>
-            </a:r>
-            <a:r>
-              <a:rPr lang="en-US" sz="1200" b="1" spc="-20">
-                <a:solidFill>
-                  <a:srgbClr val="020302"/>
-                </a:solidFill>
-                <a:latin typeface="Adobe Clean"/>
-                <a:cs typeface="Adobe Clean"/>
-              </a:rPr>
-              <a:t>a</a:t>
-            </a:r>
-            <a:r>
-              <a:rPr lang="en-US" sz="1200" b="1">
-                <a:solidFill>
-                  <a:srgbClr val="020302"/>
-                </a:solidFill>
-                <a:latin typeface="Adobe Clean"/>
-                <a:cs typeface="Adobe Clean"/>
-              </a:rPr>
-              <a:t>s</a:t>
-            </a:r>
-            <a:r>
-              <a:rPr lang="en-US" sz="1200" b="1" spc="-45">
-                <a:solidFill>
-                  <a:srgbClr val="020302"/>
-                </a:solidFill>
-                <a:latin typeface="Adobe Clean"/>
-                <a:cs typeface="Adobe Clean"/>
-              </a:rPr>
-              <a:t> </a:t>
-            </a:r>
-            <a:r>
-              <a:rPr lang="en-US" sz="1200" b="1">
-                <a:solidFill>
-                  <a:srgbClr val="020302"/>
-                </a:solidFill>
-                <a:latin typeface="Adobe Clean"/>
-                <a:cs typeface="Adobe Clean"/>
-              </a:rPr>
-              <a:t>a</a:t>
-            </a:r>
-            <a:r>
-              <a:rPr lang="en-US" sz="1200" b="1" spc="-45">
-                <a:solidFill>
-                  <a:srgbClr val="020302"/>
-                </a:solidFill>
-                <a:latin typeface="Adobe Clean"/>
-                <a:cs typeface="Adobe Clean"/>
-              </a:rPr>
-              <a:t> </a:t>
-            </a:r>
-            <a:r>
-              <a:rPr lang="en-US" sz="1200" b="1" spc="-15">
-                <a:solidFill>
-                  <a:srgbClr val="020302"/>
-                </a:solidFill>
-                <a:latin typeface="Adobe Clean"/>
-                <a:cs typeface="Adobe Clean"/>
-              </a:rPr>
-              <a:t>C</a:t>
-            </a:r>
-            <a:r>
-              <a:rPr lang="en-US" sz="1200" b="1" spc="-25">
-                <a:solidFill>
-                  <a:srgbClr val="020302"/>
-                </a:solidFill>
-                <a:latin typeface="Adobe Clean"/>
-                <a:cs typeface="Adobe Clean"/>
-              </a:rPr>
-              <a:t>l</a:t>
-            </a:r>
-            <a:r>
-              <a:rPr lang="en-US" sz="1200" b="1" spc="-15">
-                <a:solidFill>
-                  <a:srgbClr val="020302"/>
-                </a:solidFill>
-                <a:latin typeface="Adobe Clean"/>
-                <a:cs typeface="Adobe Clean"/>
-              </a:rPr>
-              <a:t>o</a:t>
-            </a:r>
-            <a:r>
-              <a:rPr lang="en-US" sz="1200" b="1" spc="-20">
-                <a:solidFill>
-                  <a:srgbClr val="020302"/>
-                </a:solidFill>
-                <a:latin typeface="Adobe Clean"/>
-                <a:cs typeface="Adobe Clean"/>
-              </a:rPr>
-              <a:t>u</a:t>
-            </a:r>
-            <a:r>
-              <a:rPr lang="en-US" sz="1200" b="1">
-                <a:solidFill>
-                  <a:srgbClr val="020302"/>
-                </a:solidFill>
-                <a:latin typeface="Adobe Clean"/>
-                <a:cs typeface="Adobe Clean"/>
-              </a:rPr>
-              <a:t>d</a:t>
-            </a:r>
-            <a:r>
-              <a:rPr lang="en-US" sz="1200" b="1" spc="-50">
-                <a:solidFill>
-                  <a:srgbClr val="020302"/>
-                </a:solidFill>
-                <a:latin typeface="Adobe Clean"/>
-                <a:cs typeface="Adobe Clean"/>
-              </a:rPr>
-              <a:t> </a:t>
-            </a:r>
-            <a:r>
-              <a:rPr lang="en-US" sz="1200" b="1" spc="-20">
-                <a:solidFill>
-                  <a:srgbClr val="020302"/>
-                </a:solidFill>
-                <a:latin typeface="Adobe Clean"/>
-                <a:cs typeface="Adobe Clean"/>
-              </a:rPr>
-              <a:t>S</a:t>
-            </a:r>
-            <a:r>
-              <a:rPr lang="en-US" sz="1200" b="1" spc="-25">
-                <a:solidFill>
-                  <a:srgbClr val="020302"/>
-                </a:solidFill>
-                <a:latin typeface="Adobe Clean"/>
-                <a:cs typeface="Adobe Clean"/>
-              </a:rPr>
-              <a:t>e</a:t>
-            </a:r>
-            <a:r>
-              <a:rPr lang="en-US" sz="1200" b="1" spc="-20">
-                <a:solidFill>
-                  <a:srgbClr val="020302"/>
-                </a:solidFill>
-                <a:latin typeface="Adobe Clean"/>
-                <a:cs typeface="Adobe Clean"/>
-              </a:rPr>
-              <a:t>r</a:t>
-            </a:r>
-            <a:r>
-              <a:rPr lang="en-US" sz="1200" b="1" spc="-30">
-                <a:solidFill>
-                  <a:srgbClr val="020302"/>
-                </a:solidFill>
-                <a:latin typeface="Adobe Clean"/>
-                <a:cs typeface="Adobe Clean"/>
-              </a:rPr>
-              <a:t>v</a:t>
-            </a:r>
-            <a:r>
-              <a:rPr lang="en-US" sz="1200" b="1" spc="-20">
-                <a:solidFill>
-                  <a:srgbClr val="020302"/>
-                </a:solidFill>
-                <a:latin typeface="Adobe Clean"/>
-                <a:cs typeface="Adobe Clean"/>
-              </a:rPr>
-              <a:t>i</a:t>
-            </a:r>
-            <a:r>
-              <a:rPr lang="en-US" sz="1200" b="1" spc="-30">
-                <a:solidFill>
-                  <a:srgbClr val="020302"/>
-                </a:solidFill>
-                <a:latin typeface="Adobe Clean"/>
-                <a:cs typeface="Adobe Clean"/>
-              </a:rPr>
-              <a:t>c</a:t>
-            </a:r>
-            <a:r>
-              <a:rPr lang="en-US" sz="1200" b="1">
-                <a:solidFill>
-                  <a:srgbClr val="020302"/>
-                </a:solidFill>
-                <a:latin typeface="Adobe Clean"/>
-                <a:cs typeface="Adobe Clean"/>
-              </a:rPr>
-              <a:t>e</a:t>
-            </a:r>
-            <a:endParaRPr lang="en-US" sz="1200">
-              <a:latin typeface="Adobe Clean"/>
-              <a:cs typeface="Adobe Clean"/>
-            </a:endParaRPr>
+              <a:t>Bonnes pratiques de personnalisation d’AEM as a Cloud Service</a:t>
+            </a:r>
           </a:p>
         </p:txBody>
       </p:sp>
@@ -14887,19 +12639,15 @@
               </a:spcBef>
             </a:pPr>
             <a:r>
-              <a:rPr lang="en-US" sz="1200" b="1" spc="-25">
+              <a:rPr lang="fr-FR" sz="1200" b="1" dirty="0">
                 <a:solidFill>
                   <a:srgbClr val="020302"/>
                 </a:solidFill>
                 <a:latin typeface="Adobe Clean"/>
                 <a:cs typeface="Adobe Clean"/>
               </a:rPr>
-              <a:t>Value-added Services for AEM as a Cloud Service</a:t>
-            </a:r>
-            <a:endParaRPr lang="en-US" sz="1200">
-              <a:latin typeface="Adobe Clean"/>
-              <a:cs typeface="Adobe Clean"/>
-            </a:endParaRPr>
+              <a:t>Services de valeur ajoutée d’AEM as a Cloud Service</a:t>
+            </a:r>
           </a:p>
         </p:txBody>
       </p:sp>
@@ -14939,359 +12687,15 @@
               </a:spcBef>
             </a:pPr>
             <a:r>
-              <a:rPr lang="en-US" sz="1200" b="1" spc="-20">
+              <a:rPr lang="fr-FR" sz="1200" b="1" dirty="0">
                 <a:solidFill>
                   <a:srgbClr val="020302"/>
                 </a:solidFill>
                 <a:latin typeface="Adobe Clean"/>
                 <a:cs typeface="Adobe Clean"/>
               </a:rPr>
-              <a:t>G</a:t>
-            </a:r>
-            <a:r>
-              <a:rPr lang="en-US" sz="1200" b="1" spc="-15">
-                <a:solidFill>
-                  <a:srgbClr val="020302"/>
-                </a:solidFill>
-                <a:latin typeface="Adobe Clean"/>
-                <a:cs typeface="Adobe Clean"/>
-              </a:rPr>
-              <a:t>o</a:t>
-            </a:r>
-            <a:r>
-              <a:rPr lang="en-US" sz="1200" b="1" spc="-25">
-                <a:solidFill>
-                  <a:srgbClr val="020302"/>
-                </a:solidFill>
-                <a:latin typeface="Adobe Clean"/>
-                <a:cs typeface="Adobe Clean"/>
-              </a:rPr>
-              <a:t>ve</a:t>
-            </a:r>
-            <a:r>
-              <a:rPr lang="en-US" sz="1200" b="1" spc="-20">
-                <a:solidFill>
-                  <a:srgbClr val="020302"/>
-                </a:solidFill>
-                <a:latin typeface="Adobe Clean"/>
-                <a:cs typeface="Adobe Clean"/>
-              </a:rPr>
-              <a:t>r</a:t>
-            </a:r>
-            <a:r>
-              <a:rPr lang="en-US" sz="1200" b="1" spc="-25">
-                <a:solidFill>
-                  <a:srgbClr val="020302"/>
-                </a:solidFill>
-                <a:latin typeface="Adobe Clean"/>
-                <a:cs typeface="Adobe Clean"/>
-              </a:rPr>
-              <a:t>n</a:t>
-            </a:r>
-            <a:r>
-              <a:rPr lang="en-US" sz="1200" b="1" spc="-20">
-                <a:solidFill>
-                  <a:srgbClr val="020302"/>
-                </a:solidFill>
-                <a:latin typeface="Adobe Clean"/>
-                <a:cs typeface="Adobe Clean"/>
-              </a:rPr>
-              <a:t>a</a:t>
-            </a:r>
-            <a:r>
-              <a:rPr lang="en-US" sz="1200" b="1" spc="-25">
-                <a:solidFill>
-                  <a:srgbClr val="020302"/>
-                </a:solidFill>
-                <a:latin typeface="Adobe Clean"/>
-                <a:cs typeface="Adobe Clean"/>
-              </a:rPr>
-              <a:t>n</a:t>
-            </a:r>
-            <a:r>
-              <a:rPr lang="en-US" sz="1200" b="1" spc="-30">
-                <a:solidFill>
-                  <a:srgbClr val="020302"/>
-                </a:solidFill>
-                <a:latin typeface="Adobe Clean"/>
-                <a:cs typeface="Adobe Clean"/>
-              </a:rPr>
-              <a:t>c</a:t>
-            </a:r>
-            <a:r>
-              <a:rPr lang="en-US" sz="1200" b="1">
-                <a:solidFill>
-                  <a:srgbClr val="020302"/>
-                </a:solidFill>
-                <a:latin typeface="Adobe Clean"/>
-                <a:cs typeface="Adobe Clean"/>
-              </a:rPr>
-              <a:t>e</a:t>
-            </a:r>
-            <a:r>
-              <a:rPr lang="en-US" sz="1200" b="1" spc="-50">
-                <a:solidFill>
-                  <a:srgbClr val="020302"/>
-                </a:solidFill>
-                <a:latin typeface="Adobe Clean"/>
-                <a:cs typeface="Adobe Clean"/>
-              </a:rPr>
-              <a:t> </a:t>
-            </a:r>
-            <a:r>
-              <a:rPr lang="en-US" sz="1200" b="1" spc="-25">
-                <a:solidFill>
-                  <a:srgbClr val="020302"/>
-                </a:solidFill>
-                <a:latin typeface="Adobe Clean"/>
-                <a:cs typeface="Adobe Clean"/>
-              </a:rPr>
-              <a:t>f</a:t>
-            </a:r>
-            <a:r>
-              <a:rPr lang="en-US" sz="1200" b="1" spc="-15">
-                <a:solidFill>
-                  <a:srgbClr val="020302"/>
-                </a:solidFill>
-                <a:latin typeface="Adobe Clean"/>
-                <a:cs typeface="Adobe Clean"/>
-              </a:rPr>
-              <a:t>o</a:t>
-            </a:r>
-            <a:r>
-              <a:rPr lang="en-US" sz="1200" b="1">
-                <a:solidFill>
-                  <a:srgbClr val="020302"/>
-                </a:solidFill>
-                <a:latin typeface="Adobe Clean"/>
-                <a:cs typeface="Adobe Clean"/>
-              </a:rPr>
-              <a:t>r</a:t>
-            </a:r>
-            <a:r>
-              <a:rPr lang="en-US" sz="1200" b="1" spc="-45">
-                <a:solidFill>
-                  <a:srgbClr val="020302"/>
-                </a:solidFill>
-                <a:latin typeface="Adobe Clean"/>
-                <a:cs typeface="Adobe Clean"/>
-              </a:rPr>
-              <a:t> </a:t>
-            </a:r>
-            <a:r>
-              <a:rPr lang="en-US" sz="1200" b="1" spc="-30">
-                <a:solidFill>
-                  <a:srgbClr val="020302"/>
-                </a:solidFill>
-                <a:latin typeface="Adobe Clean"/>
-                <a:cs typeface="Adobe Clean"/>
-              </a:rPr>
-              <a:t>A</a:t>
-            </a:r>
-            <a:r>
-              <a:rPr lang="en-US" sz="1200" b="1" spc="-25">
-                <a:solidFill>
-                  <a:srgbClr val="020302"/>
-                </a:solidFill>
-                <a:latin typeface="Adobe Clean"/>
-                <a:cs typeface="Adobe Clean"/>
-              </a:rPr>
-              <a:t>E</a:t>
-            </a:r>
-            <a:r>
-              <a:rPr lang="en-US" sz="1200" b="1">
-                <a:solidFill>
-                  <a:srgbClr val="020302"/>
-                </a:solidFill>
-                <a:latin typeface="Adobe Clean"/>
-                <a:cs typeface="Adobe Clean"/>
-              </a:rPr>
-              <a:t>M</a:t>
-            </a:r>
-            <a:r>
-              <a:rPr lang="en-US" sz="1200" b="1" spc="-50">
-                <a:solidFill>
-                  <a:srgbClr val="020302"/>
-                </a:solidFill>
-                <a:latin typeface="Adobe Clean"/>
-                <a:cs typeface="Adobe Clean"/>
-              </a:rPr>
-              <a:t> </a:t>
-            </a:r>
-            <a:r>
-              <a:rPr lang="en-US" sz="1200" b="1" spc="-20">
-                <a:solidFill>
-                  <a:srgbClr val="020302"/>
-                </a:solidFill>
-                <a:latin typeface="Adobe Clean"/>
-                <a:cs typeface="Adobe Clean"/>
-              </a:rPr>
-              <a:t>a</a:t>
-            </a:r>
-            <a:r>
-              <a:rPr lang="en-US" sz="1200" b="1">
-                <a:solidFill>
-                  <a:srgbClr val="020302"/>
-                </a:solidFill>
-                <a:latin typeface="Adobe Clean"/>
-                <a:cs typeface="Adobe Clean"/>
-              </a:rPr>
-              <a:t>s</a:t>
-            </a:r>
-            <a:r>
-              <a:rPr lang="en-US" sz="1200" b="1" spc="-45">
-                <a:solidFill>
-                  <a:srgbClr val="020302"/>
-                </a:solidFill>
-                <a:latin typeface="Adobe Clean"/>
-                <a:cs typeface="Adobe Clean"/>
-              </a:rPr>
-              <a:t> </a:t>
-            </a:r>
-            <a:r>
-              <a:rPr lang="en-US" sz="1200" b="1">
-                <a:solidFill>
-                  <a:srgbClr val="020302"/>
-                </a:solidFill>
-                <a:latin typeface="Adobe Clean"/>
-                <a:cs typeface="Adobe Clean"/>
-              </a:rPr>
-              <a:t>a</a:t>
-            </a:r>
-            <a:r>
-              <a:rPr lang="en-US" sz="1200" b="1" spc="-40">
-                <a:solidFill>
-                  <a:srgbClr val="020302"/>
-                </a:solidFill>
-                <a:latin typeface="Adobe Clean"/>
-                <a:cs typeface="Adobe Clean"/>
-              </a:rPr>
-              <a:t> </a:t>
-            </a:r>
-            <a:r>
-              <a:rPr lang="en-US" sz="1200" b="1" spc="-15">
-                <a:solidFill>
-                  <a:srgbClr val="020302"/>
-                </a:solidFill>
-                <a:latin typeface="Adobe Clean"/>
-                <a:cs typeface="Adobe Clean"/>
-              </a:rPr>
-              <a:t>C</a:t>
-            </a:r>
-            <a:r>
-              <a:rPr lang="en-US" sz="1200" b="1" spc="-25">
-                <a:solidFill>
-                  <a:srgbClr val="020302"/>
-                </a:solidFill>
-                <a:latin typeface="Adobe Clean"/>
-                <a:cs typeface="Adobe Clean"/>
-              </a:rPr>
-              <a:t>l</a:t>
-            </a:r>
-            <a:r>
-              <a:rPr lang="en-US" sz="1200" b="1" spc="-15">
-                <a:solidFill>
-                  <a:srgbClr val="020302"/>
-                </a:solidFill>
-                <a:latin typeface="Adobe Clean"/>
-                <a:cs typeface="Adobe Clean"/>
-              </a:rPr>
-              <a:t>ou</a:t>
-            </a:r>
-            <a:r>
-              <a:rPr lang="en-US" sz="1200" b="1">
-                <a:solidFill>
-                  <a:srgbClr val="020302"/>
-                </a:solidFill>
-                <a:latin typeface="Adobe Clean"/>
-                <a:cs typeface="Adobe Clean"/>
-              </a:rPr>
-              <a:t>d</a:t>
-            </a:r>
-            <a:r>
-              <a:rPr lang="en-US" sz="1200" b="1" spc="-50">
-                <a:solidFill>
-                  <a:srgbClr val="020302"/>
-                </a:solidFill>
-                <a:latin typeface="Adobe Clean"/>
-                <a:cs typeface="Adobe Clean"/>
-              </a:rPr>
-              <a:t> </a:t>
-            </a:r>
-            <a:r>
-              <a:rPr lang="en-US" sz="1200" b="1" spc="-20">
-                <a:solidFill>
-                  <a:srgbClr val="020302"/>
-                </a:solidFill>
-                <a:latin typeface="Adobe Clean"/>
-                <a:cs typeface="Adobe Clean"/>
-              </a:rPr>
-              <a:t>S</a:t>
-            </a:r>
-            <a:r>
-              <a:rPr lang="en-US" sz="1200" b="1" spc="-25">
-                <a:solidFill>
-                  <a:srgbClr val="020302"/>
-                </a:solidFill>
-                <a:latin typeface="Adobe Clean"/>
-                <a:cs typeface="Adobe Clean"/>
-              </a:rPr>
-              <a:t>e</a:t>
-            </a:r>
-            <a:r>
-              <a:rPr lang="en-US" sz="1200" b="1" spc="-20">
-                <a:solidFill>
-                  <a:srgbClr val="020302"/>
-                </a:solidFill>
-                <a:latin typeface="Adobe Clean"/>
-                <a:cs typeface="Adobe Clean"/>
-              </a:rPr>
-              <a:t>r</a:t>
-            </a:r>
-            <a:r>
-              <a:rPr lang="en-US" sz="1200" b="1" spc="-25">
-                <a:solidFill>
-                  <a:srgbClr val="020302"/>
-                </a:solidFill>
-                <a:latin typeface="Adobe Clean"/>
-                <a:cs typeface="Adobe Clean"/>
-              </a:rPr>
-              <a:t>v</a:t>
-            </a:r>
-            <a:r>
-              <a:rPr lang="en-US" sz="1200" b="1" spc="-20">
-                <a:solidFill>
-                  <a:srgbClr val="020302"/>
-                </a:solidFill>
-                <a:latin typeface="Adobe Clean"/>
-                <a:cs typeface="Adobe Clean"/>
-              </a:rPr>
-              <a:t>i</a:t>
-            </a:r>
-            <a:r>
-              <a:rPr lang="en-US" sz="1200" b="1" spc="-30">
-                <a:solidFill>
-                  <a:srgbClr val="020302"/>
-                </a:solidFill>
-                <a:latin typeface="Adobe Clean"/>
-                <a:cs typeface="Adobe Clean"/>
-              </a:rPr>
-              <a:t>c</a:t>
-            </a:r>
-            <a:r>
-              <a:rPr lang="en-US" sz="1200" b="1">
-                <a:solidFill>
-                  <a:srgbClr val="020302"/>
-                </a:solidFill>
-                <a:latin typeface="Adobe Clean"/>
-                <a:cs typeface="Adobe Clean"/>
-              </a:rPr>
-              <a:t>e</a:t>
-            </a:r>
-            <a:endParaRPr lang="en-US" sz="1200">
-              <a:latin typeface="Adobe Clean"/>
-              <a:cs typeface="Adobe Clean"/>
-            </a:endParaRPr>
+              <a:t>Gouvernance d’AEM as a Cloud Service</a:t>
+            </a:r>
           </a:p>
         </p:txBody>
       </p:sp>
@@ -15352,49 +12756,15 @@
               </a:lnSpc>
             </a:pPr>
             <a:r>
-              <a:rPr sz="500" spc="-5">
+              <a:rPr lang="fr-FR" sz="500">
                 <a:solidFill>
                   <a:srgbClr val="6C6C6C"/>
                 </a:solidFill>
                 <a:latin typeface="Adobe Clean"/>
                 <a:cs typeface="Adobe Clean"/>
               </a:rPr>
-              <a:t>©2020 Adobe. All Rights Reserved. </a:t>
-            </a:r>
-            <a:r>
-              <a:rPr sz="500">
-                <a:solidFill>
-                  <a:srgbClr val="6C6C6C"/>
-                </a:solidFill>
-                <a:latin typeface="Adobe Clean"/>
-                <a:cs typeface="Adobe Clean"/>
-              </a:rPr>
-              <a:t>Adobe</a:t>
-            </a:r>
-            <a:r>
-              <a:rPr sz="500" spc="5">
-                <a:solidFill>
-                  <a:srgbClr val="6C6C6C"/>
-                </a:solidFill>
-                <a:latin typeface="Adobe Clean"/>
-                <a:cs typeface="Adobe Clean"/>
-              </a:rPr>
-              <a:t> </a:t>
-            </a:r>
-            <a:r>
-              <a:rPr sz="500" spc="-5">
-                <a:solidFill>
-                  <a:srgbClr val="6C6C6C"/>
-                </a:solidFill>
-                <a:latin typeface="Adobe Clean"/>
-                <a:cs typeface="Adobe Clean"/>
-              </a:rPr>
-              <a:t>Confidential.</a:t>
-            </a:r>
-            <a:endParaRPr sz="500">
-              <a:latin typeface="Adobe Clean"/>
-              <a:cs typeface="Adobe Clean"/>
-            </a:endParaRPr>
+              <a:t>©2020 Adobe. All Rights Reserved. Données confidentielles Adobe</a:t>
+            </a:r>
           </a:p>
           <a:p>
             <a:pPr>
@@ -15420,39 +12790,15 @@
               </a:spcBef>
             </a:pPr>
             <a:r>
-              <a:rPr sz="800" spc="-5">
+              <a:rPr lang="fr-FR" sz="800">
                 <a:solidFill>
                   <a:srgbClr val="6D6D6D"/>
                 </a:solidFill>
                 <a:latin typeface="Adobe Clean"/>
                 <a:cs typeface="Adobe Clean"/>
               </a:rPr>
-              <a:t>©2020 Adobe. All Rights Reserved. Adobe</a:t>
-            </a:r>
-            <a:r>
-              <a:rPr sz="800" spc="75">
-                <a:solidFill>
-                  <a:srgbClr val="6D6D6D"/>
-                </a:solidFill>
-                <a:latin typeface="Adobe Clean"/>
-                <a:cs typeface="Adobe Clean"/>
-              </a:rPr>
-              <a:t> </a:t>
-            </a:r>
-            <a:r>
-              <a:rPr sz="800" spc="-5">
-                <a:solidFill>
-                  <a:srgbClr val="6D6D6D"/>
-                </a:solidFill>
-                <a:latin typeface="Adobe Clean"/>
-                <a:cs typeface="Adobe Clean"/>
-              </a:rPr>
-              <a:t>Confidential.</a:t>
-            </a:r>
-            <a:endParaRPr sz="800">
-              <a:latin typeface="Adobe Clean"/>
-              <a:cs typeface="Adobe Clean"/>
-            </a:endParaRPr>
+              <a:t>©2020 Adobe. All Rights Reserved. Données confidentielles Adobe</a:t>
+            </a:r>
           </a:p>
         </p:txBody>
       </p:sp>
@@ -15536,19 +12882,15 @@
               </a:spcBef>
             </a:pPr>
             <a:r>
-              <a:rPr lang="en-US" sz="1400" b="1" spc="-15">
+              <a:rPr lang="fr-FR" sz="1400" b="1">
                 <a:solidFill>
                   <a:srgbClr val="020302"/>
                 </a:solidFill>
                 <a:latin typeface="Adobe Clean"/>
                 <a:cs typeface="Adobe Clean"/>
               </a:rPr>
-              <a:t>Resources</a:t>
-            </a:r>
-            <a:endParaRPr sz="1400">
-              <a:latin typeface="Adobe Clean"/>
-              <a:cs typeface="Adobe Clean"/>
-            </a:endParaRPr>
+              <a:t>Ressources</a:t>
+            </a:r>
           </a:p>
         </p:txBody>
       </p:sp>
@@ -15582,7 +12924,7 @@
               </a:spcBef>
             </a:pPr>
             <a:r>
-              <a:rPr sz="800" spc="-15">
+              <a:rPr lang="fr-FR" sz="800">
                 <a:solidFill>
                   <a:srgbClr val="777879"/>
                 </a:solidFill>
@@ -15591,10 +12933,6 @@
               </a:rPr>
               <a:t>Adobe</a:t>
             </a:r>
-            <a:endParaRPr sz="800">
-              <a:latin typeface="Adobe Clean"/>
-              <a:cs typeface="Adobe Clean"/>
-            </a:endParaRPr>
           </a:p>
           <a:p>
             <a:pPr marL="12700">
@@ -15603,90 +12941,32 @@
               </a:lnSpc>
             </a:pPr>
             <a:r>
-              <a:rPr sz="800" spc="-15">
+              <a:rPr lang="fr-FR" sz="800">
                 <a:solidFill>
                   <a:srgbClr val="777879"/>
                 </a:solidFill>
                 <a:latin typeface="Adobe Clean"/>
                 <a:cs typeface="Adobe Clean"/>
               </a:rPr>
-              <a:t>345 Park</a:t>
-            </a:r>
-            <a:r>
-              <a:rPr sz="800" spc="-100">
+              <a:t>345 Park Avenue</a:t>
+            </a:r>
+          </a:p>
+          <a:p>
+            <a:pPr marL="12700">
+              <a:lnSpc>
+                <a:spcPts val="944"/>
+              </a:lnSpc>
+            </a:pPr>
+            <a:r>
+              <a:rPr lang="fr-FR" sz="800">
                 <a:solidFill>
                   <a:srgbClr val="777879"/>
                 </a:solidFill>
                 <a:latin typeface="Adobe Clean"/>
                 <a:cs typeface="Adobe Clean"/>
               </a:rPr>
-              <a:t> </a:t>
-            </a:r>
-            <a:r>
-              <a:rPr sz="800" spc="-15">
-                <a:solidFill>
-                  <a:srgbClr val="777879"/>
-                </a:solidFill>
-                <a:latin typeface="Adobe Clean"/>
-                <a:cs typeface="Adobe Clean"/>
-              </a:rPr>
-              <a:t>Avenue</a:t>
-            </a:r>
-            <a:endParaRPr sz="800">
-              <a:latin typeface="Adobe Clean"/>
-              <a:cs typeface="Adobe Clean"/>
-            </a:endParaRPr>
-          </a:p>
-          <a:p>
-            <a:pPr marL="12700">
-              <a:lnSpc>
-                <a:spcPts val="944"/>
-              </a:lnSpc>
-            </a:pPr>
-            <a:r>
-              <a:rPr sz="800" spc="-10">
-                <a:solidFill>
-                  <a:srgbClr val="777879"/>
-                </a:solidFill>
-                <a:latin typeface="Adobe Clean"/>
-                <a:cs typeface="Adobe Clean"/>
-              </a:rPr>
-              <a:t>San </a:t>
-            </a:r>
-            <a:r>
-              <a:rPr sz="800" spc="-15">
-                <a:solidFill>
-                  <a:srgbClr val="777879"/>
-                </a:solidFill>
-                <a:latin typeface="Adobe Clean"/>
-                <a:cs typeface="Adobe Clean"/>
-              </a:rPr>
-              <a:t>Jose,</a:t>
-            </a:r>
-            <a:r>
-              <a:rPr sz="800" spc="-140">
-                <a:solidFill>
-                  <a:srgbClr val="777879"/>
-                </a:solidFill>
-                <a:latin typeface="Adobe Clean"/>
-                <a:cs typeface="Adobe Clean"/>
-              </a:rPr>
-              <a:t> </a:t>
-            </a:r>
-            <a:r>
-              <a:rPr sz="800" spc="-20">
-                <a:solidFill>
-                  <a:srgbClr val="777879"/>
-                </a:solidFill>
-                <a:latin typeface="Adobe Clean"/>
-                <a:cs typeface="Adobe Clean"/>
-              </a:rPr>
-              <a:t>CA95110-2704</a:t>
-            </a:r>
-            <a:endParaRPr sz="800">
-              <a:latin typeface="Adobe Clean"/>
-              <a:cs typeface="Adobe Clean"/>
-            </a:endParaRPr>
+              <a:t>San Jose, CA95110-2704</a:t>
+            </a:r>
           </a:p>
           <a:p>
             <a:pPr marL="12700">
@@ -15698,19 +12978,15 @@
               </a:spcBef>
             </a:pPr>
             <a:r>
-              <a:rPr sz="800" spc="-10">
+              <a:rPr lang="fr-FR" sz="800">
                 <a:solidFill>
                   <a:srgbClr val="777879"/>
                 </a:solidFill>
                 <a:latin typeface="Adobe Clean"/>
                 <a:cs typeface="Adobe Clean"/>
               </a:rPr>
-              <a:t>USA</a:t>
-            </a:r>
-            <a:endParaRPr sz="800">
-              <a:latin typeface="Adobe Clean"/>
-              <a:cs typeface="Adobe Clean"/>
-            </a:endParaRPr>
+              <a:t>États-Unis</a:t>
+            </a:r>
           </a:p>
           <a:p>
             <a:pPr marL="12700">
@@ -15722,7 +12998,7 @@
               </a:spcBef>
             </a:pPr>
             <a:r>
-              <a:rPr sz="800" u="sng" spc="-25">
+              <a:rPr lang="fr-FR" sz="800" u="sng">
                 <a:solidFill>
                   <a:srgbClr val="5F5F5F"/>
                 </a:solidFill>
@@ -15735,12 +13011,8 @@
                 <a:cs typeface="Adobe Clean"/>
                 <a:hlinkClick r:id="rId3"/>
               </a:rPr>
-              <a:t>www.adobe.com</a:t>
-            </a:r>
-            <a:endParaRPr sz="800">
-              <a:latin typeface="Adobe Clean"/>
-              <a:cs typeface="Adobe Clean"/>
-            </a:endParaRPr>
+              <a:t>www.adobe.com/fr/</a:t>
+            </a:r>
           </a:p>
         </p:txBody>
       </p:sp>
@@ -15894,7 +13166,7 @@
         <p:spPr>
           <a:xfrm>
             <a:off x="75947" y="9437110"/>
-            <a:ext cx="5466715" cy="570865"/>
+            <a:ext cx="5809358" cy="570865"/>
           </a:xfrm>
           <a:prstGeom prst="rect">
             <a:avLst/>
@@ -15915,429 +13187,15 @@
               </a:spcBef>
             </a:pPr>
             <a:r>
-              <a:rPr sz="1100" i="1" spc="-10">
+              <a:rPr lang="fr-FR" sz="1100" i="1" dirty="0">
                 <a:solidFill>
                   <a:srgbClr val="777879"/>
                 </a:solidFill>
                 <a:latin typeface="AdobeClean-LightIt"/>
                 <a:cs typeface="AdobeClean-LightIt"/>
               </a:rPr>
-              <a:t>To</a:t>
-            </a:r>
-            <a:r>
-              <a:rPr sz="1100" i="1" spc="-50">
-                <a:solidFill>
-                  <a:srgbClr val="777879"/>
-                </a:solidFill>
-                <a:latin typeface="AdobeClean-LightIt"/>
-                <a:cs typeface="AdobeClean-LightIt"/>
-              </a:rPr>
-              <a:t> </a:t>
-            </a:r>
-            <a:r>
-              <a:rPr sz="1100" i="1" spc="-15">
-                <a:solidFill>
-                  <a:srgbClr val="777879"/>
-                </a:solidFill>
-                <a:latin typeface="AdobeClean-LightIt"/>
-                <a:cs typeface="AdobeClean-LightIt"/>
-              </a:rPr>
-              <a:t>learn</a:t>
-            </a:r>
-            <a:r>
-              <a:rPr sz="1100" i="1" spc="-40">
-                <a:solidFill>
-                  <a:srgbClr val="777879"/>
-                </a:solidFill>
-                <a:latin typeface="AdobeClean-LightIt"/>
-                <a:cs typeface="AdobeClean-LightIt"/>
-              </a:rPr>
-              <a:t> </a:t>
-            </a:r>
-            <a:r>
-              <a:rPr sz="1100" i="1" spc="-15">
-                <a:solidFill>
-                  <a:srgbClr val="777879"/>
-                </a:solidFill>
-                <a:latin typeface="AdobeClean-LightIt"/>
-                <a:cs typeface="AdobeClean-LightIt"/>
-              </a:rPr>
-              <a:t>more</a:t>
-            </a:r>
-            <a:r>
-              <a:rPr sz="1100" i="1" spc="-45">
-                <a:solidFill>
-                  <a:srgbClr val="777879"/>
-                </a:solidFill>
-                <a:latin typeface="AdobeClean-LightIt"/>
-                <a:cs typeface="AdobeClean-LightIt"/>
-              </a:rPr>
-              <a:t> </a:t>
-            </a:r>
-            <a:r>
-              <a:rPr sz="1100" i="1" spc="-15">
-                <a:solidFill>
-                  <a:srgbClr val="777879"/>
-                </a:solidFill>
-                <a:latin typeface="AdobeClean-LightIt"/>
-                <a:cs typeface="AdobeClean-LightIt"/>
-              </a:rPr>
-              <a:t>about</a:t>
-            </a:r>
-            <a:r>
-              <a:rPr sz="1100" i="1" spc="-45">
-                <a:solidFill>
-                  <a:srgbClr val="777879"/>
-                </a:solidFill>
-                <a:latin typeface="AdobeClean-LightIt"/>
-                <a:cs typeface="AdobeClean-LightIt"/>
-              </a:rPr>
-              <a:t> </a:t>
-            </a:r>
-            <a:r>
-              <a:rPr sz="1100" i="1" spc="-15">
-                <a:solidFill>
-                  <a:srgbClr val="777879"/>
-                </a:solidFill>
-                <a:latin typeface="AdobeClean-LightIt"/>
-                <a:cs typeface="AdobeClean-LightIt"/>
-              </a:rPr>
-              <a:t>Adobe</a:t>
-            </a:r>
-            <a:r>
-              <a:rPr sz="1100" i="1" spc="-60">
-                <a:solidFill>
-                  <a:srgbClr val="777879"/>
-                </a:solidFill>
-                <a:latin typeface="AdobeClean-LightIt"/>
-                <a:cs typeface="AdobeClean-LightIt"/>
-              </a:rPr>
-              <a:t> </a:t>
-            </a:r>
-            <a:r>
-              <a:rPr sz="1100" i="1" spc="-15">
-                <a:solidFill>
-                  <a:srgbClr val="777879"/>
-                </a:solidFill>
-                <a:latin typeface="AdobeClean-LightIt"/>
-                <a:cs typeface="AdobeClean-LightIt"/>
-              </a:rPr>
-              <a:t>Support</a:t>
-            </a:r>
-            <a:r>
-              <a:rPr lang="en-US" sz="1100" i="1" spc="-15">
-                <a:solidFill>
-                  <a:srgbClr val="777879"/>
-                </a:solidFill>
-                <a:latin typeface="AdobeClean-LightIt"/>
-                <a:cs typeface="AdobeClean-LightIt"/>
-              </a:rPr>
-              <a:t> Offerings</a:t>
-            </a:r>
-            <a:r>
-              <a:rPr sz="1100" i="1" spc="-75">
-                <a:solidFill>
-                  <a:srgbClr val="777879"/>
-                </a:solidFill>
-                <a:latin typeface="AdobeClean-LightIt"/>
-                <a:cs typeface="AdobeClean-LightIt"/>
-              </a:rPr>
-              <a:t> </a:t>
-            </a:r>
-            <a:r>
-              <a:rPr sz="1100" i="1" spc="-15">
-                <a:solidFill>
-                  <a:srgbClr val="777879"/>
-                </a:solidFill>
-                <a:latin typeface="AdobeClean-LightIt"/>
-                <a:cs typeface="AdobeClean-LightIt"/>
-              </a:rPr>
-              <a:t>and</a:t>
-            </a:r>
-            <a:r>
-              <a:rPr sz="1100" i="1" spc="-50">
-                <a:solidFill>
-                  <a:srgbClr val="777879"/>
-                </a:solidFill>
-                <a:latin typeface="AdobeClean-LightIt"/>
-                <a:cs typeface="AdobeClean-LightIt"/>
-              </a:rPr>
-              <a:t> </a:t>
-            </a:r>
-            <a:r>
-              <a:rPr sz="1100" i="1" spc="-15">
-                <a:solidFill>
-                  <a:srgbClr val="777879"/>
-                </a:solidFill>
-                <a:latin typeface="AdobeClean-LightIt"/>
-                <a:cs typeface="AdobeClean-LightIt"/>
-              </a:rPr>
-              <a:t>the</a:t>
-            </a:r>
-            <a:r>
-              <a:rPr sz="1100" i="1" spc="-55">
-                <a:solidFill>
-                  <a:srgbClr val="777879"/>
-                </a:solidFill>
-                <a:latin typeface="AdobeClean-LightIt"/>
-                <a:cs typeface="AdobeClean-LightIt"/>
-              </a:rPr>
-              <a:t> </a:t>
-            </a:r>
-            <a:r>
-              <a:rPr sz="1100" i="1" spc="-15">
-                <a:solidFill>
-                  <a:srgbClr val="777879"/>
-                </a:solidFill>
-                <a:latin typeface="AdobeClean-LightIt"/>
-                <a:cs typeface="AdobeClean-LightIt"/>
-              </a:rPr>
-              <a:t>right</a:t>
-            </a:r>
-            <a:r>
-              <a:rPr sz="1100" i="1" spc="-95">
-                <a:solidFill>
-                  <a:srgbClr val="777879"/>
-                </a:solidFill>
-                <a:latin typeface="AdobeClean-LightIt"/>
-                <a:cs typeface="AdobeClean-LightIt"/>
-              </a:rPr>
-              <a:t> </a:t>
-            </a:r>
-            <a:r>
-              <a:rPr sz="1100" i="1" spc="-15">
-                <a:solidFill>
-                  <a:srgbClr val="777879"/>
-                </a:solidFill>
-                <a:latin typeface="AdobeClean-LightIt"/>
-                <a:cs typeface="AdobeClean-LightIt"/>
-              </a:rPr>
-              <a:t>level</a:t>
-            </a:r>
-            <a:r>
-              <a:rPr sz="1100" i="1" spc="-55">
-                <a:solidFill>
-                  <a:srgbClr val="777879"/>
-                </a:solidFill>
-                <a:latin typeface="AdobeClean-LightIt"/>
-                <a:cs typeface="AdobeClean-LightIt"/>
-              </a:rPr>
-              <a:t> </a:t>
-            </a:r>
-            <a:r>
-              <a:rPr sz="1100" i="1" spc="-15">
-                <a:solidFill>
-                  <a:srgbClr val="777879"/>
-                </a:solidFill>
-                <a:latin typeface="AdobeClean-LightIt"/>
-                <a:cs typeface="AdobeClean-LightIt"/>
-              </a:rPr>
-              <a:t>for</a:t>
-            </a:r>
-            <a:r>
-              <a:rPr sz="1100" i="1" spc="-85">
-                <a:solidFill>
-                  <a:srgbClr val="777879"/>
-                </a:solidFill>
-                <a:latin typeface="AdobeClean-LightIt"/>
-                <a:cs typeface="AdobeClean-LightIt"/>
-              </a:rPr>
-              <a:t> </a:t>
-            </a:r>
-            <a:r>
-              <a:rPr sz="1100" i="1" spc="-15">
-                <a:solidFill>
-                  <a:srgbClr val="777879"/>
-                </a:solidFill>
-                <a:latin typeface="AdobeClean-LightIt"/>
-                <a:cs typeface="AdobeClean-LightIt"/>
-              </a:rPr>
-              <a:t>you,</a:t>
-            </a:r>
-            <a:r>
-              <a:rPr sz="1100" i="1" spc="-65">
-                <a:solidFill>
-                  <a:srgbClr val="777879"/>
-                </a:solidFill>
-                <a:latin typeface="AdobeClean-LightIt"/>
-                <a:cs typeface="AdobeClean-LightIt"/>
-              </a:rPr>
-              <a:t> </a:t>
-            </a:r>
-            <a:r>
-              <a:rPr sz="1100" i="1" spc="-15">
-                <a:solidFill>
-                  <a:srgbClr val="777879"/>
-                </a:solidFill>
-                <a:latin typeface="AdobeClean-LightIt"/>
-                <a:cs typeface="AdobeClean-LightIt"/>
-              </a:rPr>
-              <a:t>contact</a:t>
-            </a:r>
-            <a:r>
-              <a:rPr sz="1100" i="1" spc="-85">
-                <a:solidFill>
-                  <a:srgbClr val="777879"/>
-                </a:solidFill>
-                <a:latin typeface="AdobeClean-LightIt"/>
-                <a:cs typeface="AdobeClean-LightIt"/>
-              </a:rPr>
-              <a:t> </a:t>
-            </a:r>
-            <a:r>
-              <a:rPr sz="1100" i="1" spc="-15">
-                <a:solidFill>
-                  <a:srgbClr val="777879"/>
-                </a:solidFill>
-                <a:latin typeface="AdobeClean-LightIt"/>
-                <a:cs typeface="AdobeClean-LightIt"/>
-              </a:rPr>
-              <a:t>your</a:t>
-            </a:r>
-            <a:r>
-              <a:rPr sz="1100" i="1" spc="-70">
-                <a:solidFill>
-                  <a:srgbClr val="777879"/>
-                </a:solidFill>
-                <a:latin typeface="AdobeClean-LightIt"/>
-                <a:cs typeface="AdobeClean-LightIt"/>
-              </a:rPr>
-              <a:t> </a:t>
-            </a:r>
-            <a:r>
-              <a:rPr sz="1100" i="1" spc="-15">
-                <a:solidFill>
-                  <a:srgbClr val="777879"/>
-                </a:solidFill>
-                <a:latin typeface="AdobeClean-LightIt"/>
-                <a:cs typeface="AdobeClean-LightIt"/>
-              </a:rPr>
-              <a:t>Named</a:t>
-            </a:r>
-            <a:r>
-              <a:rPr sz="1100" i="1" spc="-55">
-                <a:solidFill>
-                  <a:srgbClr val="777879"/>
-                </a:solidFill>
-                <a:latin typeface="AdobeClean-LightIt"/>
-                <a:cs typeface="AdobeClean-LightIt"/>
-              </a:rPr>
-              <a:t> </a:t>
-            </a:r>
-            <a:r>
-              <a:rPr sz="1100" i="1" spc="-25">
-                <a:solidFill>
-                  <a:srgbClr val="777879"/>
-                </a:solidFill>
-                <a:latin typeface="AdobeClean-LightIt"/>
-                <a:cs typeface="AdobeClean-LightIt"/>
-              </a:rPr>
-              <a:t>Account</a:t>
-            </a:r>
-            <a:r>
-              <a:rPr sz="1100" i="1" spc="-120">
-                <a:solidFill>
-                  <a:srgbClr val="777879"/>
-                </a:solidFill>
-                <a:latin typeface="AdobeClean-LightIt"/>
-                <a:cs typeface="AdobeClean-LightIt"/>
-              </a:rPr>
-              <a:t> </a:t>
-            </a:r>
-            <a:r>
-              <a:rPr sz="1100" i="1" spc="-20">
-                <a:solidFill>
-                  <a:srgbClr val="777879"/>
-                </a:solidFill>
-                <a:latin typeface="AdobeClean-LightIt"/>
-                <a:cs typeface="AdobeClean-LightIt"/>
-              </a:rPr>
-              <a:t>Manager  </a:t>
-            </a:r>
-            <a:r>
-              <a:rPr sz="1100" i="1" spc="-15">
-                <a:solidFill>
-                  <a:srgbClr val="777879"/>
-                </a:solidFill>
-                <a:latin typeface="AdobeClean-LightIt"/>
-                <a:cs typeface="AdobeClean-LightIt"/>
-              </a:rPr>
-              <a:t>(NAM) </a:t>
-            </a:r>
-            <a:r>
-              <a:rPr sz="1100" i="1" spc="-10">
-                <a:solidFill>
-                  <a:srgbClr val="777879"/>
-                </a:solidFill>
-                <a:latin typeface="AdobeClean-LightIt"/>
-                <a:cs typeface="AdobeClean-LightIt"/>
-              </a:rPr>
-              <a:t>or </a:t>
-            </a:r>
-            <a:r>
-              <a:rPr sz="1100" i="1" spc="-15">
-                <a:solidFill>
-                  <a:srgbClr val="777879"/>
-                </a:solidFill>
-                <a:latin typeface="AdobeClean-LightIt"/>
-                <a:cs typeface="AdobeClean-LightIt"/>
-              </a:rPr>
-              <a:t>Customer </a:t>
-            </a:r>
-            <a:r>
-              <a:rPr sz="1100" i="1" spc="-20">
-                <a:solidFill>
-                  <a:srgbClr val="777879"/>
-                </a:solidFill>
-                <a:latin typeface="AdobeClean-LightIt"/>
-                <a:cs typeface="AdobeClean-LightIt"/>
-              </a:rPr>
-              <a:t>Success</a:t>
-            </a:r>
-            <a:r>
-              <a:rPr sz="1100" i="1" spc="-180">
-                <a:solidFill>
-                  <a:srgbClr val="777879"/>
-                </a:solidFill>
-                <a:latin typeface="AdobeClean-LightIt"/>
-                <a:cs typeface="AdobeClean-LightIt"/>
-              </a:rPr>
-              <a:t> </a:t>
-            </a:r>
-            <a:r>
-              <a:rPr sz="1100" i="1" spc="-15">
-                <a:solidFill>
-                  <a:srgbClr val="777879"/>
-                </a:solidFill>
-                <a:latin typeface="AdobeClean-LightIt"/>
-                <a:cs typeface="AdobeClean-LightIt"/>
-              </a:rPr>
-              <a:t>Manager</a:t>
-            </a:r>
-            <a:r>
-              <a:rPr lang="en-US" sz="1100" i="1" spc="-15">
-                <a:solidFill>
-                  <a:srgbClr val="777879"/>
-                </a:solidFill>
-                <a:latin typeface="AdobeClean-LightIt"/>
-                <a:cs typeface="AdobeClean-LightIt"/>
-              </a:rPr>
-              <a:t> </a:t>
-            </a:r>
-            <a:r>
-              <a:rPr sz="1100" i="1" spc="-15">
-                <a:solidFill>
-                  <a:srgbClr val="777879"/>
-                </a:solidFill>
-                <a:latin typeface="AdobeClean-LightIt"/>
-                <a:cs typeface="AdobeClean-LightIt"/>
-              </a:rPr>
-              <a:t>(CSM)</a:t>
-            </a:r>
-            <a:endParaRPr sz="1100">
-              <a:latin typeface="AdobeClean-LightIt"/>
-              <a:cs typeface="AdobeClean-LightIt"/>
-            </a:endParaRPr>
+              <a:t>Pour en apprendre plus sur les offres de l’assistance Adobe et sur le niveau qui vous convient, contactez votre gestionnaire de compte nommé (NAM) ou votre gestionnaire de réussite client (CSM).</a:t>
+            </a:r>
           </a:p>
           <a:p>
             <a:pPr marL="34290">
@@ -16349,37 +13207,27 @@
               </a:spcBef>
             </a:pPr>
             <a:r>
-              <a:rPr sz="800" spc="-5">
+              <a:rPr lang="fr-FR" sz="800" dirty="0">
                 <a:solidFill>
                   <a:srgbClr val="6D6D6D"/>
                 </a:solidFill>
                 <a:latin typeface="Adobe Clean"/>
                 <a:cs typeface="Adobe Clean"/>
               </a:rPr>
-              <a:t>©202</a:t>
-            </a:r>
-            <a:r>
-              <a:rPr lang="en-US" sz="800" spc="-5">
+              <a:t>©2021 Adobe. All </a:t>
+            </a:r>
+            <a:r>
+              <a:rPr lang="fr-FR" sz="800" dirty="0" err="1">
                 <a:solidFill>
                   <a:srgbClr val="6D6D6D"/>
                 </a:solidFill>
                 <a:latin typeface="Adobe Clean"/>
                 <a:cs typeface="Adobe Clean"/>
               </a:rPr>
-              <a:t>1</a:t>
-            </a:r>
-            <a:r>
-              <a:rPr sz="800" spc="-5">
-                <a:solidFill>
-                  <a:srgbClr val="6D6D6D"/>
-                </a:solidFill>
-                <a:latin typeface="Adobe Clean"/>
-                <a:cs typeface="Adobe Clean"/>
-              </a:rPr>
-              <a:t> Adobe. All Rights Reserved. Adobe</a:t>
-            </a:r>
-            <a:r>
-              <a:rPr sz="800" spc="75">
+              <a:t>Rights</a:t>
+            </a:r>
+            <a:r>
+              <a:rPr lang="fr-FR" sz="800" dirty="0">
                 <a:solidFill>
                   <a:srgbClr val="6D6D6D"/>
                 </a:solidFill>
@@ -16389,19 +13237,25 @@
               <a:t> </a:t>
             </a:r>
             <a:r>
-              <a:rPr sz="800" spc="-5">
+              <a:rPr lang="fr-FR" sz="800" dirty="0" err="1">
                 <a:solidFill>
                   <a:srgbClr val="6D6D6D"/>
                 </a:solidFill>
                 <a:latin typeface="Adobe Clean"/>
                 <a:cs typeface="Adobe Clean"/>
               </a:rPr>
-              <a:t>Confidential.</a:t>
-            </a:r>
-            <a:endParaRPr sz="800">
-              <a:latin typeface="Adobe Clean"/>
-              <a:cs typeface="Adobe Clean"/>
-            </a:endParaRPr>
+              <a:t>Reserved</a:t>
+            </a:r>
+            <a:r>
+              <a:rPr lang="fr-FR" sz="800" dirty="0">
+                <a:solidFill>
+                  <a:srgbClr val="6D6D6D"/>
+                </a:solidFill>
+                <a:latin typeface="Adobe Clean"/>
+                <a:cs typeface="Adobe Clean"/>
+              </a:rPr>
+              <a:t>. Données confidentielles Adobe</a:t>
+            </a:r>
           </a:p>
         </p:txBody>
       </p:sp>
@@ -16438,19 +13292,15 @@
               </a:spcBef>
             </a:pPr>
             <a:r>
-              <a:rPr lang="en-US" sz="1400" b="1" spc="-15">
+              <a:rPr lang="fr-FR" sz="1400" b="1" dirty="0">
                 <a:solidFill>
                   <a:srgbClr val="020302"/>
                 </a:solidFill>
                 <a:latin typeface="Adobe Clean"/>
                 <a:cs typeface="Adobe Clean"/>
               </a:rPr>
-              <a:t>Regional scope of Adobe Support, Local Hours Of Operation And Language Support</a:t>
-            </a:r>
-            <a:endParaRPr lang="en-US" sz="1400" spc="-15">
-              <a:ea typeface="+mn-lt"/>
-              <a:cs typeface="+mn-lt"/>
-            </a:endParaRPr>
+              <a:t>Portée régionale de l’assistance Adobe, heures ouvrables locales et assistance linguistique</a:t>
+            </a:r>
           </a:p>
           <a:p>
             <a:pPr>
@@ -16459,17 +13309,14 @@
               </a:spcBef>
             </a:pPr>
             <a:r>
-              <a:rPr lang="en-US" sz="1000" spc="-15">
+              <a:rPr lang="fr-FR" sz="1000" dirty="0">
                 <a:solidFill>
                   <a:srgbClr val="1F1F1F"/>
                 </a:solidFill>
                 <a:latin typeface="AdobeClean-Light"/>
               </a:rPr>
-              <a:t>The regional scope of Adobe Support is established by aligning the customer's billing address (via the Sales Order or other Adobe Support purchasing document) to one of the following regions:</a:t>
-            </a:r>
-            <a:endParaRPr lang="en-US" sz="1000">
-              <a:latin typeface="AdobeClean-Light"/>
-            </a:endParaRPr>
+              <a:t>La portée régionale de l’assistance Adobe est définie par l’alignement de l’adresse de facturation du client (se trouvant sur le bon de commande ou tout autre document d’achat de l’assistance Adobe) avec l’une des régions suivantes :</a:t>
+            </a:r>
           </a:p>
         </p:txBody>
       </p:sp>
@@ -16488,7 +13335,7 @@
           <p:nvPr>
             <p:extLst>
               <p:ext uri="{D42A27DB-BD31-4B8C-83A1-F6EECF244321}">
-                <p14:modId xmlns:p14="http://schemas.microsoft.com/office/powerpoint/2010/main" val="3975465108"/>
+                <p14:modId xmlns:p14="http://schemas.microsoft.com/office/powerpoint/2010/main" val="3069050802"/>
               </p:ext>
             </p:extLst>
           </p:nvPr>
@@ -16541,13 +13388,13 @@
                     <a:p>
                       <a:pPr algn="ctr"/>
                       <a:r>
-                        <a:rPr lang="en-US" sz="1100">
+                        <a:rPr lang="fr-FR" sz="1100">
                           <a:solidFill>
                             <a:schemeClr val="tx1"/>
                           </a:solidFill>
                           <a:latin typeface="Adobe Clean" panose="020B0503020404020204" pitchFamily="34" charset="0"/>
                         </a:rPr>
-                        <a:t>Americas</a:t>
+                        <a:t>Amériques</a:t>
                       </a:r>
                     </a:p>
                   </a:txBody>
@@ -16606,13 +13453,30 @@
                     <a:p>
                       <a:pPr algn="ctr"/>
                       <a:r>
-                        <a:rPr lang="en-US" sz="1100">
+                        <a:rPr lang="fr-FR" sz="1100" dirty="0">
                           <a:solidFill>
                             <a:schemeClr val="tx1"/>
                           </a:solidFill>
                           <a:latin typeface="Adobe Clean" panose="020B0503020404020204" pitchFamily="34" charset="0"/>
                         </a:rPr>
-                        <a:t>Europe, Middle East &amp; Africa</a:t>
+                        <a:t>Europe, Moyen-Orient </a:t>
+                      </a:r>
+                      <a:br>
+                        <a:rPr lang="fr-FR" sz="1100" dirty="0">
+                          <a:solidFill>
+                            <a:schemeClr val="tx1"/>
+                          </a:solidFill>
+                          <a:latin typeface="Adobe Clean" panose="020B0503020404020204" pitchFamily="34" charset="0"/>
+                        </a:rPr>
+                      </a:br>
+                      <a:r>
+                        <a:rPr lang="fr-FR" sz="1100" dirty="0">
+                          <a:solidFill>
+                            <a:schemeClr val="tx1"/>
+                          </a:solidFill>
+                          <a:latin typeface="Adobe Clean" panose="020B0503020404020204" pitchFamily="34" charset="0"/>
+                        </a:rPr>
+                        <a:t>et Afrique</a:t>
                       </a:r>
                     </a:p>
                   </a:txBody>
@@ -16671,13 +13535,13 @@
                     <a:p>
                       <a:pPr algn="ctr"/>
                       <a:r>
-                        <a:rPr lang="en-US" sz="1100">
+                        <a:rPr lang="fr-FR" sz="1100">
                           <a:solidFill>
                             <a:schemeClr val="tx1"/>
                           </a:solidFill>
                           <a:latin typeface="Adobe Clean" panose="020B0503020404020204" pitchFamily="34" charset="0"/>
                         </a:rPr>
-                        <a:t>Asia Pacific</a:t>
+                        <a:t>Asie-Pacifique</a:t>
                       </a:r>
                     </a:p>
                   </a:txBody>
@@ -16736,16 +13600,16 @@
                     <a:p>
                       <a:pPr algn="ctr"/>
                       <a:r>
-                        <a:rPr lang="en-US" sz="1100">
+                        <a:rPr lang="fr-FR" sz="1100">
                           <a:solidFill>
                             <a:schemeClr val="tx1"/>
                           </a:solidFill>
                           <a:latin typeface="Adobe Clean" panose="020B0503020404020204" pitchFamily="34" charset="0"/>
                         </a:rPr>
-                        <a:t>Japan </a:t>
+                        <a:t>Japon </a:t>
                       </a:r>
                       <a:r>
-                        <a:rPr lang="en-US" sz="1100" baseline="30000">
+                        <a:rPr lang="fr-FR" sz="1100" baseline="30000">
                           <a:solidFill>
                             <a:schemeClr val="tx1"/>
                           </a:solidFill>
@@ -16753,12 +13617,6 @@
                         </a:rPr>
                         <a:t>1 </a:t>
                       </a:r>
-                      <a:endParaRPr lang="en-US" sz="1100">
-                        <a:solidFill>
-                          <a:schemeClr val="tx1"/>
-                        </a:solidFill>
-                        <a:latin typeface="Adobe Clean" panose="020B0503020404020204" pitchFamily="34" charset="0"/>
-                      </a:endParaRPr>
                     </a:p>
                   </a:txBody>
                   <a:tcPr anchor="ctr">
@@ -16823,13 +13681,13 @@
                     <a:p>
                       <a:pPr algn="ctr"/>
                       <a:r>
-                        <a:rPr lang="en-US" sz="1100">
+                        <a:rPr lang="fr-FR" sz="1100">
                           <a:solidFill>
                             <a:schemeClr val="tx1"/>
                           </a:solidFill>
                           <a:latin typeface="Adobe Clean" panose="020B0503020404020204" pitchFamily="34" charset="0"/>
                         </a:rPr>
-                        <a:t>6 am – 5:30 pm</a:t>
+                        <a:t>6 h 00 à 17 h 30</a:t>
                       </a:r>
                     </a:p>
                   </a:txBody>
@@ -16888,13 +13746,13 @@
                     <a:p>
                       <a:pPr algn="ctr"/>
                       <a:r>
-                        <a:rPr lang="en-US" sz="1100">
+                        <a:rPr lang="fr-FR" sz="1100">
                           <a:solidFill>
                             <a:schemeClr val="tx1"/>
                           </a:solidFill>
                           <a:latin typeface="Adobe Clean" panose="020B0503020404020204" pitchFamily="34" charset="0"/>
                         </a:rPr>
-                        <a:t>9 am – 5 pm</a:t>
+                        <a:t>9 h 00 à 17 h 00</a:t>
                       </a:r>
                     </a:p>
                   </a:txBody>
@@ -16953,13 +13811,13 @@
                     <a:p>
                       <a:pPr algn="ctr"/>
                       <a:r>
-                        <a:rPr lang="en-US" sz="1100">
+                        <a:rPr lang="fr-FR" sz="1100">
                           <a:solidFill>
                             <a:schemeClr val="tx1"/>
                           </a:solidFill>
                           <a:latin typeface="Adobe Clean" panose="020B0503020404020204" pitchFamily="34" charset="0"/>
                         </a:rPr>
-                        <a:t>9 am – 5 pm</a:t>
+                        <a:t>9 h 00 à 17 h 00</a:t>
                       </a:r>
                     </a:p>
                   </a:txBody>
@@ -17018,13 +13876,13 @@
                     <a:p>
                       <a:pPr algn="ctr"/>
                       <a:r>
-                        <a:rPr lang="en-US" sz="1100">
+                        <a:rPr lang="fr-FR" sz="1100">
                           <a:solidFill>
                             <a:schemeClr val="tx1"/>
                           </a:solidFill>
                           <a:latin typeface="Adobe Clean" panose="020B0503020404020204" pitchFamily="34" charset="0"/>
                         </a:rPr>
-                        <a:t>9 am – 5:30 pm</a:t>
+                        <a:t>9 h 00 à 17 h 30</a:t>
                       </a:r>
                     </a:p>
                   </a:txBody>
@@ -17104,23 +13962,17 @@
                         <a:buNone/>
                       </a:pPr>
                       <a:r>
-                        <a:rPr lang="en-US" sz="1100">
+                        <a:rPr lang="fr-FR" sz="1100" dirty="0">
                           <a:solidFill>
                             <a:schemeClr val="tx1"/>
                           </a:solidFill>
                           <a:latin typeface="Adobe Clean"/>
                         </a:rPr>
-                        <a:t>Language support is only available in English and Japanese. </a:t>
+                        <a:t>L’assistance linguistique est uniquement disponible en anglais et en japonais. </a:t>
                       </a:r>
-                      <a:endParaRPr lang="en-US" sz="1100">
-                        <a:solidFill>
-                          <a:schemeClr val="tx1"/>
-                        </a:solidFill>
-                        <a:latin typeface="Adobe Clean" panose="020B0503020404020204" pitchFamily="34" charset="0"/>
-                      </a:endParaRPr>
                     </a:p>
                     <a:p>
-                      <a:pPr marL="0" marR="0" lvl="0" indent="0" algn="ctr" defTabSz="914400" eaLnBrk="1" fontAlgn="auto" latinLnBrk="0" hangingPunct="1">
+                      <a:pPr marL="0" marR="0" lvl="0" indent="0" algn="l" defTabSz="914400" rtl="0" eaLnBrk="1" fontAlgn="auto" latinLnBrk="0" hangingPunct="1">
                         <a:lnSpc>
                           <a:spcPct val="100000"/>
                         </a:lnSpc>
@@ -17137,7 +13989,7 @@
                         <a:tabLst/>
                         <a:defRPr/>
                       </a:pPr>
-                      <a:endParaRPr kumimoji="0" lang="en-US" sz="1100" b="1" i="0" u="none" strike="noStrike" kern="0" cap="none" spc="0" normalizeH="0" baseline="30000" noProof="0">
+                      <a:endParaRPr kumimoji="0" lang="en-US" sz="1100" b="1" i="0" u="none" strike="noStrike" kern="0" cap="none" spc="0" normalizeH="0" baseline="30000" noProof="0" dirty="0">
                         <a:ln>
                           <a:noFill/>
                         </a:ln>
@@ -17155,7 +14007,7 @@
                     <a:p>
                       <a:pPr algn="ctr"/>
                       <a:r>
-                        <a:rPr lang="en-US" sz="1100" i="0">
+                        <a:rPr lang="fr-FR" sz="1100" i="0" dirty="0">
                           <a:solidFill>
                             <a:schemeClr val="tx1"/>
                           </a:solidFill>
@@ -17164,7 +14016,7 @@
                         <a:t> </a:t>
                       </a:r>
                       <a:r>
-                        <a:rPr lang="en-US" sz="1100" i="0" baseline="30000">
+                        <a:rPr lang="fr-FR" sz="1100" i="0" baseline="30000" dirty="0">
                           <a:solidFill>
                             <a:schemeClr val="tx1"/>
                           </a:solidFill>
@@ -17173,20 +14025,14 @@
                         <a:t>1 </a:t>
                       </a:r>
                       <a:r>
-                        <a:rPr lang="en-US" sz="1100" i="0">
+                        <a:rPr lang="fr-FR" sz="1100" i="0" dirty="0">
                           <a:solidFill>
                             <a:schemeClr val="tx1"/>
                           </a:solidFill>
                           <a:latin typeface="Adobe Clean"/>
                         </a:rPr>
-                        <a:t>P2, P3, P4 cases are limited to business hours only in Japan.</a:t>
+                        <a:t>Les cas P2, P3 et P4 sont limités aux heures ouvrables uniquement au Japon.</a:t>
                       </a:r>
-                      <a:endParaRPr lang="en-US" sz="1100" b="1" i="0">
-                        <a:solidFill>
-                          <a:schemeClr val="tx1"/>
-                        </a:solidFill>
-                        <a:latin typeface="Adobe Clean"/>
-                      </a:endParaRPr>
                     </a:p>
                   </a:txBody>
                   <a:tcPr anchor="ctr">
@@ -17528,8 +14374,8 @@
         </p:nvSpPr>
         <p:spPr>
           <a:xfrm>
-            <a:off x="2840871" y="8528519"/>
-            <a:ext cx="810895" cy="385445"/>
+            <a:off x="2804295" y="8528519"/>
+            <a:ext cx="944745" cy="382797"/>
           </a:xfrm>
           <a:prstGeom prst="rect">
             <a:avLst/>
@@ -17541,7 +14387,7 @@
           </a:bodyPr>
           <a:lstStyle/>
           <a:p>
-            <a:pPr marL="139065" marR="5080" indent="-139065">
+            <a:pPr marR="5080" algn="ctr">
               <a:lnSpc>
                 <a:spcPts val="1390"/>
               </a:lnSpc>
@@ -17550,129 +14396,15 @@
               </a:spcBef>
             </a:pPr>
             <a:r>
-              <a:rPr sz="1200" b="1" spc="-15">
+              <a:rPr lang="fr-FR" sz="1200" b="1" dirty="0">
                 <a:solidFill>
                   <a:srgbClr val="FFFFFF"/>
                 </a:solidFill>
                 <a:latin typeface="Adobe Clean"/>
                 <a:cs typeface="Adobe Clean"/>
               </a:rPr>
-              <a:t>U</a:t>
-            </a:r>
-            <a:r>
-              <a:rPr sz="1200" b="1" spc="-20">
-                <a:solidFill>
-                  <a:srgbClr val="FFFFFF"/>
-                </a:solidFill>
-                <a:latin typeface="Adobe Clean"/>
-                <a:cs typeface="Adobe Clean"/>
-              </a:rPr>
-              <a:t>n</a:t>
-            </a:r>
-            <a:r>
-              <a:rPr sz="1200" b="1" spc="-25">
-                <a:solidFill>
-                  <a:srgbClr val="FFFFFF"/>
-                </a:solidFill>
-                <a:latin typeface="Adobe Clean"/>
-                <a:cs typeface="Adobe Clean"/>
-              </a:rPr>
-              <a:t>p</a:t>
-            </a:r>
-            <a:r>
-              <a:rPr sz="1200" b="1" spc="-15">
-                <a:solidFill>
-                  <a:srgbClr val="FFFFFF"/>
-                </a:solidFill>
-                <a:latin typeface="Adobe Clean"/>
-                <a:cs typeface="Adobe Clean"/>
-              </a:rPr>
-              <a:t>a</a:t>
-            </a:r>
-            <a:r>
-              <a:rPr sz="1200" b="1" spc="-25">
-                <a:solidFill>
-                  <a:srgbClr val="FFFFFF"/>
-                </a:solidFill>
-                <a:latin typeface="Adobe Clean"/>
-                <a:cs typeface="Adobe Clean"/>
-              </a:rPr>
-              <a:t>r</a:t>
-            </a:r>
-            <a:r>
-              <a:rPr sz="1200" b="1" spc="-15">
-                <a:solidFill>
-                  <a:srgbClr val="FFFFFF"/>
-                </a:solidFill>
-                <a:latin typeface="Adobe Clean"/>
-                <a:cs typeface="Adobe Clean"/>
-              </a:rPr>
-              <a:t>a</a:t>
-            </a:r>
-            <a:r>
-              <a:rPr sz="1200" b="1" spc="-30">
-                <a:solidFill>
-                  <a:srgbClr val="FFFFFF"/>
-                </a:solidFill>
-                <a:latin typeface="Adobe Clean"/>
-                <a:cs typeface="Adobe Clean"/>
-              </a:rPr>
-              <a:t>ll</a:t>
-            </a:r>
-            <a:r>
-              <a:rPr sz="1200" b="1" spc="-25">
-                <a:solidFill>
-                  <a:srgbClr val="FFFFFF"/>
-                </a:solidFill>
-                <a:latin typeface="Adobe Clean"/>
-                <a:cs typeface="Adobe Clean"/>
-              </a:rPr>
-              <a:t>e</a:t>
-            </a:r>
-            <a:r>
-              <a:rPr sz="1200" b="1" spc="-30">
-                <a:solidFill>
-                  <a:srgbClr val="FFFFFF"/>
-                </a:solidFill>
-                <a:latin typeface="Adobe Clean"/>
-                <a:cs typeface="Adobe Clean"/>
-              </a:rPr>
-              <a:t>l</a:t>
-            </a:r>
-            <a:r>
-              <a:rPr sz="1200" b="1" spc="-25">
-                <a:solidFill>
-                  <a:srgbClr val="FFFFFF"/>
-                </a:solidFill>
-                <a:latin typeface="Adobe Clean"/>
-                <a:cs typeface="Adobe Clean"/>
-              </a:rPr>
-              <a:t>e</a:t>
-            </a:r>
-            <a:r>
-              <a:rPr sz="1200" b="1">
-                <a:solidFill>
-                  <a:srgbClr val="FFFFFF"/>
-                </a:solidFill>
-                <a:latin typeface="Adobe Clean"/>
-                <a:cs typeface="Adobe Clean"/>
-              </a:rPr>
-              <a:t>d  </a:t>
-            </a:r>
-            <a:r>
-              <a:rPr sz="1200" b="1" spc="-25">
-                <a:solidFill>
-                  <a:srgbClr val="FFFFFF"/>
-                </a:solidFill>
-                <a:latin typeface="Adobe Clean"/>
-                <a:cs typeface="Adobe Clean"/>
-              </a:rPr>
-              <a:t>Expertise</a:t>
-            </a:r>
-            <a:endParaRPr sz="1200">
-              <a:latin typeface="Adobe Clean"/>
-              <a:cs typeface="Adobe Clean"/>
-            </a:endParaRPr>
+              <a:t>Expertise incomparable</a:t>
+            </a:r>
           </a:p>
         </p:txBody>
       </p:sp>
@@ -17703,7 +14435,7 @@
           </a:bodyPr>
           <a:lstStyle/>
           <a:p>
-            <a:pPr marL="139065" marR="5080" indent="-139065">
+            <a:pPr marR="5080" algn="ctr">
               <a:lnSpc>
                 <a:spcPts val="1390"/>
               </a:lnSpc>
@@ -17712,19 +14444,15 @@
               </a:spcBef>
             </a:pPr>
             <a:r>
-              <a:rPr lang="en-US" sz="1200" b="1" spc="-15">
+              <a:rPr lang="fr-FR" sz="1200" b="1" dirty="0">
                 <a:solidFill>
                   <a:srgbClr val="FFFFFF"/>
                 </a:solidFill>
                 <a:latin typeface="Adobe Clean"/>
                 <a:cs typeface="Adobe Clean"/>
               </a:rPr>
-              <a:t>Accelerated Support</a:t>
-            </a:r>
-            <a:endParaRPr sz="1200">
-              <a:latin typeface="Adobe Clean"/>
-              <a:cs typeface="Adobe Clean"/>
-            </a:endParaRPr>
+              <a:t>Assistance accélérée</a:t>
+            </a:r>
           </a:p>
         </p:txBody>
       </p:sp>
@@ -17742,8 +14470,8 @@
         </p:nvSpPr>
         <p:spPr>
           <a:xfrm>
-            <a:off x="6624119" y="8543943"/>
-            <a:ext cx="510540" cy="385445"/>
+            <a:off x="6514653" y="8543943"/>
+            <a:ext cx="757874" cy="382797"/>
           </a:xfrm>
           <a:prstGeom prst="rect">
             <a:avLst/>
@@ -17755,7 +14483,7 @@
           </a:bodyPr>
           <a:lstStyle/>
           <a:p>
-            <a:pPr marL="50800" marR="5080" indent="-51435">
+            <a:pPr marR="5080" algn="ctr">
               <a:lnSpc>
                 <a:spcPts val="1390"/>
               </a:lnSpc>
@@ -17764,109 +14492,15 @@
               </a:spcBef>
             </a:pPr>
             <a:r>
-              <a:rPr sz="1200" b="1" spc="-50">
+              <a:rPr lang="fr-FR" sz="1200" b="1" dirty="0">
                 <a:solidFill>
                   <a:srgbClr val="FFFFFF"/>
                 </a:solidFill>
                 <a:latin typeface="Adobe Clean"/>
                 <a:cs typeface="Adobe Clean"/>
               </a:rPr>
-              <a:t>S</a:t>
-            </a:r>
-            <a:r>
-              <a:rPr sz="1200" b="1" spc="-20">
-                <a:solidFill>
-                  <a:srgbClr val="FFFFFF"/>
-                </a:solidFill>
-                <a:latin typeface="Adobe Clean"/>
-                <a:cs typeface="Adobe Clean"/>
-              </a:rPr>
-              <a:t>t</a:t>
-            </a:r>
-            <a:r>
-              <a:rPr sz="1200" b="1" spc="-75">
-                <a:solidFill>
-                  <a:srgbClr val="FFFFFF"/>
-                </a:solidFill>
-                <a:latin typeface="Adobe Clean"/>
-                <a:cs typeface="Adobe Clean"/>
-              </a:rPr>
-              <a:t>r</a:t>
-            </a:r>
-            <a:r>
-              <a:rPr sz="1200" b="1" spc="-90">
-                <a:solidFill>
-                  <a:srgbClr val="FFFFFF"/>
-                </a:solidFill>
-                <a:latin typeface="Adobe Clean"/>
-                <a:cs typeface="Adobe Clean"/>
-              </a:rPr>
-              <a:t>a</a:t>
-            </a:r>
-            <a:r>
-              <a:rPr sz="1200" b="1" spc="-55">
-                <a:solidFill>
-                  <a:srgbClr val="FFFFFF"/>
-                </a:solidFill>
-                <a:latin typeface="Adobe Clean"/>
-                <a:cs typeface="Adobe Clean"/>
-              </a:rPr>
-              <a:t>t</a:t>
-            </a:r>
-            <a:r>
-              <a:rPr sz="1200" b="1" spc="-100">
-                <a:solidFill>
-                  <a:srgbClr val="FFFFFF"/>
-                </a:solidFill>
-                <a:latin typeface="Adobe Clean"/>
-                <a:cs typeface="Adobe Clean"/>
-              </a:rPr>
-              <a:t>e</a:t>
-            </a:r>
-            <a:r>
-              <a:rPr sz="1200" b="1" spc="-80">
-                <a:solidFill>
-                  <a:srgbClr val="FFFFFF"/>
-                </a:solidFill>
-                <a:latin typeface="Adobe Clean"/>
-                <a:cs typeface="Adobe Clean"/>
-              </a:rPr>
-              <a:t>g</a:t>
-            </a:r>
-            <a:r>
-              <a:rPr sz="1200" b="1" spc="-35">
-                <a:solidFill>
-                  <a:srgbClr val="FFFFFF"/>
-                </a:solidFill>
-                <a:latin typeface="Adobe Clean"/>
-                <a:cs typeface="Adobe Clean"/>
-              </a:rPr>
-              <a:t>i</a:t>
-            </a:r>
-            <a:r>
-              <a:rPr sz="1200" b="1">
-                <a:solidFill>
-                  <a:srgbClr val="FFFFFF"/>
-                </a:solidFill>
-                <a:latin typeface="Adobe Clean"/>
-                <a:cs typeface="Adobe Clean"/>
-              </a:rPr>
-              <a:t>c  </a:t>
-            </a:r>
-            <a:r>
-              <a:rPr sz="1200" b="1" spc="-45">
-                <a:solidFill>
-                  <a:srgbClr val="FFFFFF"/>
-                </a:solidFill>
-                <a:latin typeface="Adobe Clean"/>
-                <a:cs typeface="Adobe Clean"/>
-              </a:rPr>
-              <a:t>Advice</a:t>
-            </a:r>
-            <a:endParaRPr sz="1200">
-              <a:latin typeface="Adobe Clean"/>
-              <a:cs typeface="Adobe Clean"/>
-            </a:endParaRPr>
+              <a:t>Conseil stratégique</a:t>
+            </a:r>
           </a:p>
         </p:txBody>
       </p:sp>
@@ -17892,7 +14526,7 @@
         </p:nvGraphicFramePr>
         <p:xfrm>
           <a:off x="194236" y="1059345"/>
-          <a:ext cx="7368291" cy="2931160"/>
+          <a:ext cx="7368291" cy="3870960"/>
         </p:xfrm>
         <a:graphic>
           <a:graphicData uri="http://schemas.openxmlformats.org/drawingml/2006/table">
@@ -17923,7 +14557,7 @@
                     <a:lstStyle/>
                     <a:p>
                       <a:r>
-                        <a:rPr lang="en-US" sz="1100" b="0">
+                        <a:rPr lang="fr-FR" sz="1100" b="0" dirty="0" err="1">
                           <a:solidFill>
                             <a:schemeClr val="tx1"/>
                           </a:solidFill>
@@ -17932,16 +14566,20 @@
                           <a:cs typeface="+mn-cs"/>
                           <a:hlinkClick r:id="rId7"/>
                         </a:rPr>
-                        <a:t>Experience League</a:t>
+                        <a:t>Experience</a:t>
                       </a:r>
-                      <a:endParaRPr lang="en-US" sz="1100" b="0">
-                        <a:solidFill>
-                          <a:schemeClr val="tx1"/>
-                        </a:solidFill>
-                        <a:latin typeface="Adobe Clean" panose="020B0503020404020204" pitchFamily="34" charset="0"/>
-                        <a:ea typeface="+mn-ea"/>
-                        <a:cs typeface="+mn-cs"/>
-                      </a:endParaRPr>
+                      <a:r>
+                        <a:rPr lang="fr-FR" sz="1100" b="0" dirty="0">
+                          <a:solidFill>
+                            <a:schemeClr val="tx1"/>
+                          </a:solidFill>
+                          <a:latin typeface="Adobe Clean" panose="020B0503020404020204" pitchFamily="34" charset="0"/>
+                          <a:ea typeface="+mn-ea"/>
+                          <a:cs typeface="+mn-cs"/>
+                          <a:hlinkClick r:id="rId7"/>
+                        </a:rPr>
+                        <a:t> League</a:t>
+                      </a:r>
                     </a:p>
                   </a:txBody>
                   <a:tcPr marL="47625" marR="47625" marT="0" marB="0" anchor="ctr">
@@ -18015,7 +14653,7 @@
                         <a:defRPr/>
                       </a:pPr>
                       <a:r>
-                        <a:rPr lang="en-US" sz="1000" b="0" kern="1200">
+                        <a:rPr lang="fr-FR" sz="1000" b="0" dirty="0" err="1">
                           <a:solidFill>
                             <a:srgbClr val="000000"/>
                           </a:solidFill>
@@ -18023,7 +14661,18 @@
                           <a:ea typeface="+mn-ea"/>
                           <a:cs typeface="+mn-cs"/>
                         </a:rPr>
-                        <a:t>Experience League is how Adobe helps businesses achieve the value they expect from their Adobe investment. It’s the unified place where customers can learn, connect, and grow along a personalized path to success that includes self-help tutorials, product documentation, instructor-led training, community and technical support. </a:t>
+                        <a:t>Experience</a:t>
+                      </a:r>
+                      <a:r>
+                        <a:rPr lang="fr-FR" sz="1000" b="0" dirty="0">
+                          <a:solidFill>
+                            <a:srgbClr val="000000"/>
+                          </a:solidFill>
+                          <a:latin typeface="Adobe Clean Light" panose="020B0303020404020204" pitchFamily="34" charset="0"/>
+                          <a:ea typeface="+mn-ea"/>
+                          <a:cs typeface="+mn-cs"/>
+                        </a:rPr>
+                        <a:t> League est la manière dont Adobe aide les entreprises à atteindre la valeur qu’elles attendent de leur investissement dans Adobe. Il s’agit de l’endroit commun où les clients peuvent apprendre, se mettre en relation les uns avec les autres et grandir le long d’un chemin personnalisé vers le succès. Il comprend des tutoriels automatiques, de la documentation sur les produits, une formation dispensée par un instructeur, une communauté et une assistance technique. </a:t>
                       </a:r>
                     </a:p>
                   </a:txBody>
@@ -18105,39 +14754,28 @@
                         <a:defRPr/>
                       </a:pPr>
                       <a:r>
-                        <a:rPr lang="en-US" sz="1100">
+                        <a:rPr lang="fr-FR" sz="1100">
                           <a:solidFill>
                             <a:schemeClr val="dk1"/>
                           </a:solidFill>
-                          <a:effectLst/>
                           <a:latin typeface="Adobe Clean" panose="020B0503020404020204" pitchFamily="34" charset="0"/>
                           <a:ea typeface="+mn-ea"/>
                           <a:cs typeface="+mn-cs"/>
                           <a:hlinkClick r:id="rId8"/>
                         </a:rPr>
-                        <a:t>Training</a:t>
+                        <a:t>Formation</a:t>
                       </a:r>
                       <a:r>
-                        <a:rPr lang="en-US" sz="1100">
+                        <a:rPr lang="fr-FR" sz="1100">
                           <a:solidFill>
                             <a:schemeClr val="dk1"/>
                           </a:solidFill>
-                          <a:effectLst/>
                           <a:latin typeface="Adobe Clean" panose="020B0503020404020204" pitchFamily="34" charset="0"/>
                           <a:ea typeface="+mn-ea"/>
                           <a:cs typeface="+mn-cs"/>
                         </a:rPr>
                         <a:t> </a:t>
                       </a:r>
-                      <a:endParaRPr lang="en-US" sz="1100">
-                        <a:solidFill>
-                          <a:schemeClr val="tx1"/>
-                        </a:solidFill>
-                        <a:effectLst/>
-                        <a:latin typeface="Adobe Clean" panose="020B0503020404020204" pitchFamily="34" charset="0"/>
-                        <a:ea typeface="+mn-ea"/>
-                        <a:cs typeface="+mn-cs"/>
-                      </a:endParaRPr>
                     </a:p>
                   </a:txBody>
                   <a:tcPr anchor="ctr">
@@ -18211,7 +14849,7 @@
                         <a:defRPr/>
                       </a:pPr>
                       <a:r>
-                        <a:rPr lang="en-US" sz="1000" kern="1200">
+                        <a:rPr lang="fr-FR" sz="1000" dirty="0">
                           <a:solidFill>
                             <a:srgbClr val="000000"/>
                           </a:solidFill>
@@ -18219,7 +14857,29 @@
                           <a:ea typeface="+mn-ea"/>
                           <a:cs typeface="+mn-cs"/>
                         </a:rPr>
-                        <a:t>Adobe Digital Learning Services courses are accessible from Experience League. Learning courses integrate both on-demand and instructor-led lessons.  Here you can accrue skills that have recognized market value and position them to drive success in your organizations.</a:t>
+                        <a:t>Les cours sur les services de formation numérique d’Adobe sont accessibles depuis </a:t>
+                      </a:r>
+                      <a:r>
+                        <a:rPr lang="fr-FR" sz="1000" dirty="0" err="1">
+                          <a:solidFill>
+                            <a:srgbClr val="000000"/>
+                          </a:solidFill>
+                          <a:latin typeface="Adobe Clean Light" panose="020B0303020404020204" pitchFamily="34" charset="0"/>
+                          <a:ea typeface="+mn-ea"/>
+                          <a:cs typeface="+mn-cs"/>
+                        </a:rPr>
+                        <a:t>Experience</a:t>
+                      </a:r>
+                      <a:r>
+                        <a:rPr lang="fr-FR" sz="1000" dirty="0">
+                          <a:solidFill>
+                            <a:srgbClr val="000000"/>
+                          </a:solidFill>
+                          <a:latin typeface="Adobe Clean Light" panose="020B0303020404020204" pitchFamily="34" charset="0"/>
+                          <a:ea typeface="+mn-ea"/>
+                          <a:cs typeface="+mn-cs"/>
+                        </a:rPr>
+                        <a:t> League. Les cours de formation regroupent des cours à la demande et des cours dispensés par un instructeur.  Grâce à ces cours, vous pouvez acquérir des compétences qui présentent une valeur marchande reconnue et les disposer de manière à stimuler le succès de vos entreprises.</a:t>
                       </a:r>
                     </a:p>
                   </a:txBody>
@@ -18301,27 +14961,17 @@
                         <a:defRPr/>
                       </a:pPr>
                       <a:r>
-                        <a:rPr lang="en-US" sz="1100">
+                        <a:rPr lang="fr-FR" sz="1100">
                           <a:solidFill>
                             <a:schemeClr val="tx1"/>
                           </a:solidFill>
-                          <a:effectLst/>
                           <a:latin typeface="Adobe Clean" panose="020B0503020404020204" pitchFamily="34" charset="0"/>
                           <a:ea typeface="+mn-ea"/>
                           <a:cs typeface="+mn-cs"/>
                           <a:hlinkClick r:id="rId9"/>
                         </a:rPr>
-                        <a:t>Production Issues &amp; System Outages</a:t>
+                        <a:t>Problèmes de production et panne du système</a:t>
                       </a:r>
-                      <a:endParaRPr lang="en-US" sz="1100">
-                        <a:solidFill>
-                          <a:schemeClr val="tx1"/>
-                        </a:solidFill>
-                        <a:effectLst/>
-                        <a:latin typeface="Adobe Clean" panose="020B0503020404020204" pitchFamily="34" charset="0"/>
-                        <a:ea typeface="+mn-ea"/>
-                        <a:cs typeface="+mn-cs"/>
-                      </a:endParaRPr>
                     </a:p>
                   </a:txBody>
                   <a:tcPr anchor="ctr">
@@ -18395,7 +15045,7 @@
                         <a:defRPr/>
                       </a:pPr>
                       <a:r>
-                        <a:rPr lang="en-US" sz="1000" kern="1200">
+                        <a:rPr lang="fr-FR" sz="1000">
                           <a:solidFill>
                             <a:srgbClr val="000000"/>
                           </a:solidFill>
@@ -18403,7 +15053,7 @@
                           <a:ea typeface="+mn-ea"/>
                           <a:cs typeface="+mn-cs"/>
                         </a:rPr>
-                        <a:t>Status.adobe.com conveys the health information of all Adobe products and services that are deployed in multi-tenant environments. Customers can choose their subscription preferences to get email notifications whenever Adobe creates, updates or resolves a product event. This can include scheduled maintenance or service issues of varying levels of severity. </a:t>
+                        <a:t>Status.adobe.com transmet les informations d’intégrité de tous les produits et services d’Adobe déployés dans des environnements multi-entité. Les clients peuvent choisir leurs préférences d’abonnement afin de recevoir des notifications par e-mail chaque fois qu’Adobe crée, met à jour ou résout un événement de produit. Cet événement peut inclure des problèmes de maintenance planifiée ou de service présentant différents niveaux de gravité. </a:t>
                       </a:r>
                     </a:p>
                   </a:txBody>
@@ -18485,27 +15135,17 @@
                         <a:defRPr/>
                       </a:pPr>
                       <a:r>
-                        <a:rPr lang="en-US" sz="1100">
+                        <a:rPr lang="fr-FR" sz="1100">
                           <a:solidFill>
                             <a:schemeClr val="tx1"/>
                           </a:solidFill>
-                          <a:effectLst/>
                           <a:latin typeface="Adobe Clean" panose="020B0503020404020204" pitchFamily="34" charset="0"/>
                           <a:ea typeface="+mn-ea"/>
                           <a:cs typeface="+mn-cs"/>
                           <a:hlinkClick r:id="rId10"/>
                         </a:rPr>
-                        <a:t>Terms and Conditions</a:t>
+                        <a:t>Termes et conditions</a:t>
                       </a:r>
-                      <a:endParaRPr lang="en-US" sz="1100">
-                        <a:solidFill>
-                          <a:schemeClr val="tx1"/>
-                        </a:solidFill>
-                        <a:effectLst/>
-                        <a:latin typeface="Adobe Clean" panose="020B0503020404020204" pitchFamily="34" charset="0"/>
-                        <a:ea typeface="+mn-ea"/>
-                        <a:cs typeface="+mn-cs"/>
-                      </a:endParaRPr>
                     </a:p>
                   </a:txBody>
                   <a:tcPr anchor="ctr">
@@ -18562,7 +15202,7 @@
                     <a:lstStyle/>
                     <a:p>
                       <a:r>
-                        <a:rPr lang="en-US" sz="1000" kern="1200">
+                        <a:rPr lang="fr-FR" sz="1000" dirty="0">
                           <a:solidFill>
                             <a:srgbClr val="000000"/>
                           </a:solidFill>
@@ -18570,7 +15210,7 @@
                           <a:ea typeface="+mn-ea"/>
                           <a:cs typeface="+mn-cs"/>
                         </a:rPr>
-                        <a:t>Terms and conditions detailing Support Services offerings</a:t>
+                        <a:t>Il s’agit des termes et conditions détaillant les offres des services d’assistance</a:t>
                       </a:r>
                     </a:p>
                   </a:txBody>
@@ -19350,6 +15990,12 @@
 </file>
 
 <file path=customXml/item2.xml><?xml version="1.0" encoding="utf-8"?>
+<p:properties xmlns:p="http://schemas.microsoft.com/office/2006/metadata/properties" xmlns:xsi="http://www.w3.org/2001/XMLSchema-instance" xmlns:pc="http://schemas.microsoft.com/office/infopath/2007/PartnerControls">
+  <documentManagement/>
+</p:properties>
+</file>
+
+<file path=customXml/item3.xml><?xml version="1.0" encoding="utf-8"?>
 <ct:contentTypeSchema xmlns:ct="http://schemas.microsoft.com/office/2006/metadata/contentType" xmlns:ma="http://schemas.microsoft.com/office/2006/metadata/properties/metaAttributes" ct:_="" ma:_="" ma:contentTypeName="Document" ma:contentTypeID="0x010100E783BF6876BCC646A459363AF21A7736" ma:contentTypeVersion="10" ma:contentTypeDescription="Create a new document." ma:contentTypeScope="" ma:versionID="c4ffda7f4f415767600769e454c2ea87">
   <xsd:schema xmlns:xsd="http://www.w3.org/2001/XMLSchema" xmlns:xs="http://www.w3.org/2001/XMLSchema" xmlns:p="http://schemas.microsoft.com/office/2006/metadata/properties" xmlns:ns2="8a053bff-88be-49e4-9a87-e748e18b8b62" xmlns:ns3="6c8368ec-3776-49b5-a5bb-90648cf9530f" targetNamespace="http://schemas.microsoft.com/office/2006/metadata/properties" ma:root="true" ma:fieldsID="df3ec33bccc23e23bce7bc897fad43d1" ns2:_="" ns3:_="">
     <xsd:import namespace="8a053bff-88be-49e4-9a87-e748e18b8b62"/>
@@ -19554,12 +16200,6 @@
 </ct:contentTypeSchema>
 </file>
 
-<file path=customXml/item3.xml><?xml version="1.0" encoding="utf-8"?>
-<p:properties xmlns:p="http://schemas.microsoft.com/office/2006/metadata/properties" xmlns:xsi="http://www.w3.org/2001/XMLSchema-instance" xmlns:pc="http://schemas.microsoft.com/office/infopath/2007/PartnerControls">
-  <documentManagement/>
-</p:properties>
-</file>
-
 <file path=customXml/itemProps1.xml><?xml version="1.0" encoding="utf-8"?>
 <ds:datastoreItem xmlns:ds="http://schemas.openxmlformats.org/officeDocument/2006/customXml" ds:itemID="{669D9D3B-3229-44EE-9964-24A06AE66887}">
   <ds:schemaRefs>
@@ -19569,6 +16209,15 @@
 </file>
 
 <file path=customXml/itemProps2.xml><?xml version="1.0" encoding="utf-8"?>
+<ds:datastoreItem xmlns:ds="http://schemas.openxmlformats.org/officeDocument/2006/customXml" ds:itemID="{CED41536-010B-47B1-9229-B72BE4090090}">
+  <ds:schemaRefs>
+    <ds:schemaRef ds:uri="http://schemas.microsoft.com/office/2006/metadata/properties"/>
+    <ds:schemaRef ds:uri="http://schemas.microsoft.com/office/infopath/2007/PartnerControls"/>
+  </ds:schemaRefs>
+</ds:datastoreItem>
+</file>
+
+<file path=customXml/itemProps3.xml><?xml version="1.0" encoding="utf-8"?>
 <ds:datastoreItem xmlns:ds="http://schemas.openxmlformats.org/officeDocument/2006/customXml" ds:itemID="{75C1A8FD-3884-41A0-BE37-D15776C885D1}">
   <ds:schemaRefs>
     <ds:schemaRef ds:uri="6c8368ec-3776-49b5-a5bb-90648cf9530f"/>
@@ -19585,13 +16234,4 @@
     <ds:schemaRef ds:uri="http://www.w3.org/2001/XMLSchema"/>
   </ds:schemaRefs>
 </ds:datastoreItem>
-</file>
-
-<file path=customXml/itemProps3.xml><?xml version="1.0" encoding="utf-8"?>
-<ds:datastoreItem xmlns:ds="http://schemas.openxmlformats.org/officeDocument/2006/customXml" ds:itemID="{CED41536-010B-47B1-9229-B72BE4090090}">
-  <ds:schemaRefs>
-    <ds:schemaRef ds:uri="http://schemas.microsoft.com/office/2006/metadata/properties"/>
-    <ds:schemaRef ds:uri="http://schemas.microsoft.com/office/infopath/2007/PartnerControls"/>
-  </ds:schemaRefs>
-</ds:datastoreItem>
 </file>